--- a/communication_theory/FINAL/FINAL大抄.pptx
+++ b/communication_theory/FINAL/FINAL大抄.pptx
@@ -104,6 +104,11 @@
       </a:defRPr>
     </a:lvl9pPr>
   </p:defaultTextStyle>
+  <p:extLst>
+    <p:ext uri="{EFAFB233-063F-42B5-8137-9DF3F51BA10A}">
+      <p15:sldGuideLst xmlns:p15="http://schemas.microsoft.com/office/powerpoint/2012/main"/>
+    </p:ext>
+  </p:extLst>
 </p:presentation>
 </file>
 
@@ -2974,8 +2979,8 @@
             </p:nvSpPr>
             <p:spPr>
               <a:xfrm>
-                <a:off x="365761" y="288757"/>
-                <a:ext cx="8114096" cy="1336007"/>
+                <a:off x="165736" y="0"/>
+                <a:ext cx="8114096" cy="2882969"/>
               </a:xfrm>
               <a:prstGeom prst="rect">
                 <a:avLst/>
@@ -2993,34 +2998,44 @@
                   <a:buChar char="p"/>
                 </a:pPr>
                 <a:r>
-                  <a:rPr lang="en-US" altLang="zh-TW" b="0" dirty="0" smtClean="0"/>
+                  <a:rPr lang="en-US" altLang="zh-TW" b="0" dirty="0" smtClean="0">
+                    <a:latin typeface="Times New Roman" panose="02020603050405020304" pitchFamily="18" charset="0"/>
+                    <a:ea typeface="微軟正黑體" panose="020B0604030504040204" pitchFamily="34" charset="-120"/>
+                    <a:cs typeface="Times New Roman" panose="02020603050405020304" pitchFamily="18" charset="0"/>
+                  </a:rPr>
                   <a:t>M-</a:t>
                 </a:r>
                 <a:r>
-                  <a:rPr lang="en-US" altLang="zh-TW" b="0" dirty="0" err="1" smtClean="0"/>
+                  <a:rPr lang="en-US" altLang="zh-TW" b="0" dirty="0" err="1" smtClean="0">
+                    <a:latin typeface="Times New Roman" panose="02020603050405020304" pitchFamily="18" charset="0"/>
+                    <a:ea typeface="微軟正黑體" panose="020B0604030504040204" pitchFamily="34" charset="-120"/>
+                    <a:cs typeface="Times New Roman" panose="02020603050405020304" pitchFamily="18" charset="0"/>
+                  </a:rPr>
                   <a:t>ary</a:t>
                 </a:r>
                 <a:r>
-                  <a:rPr lang="en-US" altLang="zh-TW" b="0" dirty="0" smtClean="0"/>
+                  <a:rPr lang="en-US" altLang="zh-TW" b="0" dirty="0" smtClean="0">
+                    <a:latin typeface="Times New Roman" panose="02020603050405020304" pitchFamily="18" charset="0"/>
+                    <a:ea typeface="微軟正黑體" panose="020B0604030504040204" pitchFamily="34" charset="-120"/>
+                    <a:cs typeface="Times New Roman" panose="02020603050405020304" pitchFamily="18" charset="0"/>
+                  </a:rPr>
                   <a:t> duo-binary signaling </a:t>
                 </a:r>
                 <a:r>
                   <a:rPr lang="zh-TW" altLang="en-US" b="0" dirty="0" smtClean="0">
-                    <a:latin typeface="微軟正黑體" panose="020B0604030504040204" pitchFamily="34" charset="-120"/>
+                    <a:latin typeface="Times New Roman" panose="02020603050405020304" pitchFamily="18" charset="0"/>
                     <a:ea typeface="微軟正黑體" panose="020B0604030504040204" pitchFamily="34" charset="-120"/>
+                    <a:cs typeface="Times New Roman" panose="02020603050405020304" pitchFamily="18" charset="0"/>
                   </a:rPr>
                   <a:t>錯誤率 </a:t>
                 </a:r>
                 <a:r>
                   <a:rPr lang="en-US" altLang="zh-TW" b="0" dirty="0" smtClean="0">
-                    <a:latin typeface="微軟正黑體" panose="020B0604030504040204" pitchFamily="34" charset="-120"/>
+                    <a:latin typeface="Times New Roman" panose="02020603050405020304" pitchFamily="18" charset="0"/>
                     <a:ea typeface="微軟正黑體" panose="020B0604030504040204" pitchFamily="34" charset="-120"/>
+                    <a:cs typeface="Times New Roman" panose="02020603050405020304" pitchFamily="18" charset="0"/>
                   </a:rPr>
-                  <a:t>:</a:t>
-                </a:r>
-                <a:r>
-                  <a:rPr lang="en-US" altLang="zh-TW" b="0" dirty="0" smtClean="0"/>
-                  <a:t> </a:t>
+                  <a:t>: </a:t>
                 </a:r>
                 <a14:m>
                   <m:oMath xmlns:m="http://schemas.openxmlformats.org/officeDocument/2006/math">
@@ -3305,7 +3320,11 @@
                     </m:rad>
                   </m:oMath>
                 </a14:m>
-                <a:endParaRPr lang="en-US" altLang="zh-TW" b="0" dirty="0" smtClean="0"/>
+                <a:endParaRPr lang="en-US" altLang="zh-TW" b="0" dirty="0" smtClean="0">
+                  <a:latin typeface="Times New Roman" panose="02020603050405020304" pitchFamily="18" charset="0"/>
+                  <a:ea typeface="微軟正黑體" panose="020B0604030504040204" pitchFamily="34" charset="-120"/>
+                  <a:cs typeface="Times New Roman" panose="02020603050405020304" pitchFamily="18" charset="0"/>
+                </a:endParaRPr>
               </a:p>
               <a:p>
                 <a:pPr marL="285750" indent="-285750">
@@ -3313,7 +3332,11 @@
                   <a:buChar char="p"/>
                 </a:pPr>
                 <a:r>
-                  <a:rPr lang="en-US" altLang="zh-TW" dirty="0" smtClean="0"/>
+                  <a:rPr lang="en-US" altLang="zh-TW" dirty="0" smtClean="0">
+                    <a:latin typeface="Times New Roman" panose="02020603050405020304" pitchFamily="18" charset="0"/>
+                    <a:ea typeface="微軟正黑體" panose="020B0604030504040204" pitchFamily="34" charset="-120"/>
+                    <a:cs typeface="Times New Roman" panose="02020603050405020304" pitchFamily="18" charset="0"/>
+                  </a:rPr>
                   <a:t>Symbol rate : </a:t>
                 </a:r>
                 <a14:m>
@@ -3400,14 +3423,1237 @@
                     </m:f>
                   </m:oMath>
                 </a14:m>
-                <a:endParaRPr lang="en-US" altLang="zh-TW" dirty="0" smtClean="0"/>
+                <a:endParaRPr lang="en-US" altLang="zh-TW" dirty="0" smtClean="0">
+                  <a:latin typeface="Times New Roman" panose="02020603050405020304" pitchFamily="18" charset="0"/>
+                  <a:ea typeface="微軟正黑體" panose="020B0604030504040204" pitchFamily="34" charset="-120"/>
+                  <a:cs typeface="Times New Roman" panose="02020603050405020304" pitchFamily="18" charset="0"/>
+                </a:endParaRPr>
               </a:p>
               <a:p>
                 <a:pPr marL="285750" indent="-285750">
                   <a:buFont typeface="Wingdings" panose="05000000000000000000" pitchFamily="2" charset="2"/>
                   <a:buChar char="p"/>
                 </a:pPr>
-                <a:endParaRPr lang="zh-TW" altLang="en-US" dirty="0"/>
+                <a:r>
+                  <a:rPr lang="en-US" altLang="zh-TW" dirty="0" smtClean="0">
+                    <a:latin typeface="Times New Roman" panose="02020603050405020304" pitchFamily="18" charset="0"/>
+                    <a:ea typeface="微軟正黑體" panose="020B0604030504040204" pitchFamily="34" charset="-120"/>
+                    <a:cs typeface="Times New Roman" panose="02020603050405020304" pitchFamily="18" charset="0"/>
+                  </a:rPr>
+                  <a:t>Raised cosine bandwidth : </a:t>
+                </a:r>
+                <a14:m>
+                  <m:oMath xmlns:m="http://schemas.openxmlformats.org/officeDocument/2006/math">
+                    <m:f>
+                      <m:fPr>
+                        <m:ctrlPr>
+                          <a:rPr lang="en-US" altLang="zh-TW" b="0" i="1" smtClean="0">
+                            <a:latin typeface="Cambria Math" panose="02040503050406030204" pitchFamily="18" charset="0"/>
+                          </a:rPr>
+                        </m:ctrlPr>
+                      </m:fPr>
+                      <m:num>
+                        <m:r>
+                          <a:rPr lang="en-US" altLang="zh-TW" b="0" i="1" smtClean="0">
+                            <a:latin typeface="Cambria Math" panose="02040503050406030204" pitchFamily="18" charset="0"/>
+                          </a:rPr>
+                          <m:t>𝑊</m:t>
+                        </m:r>
+                      </m:num>
+                      <m:den>
+                        <m:r>
+                          <a:rPr lang="en-US" altLang="zh-TW" b="0" i="1" smtClean="0">
+                            <a:latin typeface="Cambria Math" panose="02040503050406030204" pitchFamily="18" charset="0"/>
+                          </a:rPr>
+                          <m:t>2</m:t>
+                        </m:r>
+                      </m:den>
+                    </m:f>
+                    <m:r>
+                      <a:rPr lang="en-US" altLang="zh-TW" b="0" i="1" smtClean="0">
+                        <a:latin typeface="Cambria Math" panose="02040503050406030204" pitchFamily="18" charset="0"/>
+                      </a:rPr>
+                      <m:t>=</m:t>
+                    </m:r>
+                    <m:f>
+                      <m:fPr>
+                        <m:ctrlPr>
+                          <a:rPr lang="en-US" altLang="zh-TW" b="0" i="1" smtClean="0">
+                            <a:latin typeface="Cambria Math" panose="02040503050406030204" pitchFamily="18" charset="0"/>
+                          </a:rPr>
+                        </m:ctrlPr>
+                      </m:fPr>
+                      <m:num>
+                        <m:r>
+                          <a:rPr lang="en-US" altLang="zh-TW" b="0" i="1" smtClean="0">
+                            <a:latin typeface="Cambria Math" panose="02040503050406030204" pitchFamily="18" charset="0"/>
+                          </a:rPr>
+                          <m:t>1</m:t>
+                        </m:r>
+                      </m:num>
+                      <m:den>
+                        <m:r>
+                          <a:rPr lang="en-US" altLang="zh-TW" b="0" i="1" smtClean="0">
+                            <a:latin typeface="Cambria Math" panose="02040503050406030204" pitchFamily="18" charset="0"/>
+                          </a:rPr>
+                          <m:t>2</m:t>
+                        </m:r>
+                        <m:r>
+                          <a:rPr lang="en-US" altLang="zh-TW" b="0" i="1" smtClean="0">
+                            <a:latin typeface="Cambria Math" panose="02040503050406030204" pitchFamily="18" charset="0"/>
+                          </a:rPr>
+                          <m:t>𝑇</m:t>
+                        </m:r>
+                      </m:den>
+                    </m:f>
+                    <m:r>
+                      <a:rPr lang="en-US" altLang="zh-TW" b="0" i="1" smtClean="0">
+                        <a:latin typeface="Cambria Math" panose="02040503050406030204" pitchFamily="18" charset="0"/>
+                      </a:rPr>
+                      <m:t>(1+</m:t>
+                    </m:r>
+                    <m:r>
+                      <a:rPr lang="en-US" altLang="zh-TW" b="0" i="1" smtClean="0">
+                        <a:latin typeface="Cambria Math" panose="02040503050406030204" pitchFamily="18" charset="0"/>
+                      </a:rPr>
+                      <m:t>𝛽</m:t>
+                    </m:r>
+                    <m:r>
+                      <a:rPr lang="en-US" altLang="zh-TW" b="0" i="1" smtClean="0">
+                        <a:latin typeface="Cambria Math" panose="02040503050406030204" pitchFamily="18" charset="0"/>
+                      </a:rPr>
+                      <m:t>)</m:t>
+                    </m:r>
+                  </m:oMath>
+                </a14:m>
+                <a:endParaRPr lang="en-US" altLang="zh-TW" dirty="0" smtClean="0">
+                  <a:latin typeface="Times New Roman" panose="02020603050405020304" pitchFamily="18" charset="0"/>
+                  <a:ea typeface="微軟正黑體" panose="020B0604030504040204" pitchFamily="34" charset="-120"/>
+                  <a:cs typeface="Times New Roman" panose="02020603050405020304" pitchFamily="18" charset="0"/>
+                </a:endParaRPr>
+              </a:p>
+              <a:p>
+                <a:pPr marL="285750" indent="-285750">
+                  <a:buFont typeface="Wingdings" panose="05000000000000000000" pitchFamily="2" charset="2"/>
+                  <a:buChar char="p"/>
+                </a:pPr>
+                <a:r>
+                  <a:rPr lang="zh-TW" altLang="en-US" dirty="0" smtClean="0">
+                    <a:latin typeface="Times New Roman" panose="02020603050405020304" pitchFamily="18" charset="0"/>
+                    <a:ea typeface="微軟正黑體" panose="020B0604030504040204" pitchFamily="34" charset="-120"/>
+                    <a:cs typeface="Times New Roman" panose="02020603050405020304" pitchFamily="18" charset="0"/>
+                  </a:rPr>
+                  <a:t>隨機數位波 </a:t>
+                </a:r>
+                <a:r>
+                  <a:rPr lang="en-US" altLang="zh-TW" dirty="0" smtClean="0">
+                    <a:latin typeface="Times New Roman" panose="02020603050405020304" pitchFamily="18" charset="0"/>
+                    <a:ea typeface="微軟正黑體" panose="020B0604030504040204" pitchFamily="34" charset="-120"/>
+                    <a:cs typeface="Times New Roman" panose="02020603050405020304" pitchFamily="18" charset="0"/>
+                  </a:rPr>
+                  <a:t>: </a:t>
+                </a:r>
+                <a14:m>
+                  <m:oMath xmlns:m="http://schemas.openxmlformats.org/officeDocument/2006/math">
+                    <m:sSub>
+                      <m:sSubPr>
+                        <m:ctrlPr>
+                          <a:rPr lang="en-US" altLang="zh-TW" b="0" i="1" smtClean="0">
+                            <a:latin typeface="Cambria Math" panose="02040503050406030204" pitchFamily="18" charset="0"/>
+                            <a:ea typeface="微軟正黑體" panose="020B0604030504040204" pitchFamily="34" charset="-120"/>
+                            <a:cs typeface="Times New Roman" panose="02020603050405020304" pitchFamily="18" charset="0"/>
+                          </a:rPr>
+                        </m:ctrlPr>
+                      </m:sSubPr>
+                      <m:e>
+                        <m:r>
+                          <a:rPr lang="en-US" altLang="zh-TW" b="0" i="1" smtClean="0">
+                            <a:latin typeface="Cambria Math" panose="02040503050406030204" pitchFamily="18" charset="0"/>
+                            <a:ea typeface="微軟正黑體" panose="020B0604030504040204" pitchFamily="34" charset="-120"/>
+                            <a:cs typeface="Times New Roman" panose="02020603050405020304" pitchFamily="18" charset="0"/>
+                          </a:rPr>
+                          <m:t>𝑅</m:t>
+                        </m:r>
+                      </m:e>
+                      <m:sub>
+                        <m:r>
+                          <a:rPr lang="en-US" altLang="zh-TW" b="0" i="1" smtClean="0">
+                            <a:latin typeface="Cambria Math" panose="02040503050406030204" pitchFamily="18" charset="0"/>
+                            <a:ea typeface="微軟正黑體" panose="020B0604030504040204" pitchFamily="34" charset="-120"/>
+                            <a:cs typeface="Times New Roman" panose="02020603050405020304" pitchFamily="18" charset="0"/>
+                          </a:rPr>
+                          <m:t>𝑠</m:t>
+                        </m:r>
+                      </m:sub>
+                    </m:sSub>
+                    <m:d>
+                      <m:dPr>
+                        <m:ctrlPr>
+                          <a:rPr lang="en-US" altLang="zh-TW" b="0" i="1" smtClean="0">
+                            <a:latin typeface="Cambria Math" panose="02040503050406030204" pitchFamily="18" charset="0"/>
+                            <a:ea typeface="微軟正黑體" panose="020B0604030504040204" pitchFamily="34" charset="-120"/>
+                            <a:cs typeface="Times New Roman" panose="02020603050405020304" pitchFamily="18" charset="0"/>
+                          </a:rPr>
+                        </m:ctrlPr>
+                      </m:dPr>
+                      <m:e>
+                        <m:r>
+                          <a:rPr lang="en-US" altLang="zh-TW" b="0" i="1" smtClean="0">
+                            <a:latin typeface="Cambria Math" panose="02040503050406030204" pitchFamily="18" charset="0"/>
+                            <a:ea typeface="微軟正黑體" panose="020B0604030504040204" pitchFamily="34" charset="-120"/>
+                            <a:cs typeface="Times New Roman" panose="02020603050405020304" pitchFamily="18" charset="0"/>
+                          </a:rPr>
+                          <m:t>𝜏</m:t>
+                        </m:r>
+                      </m:e>
+                    </m:d>
+                    <m:r>
+                      <a:rPr lang="en-US" altLang="zh-TW" b="0" i="1" smtClean="0">
+                        <a:latin typeface="Cambria Math" panose="02040503050406030204" pitchFamily="18" charset="0"/>
+                        <a:ea typeface="微軟正黑體" panose="020B0604030504040204" pitchFamily="34" charset="-120"/>
+                        <a:cs typeface="Times New Roman" panose="02020603050405020304" pitchFamily="18" charset="0"/>
+                      </a:rPr>
+                      <m:t>=</m:t>
+                    </m:r>
+                    <m:f>
+                      <m:fPr>
+                        <m:ctrlPr>
+                          <a:rPr lang="en-US" altLang="zh-TW" b="0" i="1" smtClean="0">
+                            <a:latin typeface="Cambria Math" panose="02040503050406030204" pitchFamily="18" charset="0"/>
+                            <a:ea typeface="微軟正黑體" panose="020B0604030504040204" pitchFamily="34" charset="-120"/>
+                            <a:cs typeface="Times New Roman" panose="02020603050405020304" pitchFamily="18" charset="0"/>
+                          </a:rPr>
+                        </m:ctrlPr>
+                      </m:fPr>
+                      <m:num>
+                        <m:r>
+                          <a:rPr lang="en-US" altLang="zh-TW" b="0" i="1" smtClean="0">
+                            <a:latin typeface="Cambria Math" panose="02040503050406030204" pitchFamily="18" charset="0"/>
+                            <a:ea typeface="微軟正黑體" panose="020B0604030504040204" pitchFamily="34" charset="-120"/>
+                            <a:cs typeface="Times New Roman" panose="02020603050405020304" pitchFamily="18" charset="0"/>
+                          </a:rPr>
+                          <m:t>1</m:t>
+                        </m:r>
+                      </m:num>
+                      <m:den>
+                        <m:r>
+                          <a:rPr lang="en-US" altLang="zh-TW" b="0" i="1" smtClean="0">
+                            <a:latin typeface="Cambria Math" panose="02040503050406030204" pitchFamily="18" charset="0"/>
+                            <a:ea typeface="微軟正黑體" panose="020B0604030504040204" pitchFamily="34" charset="-120"/>
+                            <a:cs typeface="Times New Roman" panose="02020603050405020304" pitchFamily="18" charset="0"/>
+                          </a:rPr>
+                          <m:t>𝑇</m:t>
+                        </m:r>
+                      </m:den>
+                    </m:f>
+                    <m:nary>
+                      <m:naryPr>
+                        <m:chr m:val="∑"/>
+                        <m:ctrlPr>
+                          <a:rPr lang="en-US" altLang="zh-TW" b="0" i="1" smtClean="0">
+                            <a:latin typeface="Cambria Math" panose="02040503050406030204" pitchFamily="18" charset="0"/>
+                            <a:ea typeface="微軟正黑體" panose="020B0604030504040204" pitchFamily="34" charset="-120"/>
+                            <a:cs typeface="Times New Roman" panose="02020603050405020304" pitchFamily="18" charset="0"/>
+                          </a:rPr>
+                        </m:ctrlPr>
+                      </m:naryPr>
+                      <m:sub>
+                        <m:r>
+                          <m:rPr>
+                            <m:brk m:alnAt="23"/>
+                          </m:rPr>
+                          <a:rPr lang="en-US" altLang="zh-TW" b="0" i="1" smtClean="0">
+                            <a:latin typeface="Cambria Math" panose="02040503050406030204" pitchFamily="18" charset="0"/>
+                            <a:ea typeface="微軟正黑體" panose="020B0604030504040204" pitchFamily="34" charset="-120"/>
+                            <a:cs typeface="Times New Roman" panose="02020603050405020304" pitchFamily="18" charset="0"/>
+                          </a:rPr>
+                          <m:t>𝑚</m:t>
+                        </m:r>
+                        <m:r>
+                          <a:rPr lang="en-US" altLang="zh-TW" b="0" i="1" smtClean="0">
+                            <a:latin typeface="Cambria Math" panose="02040503050406030204" pitchFamily="18" charset="0"/>
+                            <a:ea typeface="微軟正黑體" panose="020B0604030504040204" pitchFamily="34" charset="-120"/>
+                            <a:cs typeface="Times New Roman" panose="02020603050405020304" pitchFamily="18" charset="0"/>
+                          </a:rPr>
+                          <m:t>=−</m:t>
+                        </m:r>
+                        <m:r>
+                          <a:rPr lang="en-US" altLang="zh-TW" b="0" i="1" smtClean="0">
+                            <a:latin typeface="Cambria Math" panose="02040503050406030204" pitchFamily="18" charset="0"/>
+                            <a:ea typeface="微軟正黑體" panose="020B0604030504040204" pitchFamily="34" charset="-120"/>
+                            <a:cs typeface="Times New Roman" panose="02020603050405020304" pitchFamily="18" charset="0"/>
+                          </a:rPr>
+                          <m:t>∞</m:t>
+                        </m:r>
+                      </m:sub>
+                      <m:sup>
+                        <m:r>
+                          <a:rPr lang="en-US" altLang="zh-TW" b="0" i="1" smtClean="0">
+                            <a:latin typeface="Cambria Math" panose="02040503050406030204" pitchFamily="18" charset="0"/>
+                            <a:ea typeface="微軟正黑體" panose="020B0604030504040204" pitchFamily="34" charset="-120"/>
+                            <a:cs typeface="Times New Roman" panose="02020603050405020304" pitchFamily="18" charset="0"/>
+                          </a:rPr>
+                          <m:t>∞</m:t>
+                        </m:r>
+                      </m:sup>
+                      <m:e>
+                        <m:sSub>
+                          <m:sSubPr>
+                            <m:ctrlPr>
+                              <a:rPr lang="en-US" altLang="zh-TW" b="0" i="1" smtClean="0">
+                                <a:latin typeface="Cambria Math" panose="02040503050406030204" pitchFamily="18" charset="0"/>
+                                <a:ea typeface="微軟正黑體" panose="020B0604030504040204" pitchFamily="34" charset="-120"/>
+                                <a:cs typeface="Times New Roman" panose="02020603050405020304" pitchFamily="18" charset="0"/>
+                              </a:rPr>
+                            </m:ctrlPr>
+                          </m:sSubPr>
+                          <m:e>
+                            <m:r>
+                              <a:rPr lang="en-US" altLang="zh-TW" b="0" i="1" smtClean="0">
+                                <a:latin typeface="Cambria Math" panose="02040503050406030204" pitchFamily="18" charset="0"/>
+                                <a:ea typeface="微軟正黑體" panose="020B0604030504040204" pitchFamily="34" charset="-120"/>
+                                <a:cs typeface="Times New Roman" panose="02020603050405020304" pitchFamily="18" charset="0"/>
+                              </a:rPr>
+                              <m:t>𝑅</m:t>
+                            </m:r>
+                          </m:e>
+                          <m:sub>
+                            <m:r>
+                              <a:rPr lang="en-US" altLang="zh-TW" b="0" i="1" smtClean="0">
+                                <a:latin typeface="Cambria Math" panose="02040503050406030204" pitchFamily="18" charset="0"/>
+                                <a:ea typeface="微軟正黑體" panose="020B0604030504040204" pitchFamily="34" charset="-120"/>
+                                <a:cs typeface="Times New Roman" panose="02020603050405020304" pitchFamily="18" charset="0"/>
+                              </a:rPr>
+                              <m:t>𝑎</m:t>
+                            </m:r>
+                          </m:sub>
+                        </m:sSub>
+                        <m:d>
+                          <m:dPr>
+                            <m:ctrlPr>
+                              <a:rPr lang="en-US" altLang="zh-TW" b="0" i="1" smtClean="0">
+                                <a:latin typeface="Cambria Math" panose="02040503050406030204" pitchFamily="18" charset="0"/>
+                                <a:ea typeface="微軟正黑體" panose="020B0604030504040204" pitchFamily="34" charset="-120"/>
+                                <a:cs typeface="Times New Roman" panose="02020603050405020304" pitchFamily="18" charset="0"/>
+                              </a:rPr>
+                            </m:ctrlPr>
+                          </m:dPr>
+                          <m:e>
+                            <m:r>
+                              <a:rPr lang="en-US" altLang="zh-TW" b="0" i="1" smtClean="0">
+                                <a:latin typeface="Cambria Math" panose="02040503050406030204" pitchFamily="18" charset="0"/>
+                                <a:ea typeface="微軟正黑體" panose="020B0604030504040204" pitchFamily="34" charset="-120"/>
+                                <a:cs typeface="Times New Roman" panose="02020603050405020304" pitchFamily="18" charset="0"/>
+                              </a:rPr>
+                              <m:t>𝑚</m:t>
+                            </m:r>
+                          </m:e>
+                        </m:d>
+                        <m:sSub>
+                          <m:sSubPr>
+                            <m:ctrlPr>
+                              <a:rPr lang="en-US" altLang="zh-TW" b="0" i="1" smtClean="0">
+                                <a:latin typeface="Cambria Math" panose="02040503050406030204" pitchFamily="18" charset="0"/>
+                                <a:ea typeface="微軟正黑體" panose="020B0604030504040204" pitchFamily="34" charset="-120"/>
+                                <a:cs typeface="Times New Roman" panose="02020603050405020304" pitchFamily="18" charset="0"/>
+                              </a:rPr>
+                            </m:ctrlPr>
+                          </m:sSubPr>
+                          <m:e>
+                            <m:r>
+                              <a:rPr lang="en-US" altLang="zh-TW" b="0" i="1" smtClean="0">
+                                <a:latin typeface="Cambria Math" panose="02040503050406030204" pitchFamily="18" charset="0"/>
+                                <a:ea typeface="微軟正黑體" panose="020B0604030504040204" pitchFamily="34" charset="-120"/>
+                                <a:cs typeface="Times New Roman" panose="02020603050405020304" pitchFamily="18" charset="0"/>
+                              </a:rPr>
+                              <m:t>𝑅</m:t>
+                            </m:r>
+                          </m:e>
+                          <m:sub>
+                            <m:r>
+                              <a:rPr lang="en-US" altLang="zh-TW" b="0" i="1" smtClean="0">
+                                <a:latin typeface="Cambria Math" panose="02040503050406030204" pitchFamily="18" charset="0"/>
+                                <a:ea typeface="微軟正黑體" panose="020B0604030504040204" pitchFamily="34" charset="-120"/>
+                                <a:cs typeface="Times New Roman" panose="02020603050405020304" pitchFamily="18" charset="0"/>
+                              </a:rPr>
+                              <m:t>𝑔</m:t>
+                            </m:r>
+                          </m:sub>
+                        </m:sSub>
+                        <m:r>
+                          <a:rPr lang="en-US" altLang="zh-TW" b="0" i="1" smtClean="0">
+                            <a:latin typeface="Cambria Math" panose="02040503050406030204" pitchFamily="18" charset="0"/>
+                            <a:ea typeface="微軟正黑體" panose="020B0604030504040204" pitchFamily="34" charset="-120"/>
+                            <a:cs typeface="Times New Roman" panose="02020603050405020304" pitchFamily="18" charset="0"/>
+                          </a:rPr>
+                          <m:t>(</m:t>
+                        </m:r>
+                        <m:r>
+                          <a:rPr lang="en-US" altLang="zh-TW" b="0" i="1" smtClean="0">
+                            <a:latin typeface="Cambria Math" panose="02040503050406030204" pitchFamily="18" charset="0"/>
+                            <a:ea typeface="微軟正黑體" panose="020B0604030504040204" pitchFamily="34" charset="-120"/>
+                            <a:cs typeface="Times New Roman" panose="02020603050405020304" pitchFamily="18" charset="0"/>
+                          </a:rPr>
+                          <m:t>𝜏</m:t>
+                        </m:r>
+                        <m:r>
+                          <a:rPr lang="en-US" altLang="zh-TW" b="0" i="1" smtClean="0">
+                            <a:latin typeface="Cambria Math" panose="02040503050406030204" pitchFamily="18" charset="0"/>
+                            <a:ea typeface="微軟正黑體" panose="020B0604030504040204" pitchFamily="34" charset="-120"/>
+                            <a:cs typeface="Times New Roman" panose="02020603050405020304" pitchFamily="18" charset="0"/>
+                          </a:rPr>
+                          <m:t>−</m:t>
+                        </m:r>
+                        <m:r>
+                          <a:rPr lang="en-US" altLang="zh-TW" b="0" i="1" smtClean="0">
+                            <a:latin typeface="Cambria Math" panose="02040503050406030204" pitchFamily="18" charset="0"/>
+                            <a:ea typeface="微軟正黑體" panose="020B0604030504040204" pitchFamily="34" charset="-120"/>
+                            <a:cs typeface="Times New Roman" panose="02020603050405020304" pitchFamily="18" charset="0"/>
+                          </a:rPr>
+                          <m:t>𝑚𝑇</m:t>
+                        </m:r>
+                        <m:r>
+                          <a:rPr lang="en-US" altLang="zh-TW" b="0" i="1" smtClean="0">
+                            <a:latin typeface="Cambria Math" panose="02040503050406030204" pitchFamily="18" charset="0"/>
+                            <a:ea typeface="微軟正黑體" panose="020B0604030504040204" pitchFamily="34" charset="-120"/>
+                            <a:cs typeface="Times New Roman" panose="02020603050405020304" pitchFamily="18" charset="0"/>
+                          </a:rPr>
+                          <m:t>)</m:t>
+                        </m:r>
+                      </m:e>
+                    </m:nary>
+                  </m:oMath>
+                </a14:m>
+                <a:endParaRPr lang="en-US" altLang="zh-TW" dirty="0" smtClean="0">
+                  <a:latin typeface="Times New Roman" panose="02020603050405020304" pitchFamily="18" charset="0"/>
+                  <a:ea typeface="微軟正黑體" panose="020B0604030504040204" pitchFamily="34" charset="-120"/>
+                  <a:cs typeface="Times New Roman" panose="02020603050405020304" pitchFamily="18" charset="0"/>
+                </a:endParaRPr>
+              </a:p>
+              <a:p>
+                <a:pPr marL="285750" indent="-285750">
+                  <a:buFont typeface="Wingdings" panose="05000000000000000000" pitchFamily="2" charset="2"/>
+                  <a:buChar char="p"/>
+                </a:pPr>
+                <a:r>
+                  <a:rPr lang="en-US" altLang="zh-TW" dirty="0" smtClean="0">
+                    <a:latin typeface="Times New Roman" panose="02020603050405020304" pitchFamily="18" charset="0"/>
+                    <a:ea typeface="微軟正黑體" panose="020B0604030504040204" pitchFamily="34" charset="-120"/>
+                    <a:cs typeface="Times New Roman" panose="02020603050405020304" pitchFamily="18" charset="0"/>
+                  </a:rPr>
+                  <a:t>Euler’s formula : </a:t>
+                </a:r>
+                <a14:m>
+                  <m:oMath xmlns:m="http://schemas.openxmlformats.org/officeDocument/2006/math">
+                    <m:func>
+                      <m:funcPr>
+                        <m:ctrlPr>
+                          <a:rPr lang="en-US" altLang="zh-TW" b="0" i="1" smtClean="0">
+                            <a:latin typeface="Cambria Math" panose="02040503050406030204" pitchFamily="18" charset="0"/>
+                            <a:ea typeface="微軟正黑體" panose="020B0604030504040204" pitchFamily="34" charset="-120"/>
+                            <a:cs typeface="Times New Roman" panose="02020603050405020304" pitchFamily="18" charset="0"/>
+                          </a:rPr>
+                        </m:ctrlPr>
+                      </m:funcPr>
+                      <m:fName>
+                        <m:r>
+                          <m:rPr>
+                            <m:sty m:val="p"/>
+                          </m:rPr>
+                          <a:rPr lang="en-US" altLang="zh-TW" b="0" i="0" smtClean="0">
+                            <a:latin typeface="Cambria Math" panose="02040503050406030204" pitchFamily="18" charset="0"/>
+                            <a:ea typeface="微軟正黑體" panose="020B0604030504040204" pitchFamily="34" charset="-120"/>
+                            <a:cs typeface="Times New Roman" panose="02020603050405020304" pitchFamily="18" charset="0"/>
+                          </a:rPr>
+                          <m:t>sin</m:t>
+                        </m:r>
+                      </m:fName>
+                      <m:e>
+                        <m:d>
+                          <m:dPr>
+                            <m:ctrlPr>
+                              <a:rPr lang="en-US" altLang="zh-TW" b="0" i="1" smtClean="0">
+                                <a:latin typeface="Cambria Math" panose="02040503050406030204" pitchFamily="18" charset="0"/>
+                                <a:ea typeface="微軟正黑體" panose="020B0604030504040204" pitchFamily="34" charset="-120"/>
+                                <a:cs typeface="Times New Roman" panose="02020603050405020304" pitchFamily="18" charset="0"/>
+                              </a:rPr>
+                            </m:ctrlPr>
+                          </m:dPr>
+                          <m:e>
+                            <m:r>
+                              <a:rPr lang="en-US" altLang="zh-TW" b="0" i="1" smtClean="0">
+                                <a:latin typeface="Cambria Math" panose="02040503050406030204" pitchFamily="18" charset="0"/>
+                                <a:ea typeface="微軟正黑體" panose="020B0604030504040204" pitchFamily="34" charset="-120"/>
+                                <a:cs typeface="Times New Roman" panose="02020603050405020304" pitchFamily="18" charset="0"/>
+                              </a:rPr>
+                              <m:t>𝑥</m:t>
+                            </m:r>
+                          </m:e>
+                        </m:d>
+                      </m:e>
+                    </m:func>
+                    <m:r>
+                      <a:rPr lang="en-US" altLang="zh-TW" b="0" i="1" smtClean="0">
+                        <a:latin typeface="Cambria Math" panose="02040503050406030204" pitchFamily="18" charset="0"/>
+                        <a:ea typeface="微軟正黑體" panose="020B0604030504040204" pitchFamily="34" charset="-120"/>
+                        <a:cs typeface="Times New Roman" panose="02020603050405020304" pitchFamily="18" charset="0"/>
+                      </a:rPr>
+                      <m:t>=</m:t>
+                    </m:r>
+                    <m:f>
+                      <m:fPr>
+                        <m:ctrlPr>
+                          <a:rPr lang="en-US" altLang="zh-TW" b="0" i="1" smtClean="0">
+                            <a:latin typeface="Cambria Math" panose="02040503050406030204" pitchFamily="18" charset="0"/>
+                            <a:ea typeface="微軟正黑體" panose="020B0604030504040204" pitchFamily="34" charset="-120"/>
+                            <a:cs typeface="Times New Roman" panose="02020603050405020304" pitchFamily="18" charset="0"/>
+                          </a:rPr>
+                        </m:ctrlPr>
+                      </m:fPr>
+                      <m:num>
+                        <m:sSup>
+                          <m:sSupPr>
+                            <m:ctrlPr>
+                              <a:rPr lang="en-US" altLang="zh-TW" b="0" i="1" smtClean="0">
+                                <a:latin typeface="Cambria Math" panose="02040503050406030204" pitchFamily="18" charset="0"/>
+                                <a:ea typeface="微軟正黑體" panose="020B0604030504040204" pitchFamily="34" charset="-120"/>
+                                <a:cs typeface="Times New Roman" panose="02020603050405020304" pitchFamily="18" charset="0"/>
+                              </a:rPr>
+                            </m:ctrlPr>
+                          </m:sSupPr>
+                          <m:e>
+                            <m:r>
+                              <a:rPr lang="en-US" altLang="zh-TW" b="0" i="1" smtClean="0">
+                                <a:latin typeface="Cambria Math" panose="02040503050406030204" pitchFamily="18" charset="0"/>
+                                <a:ea typeface="微軟正黑體" panose="020B0604030504040204" pitchFamily="34" charset="-120"/>
+                                <a:cs typeface="Times New Roman" panose="02020603050405020304" pitchFamily="18" charset="0"/>
+                              </a:rPr>
+                              <m:t>𝑒</m:t>
+                            </m:r>
+                          </m:e>
+                          <m:sup>
+                            <m:r>
+                              <a:rPr lang="en-US" altLang="zh-TW" b="0" i="1" smtClean="0">
+                                <a:latin typeface="Cambria Math" panose="02040503050406030204" pitchFamily="18" charset="0"/>
+                                <a:ea typeface="微軟正黑體" panose="020B0604030504040204" pitchFamily="34" charset="-120"/>
+                                <a:cs typeface="Times New Roman" panose="02020603050405020304" pitchFamily="18" charset="0"/>
+                              </a:rPr>
+                              <m:t>𝑗𝑥</m:t>
+                            </m:r>
+                          </m:sup>
+                        </m:sSup>
+                        <m:r>
+                          <a:rPr lang="en-US" altLang="zh-TW" b="0" i="1" smtClean="0">
+                            <a:latin typeface="Cambria Math" panose="02040503050406030204" pitchFamily="18" charset="0"/>
+                            <a:ea typeface="微軟正黑體" panose="020B0604030504040204" pitchFamily="34" charset="-120"/>
+                            <a:cs typeface="Times New Roman" panose="02020603050405020304" pitchFamily="18" charset="0"/>
+                          </a:rPr>
+                          <m:t>−</m:t>
+                        </m:r>
+                        <m:sSup>
+                          <m:sSupPr>
+                            <m:ctrlPr>
+                              <a:rPr lang="en-US" altLang="zh-TW" b="0" i="1" smtClean="0">
+                                <a:latin typeface="Cambria Math" panose="02040503050406030204" pitchFamily="18" charset="0"/>
+                                <a:ea typeface="微軟正黑體" panose="020B0604030504040204" pitchFamily="34" charset="-120"/>
+                                <a:cs typeface="Times New Roman" panose="02020603050405020304" pitchFamily="18" charset="0"/>
+                              </a:rPr>
+                            </m:ctrlPr>
+                          </m:sSupPr>
+                          <m:e>
+                            <m:r>
+                              <a:rPr lang="en-US" altLang="zh-TW" b="0" i="1" smtClean="0">
+                                <a:latin typeface="Cambria Math" panose="02040503050406030204" pitchFamily="18" charset="0"/>
+                                <a:ea typeface="微軟正黑體" panose="020B0604030504040204" pitchFamily="34" charset="-120"/>
+                                <a:cs typeface="Times New Roman" panose="02020603050405020304" pitchFamily="18" charset="0"/>
+                              </a:rPr>
+                              <m:t>𝑒</m:t>
+                            </m:r>
+                          </m:e>
+                          <m:sup>
+                            <m:r>
+                              <a:rPr lang="en-US" altLang="zh-TW" b="0" i="1" smtClean="0">
+                                <a:latin typeface="Cambria Math" panose="02040503050406030204" pitchFamily="18" charset="0"/>
+                                <a:ea typeface="微軟正黑體" panose="020B0604030504040204" pitchFamily="34" charset="-120"/>
+                                <a:cs typeface="Times New Roman" panose="02020603050405020304" pitchFamily="18" charset="0"/>
+                              </a:rPr>
+                              <m:t>−</m:t>
+                            </m:r>
+                            <m:r>
+                              <a:rPr lang="en-US" altLang="zh-TW" b="0" i="1" smtClean="0">
+                                <a:latin typeface="Cambria Math" panose="02040503050406030204" pitchFamily="18" charset="0"/>
+                                <a:ea typeface="微軟正黑體" panose="020B0604030504040204" pitchFamily="34" charset="-120"/>
+                                <a:cs typeface="Times New Roman" panose="02020603050405020304" pitchFamily="18" charset="0"/>
+                              </a:rPr>
+                              <m:t>𝑗𝑥</m:t>
+                            </m:r>
+                          </m:sup>
+                        </m:sSup>
+                      </m:num>
+                      <m:den>
+                        <m:r>
+                          <a:rPr lang="en-US" altLang="zh-TW" b="0" i="1" smtClean="0">
+                            <a:latin typeface="Cambria Math" panose="02040503050406030204" pitchFamily="18" charset="0"/>
+                            <a:ea typeface="微軟正黑體" panose="020B0604030504040204" pitchFamily="34" charset="-120"/>
+                            <a:cs typeface="Times New Roman" panose="02020603050405020304" pitchFamily="18" charset="0"/>
+                          </a:rPr>
+                          <m:t>2</m:t>
+                        </m:r>
+                        <m:r>
+                          <a:rPr lang="en-US" altLang="zh-TW" b="0" i="1" smtClean="0">
+                            <a:latin typeface="Cambria Math" panose="02040503050406030204" pitchFamily="18" charset="0"/>
+                            <a:ea typeface="微軟正黑體" panose="020B0604030504040204" pitchFamily="34" charset="-120"/>
+                            <a:cs typeface="Times New Roman" panose="02020603050405020304" pitchFamily="18" charset="0"/>
+                          </a:rPr>
+                          <m:t>𝑗</m:t>
+                        </m:r>
+                      </m:den>
+                    </m:f>
+                  </m:oMath>
+                </a14:m>
+                <a:r>
+                  <a:rPr lang="zh-TW" altLang="en-US" dirty="0" smtClean="0">
+                    <a:latin typeface="Times New Roman" panose="02020603050405020304" pitchFamily="18" charset="0"/>
+                    <a:ea typeface="微軟正黑體" panose="020B0604030504040204" pitchFamily="34" charset="-120"/>
+                    <a:cs typeface="Times New Roman" panose="02020603050405020304" pitchFamily="18" charset="0"/>
+                  </a:rPr>
+                  <a:t> </a:t>
+                </a:r>
+                <a:r>
+                  <a:rPr lang="en-US" altLang="zh-TW" dirty="0" smtClean="0">
+                    <a:latin typeface="Times New Roman" panose="02020603050405020304" pitchFamily="18" charset="0"/>
+                    <a:ea typeface="微軟正黑體" panose="020B0604030504040204" pitchFamily="34" charset="-120"/>
+                    <a:cs typeface="Times New Roman" panose="02020603050405020304" pitchFamily="18" charset="0"/>
+                  </a:rPr>
+                  <a:t>and </a:t>
+                </a:r>
+                <a14:m>
+                  <m:oMath xmlns:m="http://schemas.openxmlformats.org/officeDocument/2006/math">
+                    <m:func>
+                      <m:funcPr>
+                        <m:ctrlPr>
+                          <a:rPr lang="en-US" altLang="zh-TW" b="0" i="1" smtClean="0">
+                            <a:latin typeface="Cambria Math" panose="02040503050406030204" pitchFamily="18" charset="0"/>
+                            <a:ea typeface="微軟正黑體" panose="020B0604030504040204" pitchFamily="34" charset="-120"/>
+                            <a:cs typeface="Times New Roman" panose="02020603050405020304" pitchFamily="18" charset="0"/>
+                          </a:rPr>
+                        </m:ctrlPr>
+                      </m:funcPr>
+                      <m:fName>
+                        <m:r>
+                          <m:rPr>
+                            <m:sty m:val="p"/>
+                          </m:rPr>
+                          <a:rPr lang="en-US" altLang="zh-TW" b="0" i="0" smtClean="0">
+                            <a:latin typeface="Cambria Math" panose="02040503050406030204" pitchFamily="18" charset="0"/>
+                            <a:ea typeface="微軟正黑體" panose="020B0604030504040204" pitchFamily="34" charset="-120"/>
+                            <a:cs typeface="Times New Roman" panose="02020603050405020304" pitchFamily="18" charset="0"/>
+                          </a:rPr>
+                          <m:t>cos</m:t>
+                        </m:r>
+                      </m:fName>
+                      <m:e>
+                        <m:d>
+                          <m:dPr>
+                            <m:ctrlPr>
+                              <a:rPr lang="en-US" altLang="zh-TW" b="0" i="1" smtClean="0">
+                                <a:latin typeface="Cambria Math" panose="02040503050406030204" pitchFamily="18" charset="0"/>
+                                <a:ea typeface="微軟正黑體" panose="020B0604030504040204" pitchFamily="34" charset="-120"/>
+                                <a:cs typeface="Times New Roman" panose="02020603050405020304" pitchFamily="18" charset="0"/>
+                              </a:rPr>
+                            </m:ctrlPr>
+                          </m:dPr>
+                          <m:e>
+                            <m:r>
+                              <a:rPr lang="en-US" altLang="zh-TW" b="0" i="1" smtClean="0">
+                                <a:latin typeface="Cambria Math" panose="02040503050406030204" pitchFamily="18" charset="0"/>
+                                <a:ea typeface="微軟正黑體" panose="020B0604030504040204" pitchFamily="34" charset="-120"/>
+                                <a:cs typeface="Times New Roman" panose="02020603050405020304" pitchFamily="18" charset="0"/>
+                              </a:rPr>
+                              <m:t>𝑥</m:t>
+                            </m:r>
+                          </m:e>
+                        </m:d>
+                      </m:e>
+                    </m:func>
+                    <m:r>
+                      <a:rPr lang="en-US" altLang="zh-TW" b="0" i="1" smtClean="0">
+                        <a:latin typeface="Cambria Math" panose="02040503050406030204" pitchFamily="18" charset="0"/>
+                        <a:ea typeface="微軟正黑體" panose="020B0604030504040204" pitchFamily="34" charset="-120"/>
+                        <a:cs typeface="Times New Roman" panose="02020603050405020304" pitchFamily="18" charset="0"/>
+                      </a:rPr>
+                      <m:t>=</m:t>
+                    </m:r>
+                    <m:f>
+                      <m:fPr>
+                        <m:ctrlPr>
+                          <a:rPr lang="en-US" altLang="zh-TW" b="0" i="1" smtClean="0">
+                            <a:latin typeface="Cambria Math" panose="02040503050406030204" pitchFamily="18" charset="0"/>
+                            <a:ea typeface="微軟正黑體" panose="020B0604030504040204" pitchFamily="34" charset="-120"/>
+                            <a:cs typeface="Times New Roman" panose="02020603050405020304" pitchFamily="18" charset="0"/>
+                          </a:rPr>
+                        </m:ctrlPr>
+                      </m:fPr>
+                      <m:num>
+                        <m:sSup>
+                          <m:sSupPr>
+                            <m:ctrlPr>
+                              <a:rPr lang="en-US" altLang="zh-TW" b="0" i="1" smtClean="0">
+                                <a:latin typeface="Cambria Math" panose="02040503050406030204" pitchFamily="18" charset="0"/>
+                                <a:ea typeface="微軟正黑體" panose="020B0604030504040204" pitchFamily="34" charset="-120"/>
+                                <a:cs typeface="Times New Roman" panose="02020603050405020304" pitchFamily="18" charset="0"/>
+                              </a:rPr>
+                            </m:ctrlPr>
+                          </m:sSupPr>
+                          <m:e>
+                            <m:r>
+                              <a:rPr lang="en-US" altLang="zh-TW" b="0" i="1" smtClean="0">
+                                <a:latin typeface="Cambria Math" panose="02040503050406030204" pitchFamily="18" charset="0"/>
+                                <a:ea typeface="微軟正黑體" panose="020B0604030504040204" pitchFamily="34" charset="-120"/>
+                                <a:cs typeface="Times New Roman" panose="02020603050405020304" pitchFamily="18" charset="0"/>
+                              </a:rPr>
+                              <m:t>𝑒</m:t>
+                            </m:r>
+                          </m:e>
+                          <m:sup>
+                            <m:r>
+                              <a:rPr lang="en-US" altLang="zh-TW" b="0" i="1" smtClean="0">
+                                <a:latin typeface="Cambria Math" panose="02040503050406030204" pitchFamily="18" charset="0"/>
+                                <a:ea typeface="微軟正黑體" panose="020B0604030504040204" pitchFamily="34" charset="-120"/>
+                                <a:cs typeface="Times New Roman" panose="02020603050405020304" pitchFamily="18" charset="0"/>
+                              </a:rPr>
+                              <m:t>𝑗𝑥</m:t>
+                            </m:r>
+                          </m:sup>
+                        </m:sSup>
+                        <m:r>
+                          <a:rPr lang="en-US" altLang="zh-TW" b="0" i="1" smtClean="0">
+                            <a:latin typeface="Cambria Math" panose="02040503050406030204" pitchFamily="18" charset="0"/>
+                            <a:ea typeface="微軟正黑體" panose="020B0604030504040204" pitchFamily="34" charset="-120"/>
+                            <a:cs typeface="Times New Roman" panose="02020603050405020304" pitchFamily="18" charset="0"/>
+                          </a:rPr>
+                          <m:t>+</m:t>
+                        </m:r>
+                        <m:sSup>
+                          <m:sSupPr>
+                            <m:ctrlPr>
+                              <a:rPr lang="en-US" altLang="zh-TW" b="0" i="1" smtClean="0">
+                                <a:latin typeface="Cambria Math" panose="02040503050406030204" pitchFamily="18" charset="0"/>
+                                <a:ea typeface="微軟正黑體" panose="020B0604030504040204" pitchFamily="34" charset="-120"/>
+                                <a:cs typeface="Times New Roman" panose="02020603050405020304" pitchFamily="18" charset="0"/>
+                              </a:rPr>
+                            </m:ctrlPr>
+                          </m:sSupPr>
+                          <m:e>
+                            <m:r>
+                              <a:rPr lang="en-US" altLang="zh-TW" b="0" i="1" smtClean="0">
+                                <a:latin typeface="Cambria Math" panose="02040503050406030204" pitchFamily="18" charset="0"/>
+                                <a:ea typeface="微軟正黑體" panose="020B0604030504040204" pitchFamily="34" charset="-120"/>
+                                <a:cs typeface="Times New Roman" panose="02020603050405020304" pitchFamily="18" charset="0"/>
+                              </a:rPr>
+                              <m:t>𝑒</m:t>
+                            </m:r>
+                          </m:e>
+                          <m:sup>
+                            <m:r>
+                              <a:rPr lang="en-US" altLang="zh-TW" b="0" i="1" smtClean="0">
+                                <a:latin typeface="Cambria Math" panose="02040503050406030204" pitchFamily="18" charset="0"/>
+                                <a:ea typeface="微軟正黑體" panose="020B0604030504040204" pitchFamily="34" charset="-120"/>
+                                <a:cs typeface="Times New Roman" panose="02020603050405020304" pitchFamily="18" charset="0"/>
+                              </a:rPr>
+                              <m:t>−</m:t>
+                            </m:r>
+                            <m:r>
+                              <a:rPr lang="en-US" altLang="zh-TW" b="0" i="1" smtClean="0">
+                                <a:latin typeface="Cambria Math" panose="02040503050406030204" pitchFamily="18" charset="0"/>
+                                <a:ea typeface="微軟正黑體" panose="020B0604030504040204" pitchFamily="34" charset="-120"/>
+                                <a:cs typeface="Times New Roman" panose="02020603050405020304" pitchFamily="18" charset="0"/>
+                              </a:rPr>
+                              <m:t>𝑗𝑥</m:t>
+                            </m:r>
+                          </m:sup>
+                        </m:sSup>
+                      </m:num>
+                      <m:den>
+                        <m:r>
+                          <a:rPr lang="en-US" altLang="zh-TW" b="0" i="1" smtClean="0">
+                            <a:latin typeface="Cambria Math" panose="02040503050406030204" pitchFamily="18" charset="0"/>
+                            <a:ea typeface="微軟正黑體" panose="020B0604030504040204" pitchFamily="34" charset="-120"/>
+                            <a:cs typeface="Times New Roman" panose="02020603050405020304" pitchFamily="18" charset="0"/>
+                          </a:rPr>
+                          <m:t>2</m:t>
+                        </m:r>
+                      </m:den>
+                    </m:f>
+                  </m:oMath>
+                </a14:m>
+                <a:endParaRPr lang="en-US" altLang="zh-TW" dirty="0" smtClean="0">
+                  <a:latin typeface="Times New Roman" panose="02020603050405020304" pitchFamily="18" charset="0"/>
+                  <a:ea typeface="微軟正黑體" panose="020B0604030504040204" pitchFamily="34" charset="-120"/>
+                  <a:cs typeface="Times New Roman" panose="02020603050405020304" pitchFamily="18" charset="0"/>
+                </a:endParaRPr>
+              </a:p>
+              <a:p>
+                <a:pPr marL="285750" indent="-285750">
+                  <a:buFont typeface="Wingdings" panose="05000000000000000000" pitchFamily="2" charset="2"/>
+                  <a:buChar char="p"/>
+                </a:pPr>
+                <a:r>
+                  <a:rPr lang="zh-TW" altLang="en-US" dirty="0" smtClean="0">
+                    <a:latin typeface="Times New Roman" panose="02020603050405020304" pitchFamily="18" charset="0"/>
+                    <a:ea typeface="微軟正黑體" panose="020B0604030504040204" pitchFamily="34" charset="-120"/>
+                    <a:cs typeface="Times New Roman" panose="02020603050405020304" pitchFamily="18" charset="0"/>
+                  </a:rPr>
+                  <a:t>離散傅立葉</a:t>
+                </a:r>
+                <a:r>
+                  <a:rPr lang="en-US" altLang="zh-TW" dirty="0" smtClean="0">
+                    <a:latin typeface="Times New Roman" panose="02020603050405020304" pitchFamily="18" charset="0"/>
+                    <a:ea typeface="微軟正黑體" panose="020B0604030504040204" pitchFamily="34" charset="-120"/>
+                    <a:cs typeface="Times New Roman" panose="02020603050405020304" pitchFamily="18" charset="0"/>
+                  </a:rPr>
+                  <a:t>(DFT)</a:t>
+                </a:r>
+                <a:r>
+                  <a:rPr lang="zh-TW" altLang="en-US" dirty="0" smtClean="0">
+                    <a:latin typeface="Times New Roman" panose="02020603050405020304" pitchFamily="18" charset="0"/>
+                    <a:ea typeface="微軟正黑體" panose="020B0604030504040204" pitchFamily="34" charset="-120"/>
+                    <a:cs typeface="Times New Roman" panose="02020603050405020304" pitchFamily="18" charset="0"/>
+                  </a:rPr>
+                  <a:t> </a:t>
+                </a:r>
+                <a:r>
+                  <a:rPr lang="en-US" altLang="zh-TW" dirty="0" smtClean="0">
+                    <a:latin typeface="Times New Roman" panose="02020603050405020304" pitchFamily="18" charset="0"/>
+                    <a:ea typeface="微軟正黑體" panose="020B0604030504040204" pitchFamily="34" charset="-120"/>
+                    <a:cs typeface="Times New Roman" panose="02020603050405020304" pitchFamily="18" charset="0"/>
+                  </a:rPr>
+                  <a:t>: </a:t>
+                </a:r>
+                <a14:m>
+                  <m:oMath xmlns:m="http://schemas.openxmlformats.org/officeDocument/2006/math">
+                    <m:sSub>
+                      <m:sSubPr>
+                        <m:ctrlPr>
+                          <a:rPr lang="en-US" altLang="zh-TW" b="0" i="0" smtClean="0">
+                            <a:latin typeface="Cambria Math" panose="02040503050406030204" pitchFamily="18" charset="0"/>
+                            <a:ea typeface="微軟正黑體" panose="020B0604030504040204" pitchFamily="34" charset="-120"/>
+                            <a:cs typeface="Times New Roman" panose="02020603050405020304" pitchFamily="18" charset="0"/>
+                          </a:rPr>
+                        </m:ctrlPr>
+                      </m:sSubPr>
+                      <m:e>
+                        <m:r>
+                          <m:rPr>
+                            <m:sty m:val="p"/>
+                          </m:rPr>
+                          <a:rPr lang="en-US" altLang="zh-TW" b="0" i="0" smtClean="0">
+                            <a:latin typeface="Cambria Math" panose="02040503050406030204" pitchFamily="18" charset="0"/>
+                            <a:ea typeface="微軟正黑體" panose="020B0604030504040204" pitchFamily="34" charset="-120"/>
+                            <a:cs typeface="Times New Roman" panose="02020603050405020304" pitchFamily="18" charset="0"/>
+                          </a:rPr>
+                          <m:t>S</m:t>
+                        </m:r>
+                      </m:e>
+                      <m:sub>
+                        <m:r>
+                          <m:rPr>
+                            <m:sty m:val="p"/>
+                          </m:rPr>
+                          <a:rPr lang="en-US" altLang="zh-TW" b="0" i="0" smtClean="0">
+                            <a:latin typeface="Cambria Math" panose="02040503050406030204" pitchFamily="18" charset="0"/>
+                            <a:ea typeface="微軟正黑體" panose="020B0604030504040204" pitchFamily="34" charset="-120"/>
+                            <a:cs typeface="Times New Roman" panose="02020603050405020304" pitchFamily="18" charset="0"/>
+                          </a:rPr>
+                          <m:t>b</m:t>
+                        </m:r>
+                      </m:sub>
+                    </m:sSub>
+                    <m:d>
+                      <m:dPr>
+                        <m:ctrlPr>
+                          <a:rPr lang="en-US" altLang="zh-TW" b="0" i="0" smtClean="0">
+                            <a:latin typeface="Cambria Math" panose="02040503050406030204" pitchFamily="18" charset="0"/>
+                            <a:ea typeface="微軟正黑體" panose="020B0604030504040204" pitchFamily="34" charset="-120"/>
+                            <a:cs typeface="Times New Roman" panose="02020603050405020304" pitchFamily="18" charset="0"/>
+                          </a:rPr>
+                        </m:ctrlPr>
+                      </m:dPr>
+                      <m:e>
+                        <m:r>
+                          <m:rPr>
+                            <m:sty m:val="p"/>
+                          </m:rPr>
+                          <a:rPr lang="en-US" altLang="zh-TW" b="0" i="0" smtClean="0">
+                            <a:latin typeface="Cambria Math" panose="02040503050406030204" pitchFamily="18" charset="0"/>
+                            <a:ea typeface="微軟正黑體" panose="020B0604030504040204" pitchFamily="34" charset="-120"/>
+                            <a:cs typeface="Times New Roman" panose="02020603050405020304" pitchFamily="18" charset="0"/>
+                          </a:rPr>
+                          <m:t>f</m:t>
+                        </m:r>
+                      </m:e>
+                    </m:d>
+                    <m:r>
+                      <a:rPr lang="en-US" altLang="zh-TW" b="0" i="0" smtClean="0">
+                        <a:latin typeface="Cambria Math" panose="02040503050406030204" pitchFamily="18" charset="0"/>
+                        <a:ea typeface="微軟正黑體" panose="020B0604030504040204" pitchFamily="34" charset="-120"/>
+                        <a:cs typeface="Times New Roman" panose="02020603050405020304" pitchFamily="18" charset="0"/>
+                      </a:rPr>
+                      <m:t>=</m:t>
+                    </m:r>
+                    <m:nary>
+                      <m:naryPr>
+                        <m:chr m:val="∑"/>
+                        <m:supHide m:val="on"/>
+                        <m:ctrlPr>
+                          <a:rPr lang="en-US" altLang="zh-TW" i="1" smtClean="0">
+                            <a:latin typeface="Cambria Math" panose="02040503050406030204" pitchFamily="18" charset="0"/>
+                            <a:ea typeface="微軟正黑體" panose="020B0604030504040204" pitchFamily="34" charset="-120"/>
+                            <a:cs typeface="Times New Roman" panose="02020603050405020304" pitchFamily="18" charset="0"/>
+                          </a:rPr>
+                        </m:ctrlPr>
+                      </m:naryPr>
+                      <m:sub>
+                        <m:r>
+                          <m:rPr>
+                            <m:brk m:alnAt="7"/>
+                          </m:rPr>
+                          <a:rPr lang="en-US" altLang="zh-TW" b="0" i="1" smtClean="0">
+                            <a:latin typeface="Cambria Math" panose="02040503050406030204" pitchFamily="18" charset="0"/>
+                            <a:ea typeface="微軟正黑體" panose="020B0604030504040204" pitchFamily="34" charset="-120"/>
+                            <a:cs typeface="Times New Roman" panose="02020603050405020304" pitchFamily="18" charset="0"/>
+                          </a:rPr>
+                          <m:t>𝑚</m:t>
+                        </m:r>
+                      </m:sub>
+                      <m:sup/>
+                      <m:e>
+                        <m:sSub>
+                          <m:sSubPr>
+                            <m:ctrlPr>
+                              <a:rPr lang="en-US" altLang="zh-TW" b="0" i="1" smtClean="0">
+                                <a:latin typeface="Cambria Math" panose="02040503050406030204" pitchFamily="18" charset="0"/>
+                                <a:ea typeface="微軟正黑體" panose="020B0604030504040204" pitchFamily="34" charset="-120"/>
+                                <a:cs typeface="Times New Roman" panose="02020603050405020304" pitchFamily="18" charset="0"/>
+                              </a:rPr>
+                            </m:ctrlPr>
+                          </m:sSubPr>
+                          <m:e>
+                            <m:r>
+                              <a:rPr lang="en-US" altLang="zh-TW" b="0" i="1" smtClean="0">
+                                <a:latin typeface="Cambria Math" panose="02040503050406030204" pitchFamily="18" charset="0"/>
+                                <a:ea typeface="微軟正黑體" panose="020B0604030504040204" pitchFamily="34" charset="-120"/>
+                                <a:cs typeface="Times New Roman" panose="02020603050405020304" pitchFamily="18" charset="0"/>
+                              </a:rPr>
+                              <m:t>𝑅</m:t>
+                            </m:r>
+                          </m:e>
+                          <m:sub>
+                            <m:r>
+                              <a:rPr lang="en-US" altLang="zh-TW" b="0" i="1" smtClean="0">
+                                <a:latin typeface="Cambria Math" panose="02040503050406030204" pitchFamily="18" charset="0"/>
+                                <a:ea typeface="微軟正黑體" panose="020B0604030504040204" pitchFamily="34" charset="-120"/>
+                                <a:cs typeface="Times New Roman" panose="02020603050405020304" pitchFamily="18" charset="0"/>
+                              </a:rPr>
+                              <m:t>𝑏</m:t>
+                            </m:r>
+                          </m:sub>
+                        </m:sSub>
+                        <m:d>
+                          <m:dPr>
+                            <m:ctrlPr>
+                              <a:rPr lang="en-US" altLang="zh-TW" b="0" i="1" smtClean="0">
+                                <a:latin typeface="Cambria Math" panose="02040503050406030204" pitchFamily="18" charset="0"/>
+                                <a:ea typeface="微軟正黑體" panose="020B0604030504040204" pitchFamily="34" charset="-120"/>
+                                <a:cs typeface="Times New Roman" panose="02020603050405020304" pitchFamily="18" charset="0"/>
+                              </a:rPr>
+                            </m:ctrlPr>
+                          </m:dPr>
+                          <m:e>
+                            <m:r>
+                              <a:rPr lang="en-US" altLang="zh-TW" b="0" i="1" smtClean="0">
+                                <a:latin typeface="Cambria Math" panose="02040503050406030204" pitchFamily="18" charset="0"/>
+                                <a:ea typeface="微軟正黑體" panose="020B0604030504040204" pitchFamily="34" charset="-120"/>
+                                <a:cs typeface="Times New Roman" panose="02020603050405020304" pitchFamily="18" charset="0"/>
+                              </a:rPr>
+                              <m:t>𝑚</m:t>
+                            </m:r>
+                          </m:e>
+                        </m:d>
+                        <m:sSup>
+                          <m:sSupPr>
+                            <m:ctrlPr>
+                              <a:rPr lang="en-US" altLang="zh-TW" b="0" i="1" smtClean="0">
+                                <a:latin typeface="Cambria Math" panose="02040503050406030204" pitchFamily="18" charset="0"/>
+                                <a:ea typeface="微軟正黑體" panose="020B0604030504040204" pitchFamily="34" charset="-120"/>
+                                <a:cs typeface="Times New Roman" panose="02020603050405020304" pitchFamily="18" charset="0"/>
+                              </a:rPr>
+                            </m:ctrlPr>
+                          </m:sSupPr>
+                          <m:e>
+                            <m:r>
+                              <a:rPr lang="en-US" altLang="zh-TW" b="0" i="1" smtClean="0">
+                                <a:latin typeface="Cambria Math" panose="02040503050406030204" pitchFamily="18" charset="0"/>
+                                <a:ea typeface="微軟正黑體" panose="020B0604030504040204" pitchFamily="34" charset="-120"/>
+                                <a:cs typeface="Times New Roman" panose="02020603050405020304" pitchFamily="18" charset="0"/>
+                              </a:rPr>
+                              <m:t>𝑒</m:t>
+                            </m:r>
+                          </m:e>
+                          <m:sup>
+                            <m:r>
+                              <a:rPr lang="en-US" altLang="zh-TW" b="0" i="1" smtClean="0">
+                                <a:latin typeface="Cambria Math" panose="02040503050406030204" pitchFamily="18" charset="0"/>
+                                <a:ea typeface="微軟正黑體" panose="020B0604030504040204" pitchFamily="34" charset="-120"/>
+                                <a:cs typeface="Times New Roman" panose="02020603050405020304" pitchFamily="18" charset="0"/>
+                              </a:rPr>
+                              <m:t>−</m:t>
+                            </m:r>
+                            <m:r>
+                              <a:rPr lang="en-US" altLang="zh-TW" b="0" i="1" smtClean="0">
+                                <a:latin typeface="Cambria Math" panose="02040503050406030204" pitchFamily="18" charset="0"/>
+                                <a:ea typeface="微軟正黑體" panose="020B0604030504040204" pitchFamily="34" charset="-120"/>
+                                <a:cs typeface="Times New Roman" panose="02020603050405020304" pitchFamily="18" charset="0"/>
+                              </a:rPr>
+                              <m:t>𝑗</m:t>
+                            </m:r>
+                            <m:r>
+                              <a:rPr lang="en-US" altLang="zh-TW" b="0" i="1" smtClean="0">
+                                <a:latin typeface="Cambria Math" panose="02040503050406030204" pitchFamily="18" charset="0"/>
+                                <a:ea typeface="微軟正黑體" panose="020B0604030504040204" pitchFamily="34" charset="-120"/>
+                                <a:cs typeface="Times New Roman" panose="02020603050405020304" pitchFamily="18" charset="0"/>
+                              </a:rPr>
+                              <m:t>2</m:t>
+                            </m:r>
+                            <m:r>
+                              <a:rPr lang="en-US" altLang="zh-TW" b="0" i="1" smtClean="0">
+                                <a:latin typeface="Cambria Math" panose="02040503050406030204" pitchFamily="18" charset="0"/>
+                                <a:ea typeface="微軟正黑體" panose="020B0604030504040204" pitchFamily="34" charset="-120"/>
+                                <a:cs typeface="Times New Roman" panose="02020603050405020304" pitchFamily="18" charset="0"/>
+                              </a:rPr>
+                              <m:t>𝜋</m:t>
+                            </m:r>
+                            <m:r>
+                              <a:rPr lang="en-US" altLang="zh-TW" b="0" i="1" smtClean="0">
+                                <a:latin typeface="Cambria Math" panose="02040503050406030204" pitchFamily="18" charset="0"/>
+                                <a:ea typeface="微軟正黑體" panose="020B0604030504040204" pitchFamily="34" charset="-120"/>
+                                <a:cs typeface="Times New Roman" panose="02020603050405020304" pitchFamily="18" charset="0"/>
+                              </a:rPr>
+                              <m:t>𝑓𝑚𝑇</m:t>
+                            </m:r>
+                          </m:sup>
+                        </m:sSup>
+                      </m:e>
+                    </m:nary>
+                  </m:oMath>
+                </a14:m>
+                <a:endParaRPr lang="en-US" altLang="zh-TW" dirty="0" smtClean="0">
+                  <a:latin typeface="Times New Roman" panose="02020603050405020304" pitchFamily="18" charset="0"/>
+                  <a:ea typeface="微軟正黑體" panose="020B0604030504040204" pitchFamily="34" charset="-120"/>
+                  <a:cs typeface="Times New Roman" panose="02020603050405020304" pitchFamily="18" charset="0"/>
+                </a:endParaRPr>
+              </a:p>
+              <a:p>
+                <a:pPr marL="285750" indent="-285750">
+                  <a:buFont typeface="Wingdings" panose="05000000000000000000" pitchFamily="2" charset="2"/>
+                  <a:buChar char="p"/>
+                </a:pPr>
+                <a14:m>
+                  <m:oMath xmlns:m="http://schemas.openxmlformats.org/officeDocument/2006/math">
+                    <m:r>
+                      <a:rPr lang="en-US" altLang="zh-TW" b="0" i="1" smtClean="0">
+                        <a:latin typeface="Cambria Math" panose="02040503050406030204" pitchFamily="18" charset="0"/>
+                        <a:ea typeface="微軟正黑體" panose="020B0604030504040204" pitchFamily="34" charset="-120"/>
+                        <a:cs typeface="Times New Roman" panose="02020603050405020304" pitchFamily="18" charset="0"/>
+                      </a:rPr>
+                      <m:t>𝐶𝑇𝐹𝑇</m:t>
+                    </m:r>
+                    <m:r>
+                      <a:rPr lang="en-US" altLang="zh-TW" b="0" i="1" smtClean="0">
+                        <a:latin typeface="Cambria Math" panose="02040503050406030204" pitchFamily="18" charset="0"/>
+                        <a:ea typeface="微軟正黑體" panose="020B0604030504040204" pitchFamily="34" charset="-120"/>
+                        <a:cs typeface="Times New Roman" panose="02020603050405020304" pitchFamily="18" charset="0"/>
+                      </a:rPr>
+                      <m:t> : </m:t>
+                    </m:r>
+                    <m:r>
+                      <a:rPr lang="en-US" altLang="zh-TW" b="0" i="1" smtClean="0">
+                        <a:latin typeface="Cambria Math" panose="02040503050406030204" pitchFamily="18" charset="0"/>
+                        <a:ea typeface="微軟正黑體" panose="020B0604030504040204" pitchFamily="34" charset="-120"/>
+                        <a:cs typeface="Times New Roman" panose="02020603050405020304" pitchFamily="18" charset="0"/>
+                      </a:rPr>
+                      <m:t>𝑔</m:t>
+                    </m:r>
+                    <m:d>
+                      <m:dPr>
+                        <m:ctrlPr>
+                          <a:rPr lang="en-US" altLang="zh-TW" b="0" i="1" smtClean="0">
+                            <a:latin typeface="Cambria Math" panose="02040503050406030204" pitchFamily="18" charset="0"/>
+                            <a:ea typeface="微軟正黑體" panose="020B0604030504040204" pitchFamily="34" charset="-120"/>
+                            <a:cs typeface="Times New Roman" panose="02020603050405020304" pitchFamily="18" charset="0"/>
+                          </a:rPr>
+                        </m:ctrlPr>
+                      </m:dPr>
+                      <m:e>
+                        <m:r>
+                          <a:rPr lang="en-US" altLang="zh-TW" b="0" i="1" smtClean="0">
+                            <a:latin typeface="Cambria Math" panose="02040503050406030204" pitchFamily="18" charset="0"/>
+                            <a:ea typeface="微軟正黑體" panose="020B0604030504040204" pitchFamily="34" charset="-120"/>
+                            <a:cs typeface="Times New Roman" panose="02020603050405020304" pitchFamily="18" charset="0"/>
+                          </a:rPr>
+                          <m:t>𝑡</m:t>
+                        </m:r>
+                      </m:e>
+                    </m:d>
+                    <m:r>
+                      <a:rPr lang="en-US" altLang="zh-TW" b="0" i="1" smtClean="0">
+                        <a:latin typeface="Cambria Math" panose="02040503050406030204" pitchFamily="18" charset="0"/>
+                        <a:ea typeface="微軟正黑體" panose="020B0604030504040204" pitchFamily="34" charset="-120"/>
+                        <a:cs typeface="Times New Roman" panose="02020603050405020304" pitchFamily="18" charset="0"/>
+                      </a:rPr>
+                      <m:t>→</m:t>
+                    </m:r>
+                    <m:r>
+                      <a:rPr lang="en-US" altLang="zh-TW" b="0" i="1" smtClean="0">
+                        <a:latin typeface="Cambria Math" panose="02040503050406030204" pitchFamily="18" charset="0"/>
+                        <a:ea typeface="微軟正黑體" panose="020B0604030504040204" pitchFamily="34" charset="-120"/>
+                        <a:cs typeface="Times New Roman" panose="02020603050405020304" pitchFamily="18" charset="0"/>
+                      </a:rPr>
+                      <m:t>𝐺</m:t>
+                    </m:r>
+                    <m:d>
+                      <m:dPr>
+                        <m:ctrlPr>
+                          <a:rPr lang="en-US" altLang="zh-TW" b="0" i="1" smtClean="0">
+                            <a:latin typeface="Cambria Math" panose="02040503050406030204" pitchFamily="18" charset="0"/>
+                            <a:ea typeface="微軟正黑體" panose="020B0604030504040204" pitchFamily="34" charset="-120"/>
+                            <a:cs typeface="Times New Roman" panose="02020603050405020304" pitchFamily="18" charset="0"/>
+                          </a:rPr>
+                        </m:ctrlPr>
+                      </m:dPr>
+                      <m:e>
+                        <m:r>
+                          <a:rPr lang="en-US" altLang="zh-TW" b="0" i="1" smtClean="0">
+                            <a:latin typeface="Cambria Math" panose="02040503050406030204" pitchFamily="18" charset="0"/>
+                            <a:ea typeface="微軟正黑體" panose="020B0604030504040204" pitchFamily="34" charset="-120"/>
+                            <a:cs typeface="Times New Roman" panose="02020603050405020304" pitchFamily="18" charset="0"/>
+                          </a:rPr>
+                          <m:t>𝑓</m:t>
+                        </m:r>
+                      </m:e>
+                    </m:d>
+                    <m:r>
+                      <a:rPr lang="en-US" altLang="zh-TW" b="0" i="1" smtClean="0">
+                        <a:latin typeface="Cambria Math" panose="02040503050406030204" pitchFamily="18" charset="0"/>
+                        <a:ea typeface="微軟正黑體" panose="020B0604030504040204" pitchFamily="34" charset="-120"/>
+                        <a:cs typeface="Times New Roman" panose="02020603050405020304" pitchFamily="18" charset="0"/>
+                      </a:rPr>
+                      <m:t>; </m:t>
+                    </m:r>
+                    <m:r>
+                      <a:rPr lang="en-US" altLang="zh-TW" b="0" i="1" smtClean="0">
+                        <a:latin typeface="Cambria Math" panose="02040503050406030204" pitchFamily="18" charset="0"/>
+                        <a:ea typeface="微軟正黑體" panose="020B0604030504040204" pitchFamily="34" charset="-120"/>
+                        <a:cs typeface="Times New Roman" panose="02020603050405020304" pitchFamily="18" charset="0"/>
+                      </a:rPr>
+                      <m:t>𝑔</m:t>
+                    </m:r>
+                    <m:d>
+                      <m:dPr>
+                        <m:ctrlPr>
+                          <a:rPr lang="en-US" altLang="zh-TW" b="0" i="1" smtClean="0">
+                            <a:latin typeface="Cambria Math" panose="02040503050406030204" pitchFamily="18" charset="0"/>
+                            <a:ea typeface="微軟正黑體" panose="020B0604030504040204" pitchFamily="34" charset="-120"/>
+                            <a:cs typeface="Times New Roman" panose="02020603050405020304" pitchFamily="18" charset="0"/>
+                          </a:rPr>
+                        </m:ctrlPr>
+                      </m:dPr>
+                      <m:e>
+                        <m:r>
+                          <a:rPr lang="en-US" altLang="zh-TW" b="0" i="1" smtClean="0">
+                            <a:latin typeface="Cambria Math" panose="02040503050406030204" pitchFamily="18" charset="0"/>
+                            <a:ea typeface="微軟正黑體" panose="020B0604030504040204" pitchFamily="34" charset="-120"/>
+                            <a:cs typeface="Times New Roman" panose="02020603050405020304" pitchFamily="18" charset="0"/>
+                          </a:rPr>
+                          <m:t>−</m:t>
+                        </m:r>
+                        <m:r>
+                          <a:rPr lang="en-US" altLang="zh-TW" b="0" i="1" smtClean="0">
+                            <a:latin typeface="Cambria Math" panose="02040503050406030204" pitchFamily="18" charset="0"/>
+                            <a:ea typeface="微軟正黑體" panose="020B0604030504040204" pitchFamily="34" charset="-120"/>
+                            <a:cs typeface="Times New Roman" panose="02020603050405020304" pitchFamily="18" charset="0"/>
+                          </a:rPr>
+                          <m:t>𝑡</m:t>
+                        </m:r>
+                      </m:e>
+                    </m:d>
+                    <m:r>
+                      <a:rPr lang="en-US" altLang="zh-TW" b="0" i="1" smtClean="0">
+                        <a:latin typeface="Cambria Math" panose="02040503050406030204" pitchFamily="18" charset="0"/>
+                        <a:ea typeface="微軟正黑體" panose="020B0604030504040204" pitchFamily="34" charset="-120"/>
+                        <a:cs typeface="Times New Roman" panose="02020603050405020304" pitchFamily="18" charset="0"/>
+                      </a:rPr>
+                      <m:t>→</m:t>
+                    </m:r>
+                    <m:sSup>
+                      <m:sSupPr>
+                        <m:ctrlPr>
+                          <a:rPr lang="en-US" altLang="zh-TW" b="0" i="1" smtClean="0">
+                            <a:latin typeface="Cambria Math" panose="02040503050406030204" pitchFamily="18" charset="0"/>
+                            <a:ea typeface="微軟正黑體" panose="020B0604030504040204" pitchFamily="34" charset="-120"/>
+                            <a:cs typeface="Times New Roman" panose="02020603050405020304" pitchFamily="18" charset="0"/>
+                          </a:rPr>
+                        </m:ctrlPr>
+                      </m:sSupPr>
+                      <m:e>
+                        <m:r>
+                          <a:rPr lang="en-US" altLang="zh-TW" b="0" i="1" smtClean="0">
+                            <a:latin typeface="Cambria Math" panose="02040503050406030204" pitchFamily="18" charset="0"/>
+                            <a:ea typeface="微軟正黑體" panose="020B0604030504040204" pitchFamily="34" charset="-120"/>
+                            <a:cs typeface="Times New Roman" panose="02020603050405020304" pitchFamily="18" charset="0"/>
+                          </a:rPr>
+                          <m:t>𝐺</m:t>
+                        </m:r>
+                      </m:e>
+                      <m:sup>
+                        <m:r>
+                          <a:rPr lang="en-US" altLang="zh-TW" b="0" i="1" smtClean="0">
+                            <a:latin typeface="Cambria Math" panose="02040503050406030204" pitchFamily="18" charset="0"/>
+                            <a:ea typeface="微軟正黑體" panose="020B0604030504040204" pitchFamily="34" charset="-120"/>
+                            <a:cs typeface="Times New Roman" panose="02020603050405020304" pitchFamily="18" charset="0"/>
+                          </a:rPr>
+                          <m:t>∗</m:t>
+                        </m:r>
+                      </m:sup>
+                    </m:sSup>
+                    <m:d>
+                      <m:dPr>
+                        <m:ctrlPr>
+                          <a:rPr lang="en-US" altLang="zh-TW" b="0" i="1" smtClean="0">
+                            <a:latin typeface="Cambria Math" panose="02040503050406030204" pitchFamily="18" charset="0"/>
+                            <a:ea typeface="微軟正黑體" panose="020B0604030504040204" pitchFamily="34" charset="-120"/>
+                            <a:cs typeface="Times New Roman" panose="02020603050405020304" pitchFamily="18" charset="0"/>
+                          </a:rPr>
+                        </m:ctrlPr>
+                      </m:dPr>
+                      <m:e>
+                        <m:r>
+                          <a:rPr lang="en-US" altLang="zh-TW" b="0" i="1" smtClean="0">
+                            <a:latin typeface="Cambria Math" panose="02040503050406030204" pitchFamily="18" charset="0"/>
+                            <a:ea typeface="微軟正黑體" panose="020B0604030504040204" pitchFamily="34" charset="-120"/>
+                            <a:cs typeface="Times New Roman" panose="02020603050405020304" pitchFamily="18" charset="0"/>
+                          </a:rPr>
+                          <m:t>𝑓</m:t>
+                        </m:r>
+                      </m:e>
+                    </m:d>
+                  </m:oMath>
+                </a14:m>
+                <a:endParaRPr lang="zh-TW" altLang="en-US" dirty="0">
+                  <a:latin typeface="Times New Roman" panose="02020603050405020304" pitchFamily="18" charset="0"/>
+                  <a:ea typeface="微軟正黑體" panose="020B0604030504040204" pitchFamily="34" charset="-120"/>
+                  <a:cs typeface="Times New Roman" panose="02020603050405020304" pitchFamily="18" charset="0"/>
+                </a:endParaRPr>
               </a:p>
             </p:txBody>
           </p:sp>
@@ -3423,8 +4669,8 @@
             </p:nvSpPr>
             <p:spPr>
               <a:xfrm>
-                <a:off x="365761" y="288757"/>
-                <a:ext cx="8114096" cy="1336007"/>
+                <a:off x="165736" y="0"/>
+                <a:ext cx="8114096" cy="2882969"/>
               </a:xfrm>
               <a:prstGeom prst="rect">
                 <a:avLst/>
@@ -3432,7 +4678,7 @@
               <a:blipFill>
                 <a:blip r:embed="rId2"/>
                 <a:stretch>
-                  <a:fillRect l="-451"/>
+                  <a:fillRect l="-451" b="-13742"/>
                 </a:stretch>
               </a:blipFill>
             </p:spPr>

--- a/communication_theory/FINAL/FINAL大抄.pptx
+++ b/communication_theory/FINAL/FINAL大抄.pptx
@@ -6,6 +6,8 @@
   </p:sldMasterIdLst>
   <p:sldIdLst>
     <p:sldId id="256" r:id="rId2"/>
+    <p:sldId id="257" r:id="rId3"/>
+    <p:sldId id="258" r:id="rId4"/>
   </p:sldIdLst>
   <p:sldSz cx="12192000" cy="6858000"/>
   <p:notesSz cx="6858000" cy="9144000"/>
@@ -243,7 +245,7 @@
           <a:p>
             <a:fld id="{5772E7A6-BE6F-406A-9567-A7FF10C2A136}" type="datetimeFigureOut">
               <a:rPr lang="zh-TW" altLang="en-US" smtClean="0"/>
-              <a:t>2019/12/13</a:t>
+              <a:t>2020/1/2</a:t>
             </a:fld>
             <a:endParaRPr lang="zh-TW" altLang="en-US"/>
           </a:p>
@@ -413,7 +415,7 @@
           <a:p>
             <a:fld id="{5772E7A6-BE6F-406A-9567-A7FF10C2A136}" type="datetimeFigureOut">
               <a:rPr lang="zh-TW" altLang="en-US" smtClean="0"/>
-              <a:t>2019/12/13</a:t>
+              <a:t>2020/1/2</a:t>
             </a:fld>
             <a:endParaRPr lang="zh-TW" altLang="en-US"/>
           </a:p>
@@ -593,7 +595,7 @@
           <a:p>
             <a:fld id="{5772E7A6-BE6F-406A-9567-A7FF10C2A136}" type="datetimeFigureOut">
               <a:rPr lang="zh-TW" altLang="en-US" smtClean="0"/>
-              <a:t>2019/12/13</a:t>
+              <a:t>2020/1/2</a:t>
             </a:fld>
             <a:endParaRPr lang="zh-TW" altLang="en-US"/>
           </a:p>
@@ -763,7 +765,7 @@
           <a:p>
             <a:fld id="{5772E7A6-BE6F-406A-9567-A7FF10C2A136}" type="datetimeFigureOut">
               <a:rPr lang="zh-TW" altLang="en-US" smtClean="0"/>
-              <a:t>2019/12/13</a:t>
+              <a:t>2020/1/2</a:t>
             </a:fld>
             <a:endParaRPr lang="zh-TW" altLang="en-US"/>
           </a:p>
@@ -1009,7 +1011,7 @@
           <a:p>
             <a:fld id="{5772E7A6-BE6F-406A-9567-A7FF10C2A136}" type="datetimeFigureOut">
               <a:rPr lang="zh-TW" altLang="en-US" smtClean="0"/>
-              <a:t>2019/12/13</a:t>
+              <a:t>2020/1/2</a:t>
             </a:fld>
             <a:endParaRPr lang="zh-TW" altLang="en-US"/>
           </a:p>
@@ -1241,7 +1243,7 @@
           <a:p>
             <a:fld id="{5772E7A6-BE6F-406A-9567-A7FF10C2A136}" type="datetimeFigureOut">
               <a:rPr lang="zh-TW" altLang="en-US" smtClean="0"/>
-              <a:t>2019/12/13</a:t>
+              <a:t>2020/1/2</a:t>
             </a:fld>
             <a:endParaRPr lang="zh-TW" altLang="en-US"/>
           </a:p>
@@ -1608,7 +1610,7 @@
           <a:p>
             <a:fld id="{5772E7A6-BE6F-406A-9567-A7FF10C2A136}" type="datetimeFigureOut">
               <a:rPr lang="zh-TW" altLang="en-US" smtClean="0"/>
-              <a:t>2019/12/13</a:t>
+              <a:t>2020/1/2</a:t>
             </a:fld>
             <a:endParaRPr lang="zh-TW" altLang="en-US"/>
           </a:p>
@@ -1726,7 +1728,7 @@
           <a:p>
             <a:fld id="{5772E7A6-BE6F-406A-9567-A7FF10C2A136}" type="datetimeFigureOut">
               <a:rPr lang="zh-TW" altLang="en-US" smtClean="0"/>
-              <a:t>2019/12/13</a:t>
+              <a:t>2020/1/2</a:t>
             </a:fld>
             <a:endParaRPr lang="zh-TW" altLang="en-US"/>
           </a:p>
@@ -1821,7 +1823,7 @@
           <a:p>
             <a:fld id="{5772E7A6-BE6F-406A-9567-A7FF10C2A136}" type="datetimeFigureOut">
               <a:rPr lang="zh-TW" altLang="en-US" smtClean="0"/>
-              <a:t>2019/12/13</a:t>
+              <a:t>2020/1/2</a:t>
             </a:fld>
             <a:endParaRPr lang="zh-TW" altLang="en-US"/>
           </a:p>
@@ -2098,7 +2100,7 @@
           <a:p>
             <a:fld id="{5772E7A6-BE6F-406A-9567-A7FF10C2A136}" type="datetimeFigureOut">
               <a:rPr lang="zh-TW" altLang="en-US" smtClean="0"/>
-              <a:t>2019/12/13</a:t>
+              <a:t>2020/1/2</a:t>
             </a:fld>
             <a:endParaRPr lang="zh-TW" altLang="en-US"/>
           </a:p>
@@ -2351,7 +2353,7 @@
           <a:p>
             <a:fld id="{5772E7A6-BE6F-406A-9567-A7FF10C2A136}" type="datetimeFigureOut">
               <a:rPr lang="zh-TW" altLang="en-US" smtClean="0"/>
-              <a:t>2019/12/13</a:t>
+              <a:t>2020/1/2</a:t>
             </a:fld>
             <a:endParaRPr lang="zh-TW" altLang="en-US"/>
           </a:p>
@@ -2564,7 +2566,7 @@
           <a:p>
             <a:fld id="{5772E7A6-BE6F-406A-9567-A7FF10C2A136}" type="datetimeFigureOut">
               <a:rPr lang="zh-TW" altLang="en-US" smtClean="0"/>
-              <a:t>2019/12/13</a:t>
+              <a:t>2020/1/2</a:t>
             </a:fld>
             <a:endParaRPr lang="zh-TW" altLang="en-US"/>
           </a:p>
@@ -2973,14 +2975,14 @@
         <mc:Choice xmlns:a14="http://schemas.microsoft.com/office/drawing/2010/main" Requires="a14">
           <p:sp>
             <p:nvSpPr>
-              <p:cNvPr id="5" name="文字方塊 4"/>
+              <p:cNvPr id="3" name="文字方塊 2"/>
               <p:cNvSpPr txBox="1"/>
               <p:nvPr/>
             </p:nvSpPr>
             <p:spPr>
               <a:xfrm>
-                <a:off x="165736" y="0"/>
-                <a:ext cx="8114096" cy="2882969"/>
+                <a:off x="0" y="0"/>
+                <a:ext cx="7209794" cy="656013"/>
               </a:xfrm>
               <a:prstGeom prst="rect">
                 <a:avLst/>
@@ -2988,7 +2990,7 @@
               <a:noFill/>
             </p:spPr>
             <p:txBody>
-              <a:bodyPr wrap="square" rtlCol="0">
+              <a:bodyPr wrap="none" rtlCol="0">
                 <a:spAutoFit/>
               </a:bodyPr>
               <a:lstStyle/>
@@ -2998,7 +3000,7 @@
                   <a:buChar char="p"/>
                 </a:pPr>
                 <a:r>
-                  <a:rPr lang="en-US" altLang="zh-TW" b="0" dirty="0" smtClean="0">
+                  <a:rPr lang="en-US" altLang="zh-TW" dirty="0">
                     <a:latin typeface="Times New Roman" panose="02020603050405020304" pitchFamily="18" charset="0"/>
                     <a:ea typeface="微軟正黑體" panose="020B0604030504040204" pitchFamily="34" charset="-120"/>
                     <a:cs typeface="Times New Roman" panose="02020603050405020304" pitchFamily="18" charset="0"/>
@@ -3006,7 +3008,7 @@
                   <a:t>M-</a:t>
                 </a:r>
                 <a:r>
-                  <a:rPr lang="en-US" altLang="zh-TW" b="0" dirty="0" err="1" smtClean="0">
+                  <a:rPr lang="en-US" altLang="zh-TW" dirty="0" err="1">
                     <a:latin typeface="Times New Roman" panose="02020603050405020304" pitchFamily="18" charset="0"/>
                     <a:ea typeface="微軟正黑體" panose="020B0604030504040204" pitchFamily="34" charset="-120"/>
                     <a:cs typeface="Times New Roman" panose="02020603050405020304" pitchFamily="18" charset="0"/>
@@ -3014,7 +3016,7 @@
                   <a:t>ary</a:t>
                 </a:r>
                 <a:r>
-                  <a:rPr lang="en-US" altLang="zh-TW" b="0" dirty="0" smtClean="0">
+                  <a:rPr lang="en-US" altLang="zh-TW" dirty="0">
                     <a:latin typeface="Times New Roman" panose="02020603050405020304" pitchFamily="18" charset="0"/>
                     <a:ea typeface="微軟正黑體" panose="020B0604030504040204" pitchFamily="34" charset="-120"/>
                     <a:cs typeface="Times New Roman" panose="02020603050405020304" pitchFamily="18" charset="0"/>
@@ -3022,7 +3024,7 @@
                   <a:t> duo-binary signaling </a:t>
                 </a:r>
                 <a:r>
-                  <a:rPr lang="zh-TW" altLang="en-US" b="0" dirty="0" smtClean="0">
+                  <a:rPr lang="zh-TW" altLang="en-US" dirty="0">
                     <a:latin typeface="Times New Roman" panose="02020603050405020304" pitchFamily="18" charset="0"/>
                     <a:ea typeface="微軟正黑體" panose="020B0604030504040204" pitchFamily="34" charset="-120"/>
                     <a:cs typeface="Times New Roman" panose="02020603050405020304" pitchFamily="18" charset="0"/>
@@ -3030,7 +3032,7 @@
                   <a:t>錯誤率 </a:t>
                 </a:r>
                 <a:r>
-                  <a:rPr lang="en-US" altLang="zh-TW" b="0" dirty="0" smtClean="0">
+                  <a:rPr lang="en-US" altLang="zh-TW" dirty="0">
                     <a:latin typeface="Times New Roman" panose="02020603050405020304" pitchFamily="18" charset="0"/>
                     <a:ea typeface="微軟正黑體" panose="020B0604030504040204" pitchFamily="34" charset="-120"/>
                     <a:cs typeface="Times New Roman" panose="02020603050405020304" pitchFamily="18" charset="0"/>
@@ -3042,14 +3044,14 @@
                     <m:sSub>
                       <m:sSubPr>
                         <m:ctrlPr>
-                          <a:rPr lang="en-US" altLang="zh-TW" b="0" i="1" smtClean="0">
+                          <a:rPr lang="en-US" altLang="zh-TW" i="1">
                             <a:latin typeface="Cambria Math" panose="02040503050406030204" pitchFamily="18" charset="0"/>
                           </a:rPr>
                         </m:ctrlPr>
                       </m:sSubPr>
                       <m:e>
                         <m:r>
-                          <a:rPr lang="en-US" altLang="zh-TW" b="0" i="1" smtClean="0">
+                          <a:rPr lang="en-US" altLang="zh-TW" i="1">
                             <a:latin typeface="Cambria Math" panose="02040503050406030204" pitchFamily="18" charset="0"/>
                           </a:rPr>
                           <m:t>𝑃</m:t>
@@ -3057,7 +3059,7 @@
                       </m:e>
                       <m:sub>
                         <m:r>
-                          <a:rPr lang="en-US" altLang="zh-TW" b="0" i="1" smtClean="0">
+                          <a:rPr lang="en-US" altLang="zh-TW" i="1">
                             <a:latin typeface="Cambria Math" panose="02040503050406030204" pitchFamily="18" charset="0"/>
                           </a:rPr>
                           <m:t>𝑀</m:t>
@@ -3065,7 +3067,7 @@
                       </m:sub>
                     </m:sSub>
                     <m:r>
-                      <a:rPr lang="en-US" altLang="zh-TW" b="0" i="1" smtClean="0">
+                      <a:rPr lang="en-US" altLang="zh-TW" i="1">
                         <a:latin typeface="Cambria Math" panose="02040503050406030204" pitchFamily="18" charset="0"/>
                       </a:rPr>
                       <m:t>=2</m:t>
@@ -3073,14 +3075,14 @@
                     <m:d>
                       <m:dPr>
                         <m:ctrlPr>
-                          <a:rPr lang="en-US" altLang="zh-TW" b="0" i="1" smtClean="0">
+                          <a:rPr lang="en-US" altLang="zh-TW" i="1">
                             <a:latin typeface="Cambria Math" panose="02040503050406030204" pitchFamily="18" charset="0"/>
                           </a:rPr>
                         </m:ctrlPr>
                       </m:dPr>
                       <m:e>
                         <m:r>
-                          <a:rPr lang="en-US" altLang="zh-TW" b="0" i="1" smtClean="0">
+                          <a:rPr lang="en-US" altLang="zh-TW" i="1">
                             <a:latin typeface="Cambria Math" panose="02040503050406030204" pitchFamily="18" charset="0"/>
                           </a:rPr>
                           <m:t>1−</m:t>
@@ -3088,14 +3090,14 @@
                         <m:f>
                           <m:fPr>
                             <m:ctrlPr>
-                              <a:rPr lang="en-US" altLang="zh-TW" b="0" i="1" smtClean="0">
+                              <a:rPr lang="en-US" altLang="zh-TW" i="1">
                                 <a:latin typeface="Cambria Math" panose="02040503050406030204" pitchFamily="18" charset="0"/>
                               </a:rPr>
                             </m:ctrlPr>
                           </m:fPr>
                           <m:num>
                             <m:r>
-                              <a:rPr lang="en-US" altLang="zh-TW" b="0" i="1" smtClean="0">
+                              <a:rPr lang="en-US" altLang="zh-TW" i="1">
                                 <a:latin typeface="Cambria Math" panose="02040503050406030204" pitchFamily="18" charset="0"/>
                               </a:rPr>
                               <m:t>1</m:t>
@@ -3105,14 +3107,14 @@
                             <m:sSup>
                               <m:sSupPr>
                                 <m:ctrlPr>
-                                  <a:rPr lang="en-US" altLang="zh-TW" b="0" i="1" smtClean="0">
+                                  <a:rPr lang="en-US" altLang="zh-TW" i="1">
                                     <a:latin typeface="Cambria Math" panose="02040503050406030204" pitchFamily="18" charset="0"/>
                                   </a:rPr>
                                 </m:ctrlPr>
                               </m:sSupPr>
                               <m:e>
                                 <m:r>
-                                  <a:rPr lang="en-US" altLang="zh-TW" b="0" i="1" smtClean="0">
+                                  <a:rPr lang="en-US" altLang="zh-TW" i="1">
                                     <a:latin typeface="Cambria Math" panose="02040503050406030204" pitchFamily="18" charset="0"/>
                                   </a:rPr>
                                   <m:t>𝑀</m:t>
@@ -3120,7 +3122,7 @@
                               </m:e>
                               <m:sup>
                                 <m:r>
-                                  <a:rPr lang="en-US" altLang="zh-TW" b="0" i="1" smtClean="0">
+                                  <a:rPr lang="en-US" altLang="zh-TW" i="1">
                                     <a:latin typeface="Cambria Math" panose="02040503050406030204" pitchFamily="18" charset="0"/>
                                   </a:rPr>
                                   <m:t>2</m:t>
@@ -3132,7 +3134,7 @@
                       </m:e>
                     </m:d>
                     <m:r>
-                      <a:rPr lang="en-US" altLang="zh-TW" b="0" i="1" smtClean="0">
+                      <a:rPr lang="en-US" altLang="zh-TW" i="1">
                         <a:latin typeface="Cambria Math" panose="02040503050406030204" pitchFamily="18" charset="0"/>
                       </a:rPr>
                       <m:t>𝑄</m:t>
@@ -3141,7 +3143,7 @@
                       <m:radPr>
                         <m:degHide m:val="on"/>
                         <m:ctrlPr>
-                          <a:rPr lang="en-US" altLang="zh-TW" b="0" i="1" smtClean="0">
+                          <a:rPr lang="en-US" altLang="zh-TW" i="1">
                             <a:latin typeface="Cambria Math" panose="02040503050406030204" pitchFamily="18" charset="0"/>
                           </a:rPr>
                         </m:ctrlPr>
@@ -3151,7 +3153,7 @@
                         <m:sSup>
                           <m:sSupPr>
                             <m:ctrlPr>
-                              <a:rPr lang="en-US" altLang="zh-TW" b="0" i="1" smtClean="0">
+                              <a:rPr lang="en-US" altLang="zh-TW" i="1">
                                 <a:latin typeface="Cambria Math" panose="02040503050406030204" pitchFamily="18" charset="0"/>
                               </a:rPr>
                             </m:ctrlPr>
@@ -3160,7 +3162,7 @@
                             <m:d>
                               <m:dPr>
                                 <m:ctrlPr>
-                                  <a:rPr lang="en-US" altLang="zh-TW" b="0" i="1" smtClean="0">
+                                  <a:rPr lang="en-US" altLang="zh-TW" i="1">
                                     <a:latin typeface="Cambria Math" panose="02040503050406030204" pitchFamily="18" charset="0"/>
                                   </a:rPr>
                                 </m:ctrlPr>
@@ -3169,14 +3171,14 @@
                                 <m:f>
                                   <m:fPr>
                                     <m:ctrlPr>
-                                      <a:rPr lang="en-US" altLang="zh-TW" b="0" i="1" smtClean="0">
+                                      <a:rPr lang="en-US" altLang="zh-TW" i="1">
                                         <a:latin typeface="Cambria Math" panose="02040503050406030204" pitchFamily="18" charset="0"/>
                                       </a:rPr>
                                     </m:ctrlPr>
                                   </m:fPr>
                                   <m:num>
                                     <m:r>
-                                      <a:rPr lang="en-US" altLang="zh-TW" b="0" i="1" smtClean="0">
+                                      <a:rPr lang="en-US" altLang="zh-TW" i="1">
                                         <a:latin typeface="Cambria Math" panose="02040503050406030204" pitchFamily="18" charset="0"/>
                                       </a:rPr>
                                       <m:t>𝜋</m:t>
@@ -3184,7 +3186,7 @@
                                   </m:num>
                                   <m:den>
                                     <m:r>
-                                      <a:rPr lang="en-US" altLang="zh-TW" b="0" i="1" smtClean="0">
+                                      <a:rPr lang="en-US" altLang="zh-TW" i="1">
                                         <a:latin typeface="Cambria Math" panose="02040503050406030204" pitchFamily="18" charset="0"/>
                                       </a:rPr>
                                       <m:t>4</m:t>
@@ -3196,7 +3198,7 @@
                           </m:e>
                           <m:sup>
                             <m:r>
-                              <a:rPr lang="en-US" altLang="zh-TW" b="0" i="1" smtClean="0">
+                              <a:rPr lang="en-US" altLang="zh-TW" i="1">
                                 <a:latin typeface="Cambria Math" panose="02040503050406030204" pitchFamily="18" charset="0"/>
                               </a:rPr>
                               <m:t>2</m:t>
@@ -3206,14 +3208,14 @@
                         <m:f>
                           <m:fPr>
                             <m:ctrlPr>
-                              <a:rPr lang="en-US" altLang="zh-TW" b="0" i="1" smtClean="0">
+                              <a:rPr lang="en-US" altLang="zh-TW" i="1">
                                 <a:latin typeface="Cambria Math" panose="02040503050406030204" pitchFamily="18" charset="0"/>
                               </a:rPr>
                             </m:ctrlPr>
                           </m:fPr>
                           <m:num>
                             <m:r>
-                              <a:rPr lang="en-US" altLang="zh-TW" b="0" i="1" smtClean="0">
+                              <a:rPr lang="en-US" altLang="zh-TW" i="1">
                                 <a:latin typeface="Cambria Math" panose="02040503050406030204" pitchFamily="18" charset="0"/>
                               </a:rPr>
                               <m:t>6</m:t>
@@ -3223,14 +3225,14 @@
                             <m:sSup>
                               <m:sSupPr>
                                 <m:ctrlPr>
-                                  <a:rPr lang="en-US" altLang="zh-TW" b="0" i="1" smtClean="0">
+                                  <a:rPr lang="en-US" altLang="zh-TW" i="1">
                                     <a:latin typeface="Cambria Math" panose="02040503050406030204" pitchFamily="18" charset="0"/>
                                   </a:rPr>
                                 </m:ctrlPr>
                               </m:sSupPr>
                               <m:e>
                                 <m:r>
-                                  <a:rPr lang="en-US" altLang="zh-TW" b="0" i="1" smtClean="0">
+                                  <a:rPr lang="en-US" altLang="zh-TW" i="1">
                                     <a:latin typeface="Cambria Math" panose="02040503050406030204" pitchFamily="18" charset="0"/>
                                   </a:rPr>
                                   <m:t>𝑀</m:t>
@@ -3238,7 +3240,7 @@
                               </m:e>
                               <m:sup>
                                 <m:r>
-                                  <a:rPr lang="en-US" altLang="zh-TW" b="0" i="1" smtClean="0">
+                                  <a:rPr lang="en-US" altLang="zh-TW" i="1">
                                     <a:latin typeface="Cambria Math" panose="02040503050406030204" pitchFamily="18" charset="0"/>
                                   </a:rPr>
                                   <m:t>2</m:t>
@@ -3246,7 +3248,7 @@
                               </m:sup>
                             </m:sSup>
                             <m:r>
-                              <a:rPr lang="en-US" altLang="zh-TW" b="0" i="1" smtClean="0">
+                              <a:rPr lang="en-US" altLang="zh-TW" i="1">
                                 <a:latin typeface="Cambria Math" panose="02040503050406030204" pitchFamily="18" charset="0"/>
                               </a:rPr>
                               <m:t>−1</m:t>
@@ -3256,7 +3258,7 @@
                         <m:f>
                           <m:fPr>
                             <m:ctrlPr>
-                              <a:rPr lang="en-US" altLang="zh-TW" b="0" i="1" smtClean="0">
+                              <a:rPr lang="en-US" altLang="zh-TW" i="1">
                                 <a:latin typeface="Cambria Math" panose="02040503050406030204" pitchFamily="18" charset="0"/>
                               </a:rPr>
                             </m:ctrlPr>
@@ -3265,14 +3267,14 @@
                             <m:sSub>
                               <m:sSubPr>
                                 <m:ctrlPr>
-                                  <a:rPr lang="en-US" altLang="zh-TW" b="0" i="1" smtClean="0">
+                                  <a:rPr lang="en-US" altLang="zh-TW" i="1">
                                     <a:latin typeface="Cambria Math" panose="02040503050406030204" pitchFamily="18" charset="0"/>
                                   </a:rPr>
                                 </m:ctrlPr>
                               </m:sSubPr>
                               <m:e>
                                 <m:r>
-                                  <a:rPr lang="en-US" altLang="zh-TW" b="0" i="1" smtClean="0">
+                                  <a:rPr lang="en-US" altLang="zh-TW" i="1">
                                     <a:latin typeface="Cambria Math" panose="02040503050406030204" pitchFamily="18" charset="0"/>
                                   </a:rPr>
                                   <m:t>𝐸</m:t>
@@ -3280,7 +3282,7 @@
                               </m:e>
                               <m:sub>
                                 <m:r>
-                                  <a:rPr lang="en-US" altLang="zh-TW" b="0" i="1" smtClean="0">
+                                  <a:rPr lang="en-US" altLang="zh-TW" i="1">
                                     <a:latin typeface="Cambria Math" panose="02040503050406030204" pitchFamily="18" charset="0"/>
                                   </a:rPr>
                                   <m:t>𝑎𝑣</m:t>
@@ -3292,14 +3294,14 @@
                             <m:sSub>
                               <m:sSubPr>
                                 <m:ctrlPr>
-                                  <a:rPr lang="en-US" altLang="zh-TW" b="0" i="1" smtClean="0">
+                                  <a:rPr lang="en-US" altLang="zh-TW" i="1">
                                     <a:latin typeface="Cambria Math" panose="02040503050406030204" pitchFamily="18" charset="0"/>
                                   </a:rPr>
                                 </m:ctrlPr>
                               </m:sSubPr>
                               <m:e>
                                 <m:r>
-                                  <a:rPr lang="en-US" altLang="zh-TW" b="0" i="1" smtClean="0">
+                                  <a:rPr lang="en-US" altLang="zh-TW" i="1">
                                     <a:latin typeface="Cambria Math" panose="02040503050406030204" pitchFamily="18" charset="0"/>
                                   </a:rPr>
                                   <m:t>𝑁</m:t>
@@ -3307,7 +3309,7 @@
                               </m:e>
                               <m:sub>
                                 <m:r>
-                                  <a:rPr lang="en-US" altLang="zh-TW" b="0" i="1" smtClean="0">
+                                  <a:rPr lang="en-US" altLang="zh-TW" i="1">
                                     <a:latin typeface="Cambria Math" panose="02040503050406030204" pitchFamily="18" charset="0"/>
                                   </a:rPr>
                                   <m:t>𝑜</m:t>
@@ -3320,19 +3322,80 @@
                     </m:rad>
                   </m:oMath>
                 </a14:m>
-                <a:endParaRPr lang="en-US" altLang="zh-TW" b="0" dirty="0" smtClean="0">
-                  <a:latin typeface="Times New Roman" panose="02020603050405020304" pitchFamily="18" charset="0"/>
-                  <a:ea typeface="微軟正黑體" panose="020B0604030504040204" pitchFamily="34" charset="-120"/>
-                  <a:cs typeface="Times New Roman" panose="02020603050405020304" pitchFamily="18" charset="0"/>
-                </a:endParaRPr>
+                <a:endParaRPr lang="zh-TW" altLang="en-US" dirty="0"/>
               </a:p>
+            </p:txBody>
+          </p:sp>
+        </mc:Choice>
+        <mc:Fallback>
+          <p:sp>
+            <p:nvSpPr>
+              <p:cNvPr id="3" name="文字方塊 2"/>
+              <p:cNvSpPr txBox="1">
+                <a:spLocks noRot="1" noChangeAspect="1" noMove="1" noResize="1" noEditPoints="1" noAdjustHandles="1" noChangeArrowheads="1" noChangeShapeType="1" noTextEdit="1"/>
+              </p:cNvSpPr>
+              <p:nvPr/>
+            </p:nvSpPr>
+            <p:spPr>
+              <a:xfrm>
+                <a:off x="0" y="0"/>
+                <a:ext cx="7209794" cy="656013"/>
+              </a:xfrm>
+              <a:prstGeom prst="rect">
+                <a:avLst/>
+              </a:prstGeom>
+              <a:blipFill>
+                <a:blip r:embed="rId2"/>
+                <a:stretch>
+                  <a:fillRect l="-507"/>
+                </a:stretch>
+              </a:blipFill>
+            </p:spPr>
+            <p:txBody>
+              <a:bodyPr/>
+              <a:lstStyle/>
+              <a:p>
+                <a:r>
+                  <a:rPr lang="zh-TW" altLang="en-US">
+                    <a:noFill/>
+                  </a:rPr>
+                  <a:t> </a:t>
+                </a:r>
+              </a:p>
+            </p:txBody>
+          </p:sp>
+        </mc:Fallback>
+      </mc:AlternateContent>
+      <mc:AlternateContent xmlns:mc="http://schemas.openxmlformats.org/markup-compatibility/2006">
+        <mc:Choice xmlns:a14="http://schemas.microsoft.com/office/drawing/2010/main" Requires="a14">
+          <p:sp>
+            <p:nvSpPr>
+              <p:cNvPr id="6" name="文字方塊 5"/>
+              <p:cNvSpPr txBox="1"/>
+              <p:nvPr/>
+            </p:nvSpPr>
+            <p:spPr>
+              <a:xfrm>
+                <a:off x="0" y="606095"/>
+                <a:ext cx="3315844" cy="495328"/>
+              </a:xfrm>
+              <a:prstGeom prst="rect">
+                <a:avLst/>
+              </a:prstGeom>
+              <a:noFill/>
+            </p:spPr>
+            <p:txBody>
+              <a:bodyPr wrap="none" rtlCol="0">
+                <a:spAutoFit/>
+              </a:bodyPr>
+              <a:lstStyle/>
               <a:p>
                 <a:pPr marL="285750" indent="-285750">
                   <a:buFont typeface="Wingdings" panose="05000000000000000000" pitchFamily="2" charset="2"/>
                   <a:buChar char="p"/>
                 </a:pPr>
                 <a:r>
-                  <a:rPr lang="en-US" altLang="zh-TW" dirty="0" smtClean="0">
+                  <a:rPr lang="en-US" altLang="zh-TW" dirty="0">
                     <a:latin typeface="Times New Roman" panose="02020603050405020304" pitchFamily="18" charset="0"/>
                     <a:ea typeface="微軟正黑體" panose="020B0604030504040204" pitchFamily="34" charset="-120"/>
                     <a:cs typeface="Times New Roman" panose="02020603050405020304" pitchFamily="18" charset="0"/>
@@ -3342,13 +3405,13 @@
                 <a14:m>
                   <m:oMath xmlns:m="http://schemas.openxmlformats.org/officeDocument/2006/math">
                     <m:r>
-                      <a:rPr lang="en-US" altLang="zh-TW" b="0" i="1" smtClean="0">
+                      <a:rPr lang="en-US" altLang="zh-TW" i="1">
                         <a:latin typeface="Cambria Math" panose="02040503050406030204" pitchFamily="18" charset="0"/>
                       </a:rPr>
                       <m:t>𝑅</m:t>
                     </m:r>
                     <m:r>
-                      <a:rPr lang="en-US" altLang="zh-TW" b="0" i="1" smtClean="0">
+                      <a:rPr lang="en-US" altLang="zh-TW" i="1">
                         <a:latin typeface="Cambria Math" panose="02040503050406030204" pitchFamily="18" charset="0"/>
                       </a:rPr>
                       <m:t>=</m:t>
@@ -3356,14 +3419,14 @@
                     <m:f>
                       <m:fPr>
                         <m:ctrlPr>
-                          <a:rPr lang="en-US" altLang="zh-TW" b="0" i="1" smtClean="0">
+                          <a:rPr lang="en-US" altLang="zh-TW" i="1">
                             <a:latin typeface="Cambria Math" panose="02040503050406030204" pitchFamily="18" charset="0"/>
                           </a:rPr>
                         </m:ctrlPr>
                       </m:fPr>
                       <m:num>
                         <m:r>
-                          <a:rPr lang="en-US" altLang="zh-TW" b="0" i="1" smtClean="0">
+                          <a:rPr lang="en-US" altLang="zh-TW" i="1">
                             <a:latin typeface="Cambria Math" panose="02040503050406030204" pitchFamily="18" charset="0"/>
                           </a:rPr>
                           <m:t>1</m:t>
@@ -3371,7 +3434,7 @@
                       </m:num>
                       <m:den>
                         <m:r>
-                          <a:rPr lang="en-US" altLang="zh-TW" b="0" i="1" smtClean="0">
+                          <a:rPr lang="en-US" altLang="zh-TW" i="1">
                             <a:latin typeface="Cambria Math" panose="02040503050406030204" pitchFamily="18" charset="0"/>
                           </a:rPr>
                           <m:t>𝑇</m:t>
@@ -3379,7 +3442,7 @@
                       </m:den>
                     </m:f>
                     <m:r>
-                      <a:rPr lang="en-US" altLang="zh-TW" b="0" i="1" smtClean="0">
+                      <a:rPr lang="en-US" altLang="zh-TW" i="1">
                         <a:latin typeface="Cambria Math" panose="02040503050406030204" pitchFamily="18" charset="0"/>
                       </a:rPr>
                       <m:t>=</m:t>
@@ -3387,26 +3450,26 @@
                     <m:f>
                       <m:fPr>
                         <m:ctrlPr>
-                          <a:rPr lang="en-US" altLang="zh-TW" b="0" i="1" smtClean="0">
+                          <a:rPr lang="en-US" altLang="zh-TW" i="1">
                             <a:latin typeface="Cambria Math" panose="02040503050406030204" pitchFamily="18" charset="0"/>
                           </a:rPr>
                         </m:ctrlPr>
                       </m:fPr>
                       <m:num>
                         <m:r>
-                          <a:rPr lang="en-US" altLang="zh-TW" b="0" i="1" smtClean="0">
+                          <a:rPr lang="en-US" altLang="zh-TW" i="1">
                             <a:latin typeface="Cambria Math" panose="02040503050406030204" pitchFamily="18" charset="0"/>
                           </a:rPr>
                           <m:t>𝐵𝑖𝑡</m:t>
                         </m:r>
                         <m:r>
-                          <a:rPr lang="en-US" altLang="zh-TW" b="0" i="1" smtClean="0">
+                          <a:rPr lang="en-US" altLang="zh-TW" i="1">
                             <a:latin typeface="Cambria Math" panose="02040503050406030204" pitchFamily="18" charset="0"/>
                           </a:rPr>
                           <m:t> </m:t>
                         </m:r>
                         <m:r>
-                          <a:rPr lang="en-US" altLang="zh-TW" b="0" i="1" smtClean="0">
+                          <a:rPr lang="en-US" altLang="zh-TW" i="1">
                             <a:latin typeface="Cambria Math" panose="02040503050406030204" pitchFamily="18" charset="0"/>
                           </a:rPr>
                           <m:t>𝑅𝑎𝑡𝑒</m:t>
@@ -3414,7 +3477,7 @@
                       </m:num>
                       <m:den>
                         <m:r>
-                          <a:rPr lang="en-US" altLang="zh-TW" b="0" i="1" smtClean="0">
+                          <a:rPr lang="en-US" altLang="zh-TW" i="1">
                             <a:latin typeface="Cambria Math" panose="02040503050406030204" pitchFamily="18" charset="0"/>
                           </a:rPr>
                           <m:t>𝐵𝑖𝑡𝑠</m:t>
@@ -3423,19 +3486,80 @@
                     </m:f>
                   </m:oMath>
                 </a14:m>
-                <a:endParaRPr lang="en-US" altLang="zh-TW" dirty="0" smtClean="0">
-                  <a:latin typeface="Times New Roman" panose="02020603050405020304" pitchFamily="18" charset="0"/>
-                  <a:ea typeface="微軟正黑體" panose="020B0604030504040204" pitchFamily="34" charset="-120"/>
-                  <a:cs typeface="Times New Roman" panose="02020603050405020304" pitchFamily="18" charset="0"/>
-                </a:endParaRPr>
+                <a:endParaRPr lang="zh-TW" altLang="en-US" dirty="0"/>
               </a:p>
+            </p:txBody>
+          </p:sp>
+        </mc:Choice>
+        <mc:Fallback>
+          <p:sp>
+            <p:nvSpPr>
+              <p:cNvPr id="6" name="文字方塊 5"/>
+              <p:cNvSpPr txBox="1">
+                <a:spLocks noRot="1" noChangeAspect="1" noMove="1" noResize="1" noEditPoints="1" noAdjustHandles="1" noChangeArrowheads="1" noChangeShapeType="1" noTextEdit="1"/>
+              </p:cNvSpPr>
+              <p:nvPr/>
+            </p:nvSpPr>
+            <p:spPr>
+              <a:xfrm>
+                <a:off x="0" y="606095"/>
+                <a:ext cx="3315844" cy="495328"/>
+              </a:xfrm>
+              <a:prstGeom prst="rect">
+                <a:avLst/>
+              </a:prstGeom>
+              <a:blipFill>
+                <a:blip r:embed="rId3"/>
+                <a:stretch>
+                  <a:fillRect l="-1103" b="-4878"/>
+                </a:stretch>
+              </a:blipFill>
+            </p:spPr>
+            <p:txBody>
+              <a:bodyPr/>
+              <a:lstStyle/>
+              <a:p>
+                <a:r>
+                  <a:rPr lang="zh-TW" altLang="en-US">
+                    <a:noFill/>
+                  </a:rPr>
+                  <a:t> </a:t>
+                </a:r>
+              </a:p>
+            </p:txBody>
+          </p:sp>
+        </mc:Fallback>
+      </mc:AlternateContent>
+      <mc:AlternateContent xmlns:mc="http://schemas.openxmlformats.org/markup-compatibility/2006">
+        <mc:Choice xmlns:a14="http://schemas.microsoft.com/office/drawing/2010/main" Requires="a14">
+          <p:sp>
+            <p:nvSpPr>
+              <p:cNvPr id="7" name="文字方塊 6"/>
+              <p:cNvSpPr txBox="1"/>
+              <p:nvPr/>
+            </p:nvSpPr>
+            <p:spPr>
+              <a:xfrm>
+                <a:off x="0" y="1101046"/>
+                <a:ext cx="4418325" cy="484172"/>
+              </a:xfrm>
+              <a:prstGeom prst="rect">
+                <a:avLst/>
+              </a:prstGeom>
+              <a:noFill/>
+            </p:spPr>
+            <p:txBody>
+              <a:bodyPr wrap="none" rtlCol="0">
+                <a:spAutoFit/>
+              </a:bodyPr>
+              <a:lstStyle/>
               <a:p>
                 <a:pPr marL="285750" indent="-285750">
                   <a:buFont typeface="Wingdings" panose="05000000000000000000" pitchFamily="2" charset="2"/>
                   <a:buChar char="p"/>
                 </a:pPr>
                 <a:r>
-                  <a:rPr lang="en-US" altLang="zh-TW" dirty="0" smtClean="0">
+                  <a:rPr lang="en-US" altLang="zh-TW" dirty="0">
                     <a:latin typeface="Times New Roman" panose="02020603050405020304" pitchFamily="18" charset="0"/>
                     <a:ea typeface="微軟正黑體" panose="020B0604030504040204" pitchFamily="34" charset="-120"/>
                     <a:cs typeface="Times New Roman" panose="02020603050405020304" pitchFamily="18" charset="0"/>
@@ -3447,14 +3571,14 @@
                     <m:f>
                       <m:fPr>
                         <m:ctrlPr>
-                          <a:rPr lang="en-US" altLang="zh-TW" b="0" i="1" smtClean="0">
+                          <a:rPr lang="en-US" altLang="zh-TW" i="1">
                             <a:latin typeface="Cambria Math" panose="02040503050406030204" pitchFamily="18" charset="0"/>
                           </a:rPr>
                         </m:ctrlPr>
                       </m:fPr>
                       <m:num>
                         <m:r>
-                          <a:rPr lang="en-US" altLang="zh-TW" b="0" i="1" smtClean="0">
+                          <a:rPr lang="en-US" altLang="zh-TW" i="1">
                             <a:latin typeface="Cambria Math" panose="02040503050406030204" pitchFamily="18" charset="0"/>
                           </a:rPr>
                           <m:t>𝑊</m:t>
@@ -3462,7 +3586,7 @@
                       </m:num>
                       <m:den>
                         <m:r>
-                          <a:rPr lang="en-US" altLang="zh-TW" b="0" i="1" smtClean="0">
+                          <a:rPr lang="en-US" altLang="zh-TW" i="1">
                             <a:latin typeface="Cambria Math" panose="02040503050406030204" pitchFamily="18" charset="0"/>
                           </a:rPr>
                           <m:t>2</m:t>
@@ -3470,7 +3594,7 @@
                       </m:den>
                     </m:f>
                     <m:r>
-                      <a:rPr lang="en-US" altLang="zh-TW" b="0" i="1" smtClean="0">
+                      <a:rPr lang="en-US" altLang="zh-TW" i="1">
                         <a:latin typeface="Cambria Math" panose="02040503050406030204" pitchFamily="18" charset="0"/>
                       </a:rPr>
                       <m:t>=</m:t>
@@ -3478,14 +3602,14 @@
                     <m:f>
                       <m:fPr>
                         <m:ctrlPr>
-                          <a:rPr lang="en-US" altLang="zh-TW" b="0" i="1" smtClean="0">
+                          <a:rPr lang="en-US" altLang="zh-TW" i="1">
                             <a:latin typeface="Cambria Math" panose="02040503050406030204" pitchFamily="18" charset="0"/>
                           </a:rPr>
                         </m:ctrlPr>
                       </m:fPr>
                       <m:num>
                         <m:r>
-                          <a:rPr lang="en-US" altLang="zh-TW" b="0" i="1" smtClean="0">
+                          <a:rPr lang="en-US" altLang="zh-TW" i="1">
                             <a:latin typeface="Cambria Math" panose="02040503050406030204" pitchFamily="18" charset="0"/>
                           </a:rPr>
                           <m:t>1</m:t>
@@ -3493,57 +3617,482 @@
                       </m:num>
                       <m:den>
                         <m:r>
-                          <a:rPr lang="en-US" altLang="zh-TW" b="0" i="1" smtClean="0">
+                          <a:rPr lang="en-US" altLang="zh-TW" i="1">
                             <a:latin typeface="Cambria Math" panose="02040503050406030204" pitchFamily="18" charset="0"/>
                           </a:rPr>
                           <m:t>2</m:t>
                         </m:r>
                         <m:r>
-                          <a:rPr lang="en-US" altLang="zh-TW" b="0" i="1" smtClean="0">
+                          <a:rPr lang="en-US" altLang="zh-TW" i="1">
                             <a:latin typeface="Cambria Math" panose="02040503050406030204" pitchFamily="18" charset="0"/>
                           </a:rPr>
                           <m:t>𝑇</m:t>
                         </m:r>
                       </m:den>
                     </m:f>
-                    <m:r>
-                      <a:rPr lang="en-US" altLang="zh-TW" b="0" i="1" smtClean="0">
-                        <a:latin typeface="Cambria Math" panose="02040503050406030204" pitchFamily="18" charset="0"/>
-                      </a:rPr>
-                      <m:t>(1+</m:t>
-                    </m:r>
-                    <m:r>
-                      <a:rPr lang="en-US" altLang="zh-TW" b="0" i="1" smtClean="0">
-                        <a:latin typeface="Cambria Math" panose="02040503050406030204" pitchFamily="18" charset="0"/>
-                      </a:rPr>
-                      <m:t>𝛽</m:t>
-                    </m:r>
-                    <m:r>
-                      <a:rPr lang="en-US" altLang="zh-TW" b="0" i="1" smtClean="0">
-                        <a:latin typeface="Cambria Math" panose="02040503050406030204" pitchFamily="18" charset="0"/>
-                      </a:rPr>
-                      <m:t>)</m:t>
-                    </m:r>
+                    <m:d>
+                      <m:dPr>
+                        <m:ctrlPr>
+                          <a:rPr lang="en-US" altLang="zh-TW" i="1">
+                            <a:latin typeface="Cambria Math" panose="02040503050406030204" pitchFamily="18" charset="0"/>
+                          </a:rPr>
+                        </m:ctrlPr>
+                      </m:dPr>
+                      <m:e>
+                        <m:r>
+                          <a:rPr lang="en-US" altLang="zh-TW" i="1">
+                            <a:latin typeface="Cambria Math" panose="02040503050406030204" pitchFamily="18" charset="0"/>
+                          </a:rPr>
+                          <m:t>1+</m:t>
+                        </m:r>
+                        <m:r>
+                          <a:rPr lang="en-US" altLang="zh-TW" i="1">
+                            <a:latin typeface="Cambria Math" panose="02040503050406030204" pitchFamily="18" charset="0"/>
+                          </a:rPr>
+                          <m:t>𝛽</m:t>
+                        </m:r>
+                      </m:e>
+                    </m:d>
                   </m:oMath>
                 </a14:m>
-                <a:endParaRPr lang="en-US" altLang="zh-TW" dirty="0" smtClean="0">
-                  <a:latin typeface="Times New Roman" panose="02020603050405020304" pitchFamily="18" charset="0"/>
-                  <a:ea typeface="微軟正黑體" panose="020B0604030504040204" pitchFamily="34" charset="-120"/>
-                  <a:cs typeface="Times New Roman" panose="02020603050405020304" pitchFamily="18" charset="0"/>
-                </a:endParaRPr>
+                <a:endParaRPr lang="zh-TW" altLang="en-US" dirty="0"/>
               </a:p>
+            </p:txBody>
+          </p:sp>
+        </mc:Choice>
+        <mc:Fallback>
+          <p:sp>
+            <p:nvSpPr>
+              <p:cNvPr id="7" name="文字方塊 6"/>
+              <p:cNvSpPr txBox="1">
+                <a:spLocks noRot="1" noChangeAspect="1" noMove="1" noResize="1" noEditPoints="1" noAdjustHandles="1" noChangeArrowheads="1" noChangeShapeType="1" noTextEdit="1"/>
+              </p:cNvSpPr>
+              <p:nvPr/>
+            </p:nvSpPr>
+            <p:spPr>
+              <a:xfrm>
+                <a:off x="0" y="1101046"/>
+                <a:ext cx="4418325" cy="484172"/>
+              </a:xfrm>
+              <a:prstGeom prst="rect">
+                <a:avLst/>
+              </a:prstGeom>
+              <a:blipFill>
+                <a:blip r:embed="rId4"/>
+                <a:stretch>
+                  <a:fillRect l="-828" b="-7595"/>
+                </a:stretch>
+              </a:blipFill>
+            </p:spPr>
+            <p:txBody>
+              <a:bodyPr/>
+              <a:lstStyle/>
+              <a:p>
+                <a:r>
+                  <a:rPr lang="zh-TW" altLang="en-US">
+                    <a:noFill/>
+                  </a:rPr>
+                  <a:t> </a:t>
+                </a:r>
+              </a:p>
+            </p:txBody>
+          </p:sp>
+        </mc:Fallback>
+      </mc:AlternateContent>
+      <mc:AlternateContent xmlns:mc="http://schemas.openxmlformats.org/markup-compatibility/2006">
+        <mc:Choice xmlns:a14="http://schemas.microsoft.com/office/drawing/2010/main" Requires="a14">
+          <p:sp>
+            <p:nvSpPr>
+              <p:cNvPr id="8" name="文字方塊 7"/>
+              <p:cNvSpPr txBox="1"/>
+              <p:nvPr/>
+            </p:nvSpPr>
+            <p:spPr>
+              <a:xfrm>
+                <a:off x="0" y="1585218"/>
+                <a:ext cx="5382627" cy="483466"/>
+              </a:xfrm>
+              <a:prstGeom prst="rect">
+                <a:avLst/>
+              </a:prstGeom>
+              <a:noFill/>
+            </p:spPr>
+            <p:txBody>
+              <a:bodyPr wrap="none" rtlCol="0">
+                <a:spAutoFit/>
+              </a:bodyPr>
+              <a:lstStyle/>
               <a:p>
                 <a:pPr marL="285750" indent="-285750">
                   <a:buFont typeface="Wingdings" panose="05000000000000000000" pitchFamily="2" charset="2"/>
                   <a:buChar char="p"/>
                 </a:pPr>
                 <a:r>
+                  <a:rPr lang="zh-TW" altLang="en-US" dirty="0">
+                    <a:latin typeface="Times New Roman" panose="02020603050405020304" pitchFamily="18" charset="0"/>
+                    <a:ea typeface="微軟正黑體" panose="020B0604030504040204" pitchFamily="34" charset="-120"/>
+                    <a:cs typeface="Times New Roman" panose="02020603050405020304" pitchFamily="18" charset="0"/>
+                  </a:rPr>
+                  <a:t>隨機數位波 </a:t>
+                </a:r>
+                <a:r>
+                  <a:rPr lang="en-US" altLang="zh-TW" dirty="0">
+                    <a:latin typeface="Times New Roman" panose="02020603050405020304" pitchFamily="18" charset="0"/>
+                    <a:ea typeface="微軟正黑體" panose="020B0604030504040204" pitchFamily="34" charset="-120"/>
+                    <a:cs typeface="Times New Roman" panose="02020603050405020304" pitchFamily="18" charset="0"/>
+                  </a:rPr>
+                  <a:t>: </a:t>
+                </a:r>
+                <a14:m>
+                  <m:oMath xmlns:m="http://schemas.openxmlformats.org/officeDocument/2006/math">
+                    <m:sSub>
+                      <m:sSubPr>
+                        <m:ctrlPr>
+                          <a:rPr lang="en-US" altLang="zh-TW" i="1">
+                            <a:latin typeface="Cambria Math" panose="02040503050406030204" pitchFamily="18" charset="0"/>
+                            <a:ea typeface="微軟正黑體" panose="020B0604030504040204" pitchFamily="34" charset="-120"/>
+                            <a:cs typeface="Times New Roman" panose="02020603050405020304" pitchFamily="18" charset="0"/>
+                          </a:rPr>
+                        </m:ctrlPr>
+                      </m:sSubPr>
+                      <m:e>
+                        <m:r>
+                          <a:rPr lang="en-US" altLang="zh-TW" i="1">
+                            <a:latin typeface="Cambria Math" panose="02040503050406030204" pitchFamily="18" charset="0"/>
+                            <a:ea typeface="微軟正黑體" panose="020B0604030504040204" pitchFamily="34" charset="-120"/>
+                            <a:cs typeface="Times New Roman" panose="02020603050405020304" pitchFamily="18" charset="0"/>
+                          </a:rPr>
+                          <m:t>𝑅</m:t>
+                        </m:r>
+                      </m:e>
+                      <m:sub>
+                        <m:r>
+                          <a:rPr lang="en-US" altLang="zh-TW" i="1">
+                            <a:latin typeface="Cambria Math" panose="02040503050406030204" pitchFamily="18" charset="0"/>
+                            <a:ea typeface="微軟正黑體" panose="020B0604030504040204" pitchFamily="34" charset="-120"/>
+                            <a:cs typeface="Times New Roman" panose="02020603050405020304" pitchFamily="18" charset="0"/>
+                          </a:rPr>
+                          <m:t>𝑠</m:t>
+                        </m:r>
+                      </m:sub>
+                    </m:sSub>
+                    <m:d>
+                      <m:dPr>
+                        <m:ctrlPr>
+                          <a:rPr lang="en-US" altLang="zh-TW" i="1">
+                            <a:latin typeface="Cambria Math" panose="02040503050406030204" pitchFamily="18" charset="0"/>
+                            <a:ea typeface="微軟正黑體" panose="020B0604030504040204" pitchFamily="34" charset="-120"/>
+                            <a:cs typeface="Times New Roman" panose="02020603050405020304" pitchFamily="18" charset="0"/>
+                          </a:rPr>
+                        </m:ctrlPr>
+                      </m:dPr>
+                      <m:e>
+                        <m:r>
+                          <a:rPr lang="en-US" altLang="zh-TW" i="1">
+                            <a:latin typeface="Cambria Math" panose="02040503050406030204" pitchFamily="18" charset="0"/>
+                            <a:ea typeface="微軟正黑體" panose="020B0604030504040204" pitchFamily="34" charset="-120"/>
+                            <a:cs typeface="Times New Roman" panose="02020603050405020304" pitchFamily="18" charset="0"/>
+                          </a:rPr>
+                          <m:t>𝜏</m:t>
+                        </m:r>
+                      </m:e>
+                    </m:d>
+                    <m:r>
+                      <a:rPr lang="en-US" altLang="zh-TW" i="1">
+                        <a:latin typeface="Cambria Math" panose="02040503050406030204" pitchFamily="18" charset="0"/>
+                        <a:ea typeface="微軟正黑體" panose="020B0604030504040204" pitchFamily="34" charset="-120"/>
+                        <a:cs typeface="Times New Roman" panose="02020603050405020304" pitchFamily="18" charset="0"/>
+                      </a:rPr>
+                      <m:t>=</m:t>
+                    </m:r>
+                    <m:f>
+                      <m:fPr>
+                        <m:ctrlPr>
+                          <a:rPr lang="en-US" altLang="zh-TW" i="1">
+                            <a:latin typeface="Cambria Math" panose="02040503050406030204" pitchFamily="18" charset="0"/>
+                            <a:ea typeface="微軟正黑體" panose="020B0604030504040204" pitchFamily="34" charset="-120"/>
+                            <a:cs typeface="Times New Roman" panose="02020603050405020304" pitchFamily="18" charset="0"/>
+                          </a:rPr>
+                        </m:ctrlPr>
+                      </m:fPr>
+                      <m:num>
+                        <m:r>
+                          <a:rPr lang="en-US" altLang="zh-TW" i="1">
+                            <a:latin typeface="Cambria Math" panose="02040503050406030204" pitchFamily="18" charset="0"/>
+                            <a:ea typeface="微軟正黑體" panose="020B0604030504040204" pitchFamily="34" charset="-120"/>
+                            <a:cs typeface="Times New Roman" panose="02020603050405020304" pitchFamily="18" charset="0"/>
+                          </a:rPr>
+                          <m:t>1</m:t>
+                        </m:r>
+                      </m:num>
+                      <m:den>
+                        <m:r>
+                          <a:rPr lang="en-US" altLang="zh-TW" i="1">
+                            <a:latin typeface="Cambria Math" panose="02040503050406030204" pitchFamily="18" charset="0"/>
+                            <a:ea typeface="微軟正黑體" panose="020B0604030504040204" pitchFamily="34" charset="-120"/>
+                            <a:cs typeface="Times New Roman" panose="02020603050405020304" pitchFamily="18" charset="0"/>
+                          </a:rPr>
+                          <m:t>𝑇</m:t>
+                        </m:r>
+                      </m:den>
+                    </m:f>
+                    <m:nary>
+                      <m:naryPr>
+                        <m:chr m:val="∑"/>
+                        <m:ctrlPr>
+                          <a:rPr lang="en-US" altLang="zh-TW" i="1">
+                            <a:latin typeface="Cambria Math" panose="02040503050406030204" pitchFamily="18" charset="0"/>
+                            <a:ea typeface="微軟正黑體" panose="020B0604030504040204" pitchFamily="34" charset="-120"/>
+                            <a:cs typeface="Times New Roman" panose="02020603050405020304" pitchFamily="18" charset="0"/>
+                          </a:rPr>
+                        </m:ctrlPr>
+                      </m:naryPr>
+                      <m:sub>
+                        <m:r>
+                          <m:rPr>
+                            <m:brk m:alnAt="23"/>
+                          </m:rPr>
+                          <a:rPr lang="en-US" altLang="zh-TW" i="1">
+                            <a:latin typeface="Cambria Math" panose="02040503050406030204" pitchFamily="18" charset="0"/>
+                            <a:ea typeface="微軟正黑體" panose="020B0604030504040204" pitchFamily="34" charset="-120"/>
+                            <a:cs typeface="Times New Roman" panose="02020603050405020304" pitchFamily="18" charset="0"/>
+                          </a:rPr>
+                          <m:t>𝑚</m:t>
+                        </m:r>
+                        <m:r>
+                          <a:rPr lang="en-US" altLang="zh-TW" i="1">
+                            <a:latin typeface="Cambria Math" panose="02040503050406030204" pitchFamily="18" charset="0"/>
+                            <a:ea typeface="微軟正黑體" panose="020B0604030504040204" pitchFamily="34" charset="-120"/>
+                            <a:cs typeface="Times New Roman" panose="02020603050405020304" pitchFamily="18" charset="0"/>
+                          </a:rPr>
+                          <m:t>=−∞</m:t>
+                        </m:r>
+                      </m:sub>
+                      <m:sup>
+                        <m:r>
+                          <a:rPr lang="en-US" altLang="zh-TW" i="1">
+                            <a:latin typeface="Cambria Math" panose="02040503050406030204" pitchFamily="18" charset="0"/>
+                            <a:ea typeface="微軟正黑體" panose="020B0604030504040204" pitchFamily="34" charset="-120"/>
+                            <a:cs typeface="Times New Roman" panose="02020603050405020304" pitchFamily="18" charset="0"/>
+                          </a:rPr>
+                          <m:t>∞</m:t>
+                        </m:r>
+                      </m:sup>
+                      <m:e>
+                        <m:sSub>
+                          <m:sSubPr>
+                            <m:ctrlPr>
+                              <a:rPr lang="en-US" altLang="zh-TW" i="1">
+                                <a:latin typeface="Cambria Math" panose="02040503050406030204" pitchFamily="18" charset="0"/>
+                                <a:ea typeface="微軟正黑體" panose="020B0604030504040204" pitchFamily="34" charset="-120"/>
+                                <a:cs typeface="Times New Roman" panose="02020603050405020304" pitchFamily="18" charset="0"/>
+                              </a:rPr>
+                            </m:ctrlPr>
+                          </m:sSubPr>
+                          <m:e>
+                            <m:r>
+                              <a:rPr lang="en-US" altLang="zh-TW" i="1">
+                                <a:latin typeface="Cambria Math" panose="02040503050406030204" pitchFamily="18" charset="0"/>
+                                <a:ea typeface="微軟正黑體" panose="020B0604030504040204" pitchFamily="34" charset="-120"/>
+                                <a:cs typeface="Times New Roman" panose="02020603050405020304" pitchFamily="18" charset="0"/>
+                              </a:rPr>
+                              <m:t>𝑅</m:t>
+                            </m:r>
+                          </m:e>
+                          <m:sub>
+                            <m:r>
+                              <a:rPr lang="en-US" altLang="zh-TW" i="1">
+                                <a:latin typeface="Cambria Math" panose="02040503050406030204" pitchFamily="18" charset="0"/>
+                                <a:ea typeface="微軟正黑體" panose="020B0604030504040204" pitchFamily="34" charset="-120"/>
+                                <a:cs typeface="Times New Roman" panose="02020603050405020304" pitchFamily="18" charset="0"/>
+                              </a:rPr>
+                              <m:t>𝑎</m:t>
+                            </m:r>
+                          </m:sub>
+                        </m:sSub>
+                        <m:d>
+                          <m:dPr>
+                            <m:ctrlPr>
+                              <a:rPr lang="en-US" altLang="zh-TW" i="1">
+                                <a:latin typeface="Cambria Math" panose="02040503050406030204" pitchFamily="18" charset="0"/>
+                                <a:ea typeface="微軟正黑體" panose="020B0604030504040204" pitchFamily="34" charset="-120"/>
+                                <a:cs typeface="Times New Roman" panose="02020603050405020304" pitchFamily="18" charset="0"/>
+                              </a:rPr>
+                            </m:ctrlPr>
+                          </m:dPr>
+                          <m:e>
+                            <m:r>
+                              <a:rPr lang="en-US" altLang="zh-TW" i="1">
+                                <a:latin typeface="Cambria Math" panose="02040503050406030204" pitchFamily="18" charset="0"/>
+                                <a:ea typeface="微軟正黑體" panose="020B0604030504040204" pitchFamily="34" charset="-120"/>
+                                <a:cs typeface="Times New Roman" panose="02020603050405020304" pitchFamily="18" charset="0"/>
+                              </a:rPr>
+                              <m:t>𝑚</m:t>
+                            </m:r>
+                          </m:e>
+                        </m:d>
+                        <m:sSub>
+                          <m:sSubPr>
+                            <m:ctrlPr>
+                              <a:rPr lang="en-US" altLang="zh-TW" i="1">
+                                <a:latin typeface="Cambria Math" panose="02040503050406030204" pitchFamily="18" charset="0"/>
+                                <a:ea typeface="微軟正黑體" panose="020B0604030504040204" pitchFamily="34" charset="-120"/>
+                                <a:cs typeface="Times New Roman" panose="02020603050405020304" pitchFamily="18" charset="0"/>
+                              </a:rPr>
+                            </m:ctrlPr>
+                          </m:sSubPr>
+                          <m:e>
+                            <m:r>
+                              <a:rPr lang="en-US" altLang="zh-TW" i="1">
+                                <a:latin typeface="Cambria Math" panose="02040503050406030204" pitchFamily="18" charset="0"/>
+                                <a:ea typeface="微軟正黑體" panose="020B0604030504040204" pitchFamily="34" charset="-120"/>
+                                <a:cs typeface="Times New Roman" panose="02020603050405020304" pitchFamily="18" charset="0"/>
+                              </a:rPr>
+                              <m:t>𝑅</m:t>
+                            </m:r>
+                          </m:e>
+                          <m:sub>
+                            <m:r>
+                              <a:rPr lang="en-US" altLang="zh-TW" i="1">
+                                <a:latin typeface="Cambria Math" panose="02040503050406030204" pitchFamily="18" charset="0"/>
+                                <a:ea typeface="微軟正黑體" panose="020B0604030504040204" pitchFamily="34" charset="-120"/>
+                                <a:cs typeface="Times New Roman" panose="02020603050405020304" pitchFamily="18" charset="0"/>
+                              </a:rPr>
+                              <m:t>𝑔</m:t>
+                            </m:r>
+                          </m:sub>
+                        </m:sSub>
+                        <m:r>
+                          <a:rPr lang="en-US" altLang="zh-TW" i="1">
+                            <a:latin typeface="Cambria Math" panose="02040503050406030204" pitchFamily="18" charset="0"/>
+                            <a:ea typeface="微軟正黑體" panose="020B0604030504040204" pitchFamily="34" charset="-120"/>
+                            <a:cs typeface="Times New Roman" panose="02020603050405020304" pitchFamily="18" charset="0"/>
+                          </a:rPr>
+                          <m:t>(</m:t>
+                        </m:r>
+                        <m:r>
+                          <a:rPr lang="en-US" altLang="zh-TW" i="1">
+                            <a:latin typeface="Cambria Math" panose="02040503050406030204" pitchFamily="18" charset="0"/>
+                            <a:ea typeface="微軟正黑體" panose="020B0604030504040204" pitchFamily="34" charset="-120"/>
+                            <a:cs typeface="Times New Roman" panose="02020603050405020304" pitchFamily="18" charset="0"/>
+                          </a:rPr>
+                          <m:t>𝜏</m:t>
+                        </m:r>
+                        <m:r>
+                          <a:rPr lang="en-US" altLang="zh-TW" i="1">
+                            <a:latin typeface="Cambria Math" panose="02040503050406030204" pitchFamily="18" charset="0"/>
+                            <a:ea typeface="微軟正黑體" panose="020B0604030504040204" pitchFamily="34" charset="-120"/>
+                            <a:cs typeface="Times New Roman" panose="02020603050405020304" pitchFamily="18" charset="0"/>
+                          </a:rPr>
+                          <m:t>−</m:t>
+                        </m:r>
+                        <m:r>
+                          <a:rPr lang="en-US" altLang="zh-TW" i="1">
+                            <a:latin typeface="Cambria Math" panose="02040503050406030204" pitchFamily="18" charset="0"/>
+                            <a:ea typeface="微軟正黑體" panose="020B0604030504040204" pitchFamily="34" charset="-120"/>
+                            <a:cs typeface="Times New Roman" panose="02020603050405020304" pitchFamily="18" charset="0"/>
+                          </a:rPr>
+                          <m:t>𝑚𝑇</m:t>
+                        </m:r>
+                        <m:r>
+                          <a:rPr lang="en-US" altLang="zh-TW" i="1">
+                            <a:latin typeface="Cambria Math" panose="02040503050406030204" pitchFamily="18" charset="0"/>
+                            <a:ea typeface="微軟正黑體" panose="020B0604030504040204" pitchFamily="34" charset="-120"/>
+                            <a:cs typeface="Times New Roman" panose="02020603050405020304" pitchFamily="18" charset="0"/>
+                          </a:rPr>
+                          <m:t>)</m:t>
+                        </m:r>
+                      </m:e>
+                    </m:nary>
+                  </m:oMath>
+                </a14:m>
+                <a:endParaRPr lang="zh-TW" altLang="en-US" dirty="0"/>
+              </a:p>
+            </p:txBody>
+          </p:sp>
+        </mc:Choice>
+        <mc:Fallback>
+          <p:sp>
+            <p:nvSpPr>
+              <p:cNvPr id="8" name="文字方塊 7"/>
+              <p:cNvSpPr txBox="1">
+                <a:spLocks noRot="1" noChangeAspect="1" noMove="1" noResize="1" noEditPoints="1" noAdjustHandles="1" noChangeArrowheads="1" noChangeShapeType="1" noTextEdit="1"/>
+              </p:cNvSpPr>
+              <p:nvPr/>
+            </p:nvSpPr>
+            <p:spPr>
+              <a:xfrm>
+                <a:off x="0" y="1585218"/>
+                <a:ext cx="5382627" cy="483466"/>
+              </a:xfrm>
+              <a:prstGeom prst="rect">
+                <a:avLst/>
+              </a:prstGeom>
+              <a:blipFill>
+                <a:blip r:embed="rId5"/>
+                <a:stretch>
+                  <a:fillRect l="-680" t="-79747" b="-131646"/>
+                </a:stretch>
+              </a:blipFill>
+            </p:spPr>
+            <p:txBody>
+              <a:bodyPr/>
+              <a:lstStyle/>
+              <a:p>
+                <a:r>
+                  <a:rPr lang="zh-TW" altLang="en-US">
+                    <a:noFill/>
+                  </a:rPr>
+                  <a:t> </a:t>
+                </a:r>
+              </a:p>
+            </p:txBody>
+          </p:sp>
+        </mc:Fallback>
+      </mc:AlternateContent>
+      <mc:AlternateContent xmlns:mc="http://schemas.openxmlformats.org/markup-compatibility/2006">
+        <mc:Choice xmlns:a14="http://schemas.microsoft.com/office/drawing/2010/main" Requires="a14">
+          <p:sp>
+            <p:nvSpPr>
+              <p:cNvPr id="9" name="文字方塊 8"/>
+              <p:cNvSpPr txBox="1"/>
+              <p:nvPr/>
+            </p:nvSpPr>
+            <p:spPr>
+              <a:xfrm>
+                <a:off x="0" y="2030251"/>
+                <a:ext cx="5394618" cy="570413"/>
+              </a:xfrm>
+              <a:prstGeom prst="rect">
+                <a:avLst/>
+              </a:prstGeom>
+              <a:noFill/>
+            </p:spPr>
+            <p:txBody>
+              <a:bodyPr wrap="none" rtlCol="0">
+                <a:spAutoFit/>
+              </a:bodyPr>
+              <a:lstStyle/>
+              <a:p>
+                <a:pPr marL="285750" indent="-285750">
+                  <a:buFont typeface="Wingdings" panose="05000000000000000000" pitchFamily="2" charset="2"/>
+                  <a:buChar char="p"/>
+                </a:pPr>
+                <a:r>
+                  <a:rPr lang="zh-TW" altLang="en-US" dirty="0">
+                    <a:latin typeface="Times New Roman" panose="02020603050405020304" pitchFamily="18" charset="0"/>
+                    <a:ea typeface="微軟正黑體" panose="020B0604030504040204" pitchFamily="34" charset="-120"/>
+                    <a:cs typeface="Times New Roman" panose="02020603050405020304" pitchFamily="18" charset="0"/>
+                  </a:rPr>
+                  <a:t>尤</a:t>
+                </a:r>
+                <a:r>
                   <a:rPr lang="zh-TW" altLang="en-US" dirty="0" smtClean="0">
                     <a:latin typeface="Times New Roman" panose="02020603050405020304" pitchFamily="18" charset="0"/>
                     <a:ea typeface="微軟正黑體" panose="020B0604030504040204" pitchFamily="34" charset="-120"/>
                     <a:cs typeface="Times New Roman" panose="02020603050405020304" pitchFamily="18" charset="0"/>
                   </a:rPr>
-                  <a:t>隨機數位波 </a:t>
+                  <a:t>拉公式 </a:t>
                 </a:r>
                 <a:r>
                   <a:rPr lang="en-US" altLang="zh-TW" dirty="0" smtClean="0">
@@ -3555,60 +4104,55 @@
                 </a:r>
                 <a14:m>
                   <m:oMath xmlns:m="http://schemas.openxmlformats.org/officeDocument/2006/math">
-                    <m:sSub>
-                      <m:sSubPr>
+                    <m:func>
+                      <m:funcPr>
                         <m:ctrlPr>
-                          <a:rPr lang="en-US" altLang="zh-TW" b="0" i="1" smtClean="0">
+                          <a:rPr lang="en-US" altLang="zh-TW" i="1">
                             <a:latin typeface="Cambria Math" panose="02040503050406030204" pitchFamily="18" charset="0"/>
                             <a:ea typeface="微軟正黑體" panose="020B0604030504040204" pitchFamily="34" charset="-120"/>
                             <a:cs typeface="Times New Roman" panose="02020603050405020304" pitchFamily="18" charset="0"/>
                           </a:rPr>
                         </m:ctrlPr>
-                      </m:sSubPr>
+                      </m:funcPr>
+                      <m:fName>
+                        <m:r>
+                          <m:rPr>
+                            <m:sty m:val="p"/>
+                          </m:rPr>
+                          <a:rPr lang="en-US" altLang="zh-TW">
+                            <a:latin typeface="Cambria Math" panose="02040503050406030204" pitchFamily="18" charset="0"/>
+                            <a:ea typeface="微軟正黑體" panose="020B0604030504040204" pitchFamily="34" charset="-120"/>
+                            <a:cs typeface="Times New Roman" panose="02020603050405020304" pitchFamily="18" charset="0"/>
+                          </a:rPr>
+                          <m:t>sin</m:t>
+                        </m:r>
+                      </m:fName>
                       <m:e>
-                        <m:r>
-                          <a:rPr lang="en-US" altLang="zh-TW" b="0" i="1" smtClean="0">
-                            <a:latin typeface="Cambria Math" panose="02040503050406030204" pitchFamily="18" charset="0"/>
-                            <a:ea typeface="微軟正黑體" panose="020B0604030504040204" pitchFamily="34" charset="-120"/>
-                            <a:cs typeface="Times New Roman" panose="02020603050405020304" pitchFamily="18" charset="0"/>
-                          </a:rPr>
-                          <m:t>𝑅</m:t>
-                        </m:r>
+                        <m:d>
+                          <m:dPr>
+                            <m:ctrlPr>
+                              <a:rPr lang="en-US" altLang="zh-TW" i="1">
+                                <a:latin typeface="Cambria Math" panose="02040503050406030204" pitchFamily="18" charset="0"/>
+                                <a:ea typeface="微軟正黑體" panose="020B0604030504040204" pitchFamily="34" charset="-120"/>
+                                <a:cs typeface="Times New Roman" panose="02020603050405020304" pitchFamily="18" charset="0"/>
+                              </a:rPr>
+                            </m:ctrlPr>
+                          </m:dPr>
+                          <m:e>
+                            <m:r>
+                              <a:rPr lang="en-US" altLang="zh-TW" i="1">
+                                <a:latin typeface="Cambria Math" panose="02040503050406030204" pitchFamily="18" charset="0"/>
+                                <a:ea typeface="微軟正黑體" panose="020B0604030504040204" pitchFamily="34" charset="-120"/>
+                                <a:cs typeface="Times New Roman" panose="02020603050405020304" pitchFamily="18" charset="0"/>
+                              </a:rPr>
+                              <m:t>𝑥</m:t>
+                            </m:r>
+                          </m:e>
+                        </m:d>
                       </m:e>
-                      <m:sub>
-                        <m:r>
-                          <a:rPr lang="en-US" altLang="zh-TW" b="0" i="1" smtClean="0">
-                            <a:latin typeface="Cambria Math" panose="02040503050406030204" pitchFamily="18" charset="0"/>
-                            <a:ea typeface="微軟正黑體" panose="020B0604030504040204" pitchFamily="34" charset="-120"/>
-                            <a:cs typeface="Times New Roman" panose="02020603050405020304" pitchFamily="18" charset="0"/>
-                          </a:rPr>
-                          <m:t>𝑠</m:t>
-                        </m:r>
-                      </m:sub>
-                    </m:sSub>
-                    <m:d>
-                      <m:dPr>
-                        <m:ctrlPr>
-                          <a:rPr lang="en-US" altLang="zh-TW" b="0" i="1" smtClean="0">
-                            <a:latin typeface="Cambria Math" panose="02040503050406030204" pitchFamily="18" charset="0"/>
-                            <a:ea typeface="微軟正黑體" panose="020B0604030504040204" pitchFamily="34" charset="-120"/>
-                            <a:cs typeface="Times New Roman" panose="02020603050405020304" pitchFamily="18" charset="0"/>
-                          </a:rPr>
-                        </m:ctrlPr>
-                      </m:dPr>
-                      <m:e>
-                        <m:r>
-                          <a:rPr lang="en-US" altLang="zh-TW" b="0" i="1" smtClean="0">
-                            <a:latin typeface="Cambria Math" panose="02040503050406030204" pitchFamily="18" charset="0"/>
-                            <a:ea typeface="微軟正黑體" panose="020B0604030504040204" pitchFamily="34" charset="-120"/>
-                            <a:cs typeface="Times New Roman" panose="02020603050405020304" pitchFamily="18" charset="0"/>
-                          </a:rPr>
-                          <m:t>𝜏</m:t>
-                        </m:r>
-                      </m:e>
-                    </m:d>
+                    </m:func>
                     <m:r>
-                      <a:rPr lang="en-US" altLang="zh-TW" b="0" i="1" smtClean="0">
+                      <a:rPr lang="en-US" altLang="zh-TW" i="1">
                         <a:latin typeface="Cambria Math" panose="02040503050406030204" pitchFamily="18" charset="0"/>
                         <a:ea typeface="微軟正黑體" panose="020B0604030504040204" pitchFamily="34" charset="-120"/>
                         <a:cs typeface="Times New Roman" panose="02020603050405020304" pitchFamily="18" charset="0"/>
@@ -3618,292 +4162,7 @@
                     <m:f>
                       <m:fPr>
                         <m:ctrlPr>
-                          <a:rPr lang="en-US" altLang="zh-TW" b="0" i="1" smtClean="0">
-                            <a:latin typeface="Cambria Math" panose="02040503050406030204" pitchFamily="18" charset="0"/>
-                            <a:ea typeface="微軟正黑體" panose="020B0604030504040204" pitchFamily="34" charset="-120"/>
-                            <a:cs typeface="Times New Roman" panose="02020603050405020304" pitchFamily="18" charset="0"/>
-                          </a:rPr>
-                        </m:ctrlPr>
-                      </m:fPr>
-                      <m:num>
-                        <m:r>
-                          <a:rPr lang="en-US" altLang="zh-TW" b="0" i="1" smtClean="0">
-                            <a:latin typeface="Cambria Math" panose="02040503050406030204" pitchFamily="18" charset="0"/>
-                            <a:ea typeface="微軟正黑體" panose="020B0604030504040204" pitchFamily="34" charset="-120"/>
-                            <a:cs typeface="Times New Roman" panose="02020603050405020304" pitchFamily="18" charset="0"/>
-                          </a:rPr>
-                          <m:t>1</m:t>
-                        </m:r>
-                      </m:num>
-                      <m:den>
-                        <m:r>
-                          <a:rPr lang="en-US" altLang="zh-TW" b="0" i="1" smtClean="0">
-                            <a:latin typeface="Cambria Math" panose="02040503050406030204" pitchFamily="18" charset="0"/>
-                            <a:ea typeface="微軟正黑體" panose="020B0604030504040204" pitchFamily="34" charset="-120"/>
-                            <a:cs typeface="Times New Roman" panose="02020603050405020304" pitchFamily="18" charset="0"/>
-                          </a:rPr>
-                          <m:t>𝑇</m:t>
-                        </m:r>
-                      </m:den>
-                    </m:f>
-                    <m:nary>
-                      <m:naryPr>
-                        <m:chr m:val="∑"/>
-                        <m:ctrlPr>
-                          <a:rPr lang="en-US" altLang="zh-TW" b="0" i="1" smtClean="0">
-                            <a:latin typeface="Cambria Math" panose="02040503050406030204" pitchFamily="18" charset="0"/>
-                            <a:ea typeface="微軟正黑體" panose="020B0604030504040204" pitchFamily="34" charset="-120"/>
-                            <a:cs typeface="Times New Roman" panose="02020603050405020304" pitchFamily="18" charset="0"/>
-                          </a:rPr>
-                        </m:ctrlPr>
-                      </m:naryPr>
-                      <m:sub>
-                        <m:r>
-                          <m:rPr>
-                            <m:brk m:alnAt="23"/>
-                          </m:rPr>
-                          <a:rPr lang="en-US" altLang="zh-TW" b="0" i="1" smtClean="0">
-                            <a:latin typeface="Cambria Math" panose="02040503050406030204" pitchFamily="18" charset="0"/>
-                            <a:ea typeface="微軟正黑體" panose="020B0604030504040204" pitchFamily="34" charset="-120"/>
-                            <a:cs typeface="Times New Roman" panose="02020603050405020304" pitchFamily="18" charset="0"/>
-                          </a:rPr>
-                          <m:t>𝑚</m:t>
-                        </m:r>
-                        <m:r>
-                          <a:rPr lang="en-US" altLang="zh-TW" b="0" i="1" smtClean="0">
-                            <a:latin typeface="Cambria Math" panose="02040503050406030204" pitchFamily="18" charset="0"/>
-                            <a:ea typeface="微軟正黑體" panose="020B0604030504040204" pitchFamily="34" charset="-120"/>
-                            <a:cs typeface="Times New Roman" panose="02020603050405020304" pitchFamily="18" charset="0"/>
-                          </a:rPr>
-                          <m:t>=−</m:t>
-                        </m:r>
-                        <m:r>
-                          <a:rPr lang="en-US" altLang="zh-TW" b="0" i="1" smtClean="0">
-                            <a:latin typeface="Cambria Math" panose="02040503050406030204" pitchFamily="18" charset="0"/>
-                            <a:ea typeface="微軟正黑體" panose="020B0604030504040204" pitchFamily="34" charset="-120"/>
-                            <a:cs typeface="Times New Roman" panose="02020603050405020304" pitchFamily="18" charset="0"/>
-                          </a:rPr>
-                          <m:t>∞</m:t>
-                        </m:r>
-                      </m:sub>
-                      <m:sup>
-                        <m:r>
-                          <a:rPr lang="en-US" altLang="zh-TW" b="0" i="1" smtClean="0">
-                            <a:latin typeface="Cambria Math" panose="02040503050406030204" pitchFamily="18" charset="0"/>
-                            <a:ea typeface="微軟正黑體" panose="020B0604030504040204" pitchFamily="34" charset="-120"/>
-                            <a:cs typeface="Times New Roman" panose="02020603050405020304" pitchFamily="18" charset="0"/>
-                          </a:rPr>
-                          <m:t>∞</m:t>
-                        </m:r>
-                      </m:sup>
-                      <m:e>
-                        <m:sSub>
-                          <m:sSubPr>
-                            <m:ctrlPr>
-                              <a:rPr lang="en-US" altLang="zh-TW" b="0" i="1" smtClean="0">
-                                <a:latin typeface="Cambria Math" panose="02040503050406030204" pitchFamily="18" charset="0"/>
-                                <a:ea typeface="微軟正黑體" panose="020B0604030504040204" pitchFamily="34" charset="-120"/>
-                                <a:cs typeface="Times New Roman" panose="02020603050405020304" pitchFamily="18" charset="0"/>
-                              </a:rPr>
-                            </m:ctrlPr>
-                          </m:sSubPr>
-                          <m:e>
-                            <m:r>
-                              <a:rPr lang="en-US" altLang="zh-TW" b="0" i="1" smtClean="0">
-                                <a:latin typeface="Cambria Math" panose="02040503050406030204" pitchFamily="18" charset="0"/>
-                                <a:ea typeface="微軟正黑體" panose="020B0604030504040204" pitchFamily="34" charset="-120"/>
-                                <a:cs typeface="Times New Roman" panose="02020603050405020304" pitchFamily="18" charset="0"/>
-                              </a:rPr>
-                              <m:t>𝑅</m:t>
-                            </m:r>
-                          </m:e>
-                          <m:sub>
-                            <m:r>
-                              <a:rPr lang="en-US" altLang="zh-TW" b="0" i="1" smtClean="0">
-                                <a:latin typeface="Cambria Math" panose="02040503050406030204" pitchFamily="18" charset="0"/>
-                                <a:ea typeface="微軟正黑體" panose="020B0604030504040204" pitchFamily="34" charset="-120"/>
-                                <a:cs typeface="Times New Roman" panose="02020603050405020304" pitchFamily="18" charset="0"/>
-                              </a:rPr>
-                              <m:t>𝑎</m:t>
-                            </m:r>
-                          </m:sub>
-                        </m:sSub>
-                        <m:d>
-                          <m:dPr>
-                            <m:ctrlPr>
-                              <a:rPr lang="en-US" altLang="zh-TW" b="0" i="1" smtClean="0">
-                                <a:latin typeface="Cambria Math" panose="02040503050406030204" pitchFamily="18" charset="0"/>
-                                <a:ea typeface="微軟正黑體" panose="020B0604030504040204" pitchFamily="34" charset="-120"/>
-                                <a:cs typeface="Times New Roman" panose="02020603050405020304" pitchFamily="18" charset="0"/>
-                              </a:rPr>
-                            </m:ctrlPr>
-                          </m:dPr>
-                          <m:e>
-                            <m:r>
-                              <a:rPr lang="en-US" altLang="zh-TW" b="0" i="1" smtClean="0">
-                                <a:latin typeface="Cambria Math" panose="02040503050406030204" pitchFamily="18" charset="0"/>
-                                <a:ea typeface="微軟正黑體" panose="020B0604030504040204" pitchFamily="34" charset="-120"/>
-                                <a:cs typeface="Times New Roman" panose="02020603050405020304" pitchFamily="18" charset="0"/>
-                              </a:rPr>
-                              <m:t>𝑚</m:t>
-                            </m:r>
-                          </m:e>
-                        </m:d>
-                        <m:sSub>
-                          <m:sSubPr>
-                            <m:ctrlPr>
-                              <a:rPr lang="en-US" altLang="zh-TW" b="0" i="1" smtClean="0">
-                                <a:latin typeface="Cambria Math" panose="02040503050406030204" pitchFamily="18" charset="0"/>
-                                <a:ea typeface="微軟正黑體" panose="020B0604030504040204" pitchFamily="34" charset="-120"/>
-                                <a:cs typeface="Times New Roman" panose="02020603050405020304" pitchFamily="18" charset="0"/>
-                              </a:rPr>
-                            </m:ctrlPr>
-                          </m:sSubPr>
-                          <m:e>
-                            <m:r>
-                              <a:rPr lang="en-US" altLang="zh-TW" b="0" i="1" smtClean="0">
-                                <a:latin typeface="Cambria Math" panose="02040503050406030204" pitchFamily="18" charset="0"/>
-                                <a:ea typeface="微軟正黑體" panose="020B0604030504040204" pitchFamily="34" charset="-120"/>
-                                <a:cs typeface="Times New Roman" panose="02020603050405020304" pitchFamily="18" charset="0"/>
-                              </a:rPr>
-                              <m:t>𝑅</m:t>
-                            </m:r>
-                          </m:e>
-                          <m:sub>
-                            <m:r>
-                              <a:rPr lang="en-US" altLang="zh-TW" b="0" i="1" smtClean="0">
-                                <a:latin typeface="Cambria Math" panose="02040503050406030204" pitchFamily="18" charset="0"/>
-                                <a:ea typeface="微軟正黑體" panose="020B0604030504040204" pitchFamily="34" charset="-120"/>
-                                <a:cs typeface="Times New Roman" panose="02020603050405020304" pitchFamily="18" charset="0"/>
-                              </a:rPr>
-                              <m:t>𝑔</m:t>
-                            </m:r>
-                          </m:sub>
-                        </m:sSub>
-                        <m:r>
-                          <a:rPr lang="en-US" altLang="zh-TW" b="0" i="1" smtClean="0">
-                            <a:latin typeface="Cambria Math" panose="02040503050406030204" pitchFamily="18" charset="0"/>
-                            <a:ea typeface="微軟正黑體" panose="020B0604030504040204" pitchFamily="34" charset="-120"/>
-                            <a:cs typeface="Times New Roman" panose="02020603050405020304" pitchFamily="18" charset="0"/>
-                          </a:rPr>
-                          <m:t>(</m:t>
-                        </m:r>
-                        <m:r>
-                          <a:rPr lang="en-US" altLang="zh-TW" b="0" i="1" smtClean="0">
-                            <a:latin typeface="Cambria Math" panose="02040503050406030204" pitchFamily="18" charset="0"/>
-                            <a:ea typeface="微軟正黑體" panose="020B0604030504040204" pitchFamily="34" charset="-120"/>
-                            <a:cs typeface="Times New Roman" panose="02020603050405020304" pitchFamily="18" charset="0"/>
-                          </a:rPr>
-                          <m:t>𝜏</m:t>
-                        </m:r>
-                        <m:r>
-                          <a:rPr lang="en-US" altLang="zh-TW" b="0" i="1" smtClean="0">
-                            <a:latin typeface="Cambria Math" panose="02040503050406030204" pitchFamily="18" charset="0"/>
-                            <a:ea typeface="微軟正黑體" panose="020B0604030504040204" pitchFamily="34" charset="-120"/>
-                            <a:cs typeface="Times New Roman" panose="02020603050405020304" pitchFamily="18" charset="0"/>
-                          </a:rPr>
-                          <m:t>−</m:t>
-                        </m:r>
-                        <m:r>
-                          <a:rPr lang="en-US" altLang="zh-TW" b="0" i="1" smtClean="0">
-                            <a:latin typeface="Cambria Math" panose="02040503050406030204" pitchFamily="18" charset="0"/>
-                            <a:ea typeface="微軟正黑體" panose="020B0604030504040204" pitchFamily="34" charset="-120"/>
-                            <a:cs typeface="Times New Roman" panose="02020603050405020304" pitchFamily="18" charset="0"/>
-                          </a:rPr>
-                          <m:t>𝑚𝑇</m:t>
-                        </m:r>
-                        <m:r>
-                          <a:rPr lang="en-US" altLang="zh-TW" b="0" i="1" smtClean="0">
-                            <a:latin typeface="Cambria Math" panose="02040503050406030204" pitchFamily="18" charset="0"/>
-                            <a:ea typeface="微軟正黑體" panose="020B0604030504040204" pitchFamily="34" charset="-120"/>
-                            <a:cs typeface="Times New Roman" panose="02020603050405020304" pitchFamily="18" charset="0"/>
-                          </a:rPr>
-                          <m:t>)</m:t>
-                        </m:r>
-                      </m:e>
-                    </m:nary>
-                  </m:oMath>
-                </a14:m>
-                <a:endParaRPr lang="en-US" altLang="zh-TW" dirty="0" smtClean="0">
-                  <a:latin typeface="Times New Roman" panose="02020603050405020304" pitchFamily="18" charset="0"/>
-                  <a:ea typeface="微軟正黑體" panose="020B0604030504040204" pitchFamily="34" charset="-120"/>
-                  <a:cs typeface="Times New Roman" panose="02020603050405020304" pitchFamily="18" charset="0"/>
-                </a:endParaRPr>
-              </a:p>
-              <a:p>
-                <a:pPr marL="285750" indent="-285750">
-                  <a:buFont typeface="Wingdings" panose="05000000000000000000" pitchFamily="2" charset="2"/>
-                  <a:buChar char="p"/>
-                </a:pPr>
-                <a:r>
-                  <a:rPr lang="en-US" altLang="zh-TW" dirty="0" smtClean="0">
-                    <a:latin typeface="Times New Roman" panose="02020603050405020304" pitchFamily="18" charset="0"/>
-                    <a:ea typeface="微軟正黑體" panose="020B0604030504040204" pitchFamily="34" charset="-120"/>
-                    <a:cs typeface="Times New Roman" panose="02020603050405020304" pitchFamily="18" charset="0"/>
-                  </a:rPr>
-                  <a:t>Euler’s formula : </a:t>
-                </a:r>
-                <a14:m>
-                  <m:oMath xmlns:m="http://schemas.openxmlformats.org/officeDocument/2006/math">
-                    <m:func>
-                      <m:funcPr>
-                        <m:ctrlPr>
-                          <a:rPr lang="en-US" altLang="zh-TW" b="0" i="1" smtClean="0">
-                            <a:latin typeface="Cambria Math" panose="02040503050406030204" pitchFamily="18" charset="0"/>
-                            <a:ea typeface="微軟正黑體" panose="020B0604030504040204" pitchFamily="34" charset="-120"/>
-                            <a:cs typeface="Times New Roman" panose="02020603050405020304" pitchFamily="18" charset="0"/>
-                          </a:rPr>
-                        </m:ctrlPr>
-                      </m:funcPr>
-                      <m:fName>
-                        <m:r>
-                          <m:rPr>
-                            <m:sty m:val="p"/>
-                          </m:rPr>
-                          <a:rPr lang="en-US" altLang="zh-TW" b="0" i="0" smtClean="0">
-                            <a:latin typeface="Cambria Math" panose="02040503050406030204" pitchFamily="18" charset="0"/>
-                            <a:ea typeface="微軟正黑體" panose="020B0604030504040204" pitchFamily="34" charset="-120"/>
-                            <a:cs typeface="Times New Roman" panose="02020603050405020304" pitchFamily="18" charset="0"/>
-                          </a:rPr>
-                          <m:t>sin</m:t>
-                        </m:r>
-                      </m:fName>
-                      <m:e>
-                        <m:d>
-                          <m:dPr>
-                            <m:ctrlPr>
-                              <a:rPr lang="en-US" altLang="zh-TW" b="0" i="1" smtClean="0">
-                                <a:latin typeface="Cambria Math" panose="02040503050406030204" pitchFamily="18" charset="0"/>
-                                <a:ea typeface="微軟正黑體" panose="020B0604030504040204" pitchFamily="34" charset="-120"/>
-                                <a:cs typeface="Times New Roman" panose="02020603050405020304" pitchFamily="18" charset="0"/>
-                              </a:rPr>
-                            </m:ctrlPr>
-                          </m:dPr>
-                          <m:e>
-                            <m:r>
-                              <a:rPr lang="en-US" altLang="zh-TW" b="0" i="1" smtClean="0">
-                                <a:latin typeface="Cambria Math" panose="02040503050406030204" pitchFamily="18" charset="0"/>
-                                <a:ea typeface="微軟正黑體" panose="020B0604030504040204" pitchFamily="34" charset="-120"/>
-                                <a:cs typeface="Times New Roman" panose="02020603050405020304" pitchFamily="18" charset="0"/>
-                              </a:rPr>
-                              <m:t>𝑥</m:t>
-                            </m:r>
-                          </m:e>
-                        </m:d>
-                      </m:e>
-                    </m:func>
-                    <m:r>
-                      <a:rPr lang="en-US" altLang="zh-TW" b="0" i="1" smtClean="0">
-                        <a:latin typeface="Cambria Math" panose="02040503050406030204" pitchFamily="18" charset="0"/>
-                        <a:ea typeface="微軟正黑體" panose="020B0604030504040204" pitchFamily="34" charset="-120"/>
-                        <a:cs typeface="Times New Roman" panose="02020603050405020304" pitchFamily="18" charset="0"/>
-                      </a:rPr>
-                      <m:t>=</m:t>
-                    </m:r>
-                    <m:f>
-                      <m:fPr>
-                        <m:ctrlPr>
-                          <a:rPr lang="en-US" altLang="zh-TW" b="0" i="1" smtClean="0">
+                          <a:rPr lang="en-US" altLang="zh-TW" i="1">
                             <a:latin typeface="Cambria Math" panose="02040503050406030204" pitchFamily="18" charset="0"/>
                             <a:ea typeface="微軟正黑體" panose="020B0604030504040204" pitchFamily="34" charset="-120"/>
                             <a:cs typeface="Times New Roman" panose="02020603050405020304" pitchFamily="18" charset="0"/>
@@ -3914,7 +4173,7 @@
                         <m:sSup>
                           <m:sSupPr>
                             <m:ctrlPr>
-                              <a:rPr lang="en-US" altLang="zh-TW" b="0" i="1" smtClean="0">
+                              <a:rPr lang="en-US" altLang="zh-TW" i="1">
                                 <a:latin typeface="Cambria Math" panose="02040503050406030204" pitchFamily="18" charset="0"/>
                                 <a:ea typeface="微軟正黑體" panose="020B0604030504040204" pitchFamily="34" charset="-120"/>
                                 <a:cs typeface="Times New Roman" panose="02020603050405020304" pitchFamily="18" charset="0"/>
@@ -3923,7 +4182,7 @@
                           </m:sSupPr>
                           <m:e>
                             <m:r>
-                              <a:rPr lang="en-US" altLang="zh-TW" b="0" i="1" smtClean="0">
+                              <a:rPr lang="en-US" altLang="zh-TW" i="1">
                                 <a:latin typeface="Cambria Math" panose="02040503050406030204" pitchFamily="18" charset="0"/>
                                 <a:ea typeface="微軟正黑體" panose="020B0604030504040204" pitchFamily="34" charset="-120"/>
                                 <a:cs typeface="Times New Roman" panose="02020603050405020304" pitchFamily="18" charset="0"/>
@@ -3933,7 +4192,7 @@
                           </m:e>
                           <m:sup>
                             <m:r>
-                              <a:rPr lang="en-US" altLang="zh-TW" b="0" i="1" smtClean="0">
+                              <a:rPr lang="en-US" altLang="zh-TW" i="1">
                                 <a:latin typeface="Cambria Math" panose="02040503050406030204" pitchFamily="18" charset="0"/>
                                 <a:ea typeface="微軟正黑體" panose="020B0604030504040204" pitchFamily="34" charset="-120"/>
                                 <a:cs typeface="Times New Roman" panose="02020603050405020304" pitchFamily="18" charset="0"/>
@@ -3943,7 +4202,7 @@
                           </m:sup>
                         </m:sSup>
                         <m:r>
-                          <a:rPr lang="en-US" altLang="zh-TW" b="0" i="1" smtClean="0">
+                          <a:rPr lang="en-US" altLang="zh-TW" i="1">
                             <a:latin typeface="Cambria Math" panose="02040503050406030204" pitchFamily="18" charset="0"/>
                             <a:ea typeface="微軟正黑體" panose="020B0604030504040204" pitchFamily="34" charset="-120"/>
                             <a:cs typeface="Times New Roman" panose="02020603050405020304" pitchFamily="18" charset="0"/>
@@ -3953,7 +4212,7 @@
                         <m:sSup>
                           <m:sSupPr>
                             <m:ctrlPr>
-                              <a:rPr lang="en-US" altLang="zh-TW" b="0" i="1" smtClean="0">
+                              <a:rPr lang="en-US" altLang="zh-TW" i="1">
                                 <a:latin typeface="Cambria Math" panose="02040503050406030204" pitchFamily="18" charset="0"/>
                                 <a:ea typeface="微軟正黑體" panose="020B0604030504040204" pitchFamily="34" charset="-120"/>
                                 <a:cs typeface="Times New Roman" panose="02020603050405020304" pitchFamily="18" charset="0"/>
@@ -3962,7 +4221,7 @@
                           </m:sSupPr>
                           <m:e>
                             <m:r>
-                              <a:rPr lang="en-US" altLang="zh-TW" b="0" i="1" smtClean="0">
+                              <a:rPr lang="en-US" altLang="zh-TW" i="1">
                                 <a:latin typeface="Cambria Math" panose="02040503050406030204" pitchFamily="18" charset="0"/>
                                 <a:ea typeface="微軟正黑體" panose="020B0604030504040204" pitchFamily="34" charset="-120"/>
                                 <a:cs typeface="Times New Roman" panose="02020603050405020304" pitchFamily="18" charset="0"/>
@@ -3972,7 +4231,7 @@
                           </m:e>
                           <m:sup>
                             <m:r>
-                              <a:rPr lang="en-US" altLang="zh-TW" b="0" i="1" smtClean="0">
+                              <a:rPr lang="en-US" altLang="zh-TW" i="1">
                                 <a:latin typeface="Cambria Math" panose="02040503050406030204" pitchFamily="18" charset="0"/>
                                 <a:ea typeface="微軟正黑體" panose="020B0604030504040204" pitchFamily="34" charset="-120"/>
                                 <a:cs typeface="Times New Roman" panose="02020603050405020304" pitchFamily="18" charset="0"/>
@@ -3980,7 +4239,7 @@
                               <m:t>−</m:t>
                             </m:r>
                             <m:r>
-                              <a:rPr lang="en-US" altLang="zh-TW" b="0" i="1" smtClean="0">
+                              <a:rPr lang="en-US" altLang="zh-TW" i="1">
                                 <a:latin typeface="Cambria Math" panose="02040503050406030204" pitchFamily="18" charset="0"/>
                                 <a:ea typeface="微軟正黑體" panose="020B0604030504040204" pitchFamily="34" charset="-120"/>
                                 <a:cs typeface="Times New Roman" panose="02020603050405020304" pitchFamily="18" charset="0"/>
@@ -3992,7 +4251,7 @@
                       </m:num>
                       <m:den>
                         <m:r>
-                          <a:rPr lang="en-US" altLang="zh-TW" b="0" i="1" smtClean="0">
+                          <a:rPr lang="en-US" altLang="zh-TW" i="1">
                             <a:latin typeface="Cambria Math" panose="02040503050406030204" pitchFamily="18" charset="0"/>
                             <a:ea typeface="微軟正黑體" panose="020B0604030504040204" pitchFamily="34" charset="-120"/>
                             <a:cs typeface="Times New Roman" panose="02020603050405020304" pitchFamily="18" charset="0"/>
@@ -4000,7 +4259,7 @@
                           <m:t>2</m:t>
                         </m:r>
                         <m:r>
-                          <a:rPr lang="en-US" altLang="zh-TW" b="0" i="1" smtClean="0">
+                          <a:rPr lang="en-US" altLang="zh-TW" i="1">
                             <a:latin typeface="Cambria Math" panose="02040503050406030204" pitchFamily="18" charset="0"/>
                             <a:ea typeface="微軟正黑體" panose="020B0604030504040204" pitchFamily="34" charset="-120"/>
                             <a:cs typeface="Times New Roman" panose="02020603050405020304" pitchFamily="18" charset="0"/>
@@ -4012,7 +4271,7 @@
                   </m:oMath>
                 </a14:m>
                 <a:r>
-                  <a:rPr lang="zh-TW" altLang="en-US" dirty="0" smtClean="0">
+                  <a:rPr lang="zh-TW" altLang="en-US" dirty="0">
                     <a:latin typeface="Times New Roman" panose="02020603050405020304" pitchFamily="18" charset="0"/>
                     <a:ea typeface="微軟正黑體" panose="020B0604030504040204" pitchFamily="34" charset="-120"/>
                     <a:cs typeface="Times New Roman" panose="02020603050405020304" pitchFamily="18" charset="0"/>
@@ -4020,7 +4279,7 @@
                   <a:t> </a:t>
                 </a:r>
                 <a:r>
-                  <a:rPr lang="en-US" altLang="zh-TW" dirty="0" smtClean="0">
+                  <a:rPr lang="en-US" altLang="zh-TW" dirty="0">
                     <a:latin typeface="Times New Roman" panose="02020603050405020304" pitchFamily="18" charset="0"/>
                     <a:ea typeface="微軟正黑體" panose="020B0604030504040204" pitchFamily="34" charset="-120"/>
                     <a:cs typeface="Times New Roman" panose="02020603050405020304" pitchFamily="18" charset="0"/>
@@ -4032,7 +4291,7 @@
                     <m:func>
                       <m:funcPr>
                         <m:ctrlPr>
-                          <a:rPr lang="en-US" altLang="zh-TW" b="0" i="1" smtClean="0">
+                          <a:rPr lang="en-US" altLang="zh-TW" i="1">
                             <a:latin typeface="Cambria Math" panose="02040503050406030204" pitchFamily="18" charset="0"/>
                             <a:ea typeface="微軟正黑體" panose="020B0604030504040204" pitchFamily="34" charset="-120"/>
                             <a:cs typeface="Times New Roman" panose="02020603050405020304" pitchFamily="18" charset="0"/>
@@ -4044,7 +4303,7 @@
                           <m:rPr>
                             <m:sty m:val="p"/>
                           </m:rPr>
-                          <a:rPr lang="en-US" altLang="zh-TW" b="0" i="0" smtClean="0">
+                          <a:rPr lang="en-US" altLang="zh-TW">
                             <a:latin typeface="Cambria Math" panose="02040503050406030204" pitchFamily="18" charset="0"/>
                             <a:ea typeface="微軟正黑體" panose="020B0604030504040204" pitchFamily="34" charset="-120"/>
                             <a:cs typeface="Times New Roman" panose="02020603050405020304" pitchFamily="18" charset="0"/>
@@ -4056,7 +4315,7 @@
                         <m:d>
                           <m:dPr>
                             <m:ctrlPr>
-                              <a:rPr lang="en-US" altLang="zh-TW" b="0" i="1" smtClean="0">
+                              <a:rPr lang="en-US" altLang="zh-TW" i="1">
                                 <a:latin typeface="Cambria Math" panose="02040503050406030204" pitchFamily="18" charset="0"/>
                                 <a:ea typeface="微軟正黑體" panose="020B0604030504040204" pitchFamily="34" charset="-120"/>
                                 <a:cs typeface="Times New Roman" panose="02020603050405020304" pitchFamily="18" charset="0"/>
@@ -4065,7 +4324,7 @@
                           </m:dPr>
                           <m:e>
                             <m:r>
-                              <a:rPr lang="en-US" altLang="zh-TW" b="0" i="1" smtClean="0">
+                              <a:rPr lang="en-US" altLang="zh-TW" i="1">
                                 <a:latin typeface="Cambria Math" panose="02040503050406030204" pitchFamily="18" charset="0"/>
                                 <a:ea typeface="微軟正黑體" panose="020B0604030504040204" pitchFamily="34" charset="-120"/>
                                 <a:cs typeface="Times New Roman" panose="02020603050405020304" pitchFamily="18" charset="0"/>
@@ -4077,7 +4336,7 @@
                       </m:e>
                     </m:func>
                     <m:r>
-                      <a:rPr lang="en-US" altLang="zh-TW" b="0" i="1" smtClean="0">
+                      <a:rPr lang="en-US" altLang="zh-TW" i="1">
                         <a:latin typeface="Cambria Math" panose="02040503050406030204" pitchFamily="18" charset="0"/>
                         <a:ea typeface="微軟正黑體" panose="020B0604030504040204" pitchFamily="34" charset="-120"/>
                         <a:cs typeface="Times New Roman" panose="02020603050405020304" pitchFamily="18" charset="0"/>
@@ -4087,7 +4346,7 @@
                     <m:f>
                       <m:fPr>
                         <m:ctrlPr>
-                          <a:rPr lang="en-US" altLang="zh-TW" b="0" i="1" smtClean="0">
+                          <a:rPr lang="en-US" altLang="zh-TW" i="1">
                             <a:latin typeface="Cambria Math" panose="02040503050406030204" pitchFamily="18" charset="0"/>
                             <a:ea typeface="微軟正黑體" panose="020B0604030504040204" pitchFamily="34" charset="-120"/>
                             <a:cs typeface="Times New Roman" panose="02020603050405020304" pitchFamily="18" charset="0"/>
@@ -4098,7 +4357,7 @@
                         <m:sSup>
                           <m:sSupPr>
                             <m:ctrlPr>
-                              <a:rPr lang="en-US" altLang="zh-TW" b="0" i="1" smtClean="0">
+                              <a:rPr lang="en-US" altLang="zh-TW" i="1">
                                 <a:latin typeface="Cambria Math" panose="02040503050406030204" pitchFamily="18" charset="0"/>
                                 <a:ea typeface="微軟正黑體" panose="020B0604030504040204" pitchFamily="34" charset="-120"/>
                                 <a:cs typeface="Times New Roman" panose="02020603050405020304" pitchFamily="18" charset="0"/>
@@ -4107,7 +4366,7 @@
                           </m:sSupPr>
                           <m:e>
                             <m:r>
-                              <a:rPr lang="en-US" altLang="zh-TW" b="0" i="1" smtClean="0">
+                              <a:rPr lang="en-US" altLang="zh-TW" i="1">
                                 <a:latin typeface="Cambria Math" panose="02040503050406030204" pitchFamily="18" charset="0"/>
                                 <a:ea typeface="微軟正黑體" panose="020B0604030504040204" pitchFamily="34" charset="-120"/>
                                 <a:cs typeface="Times New Roman" panose="02020603050405020304" pitchFamily="18" charset="0"/>
@@ -4117,7 +4376,7 @@
                           </m:e>
                           <m:sup>
                             <m:r>
-                              <a:rPr lang="en-US" altLang="zh-TW" b="0" i="1" smtClean="0">
+                              <a:rPr lang="en-US" altLang="zh-TW" i="1">
                                 <a:latin typeface="Cambria Math" panose="02040503050406030204" pitchFamily="18" charset="0"/>
                                 <a:ea typeface="微軟正黑體" panose="020B0604030504040204" pitchFamily="34" charset="-120"/>
                                 <a:cs typeface="Times New Roman" panose="02020603050405020304" pitchFamily="18" charset="0"/>
@@ -4127,7 +4386,7 @@
                           </m:sup>
                         </m:sSup>
                         <m:r>
-                          <a:rPr lang="en-US" altLang="zh-TW" b="0" i="1" smtClean="0">
+                          <a:rPr lang="en-US" altLang="zh-TW" i="1">
                             <a:latin typeface="Cambria Math" panose="02040503050406030204" pitchFamily="18" charset="0"/>
                             <a:ea typeface="微軟正黑體" panose="020B0604030504040204" pitchFamily="34" charset="-120"/>
                             <a:cs typeface="Times New Roman" panose="02020603050405020304" pitchFamily="18" charset="0"/>
@@ -4137,7 +4396,7 @@
                         <m:sSup>
                           <m:sSupPr>
                             <m:ctrlPr>
-                              <a:rPr lang="en-US" altLang="zh-TW" b="0" i="1" smtClean="0">
+                              <a:rPr lang="en-US" altLang="zh-TW" i="1">
                                 <a:latin typeface="Cambria Math" panose="02040503050406030204" pitchFamily="18" charset="0"/>
                                 <a:ea typeface="微軟正黑體" panose="020B0604030504040204" pitchFamily="34" charset="-120"/>
                                 <a:cs typeface="Times New Roman" panose="02020603050405020304" pitchFamily="18" charset="0"/>
@@ -4146,7 +4405,7 @@
                           </m:sSupPr>
                           <m:e>
                             <m:r>
-                              <a:rPr lang="en-US" altLang="zh-TW" b="0" i="1" smtClean="0">
+                              <a:rPr lang="en-US" altLang="zh-TW" i="1">
                                 <a:latin typeface="Cambria Math" panose="02040503050406030204" pitchFamily="18" charset="0"/>
                                 <a:ea typeface="微軟正黑體" panose="020B0604030504040204" pitchFamily="34" charset="-120"/>
                                 <a:cs typeface="Times New Roman" panose="02020603050405020304" pitchFamily="18" charset="0"/>
@@ -4156,7 +4415,7 @@
                           </m:e>
                           <m:sup>
                             <m:r>
-                              <a:rPr lang="en-US" altLang="zh-TW" b="0" i="1" smtClean="0">
+                              <a:rPr lang="en-US" altLang="zh-TW" i="1">
                                 <a:latin typeface="Cambria Math" panose="02040503050406030204" pitchFamily="18" charset="0"/>
                                 <a:ea typeface="微軟正黑體" panose="020B0604030504040204" pitchFamily="34" charset="-120"/>
                                 <a:cs typeface="Times New Roman" panose="02020603050405020304" pitchFamily="18" charset="0"/>
@@ -4164,7 +4423,7 @@
                               <m:t>−</m:t>
                             </m:r>
                             <m:r>
-                              <a:rPr lang="en-US" altLang="zh-TW" b="0" i="1" smtClean="0">
+                              <a:rPr lang="en-US" altLang="zh-TW" i="1">
                                 <a:latin typeface="Cambria Math" panose="02040503050406030204" pitchFamily="18" charset="0"/>
                                 <a:ea typeface="微軟正黑體" panose="020B0604030504040204" pitchFamily="34" charset="-120"/>
                                 <a:cs typeface="Times New Roman" panose="02020603050405020304" pitchFamily="18" charset="0"/>
@@ -4176,7 +4435,7 @@
                       </m:num>
                       <m:den>
                         <m:r>
-                          <a:rPr lang="en-US" altLang="zh-TW" b="0" i="1" smtClean="0">
+                          <a:rPr lang="en-US" altLang="zh-TW" i="1">
                             <a:latin typeface="Cambria Math" panose="02040503050406030204" pitchFamily="18" charset="0"/>
                             <a:ea typeface="微軟正黑體" panose="020B0604030504040204" pitchFamily="34" charset="-120"/>
                             <a:cs typeface="Times New Roman" panose="02020603050405020304" pitchFamily="18" charset="0"/>
@@ -4187,19 +4446,80 @@
                     </m:f>
                   </m:oMath>
                 </a14:m>
-                <a:endParaRPr lang="en-US" altLang="zh-TW" dirty="0" smtClean="0">
-                  <a:latin typeface="Times New Roman" panose="02020603050405020304" pitchFamily="18" charset="0"/>
-                  <a:ea typeface="微軟正黑體" panose="020B0604030504040204" pitchFamily="34" charset="-120"/>
-                  <a:cs typeface="Times New Roman" panose="02020603050405020304" pitchFamily="18" charset="0"/>
-                </a:endParaRPr>
+                <a:endParaRPr lang="zh-TW" altLang="en-US" dirty="0"/>
               </a:p>
+            </p:txBody>
+          </p:sp>
+        </mc:Choice>
+        <mc:Fallback>
+          <p:sp>
+            <p:nvSpPr>
+              <p:cNvPr id="9" name="文字方塊 8"/>
+              <p:cNvSpPr txBox="1">
+                <a:spLocks noRot="1" noChangeAspect="1" noMove="1" noResize="1" noEditPoints="1" noAdjustHandles="1" noChangeArrowheads="1" noChangeShapeType="1" noTextEdit="1"/>
+              </p:cNvSpPr>
+              <p:nvPr/>
+            </p:nvSpPr>
+            <p:spPr>
+              <a:xfrm>
+                <a:off x="0" y="2030251"/>
+                <a:ext cx="5394618" cy="570413"/>
+              </a:xfrm>
+              <a:prstGeom prst="rect">
+                <a:avLst/>
+              </a:prstGeom>
+              <a:blipFill>
+                <a:blip r:embed="rId6"/>
+                <a:stretch>
+                  <a:fillRect l="-678"/>
+                </a:stretch>
+              </a:blipFill>
+            </p:spPr>
+            <p:txBody>
+              <a:bodyPr/>
+              <a:lstStyle/>
+              <a:p>
+                <a:r>
+                  <a:rPr lang="zh-TW" altLang="en-US">
+                    <a:noFill/>
+                  </a:rPr>
+                  <a:t> </a:t>
+                </a:r>
+              </a:p>
+            </p:txBody>
+          </p:sp>
+        </mc:Fallback>
+      </mc:AlternateContent>
+      <mc:AlternateContent xmlns:mc="http://schemas.openxmlformats.org/markup-compatibility/2006">
+        <mc:Choice xmlns:a14="http://schemas.microsoft.com/office/drawing/2010/main" Requires="a14">
+          <p:sp>
+            <p:nvSpPr>
+              <p:cNvPr id="10" name="文字方塊 9"/>
+              <p:cNvSpPr txBox="1"/>
+              <p:nvPr/>
+            </p:nvSpPr>
+            <p:spPr>
+              <a:xfrm>
+                <a:off x="0" y="2601532"/>
+                <a:ext cx="5109797" cy="378245"/>
+              </a:xfrm>
+              <a:prstGeom prst="rect">
+                <a:avLst/>
+              </a:prstGeom>
+              <a:noFill/>
+            </p:spPr>
+            <p:txBody>
+              <a:bodyPr wrap="none" rtlCol="0">
+                <a:spAutoFit/>
+              </a:bodyPr>
+              <a:lstStyle/>
               <a:p>
                 <a:pPr marL="285750" indent="-285750">
                   <a:buFont typeface="Wingdings" panose="05000000000000000000" pitchFamily="2" charset="2"/>
                   <a:buChar char="p"/>
                 </a:pPr>
                 <a:r>
-                  <a:rPr lang="zh-TW" altLang="en-US" dirty="0" smtClean="0">
+                  <a:rPr lang="zh-TW" altLang="en-US" dirty="0">
                     <a:latin typeface="Times New Roman" panose="02020603050405020304" pitchFamily="18" charset="0"/>
                     <a:ea typeface="微軟正黑體" panose="020B0604030504040204" pitchFamily="34" charset="-120"/>
                     <a:cs typeface="Times New Roman" panose="02020603050405020304" pitchFamily="18" charset="0"/>
@@ -4207,7 +4527,7 @@
                   <a:t>離散傅立葉</a:t>
                 </a:r>
                 <a:r>
-                  <a:rPr lang="en-US" altLang="zh-TW" dirty="0" smtClean="0">
+                  <a:rPr lang="en-US" altLang="zh-TW" dirty="0">
                     <a:latin typeface="Times New Roman" panose="02020603050405020304" pitchFamily="18" charset="0"/>
                     <a:ea typeface="微軟正黑體" panose="020B0604030504040204" pitchFamily="34" charset="-120"/>
                     <a:cs typeface="Times New Roman" panose="02020603050405020304" pitchFamily="18" charset="0"/>
@@ -4215,7 +4535,7 @@
                   <a:t>(DFT)</a:t>
                 </a:r>
                 <a:r>
-                  <a:rPr lang="zh-TW" altLang="en-US" dirty="0" smtClean="0">
+                  <a:rPr lang="zh-TW" altLang="en-US" dirty="0">
                     <a:latin typeface="Times New Roman" panose="02020603050405020304" pitchFamily="18" charset="0"/>
                     <a:ea typeface="微軟正黑體" panose="020B0604030504040204" pitchFamily="34" charset="-120"/>
                     <a:cs typeface="Times New Roman" panose="02020603050405020304" pitchFamily="18" charset="0"/>
@@ -4223,7 +4543,7 @@
                   <a:t> </a:t>
                 </a:r>
                 <a:r>
-                  <a:rPr lang="en-US" altLang="zh-TW" dirty="0" smtClean="0">
+                  <a:rPr lang="en-US" altLang="zh-TW" dirty="0">
                     <a:latin typeface="Times New Roman" panose="02020603050405020304" pitchFamily="18" charset="0"/>
                     <a:ea typeface="微軟正黑體" panose="020B0604030504040204" pitchFamily="34" charset="-120"/>
                     <a:cs typeface="Times New Roman" panose="02020603050405020304" pitchFamily="18" charset="0"/>
@@ -4235,7 +4555,7 @@
                     <m:sSub>
                       <m:sSubPr>
                         <m:ctrlPr>
-                          <a:rPr lang="en-US" altLang="zh-TW" b="0" i="0" smtClean="0">
+                          <a:rPr lang="en-US" altLang="zh-TW" i="1">
                             <a:latin typeface="Cambria Math" panose="02040503050406030204" pitchFamily="18" charset="0"/>
                             <a:ea typeface="微軟正黑體" panose="020B0604030504040204" pitchFamily="34" charset="-120"/>
                             <a:cs typeface="Times New Roman" panose="02020603050405020304" pitchFamily="18" charset="0"/>
@@ -4247,7 +4567,7 @@
                           <m:rPr>
                             <m:sty m:val="p"/>
                           </m:rPr>
-                          <a:rPr lang="en-US" altLang="zh-TW" b="0" i="0" smtClean="0">
+                          <a:rPr lang="en-US" altLang="zh-TW">
                             <a:latin typeface="Cambria Math" panose="02040503050406030204" pitchFamily="18" charset="0"/>
                             <a:ea typeface="微軟正黑體" panose="020B0604030504040204" pitchFamily="34" charset="-120"/>
                             <a:cs typeface="Times New Roman" panose="02020603050405020304" pitchFamily="18" charset="0"/>
@@ -4260,7 +4580,7 @@
                           <m:rPr>
                             <m:sty m:val="p"/>
                           </m:rPr>
-                          <a:rPr lang="en-US" altLang="zh-TW" b="0" i="0" smtClean="0">
+                          <a:rPr lang="en-US" altLang="zh-TW">
                             <a:latin typeface="Cambria Math" panose="02040503050406030204" pitchFamily="18" charset="0"/>
                             <a:ea typeface="微軟正黑體" panose="020B0604030504040204" pitchFamily="34" charset="-120"/>
                             <a:cs typeface="Times New Roman" panose="02020603050405020304" pitchFamily="18" charset="0"/>
@@ -4272,7 +4592,7 @@
                     <m:d>
                       <m:dPr>
                         <m:ctrlPr>
-                          <a:rPr lang="en-US" altLang="zh-TW" b="0" i="0" smtClean="0">
+                          <a:rPr lang="en-US" altLang="zh-TW" i="1">
                             <a:latin typeface="Cambria Math" panose="02040503050406030204" pitchFamily="18" charset="0"/>
                             <a:ea typeface="微軟正黑體" panose="020B0604030504040204" pitchFamily="34" charset="-120"/>
                             <a:cs typeface="Times New Roman" panose="02020603050405020304" pitchFamily="18" charset="0"/>
@@ -4284,7 +4604,7 @@
                           <m:rPr>
                             <m:sty m:val="p"/>
                           </m:rPr>
-                          <a:rPr lang="en-US" altLang="zh-TW" b="0" i="0" smtClean="0">
+                          <a:rPr lang="en-US" altLang="zh-TW">
                             <a:latin typeface="Cambria Math" panose="02040503050406030204" pitchFamily="18" charset="0"/>
                             <a:ea typeface="微軟正黑體" panose="020B0604030504040204" pitchFamily="34" charset="-120"/>
                             <a:cs typeface="Times New Roman" panose="02020603050405020304" pitchFamily="18" charset="0"/>
@@ -4294,7 +4614,7 @@
                       </m:e>
                     </m:d>
                     <m:r>
-                      <a:rPr lang="en-US" altLang="zh-TW" b="0" i="0" smtClean="0">
+                      <a:rPr lang="en-US" altLang="zh-TW">
                         <a:latin typeface="Cambria Math" panose="02040503050406030204" pitchFamily="18" charset="0"/>
                         <a:ea typeface="微軟正黑體" panose="020B0604030504040204" pitchFamily="34" charset="-120"/>
                         <a:cs typeface="Times New Roman" panose="02020603050405020304" pitchFamily="18" charset="0"/>
@@ -4306,7 +4626,7 @@
                         <m:chr m:val="∑"/>
                         <m:supHide m:val="on"/>
                         <m:ctrlPr>
-                          <a:rPr lang="en-US" altLang="zh-TW" i="1" smtClean="0">
+                          <a:rPr lang="en-US" altLang="zh-TW" i="1">
                             <a:latin typeface="Cambria Math" panose="02040503050406030204" pitchFamily="18" charset="0"/>
                             <a:ea typeface="微軟正黑體" panose="020B0604030504040204" pitchFamily="34" charset="-120"/>
                             <a:cs typeface="Times New Roman" panose="02020603050405020304" pitchFamily="18" charset="0"/>
@@ -4318,7 +4638,7 @@
                           <m:rPr>
                             <m:brk m:alnAt="7"/>
                           </m:rPr>
-                          <a:rPr lang="en-US" altLang="zh-TW" b="0" i="1" smtClean="0">
+                          <a:rPr lang="en-US" altLang="zh-TW" i="1">
                             <a:latin typeface="Cambria Math" panose="02040503050406030204" pitchFamily="18" charset="0"/>
                             <a:ea typeface="微軟正黑體" panose="020B0604030504040204" pitchFamily="34" charset="-120"/>
                             <a:cs typeface="Times New Roman" panose="02020603050405020304" pitchFamily="18" charset="0"/>
@@ -4331,7 +4651,7 @@
                         <m:sSub>
                           <m:sSubPr>
                             <m:ctrlPr>
-                              <a:rPr lang="en-US" altLang="zh-TW" b="0" i="1" smtClean="0">
+                              <a:rPr lang="en-US" altLang="zh-TW" i="1">
                                 <a:latin typeface="Cambria Math" panose="02040503050406030204" pitchFamily="18" charset="0"/>
                                 <a:ea typeface="微軟正黑體" panose="020B0604030504040204" pitchFamily="34" charset="-120"/>
                                 <a:cs typeface="Times New Roman" panose="02020603050405020304" pitchFamily="18" charset="0"/>
@@ -4340,7 +4660,7 @@
                           </m:sSubPr>
                           <m:e>
                             <m:r>
-                              <a:rPr lang="en-US" altLang="zh-TW" b="0" i="1" smtClean="0">
+                              <a:rPr lang="en-US" altLang="zh-TW" i="1">
                                 <a:latin typeface="Cambria Math" panose="02040503050406030204" pitchFamily="18" charset="0"/>
                                 <a:ea typeface="微軟正黑體" panose="020B0604030504040204" pitchFamily="34" charset="-120"/>
                                 <a:cs typeface="Times New Roman" panose="02020603050405020304" pitchFamily="18" charset="0"/>
@@ -4350,7 +4670,7 @@
                           </m:e>
                           <m:sub>
                             <m:r>
-                              <a:rPr lang="en-US" altLang="zh-TW" b="0" i="1" smtClean="0">
+                              <a:rPr lang="en-US" altLang="zh-TW" i="1">
                                 <a:latin typeface="Cambria Math" panose="02040503050406030204" pitchFamily="18" charset="0"/>
                                 <a:ea typeface="微軟正黑體" panose="020B0604030504040204" pitchFamily="34" charset="-120"/>
                                 <a:cs typeface="Times New Roman" panose="02020603050405020304" pitchFamily="18" charset="0"/>
@@ -4362,7 +4682,7 @@
                         <m:d>
                           <m:dPr>
                             <m:ctrlPr>
-                              <a:rPr lang="en-US" altLang="zh-TW" b="0" i="1" smtClean="0">
+                              <a:rPr lang="en-US" altLang="zh-TW" i="1">
                                 <a:latin typeface="Cambria Math" panose="02040503050406030204" pitchFamily="18" charset="0"/>
                                 <a:ea typeface="微軟正黑體" panose="020B0604030504040204" pitchFamily="34" charset="-120"/>
                                 <a:cs typeface="Times New Roman" panose="02020603050405020304" pitchFamily="18" charset="0"/>
@@ -4371,7 +4691,7 @@
                           </m:dPr>
                           <m:e>
                             <m:r>
-                              <a:rPr lang="en-US" altLang="zh-TW" b="0" i="1" smtClean="0">
+                              <a:rPr lang="en-US" altLang="zh-TW" i="1">
                                 <a:latin typeface="Cambria Math" panose="02040503050406030204" pitchFamily="18" charset="0"/>
                                 <a:ea typeface="微軟正黑體" panose="020B0604030504040204" pitchFamily="34" charset="-120"/>
                                 <a:cs typeface="Times New Roman" panose="02020603050405020304" pitchFamily="18" charset="0"/>
@@ -4383,7 +4703,7 @@
                         <m:sSup>
                           <m:sSupPr>
                             <m:ctrlPr>
-                              <a:rPr lang="en-US" altLang="zh-TW" b="0" i="1" smtClean="0">
+                              <a:rPr lang="en-US" altLang="zh-TW" i="1">
                                 <a:latin typeface="Cambria Math" panose="02040503050406030204" pitchFamily="18" charset="0"/>
                                 <a:ea typeface="微軟正黑體" panose="020B0604030504040204" pitchFamily="34" charset="-120"/>
                                 <a:cs typeface="Times New Roman" panose="02020603050405020304" pitchFamily="18" charset="0"/>
@@ -4392,7 +4712,7 @@
                           </m:sSupPr>
                           <m:e>
                             <m:r>
-                              <a:rPr lang="en-US" altLang="zh-TW" b="0" i="1" smtClean="0">
+                              <a:rPr lang="en-US" altLang="zh-TW" i="1">
                                 <a:latin typeface="Cambria Math" panose="02040503050406030204" pitchFamily="18" charset="0"/>
                                 <a:ea typeface="微軟正黑體" panose="020B0604030504040204" pitchFamily="34" charset="-120"/>
                                 <a:cs typeface="Times New Roman" panose="02020603050405020304" pitchFamily="18" charset="0"/>
@@ -4402,7 +4722,7 @@
                           </m:e>
                           <m:sup>
                             <m:r>
-                              <a:rPr lang="en-US" altLang="zh-TW" b="0" i="1" smtClean="0">
+                              <a:rPr lang="en-US" altLang="zh-TW" i="1">
                                 <a:latin typeface="Cambria Math" panose="02040503050406030204" pitchFamily="18" charset="0"/>
                                 <a:ea typeface="微軟正黑體" panose="020B0604030504040204" pitchFamily="34" charset="-120"/>
                                 <a:cs typeface="Times New Roman" panose="02020603050405020304" pitchFamily="18" charset="0"/>
@@ -4410,7 +4730,7 @@
                               <m:t>−</m:t>
                             </m:r>
                             <m:r>
-                              <a:rPr lang="en-US" altLang="zh-TW" b="0" i="1" smtClean="0">
+                              <a:rPr lang="en-US" altLang="zh-TW" i="1">
                                 <a:latin typeface="Cambria Math" panose="02040503050406030204" pitchFamily="18" charset="0"/>
                                 <a:ea typeface="微軟正黑體" panose="020B0604030504040204" pitchFamily="34" charset="-120"/>
                                 <a:cs typeface="Times New Roman" panose="02020603050405020304" pitchFamily="18" charset="0"/>
@@ -4418,7 +4738,7 @@
                               <m:t>𝑗</m:t>
                             </m:r>
                             <m:r>
-                              <a:rPr lang="en-US" altLang="zh-TW" b="0" i="1" smtClean="0">
+                              <a:rPr lang="en-US" altLang="zh-TW" i="1">
                                 <a:latin typeface="Cambria Math" panose="02040503050406030204" pitchFamily="18" charset="0"/>
                                 <a:ea typeface="微軟正黑體" panose="020B0604030504040204" pitchFamily="34" charset="-120"/>
                                 <a:cs typeface="Times New Roman" panose="02020603050405020304" pitchFamily="18" charset="0"/>
@@ -4426,7 +4746,7 @@
                               <m:t>2</m:t>
                             </m:r>
                             <m:r>
-                              <a:rPr lang="en-US" altLang="zh-TW" b="0" i="1" smtClean="0">
+                              <a:rPr lang="en-US" altLang="zh-TW" i="1">
                                 <a:latin typeface="Cambria Math" panose="02040503050406030204" pitchFamily="18" charset="0"/>
                                 <a:ea typeface="微軟正黑體" panose="020B0604030504040204" pitchFamily="34" charset="-120"/>
                                 <a:cs typeface="Times New Roman" panose="02020603050405020304" pitchFamily="18" charset="0"/>
@@ -4434,7 +4754,7 @@
                               <m:t>𝜋</m:t>
                             </m:r>
                             <m:r>
-                              <a:rPr lang="en-US" altLang="zh-TW" b="0" i="1" smtClean="0">
+                              <a:rPr lang="en-US" altLang="zh-TW" i="1">
                                 <a:latin typeface="Cambria Math" panose="02040503050406030204" pitchFamily="18" charset="0"/>
                                 <a:ea typeface="微軟正黑體" panose="020B0604030504040204" pitchFamily="34" charset="-120"/>
                                 <a:cs typeface="Times New Roman" panose="02020603050405020304" pitchFamily="18" charset="0"/>
@@ -4447,12 +4767,73 @@
                     </m:nary>
                   </m:oMath>
                 </a14:m>
-                <a:endParaRPr lang="en-US" altLang="zh-TW" dirty="0" smtClean="0">
-                  <a:latin typeface="Times New Roman" panose="02020603050405020304" pitchFamily="18" charset="0"/>
-                  <a:ea typeface="微軟正黑體" panose="020B0604030504040204" pitchFamily="34" charset="-120"/>
-                  <a:cs typeface="Times New Roman" panose="02020603050405020304" pitchFamily="18" charset="0"/>
-                </a:endParaRPr>
+                <a:endParaRPr lang="zh-TW" altLang="en-US" dirty="0"/>
               </a:p>
+            </p:txBody>
+          </p:sp>
+        </mc:Choice>
+        <mc:Fallback>
+          <p:sp>
+            <p:nvSpPr>
+              <p:cNvPr id="10" name="文字方塊 9"/>
+              <p:cNvSpPr txBox="1">
+                <a:spLocks noRot="1" noChangeAspect="1" noMove="1" noResize="1" noEditPoints="1" noAdjustHandles="1" noChangeArrowheads="1" noChangeShapeType="1" noTextEdit="1"/>
+              </p:cNvSpPr>
+              <p:nvPr/>
+            </p:nvSpPr>
+            <p:spPr>
+              <a:xfrm>
+                <a:off x="0" y="2601532"/>
+                <a:ext cx="5109797" cy="378245"/>
+              </a:xfrm>
+              <a:prstGeom prst="rect">
+                <a:avLst/>
+              </a:prstGeom>
+              <a:blipFill>
+                <a:blip r:embed="rId7"/>
+                <a:stretch>
+                  <a:fillRect l="-716" t="-114516" b="-182258"/>
+                </a:stretch>
+              </a:blipFill>
+            </p:spPr>
+            <p:txBody>
+              <a:bodyPr/>
+              <a:lstStyle/>
+              <a:p>
+                <a:r>
+                  <a:rPr lang="zh-TW" altLang="en-US">
+                    <a:noFill/>
+                  </a:rPr>
+                  <a:t> </a:t>
+                </a:r>
+              </a:p>
+            </p:txBody>
+          </p:sp>
+        </mc:Fallback>
+      </mc:AlternateContent>
+      <mc:AlternateContent xmlns:mc="http://schemas.openxmlformats.org/markup-compatibility/2006">
+        <mc:Choice xmlns:a14="http://schemas.microsoft.com/office/drawing/2010/main" Requires="a14">
+          <p:sp>
+            <p:nvSpPr>
+              <p:cNvPr id="11" name="文字方塊 10"/>
+              <p:cNvSpPr txBox="1"/>
+              <p:nvPr/>
+            </p:nvSpPr>
+            <p:spPr>
+              <a:xfrm>
+                <a:off x="0" y="3073590"/>
+                <a:ext cx="4175695" cy="369332"/>
+              </a:xfrm>
+              <a:prstGeom prst="rect">
+                <a:avLst/>
+              </a:prstGeom>
+              <a:noFill/>
+            </p:spPr>
+            <p:txBody>
+              <a:bodyPr wrap="none" rtlCol="0">
+                <a:spAutoFit/>
+              </a:bodyPr>
+              <a:lstStyle/>
               <a:p>
                 <a:pPr marL="285750" indent="-285750">
                   <a:buFont typeface="Wingdings" panose="05000000000000000000" pitchFamily="2" charset="2"/>
@@ -4461,7 +4842,7 @@
                 <a14:m>
                   <m:oMath xmlns:m="http://schemas.openxmlformats.org/officeDocument/2006/math">
                     <m:r>
-                      <a:rPr lang="en-US" altLang="zh-TW" b="0" i="1" smtClean="0">
+                      <a:rPr lang="en-US" altLang="zh-TW" i="1">
                         <a:latin typeface="Cambria Math" panose="02040503050406030204" pitchFamily="18" charset="0"/>
                         <a:ea typeface="微軟正黑體" panose="020B0604030504040204" pitchFamily="34" charset="-120"/>
                         <a:cs typeface="Times New Roman" panose="02020603050405020304" pitchFamily="18" charset="0"/>
@@ -4469,7 +4850,7 @@
                       <m:t>𝐶𝑇𝐹𝑇</m:t>
                     </m:r>
                     <m:r>
-                      <a:rPr lang="en-US" altLang="zh-TW" b="0" i="1" smtClean="0">
+                      <a:rPr lang="en-US" altLang="zh-TW" i="1">
                         <a:latin typeface="Cambria Math" panose="02040503050406030204" pitchFamily="18" charset="0"/>
                         <a:ea typeface="微軟正黑體" panose="020B0604030504040204" pitchFamily="34" charset="-120"/>
                         <a:cs typeface="Times New Roman" panose="02020603050405020304" pitchFamily="18" charset="0"/>
@@ -4477,7 +4858,7 @@
                       <m:t> : </m:t>
                     </m:r>
                     <m:r>
-                      <a:rPr lang="en-US" altLang="zh-TW" b="0" i="1" smtClean="0">
+                      <a:rPr lang="en-US" altLang="zh-TW" i="1">
                         <a:latin typeface="Cambria Math" panose="02040503050406030204" pitchFamily="18" charset="0"/>
                         <a:ea typeface="微軟正黑體" panose="020B0604030504040204" pitchFamily="34" charset="-120"/>
                         <a:cs typeface="Times New Roman" panose="02020603050405020304" pitchFamily="18" charset="0"/>
@@ -4487,7 +4868,7 @@
                     <m:d>
                       <m:dPr>
                         <m:ctrlPr>
-                          <a:rPr lang="en-US" altLang="zh-TW" b="0" i="1" smtClean="0">
+                          <a:rPr lang="en-US" altLang="zh-TW" i="1">
                             <a:latin typeface="Cambria Math" panose="02040503050406030204" pitchFamily="18" charset="0"/>
                             <a:ea typeface="微軟正黑體" panose="020B0604030504040204" pitchFamily="34" charset="-120"/>
                             <a:cs typeface="Times New Roman" panose="02020603050405020304" pitchFamily="18" charset="0"/>
@@ -4496,7 +4877,7 @@
                       </m:dPr>
                       <m:e>
                         <m:r>
-                          <a:rPr lang="en-US" altLang="zh-TW" b="0" i="1" smtClean="0">
+                          <a:rPr lang="en-US" altLang="zh-TW" i="1">
                             <a:latin typeface="Cambria Math" panose="02040503050406030204" pitchFamily="18" charset="0"/>
                             <a:ea typeface="微軟正黑體" panose="020B0604030504040204" pitchFamily="34" charset="-120"/>
                             <a:cs typeface="Times New Roman" panose="02020603050405020304" pitchFamily="18" charset="0"/>
@@ -4506,7 +4887,7 @@
                       </m:e>
                     </m:d>
                     <m:r>
-                      <a:rPr lang="en-US" altLang="zh-TW" b="0" i="1" smtClean="0">
+                      <a:rPr lang="en-US" altLang="zh-TW" i="1">
                         <a:latin typeface="Cambria Math" panose="02040503050406030204" pitchFamily="18" charset="0"/>
                         <a:ea typeface="微軟正黑體" panose="020B0604030504040204" pitchFamily="34" charset="-120"/>
                         <a:cs typeface="Times New Roman" panose="02020603050405020304" pitchFamily="18" charset="0"/>
@@ -4514,7 +4895,7 @@
                       <m:t>→</m:t>
                     </m:r>
                     <m:r>
-                      <a:rPr lang="en-US" altLang="zh-TW" b="0" i="1" smtClean="0">
+                      <a:rPr lang="en-US" altLang="zh-TW" i="1">
                         <a:latin typeface="Cambria Math" panose="02040503050406030204" pitchFamily="18" charset="0"/>
                         <a:ea typeface="微軟正黑體" panose="020B0604030504040204" pitchFamily="34" charset="-120"/>
                         <a:cs typeface="Times New Roman" panose="02020603050405020304" pitchFamily="18" charset="0"/>
@@ -4524,7 +4905,7 @@
                     <m:d>
                       <m:dPr>
                         <m:ctrlPr>
-                          <a:rPr lang="en-US" altLang="zh-TW" b="0" i="1" smtClean="0">
+                          <a:rPr lang="en-US" altLang="zh-TW" i="1">
                             <a:latin typeface="Cambria Math" panose="02040503050406030204" pitchFamily="18" charset="0"/>
                             <a:ea typeface="微軟正黑體" panose="020B0604030504040204" pitchFamily="34" charset="-120"/>
                             <a:cs typeface="Times New Roman" panose="02020603050405020304" pitchFamily="18" charset="0"/>
@@ -4533,7 +4914,7 @@
                       </m:dPr>
                       <m:e>
                         <m:r>
-                          <a:rPr lang="en-US" altLang="zh-TW" b="0" i="1" smtClean="0">
+                          <a:rPr lang="en-US" altLang="zh-TW" i="1">
                             <a:latin typeface="Cambria Math" panose="02040503050406030204" pitchFamily="18" charset="0"/>
                             <a:ea typeface="微軟正黑體" panose="020B0604030504040204" pitchFamily="34" charset="-120"/>
                             <a:cs typeface="Times New Roman" panose="02020603050405020304" pitchFamily="18" charset="0"/>
@@ -4543,7 +4924,7 @@
                       </m:e>
                     </m:d>
                     <m:r>
-                      <a:rPr lang="en-US" altLang="zh-TW" b="0" i="1" smtClean="0">
+                      <a:rPr lang="en-US" altLang="zh-TW" i="1">
                         <a:latin typeface="Cambria Math" panose="02040503050406030204" pitchFamily="18" charset="0"/>
                         <a:ea typeface="微軟正黑體" panose="020B0604030504040204" pitchFamily="34" charset="-120"/>
                         <a:cs typeface="Times New Roman" panose="02020603050405020304" pitchFamily="18" charset="0"/>
@@ -4551,7 +4932,7 @@
                       <m:t>; </m:t>
                     </m:r>
                     <m:r>
-                      <a:rPr lang="en-US" altLang="zh-TW" b="0" i="1" smtClean="0">
+                      <a:rPr lang="en-US" altLang="zh-TW" i="1">
                         <a:latin typeface="Cambria Math" panose="02040503050406030204" pitchFamily="18" charset="0"/>
                         <a:ea typeface="微軟正黑體" panose="020B0604030504040204" pitchFamily="34" charset="-120"/>
                         <a:cs typeface="Times New Roman" panose="02020603050405020304" pitchFamily="18" charset="0"/>
@@ -4561,7 +4942,7 @@
                     <m:d>
                       <m:dPr>
                         <m:ctrlPr>
-                          <a:rPr lang="en-US" altLang="zh-TW" b="0" i="1" smtClean="0">
+                          <a:rPr lang="en-US" altLang="zh-TW" i="1">
                             <a:latin typeface="Cambria Math" panose="02040503050406030204" pitchFamily="18" charset="0"/>
                             <a:ea typeface="微軟正黑體" panose="020B0604030504040204" pitchFamily="34" charset="-120"/>
                             <a:cs typeface="Times New Roman" panose="02020603050405020304" pitchFamily="18" charset="0"/>
@@ -4570,7 +4951,7 @@
                       </m:dPr>
                       <m:e>
                         <m:r>
-                          <a:rPr lang="en-US" altLang="zh-TW" b="0" i="1" smtClean="0">
+                          <a:rPr lang="en-US" altLang="zh-TW" i="1">
                             <a:latin typeface="Cambria Math" panose="02040503050406030204" pitchFamily="18" charset="0"/>
                             <a:ea typeface="微軟正黑體" panose="020B0604030504040204" pitchFamily="34" charset="-120"/>
                             <a:cs typeface="Times New Roman" panose="02020603050405020304" pitchFamily="18" charset="0"/>
@@ -4578,7 +4959,7 @@
                           <m:t>−</m:t>
                         </m:r>
                         <m:r>
-                          <a:rPr lang="en-US" altLang="zh-TW" b="0" i="1" smtClean="0">
+                          <a:rPr lang="en-US" altLang="zh-TW" i="1">
                             <a:latin typeface="Cambria Math" panose="02040503050406030204" pitchFamily="18" charset="0"/>
                             <a:ea typeface="微軟正黑體" panose="020B0604030504040204" pitchFamily="34" charset="-120"/>
                             <a:cs typeface="Times New Roman" panose="02020603050405020304" pitchFamily="18" charset="0"/>
@@ -4588,7 +4969,7 @@
                       </m:e>
                     </m:d>
                     <m:r>
-                      <a:rPr lang="en-US" altLang="zh-TW" b="0" i="1" smtClean="0">
+                      <a:rPr lang="en-US" altLang="zh-TW" i="1">
                         <a:latin typeface="Cambria Math" panose="02040503050406030204" pitchFamily="18" charset="0"/>
                         <a:ea typeface="微軟正黑體" panose="020B0604030504040204" pitchFamily="34" charset="-120"/>
                         <a:cs typeface="Times New Roman" panose="02020603050405020304" pitchFamily="18" charset="0"/>
@@ -4598,7 +4979,7 @@
                     <m:sSup>
                       <m:sSupPr>
                         <m:ctrlPr>
-                          <a:rPr lang="en-US" altLang="zh-TW" b="0" i="1" smtClean="0">
+                          <a:rPr lang="en-US" altLang="zh-TW" i="1">
                             <a:latin typeface="Cambria Math" panose="02040503050406030204" pitchFamily="18" charset="0"/>
                             <a:ea typeface="微軟正黑體" panose="020B0604030504040204" pitchFamily="34" charset="-120"/>
                             <a:cs typeface="Times New Roman" panose="02020603050405020304" pitchFamily="18" charset="0"/>
@@ -4607,7 +4988,7 @@
                       </m:sSupPr>
                       <m:e>
                         <m:r>
-                          <a:rPr lang="en-US" altLang="zh-TW" b="0" i="1" smtClean="0">
+                          <a:rPr lang="en-US" altLang="zh-TW" i="1">
                             <a:latin typeface="Cambria Math" panose="02040503050406030204" pitchFamily="18" charset="0"/>
                             <a:ea typeface="微軟正黑體" panose="020B0604030504040204" pitchFamily="34" charset="-120"/>
                             <a:cs typeface="Times New Roman" panose="02020603050405020304" pitchFamily="18" charset="0"/>
@@ -4617,7 +4998,7 @@
                       </m:e>
                       <m:sup>
                         <m:r>
-                          <a:rPr lang="en-US" altLang="zh-TW" b="0" i="1" smtClean="0">
+                          <a:rPr lang="en-US" altLang="zh-TW" i="1">
                             <a:latin typeface="Cambria Math" panose="02040503050406030204" pitchFamily="18" charset="0"/>
                             <a:ea typeface="微軟正黑體" panose="020B0604030504040204" pitchFamily="34" charset="-120"/>
                             <a:cs typeface="Times New Roman" panose="02020603050405020304" pitchFamily="18" charset="0"/>
@@ -4629,7 +5010,7 @@
                     <m:d>
                       <m:dPr>
                         <m:ctrlPr>
-                          <a:rPr lang="en-US" altLang="zh-TW" b="0" i="1" smtClean="0">
+                          <a:rPr lang="en-US" altLang="zh-TW" i="1">
                             <a:latin typeface="Cambria Math" panose="02040503050406030204" pitchFamily="18" charset="0"/>
                             <a:ea typeface="微軟正黑體" panose="020B0604030504040204" pitchFamily="34" charset="-120"/>
                             <a:cs typeface="Times New Roman" panose="02020603050405020304" pitchFamily="18" charset="0"/>
@@ -4638,7 +5019,7 @@
                       </m:dPr>
                       <m:e>
                         <m:r>
-                          <a:rPr lang="en-US" altLang="zh-TW" b="0" i="1" smtClean="0">
+                          <a:rPr lang="en-US" altLang="zh-TW" i="1">
                             <a:latin typeface="Cambria Math" panose="02040503050406030204" pitchFamily="18" charset="0"/>
                             <a:ea typeface="微軟正黑體" panose="020B0604030504040204" pitchFamily="34" charset="-120"/>
                             <a:cs typeface="Times New Roman" panose="02020603050405020304" pitchFamily="18" charset="0"/>
@@ -4649,9 +5030,691 @@
                     </m:d>
                   </m:oMath>
                 </a14:m>
+                <a:endParaRPr lang="zh-TW" altLang="en-US" dirty="0"/>
+              </a:p>
+            </p:txBody>
+          </p:sp>
+        </mc:Choice>
+        <mc:Fallback>
+          <p:sp>
+            <p:nvSpPr>
+              <p:cNvPr id="11" name="文字方塊 10"/>
+              <p:cNvSpPr txBox="1">
+                <a:spLocks noRot="1" noChangeAspect="1" noMove="1" noResize="1" noEditPoints="1" noAdjustHandles="1" noChangeArrowheads="1" noChangeShapeType="1" noTextEdit="1"/>
+              </p:cNvSpPr>
+              <p:nvPr/>
+            </p:nvSpPr>
+            <p:spPr>
+              <a:xfrm>
+                <a:off x="0" y="3073590"/>
+                <a:ext cx="4175695" cy="369332"/>
+              </a:xfrm>
+              <a:prstGeom prst="rect">
+                <a:avLst/>
+              </a:prstGeom>
+              <a:blipFill>
+                <a:blip r:embed="rId8"/>
+                <a:stretch>
+                  <a:fillRect l="-876" t="-3279" b="-18033"/>
+                </a:stretch>
+              </a:blipFill>
+            </p:spPr>
+            <p:txBody>
+              <a:bodyPr/>
+              <a:lstStyle/>
+              <a:p>
+                <a:r>
+                  <a:rPr lang="zh-TW" altLang="en-US">
+                    <a:noFill/>
+                  </a:rPr>
+                  <a:t> </a:t>
+                </a:r>
+              </a:p>
+            </p:txBody>
+          </p:sp>
+        </mc:Fallback>
+      </mc:AlternateContent>
+      <mc:AlternateContent xmlns:mc="http://schemas.openxmlformats.org/markup-compatibility/2006">
+        <mc:Choice xmlns:a14="http://schemas.microsoft.com/office/drawing/2010/main" Requires="a14">
+          <p:sp>
+            <p:nvSpPr>
+              <p:cNvPr id="12" name="文字方塊 11"/>
+              <p:cNvSpPr txBox="1"/>
+              <p:nvPr/>
+            </p:nvSpPr>
+            <p:spPr>
+              <a:xfrm>
+                <a:off x="0" y="3336438"/>
+                <a:ext cx="10434716" cy="811761"/>
+              </a:xfrm>
+              <a:prstGeom prst="rect">
+                <a:avLst/>
+              </a:prstGeom>
+              <a:noFill/>
+            </p:spPr>
+            <p:txBody>
+              <a:bodyPr wrap="none" rtlCol="0">
+                <a:spAutoFit/>
+              </a:bodyPr>
+              <a:lstStyle/>
+              <a:p>
+                <a:pPr marL="285750" indent="-285750">
+                  <a:buFont typeface="Wingdings" panose="05000000000000000000" pitchFamily="2" charset="2"/>
+                  <a:buChar char="p"/>
+                </a:pPr>
+                <a14:m>
+                  <m:oMath xmlns:m="http://schemas.openxmlformats.org/officeDocument/2006/math">
+                    <m:r>
+                      <m:rPr>
+                        <m:sty m:val="p"/>
+                      </m:rPr>
+                      <a:rPr lang="en-US" altLang="zh-TW" i="1" smtClean="0">
+                        <a:latin typeface="Cambria Math" panose="02040503050406030204" pitchFamily="18" charset="0"/>
+                        <a:ea typeface="微軟正黑體" panose="020B0604030504040204" pitchFamily="34" charset="-120"/>
+                        <a:cs typeface="Times New Roman" panose="02020603050405020304" pitchFamily="18" charset="0"/>
+                      </a:rPr>
+                      <m:t>M</m:t>
+                    </m:r>
+                  </m:oMath>
+                </a14:m>
+                <a:r>
+                  <a:rPr lang="en-US" altLang="zh-TW" dirty="0" smtClean="0">
+                    <a:latin typeface="Times New Roman" panose="02020603050405020304" pitchFamily="18" charset="0"/>
+                    <a:cs typeface="Times New Roman" panose="02020603050405020304" pitchFamily="18" charset="0"/>
+                  </a:rPr>
+                  <a:t>odified duo-binary : </a:t>
+                </a:r>
+                <a14:m>
+                  <m:oMath xmlns:m="http://schemas.openxmlformats.org/officeDocument/2006/math">
+                    <m:sSub>
+                      <m:sSubPr>
+                        <m:ctrlPr>
+                          <a:rPr lang="en-US" altLang="zh-TW" b="0" i="1" smtClean="0">
+                            <a:latin typeface="Cambria Math" panose="02040503050406030204" pitchFamily="18" charset="0"/>
+                            <a:cs typeface="Times New Roman" panose="02020603050405020304" pitchFamily="18" charset="0"/>
+                          </a:rPr>
+                        </m:ctrlPr>
+                      </m:sSubPr>
+                      <m:e>
+                        <m:r>
+                          <a:rPr lang="en-US" altLang="zh-TW" b="0" i="1" smtClean="0">
+                            <a:latin typeface="Cambria Math" panose="02040503050406030204" pitchFamily="18" charset="0"/>
+                            <a:cs typeface="Times New Roman" panose="02020603050405020304" pitchFamily="18" charset="0"/>
+                          </a:rPr>
+                          <m:t>𝑃</m:t>
+                        </m:r>
+                      </m:e>
+                      <m:sub>
+                        <m:r>
+                          <a:rPr lang="en-US" altLang="zh-TW" b="0" i="1" smtClean="0">
+                            <a:latin typeface="Cambria Math" panose="02040503050406030204" pitchFamily="18" charset="0"/>
+                            <a:cs typeface="Times New Roman" panose="02020603050405020304" pitchFamily="18" charset="0"/>
+                          </a:rPr>
+                          <m:t>𝑛</m:t>
+                        </m:r>
+                      </m:sub>
+                    </m:sSub>
+                    <m:r>
+                      <a:rPr lang="en-US" altLang="zh-TW" b="0" i="1" smtClean="0">
+                        <a:latin typeface="Cambria Math" panose="02040503050406030204" pitchFamily="18" charset="0"/>
+                        <a:cs typeface="Times New Roman" panose="02020603050405020304" pitchFamily="18" charset="0"/>
+                      </a:rPr>
+                      <m:t>=</m:t>
+                    </m:r>
+                    <m:d>
+                      <m:dPr>
+                        <m:ctrlPr>
+                          <a:rPr lang="en-US" altLang="zh-TW" b="0" i="1" smtClean="0">
+                            <a:latin typeface="Cambria Math" panose="02040503050406030204" pitchFamily="18" charset="0"/>
+                            <a:cs typeface="Times New Roman" panose="02020603050405020304" pitchFamily="18" charset="0"/>
+                          </a:rPr>
+                        </m:ctrlPr>
+                      </m:dPr>
+                      <m:e>
+                        <m:sSub>
+                          <m:sSubPr>
+                            <m:ctrlPr>
+                              <a:rPr lang="en-US" altLang="zh-TW" b="0" i="1" smtClean="0">
+                                <a:latin typeface="Cambria Math" panose="02040503050406030204" pitchFamily="18" charset="0"/>
+                                <a:cs typeface="Times New Roman" panose="02020603050405020304" pitchFamily="18" charset="0"/>
+                              </a:rPr>
+                            </m:ctrlPr>
+                          </m:sSubPr>
+                          <m:e>
+                            <m:r>
+                              <a:rPr lang="en-US" altLang="zh-TW" b="0" i="1" smtClean="0">
+                                <a:latin typeface="Cambria Math" panose="02040503050406030204" pitchFamily="18" charset="0"/>
+                                <a:cs typeface="Times New Roman" panose="02020603050405020304" pitchFamily="18" charset="0"/>
+                              </a:rPr>
+                              <m:t>𝐷</m:t>
+                            </m:r>
+                          </m:e>
+                          <m:sub>
+                            <m:r>
+                              <a:rPr lang="en-US" altLang="zh-TW" b="0" i="1" smtClean="0">
+                                <a:latin typeface="Cambria Math" panose="02040503050406030204" pitchFamily="18" charset="0"/>
+                                <a:cs typeface="Times New Roman" panose="02020603050405020304" pitchFamily="18" charset="0"/>
+                              </a:rPr>
+                              <m:t>𝑛</m:t>
+                            </m:r>
+                          </m:sub>
+                        </m:sSub>
+                        <m:r>
+                          <a:rPr lang="en-US" altLang="zh-TW" b="0" i="1" smtClean="0">
+                            <a:latin typeface="Cambria Math" panose="02040503050406030204" pitchFamily="18" charset="0"/>
+                            <a:cs typeface="Times New Roman" panose="02020603050405020304" pitchFamily="18" charset="0"/>
+                          </a:rPr>
+                          <m:t>−</m:t>
+                        </m:r>
+                        <m:sSub>
+                          <m:sSubPr>
+                            <m:ctrlPr>
+                              <a:rPr lang="en-US" altLang="zh-TW" b="0" i="1" smtClean="0">
+                                <a:latin typeface="Cambria Math" panose="02040503050406030204" pitchFamily="18" charset="0"/>
+                                <a:cs typeface="Times New Roman" panose="02020603050405020304" pitchFamily="18" charset="0"/>
+                              </a:rPr>
+                            </m:ctrlPr>
+                          </m:sSubPr>
+                          <m:e>
+                            <m:r>
+                              <a:rPr lang="en-US" altLang="zh-TW" b="0" i="1" smtClean="0">
+                                <a:latin typeface="Cambria Math" panose="02040503050406030204" pitchFamily="18" charset="0"/>
+                                <a:cs typeface="Times New Roman" panose="02020603050405020304" pitchFamily="18" charset="0"/>
+                              </a:rPr>
+                              <m:t>𝑃</m:t>
+                            </m:r>
+                          </m:e>
+                          <m:sub>
+                            <m:r>
+                              <a:rPr lang="en-US" altLang="zh-TW" b="0" i="1" smtClean="0">
+                                <a:latin typeface="Cambria Math" panose="02040503050406030204" pitchFamily="18" charset="0"/>
+                                <a:cs typeface="Times New Roman" panose="02020603050405020304" pitchFamily="18" charset="0"/>
+                              </a:rPr>
+                              <m:t>𝑛</m:t>
+                            </m:r>
+                            <m:r>
+                              <a:rPr lang="en-US" altLang="zh-TW" b="0" i="1" smtClean="0">
+                                <a:latin typeface="Cambria Math" panose="02040503050406030204" pitchFamily="18" charset="0"/>
+                                <a:cs typeface="Times New Roman" panose="02020603050405020304" pitchFamily="18" charset="0"/>
+                              </a:rPr>
+                              <m:t>−2</m:t>
+                            </m:r>
+                          </m:sub>
+                        </m:sSub>
+                      </m:e>
+                    </m:d>
+                    <m:r>
+                      <a:rPr lang="en-US" altLang="zh-TW" b="0" i="1" smtClean="0">
+                        <a:latin typeface="Cambria Math" panose="02040503050406030204" pitchFamily="18" charset="0"/>
+                        <a:cs typeface="Times New Roman" panose="02020603050405020304" pitchFamily="18" charset="0"/>
+                      </a:rPr>
+                      <m:t> </m:t>
+                    </m:r>
+                    <m:r>
+                      <a:rPr lang="en-US" altLang="zh-TW" b="0" i="1" smtClean="0">
+                        <a:latin typeface="Cambria Math" panose="02040503050406030204" pitchFamily="18" charset="0"/>
+                        <a:cs typeface="Times New Roman" panose="02020603050405020304" pitchFamily="18" charset="0"/>
+                      </a:rPr>
+                      <m:t>𝑚𝑜𝑑</m:t>
+                    </m:r>
+                    <m:r>
+                      <a:rPr lang="en-US" altLang="zh-TW" b="0" i="1" smtClean="0">
+                        <a:latin typeface="Cambria Math" panose="02040503050406030204" pitchFamily="18" charset="0"/>
+                        <a:cs typeface="Times New Roman" panose="02020603050405020304" pitchFamily="18" charset="0"/>
+                      </a:rPr>
+                      <m:t> 2 ; </m:t>
+                    </m:r>
+                    <m:sSub>
+                      <m:sSubPr>
+                        <m:ctrlPr>
+                          <a:rPr lang="en-US" altLang="zh-TW" b="0" i="1" smtClean="0">
+                            <a:latin typeface="Cambria Math" panose="02040503050406030204" pitchFamily="18" charset="0"/>
+                            <a:cs typeface="Times New Roman" panose="02020603050405020304" pitchFamily="18" charset="0"/>
+                          </a:rPr>
+                        </m:ctrlPr>
+                      </m:sSubPr>
+                      <m:e>
+                        <m:r>
+                          <a:rPr lang="en-US" altLang="zh-TW" b="0" i="1" smtClean="0">
+                            <a:latin typeface="Cambria Math" panose="02040503050406030204" pitchFamily="18" charset="0"/>
+                            <a:cs typeface="Times New Roman" panose="02020603050405020304" pitchFamily="18" charset="0"/>
+                          </a:rPr>
+                          <m:t>𝐼</m:t>
+                        </m:r>
+                      </m:e>
+                      <m:sub>
+                        <m:r>
+                          <a:rPr lang="en-US" altLang="zh-TW" b="0" i="1" smtClean="0">
+                            <a:latin typeface="Cambria Math" panose="02040503050406030204" pitchFamily="18" charset="0"/>
+                            <a:cs typeface="Times New Roman" panose="02020603050405020304" pitchFamily="18" charset="0"/>
+                          </a:rPr>
+                          <m:t>𝑛</m:t>
+                        </m:r>
+                      </m:sub>
+                    </m:sSub>
+                    <m:r>
+                      <a:rPr lang="en-US" altLang="zh-TW" b="0" i="1" smtClean="0">
+                        <a:latin typeface="Cambria Math" panose="02040503050406030204" pitchFamily="18" charset="0"/>
+                        <a:cs typeface="Times New Roman" panose="02020603050405020304" pitchFamily="18" charset="0"/>
+                      </a:rPr>
+                      <m:t>=</m:t>
+                    </m:r>
+                    <m:d>
+                      <m:dPr>
+                        <m:begChr m:val="{"/>
+                        <m:endChr m:val=""/>
+                        <m:ctrlPr>
+                          <a:rPr lang="en-US" altLang="zh-TW" b="0" i="1" smtClean="0">
+                            <a:latin typeface="Cambria Math" panose="02040503050406030204" pitchFamily="18" charset="0"/>
+                            <a:cs typeface="Times New Roman" panose="02020603050405020304" pitchFamily="18" charset="0"/>
+                          </a:rPr>
+                        </m:ctrlPr>
+                      </m:dPr>
+                      <m:e>
+                        <m:eqArr>
+                          <m:eqArrPr>
+                            <m:ctrlPr>
+                              <a:rPr lang="en-US" altLang="zh-TW" b="0" i="1" smtClean="0">
+                                <a:latin typeface="Cambria Math" panose="02040503050406030204" pitchFamily="18" charset="0"/>
+                                <a:cs typeface="Times New Roman" panose="02020603050405020304" pitchFamily="18" charset="0"/>
+                              </a:rPr>
+                            </m:ctrlPr>
+                          </m:eqArrPr>
+                          <m:e>
+                            <m:r>
+                              <a:rPr lang="en-US" altLang="zh-TW" b="0" i="1" smtClean="0">
+                                <a:latin typeface="Cambria Math" panose="02040503050406030204" pitchFamily="18" charset="0"/>
+                                <a:cs typeface="Times New Roman" panose="02020603050405020304" pitchFamily="18" charset="0"/>
+                              </a:rPr>
+                              <m:t>   1 ;</m:t>
+                            </m:r>
+                            <m:sSub>
+                              <m:sSubPr>
+                                <m:ctrlPr>
+                                  <a:rPr lang="en-US" altLang="zh-TW" b="0" i="1" smtClean="0">
+                                    <a:latin typeface="Cambria Math" panose="02040503050406030204" pitchFamily="18" charset="0"/>
+                                    <a:cs typeface="Times New Roman" panose="02020603050405020304" pitchFamily="18" charset="0"/>
+                                  </a:rPr>
+                                </m:ctrlPr>
+                              </m:sSubPr>
+                              <m:e>
+                                <m:r>
+                                  <a:rPr lang="en-US" altLang="zh-TW" b="0" i="1" smtClean="0">
+                                    <a:latin typeface="Cambria Math" panose="02040503050406030204" pitchFamily="18" charset="0"/>
+                                    <a:cs typeface="Times New Roman" panose="02020603050405020304" pitchFamily="18" charset="0"/>
+                                  </a:rPr>
+                                  <m:t>𝑃</m:t>
+                                </m:r>
+                              </m:e>
+                              <m:sub>
+                                <m:r>
+                                  <a:rPr lang="en-US" altLang="zh-TW" b="0" i="1" smtClean="0">
+                                    <a:latin typeface="Cambria Math" panose="02040503050406030204" pitchFamily="18" charset="0"/>
+                                    <a:cs typeface="Times New Roman" panose="02020603050405020304" pitchFamily="18" charset="0"/>
+                                  </a:rPr>
+                                  <m:t>𝑛</m:t>
+                                </m:r>
+                              </m:sub>
+                            </m:sSub>
+                            <m:r>
+                              <a:rPr lang="en-US" altLang="zh-TW" b="0" i="1" smtClean="0">
+                                <a:latin typeface="Cambria Math" panose="02040503050406030204" pitchFamily="18" charset="0"/>
+                                <a:cs typeface="Times New Roman" panose="02020603050405020304" pitchFamily="18" charset="0"/>
+                              </a:rPr>
+                              <m:t>=1</m:t>
+                            </m:r>
+                          </m:e>
+                          <m:e>
+                            <m:r>
+                              <a:rPr lang="en-US" altLang="zh-TW" b="0" i="1" smtClean="0">
+                                <a:latin typeface="Cambria Math" panose="02040503050406030204" pitchFamily="18" charset="0"/>
+                                <a:cs typeface="Times New Roman" panose="02020603050405020304" pitchFamily="18" charset="0"/>
+                              </a:rPr>
+                              <m:t>−1 ;</m:t>
+                            </m:r>
+                            <m:sSub>
+                              <m:sSubPr>
+                                <m:ctrlPr>
+                                  <a:rPr lang="en-US" altLang="zh-TW" b="0" i="1" smtClean="0">
+                                    <a:latin typeface="Cambria Math" panose="02040503050406030204" pitchFamily="18" charset="0"/>
+                                    <a:cs typeface="Times New Roman" panose="02020603050405020304" pitchFamily="18" charset="0"/>
+                                  </a:rPr>
+                                </m:ctrlPr>
+                              </m:sSubPr>
+                              <m:e>
+                                <m:r>
+                                  <a:rPr lang="en-US" altLang="zh-TW" b="0" i="1" smtClean="0">
+                                    <a:latin typeface="Cambria Math" panose="02040503050406030204" pitchFamily="18" charset="0"/>
+                                    <a:cs typeface="Times New Roman" panose="02020603050405020304" pitchFamily="18" charset="0"/>
+                                  </a:rPr>
+                                  <m:t>𝑃</m:t>
+                                </m:r>
+                              </m:e>
+                              <m:sub>
+                                <m:r>
+                                  <a:rPr lang="en-US" altLang="zh-TW" b="0" i="1" smtClean="0">
+                                    <a:latin typeface="Cambria Math" panose="02040503050406030204" pitchFamily="18" charset="0"/>
+                                    <a:cs typeface="Times New Roman" panose="02020603050405020304" pitchFamily="18" charset="0"/>
+                                  </a:rPr>
+                                  <m:t>𝑛</m:t>
+                                </m:r>
+                              </m:sub>
+                            </m:sSub>
+                            <m:r>
+                              <a:rPr lang="en-US" altLang="zh-TW" b="0" i="1" smtClean="0">
+                                <a:latin typeface="Cambria Math" panose="02040503050406030204" pitchFamily="18" charset="0"/>
+                                <a:cs typeface="Times New Roman" panose="02020603050405020304" pitchFamily="18" charset="0"/>
+                              </a:rPr>
+                              <m:t>=0</m:t>
+                            </m:r>
+                          </m:e>
+                        </m:eqArr>
+                        <m:r>
+                          <a:rPr lang="en-US" altLang="zh-TW" b="0" i="1" smtClean="0">
+                            <a:latin typeface="Cambria Math" panose="02040503050406030204" pitchFamily="18" charset="0"/>
+                            <a:cs typeface="Times New Roman" panose="02020603050405020304" pitchFamily="18" charset="0"/>
+                          </a:rPr>
+                          <m:t> ; </m:t>
+                        </m:r>
+                        <m:sSub>
+                          <m:sSubPr>
+                            <m:ctrlPr>
+                              <a:rPr lang="en-US" altLang="zh-TW" b="0" i="1" smtClean="0">
+                                <a:latin typeface="Cambria Math" panose="02040503050406030204" pitchFamily="18" charset="0"/>
+                                <a:cs typeface="Times New Roman" panose="02020603050405020304" pitchFamily="18" charset="0"/>
+                              </a:rPr>
+                            </m:ctrlPr>
+                          </m:sSubPr>
+                          <m:e>
+                            <m:r>
+                              <a:rPr lang="en-US" altLang="zh-TW" b="0" i="1" smtClean="0">
+                                <a:latin typeface="Cambria Math" panose="02040503050406030204" pitchFamily="18" charset="0"/>
+                                <a:cs typeface="Times New Roman" panose="02020603050405020304" pitchFamily="18" charset="0"/>
+                              </a:rPr>
+                              <m:t>𝐵</m:t>
+                            </m:r>
+                          </m:e>
+                          <m:sub>
+                            <m:r>
+                              <a:rPr lang="en-US" altLang="zh-TW" b="0" i="1" smtClean="0">
+                                <a:latin typeface="Cambria Math" panose="02040503050406030204" pitchFamily="18" charset="0"/>
+                                <a:cs typeface="Times New Roman" panose="02020603050405020304" pitchFamily="18" charset="0"/>
+                              </a:rPr>
+                              <m:t>𝑛</m:t>
+                            </m:r>
+                          </m:sub>
+                        </m:sSub>
+                        <m:r>
+                          <a:rPr lang="en-US" altLang="zh-TW" b="0" i="1" smtClean="0">
+                            <a:latin typeface="Cambria Math" panose="02040503050406030204" pitchFamily="18" charset="0"/>
+                            <a:cs typeface="Times New Roman" panose="02020603050405020304" pitchFamily="18" charset="0"/>
+                          </a:rPr>
+                          <m:t>=</m:t>
+                        </m:r>
+                        <m:sSub>
+                          <m:sSubPr>
+                            <m:ctrlPr>
+                              <a:rPr lang="en-US" altLang="zh-TW" b="0" i="1" smtClean="0">
+                                <a:latin typeface="Cambria Math" panose="02040503050406030204" pitchFamily="18" charset="0"/>
+                                <a:cs typeface="Times New Roman" panose="02020603050405020304" pitchFamily="18" charset="0"/>
+                              </a:rPr>
+                            </m:ctrlPr>
+                          </m:sSubPr>
+                          <m:e>
+                            <m:r>
+                              <a:rPr lang="en-US" altLang="zh-TW" b="0" i="1" smtClean="0">
+                                <a:latin typeface="Cambria Math" panose="02040503050406030204" pitchFamily="18" charset="0"/>
+                                <a:cs typeface="Times New Roman" panose="02020603050405020304" pitchFamily="18" charset="0"/>
+                              </a:rPr>
+                              <m:t>𝐼</m:t>
+                            </m:r>
+                          </m:e>
+                          <m:sub>
+                            <m:r>
+                              <a:rPr lang="en-US" altLang="zh-TW" b="0" i="1" smtClean="0">
+                                <a:latin typeface="Cambria Math" panose="02040503050406030204" pitchFamily="18" charset="0"/>
+                                <a:cs typeface="Times New Roman" panose="02020603050405020304" pitchFamily="18" charset="0"/>
+                              </a:rPr>
+                              <m:t>𝑛</m:t>
+                            </m:r>
+                          </m:sub>
+                        </m:sSub>
+                        <m:r>
+                          <a:rPr lang="en-US" altLang="zh-TW" b="0" i="1" smtClean="0">
+                            <a:latin typeface="Cambria Math" panose="02040503050406030204" pitchFamily="18" charset="0"/>
+                            <a:cs typeface="Times New Roman" panose="02020603050405020304" pitchFamily="18" charset="0"/>
+                          </a:rPr>
+                          <m:t>−</m:t>
+                        </m:r>
+                        <m:sSub>
+                          <m:sSubPr>
+                            <m:ctrlPr>
+                              <a:rPr lang="en-US" altLang="zh-TW" b="0" i="1" smtClean="0">
+                                <a:latin typeface="Cambria Math" panose="02040503050406030204" pitchFamily="18" charset="0"/>
+                                <a:cs typeface="Times New Roman" panose="02020603050405020304" pitchFamily="18" charset="0"/>
+                              </a:rPr>
+                            </m:ctrlPr>
+                          </m:sSubPr>
+                          <m:e>
+                            <m:r>
+                              <a:rPr lang="en-US" altLang="zh-TW" b="0" i="1" smtClean="0">
+                                <a:latin typeface="Cambria Math" panose="02040503050406030204" pitchFamily="18" charset="0"/>
+                                <a:cs typeface="Times New Roman" panose="02020603050405020304" pitchFamily="18" charset="0"/>
+                              </a:rPr>
+                              <m:t>𝐼</m:t>
+                            </m:r>
+                          </m:e>
+                          <m:sub>
+                            <m:r>
+                              <a:rPr lang="en-US" altLang="zh-TW" b="0" i="1" smtClean="0">
+                                <a:latin typeface="Cambria Math" panose="02040503050406030204" pitchFamily="18" charset="0"/>
+                                <a:cs typeface="Times New Roman" panose="02020603050405020304" pitchFamily="18" charset="0"/>
+                              </a:rPr>
+                              <m:t>𝑛</m:t>
+                            </m:r>
+                            <m:r>
+                              <a:rPr lang="en-US" altLang="zh-TW" b="0" i="1" smtClean="0">
+                                <a:latin typeface="Cambria Math" panose="02040503050406030204" pitchFamily="18" charset="0"/>
+                                <a:cs typeface="Times New Roman" panose="02020603050405020304" pitchFamily="18" charset="0"/>
+                              </a:rPr>
+                              <m:t>−2</m:t>
+                            </m:r>
+                          </m:sub>
+                        </m:sSub>
+                        <m:r>
+                          <a:rPr lang="en-US" altLang="zh-TW" b="0" i="1" smtClean="0">
+                            <a:latin typeface="Cambria Math" panose="02040503050406030204" pitchFamily="18" charset="0"/>
+                            <a:cs typeface="Times New Roman" panose="02020603050405020304" pitchFamily="18" charset="0"/>
+                          </a:rPr>
+                          <m:t> ;</m:t>
+                        </m:r>
+                        <m:acc>
+                          <m:accPr>
+                            <m:chr m:val="̂"/>
+                            <m:ctrlPr>
+                              <a:rPr lang="en-US" altLang="zh-TW" b="0" i="1" smtClean="0">
+                                <a:latin typeface="Cambria Math" panose="02040503050406030204" pitchFamily="18" charset="0"/>
+                                <a:cs typeface="Times New Roman" panose="02020603050405020304" pitchFamily="18" charset="0"/>
+                              </a:rPr>
+                            </m:ctrlPr>
+                          </m:accPr>
+                          <m:e>
+                            <m:sSub>
+                              <m:sSubPr>
+                                <m:ctrlPr>
+                                  <a:rPr lang="en-US" altLang="zh-TW" b="0" i="1" smtClean="0">
+                                    <a:latin typeface="Cambria Math" panose="02040503050406030204" pitchFamily="18" charset="0"/>
+                                    <a:cs typeface="Times New Roman" panose="02020603050405020304" pitchFamily="18" charset="0"/>
+                                  </a:rPr>
+                                </m:ctrlPr>
+                              </m:sSubPr>
+                              <m:e>
+                                <m:r>
+                                  <a:rPr lang="en-US" altLang="zh-TW" b="0" i="1" smtClean="0">
+                                    <a:latin typeface="Cambria Math" panose="02040503050406030204" pitchFamily="18" charset="0"/>
+                                    <a:cs typeface="Times New Roman" panose="02020603050405020304" pitchFamily="18" charset="0"/>
+                                  </a:rPr>
+                                  <m:t> </m:t>
+                                </m:r>
+                                <m:r>
+                                  <a:rPr lang="en-US" altLang="zh-TW" b="0" i="1" smtClean="0">
+                                    <a:latin typeface="Cambria Math" panose="02040503050406030204" pitchFamily="18" charset="0"/>
+                                    <a:cs typeface="Times New Roman" panose="02020603050405020304" pitchFamily="18" charset="0"/>
+                                  </a:rPr>
+                                  <m:t>𝐷</m:t>
+                                </m:r>
+                              </m:e>
+                              <m:sub>
+                                <m:r>
+                                  <a:rPr lang="en-US" altLang="zh-TW" b="0" i="1" smtClean="0">
+                                    <a:latin typeface="Cambria Math" panose="02040503050406030204" pitchFamily="18" charset="0"/>
+                                    <a:cs typeface="Times New Roman" panose="02020603050405020304" pitchFamily="18" charset="0"/>
+                                  </a:rPr>
+                                  <m:t>𝑛</m:t>
+                                </m:r>
+                              </m:sub>
+                            </m:sSub>
+                          </m:e>
+                        </m:acc>
+                        <m:r>
+                          <a:rPr lang="en-US" altLang="zh-TW" b="0" i="1" smtClean="0">
+                            <a:latin typeface="Cambria Math" panose="02040503050406030204" pitchFamily="18" charset="0"/>
+                            <a:cs typeface="Times New Roman" panose="02020603050405020304" pitchFamily="18" charset="0"/>
+                          </a:rPr>
+                          <m:t>=</m:t>
+                        </m:r>
+                        <m:d>
+                          <m:dPr>
+                            <m:begChr m:val="{"/>
+                            <m:endChr m:val=""/>
+                            <m:ctrlPr>
+                              <a:rPr lang="en-US" altLang="zh-TW" b="0" i="1" smtClean="0">
+                                <a:latin typeface="Cambria Math" panose="02040503050406030204" pitchFamily="18" charset="0"/>
+                                <a:cs typeface="Times New Roman" panose="02020603050405020304" pitchFamily="18" charset="0"/>
+                              </a:rPr>
+                            </m:ctrlPr>
+                          </m:dPr>
+                          <m:e>
+                            <m:eqArr>
+                              <m:eqArrPr>
+                                <m:ctrlPr>
+                                  <a:rPr lang="en-US" altLang="zh-TW" b="0" i="1" smtClean="0">
+                                    <a:latin typeface="Cambria Math" panose="02040503050406030204" pitchFamily="18" charset="0"/>
+                                    <a:cs typeface="Times New Roman" panose="02020603050405020304" pitchFamily="18" charset="0"/>
+                                  </a:rPr>
+                                </m:ctrlPr>
+                              </m:eqArrPr>
+                              <m:e>
+                                <m:r>
+                                  <a:rPr lang="en-US" altLang="zh-TW" b="0" i="1" smtClean="0">
+                                    <a:latin typeface="Cambria Math" panose="02040503050406030204" pitchFamily="18" charset="0"/>
+                                    <a:cs typeface="Times New Roman" panose="02020603050405020304" pitchFamily="18" charset="0"/>
+                                  </a:rPr>
+                                  <m:t>1 ;</m:t>
+                                </m:r>
+                                <m:d>
+                                  <m:dPr>
+                                    <m:begChr m:val="|"/>
+                                    <m:endChr m:val="|"/>
+                                    <m:ctrlPr>
+                                      <a:rPr lang="en-US" altLang="zh-TW" b="0" i="1" smtClean="0">
+                                        <a:latin typeface="Cambria Math" panose="02040503050406030204" pitchFamily="18" charset="0"/>
+                                        <a:cs typeface="Times New Roman" panose="02020603050405020304" pitchFamily="18" charset="0"/>
+                                      </a:rPr>
+                                    </m:ctrlPr>
+                                  </m:dPr>
+                                  <m:e>
+                                    <m:sSub>
+                                      <m:sSubPr>
+                                        <m:ctrlPr>
+                                          <a:rPr lang="en-US" altLang="zh-TW" b="0" i="1" smtClean="0">
+                                            <a:latin typeface="Cambria Math" panose="02040503050406030204" pitchFamily="18" charset="0"/>
+                                            <a:cs typeface="Times New Roman" panose="02020603050405020304" pitchFamily="18" charset="0"/>
+                                          </a:rPr>
+                                        </m:ctrlPr>
+                                      </m:sSubPr>
+                                      <m:e>
+                                        <m:r>
+                                          <a:rPr lang="en-US" altLang="zh-TW" b="0" i="1" smtClean="0">
+                                            <a:latin typeface="Cambria Math" panose="02040503050406030204" pitchFamily="18" charset="0"/>
+                                            <a:cs typeface="Times New Roman" panose="02020603050405020304" pitchFamily="18" charset="0"/>
+                                          </a:rPr>
+                                          <m:t>𝐵</m:t>
+                                        </m:r>
+                                      </m:e>
+                                      <m:sub>
+                                        <m:r>
+                                          <a:rPr lang="en-US" altLang="zh-TW" b="0" i="1" smtClean="0">
+                                            <a:latin typeface="Cambria Math" panose="02040503050406030204" pitchFamily="18" charset="0"/>
+                                            <a:cs typeface="Times New Roman" panose="02020603050405020304" pitchFamily="18" charset="0"/>
+                                          </a:rPr>
+                                          <m:t>𝑛</m:t>
+                                        </m:r>
+                                      </m:sub>
+                                    </m:sSub>
+                                  </m:e>
+                                </m:d>
+                                <m:r>
+                                  <a:rPr lang="en-US" altLang="zh-TW" b="0" i="1" smtClean="0">
+                                    <a:latin typeface="Cambria Math" panose="02040503050406030204" pitchFamily="18" charset="0"/>
+                                    <a:cs typeface="Times New Roman" panose="02020603050405020304" pitchFamily="18" charset="0"/>
+                                  </a:rPr>
+                                  <m:t>&gt;1</m:t>
+                                </m:r>
+                              </m:e>
+                              <m:e>
+                                <m:r>
+                                  <a:rPr lang="en-US" altLang="zh-TW" b="0" i="1" smtClean="0">
+                                    <a:latin typeface="Cambria Math" panose="02040503050406030204" pitchFamily="18" charset="0"/>
+                                    <a:cs typeface="Times New Roman" panose="02020603050405020304" pitchFamily="18" charset="0"/>
+                                  </a:rPr>
+                                  <m:t>0 ;|</m:t>
+                                </m:r>
+                                <m:sSub>
+                                  <m:sSubPr>
+                                    <m:ctrlPr>
+                                      <a:rPr lang="en-US" altLang="zh-TW" b="0" i="1" smtClean="0">
+                                        <a:latin typeface="Cambria Math" panose="02040503050406030204" pitchFamily="18" charset="0"/>
+                                        <a:cs typeface="Times New Roman" panose="02020603050405020304" pitchFamily="18" charset="0"/>
+                                      </a:rPr>
+                                    </m:ctrlPr>
+                                  </m:sSubPr>
+                                  <m:e>
+                                    <m:r>
+                                      <a:rPr lang="en-US" altLang="zh-TW" b="0" i="1" smtClean="0">
+                                        <a:latin typeface="Cambria Math" panose="02040503050406030204" pitchFamily="18" charset="0"/>
+                                        <a:cs typeface="Times New Roman" panose="02020603050405020304" pitchFamily="18" charset="0"/>
+                                      </a:rPr>
+                                      <m:t>𝐵</m:t>
+                                    </m:r>
+                                  </m:e>
+                                  <m:sub>
+                                    <m:r>
+                                      <a:rPr lang="en-US" altLang="zh-TW" b="0" i="1" smtClean="0">
+                                        <a:latin typeface="Cambria Math" panose="02040503050406030204" pitchFamily="18" charset="0"/>
+                                        <a:cs typeface="Times New Roman" panose="02020603050405020304" pitchFamily="18" charset="0"/>
+                                      </a:rPr>
+                                      <m:t>𝑛</m:t>
+                                    </m:r>
+                                  </m:sub>
+                                </m:sSub>
+                                <m:r>
+                                  <a:rPr lang="en-US" altLang="zh-TW" b="0" i="1" smtClean="0">
+                                    <a:latin typeface="Cambria Math" panose="02040503050406030204" pitchFamily="18" charset="0"/>
+                                    <a:cs typeface="Times New Roman" panose="02020603050405020304" pitchFamily="18" charset="0"/>
+                                  </a:rPr>
+                                  <m:t>|&lt;1</m:t>
+                                </m:r>
+                              </m:e>
+                            </m:eqArr>
+                          </m:e>
+                        </m:d>
+                      </m:e>
+                    </m:d>
+                  </m:oMath>
+                </a14:m>
                 <a:endParaRPr lang="zh-TW" altLang="en-US" dirty="0">
                   <a:latin typeface="Times New Roman" panose="02020603050405020304" pitchFamily="18" charset="0"/>
-                  <a:ea typeface="微軟正黑體" panose="020B0604030504040204" pitchFamily="34" charset="-120"/>
                   <a:cs typeface="Times New Roman" panose="02020603050405020304" pitchFamily="18" charset="0"/>
                 </a:endParaRPr>
               </a:p>
@@ -4661,7 +5724,7 @@
         <mc:Fallback>
           <p:sp>
             <p:nvSpPr>
-              <p:cNvPr id="5" name="文字方塊 4"/>
+              <p:cNvPr id="12" name="文字方塊 11"/>
               <p:cNvSpPr txBox="1">
                 <a:spLocks noRot="1" noChangeAspect="1" noMove="1" noResize="1" noEditPoints="1" noAdjustHandles="1" noChangeArrowheads="1" noChangeShapeType="1" noTextEdit="1"/>
               </p:cNvSpPr>
@@ -4669,16 +5732,662 @@
             </p:nvSpPr>
             <p:spPr>
               <a:xfrm>
-                <a:off x="165736" y="0"/>
-                <a:ext cx="8114096" cy="2882969"/>
+                <a:off x="0" y="3336438"/>
+                <a:ext cx="10434716" cy="811761"/>
               </a:xfrm>
               <a:prstGeom prst="rect">
                 <a:avLst/>
               </a:prstGeom>
               <a:blipFill>
-                <a:blip r:embed="rId2"/>
+                <a:blip r:embed="rId9"/>
                 <a:stretch>
-                  <a:fillRect l="-451" b="-13742"/>
+                  <a:fillRect/>
+                </a:stretch>
+              </a:blipFill>
+            </p:spPr>
+            <p:txBody>
+              <a:bodyPr/>
+              <a:lstStyle/>
+              <a:p>
+                <a:r>
+                  <a:rPr lang="zh-TW" altLang="en-US">
+                    <a:noFill/>
+                  </a:rPr>
+                  <a:t> </a:t>
+                </a:r>
+              </a:p>
+            </p:txBody>
+          </p:sp>
+        </mc:Fallback>
+      </mc:AlternateContent>
+      <mc:AlternateContent xmlns:mc="http://schemas.openxmlformats.org/markup-compatibility/2006">
+        <mc:Choice xmlns:a14="http://schemas.microsoft.com/office/drawing/2010/main" Requires="a14">
+          <p:sp>
+            <p:nvSpPr>
+              <p:cNvPr id="13" name="文字方塊 12"/>
+              <p:cNvSpPr txBox="1"/>
+              <p:nvPr/>
+            </p:nvSpPr>
+            <p:spPr>
+              <a:xfrm>
+                <a:off x="0" y="4035821"/>
+                <a:ext cx="11654344" cy="485646"/>
+              </a:xfrm>
+              <a:prstGeom prst="rect">
+                <a:avLst/>
+              </a:prstGeom>
+              <a:noFill/>
+            </p:spPr>
+            <p:txBody>
+              <a:bodyPr wrap="none" rtlCol="0">
+                <a:spAutoFit/>
+              </a:bodyPr>
+              <a:lstStyle/>
+              <a:p>
+                <a:pPr marL="285750" indent="-285750">
+                  <a:buFont typeface="Wingdings" panose="05000000000000000000" pitchFamily="2" charset="2"/>
+                  <a:buChar char="p"/>
+                </a:pPr>
+                <a14:m>
+                  <m:oMath xmlns:m="http://schemas.openxmlformats.org/officeDocument/2006/math">
+                    <m:r>
+                      <m:rPr>
+                        <m:sty m:val="p"/>
+                      </m:rPr>
+                      <a:rPr lang="en-US" altLang="zh-TW" i="1" smtClean="0">
+                        <a:latin typeface="Cambria Math" panose="02040503050406030204" pitchFamily="18" charset="0"/>
+                        <a:ea typeface="微軟正黑體" panose="020B0604030504040204" pitchFamily="34" charset="-120"/>
+                        <a:cs typeface="Times New Roman" panose="02020603050405020304" pitchFamily="18" charset="0"/>
+                      </a:rPr>
+                      <m:t>M</m:t>
+                    </m:r>
+                  </m:oMath>
+                </a14:m>
+                <a:r>
+                  <a:rPr lang="en-US" altLang="zh-TW" dirty="0" smtClean="0">
+                    <a:latin typeface="Times New Roman" panose="02020603050405020304" pitchFamily="18" charset="0"/>
+                    <a:cs typeface="Times New Roman" panose="02020603050405020304" pitchFamily="18" charset="0"/>
+                  </a:rPr>
+                  <a:t>-ary duo-binary : </a:t>
+                </a:r>
+                <a14:m>
+                  <m:oMath xmlns:m="http://schemas.openxmlformats.org/officeDocument/2006/math">
+                    <m:sSub>
+                      <m:sSubPr>
+                        <m:ctrlPr>
+                          <a:rPr lang="en-US" altLang="zh-TW" b="0" i="1" smtClean="0">
+                            <a:latin typeface="Cambria Math" panose="02040503050406030204" pitchFamily="18" charset="0"/>
+                            <a:cs typeface="Times New Roman" panose="02020603050405020304" pitchFamily="18" charset="0"/>
+                          </a:rPr>
+                        </m:ctrlPr>
+                      </m:sSubPr>
+                      <m:e>
+                        <m:r>
+                          <a:rPr lang="en-US" altLang="zh-TW" b="0" i="1" smtClean="0">
+                            <a:latin typeface="Cambria Math" panose="02040503050406030204" pitchFamily="18" charset="0"/>
+                            <a:cs typeface="Times New Roman" panose="02020603050405020304" pitchFamily="18" charset="0"/>
+                          </a:rPr>
+                          <m:t>𝑃</m:t>
+                        </m:r>
+                      </m:e>
+                      <m:sub>
+                        <m:r>
+                          <a:rPr lang="en-US" altLang="zh-TW" b="0" i="1" smtClean="0">
+                            <a:latin typeface="Cambria Math" panose="02040503050406030204" pitchFamily="18" charset="0"/>
+                            <a:cs typeface="Times New Roman" panose="02020603050405020304" pitchFamily="18" charset="0"/>
+                          </a:rPr>
+                          <m:t>𝑛</m:t>
+                        </m:r>
+                      </m:sub>
+                    </m:sSub>
+                    <m:r>
+                      <a:rPr lang="en-US" altLang="zh-TW" b="0" i="1" smtClean="0">
+                        <a:latin typeface="Cambria Math" panose="02040503050406030204" pitchFamily="18" charset="0"/>
+                        <a:cs typeface="Times New Roman" panose="02020603050405020304" pitchFamily="18" charset="0"/>
+                      </a:rPr>
+                      <m:t>=</m:t>
+                    </m:r>
+                    <m:d>
+                      <m:dPr>
+                        <m:ctrlPr>
+                          <a:rPr lang="en-US" altLang="zh-TW" b="0" i="1" smtClean="0">
+                            <a:latin typeface="Cambria Math" panose="02040503050406030204" pitchFamily="18" charset="0"/>
+                            <a:cs typeface="Times New Roman" panose="02020603050405020304" pitchFamily="18" charset="0"/>
+                          </a:rPr>
+                        </m:ctrlPr>
+                      </m:dPr>
+                      <m:e>
+                        <m:sSub>
+                          <m:sSubPr>
+                            <m:ctrlPr>
+                              <a:rPr lang="en-US" altLang="zh-TW" b="0" i="1" smtClean="0">
+                                <a:latin typeface="Cambria Math" panose="02040503050406030204" pitchFamily="18" charset="0"/>
+                                <a:cs typeface="Times New Roman" panose="02020603050405020304" pitchFamily="18" charset="0"/>
+                              </a:rPr>
+                            </m:ctrlPr>
+                          </m:sSubPr>
+                          <m:e>
+                            <m:r>
+                              <a:rPr lang="en-US" altLang="zh-TW" b="0" i="1" smtClean="0">
+                                <a:latin typeface="Cambria Math" panose="02040503050406030204" pitchFamily="18" charset="0"/>
+                                <a:cs typeface="Times New Roman" panose="02020603050405020304" pitchFamily="18" charset="0"/>
+                              </a:rPr>
+                              <m:t>𝐷</m:t>
+                            </m:r>
+                          </m:e>
+                          <m:sub>
+                            <m:r>
+                              <a:rPr lang="en-US" altLang="zh-TW" b="0" i="1" smtClean="0">
+                                <a:latin typeface="Cambria Math" panose="02040503050406030204" pitchFamily="18" charset="0"/>
+                                <a:cs typeface="Times New Roman" panose="02020603050405020304" pitchFamily="18" charset="0"/>
+                              </a:rPr>
+                              <m:t>𝑛</m:t>
+                            </m:r>
+                          </m:sub>
+                        </m:sSub>
+                        <m:r>
+                          <a:rPr lang="en-US" altLang="zh-TW" b="0" i="1" smtClean="0">
+                            <a:latin typeface="Cambria Math" panose="02040503050406030204" pitchFamily="18" charset="0"/>
+                            <a:cs typeface="Times New Roman" panose="02020603050405020304" pitchFamily="18" charset="0"/>
+                          </a:rPr>
+                          <m:t>−</m:t>
+                        </m:r>
+                        <m:sSub>
+                          <m:sSubPr>
+                            <m:ctrlPr>
+                              <a:rPr lang="en-US" altLang="zh-TW" b="0" i="1" smtClean="0">
+                                <a:latin typeface="Cambria Math" panose="02040503050406030204" pitchFamily="18" charset="0"/>
+                                <a:cs typeface="Times New Roman" panose="02020603050405020304" pitchFamily="18" charset="0"/>
+                              </a:rPr>
+                            </m:ctrlPr>
+                          </m:sSubPr>
+                          <m:e>
+                            <m:r>
+                              <a:rPr lang="en-US" altLang="zh-TW" b="0" i="1" smtClean="0">
+                                <a:latin typeface="Cambria Math" panose="02040503050406030204" pitchFamily="18" charset="0"/>
+                                <a:cs typeface="Times New Roman" panose="02020603050405020304" pitchFamily="18" charset="0"/>
+                              </a:rPr>
+                              <m:t>𝑃</m:t>
+                            </m:r>
+                          </m:e>
+                          <m:sub>
+                            <m:r>
+                              <a:rPr lang="en-US" altLang="zh-TW" b="0" i="1" smtClean="0">
+                                <a:latin typeface="Cambria Math" panose="02040503050406030204" pitchFamily="18" charset="0"/>
+                                <a:cs typeface="Times New Roman" panose="02020603050405020304" pitchFamily="18" charset="0"/>
+                              </a:rPr>
+                              <m:t>𝑛</m:t>
+                            </m:r>
+                            <m:r>
+                              <a:rPr lang="en-US" altLang="zh-TW" b="0" i="1" smtClean="0">
+                                <a:latin typeface="Cambria Math" panose="02040503050406030204" pitchFamily="18" charset="0"/>
+                                <a:cs typeface="Times New Roman" panose="02020603050405020304" pitchFamily="18" charset="0"/>
+                              </a:rPr>
+                              <m:t>−1</m:t>
+                            </m:r>
+                          </m:sub>
+                        </m:sSub>
+                      </m:e>
+                    </m:d>
+                    <m:r>
+                      <a:rPr lang="en-US" altLang="zh-TW" b="0" i="1" smtClean="0">
+                        <a:latin typeface="Cambria Math" panose="02040503050406030204" pitchFamily="18" charset="0"/>
+                        <a:cs typeface="Times New Roman" panose="02020603050405020304" pitchFamily="18" charset="0"/>
+                      </a:rPr>
+                      <m:t> </m:t>
+                    </m:r>
+                    <m:r>
+                      <a:rPr lang="en-US" altLang="zh-TW" b="0" i="1" smtClean="0">
+                        <a:latin typeface="Cambria Math" panose="02040503050406030204" pitchFamily="18" charset="0"/>
+                        <a:cs typeface="Times New Roman" panose="02020603050405020304" pitchFamily="18" charset="0"/>
+                      </a:rPr>
+                      <m:t>𝑚𝑜𝑑</m:t>
+                    </m:r>
+                    <m:r>
+                      <a:rPr lang="en-US" altLang="zh-TW" b="0" i="1" smtClean="0">
+                        <a:latin typeface="Cambria Math" panose="02040503050406030204" pitchFamily="18" charset="0"/>
+                        <a:cs typeface="Times New Roman" panose="02020603050405020304" pitchFamily="18" charset="0"/>
+                      </a:rPr>
+                      <m:t> </m:t>
+                    </m:r>
+                    <m:r>
+                      <a:rPr lang="en-US" altLang="zh-TW" b="0" i="1" smtClean="0">
+                        <a:latin typeface="Cambria Math" panose="02040503050406030204" pitchFamily="18" charset="0"/>
+                        <a:cs typeface="Times New Roman" panose="02020603050405020304" pitchFamily="18" charset="0"/>
+                      </a:rPr>
+                      <m:t>𝑀</m:t>
+                    </m:r>
+                    <m:r>
+                      <a:rPr lang="en-US" altLang="zh-TW" b="0" i="1" smtClean="0">
+                        <a:latin typeface="Cambria Math" panose="02040503050406030204" pitchFamily="18" charset="0"/>
+                        <a:cs typeface="Times New Roman" panose="02020603050405020304" pitchFamily="18" charset="0"/>
+                      </a:rPr>
+                      <m:t> ; </m:t>
+                    </m:r>
+                    <m:sSub>
+                      <m:sSubPr>
+                        <m:ctrlPr>
+                          <a:rPr lang="en-US" altLang="zh-TW" b="0" i="1" smtClean="0">
+                            <a:latin typeface="Cambria Math" panose="02040503050406030204" pitchFamily="18" charset="0"/>
+                            <a:cs typeface="Times New Roman" panose="02020603050405020304" pitchFamily="18" charset="0"/>
+                          </a:rPr>
+                        </m:ctrlPr>
+                      </m:sSubPr>
+                      <m:e>
+                        <m:r>
+                          <a:rPr lang="en-US" altLang="zh-TW" b="0" i="1" smtClean="0">
+                            <a:latin typeface="Cambria Math" panose="02040503050406030204" pitchFamily="18" charset="0"/>
+                            <a:cs typeface="Times New Roman" panose="02020603050405020304" pitchFamily="18" charset="0"/>
+                          </a:rPr>
+                          <m:t>𝐼</m:t>
+                        </m:r>
+                      </m:e>
+                      <m:sub>
+                        <m:r>
+                          <a:rPr lang="en-US" altLang="zh-TW" b="0" i="1" smtClean="0">
+                            <a:latin typeface="Cambria Math" panose="02040503050406030204" pitchFamily="18" charset="0"/>
+                            <a:cs typeface="Times New Roman" panose="02020603050405020304" pitchFamily="18" charset="0"/>
+                          </a:rPr>
+                          <m:t>𝑛</m:t>
+                        </m:r>
+                      </m:sub>
+                    </m:sSub>
+                    <m:r>
+                      <a:rPr lang="en-US" altLang="zh-TW" b="0" i="1" smtClean="0">
+                        <a:latin typeface="Cambria Math" panose="02040503050406030204" pitchFamily="18" charset="0"/>
+                        <a:cs typeface="Times New Roman" panose="02020603050405020304" pitchFamily="18" charset="0"/>
+                      </a:rPr>
+                      <m:t>=</m:t>
+                    </m:r>
+                    <m:d>
+                      <m:dPr>
+                        <m:begChr m:val="["/>
+                        <m:endChr m:val="]"/>
+                        <m:ctrlPr>
+                          <a:rPr lang="en-US" altLang="zh-TW" b="0" i="1" smtClean="0">
+                            <a:latin typeface="Cambria Math" panose="02040503050406030204" pitchFamily="18" charset="0"/>
+                            <a:cs typeface="Times New Roman" panose="02020603050405020304" pitchFamily="18" charset="0"/>
+                          </a:rPr>
+                        </m:ctrlPr>
+                      </m:dPr>
+                      <m:e>
+                        <m:r>
+                          <a:rPr lang="en-US" altLang="zh-TW" b="0" i="1" smtClean="0">
+                            <a:latin typeface="Cambria Math" panose="02040503050406030204" pitchFamily="18" charset="0"/>
+                            <a:cs typeface="Times New Roman" panose="02020603050405020304" pitchFamily="18" charset="0"/>
+                          </a:rPr>
+                          <m:t>2</m:t>
+                        </m:r>
+                        <m:sSub>
+                          <m:sSubPr>
+                            <m:ctrlPr>
+                              <a:rPr lang="en-US" altLang="zh-TW" b="0" i="1" smtClean="0">
+                                <a:latin typeface="Cambria Math" panose="02040503050406030204" pitchFamily="18" charset="0"/>
+                                <a:cs typeface="Times New Roman" panose="02020603050405020304" pitchFamily="18" charset="0"/>
+                              </a:rPr>
+                            </m:ctrlPr>
+                          </m:sSubPr>
+                          <m:e>
+                            <m:r>
+                              <a:rPr lang="en-US" altLang="zh-TW" b="0" i="1" smtClean="0">
+                                <a:latin typeface="Cambria Math" panose="02040503050406030204" pitchFamily="18" charset="0"/>
+                                <a:cs typeface="Times New Roman" panose="02020603050405020304" pitchFamily="18" charset="0"/>
+                              </a:rPr>
+                              <m:t>𝑃</m:t>
+                            </m:r>
+                          </m:e>
+                          <m:sub>
+                            <m:r>
+                              <a:rPr lang="en-US" altLang="zh-TW" b="0" i="1" smtClean="0">
+                                <a:latin typeface="Cambria Math" panose="02040503050406030204" pitchFamily="18" charset="0"/>
+                                <a:cs typeface="Times New Roman" panose="02020603050405020304" pitchFamily="18" charset="0"/>
+                              </a:rPr>
+                              <m:t>𝑛</m:t>
+                            </m:r>
+                          </m:sub>
+                        </m:sSub>
+                        <m:r>
+                          <a:rPr lang="en-US" altLang="zh-TW" b="0" i="1" smtClean="0">
+                            <a:latin typeface="Cambria Math" panose="02040503050406030204" pitchFamily="18" charset="0"/>
+                            <a:cs typeface="Times New Roman" panose="02020603050405020304" pitchFamily="18" charset="0"/>
+                          </a:rPr>
+                          <m:t>−</m:t>
+                        </m:r>
+                        <m:d>
+                          <m:dPr>
+                            <m:ctrlPr>
+                              <a:rPr lang="en-US" altLang="zh-TW" b="0" i="1" smtClean="0">
+                                <a:latin typeface="Cambria Math" panose="02040503050406030204" pitchFamily="18" charset="0"/>
+                                <a:cs typeface="Times New Roman" panose="02020603050405020304" pitchFamily="18" charset="0"/>
+                              </a:rPr>
+                            </m:ctrlPr>
+                          </m:dPr>
+                          <m:e>
+                            <m:r>
+                              <a:rPr lang="en-US" altLang="zh-TW" b="0" i="1" smtClean="0">
+                                <a:latin typeface="Cambria Math" panose="02040503050406030204" pitchFamily="18" charset="0"/>
+                                <a:cs typeface="Times New Roman" panose="02020603050405020304" pitchFamily="18" charset="0"/>
+                              </a:rPr>
+                              <m:t>𝑀</m:t>
+                            </m:r>
+                            <m:r>
+                              <a:rPr lang="en-US" altLang="zh-TW" b="0" i="1" smtClean="0">
+                                <a:latin typeface="Cambria Math" panose="02040503050406030204" pitchFamily="18" charset="0"/>
+                                <a:cs typeface="Times New Roman" panose="02020603050405020304" pitchFamily="18" charset="0"/>
+                              </a:rPr>
+                              <m:t>−1</m:t>
+                            </m:r>
+                          </m:e>
+                        </m:d>
+                      </m:e>
+                    </m:d>
+                    <m:r>
+                      <a:rPr lang="en-US" altLang="zh-TW" b="0" i="1" smtClean="0">
+                        <a:latin typeface="Cambria Math" panose="02040503050406030204" pitchFamily="18" charset="0"/>
+                        <a:cs typeface="Times New Roman" panose="02020603050405020304" pitchFamily="18" charset="0"/>
+                      </a:rPr>
+                      <m:t>𝑑</m:t>
+                    </m:r>
+                    <m:r>
+                      <a:rPr lang="en-US" altLang="zh-TW" b="0" i="1" smtClean="0">
+                        <a:latin typeface="Cambria Math" panose="02040503050406030204" pitchFamily="18" charset="0"/>
+                        <a:cs typeface="Times New Roman" panose="02020603050405020304" pitchFamily="18" charset="0"/>
+                      </a:rPr>
+                      <m:t> ;</m:t>
+                    </m:r>
+                    <m:sSub>
+                      <m:sSubPr>
+                        <m:ctrlPr>
+                          <a:rPr lang="en-US" altLang="zh-TW" i="1">
+                            <a:latin typeface="Cambria Math" panose="02040503050406030204" pitchFamily="18" charset="0"/>
+                            <a:cs typeface="Times New Roman" panose="02020603050405020304" pitchFamily="18" charset="0"/>
+                          </a:rPr>
+                        </m:ctrlPr>
+                      </m:sSubPr>
+                      <m:e>
+                        <m:r>
+                          <a:rPr lang="en-US" altLang="zh-TW" i="1">
+                            <a:latin typeface="Cambria Math" panose="02040503050406030204" pitchFamily="18" charset="0"/>
+                            <a:cs typeface="Times New Roman" panose="02020603050405020304" pitchFamily="18" charset="0"/>
+                          </a:rPr>
+                          <m:t>𝐵</m:t>
+                        </m:r>
+                      </m:e>
+                      <m:sub>
+                        <m:r>
+                          <a:rPr lang="en-US" altLang="zh-TW" i="1">
+                            <a:latin typeface="Cambria Math" panose="02040503050406030204" pitchFamily="18" charset="0"/>
+                            <a:cs typeface="Times New Roman" panose="02020603050405020304" pitchFamily="18" charset="0"/>
+                          </a:rPr>
+                          <m:t>𝑛</m:t>
+                        </m:r>
+                      </m:sub>
+                    </m:sSub>
+                    <m:r>
+                      <a:rPr lang="en-US" altLang="zh-TW" i="1">
+                        <a:latin typeface="Cambria Math" panose="02040503050406030204" pitchFamily="18" charset="0"/>
+                        <a:cs typeface="Times New Roman" panose="02020603050405020304" pitchFamily="18" charset="0"/>
+                      </a:rPr>
+                      <m:t>=</m:t>
+                    </m:r>
+                    <m:sSub>
+                      <m:sSubPr>
+                        <m:ctrlPr>
+                          <a:rPr lang="en-US" altLang="zh-TW" i="1">
+                            <a:latin typeface="Cambria Math" panose="02040503050406030204" pitchFamily="18" charset="0"/>
+                            <a:cs typeface="Times New Roman" panose="02020603050405020304" pitchFamily="18" charset="0"/>
+                          </a:rPr>
+                        </m:ctrlPr>
+                      </m:sSubPr>
+                      <m:e>
+                        <m:r>
+                          <a:rPr lang="en-US" altLang="zh-TW" i="1">
+                            <a:latin typeface="Cambria Math" panose="02040503050406030204" pitchFamily="18" charset="0"/>
+                            <a:cs typeface="Times New Roman" panose="02020603050405020304" pitchFamily="18" charset="0"/>
+                          </a:rPr>
+                          <m:t>𝐼</m:t>
+                        </m:r>
+                      </m:e>
+                      <m:sub>
+                        <m:r>
+                          <a:rPr lang="en-US" altLang="zh-TW" i="1">
+                            <a:latin typeface="Cambria Math" panose="02040503050406030204" pitchFamily="18" charset="0"/>
+                            <a:cs typeface="Times New Roman" panose="02020603050405020304" pitchFamily="18" charset="0"/>
+                          </a:rPr>
+                          <m:t>𝑛</m:t>
+                        </m:r>
+                      </m:sub>
+                    </m:sSub>
+                    <m:r>
+                      <a:rPr lang="en-US" altLang="zh-TW" b="0" i="1" smtClean="0">
+                        <a:latin typeface="Cambria Math" panose="02040503050406030204" pitchFamily="18" charset="0"/>
+                        <a:cs typeface="Times New Roman" panose="02020603050405020304" pitchFamily="18" charset="0"/>
+                      </a:rPr>
+                      <m:t>+</m:t>
+                    </m:r>
+                    <m:sSub>
+                      <m:sSubPr>
+                        <m:ctrlPr>
+                          <a:rPr lang="en-US" altLang="zh-TW" i="1">
+                            <a:latin typeface="Cambria Math" panose="02040503050406030204" pitchFamily="18" charset="0"/>
+                            <a:cs typeface="Times New Roman" panose="02020603050405020304" pitchFamily="18" charset="0"/>
+                          </a:rPr>
+                        </m:ctrlPr>
+                      </m:sSubPr>
+                      <m:e>
+                        <m:r>
+                          <a:rPr lang="en-US" altLang="zh-TW" i="1">
+                            <a:latin typeface="Cambria Math" panose="02040503050406030204" pitchFamily="18" charset="0"/>
+                            <a:cs typeface="Times New Roman" panose="02020603050405020304" pitchFamily="18" charset="0"/>
+                          </a:rPr>
+                          <m:t>𝐼</m:t>
+                        </m:r>
+                      </m:e>
+                      <m:sub>
+                        <m:r>
+                          <a:rPr lang="en-US" altLang="zh-TW" i="1">
+                            <a:latin typeface="Cambria Math" panose="02040503050406030204" pitchFamily="18" charset="0"/>
+                            <a:cs typeface="Times New Roman" panose="02020603050405020304" pitchFamily="18" charset="0"/>
+                          </a:rPr>
+                          <m:t>𝑛</m:t>
+                        </m:r>
+                        <m:r>
+                          <a:rPr lang="en-US" altLang="zh-TW" b="0" i="1" smtClean="0">
+                            <a:latin typeface="Cambria Math" panose="02040503050406030204" pitchFamily="18" charset="0"/>
+                            <a:cs typeface="Times New Roman" panose="02020603050405020304" pitchFamily="18" charset="0"/>
+                          </a:rPr>
+                          <m:t>−1</m:t>
+                        </m:r>
+                      </m:sub>
+                    </m:sSub>
+                    <m:r>
+                      <a:rPr lang="en-US" altLang="zh-TW" i="1">
+                        <a:latin typeface="Cambria Math" panose="02040503050406030204" pitchFamily="18" charset="0"/>
+                        <a:cs typeface="Times New Roman" panose="02020603050405020304" pitchFamily="18" charset="0"/>
+                      </a:rPr>
+                      <m:t> ;</m:t>
+                    </m:r>
+                    <m:acc>
+                      <m:accPr>
+                        <m:chr m:val="̂"/>
+                        <m:ctrlPr>
+                          <a:rPr lang="en-US" altLang="zh-TW" i="1">
+                            <a:latin typeface="Cambria Math" panose="02040503050406030204" pitchFamily="18" charset="0"/>
+                            <a:cs typeface="Times New Roman" panose="02020603050405020304" pitchFamily="18" charset="0"/>
+                          </a:rPr>
+                        </m:ctrlPr>
+                      </m:accPr>
+                      <m:e>
+                        <m:sSub>
+                          <m:sSubPr>
+                            <m:ctrlPr>
+                              <a:rPr lang="en-US" altLang="zh-TW" i="1">
+                                <a:latin typeface="Cambria Math" panose="02040503050406030204" pitchFamily="18" charset="0"/>
+                                <a:cs typeface="Times New Roman" panose="02020603050405020304" pitchFamily="18" charset="0"/>
+                              </a:rPr>
+                            </m:ctrlPr>
+                          </m:sSubPr>
+                          <m:e>
+                            <m:r>
+                              <a:rPr lang="en-US" altLang="zh-TW" i="1">
+                                <a:latin typeface="Cambria Math" panose="02040503050406030204" pitchFamily="18" charset="0"/>
+                                <a:cs typeface="Times New Roman" panose="02020603050405020304" pitchFamily="18" charset="0"/>
+                              </a:rPr>
+                              <m:t> </m:t>
+                            </m:r>
+                            <m:r>
+                              <a:rPr lang="en-US" altLang="zh-TW" i="1">
+                                <a:latin typeface="Cambria Math" panose="02040503050406030204" pitchFamily="18" charset="0"/>
+                                <a:cs typeface="Times New Roman" panose="02020603050405020304" pitchFamily="18" charset="0"/>
+                              </a:rPr>
+                              <m:t>𝐷</m:t>
+                            </m:r>
+                          </m:e>
+                          <m:sub>
+                            <m:r>
+                              <a:rPr lang="en-US" altLang="zh-TW" i="1">
+                                <a:latin typeface="Cambria Math" panose="02040503050406030204" pitchFamily="18" charset="0"/>
+                                <a:cs typeface="Times New Roman" panose="02020603050405020304" pitchFamily="18" charset="0"/>
+                              </a:rPr>
+                              <m:t>𝑛</m:t>
+                            </m:r>
+                          </m:sub>
+                        </m:sSub>
+                      </m:e>
+                    </m:acc>
+                    <m:r>
+                      <a:rPr lang="en-US" altLang="zh-TW" i="1">
+                        <a:latin typeface="Cambria Math" panose="02040503050406030204" pitchFamily="18" charset="0"/>
+                        <a:cs typeface="Times New Roman" panose="02020603050405020304" pitchFamily="18" charset="0"/>
+                      </a:rPr>
+                      <m:t>=</m:t>
+                    </m:r>
+                  </m:oMath>
+                </a14:m>
+                <a:r>
+                  <a:rPr lang="en-US" altLang="zh-TW" dirty="0" smtClean="0">
+                    <a:latin typeface="Times New Roman" panose="02020603050405020304" pitchFamily="18" charset="0"/>
+                    <a:cs typeface="Times New Roman" panose="02020603050405020304" pitchFamily="18" charset="0"/>
+                  </a:rPr>
+                  <a:t>[</a:t>
+                </a:r>
+                <a14:m>
+                  <m:oMath xmlns:m="http://schemas.openxmlformats.org/officeDocument/2006/math">
+                    <m:f>
+                      <m:fPr>
+                        <m:ctrlPr>
+                          <a:rPr lang="en-US" altLang="zh-TW" i="1" dirty="0" smtClean="0">
+                            <a:latin typeface="Cambria Math" panose="02040503050406030204" pitchFamily="18" charset="0"/>
+                            <a:cs typeface="Times New Roman" panose="02020603050405020304" pitchFamily="18" charset="0"/>
+                          </a:rPr>
+                        </m:ctrlPr>
+                      </m:fPr>
+                      <m:num>
+                        <m:sSub>
+                          <m:sSubPr>
+                            <m:ctrlPr>
+                              <a:rPr lang="en-US" altLang="zh-TW" b="0" i="1" dirty="0" smtClean="0">
+                                <a:latin typeface="Cambria Math" panose="02040503050406030204" pitchFamily="18" charset="0"/>
+                                <a:cs typeface="Times New Roman" panose="02020603050405020304" pitchFamily="18" charset="0"/>
+                              </a:rPr>
+                            </m:ctrlPr>
+                          </m:sSubPr>
+                          <m:e>
+                            <m:r>
+                              <a:rPr lang="en-US" altLang="zh-TW" b="0" i="1" dirty="0" smtClean="0">
+                                <a:latin typeface="Cambria Math" panose="02040503050406030204" pitchFamily="18" charset="0"/>
+                                <a:cs typeface="Times New Roman" panose="02020603050405020304" pitchFamily="18" charset="0"/>
+                              </a:rPr>
+                              <m:t>𝐵</m:t>
+                            </m:r>
+                          </m:e>
+                          <m:sub>
+                            <m:r>
+                              <a:rPr lang="en-US" altLang="zh-TW" b="0" i="1" dirty="0" smtClean="0">
+                                <a:latin typeface="Cambria Math" panose="02040503050406030204" pitchFamily="18" charset="0"/>
+                                <a:cs typeface="Times New Roman" panose="02020603050405020304" pitchFamily="18" charset="0"/>
+                              </a:rPr>
+                              <m:t>𝑛</m:t>
+                            </m:r>
+                          </m:sub>
+                        </m:sSub>
+                      </m:num>
+                      <m:den>
+                        <m:r>
+                          <a:rPr lang="en-US" altLang="zh-TW" b="0" i="1" dirty="0" smtClean="0">
+                            <a:latin typeface="Cambria Math" panose="02040503050406030204" pitchFamily="18" charset="0"/>
+                            <a:cs typeface="Times New Roman" panose="02020603050405020304" pitchFamily="18" charset="0"/>
+                          </a:rPr>
+                          <m:t>2</m:t>
+                        </m:r>
+                        <m:r>
+                          <a:rPr lang="en-US" altLang="zh-TW" b="0" i="1" dirty="0" smtClean="0">
+                            <a:latin typeface="Cambria Math" panose="02040503050406030204" pitchFamily="18" charset="0"/>
+                            <a:cs typeface="Times New Roman" panose="02020603050405020304" pitchFamily="18" charset="0"/>
+                          </a:rPr>
+                          <m:t>𝑑</m:t>
+                        </m:r>
+                      </m:den>
+                    </m:f>
+                    <m:r>
+                      <a:rPr lang="en-US" altLang="zh-TW" b="0" i="1" dirty="0" smtClean="0">
+                        <a:latin typeface="Cambria Math" panose="02040503050406030204" pitchFamily="18" charset="0"/>
+                        <a:cs typeface="Times New Roman" panose="02020603050405020304" pitchFamily="18" charset="0"/>
+                      </a:rPr>
+                      <m:t>+(</m:t>
+                    </m:r>
+                    <m:r>
+                      <a:rPr lang="en-US" altLang="zh-TW" b="0" i="1" dirty="0" smtClean="0">
+                        <a:latin typeface="Cambria Math" panose="02040503050406030204" pitchFamily="18" charset="0"/>
+                        <a:cs typeface="Times New Roman" panose="02020603050405020304" pitchFamily="18" charset="0"/>
+                      </a:rPr>
+                      <m:t>𝑀</m:t>
+                    </m:r>
+                    <m:r>
+                      <a:rPr lang="en-US" altLang="zh-TW" b="0" i="1" dirty="0" smtClean="0">
+                        <a:latin typeface="Cambria Math" panose="02040503050406030204" pitchFamily="18" charset="0"/>
+                        <a:cs typeface="Times New Roman" panose="02020603050405020304" pitchFamily="18" charset="0"/>
+                      </a:rPr>
+                      <m:t>−1)</m:t>
+                    </m:r>
+                  </m:oMath>
+                </a14:m>
+                <a:r>
+                  <a:rPr lang="en-US" altLang="zh-TW" dirty="0" smtClean="0">
+                    <a:latin typeface="Times New Roman" panose="02020603050405020304" pitchFamily="18" charset="0"/>
+                    <a:cs typeface="Times New Roman" panose="02020603050405020304" pitchFamily="18" charset="0"/>
+                  </a:rPr>
+                  <a:t>] mod M</a:t>
+                </a:r>
+                <a:endParaRPr lang="zh-TW" altLang="en-US" dirty="0">
+                  <a:latin typeface="Times New Roman" panose="02020603050405020304" pitchFamily="18" charset="0"/>
+                  <a:cs typeface="Times New Roman" panose="02020603050405020304" pitchFamily="18" charset="0"/>
+                </a:endParaRPr>
+              </a:p>
+            </p:txBody>
+          </p:sp>
+        </mc:Choice>
+        <mc:Fallback>
+          <p:sp>
+            <p:nvSpPr>
+              <p:cNvPr id="13" name="文字方塊 12"/>
+              <p:cNvSpPr txBox="1">
+                <a:spLocks noRot="1" noChangeAspect="1" noMove="1" noResize="1" noEditPoints="1" noAdjustHandles="1" noChangeArrowheads="1" noChangeShapeType="1" noTextEdit="1"/>
+              </p:cNvSpPr>
+              <p:nvPr/>
+            </p:nvSpPr>
+            <p:spPr>
+              <a:xfrm>
+                <a:off x="0" y="4035821"/>
+                <a:ext cx="11654344" cy="485646"/>
+              </a:xfrm>
+              <a:prstGeom prst="rect">
+                <a:avLst/>
+              </a:prstGeom>
+              <a:blipFill>
+                <a:blip r:embed="rId10"/>
+                <a:stretch>
+                  <a:fillRect l="-314" b="-6250"/>
                 </a:stretch>
               </a:blipFill>
             </p:spPr>
@@ -4701,6 +6410,5699 @@
     <p:extLst>
       <p:ext uri="{BB962C8B-B14F-4D97-AF65-F5344CB8AC3E}">
         <p14:creationId xmlns:p14="http://schemas.microsoft.com/office/powerpoint/2010/main" val="2424912307"/>
+      </p:ext>
+    </p:extLst>
+  </p:cSld>
+  <p:clrMapOvr>
+    <a:masterClrMapping/>
+  </p:clrMapOvr>
+</p:sld>
+</file>
+
+<file path=ppt/slides/slide2.xml><?xml version="1.0" encoding="utf-8"?>
+<p:sld xmlns:a="http://schemas.openxmlformats.org/drawingml/2006/main" xmlns:r="http://schemas.openxmlformats.org/officeDocument/2006/relationships" xmlns:p="http://schemas.openxmlformats.org/presentationml/2006/main">
+  <p:cSld>
+    <p:spTree>
+      <p:nvGrpSpPr>
+        <p:cNvPr id="1" name=""/>
+        <p:cNvGrpSpPr/>
+        <p:nvPr/>
+      </p:nvGrpSpPr>
+      <p:grpSpPr>
+        <a:xfrm>
+          <a:off x="0" y="0"/>
+          <a:ext cx="0" cy="0"/>
+          <a:chOff x="0" y="0"/>
+          <a:chExt cx="0" cy="0"/>
+        </a:xfrm>
+      </p:grpSpPr>
+      <mc:AlternateContent xmlns:mc="http://schemas.openxmlformats.org/markup-compatibility/2006">
+        <mc:Choice xmlns:a14="http://schemas.microsoft.com/office/drawing/2010/main" Requires="a14">
+          <p:sp>
+            <p:nvSpPr>
+              <p:cNvPr id="4" name="文字方塊 3"/>
+              <p:cNvSpPr txBox="1"/>
+              <p:nvPr/>
+            </p:nvSpPr>
+            <p:spPr>
+              <a:xfrm>
+                <a:off x="2" y="0"/>
+                <a:ext cx="12191998" cy="1299715"/>
+              </a:xfrm>
+              <a:prstGeom prst="rect">
+                <a:avLst/>
+              </a:prstGeom>
+              <a:noFill/>
+            </p:spPr>
+            <p:txBody>
+              <a:bodyPr wrap="square" rtlCol="0">
+                <a:spAutoFit/>
+              </a:bodyPr>
+              <a:lstStyle/>
+              <a:p>
+                <a:pPr marL="285750" indent="-285750" algn="just">
+                  <a:buFont typeface="Wingdings" panose="05000000000000000000" pitchFamily="2" charset="2"/>
+                  <a:buChar char="p"/>
+                </a:pPr>
+                <a:r>
+                  <a:rPr lang="en-US" altLang="zh-TW" sz="1500" dirty="0" smtClean="0">
+                    <a:latin typeface="Times New Roman" panose="02020603050405020304" pitchFamily="18" charset="0"/>
+                    <a:cs typeface="Times New Roman" panose="02020603050405020304" pitchFamily="18" charset="0"/>
+                  </a:rPr>
+                  <a:t>The frequency response of a band-limited channel is represented by </a:t>
+                </a:r>
+                <a14:m>
+                  <m:oMath xmlns:m="http://schemas.openxmlformats.org/officeDocument/2006/math">
+                    <m:r>
+                      <a:rPr lang="en-US" altLang="zh-TW" sz="1500" b="0" i="1" smtClean="0">
+                        <a:latin typeface="Cambria Math" panose="02040503050406030204" pitchFamily="18" charset="0"/>
+                        <a:cs typeface="Times New Roman" panose="02020603050405020304" pitchFamily="18" charset="0"/>
+                      </a:rPr>
+                      <m:t>𝐶</m:t>
+                    </m:r>
+                    <m:d>
+                      <m:dPr>
+                        <m:ctrlPr>
+                          <a:rPr lang="en-US" altLang="zh-TW" sz="1500" b="0" i="1" smtClean="0">
+                            <a:latin typeface="Cambria Math" panose="02040503050406030204" pitchFamily="18" charset="0"/>
+                            <a:cs typeface="Times New Roman" panose="02020603050405020304" pitchFamily="18" charset="0"/>
+                          </a:rPr>
+                        </m:ctrlPr>
+                      </m:dPr>
+                      <m:e>
+                        <m:r>
+                          <a:rPr lang="en-US" altLang="zh-TW" sz="1500" b="0" i="1" smtClean="0">
+                            <a:latin typeface="Cambria Math" panose="02040503050406030204" pitchFamily="18" charset="0"/>
+                            <a:cs typeface="Times New Roman" panose="02020603050405020304" pitchFamily="18" charset="0"/>
+                          </a:rPr>
+                          <m:t>𝑓</m:t>
+                        </m:r>
+                      </m:e>
+                    </m:d>
+                    <m:r>
+                      <a:rPr lang="en-US" altLang="zh-TW" sz="1500" b="0" i="1" smtClean="0">
+                        <a:latin typeface="Cambria Math" panose="02040503050406030204" pitchFamily="18" charset="0"/>
+                        <a:cs typeface="Times New Roman" panose="02020603050405020304" pitchFamily="18" charset="0"/>
+                      </a:rPr>
+                      <m:t>=</m:t>
+                    </m:r>
+                    <m:d>
+                      <m:dPr>
+                        <m:begChr m:val="{"/>
+                        <m:endChr m:val=""/>
+                        <m:ctrlPr>
+                          <a:rPr lang="en-US" altLang="zh-TW" sz="1500" b="0" i="1" smtClean="0">
+                            <a:latin typeface="Cambria Math" panose="02040503050406030204" pitchFamily="18" charset="0"/>
+                            <a:cs typeface="Times New Roman" panose="02020603050405020304" pitchFamily="18" charset="0"/>
+                          </a:rPr>
+                        </m:ctrlPr>
+                      </m:dPr>
+                      <m:e>
+                        <m:eqArr>
+                          <m:eqArrPr>
+                            <m:ctrlPr>
+                              <a:rPr lang="en-US" altLang="zh-TW" sz="1500" b="0" i="1" smtClean="0">
+                                <a:latin typeface="Cambria Math" panose="02040503050406030204" pitchFamily="18" charset="0"/>
+                                <a:cs typeface="Times New Roman" panose="02020603050405020304" pitchFamily="18" charset="0"/>
+                              </a:rPr>
+                            </m:ctrlPr>
+                          </m:eqArrPr>
+                          <m:e>
+                            <m:r>
+                              <a:rPr lang="en-US" altLang="zh-TW" sz="1500" b="0" i="1" smtClean="0">
+                                <a:latin typeface="Cambria Math" panose="02040503050406030204" pitchFamily="18" charset="0"/>
+                                <a:cs typeface="Times New Roman" panose="02020603050405020304" pitchFamily="18" charset="0"/>
+                              </a:rPr>
+                              <m:t>1+</m:t>
+                            </m:r>
+                            <m:func>
+                              <m:funcPr>
+                                <m:ctrlPr>
+                                  <a:rPr lang="en-US" altLang="zh-TW" sz="1500" b="0" i="1" smtClean="0">
+                                    <a:latin typeface="Cambria Math" panose="02040503050406030204" pitchFamily="18" charset="0"/>
+                                    <a:cs typeface="Times New Roman" panose="02020603050405020304" pitchFamily="18" charset="0"/>
+                                  </a:rPr>
+                                </m:ctrlPr>
+                              </m:funcPr>
+                              <m:fName>
+                                <m:r>
+                                  <m:rPr>
+                                    <m:sty m:val="p"/>
+                                  </m:rPr>
+                                  <a:rPr lang="en-US" altLang="zh-TW" sz="1500" b="0" i="0" smtClean="0">
+                                    <a:latin typeface="Cambria Math" panose="02040503050406030204" pitchFamily="18" charset="0"/>
+                                    <a:cs typeface="Times New Roman" panose="02020603050405020304" pitchFamily="18" charset="0"/>
+                                  </a:rPr>
+                                  <m:t>cos</m:t>
+                                </m:r>
+                              </m:fName>
+                              <m:e>
+                                <m:d>
+                                  <m:dPr>
+                                    <m:ctrlPr>
+                                      <a:rPr lang="en-US" altLang="zh-TW" sz="1500" b="0" i="1" smtClean="0">
+                                        <a:latin typeface="Cambria Math" panose="02040503050406030204" pitchFamily="18" charset="0"/>
+                                        <a:cs typeface="Times New Roman" panose="02020603050405020304" pitchFamily="18" charset="0"/>
+                                      </a:rPr>
+                                    </m:ctrlPr>
+                                  </m:dPr>
+                                  <m:e>
+                                    <m:r>
+                                      <a:rPr lang="en-US" altLang="zh-TW" sz="1500" b="0" i="1" smtClean="0">
+                                        <a:latin typeface="Cambria Math" panose="02040503050406030204" pitchFamily="18" charset="0"/>
+                                        <a:cs typeface="Times New Roman" panose="02020603050405020304" pitchFamily="18" charset="0"/>
+                                      </a:rPr>
+                                      <m:t>2</m:t>
+                                    </m:r>
+                                    <m:r>
+                                      <a:rPr lang="en-US" altLang="zh-TW" sz="1500" b="0" i="1" smtClean="0">
+                                        <a:latin typeface="Cambria Math" panose="02040503050406030204" pitchFamily="18" charset="0"/>
+                                        <a:cs typeface="Times New Roman" panose="02020603050405020304" pitchFamily="18" charset="0"/>
+                                      </a:rPr>
+                                      <m:t>𝜋</m:t>
+                                    </m:r>
+                                    <m:r>
+                                      <a:rPr lang="en-US" altLang="zh-TW" sz="1500" b="0" i="1" smtClean="0">
+                                        <a:latin typeface="Cambria Math" panose="02040503050406030204" pitchFamily="18" charset="0"/>
+                                        <a:cs typeface="Times New Roman" panose="02020603050405020304" pitchFamily="18" charset="0"/>
+                                      </a:rPr>
+                                      <m:t>𝑓</m:t>
+                                    </m:r>
+                                    <m:sSub>
+                                      <m:sSubPr>
+                                        <m:ctrlPr>
+                                          <a:rPr lang="en-US" altLang="zh-TW" sz="1500" b="0" i="1" smtClean="0">
+                                            <a:latin typeface="Cambria Math" panose="02040503050406030204" pitchFamily="18" charset="0"/>
+                                            <a:cs typeface="Times New Roman" panose="02020603050405020304" pitchFamily="18" charset="0"/>
+                                          </a:rPr>
+                                        </m:ctrlPr>
+                                      </m:sSubPr>
+                                      <m:e>
+                                        <m:r>
+                                          <a:rPr lang="en-US" altLang="zh-TW" sz="1500" b="0" i="1" smtClean="0">
+                                            <a:latin typeface="Cambria Math" panose="02040503050406030204" pitchFamily="18" charset="0"/>
+                                            <a:cs typeface="Times New Roman" panose="02020603050405020304" pitchFamily="18" charset="0"/>
+                                          </a:rPr>
+                                          <m:t>𝜏</m:t>
+                                        </m:r>
+                                      </m:e>
+                                      <m:sub>
+                                        <m:r>
+                                          <a:rPr lang="en-US" altLang="zh-TW" sz="1500" b="0" i="1" smtClean="0">
+                                            <a:latin typeface="Cambria Math" panose="02040503050406030204" pitchFamily="18" charset="0"/>
+                                            <a:cs typeface="Times New Roman" panose="02020603050405020304" pitchFamily="18" charset="0"/>
+                                          </a:rPr>
+                                          <m:t>0</m:t>
+                                        </m:r>
+                                      </m:sub>
+                                    </m:sSub>
+                                  </m:e>
+                                </m:d>
+                              </m:e>
+                            </m:func>
+                            <m:r>
+                              <a:rPr lang="en-US" altLang="zh-TW" sz="1500" b="0" i="1" smtClean="0">
+                                <a:latin typeface="Cambria Math" panose="02040503050406030204" pitchFamily="18" charset="0"/>
+                                <a:cs typeface="Times New Roman" panose="02020603050405020304" pitchFamily="18" charset="0"/>
+                              </a:rPr>
+                              <m:t>, </m:t>
+                            </m:r>
+                            <m:d>
+                              <m:dPr>
+                                <m:begChr m:val="|"/>
+                                <m:endChr m:val="|"/>
+                                <m:ctrlPr>
+                                  <a:rPr lang="en-US" altLang="zh-TW" sz="1500" b="0" i="1" smtClean="0">
+                                    <a:latin typeface="Cambria Math" panose="02040503050406030204" pitchFamily="18" charset="0"/>
+                                    <a:cs typeface="Times New Roman" panose="02020603050405020304" pitchFamily="18" charset="0"/>
+                                  </a:rPr>
+                                </m:ctrlPr>
+                              </m:dPr>
+                              <m:e>
+                                <m:r>
+                                  <a:rPr lang="en-US" altLang="zh-TW" sz="1500" b="0" i="1" smtClean="0">
+                                    <a:latin typeface="Cambria Math" panose="02040503050406030204" pitchFamily="18" charset="0"/>
+                                    <a:cs typeface="Times New Roman" panose="02020603050405020304" pitchFamily="18" charset="0"/>
+                                  </a:rPr>
+                                  <m:t>𝑓</m:t>
+                                </m:r>
+                              </m:e>
+                            </m:d>
+                            <m:r>
+                              <a:rPr lang="en-US" altLang="zh-TW" sz="1500" b="0" i="1" smtClean="0">
+                                <a:latin typeface="Cambria Math" panose="02040503050406030204" pitchFamily="18" charset="0"/>
+                                <a:cs typeface="Times New Roman" panose="02020603050405020304" pitchFamily="18" charset="0"/>
+                              </a:rPr>
+                              <m:t>≤</m:t>
+                            </m:r>
+                            <m:r>
+                              <a:rPr lang="en-US" altLang="zh-TW" sz="1500" b="0" i="1" smtClean="0">
+                                <a:latin typeface="Cambria Math" panose="02040503050406030204" pitchFamily="18" charset="0"/>
+                                <a:cs typeface="Times New Roman" panose="02020603050405020304" pitchFamily="18" charset="0"/>
+                              </a:rPr>
+                              <m:t>𝑊</m:t>
+                            </m:r>
+                          </m:e>
+                          <m:e>
+                            <m:r>
+                              <a:rPr lang="en-US" altLang="zh-TW" sz="1500" b="0" i="1" smtClean="0">
+                                <a:latin typeface="Cambria Math" panose="02040503050406030204" pitchFamily="18" charset="0"/>
+                                <a:cs typeface="Times New Roman" panose="02020603050405020304" pitchFamily="18" charset="0"/>
+                              </a:rPr>
+                              <m:t>0   , </m:t>
+                            </m:r>
+                            <m:r>
+                              <a:rPr lang="en-US" altLang="zh-TW" sz="1500" b="0" i="1" smtClean="0">
+                                <a:latin typeface="Cambria Math" panose="02040503050406030204" pitchFamily="18" charset="0"/>
+                                <a:cs typeface="Times New Roman" panose="02020603050405020304" pitchFamily="18" charset="0"/>
+                              </a:rPr>
+                              <m:t>𝑜𝑡h𝑒𝑟𝑤𝑖𝑠𝑒</m:t>
+                            </m:r>
+                          </m:e>
+                        </m:eqArr>
+                      </m:e>
+                    </m:d>
+                  </m:oMath>
+                </a14:m>
+                <a:r>
+                  <a:rPr lang="zh-TW" altLang="en-US" sz="1500" dirty="0" smtClean="0">
+                    <a:latin typeface="Times New Roman" panose="02020603050405020304" pitchFamily="18" charset="0"/>
+                    <a:cs typeface="Times New Roman" panose="02020603050405020304" pitchFamily="18" charset="0"/>
+                  </a:rPr>
+                  <a:t> </a:t>
+                </a:r>
+                <a:r>
+                  <a:rPr lang="en-US" altLang="zh-TW" sz="1500" dirty="0" smtClean="0">
+                    <a:latin typeface="Times New Roman" panose="02020603050405020304" pitchFamily="18" charset="0"/>
+                    <a:cs typeface="Times New Roman" panose="02020603050405020304" pitchFamily="18" charset="0"/>
+                  </a:rPr>
+                  <a:t>where W is the </a:t>
+                </a:r>
+                <a:r>
+                  <a:rPr lang="en-US" altLang="zh-TW" sz="1500" dirty="0">
+                    <a:latin typeface="Times New Roman" panose="02020603050405020304" pitchFamily="18" charset="0"/>
+                    <a:cs typeface="Times New Roman" panose="02020603050405020304" pitchFamily="18" charset="0"/>
+                  </a:rPr>
+                  <a:t>channel bandwidth . A transmitter filter </a:t>
+                </a:r>
+                <a14:m>
+                  <m:oMath xmlns:m="http://schemas.openxmlformats.org/officeDocument/2006/math">
+                    <m:sSub>
+                      <m:sSubPr>
+                        <m:ctrlPr>
+                          <a:rPr lang="en-US" altLang="zh-TW" sz="1500" b="0" i="1" smtClean="0">
+                            <a:latin typeface="Cambria Math" panose="02040503050406030204" pitchFamily="18" charset="0"/>
+                            <a:cs typeface="Times New Roman" panose="02020603050405020304" pitchFamily="18" charset="0"/>
+                          </a:rPr>
+                        </m:ctrlPr>
+                      </m:sSubPr>
+                      <m:e>
+                        <m:r>
+                          <a:rPr lang="en-US" altLang="zh-TW" sz="1500" b="0" i="1" smtClean="0">
+                            <a:latin typeface="Cambria Math" panose="02040503050406030204" pitchFamily="18" charset="0"/>
+                            <a:cs typeface="Times New Roman" panose="02020603050405020304" pitchFamily="18" charset="0"/>
+                          </a:rPr>
+                          <m:t>𝑔</m:t>
+                        </m:r>
+                      </m:e>
+                      <m:sub>
+                        <m:r>
+                          <a:rPr lang="en-US" altLang="zh-TW" sz="1500" b="0" i="1" smtClean="0">
+                            <a:latin typeface="Cambria Math" panose="02040503050406030204" pitchFamily="18" charset="0"/>
+                            <a:cs typeface="Times New Roman" panose="02020603050405020304" pitchFamily="18" charset="0"/>
+                          </a:rPr>
+                          <m:t>𝑇</m:t>
+                        </m:r>
+                      </m:sub>
+                    </m:sSub>
+                    <m:r>
+                      <a:rPr lang="en-US" altLang="zh-TW" sz="1500" b="0" i="1" smtClean="0">
+                        <a:latin typeface="Cambria Math" panose="02040503050406030204" pitchFamily="18" charset="0"/>
+                        <a:cs typeface="Times New Roman" panose="02020603050405020304" pitchFamily="18" charset="0"/>
+                      </a:rPr>
+                      <m:t>(</m:t>
+                    </m:r>
+                    <m:r>
+                      <a:rPr lang="en-US" altLang="zh-TW" sz="1500" b="0" i="1" smtClean="0">
+                        <a:latin typeface="Cambria Math" panose="02040503050406030204" pitchFamily="18" charset="0"/>
+                        <a:cs typeface="Times New Roman" panose="02020603050405020304" pitchFamily="18" charset="0"/>
+                      </a:rPr>
+                      <m:t>𝑡</m:t>
+                    </m:r>
+                    <m:r>
+                      <a:rPr lang="en-US" altLang="zh-TW" sz="1500" b="0" i="1" smtClean="0">
+                        <a:latin typeface="Cambria Math" panose="02040503050406030204" pitchFamily="18" charset="0"/>
+                        <a:cs typeface="Times New Roman" panose="02020603050405020304" pitchFamily="18" charset="0"/>
+                      </a:rPr>
+                      <m:t>)</m:t>
+                    </m:r>
+                  </m:oMath>
+                </a14:m>
+                <a:r>
+                  <a:rPr lang="en-US" altLang="zh-TW" sz="1500" dirty="0" smtClean="0">
+                    <a:latin typeface="Times New Roman" panose="02020603050405020304" pitchFamily="18" charset="0"/>
+                    <a:cs typeface="Times New Roman" panose="02020603050405020304" pitchFamily="18" charset="0"/>
+                  </a:rPr>
+                  <a:t> with </a:t>
+                </a:r>
+                <a:r>
+                  <a:rPr lang="en-US" altLang="zh-TW" sz="1500" dirty="0">
+                    <a:latin typeface="Times New Roman" panose="02020603050405020304" pitchFamily="18" charset="0"/>
+                    <a:cs typeface="Times New Roman" panose="02020603050405020304" pitchFamily="18" charset="0"/>
+                  </a:rPr>
+                  <a:t>limited bandwidth </a:t>
+                </a:r>
+                <a14:m>
+                  <m:oMath xmlns:m="http://schemas.openxmlformats.org/officeDocument/2006/math">
+                    <m:d>
+                      <m:dPr>
+                        <m:begChr m:val="|"/>
+                        <m:endChr m:val="|"/>
+                        <m:ctrlPr>
+                          <a:rPr lang="en-US" altLang="zh-TW" sz="1500" b="0" i="1" smtClean="0">
+                            <a:latin typeface="Cambria Math" panose="02040503050406030204" pitchFamily="18" charset="0"/>
+                            <a:cs typeface="Times New Roman" panose="02020603050405020304" pitchFamily="18" charset="0"/>
+                          </a:rPr>
+                        </m:ctrlPr>
+                      </m:dPr>
+                      <m:e>
+                        <m:r>
+                          <a:rPr lang="en-US" altLang="zh-TW" sz="1500" b="0" i="1" smtClean="0">
+                            <a:latin typeface="Cambria Math" panose="02040503050406030204" pitchFamily="18" charset="0"/>
+                            <a:cs typeface="Times New Roman" panose="02020603050405020304" pitchFamily="18" charset="0"/>
+                          </a:rPr>
+                          <m:t>𝑓</m:t>
+                        </m:r>
+                      </m:e>
+                    </m:d>
+                    <m:r>
+                      <a:rPr lang="en-US" altLang="zh-TW" sz="1500" b="0" i="1" smtClean="0">
+                        <a:latin typeface="Cambria Math" panose="02040503050406030204" pitchFamily="18" charset="0"/>
+                        <a:cs typeface="Times New Roman" panose="02020603050405020304" pitchFamily="18" charset="0"/>
+                      </a:rPr>
+                      <m:t>≤</m:t>
+                    </m:r>
+                    <m:r>
+                      <a:rPr lang="en-US" altLang="zh-TW" sz="1500" b="0" i="1" smtClean="0">
+                        <a:latin typeface="Cambria Math" panose="02040503050406030204" pitchFamily="18" charset="0"/>
+                        <a:cs typeface="Times New Roman" panose="02020603050405020304" pitchFamily="18" charset="0"/>
+                      </a:rPr>
+                      <m:t>𝑊</m:t>
+                    </m:r>
+                  </m:oMath>
+                </a14:m>
+                <a:r>
+                  <a:rPr lang="en-US" altLang="zh-TW" sz="1500" dirty="0" smtClean="0">
+                    <a:latin typeface="Times New Roman" panose="02020603050405020304" pitchFamily="18" charset="0"/>
+                    <a:cs typeface="Times New Roman" panose="02020603050405020304" pitchFamily="18" charset="0"/>
+                  </a:rPr>
+                  <a:t> is </a:t>
+                </a:r>
+                <a:r>
+                  <a:rPr lang="en-US" altLang="zh-TW" sz="1500" dirty="0">
+                    <a:latin typeface="Times New Roman" panose="02020603050405020304" pitchFamily="18" charset="0"/>
+                    <a:cs typeface="Times New Roman" panose="02020603050405020304" pitchFamily="18" charset="0"/>
+                  </a:rPr>
+                  <a:t>applied to the transmit sequence </a:t>
+                </a:r>
+                <a:r>
+                  <a:rPr lang="en-US" altLang="zh-TW" sz="1500" dirty="0" smtClean="0">
+                    <a:latin typeface="Times New Roman" panose="02020603050405020304" pitchFamily="18" charset="0"/>
+                    <a:cs typeface="Times New Roman" panose="02020603050405020304" pitchFamily="18" charset="0"/>
+                  </a:rPr>
+                  <a:t>{</a:t>
+                </a:r>
+                <a14:m>
+                  <m:oMath xmlns:m="http://schemas.openxmlformats.org/officeDocument/2006/math">
+                    <m:sSub>
+                      <m:sSubPr>
+                        <m:ctrlPr>
+                          <a:rPr lang="en-US" altLang="zh-TW" sz="1500" b="0" i="1" smtClean="0">
+                            <a:latin typeface="Cambria Math" panose="02040503050406030204" pitchFamily="18" charset="0"/>
+                            <a:cs typeface="Times New Roman" panose="02020603050405020304" pitchFamily="18" charset="0"/>
+                          </a:rPr>
+                        </m:ctrlPr>
+                      </m:sSubPr>
+                      <m:e>
+                        <m:r>
+                          <a:rPr lang="en-US" altLang="zh-TW" sz="1500" b="0" i="1" smtClean="0">
+                            <a:latin typeface="Cambria Math" panose="02040503050406030204" pitchFamily="18" charset="0"/>
+                            <a:cs typeface="Times New Roman" panose="02020603050405020304" pitchFamily="18" charset="0"/>
+                          </a:rPr>
+                          <m:t>𝐼</m:t>
+                        </m:r>
+                      </m:e>
+                      <m:sub>
+                        <m:r>
+                          <a:rPr lang="en-US" altLang="zh-TW" sz="1500" b="0" i="1" smtClean="0">
+                            <a:latin typeface="Cambria Math" panose="02040503050406030204" pitchFamily="18" charset="0"/>
+                            <a:cs typeface="Times New Roman" panose="02020603050405020304" pitchFamily="18" charset="0"/>
+                          </a:rPr>
+                          <m:t>𝑛</m:t>
+                        </m:r>
+                      </m:sub>
+                    </m:sSub>
+                  </m:oMath>
+                </a14:m>
+                <a:r>
+                  <a:rPr lang="en-US" altLang="zh-TW" sz="1500" dirty="0" smtClean="0">
+                    <a:latin typeface="Times New Roman" panose="02020603050405020304" pitchFamily="18" charset="0"/>
+                    <a:cs typeface="Times New Roman" panose="02020603050405020304" pitchFamily="18" charset="0"/>
+                  </a:rPr>
+                  <a:t>} </a:t>
+                </a:r>
+                <a:r>
+                  <a:rPr lang="en-US" altLang="zh-TW" sz="1500" dirty="0">
+                    <a:latin typeface="Times New Roman" panose="02020603050405020304" pitchFamily="18" charset="0"/>
+                    <a:cs typeface="Times New Roman" panose="02020603050405020304" pitchFamily="18" charset="0"/>
+                  </a:rPr>
+                  <a:t>which an independent binary random sequence taking values of ±1 at the period of T with equal probability. And the signal will pass through the channel with AWGN noise n(t) and be processed by filter </a:t>
+                </a:r>
+                <a14:m>
+                  <m:oMath xmlns:m="http://schemas.openxmlformats.org/officeDocument/2006/math">
+                    <m:sSub>
+                      <m:sSubPr>
+                        <m:ctrlPr>
+                          <a:rPr lang="en-US" altLang="zh-TW" sz="1500" b="0" i="1" smtClean="0">
+                            <a:latin typeface="Cambria Math" panose="02040503050406030204" pitchFamily="18" charset="0"/>
+                            <a:cs typeface="Times New Roman" panose="02020603050405020304" pitchFamily="18" charset="0"/>
+                          </a:rPr>
+                        </m:ctrlPr>
+                      </m:sSubPr>
+                      <m:e>
+                        <m:r>
+                          <a:rPr lang="en-US" altLang="zh-TW" sz="1500" b="0" i="1" smtClean="0">
+                            <a:latin typeface="Cambria Math" panose="02040503050406030204" pitchFamily="18" charset="0"/>
+                            <a:cs typeface="Times New Roman" panose="02020603050405020304" pitchFamily="18" charset="0"/>
+                          </a:rPr>
+                          <m:t>𝑔</m:t>
+                        </m:r>
+                      </m:e>
+                      <m:sub>
+                        <m:r>
+                          <a:rPr lang="en-US" altLang="zh-TW" sz="1500" b="0" i="1" smtClean="0">
+                            <a:latin typeface="Cambria Math" panose="02040503050406030204" pitchFamily="18" charset="0"/>
+                            <a:cs typeface="Times New Roman" panose="02020603050405020304" pitchFamily="18" charset="0"/>
+                          </a:rPr>
+                          <m:t>𝑅</m:t>
+                        </m:r>
+                      </m:sub>
+                    </m:sSub>
+                    <m:r>
+                      <a:rPr lang="en-US" altLang="zh-TW" sz="1500" b="0" i="1" smtClean="0">
+                        <a:latin typeface="Cambria Math" panose="02040503050406030204" pitchFamily="18" charset="0"/>
+                        <a:cs typeface="Times New Roman" panose="02020603050405020304" pitchFamily="18" charset="0"/>
+                      </a:rPr>
+                      <m:t>(</m:t>
+                    </m:r>
+                    <m:r>
+                      <a:rPr lang="en-US" altLang="zh-TW" sz="1500" b="0" i="1" smtClean="0">
+                        <a:latin typeface="Cambria Math" panose="02040503050406030204" pitchFamily="18" charset="0"/>
+                        <a:cs typeface="Times New Roman" panose="02020603050405020304" pitchFamily="18" charset="0"/>
+                      </a:rPr>
+                      <m:t>𝑡</m:t>
+                    </m:r>
+                    <m:r>
+                      <a:rPr lang="en-US" altLang="zh-TW" sz="1500" b="0" i="1" smtClean="0">
+                        <a:latin typeface="Cambria Math" panose="02040503050406030204" pitchFamily="18" charset="0"/>
+                        <a:cs typeface="Times New Roman" panose="02020603050405020304" pitchFamily="18" charset="0"/>
+                      </a:rPr>
+                      <m:t>)</m:t>
+                    </m:r>
+                  </m:oMath>
+                </a14:m>
+                <a:r>
+                  <a:rPr lang="en-US" altLang="zh-TW" sz="1500" dirty="0" smtClean="0">
+                    <a:latin typeface="Times New Roman" panose="02020603050405020304" pitchFamily="18" charset="0"/>
+                    <a:cs typeface="Times New Roman" panose="02020603050405020304" pitchFamily="18" charset="0"/>
+                  </a:rPr>
+                  <a:t> at </a:t>
+                </a:r>
+                <a:r>
+                  <a:rPr lang="en-US" altLang="zh-TW" sz="1500" dirty="0">
+                    <a:latin typeface="Times New Roman" panose="02020603050405020304" pitchFamily="18" charset="0"/>
+                    <a:cs typeface="Times New Roman" panose="02020603050405020304" pitchFamily="18" charset="0"/>
+                  </a:rPr>
+                  <a:t>receiver to get the output y(t).</a:t>
+                </a:r>
+                <a:endParaRPr lang="zh-TW" altLang="en-US" sz="1500" dirty="0">
+                  <a:latin typeface="Times New Roman" panose="02020603050405020304" pitchFamily="18" charset="0"/>
+                  <a:cs typeface="Times New Roman" panose="02020603050405020304" pitchFamily="18" charset="0"/>
+                </a:endParaRPr>
+              </a:p>
+            </p:txBody>
+          </p:sp>
+        </mc:Choice>
+        <mc:Fallback>
+          <p:sp>
+            <p:nvSpPr>
+              <p:cNvPr id="4" name="文字方塊 3"/>
+              <p:cNvSpPr txBox="1">
+                <a:spLocks noRot="1" noChangeAspect="1" noMove="1" noResize="1" noEditPoints="1" noAdjustHandles="1" noChangeArrowheads="1" noChangeShapeType="1" noTextEdit="1"/>
+              </p:cNvSpPr>
+              <p:nvPr/>
+            </p:nvSpPr>
+            <p:spPr>
+              <a:xfrm>
+                <a:off x="2" y="0"/>
+                <a:ext cx="12191998" cy="1299715"/>
+              </a:xfrm>
+              <a:prstGeom prst="rect">
+                <a:avLst/>
+              </a:prstGeom>
+              <a:blipFill>
+                <a:blip r:embed="rId2"/>
+                <a:stretch>
+                  <a:fillRect l="-150" r="-200" b="-4225"/>
+                </a:stretch>
+              </a:blipFill>
+            </p:spPr>
+            <p:txBody>
+              <a:bodyPr/>
+              <a:lstStyle/>
+              <a:p>
+                <a:r>
+                  <a:rPr lang="zh-TW" altLang="en-US">
+                    <a:noFill/>
+                  </a:rPr>
+                  <a:t> </a:t>
+                </a:r>
+              </a:p>
+            </p:txBody>
+          </p:sp>
+        </mc:Fallback>
+      </mc:AlternateContent>
+      <p:pic>
+        <p:nvPicPr>
+          <p:cNvPr id="5" name="圖片 4"/>
+          <p:cNvPicPr>
+            <a:picLocks noChangeAspect="1"/>
+          </p:cNvPicPr>
+          <p:nvPr/>
+        </p:nvPicPr>
+        <p:blipFill>
+          <a:blip r:embed="rId3"/>
+          <a:stretch>
+            <a:fillRect/>
+          </a:stretch>
+        </p:blipFill>
+        <p:spPr>
+          <a:xfrm>
+            <a:off x="7390040" y="1074964"/>
+            <a:ext cx="4801960" cy="1002307"/>
+          </a:xfrm>
+          <a:prstGeom prst="rect">
+            <a:avLst/>
+          </a:prstGeom>
+        </p:spPr>
+      </p:pic>
+      <mc:AlternateContent xmlns:mc="http://schemas.openxmlformats.org/markup-compatibility/2006">
+        <mc:Choice xmlns:a14="http://schemas.microsoft.com/office/drawing/2010/main" Requires="a14">
+          <p:sp>
+            <p:nvSpPr>
+              <p:cNvPr id="6" name="文字方塊 5"/>
+              <p:cNvSpPr txBox="1"/>
+              <p:nvPr/>
+            </p:nvSpPr>
+            <p:spPr>
+              <a:xfrm>
+                <a:off x="243840" y="1284851"/>
+                <a:ext cx="7271657" cy="582532"/>
+              </a:xfrm>
+              <a:prstGeom prst="rect">
+                <a:avLst/>
+              </a:prstGeom>
+              <a:noFill/>
+            </p:spPr>
+            <p:txBody>
+              <a:bodyPr wrap="square" rtlCol="0">
+                <a:spAutoFit/>
+              </a:bodyPr>
+              <a:lstStyle/>
+              <a:p>
+                <a:pPr algn="just"/>
+                <a:r>
+                  <a:rPr lang="en-US" altLang="zh-TW" sz="1500" b="1" dirty="0" smtClean="0">
+                    <a:latin typeface="Times New Roman" panose="02020603050405020304" pitchFamily="18" charset="0"/>
+                    <a:cs typeface="Times New Roman" panose="02020603050405020304" pitchFamily="18" charset="0"/>
+                  </a:rPr>
+                  <a:t>(a) </a:t>
+                </a:r>
+                <a:r>
+                  <a:rPr lang="en-US" altLang="zh-TW" sz="1500" dirty="0" smtClean="0">
+                    <a:latin typeface="Times New Roman" panose="02020603050405020304" pitchFamily="18" charset="0"/>
+                    <a:cs typeface="Times New Roman" panose="02020603050405020304" pitchFamily="18" charset="0"/>
+                  </a:rPr>
+                  <a:t>Let </a:t>
+                </a:r>
+                <a14:m>
+                  <m:oMath xmlns:m="http://schemas.openxmlformats.org/officeDocument/2006/math">
+                    <m:r>
+                      <a:rPr lang="en-US" altLang="zh-TW" sz="1500" b="0" i="1" smtClean="0">
+                        <a:latin typeface="Cambria Math" panose="02040503050406030204" pitchFamily="18" charset="0"/>
+                        <a:cs typeface="Times New Roman" panose="02020603050405020304" pitchFamily="18" charset="0"/>
+                      </a:rPr>
+                      <m:t>𝑥</m:t>
+                    </m:r>
+                    <m:d>
+                      <m:dPr>
+                        <m:ctrlPr>
+                          <a:rPr lang="en-US" altLang="zh-TW" sz="1500" b="0" i="1" smtClean="0">
+                            <a:latin typeface="Cambria Math" panose="02040503050406030204" pitchFamily="18" charset="0"/>
+                            <a:cs typeface="Times New Roman" panose="02020603050405020304" pitchFamily="18" charset="0"/>
+                          </a:rPr>
+                        </m:ctrlPr>
+                      </m:dPr>
+                      <m:e>
+                        <m:r>
+                          <a:rPr lang="en-US" altLang="zh-TW" sz="1500" b="0" i="1" smtClean="0">
+                            <a:latin typeface="Cambria Math" panose="02040503050406030204" pitchFamily="18" charset="0"/>
+                            <a:cs typeface="Times New Roman" panose="02020603050405020304" pitchFamily="18" charset="0"/>
+                          </a:rPr>
+                          <m:t>𝑡</m:t>
+                        </m:r>
+                      </m:e>
+                    </m:d>
+                    <m:r>
+                      <a:rPr lang="en-US" altLang="zh-TW" sz="1500" b="0" i="1" smtClean="0">
+                        <a:latin typeface="Cambria Math" panose="02040503050406030204" pitchFamily="18" charset="0"/>
+                        <a:cs typeface="Times New Roman" panose="02020603050405020304" pitchFamily="18" charset="0"/>
+                      </a:rPr>
+                      <m:t>=</m:t>
+                    </m:r>
+                    <m:sSub>
+                      <m:sSubPr>
+                        <m:ctrlPr>
+                          <a:rPr lang="en-US" altLang="zh-TW" sz="1500" b="0" i="1" smtClean="0">
+                            <a:latin typeface="Cambria Math" panose="02040503050406030204" pitchFamily="18" charset="0"/>
+                            <a:cs typeface="Times New Roman" panose="02020603050405020304" pitchFamily="18" charset="0"/>
+                          </a:rPr>
+                        </m:ctrlPr>
+                      </m:sSubPr>
+                      <m:e>
+                        <m:r>
+                          <a:rPr lang="en-US" altLang="zh-TW" sz="1500" b="0" i="1" smtClean="0">
+                            <a:latin typeface="Cambria Math" panose="02040503050406030204" pitchFamily="18" charset="0"/>
+                            <a:cs typeface="Times New Roman" panose="02020603050405020304" pitchFamily="18" charset="0"/>
+                          </a:rPr>
+                          <m:t>𝑔</m:t>
+                        </m:r>
+                      </m:e>
+                      <m:sub>
+                        <m:r>
+                          <a:rPr lang="en-US" altLang="zh-TW" sz="1500" b="0" i="1" smtClean="0">
+                            <a:latin typeface="Cambria Math" panose="02040503050406030204" pitchFamily="18" charset="0"/>
+                            <a:cs typeface="Times New Roman" panose="02020603050405020304" pitchFamily="18" charset="0"/>
+                          </a:rPr>
+                          <m:t>𝑇</m:t>
+                        </m:r>
+                      </m:sub>
+                    </m:sSub>
+                    <m:d>
+                      <m:dPr>
+                        <m:ctrlPr>
+                          <a:rPr lang="en-US" altLang="zh-TW" sz="1500" b="0" i="1" smtClean="0">
+                            <a:latin typeface="Cambria Math" panose="02040503050406030204" pitchFamily="18" charset="0"/>
+                            <a:cs typeface="Times New Roman" panose="02020603050405020304" pitchFamily="18" charset="0"/>
+                          </a:rPr>
+                        </m:ctrlPr>
+                      </m:dPr>
+                      <m:e>
+                        <m:r>
+                          <a:rPr lang="en-US" altLang="zh-TW" sz="1500" b="0" i="1" smtClean="0">
+                            <a:latin typeface="Cambria Math" panose="02040503050406030204" pitchFamily="18" charset="0"/>
+                            <a:cs typeface="Times New Roman" panose="02020603050405020304" pitchFamily="18" charset="0"/>
+                          </a:rPr>
+                          <m:t>𝑡</m:t>
+                        </m:r>
+                      </m:e>
+                    </m:d>
+                    <m:r>
+                      <a:rPr lang="en-US" altLang="zh-TW" sz="1500" b="0" i="1" smtClean="0">
+                        <a:latin typeface="Cambria Math" panose="02040503050406030204" pitchFamily="18" charset="0"/>
+                        <a:cs typeface="Times New Roman" panose="02020603050405020304" pitchFamily="18" charset="0"/>
+                      </a:rPr>
+                      <m:t>∗</m:t>
+                    </m:r>
+                    <m:r>
+                      <a:rPr lang="en-US" altLang="zh-TW" sz="1500" b="0" i="1" smtClean="0">
+                        <a:latin typeface="Cambria Math" panose="02040503050406030204" pitchFamily="18" charset="0"/>
+                        <a:cs typeface="Times New Roman" panose="02020603050405020304" pitchFamily="18" charset="0"/>
+                      </a:rPr>
+                      <m:t>𝑐</m:t>
+                    </m:r>
+                    <m:d>
+                      <m:dPr>
+                        <m:ctrlPr>
+                          <a:rPr lang="en-US" altLang="zh-TW" sz="1500" b="0" i="1" smtClean="0">
+                            <a:latin typeface="Cambria Math" panose="02040503050406030204" pitchFamily="18" charset="0"/>
+                            <a:cs typeface="Times New Roman" panose="02020603050405020304" pitchFamily="18" charset="0"/>
+                          </a:rPr>
+                        </m:ctrlPr>
+                      </m:dPr>
+                      <m:e>
+                        <m:r>
+                          <a:rPr lang="en-US" altLang="zh-TW" sz="1500" b="0" i="1" smtClean="0">
+                            <a:latin typeface="Cambria Math" panose="02040503050406030204" pitchFamily="18" charset="0"/>
+                            <a:cs typeface="Times New Roman" panose="02020603050405020304" pitchFamily="18" charset="0"/>
+                          </a:rPr>
+                          <m:t>𝑡</m:t>
+                        </m:r>
+                      </m:e>
+                    </m:d>
+                    <m:r>
+                      <a:rPr lang="en-US" altLang="zh-TW" sz="1500" b="0" i="1" smtClean="0">
+                        <a:latin typeface="Cambria Math" panose="02040503050406030204" pitchFamily="18" charset="0"/>
+                        <a:cs typeface="Times New Roman" panose="02020603050405020304" pitchFamily="18" charset="0"/>
+                      </a:rPr>
+                      <m:t>∗</m:t>
+                    </m:r>
+                    <m:sSub>
+                      <m:sSubPr>
+                        <m:ctrlPr>
+                          <a:rPr lang="en-US" altLang="zh-TW" sz="1500" b="0" i="1" smtClean="0">
+                            <a:latin typeface="Cambria Math" panose="02040503050406030204" pitchFamily="18" charset="0"/>
+                            <a:cs typeface="Times New Roman" panose="02020603050405020304" pitchFamily="18" charset="0"/>
+                          </a:rPr>
+                        </m:ctrlPr>
+                      </m:sSubPr>
+                      <m:e>
+                        <m:r>
+                          <a:rPr lang="en-US" altLang="zh-TW" sz="1500" b="0" i="1" smtClean="0">
+                            <a:latin typeface="Cambria Math" panose="02040503050406030204" pitchFamily="18" charset="0"/>
+                            <a:cs typeface="Times New Roman" panose="02020603050405020304" pitchFamily="18" charset="0"/>
+                          </a:rPr>
+                          <m:t>𝑔</m:t>
+                        </m:r>
+                      </m:e>
+                      <m:sub>
+                        <m:r>
+                          <a:rPr lang="en-US" altLang="zh-TW" sz="1500" b="0" i="1" smtClean="0">
+                            <a:latin typeface="Cambria Math" panose="02040503050406030204" pitchFamily="18" charset="0"/>
+                            <a:cs typeface="Times New Roman" panose="02020603050405020304" pitchFamily="18" charset="0"/>
+                          </a:rPr>
+                          <m:t>𝑅</m:t>
+                        </m:r>
+                      </m:sub>
+                    </m:sSub>
+                    <m:r>
+                      <a:rPr lang="en-US" altLang="zh-TW" sz="1500" b="0" i="1" smtClean="0">
+                        <a:latin typeface="Cambria Math" panose="02040503050406030204" pitchFamily="18" charset="0"/>
+                        <a:cs typeface="Times New Roman" panose="02020603050405020304" pitchFamily="18" charset="0"/>
+                      </a:rPr>
+                      <m:t>(</m:t>
+                    </m:r>
+                    <m:r>
+                      <a:rPr lang="en-US" altLang="zh-TW" sz="1500" b="0" i="1" smtClean="0">
+                        <a:latin typeface="Cambria Math" panose="02040503050406030204" pitchFamily="18" charset="0"/>
+                        <a:cs typeface="Times New Roman" panose="02020603050405020304" pitchFamily="18" charset="0"/>
+                      </a:rPr>
+                      <m:t>𝑡</m:t>
+                    </m:r>
+                    <m:r>
+                      <a:rPr lang="en-US" altLang="zh-TW" sz="1500" b="0" i="1" smtClean="0">
+                        <a:latin typeface="Cambria Math" panose="02040503050406030204" pitchFamily="18" charset="0"/>
+                        <a:cs typeface="Times New Roman" panose="02020603050405020304" pitchFamily="18" charset="0"/>
+                      </a:rPr>
+                      <m:t>)</m:t>
+                    </m:r>
+                  </m:oMath>
+                </a14:m>
+                <a:r>
+                  <a:rPr lang="en-US" altLang="zh-TW" sz="1500" dirty="0" smtClean="0">
+                    <a:latin typeface="Times New Roman" panose="02020603050405020304" pitchFamily="18" charset="0"/>
+                    <a:cs typeface="Times New Roman" panose="02020603050405020304" pitchFamily="18" charset="0"/>
+                  </a:rPr>
+                  <a:t>, </a:t>
+                </a:r>
+                <a:r>
+                  <a:rPr lang="en-US" altLang="zh-TW" sz="1500" dirty="0">
+                    <a:latin typeface="Times New Roman" panose="02020603050405020304" pitchFamily="18" charset="0"/>
+                    <a:cs typeface="Times New Roman" panose="02020603050405020304" pitchFamily="18" charset="0"/>
+                  </a:rPr>
+                  <a:t>please write the equivalent discrete time</a:t>
+                </a:r>
+              </a:p>
+              <a:p>
+                <a:pPr algn="just"/>
+                <a:r>
+                  <a:rPr lang="en-US" altLang="zh-TW" sz="1500" dirty="0" smtClean="0">
+                    <a:latin typeface="Times New Roman" panose="02020603050405020304" pitchFamily="18" charset="0"/>
+                    <a:cs typeface="Times New Roman" panose="02020603050405020304" pitchFamily="18" charset="0"/>
+                  </a:rPr>
+                  <a:t>     expression </a:t>
+                </a:r>
+                <a:r>
+                  <a:rPr lang="en-US" altLang="zh-TW" sz="1500" dirty="0">
+                    <a:latin typeface="Times New Roman" panose="02020603050405020304" pitchFamily="18" charset="0"/>
+                    <a:cs typeface="Times New Roman" panose="02020603050405020304" pitchFamily="18" charset="0"/>
+                  </a:rPr>
+                  <a:t>at the output of the sampler </a:t>
+                </a:r>
+                <a14:m>
+                  <m:oMath xmlns:m="http://schemas.openxmlformats.org/officeDocument/2006/math">
+                    <m:sSub>
+                      <m:sSubPr>
+                        <m:ctrlPr>
+                          <a:rPr lang="en-US" altLang="zh-TW" sz="1500" b="0" i="1" smtClean="0">
+                            <a:latin typeface="Cambria Math" panose="02040503050406030204" pitchFamily="18" charset="0"/>
+                            <a:cs typeface="Times New Roman" panose="02020603050405020304" pitchFamily="18" charset="0"/>
+                          </a:rPr>
+                        </m:ctrlPr>
+                      </m:sSubPr>
+                      <m:e>
+                        <m:r>
+                          <a:rPr lang="en-US" altLang="zh-TW" sz="1500" b="0" i="1" smtClean="0">
+                            <a:latin typeface="Cambria Math" panose="02040503050406030204" pitchFamily="18" charset="0"/>
+                            <a:cs typeface="Times New Roman" panose="02020603050405020304" pitchFamily="18" charset="0"/>
+                          </a:rPr>
+                          <m:t>𝑦</m:t>
+                        </m:r>
+                      </m:e>
+                      <m:sub>
+                        <m:r>
+                          <a:rPr lang="en-US" altLang="zh-TW" sz="1500" b="0" i="1" smtClean="0">
+                            <a:latin typeface="Cambria Math" panose="02040503050406030204" pitchFamily="18" charset="0"/>
+                            <a:cs typeface="Times New Roman" panose="02020603050405020304" pitchFamily="18" charset="0"/>
+                          </a:rPr>
+                          <m:t>𝑘</m:t>
+                        </m:r>
+                      </m:sub>
+                    </m:sSub>
+                    <m:r>
+                      <a:rPr lang="en-US" altLang="zh-TW" sz="1500" b="0" i="1" smtClean="0">
+                        <a:latin typeface="Cambria Math" panose="02040503050406030204" pitchFamily="18" charset="0"/>
+                        <a:cs typeface="Times New Roman" panose="02020603050405020304" pitchFamily="18" charset="0"/>
+                      </a:rPr>
+                      <m:t>=</m:t>
+                    </m:r>
+                    <m:r>
+                      <a:rPr lang="en-US" altLang="zh-TW" sz="1500" b="0" i="1" smtClean="0">
+                        <a:latin typeface="Cambria Math" panose="02040503050406030204" pitchFamily="18" charset="0"/>
+                        <a:cs typeface="Times New Roman" panose="02020603050405020304" pitchFamily="18" charset="0"/>
+                      </a:rPr>
+                      <m:t>𝑥</m:t>
+                    </m:r>
+                    <m:r>
+                      <a:rPr lang="en-US" altLang="zh-TW" sz="1500" b="0" i="1" smtClean="0">
+                        <a:latin typeface="Cambria Math" panose="02040503050406030204" pitchFamily="18" charset="0"/>
+                        <a:cs typeface="Times New Roman" panose="02020603050405020304" pitchFamily="18" charset="0"/>
+                      </a:rPr>
+                      <m:t>(</m:t>
+                    </m:r>
+                    <m:r>
+                      <a:rPr lang="en-US" altLang="zh-TW" sz="1500" b="0" i="1" smtClean="0">
+                        <a:latin typeface="Cambria Math" panose="02040503050406030204" pitchFamily="18" charset="0"/>
+                        <a:cs typeface="Times New Roman" panose="02020603050405020304" pitchFamily="18" charset="0"/>
+                      </a:rPr>
+                      <m:t>𝑘𝑇</m:t>
+                    </m:r>
+                    <m:r>
+                      <a:rPr lang="en-US" altLang="zh-TW" sz="1500" b="0" i="1" smtClean="0">
+                        <a:latin typeface="Cambria Math" panose="02040503050406030204" pitchFamily="18" charset="0"/>
+                        <a:cs typeface="Times New Roman" panose="02020603050405020304" pitchFamily="18" charset="0"/>
+                      </a:rPr>
+                      <m:t>)</m:t>
+                    </m:r>
+                  </m:oMath>
+                </a14:m>
+                <a:r>
+                  <a:rPr lang="en-US" altLang="zh-TW" sz="1500" dirty="0" smtClean="0">
+                    <a:latin typeface="Times New Roman" panose="02020603050405020304" pitchFamily="18" charset="0"/>
+                    <a:cs typeface="Times New Roman" panose="02020603050405020304" pitchFamily="18" charset="0"/>
+                  </a:rPr>
+                  <a:t> by </a:t>
+                </a:r>
+                <a14:m>
+                  <m:oMath xmlns:m="http://schemas.openxmlformats.org/officeDocument/2006/math">
+                    <m:d>
+                      <m:dPr>
+                        <m:begChr m:val="{"/>
+                        <m:endChr m:val="}"/>
+                        <m:ctrlPr>
+                          <a:rPr lang="en-US" altLang="zh-TW" sz="1500" b="0" i="1" smtClean="0">
+                            <a:latin typeface="Cambria Math" panose="02040503050406030204" pitchFamily="18" charset="0"/>
+                            <a:cs typeface="Times New Roman" panose="02020603050405020304" pitchFamily="18" charset="0"/>
+                          </a:rPr>
+                        </m:ctrlPr>
+                      </m:dPr>
+                      <m:e>
+                        <m:sSub>
+                          <m:sSubPr>
+                            <m:ctrlPr>
+                              <a:rPr lang="en-US" altLang="zh-TW" sz="1500" b="0" i="1" smtClean="0">
+                                <a:latin typeface="Cambria Math" panose="02040503050406030204" pitchFamily="18" charset="0"/>
+                                <a:cs typeface="Times New Roman" panose="02020603050405020304" pitchFamily="18" charset="0"/>
+                              </a:rPr>
+                            </m:ctrlPr>
+                          </m:sSubPr>
+                          <m:e>
+                            <m:r>
+                              <a:rPr lang="en-US" altLang="zh-TW" sz="1500" b="0" i="1" smtClean="0">
+                                <a:latin typeface="Cambria Math" panose="02040503050406030204" pitchFamily="18" charset="0"/>
+                                <a:cs typeface="Times New Roman" panose="02020603050405020304" pitchFamily="18" charset="0"/>
+                              </a:rPr>
+                              <m:t>𝐼</m:t>
+                            </m:r>
+                          </m:e>
+                          <m:sub>
+                            <m:r>
+                              <a:rPr lang="en-US" altLang="zh-TW" sz="1500" b="0" i="1" smtClean="0">
+                                <a:latin typeface="Cambria Math" panose="02040503050406030204" pitchFamily="18" charset="0"/>
+                                <a:cs typeface="Times New Roman" panose="02020603050405020304" pitchFamily="18" charset="0"/>
+                              </a:rPr>
+                              <m:t>𝑛</m:t>
+                            </m:r>
+                          </m:sub>
+                        </m:sSub>
+                      </m:e>
+                    </m:d>
+                    <m:r>
+                      <a:rPr lang="en-US" altLang="zh-TW" sz="1500" b="0" i="1" smtClean="0">
+                        <a:latin typeface="Cambria Math" panose="02040503050406030204" pitchFamily="18" charset="0"/>
+                        <a:cs typeface="Times New Roman" panose="02020603050405020304" pitchFamily="18" charset="0"/>
+                      </a:rPr>
+                      <m:t>,</m:t>
+                    </m:r>
+                    <m:d>
+                      <m:dPr>
+                        <m:begChr m:val="{"/>
+                        <m:endChr m:val="}"/>
+                        <m:ctrlPr>
+                          <a:rPr lang="en-US" altLang="zh-TW" sz="1500" b="0" i="1" smtClean="0">
+                            <a:latin typeface="Cambria Math" panose="02040503050406030204" pitchFamily="18" charset="0"/>
+                            <a:cs typeface="Times New Roman" panose="02020603050405020304" pitchFamily="18" charset="0"/>
+                          </a:rPr>
+                        </m:ctrlPr>
+                      </m:dPr>
+                      <m:e>
+                        <m:sSub>
+                          <m:sSubPr>
+                            <m:ctrlPr>
+                              <a:rPr lang="en-US" altLang="zh-TW" sz="1500" b="0" i="1" smtClean="0">
+                                <a:latin typeface="Cambria Math" panose="02040503050406030204" pitchFamily="18" charset="0"/>
+                                <a:cs typeface="Times New Roman" panose="02020603050405020304" pitchFamily="18" charset="0"/>
+                              </a:rPr>
+                            </m:ctrlPr>
+                          </m:sSubPr>
+                          <m:e>
+                            <m:r>
+                              <a:rPr lang="en-US" altLang="zh-TW" sz="1500" b="0" i="1" smtClean="0">
+                                <a:latin typeface="Cambria Math" panose="02040503050406030204" pitchFamily="18" charset="0"/>
+                                <a:cs typeface="Times New Roman" panose="02020603050405020304" pitchFamily="18" charset="0"/>
+                              </a:rPr>
+                              <m:t>𝑥</m:t>
+                            </m:r>
+                          </m:e>
+                          <m:sub>
+                            <m:r>
+                              <a:rPr lang="en-US" altLang="zh-TW" sz="1500" b="0" i="1" smtClean="0">
+                                <a:latin typeface="Cambria Math" panose="02040503050406030204" pitchFamily="18" charset="0"/>
+                                <a:cs typeface="Times New Roman" panose="02020603050405020304" pitchFamily="18" charset="0"/>
+                              </a:rPr>
+                              <m:t>𝑘</m:t>
+                            </m:r>
+                          </m:sub>
+                        </m:sSub>
+                      </m:e>
+                    </m:d>
+                    <m:r>
+                      <a:rPr lang="en-US" altLang="zh-TW" sz="1500" b="0" i="1" smtClean="0">
+                        <a:latin typeface="Cambria Math" panose="02040503050406030204" pitchFamily="18" charset="0"/>
+                        <a:cs typeface="Times New Roman" panose="02020603050405020304" pitchFamily="18" charset="0"/>
+                      </a:rPr>
+                      <m:t>, </m:t>
+                    </m:r>
+                    <m:d>
+                      <m:dPr>
+                        <m:begChr m:val="{"/>
+                        <m:endChr m:val="}"/>
+                        <m:ctrlPr>
+                          <a:rPr lang="en-US" altLang="zh-TW" sz="1500" b="0" i="1" smtClean="0">
+                            <a:latin typeface="Cambria Math" panose="02040503050406030204" pitchFamily="18" charset="0"/>
+                            <a:cs typeface="Times New Roman" panose="02020603050405020304" pitchFamily="18" charset="0"/>
+                          </a:rPr>
+                        </m:ctrlPr>
+                      </m:dPr>
+                      <m:e>
+                        <m:sSub>
+                          <m:sSubPr>
+                            <m:ctrlPr>
+                              <a:rPr lang="en-US" altLang="zh-TW" sz="1500" b="0" i="1" smtClean="0">
+                                <a:latin typeface="Cambria Math" panose="02040503050406030204" pitchFamily="18" charset="0"/>
+                                <a:cs typeface="Times New Roman" panose="02020603050405020304" pitchFamily="18" charset="0"/>
+                              </a:rPr>
+                            </m:ctrlPr>
+                          </m:sSubPr>
+                          <m:e>
+                            <m:r>
+                              <a:rPr lang="en-US" altLang="zh-TW" sz="1500" b="0" i="1" smtClean="0">
+                                <a:latin typeface="Cambria Math" panose="02040503050406030204" pitchFamily="18" charset="0"/>
+                                <a:cs typeface="Times New Roman" panose="02020603050405020304" pitchFamily="18" charset="0"/>
+                              </a:rPr>
+                              <m:t>𝑛</m:t>
+                            </m:r>
+                          </m:e>
+                          <m:sub>
+                            <m:r>
+                              <a:rPr lang="en-US" altLang="zh-TW" sz="1500" b="0" i="1" smtClean="0">
+                                <a:latin typeface="Cambria Math" panose="02040503050406030204" pitchFamily="18" charset="0"/>
+                                <a:cs typeface="Times New Roman" panose="02020603050405020304" pitchFamily="18" charset="0"/>
+                              </a:rPr>
+                              <m:t>𝑘</m:t>
+                            </m:r>
+                          </m:sub>
+                        </m:sSub>
+                      </m:e>
+                    </m:d>
+                    <m:r>
+                      <a:rPr lang="en-US" altLang="zh-TW" sz="1500" b="0" i="1" smtClean="0">
+                        <a:latin typeface="Cambria Math" panose="02040503050406030204" pitchFamily="18" charset="0"/>
+                        <a:cs typeface="Times New Roman" panose="02020603050405020304" pitchFamily="18" charset="0"/>
+                      </a:rPr>
+                      <m:t> </m:t>
+                    </m:r>
+                    <m:r>
+                      <a:rPr lang="en-US" altLang="zh-TW" sz="1500" b="0" i="1" smtClean="0">
+                        <a:latin typeface="Cambria Math" panose="02040503050406030204" pitchFamily="18" charset="0"/>
+                        <a:cs typeface="Times New Roman" panose="02020603050405020304" pitchFamily="18" charset="0"/>
+                      </a:rPr>
+                      <m:t>𝑎𝑛𝑑</m:t>
+                    </m:r>
+                    <m:r>
+                      <a:rPr lang="en-US" altLang="zh-TW" sz="1500" b="0" i="1" smtClean="0">
+                        <a:latin typeface="Cambria Math" panose="02040503050406030204" pitchFamily="18" charset="0"/>
+                        <a:cs typeface="Times New Roman" panose="02020603050405020304" pitchFamily="18" charset="0"/>
+                      </a:rPr>
+                      <m:t> </m:t>
+                    </m:r>
+                    <m:d>
+                      <m:dPr>
+                        <m:begChr m:val="{"/>
+                        <m:endChr m:val="}"/>
+                        <m:ctrlPr>
+                          <a:rPr lang="en-US" altLang="zh-TW" sz="1500" b="0" i="1" smtClean="0">
+                            <a:latin typeface="Cambria Math" panose="02040503050406030204" pitchFamily="18" charset="0"/>
+                            <a:cs typeface="Times New Roman" panose="02020603050405020304" pitchFamily="18" charset="0"/>
+                          </a:rPr>
+                        </m:ctrlPr>
+                      </m:dPr>
+                      <m:e>
+                        <m:sSub>
+                          <m:sSubPr>
+                            <m:ctrlPr>
+                              <a:rPr lang="en-US" altLang="zh-TW" sz="1500" b="0" i="1" smtClean="0">
+                                <a:latin typeface="Cambria Math" panose="02040503050406030204" pitchFamily="18" charset="0"/>
+                                <a:cs typeface="Times New Roman" panose="02020603050405020304" pitchFamily="18" charset="0"/>
+                              </a:rPr>
+                            </m:ctrlPr>
+                          </m:sSubPr>
+                          <m:e>
+                            <m:r>
+                              <a:rPr lang="en-US" altLang="zh-TW" sz="1500" b="0" i="1" smtClean="0">
+                                <a:latin typeface="Cambria Math" panose="02040503050406030204" pitchFamily="18" charset="0"/>
+                                <a:cs typeface="Times New Roman" panose="02020603050405020304" pitchFamily="18" charset="0"/>
+                              </a:rPr>
+                              <m:t>𝑔</m:t>
+                            </m:r>
+                          </m:e>
+                          <m:sub>
+                            <m:r>
+                              <a:rPr lang="en-US" altLang="zh-TW" sz="1500" b="0" i="1" smtClean="0">
+                                <a:latin typeface="Cambria Math" panose="02040503050406030204" pitchFamily="18" charset="0"/>
+                                <a:cs typeface="Times New Roman" panose="02020603050405020304" pitchFamily="18" charset="0"/>
+                              </a:rPr>
+                              <m:t>𝑅</m:t>
+                            </m:r>
+                            <m:r>
+                              <a:rPr lang="en-US" altLang="zh-TW" sz="1500" b="0" i="1" smtClean="0">
+                                <a:latin typeface="Cambria Math" panose="02040503050406030204" pitchFamily="18" charset="0"/>
+                                <a:cs typeface="Times New Roman" panose="02020603050405020304" pitchFamily="18" charset="0"/>
+                              </a:rPr>
+                              <m:t>,</m:t>
+                            </m:r>
+                            <m:r>
+                              <a:rPr lang="en-US" altLang="zh-TW" sz="1500" b="0" i="1" smtClean="0">
+                                <a:latin typeface="Cambria Math" panose="02040503050406030204" pitchFamily="18" charset="0"/>
+                                <a:cs typeface="Times New Roman" panose="02020603050405020304" pitchFamily="18" charset="0"/>
+                              </a:rPr>
+                              <m:t>𝑘</m:t>
+                            </m:r>
+                          </m:sub>
+                        </m:sSub>
+                      </m:e>
+                    </m:d>
+                    <m:r>
+                      <a:rPr lang="en-US" altLang="zh-TW" sz="1500" b="0" i="1" smtClean="0">
+                        <a:latin typeface="Cambria Math" panose="02040503050406030204" pitchFamily="18" charset="0"/>
+                        <a:cs typeface="Times New Roman" panose="02020603050405020304" pitchFamily="18" charset="0"/>
+                      </a:rPr>
+                      <m:t>.</m:t>
+                    </m:r>
+                  </m:oMath>
+                </a14:m>
+                <a:endParaRPr lang="zh-TW" altLang="en-US" sz="1500" dirty="0">
+                  <a:latin typeface="Times New Roman" panose="02020603050405020304" pitchFamily="18" charset="0"/>
+                  <a:cs typeface="Times New Roman" panose="02020603050405020304" pitchFamily="18" charset="0"/>
+                </a:endParaRPr>
+              </a:p>
+            </p:txBody>
+          </p:sp>
+        </mc:Choice>
+        <mc:Fallback>
+          <p:sp>
+            <p:nvSpPr>
+              <p:cNvPr id="6" name="文字方塊 5"/>
+              <p:cNvSpPr txBox="1">
+                <a:spLocks noRot="1" noChangeAspect="1" noMove="1" noResize="1" noEditPoints="1" noAdjustHandles="1" noChangeArrowheads="1" noChangeShapeType="1" noTextEdit="1"/>
+              </p:cNvSpPr>
+              <p:nvPr/>
+            </p:nvSpPr>
+            <p:spPr>
+              <a:xfrm>
+                <a:off x="243840" y="1284851"/>
+                <a:ext cx="7271657" cy="582532"/>
+              </a:xfrm>
+              <a:prstGeom prst="rect">
+                <a:avLst/>
+              </a:prstGeom>
+              <a:blipFill>
+                <a:blip r:embed="rId4"/>
+                <a:stretch>
+                  <a:fillRect l="-335" t="-2105" b="-8421"/>
+                </a:stretch>
+              </a:blipFill>
+            </p:spPr>
+            <p:txBody>
+              <a:bodyPr/>
+              <a:lstStyle/>
+              <a:p>
+                <a:r>
+                  <a:rPr lang="zh-TW" altLang="en-US">
+                    <a:noFill/>
+                  </a:rPr>
+                  <a:t> </a:t>
+                </a:r>
+              </a:p>
+            </p:txBody>
+          </p:sp>
+        </mc:Fallback>
+      </mc:AlternateContent>
+      <mc:AlternateContent xmlns:mc="http://schemas.openxmlformats.org/markup-compatibility/2006">
+        <mc:Choice xmlns:a14="http://schemas.microsoft.com/office/drawing/2010/main" Requires="a14">
+          <p:sp>
+            <p:nvSpPr>
+              <p:cNvPr id="7" name="文字方塊 6"/>
+              <p:cNvSpPr txBox="1"/>
+              <p:nvPr/>
+            </p:nvSpPr>
+            <p:spPr>
+              <a:xfrm>
+                <a:off x="243840" y="1779496"/>
+                <a:ext cx="7271657" cy="595548"/>
+              </a:xfrm>
+              <a:prstGeom prst="rect">
+                <a:avLst/>
+              </a:prstGeom>
+              <a:noFill/>
+            </p:spPr>
+            <p:txBody>
+              <a:bodyPr wrap="square" rtlCol="0">
+                <a:spAutoFit/>
+              </a:bodyPr>
+              <a:lstStyle/>
+              <a:p>
+                <a:pPr algn="just"/>
+                <a:r>
+                  <a:rPr lang="en-US" altLang="zh-TW" sz="1500" b="1" dirty="0" smtClean="0">
+                    <a:latin typeface="Times New Roman" panose="02020603050405020304" pitchFamily="18" charset="0"/>
+                    <a:cs typeface="Times New Roman" panose="02020603050405020304" pitchFamily="18" charset="0"/>
+                  </a:rPr>
+                  <a:t>(b) </a:t>
+                </a:r>
+                <a:r>
+                  <a:rPr lang="en-US" altLang="zh-TW" sz="1600" dirty="0">
+                    <a:latin typeface="Times New Roman" panose="02020603050405020304" pitchFamily="18" charset="0"/>
+                    <a:cs typeface="Times New Roman" panose="02020603050405020304" pitchFamily="18" charset="0"/>
+                  </a:rPr>
+                  <a:t>Let </a:t>
+                </a:r>
+                <a14:m>
+                  <m:oMath xmlns:m="http://schemas.openxmlformats.org/officeDocument/2006/math">
+                    <m:sSub>
+                      <m:sSubPr>
+                        <m:ctrlPr>
+                          <a:rPr lang="en-US" altLang="zh-TW" sz="1600" b="0" i="1" smtClean="0">
+                            <a:latin typeface="Cambria Math" panose="02040503050406030204" pitchFamily="18" charset="0"/>
+                          </a:rPr>
+                        </m:ctrlPr>
+                      </m:sSubPr>
+                      <m:e>
+                        <m:r>
+                          <a:rPr lang="en-US" altLang="zh-TW" sz="1600" b="0" i="1" smtClean="0">
+                            <a:latin typeface="Cambria Math" panose="02040503050406030204" pitchFamily="18" charset="0"/>
+                          </a:rPr>
+                          <m:t>𝜏</m:t>
+                        </m:r>
+                      </m:e>
+                      <m:sub>
+                        <m:r>
+                          <a:rPr lang="en-US" altLang="zh-TW" sz="1600" b="0" i="1" smtClean="0">
+                            <a:latin typeface="Cambria Math" panose="02040503050406030204" pitchFamily="18" charset="0"/>
+                          </a:rPr>
+                          <m:t>0</m:t>
+                        </m:r>
+                      </m:sub>
+                    </m:sSub>
+                    <m:r>
+                      <a:rPr lang="en-US" altLang="zh-TW" sz="1600" b="0" i="1" smtClean="0">
+                        <a:latin typeface="Cambria Math" panose="02040503050406030204" pitchFamily="18" charset="0"/>
+                      </a:rPr>
+                      <m:t>=</m:t>
+                    </m:r>
+                    <m:r>
+                      <a:rPr lang="en-US" altLang="zh-TW" sz="1600" b="0" i="1" smtClean="0">
+                        <a:latin typeface="Cambria Math" panose="02040503050406030204" pitchFamily="18" charset="0"/>
+                      </a:rPr>
+                      <m:t>𝑇</m:t>
+                    </m:r>
+                  </m:oMath>
+                </a14:m>
+                <a:r>
+                  <a:rPr lang="en-US" altLang="zh-TW" sz="1600" dirty="0" smtClean="0">
+                    <a:latin typeface="Times New Roman" panose="02020603050405020304" pitchFamily="18" charset="0"/>
+                    <a:cs typeface="Times New Roman" panose="02020603050405020304" pitchFamily="18" charset="0"/>
+                  </a:rPr>
+                  <a:t> and define </a:t>
+                </a:r>
+                <a14:m>
+                  <m:oMath xmlns:m="http://schemas.openxmlformats.org/officeDocument/2006/math">
+                    <m:sSub>
+                      <m:sSubPr>
+                        <m:ctrlPr>
+                          <a:rPr lang="en-US" altLang="zh-TW" sz="1600" b="0" i="1" smtClean="0">
+                            <a:latin typeface="Cambria Math" panose="02040503050406030204" pitchFamily="18" charset="0"/>
+                          </a:rPr>
+                        </m:ctrlPr>
+                      </m:sSubPr>
+                      <m:e>
+                        <m:r>
+                          <a:rPr lang="en-US" altLang="zh-TW" sz="1600" b="0" i="1" smtClean="0">
+                            <a:latin typeface="Cambria Math" panose="02040503050406030204" pitchFamily="18" charset="0"/>
+                          </a:rPr>
+                          <m:t>𝑔</m:t>
+                        </m:r>
+                      </m:e>
+                      <m:sub>
+                        <m:r>
+                          <a:rPr lang="en-US" altLang="zh-TW" sz="1600" b="0" i="1" smtClean="0">
+                            <a:latin typeface="Cambria Math" panose="02040503050406030204" pitchFamily="18" charset="0"/>
+                          </a:rPr>
+                          <m:t>𝑘</m:t>
+                        </m:r>
+                      </m:sub>
+                    </m:sSub>
+                    <m:r>
+                      <a:rPr lang="en-US" altLang="zh-TW" sz="1600" b="0" i="1" smtClean="0">
+                        <a:latin typeface="Cambria Math" panose="02040503050406030204" pitchFamily="18" charset="0"/>
+                      </a:rPr>
+                      <m:t>=</m:t>
+                    </m:r>
+                    <m:sSub>
+                      <m:sSubPr>
+                        <m:ctrlPr>
+                          <a:rPr lang="en-US" altLang="zh-TW" sz="1600" b="0" i="1" smtClean="0">
+                            <a:latin typeface="Cambria Math" panose="02040503050406030204" pitchFamily="18" charset="0"/>
+                          </a:rPr>
+                        </m:ctrlPr>
+                      </m:sSubPr>
+                      <m:e>
+                        <m:r>
+                          <a:rPr lang="en-US" altLang="zh-TW" sz="1600" b="0" i="1" smtClean="0">
+                            <a:latin typeface="Cambria Math" panose="02040503050406030204" pitchFamily="18" charset="0"/>
+                          </a:rPr>
+                          <m:t>𝑔</m:t>
+                        </m:r>
+                      </m:e>
+                      <m:sub>
+                        <m:r>
+                          <a:rPr lang="en-US" altLang="zh-TW" sz="1600" b="0" i="1" smtClean="0">
+                            <a:latin typeface="Cambria Math" panose="02040503050406030204" pitchFamily="18" charset="0"/>
+                          </a:rPr>
+                          <m:t>𝑇</m:t>
+                        </m:r>
+                        <m:r>
+                          <a:rPr lang="en-US" altLang="zh-TW" sz="1600" b="0" i="1" smtClean="0">
+                            <a:latin typeface="Cambria Math" panose="02040503050406030204" pitchFamily="18" charset="0"/>
+                          </a:rPr>
+                          <m:t>,</m:t>
+                        </m:r>
+                        <m:r>
+                          <a:rPr lang="en-US" altLang="zh-TW" sz="1600" b="0" i="1" smtClean="0">
+                            <a:latin typeface="Cambria Math" panose="02040503050406030204" pitchFamily="18" charset="0"/>
+                          </a:rPr>
+                          <m:t>𝑘</m:t>
+                        </m:r>
+                      </m:sub>
+                    </m:sSub>
+                    <m:r>
+                      <a:rPr lang="en-US" altLang="zh-TW" sz="1600" b="0" i="1" smtClean="0">
+                        <a:latin typeface="Cambria Math" panose="02040503050406030204" pitchFamily="18" charset="0"/>
+                      </a:rPr>
+                      <m:t>∗</m:t>
+                    </m:r>
+                    <m:sSub>
+                      <m:sSubPr>
+                        <m:ctrlPr>
+                          <a:rPr lang="en-US" altLang="zh-TW" sz="1600" b="0" i="1" smtClean="0">
+                            <a:latin typeface="Cambria Math" panose="02040503050406030204" pitchFamily="18" charset="0"/>
+                          </a:rPr>
+                        </m:ctrlPr>
+                      </m:sSubPr>
+                      <m:e>
+                        <m:r>
+                          <a:rPr lang="en-US" altLang="zh-TW" sz="1600" b="0" i="1" smtClean="0">
+                            <a:latin typeface="Cambria Math" panose="02040503050406030204" pitchFamily="18" charset="0"/>
+                          </a:rPr>
+                          <m:t>𝑔</m:t>
+                        </m:r>
+                      </m:e>
+                      <m:sub>
+                        <m:r>
+                          <a:rPr lang="en-US" altLang="zh-TW" sz="1600" b="0" i="1" smtClean="0">
+                            <a:latin typeface="Cambria Math" panose="02040503050406030204" pitchFamily="18" charset="0"/>
+                          </a:rPr>
+                          <m:t>𝑅</m:t>
+                        </m:r>
+                        <m:r>
+                          <a:rPr lang="en-US" altLang="zh-TW" sz="1600" b="0" i="1" smtClean="0">
+                            <a:latin typeface="Cambria Math" panose="02040503050406030204" pitchFamily="18" charset="0"/>
+                          </a:rPr>
+                          <m:t>,</m:t>
+                        </m:r>
+                        <m:r>
+                          <a:rPr lang="en-US" altLang="zh-TW" sz="1600" b="0" i="1" smtClean="0">
+                            <a:latin typeface="Cambria Math" panose="02040503050406030204" pitchFamily="18" charset="0"/>
+                          </a:rPr>
+                          <m:t>𝑘</m:t>
+                        </m:r>
+                      </m:sub>
+                    </m:sSub>
+                  </m:oMath>
+                </a14:m>
+                <a:r>
+                  <a:rPr lang="en-US" altLang="zh-TW" sz="1600" dirty="0" smtClean="0">
+                    <a:latin typeface="Times New Roman" panose="02020603050405020304" pitchFamily="18" charset="0"/>
+                    <a:cs typeface="Times New Roman" panose="02020603050405020304" pitchFamily="18" charset="0"/>
+                  </a:rPr>
+                  <a:t>,what </a:t>
+                </a:r>
+                <a:r>
+                  <a:rPr lang="en-US" altLang="zh-TW" sz="1600" dirty="0">
+                    <a:latin typeface="Times New Roman" panose="02020603050405020304" pitchFamily="18" charset="0"/>
+                    <a:cs typeface="Times New Roman" panose="02020603050405020304" pitchFamily="18" charset="0"/>
+                  </a:rPr>
+                  <a:t>is the ISI pattern in terms of </a:t>
+                </a:r>
+                <a14:m>
+                  <m:oMath xmlns:m="http://schemas.openxmlformats.org/officeDocument/2006/math">
+                    <m:r>
+                      <a:rPr lang="en-US" altLang="zh-TW" sz="1600" b="0" i="1" smtClean="0">
+                        <a:latin typeface="Cambria Math" panose="02040503050406030204" pitchFamily="18" charset="0"/>
+                      </a:rPr>
+                      <m:t>{</m:t>
+                    </m:r>
+                    <m:sSub>
+                      <m:sSubPr>
+                        <m:ctrlPr>
+                          <a:rPr lang="en-US" altLang="zh-TW" sz="1600" b="0" i="1" smtClean="0">
+                            <a:latin typeface="Cambria Math" panose="02040503050406030204" pitchFamily="18" charset="0"/>
+                          </a:rPr>
+                        </m:ctrlPr>
+                      </m:sSubPr>
+                      <m:e>
+                        <m:r>
+                          <a:rPr lang="en-US" altLang="zh-TW" sz="1600" b="0" i="1" smtClean="0">
+                            <a:latin typeface="Cambria Math" panose="02040503050406030204" pitchFamily="18" charset="0"/>
+                          </a:rPr>
+                          <m:t>𝐼</m:t>
+                        </m:r>
+                      </m:e>
+                      <m:sub>
+                        <m:r>
+                          <a:rPr lang="en-US" altLang="zh-TW" sz="1600" b="0" i="1" smtClean="0">
+                            <a:latin typeface="Cambria Math" panose="02040503050406030204" pitchFamily="18" charset="0"/>
+                          </a:rPr>
+                          <m:t>𝑛</m:t>
+                        </m:r>
+                      </m:sub>
+                    </m:sSub>
+                    <m:r>
+                      <a:rPr lang="en-US" altLang="zh-TW" sz="1600" b="0" i="1" smtClean="0">
+                        <a:latin typeface="Cambria Math" panose="02040503050406030204" pitchFamily="18" charset="0"/>
+                      </a:rPr>
+                      <m:t>}</m:t>
+                    </m:r>
+                  </m:oMath>
+                </a14:m>
+                <a:r>
+                  <a:rPr lang="en-US" altLang="zh-TW" sz="1600" dirty="0" smtClean="0">
+                    <a:latin typeface="Times New Roman" panose="02020603050405020304" pitchFamily="18" charset="0"/>
+                    <a:cs typeface="Times New Roman" panose="02020603050405020304" pitchFamily="18" charset="0"/>
+                  </a:rPr>
+                  <a:t> and     </a:t>
+                </a:r>
+                <a14:m>
+                  <m:oMath xmlns:m="http://schemas.openxmlformats.org/officeDocument/2006/math">
+                    <m:r>
+                      <a:rPr lang="en-US" altLang="zh-TW" sz="1600" b="0" i="0" smtClean="0">
+                        <a:latin typeface="Cambria Math" panose="02040503050406030204" pitchFamily="18" charset="0"/>
+                      </a:rPr>
+                      <m:t>     </m:t>
+                    </m:r>
+                    <m:r>
+                      <a:rPr lang="en-US" altLang="zh-TW" sz="1600" b="0" i="1" smtClean="0">
+                        <a:latin typeface="Cambria Math" panose="02040503050406030204" pitchFamily="18" charset="0"/>
+                      </a:rPr>
+                      <m:t>{</m:t>
+                    </m:r>
+                    <m:sSub>
+                      <m:sSubPr>
+                        <m:ctrlPr>
+                          <a:rPr lang="en-US" altLang="zh-TW" sz="1600" b="0" i="1" smtClean="0">
+                            <a:latin typeface="Cambria Math" panose="02040503050406030204" pitchFamily="18" charset="0"/>
+                          </a:rPr>
+                        </m:ctrlPr>
+                      </m:sSubPr>
+                      <m:e>
+                        <m:r>
+                          <a:rPr lang="en-US" altLang="zh-TW" sz="1600" b="0" i="1" smtClean="0">
+                            <a:latin typeface="Cambria Math" panose="02040503050406030204" pitchFamily="18" charset="0"/>
+                          </a:rPr>
+                          <m:t>𝑔</m:t>
+                        </m:r>
+                      </m:e>
+                      <m:sub>
+                        <m:r>
+                          <a:rPr lang="en-US" altLang="zh-TW" sz="1600" b="0" i="1" smtClean="0">
+                            <a:latin typeface="Cambria Math" panose="02040503050406030204" pitchFamily="18" charset="0"/>
+                          </a:rPr>
+                          <m:t>𝑘</m:t>
+                        </m:r>
+                      </m:sub>
+                    </m:sSub>
+                    <m:r>
+                      <a:rPr lang="en-US" altLang="zh-TW" sz="1600" b="0" i="1" smtClean="0">
+                        <a:latin typeface="Cambria Math" panose="02040503050406030204" pitchFamily="18" charset="0"/>
+                      </a:rPr>
+                      <m:t>}</m:t>
+                    </m:r>
+                  </m:oMath>
+                </a14:m>
+                <a:r>
+                  <a:rPr lang="en-US" altLang="zh-TW" sz="1600" dirty="0" smtClean="0">
+                    <a:latin typeface="Times New Roman" panose="02020603050405020304" pitchFamily="18" charset="0"/>
+                    <a:cs typeface="Times New Roman" panose="02020603050405020304" pitchFamily="18" charset="0"/>
+                  </a:rPr>
+                  <a:t> </a:t>
+                </a:r>
+                <a:r>
+                  <a:rPr lang="en-US" altLang="zh-TW" sz="1600" dirty="0">
+                    <a:latin typeface="Times New Roman" panose="02020603050405020304" pitchFamily="18" charset="0"/>
+                    <a:cs typeface="Times New Roman" panose="02020603050405020304" pitchFamily="18" charset="0"/>
+                  </a:rPr>
+                  <a:t>resulting from the channel? </a:t>
+                </a:r>
+                <a:endParaRPr lang="zh-TW" altLang="en-US" sz="1500" dirty="0">
+                  <a:latin typeface="Times New Roman" panose="02020603050405020304" pitchFamily="18" charset="0"/>
+                  <a:cs typeface="Times New Roman" panose="02020603050405020304" pitchFamily="18" charset="0"/>
+                </a:endParaRPr>
+              </a:p>
+            </p:txBody>
+          </p:sp>
+        </mc:Choice>
+        <mc:Fallback>
+          <p:sp>
+            <p:nvSpPr>
+              <p:cNvPr id="7" name="文字方塊 6"/>
+              <p:cNvSpPr txBox="1">
+                <a:spLocks noRot="1" noChangeAspect="1" noMove="1" noResize="1" noEditPoints="1" noAdjustHandles="1" noChangeArrowheads="1" noChangeShapeType="1" noTextEdit="1"/>
+              </p:cNvSpPr>
+              <p:nvPr/>
+            </p:nvSpPr>
+            <p:spPr>
+              <a:xfrm>
+                <a:off x="243840" y="1779496"/>
+                <a:ext cx="7271657" cy="595548"/>
+              </a:xfrm>
+              <a:prstGeom prst="rect">
+                <a:avLst/>
+              </a:prstGeom>
+              <a:blipFill>
+                <a:blip r:embed="rId5"/>
+                <a:stretch>
+                  <a:fillRect l="-335" t="-3061" r="-419" b="-12245"/>
+                </a:stretch>
+              </a:blipFill>
+            </p:spPr>
+            <p:txBody>
+              <a:bodyPr/>
+              <a:lstStyle/>
+              <a:p>
+                <a:r>
+                  <a:rPr lang="zh-TW" altLang="en-US">
+                    <a:noFill/>
+                  </a:rPr>
+                  <a:t> </a:t>
+                </a:r>
+              </a:p>
+            </p:txBody>
+          </p:sp>
+        </mc:Fallback>
+      </mc:AlternateContent>
+      <mc:AlternateContent xmlns:mc="http://schemas.openxmlformats.org/markup-compatibility/2006">
+        <mc:Choice xmlns:a14="http://schemas.microsoft.com/office/drawing/2010/main" Requires="a14">
+          <p:sp>
+            <p:nvSpPr>
+              <p:cNvPr id="8" name="文字方塊 7"/>
+              <p:cNvSpPr txBox="1"/>
+              <p:nvPr/>
+            </p:nvSpPr>
+            <p:spPr>
+              <a:xfrm>
+                <a:off x="3820476" y="2327177"/>
+                <a:ext cx="7936095" cy="652423"/>
+              </a:xfrm>
+              <a:prstGeom prst="rect">
+                <a:avLst/>
+              </a:prstGeom>
+              <a:noFill/>
+            </p:spPr>
+            <p:txBody>
+              <a:bodyPr wrap="square" rtlCol="0">
+                <a:spAutoFit/>
+              </a:bodyPr>
+              <a:lstStyle/>
+              <a:p>
+                <a14:m>
+                  <m:oMathPara xmlns:m="http://schemas.openxmlformats.org/officeDocument/2006/math">
+                    <m:oMathParaPr>
+                      <m:jc m:val="centerGroup"/>
+                    </m:oMathParaPr>
+                    <m:oMath xmlns:m="http://schemas.openxmlformats.org/officeDocument/2006/math">
+                      <m:sSub>
+                        <m:sSubPr>
+                          <m:ctrlPr>
+                            <a:rPr lang="en-US" altLang="zh-TW" sz="1500" b="0" i="1" smtClean="0">
+                              <a:latin typeface="Cambria Math" panose="02040503050406030204" pitchFamily="18" charset="0"/>
+                              <a:cs typeface="Times New Roman" panose="02020603050405020304" pitchFamily="18" charset="0"/>
+                            </a:rPr>
+                          </m:ctrlPr>
+                        </m:sSubPr>
+                        <m:e>
+                          <m:r>
+                            <a:rPr lang="en-US" altLang="zh-TW" sz="1500" b="0" i="1" smtClean="0">
+                              <a:latin typeface="Cambria Math" panose="02040503050406030204" pitchFamily="18" charset="0"/>
+                              <a:cs typeface="Times New Roman" panose="02020603050405020304" pitchFamily="18" charset="0"/>
+                            </a:rPr>
+                            <m:t>𝑦</m:t>
+                          </m:r>
+                        </m:e>
+                        <m:sub>
+                          <m:r>
+                            <a:rPr lang="en-US" altLang="zh-TW" sz="1500" b="0" i="1" smtClean="0">
+                              <a:latin typeface="Cambria Math" panose="02040503050406030204" pitchFamily="18" charset="0"/>
+                              <a:cs typeface="Times New Roman" panose="02020603050405020304" pitchFamily="18" charset="0"/>
+                            </a:rPr>
+                            <m:t>𝑘</m:t>
+                          </m:r>
+                        </m:sub>
+                      </m:sSub>
+                      <m:r>
+                        <a:rPr lang="en-US" altLang="zh-TW" sz="1500" b="0" i="1" smtClean="0">
+                          <a:latin typeface="Cambria Math" panose="02040503050406030204" pitchFamily="18" charset="0"/>
+                          <a:cs typeface="Times New Roman" panose="02020603050405020304" pitchFamily="18" charset="0"/>
+                        </a:rPr>
+                        <m:t>=</m:t>
+                      </m:r>
+                      <m:nary>
+                        <m:naryPr>
+                          <m:chr m:val="∑"/>
+                          <m:supHide m:val="on"/>
+                          <m:ctrlPr>
+                            <a:rPr lang="en-US" altLang="zh-TW" sz="1500" b="0" i="1" smtClean="0">
+                              <a:latin typeface="Cambria Math" panose="02040503050406030204" pitchFamily="18" charset="0"/>
+                              <a:cs typeface="Times New Roman" panose="02020603050405020304" pitchFamily="18" charset="0"/>
+                            </a:rPr>
+                          </m:ctrlPr>
+                        </m:naryPr>
+                        <m:sub>
+                          <m:r>
+                            <m:rPr>
+                              <m:brk m:alnAt="7"/>
+                            </m:rPr>
+                            <a:rPr lang="en-US" altLang="zh-TW" sz="1500" b="0" i="1" smtClean="0">
+                              <a:latin typeface="Cambria Math" panose="02040503050406030204" pitchFamily="18" charset="0"/>
+                              <a:cs typeface="Times New Roman" panose="02020603050405020304" pitchFamily="18" charset="0"/>
+                            </a:rPr>
+                            <m:t>𝑛</m:t>
+                          </m:r>
+                        </m:sub>
+                        <m:sup/>
+                        <m:e>
+                          <m:sSub>
+                            <m:sSubPr>
+                              <m:ctrlPr>
+                                <a:rPr lang="en-US" altLang="zh-TW" sz="1500" b="0" i="1" smtClean="0">
+                                  <a:latin typeface="Cambria Math" panose="02040503050406030204" pitchFamily="18" charset="0"/>
+                                  <a:cs typeface="Times New Roman" panose="02020603050405020304" pitchFamily="18" charset="0"/>
+                                </a:rPr>
+                              </m:ctrlPr>
+                            </m:sSubPr>
+                            <m:e>
+                              <m:r>
+                                <a:rPr lang="en-US" altLang="zh-TW" sz="1500" b="0" i="1" smtClean="0">
+                                  <a:latin typeface="Cambria Math" panose="02040503050406030204" pitchFamily="18" charset="0"/>
+                                  <a:cs typeface="Times New Roman" panose="02020603050405020304" pitchFamily="18" charset="0"/>
+                                </a:rPr>
+                                <m:t>𝐼</m:t>
+                              </m:r>
+                            </m:e>
+                            <m:sub>
+                              <m:r>
+                                <a:rPr lang="en-US" altLang="zh-TW" sz="1500" b="0" i="1" smtClean="0">
+                                  <a:latin typeface="Cambria Math" panose="02040503050406030204" pitchFamily="18" charset="0"/>
+                                  <a:cs typeface="Times New Roman" panose="02020603050405020304" pitchFamily="18" charset="0"/>
+                                </a:rPr>
+                                <m:t>𝑛</m:t>
+                              </m:r>
+                            </m:sub>
+                          </m:sSub>
+                          <m:r>
+                            <a:rPr lang="en-US" altLang="zh-TW" sz="1500" b="0" i="1" smtClean="0">
+                              <a:latin typeface="Cambria Math" panose="02040503050406030204" pitchFamily="18" charset="0"/>
+                              <a:cs typeface="Times New Roman" panose="02020603050405020304" pitchFamily="18" charset="0"/>
+                            </a:rPr>
+                            <m:t>𝑥</m:t>
+                          </m:r>
+                          <m:d>
+                            <m:dPr>
+                              <m:ctrlPr>
+                                <a:rPr lang="en-US" altLang="zh-TW" sz="1500" b="0" i="1" smtClean="0">
+                                  <a:latin typeface="Cambria Math" panose="02040503050406030204" pitchFamily="18" charset="0"/>
+                                  <a:cs typeface="Times New Roman" panose="02020603050405020304" pitchFamily="18" charset="0"/>
+                                </a:rPr>
+                              </m:ctrlPr>
+                            </m:dPr>
+                            <m:e>
+                              <m:r>
+                                <a:rPr lang="en-US" altLang="zh-TW" sz="1500" b="0" i="1" smtClean="0">
+                                  <a:latin typeface="Cambria Math" panose="02040503050406030204" pitchFamily="18" charset="0"/>
+                                  <a:cs typeface="Times New Roman" panose="02020603050405020304" pitchFamily="18" charset="0"/>
+                                </a:rPr>
+                                <m:t>𝑘𝑇</m:t>
+                              </m:r>
+                              <m:r>
+                                <a:rPr lang="en-US" altLang="zh-TW" sz="1500" b="0" i="1" smtClean="0">
+                                  <a:latin typeface="Cambria Math" panose="02040503050406030204" pitchFamily="18" charset="0"/>
+                                  <a:cs typeface="Times New Roman" panose="02020603050405020304" pitchFamily="18" charset="0"/>
+                                </a:rPr>
+                                <m:t>−</m:t>
+                              </m:r>
+                              <m:r>
+                                <a:rPr lang="en-US" altLang="zh-TW" sz="1500" b="0" i="1" smtClean="0">
+                                  <a:latin typeface="Cambria Math" panose="02040503050406030204" pitchFamily="18" charset="0"/>
+                                  <a:cs typeface="Times New Roman" panose="02020603050405020304" pitchFamily="18" charset="0"/>
+                                </a:rPr>
+                                <m:t>𝑛𝑇</m:t>
+                              </m:r>
+                            </m:e>
+                          </m:d>
+                          <m:r>
+                            <a:rPr lang="en-US" altLang="zh-TW" sz="1500" b="0" i="1" smtClean="0">
+                              <a:latin typeface="Cambria Math" panose="02040503050406030204" pitchFamily="18" charset="0"/>
+                              <a:cs typeface="Times New Roman" panose="02020603050405020304" pitchFamily="18" charset="0"/>
+                            </a:rPr>
+                            <m:t>+</m:t>
+                          </m:r>
+                          <m:r>
+                            <a:rPr lang="en-US" altLang="zh-TW" sz="1500" b="0" i="1" smtClean="0">
+                              <a:latin typeface="Cambria Math" panose="02040503050406030204" pitchFamily="18" charset="0"/>
+                              <a:cs typeface="Times New Roman" panose="02020603050405020304" pitchFamily="18" charset="0"/>
+                            </a:rPr>
+                            <m:t>𝑛</m:t>
+                          </m:r>
+                          <m:d>
+                            <m:dPr>
+                              <m:ctrlPr>
+                                <a:rPr lang="en-US" altLang="zh-TW" sz="1500" b="0" i="1" smtClean="0">
+                                  <a:latin typeface="Cambria Math" panose="02040503050406030204" pitchFamily="18" charset="0"/>
+                                  <a:cs typeface="Times New Roman" panose="02020603050405020304" pitchFamily="18" charset="0"/>
+                                </a:rPr>
+                              </m:ctrlPr>
+                            </m:dPr>
+                            <m:e>
+                              <m:r>
+                                <a:rPr lang="en-US" altLang="zh-TW" sz="1500" b="0" i="1" smtClean="0">
+                                  <a:latin typeface="Cambria Math" panose="02040503050406030204" pitchFamily="18" charset="0"/>
+                                  <a:cs typeface="Times New Roman" panose="02020603050405020304" pitchFamily="18" charset="0"/>
+                                </a:rPr>
+                                <m:t>𝑘𝑇</m:t>
+                              </m:r>
+                            </m:e>
+                          </m:d>
+                          <m:r>
+                            <a:rPr lang="en-US" altLang="zh-TW" sz="1500" b="0" i="1" smtClean="0">
+                              <a:latin typeface="Cambria Math" panose="02040503050406030204" pitchFamily="18" charset="0"/>
+                              <a:cs typeface="Times New Roman" panose="02020603050405020304" pitchFamily="18" charset="0"/>
+                            </a:rPr>
+                            <m:t>∗</m:t>
+                          </m:r>
+                          <m:sSub>
+                            <m:sSubPr>
+                              <m:ctrlPr>
+                                <a:rPr lang="en-US" altLang="zh-TW" sz="1500" b="0" i="1" smtClean="0">
+                                  <a:latin typeface="Cambria Math" panose="02040503050406030204" pitchFamily="18" charset="0"/>
+                                  <a:cs typeface="Times New Roman" panose="02020603050405020304" pitchFamily="18" charset="0"/>
+                                </a:rPr>
+                              </m:ctrlPr>
+                            </m:sSubPr>
+                            <m:e>
+                              <m:r>
+                                <a:rPr lang="en-US" altLang="zh-TW" sz="1500" b="0" i="1" smtClean="0">
+                                  <a:latin typeface="Cambria Math" panose="02040503050406030204" pitchFamily="18" charset="0"/>
+                                  <a:cs typeface="Times New Roman" panose="02020603050405020304" pitchFamily="18" charset="0"/>
+                                </a:rPr>
+                                <m:t>𝑔</m:t>
+                              </m:r>
+                            </m:e>
+                            <m:sub>
+                              <m:r>
+                                <a:rPr lang="en-US" altLang="zh-TW" sz="1500" b="0" i="1" smtClean="0">
+                                  <a:latin typeface="Cambria Math" panose="02040503050406030204" pitchFamily="18" charset="0"/>
+                                  <a:cs typeface="Times New Roman" panose="02020603050405020304" pitchFamily="18" charset="0"/>
+                                </a:rPr>
+                                <m:t>𝑅</m:t>
+                              </m:r>
+                            </m:sub>
+                          </m:sSub>
+                          <m:r>
+                            <a:rPr lang="en-US" altLang="zh-TW" sz="1500" b="0" i="1" smtClean="0">
+                              <a:latin typeface="Cambria Math" panose="02040503050406030204" pitchFamily="18" charset="0"/>
+                              <a:cs typeface="Times New Roman" panose="02020603050405020304" pitchFamily="18" charset="0"/>
+                            </a:rPr>
+                            <m:t>(</m:t>
+                          </m:r>
+                          <m:r>
+                            <a:rPr lang="en-US" altLang="zh-TW" sz="1500" b="0" i="1" smtClean="0">
+                              <a:latin typeface="Cambria Math" panose="02040503050406030204" pitchFamily="18" charset="0"/>
+                              <a:cs typeface="Times New Roman" panose="02020603050405020304" pitchFamily="18" charset="0"/>
+                            </a:rPr>
+                            <m:t>𝑘𝑇</m:t>
+                          </m:r>
+                          <m:r>
+                            <a:rPr lang="en-US" altLang="zh-TW" sz="1500" b="0" i="1" smtClean="0">
+                              <a:latin typeface="Cambria Math" panose="02040503050406030204" pitchFamily="18" charset="0"/>
+                              <a:cs typeface="Times New Roman" panose="02020603050405020304" pitchFamily="18" charset="0"/>
+                            </a:rPr>
+                            <m:t>)</m:t>
+                          </m:r>
+                        </m:e>
+                      </m:nary>
+                      <m:r>
+                        <a:rPr lang="en-US" altLang="zh-TW" sz="1500" b="0" i="0" smtClean="0">
+                          <a:latin typeface="Cambria Math" panose="02040503050406030204" pitchFamily="18" charset="0"/>
+                          <a:cs typeface="Times New Roman" panose="02020603050405020304" pitchFamily="18" charset="0"/>
+                        </a:rPr>
+                        <m:t>=</m:t>
+                      </m:r>
+                      <m:nary>
+                        <m:naryPr>
+                          <m:chr m:val="∑"/>
+                          <m:supHide m:val="on"/>
+                          <m:ctrlPr>
+                            <a:rPr lang="en-US" altLang="zh-TW" sz="1500" b="0" i="1" smtClean="0">
+                              <a:latin typeface="Cambria Math" panose="02040503050406030204" pitchFamily="18" charset="0"/>
+                              <a:cs typeface="Times New Roman" panose="02020603050405020304" pitchFamily="18" charset="0"/>
+                            </a:rPr>
+                          </m:ctrlPr>
+                        </m:naryPr>
+                        <m:sub>
+                          <m:r>
+                            <m:rPr>
+                              <m:brk m:alnAt="7"/>
+                            </m:rPr>
+                            <a:rPr lang="en-US" altLang="zh-TW" sz="1500" b="0" i="1" smtClean="0">
+                              <a:latin typeface="Cambria Math" panose="02040503050406030204" pitchFamily="18" charset="0"/>
+                              <a:cs typeface="Times New Roman" panose="02020603050405020304" pitchFamily="18" charset="0"/>
+                            </a:rPr>
+                            <m:t>𝑛</m:t>
+                          </m:r>
+                        </m:sub>
+                        <m:sup/>
+                        <m:e>
+                          <m:sSub>
+                            <m:sSubPr>
+                              <m:ctrlPr>
+                                <a:rPr lang="en-US" altLang="zh-TW" sz="1500" b="0" i="1" smtClean="0">
+                                  <a:latin typeface="Cambria Math" panose="02040503050406030204" pitchFamily="18" charset="0"/>
+                                  <a:cs typeface="Times New Roman" panose="02020603050405020304" pitchFamily="18" charset="0"/>
+                                </a:rPr>
+                              </m:ctrlPr>
+                            </m:sSubPr>
+                            <m:e>
+                              <m:r>
+                                <a:rPr lang="en-US" altLang="zh-TW" sz="1500" b="0" i="1" smtClean="0">
+                                  <a:latin typeface="Cambria Math" panose="02040503050406030204" pitchFamily="18" charset="0"/>
+                                  <a:cs typeface="Times New Roman" panose="02020603050405020304" pitchFamily="18" charset="0"/>
+                                </a:rPr>
+                                <m:t>𝐼</m:t>
+                              </m:r>
+                            </m:e>
+                            <m:sub>
+                              <m:r>
+                                <a:rPr lang="en-US" altLang="zh-TW" sz="1500" b="0" i="1" smtClean="0">
+                                  <a:latin typeface="Cambria Math" panose="02040503050406030204" pitchFamily="18" charset="0"/>
+                                  <a:cs typeface="Times New Roman" panose="02020603050405020304" pitchFamily="18" charset="0"/>
+                                </a:rPr>
+                                <m:t>𝑛</m:t>
+                              </m:r>
+                            </m:sub>
+                          </m:sSub>
+                          <m:sSub>
+                            <m:sSubPr>
+                              <m:ctrlPr>
+                                <a:rPr lang="en-US" altLang="zh-TW" sz="1500" b="0" i="1" smtClean="0">
+                                  <a:latin typeface="Cambria Math" panose="02040503050406030204" pitchFamily="18" charset="0"/>
+                                  <a:cs typeface="Times New Roman" panose="02020603050405020304" pitchFamily="18" charset="0"/>
+                                </a:rPr>
+                              </m:ctrlPr>
+                            </m:sSubPr>
+                            <m:e>
+                              <m:r>
+                                <a:rPr lang="en-US" altLang="zh-TW" sz="1500" b="0" i="1" smtClean="0">
+                                  <a:latin typeface="Cambria Math" panose="02040503050406030204" pitchFamily="18" charset="0"/>
+                                  <a:cs typeface="Times New Roman" panose="02020603050405020304" pitchFamily="18" charset="0"/>
+                                </a:rPr>
+                                <m:t>𝑥</m:t>
+                              </m:r>
+                            </m:e>
+                            <m:sub>
+                              <m:r>
+                                <a:rPr lang="en-US" altLang="zh-TW" sz="1500" b="0" i="1" smtClean="0">
+                                  <a:latin typeface="Cambria Math" panose="02040503050406030204" pitchFamily="18" charset="0"/>
+                                  <a:cs typeface="Times New Roman" panose="02020603050405020304" pitchFamily="18" charset="0"/>
+                                </a:rPr>
+                                <m:t>𝑘</m:t>
+                              </m:r>
+                              <m:r>
+                                <a:rPr lang="en-US" altLang="zh-TW" sz="1500" b="0" i="1" smtClean="0">
+                                  <a:latin typeface="Cambria Math" panose="02040503050406030204" pitchFamily="18" charset="0"/>
+                                  <a:cs typeface="Times New Roman" panose="02020603050405020304" pitchFamily="18" charset="0"/>
+                                </a:rPr>
+                                <m:t>−</m:t>
+                              </m:r>
+                              <m:r>
+                                <a:rPr lang="en-US" altLang="zh-TW" sz="1500" b="0" i="1" smtClean="0">
+                                  <a:latin typeface="Cambria Math" panose="02040503050406030204" pitchFamily="18" charset="0"/>
+                                  <a:cs typeface="Times New Roman" panose="02020603050405020304" pitchFamily="18" charset="0"/>
+                                </a:rPr>
+                                <m:t>𝑛</m:t>
+                              </m:r>
+                            </m:sub>
+                          </m:sSub>
+                          <m:r>
+                            <a:rPr lang="en-US" altLang="zh-TW" sz="1500" b="0" i="1" smtClean="0">
+                              <a:latin typeface="Cambria Math" panose="02040503050406030204" pitchFamily="18" charset="0"/>
+                              <a:cs typeface="Times New Roman" panose="02020603050405020304" pitchFamily="18" charset="0"/>
+                            </a:rPr>
+                            <m:t>+</m:t>
+                          </m:r>
+                          <m:sSub>
+                            <m:sSubPr>
+                              <m:ctrlPr>
+                                <a:rPr lang="en-US" altLang="zh-TW" sz="1500" b="0" i="1" smtClean="0">
+                                  <a:latin typeface="Cambria Math" panose="02040503050406030204" pitchFamily="18" charset="0"/>
+                                  <a:cs typeface="Times New Roman" panose="02020603050405020304" pitchFamily="18" charset="0"/>
+                                </a:rPr>
+                              </m:ctrlPr>
+                            </m:sSubPr>
+                            <m:e>
+                              <m:r>
+                                <a:rPr lang="en-US" altLang="zh-TW" sz="1500" b="0" i="1" smtClean="0">
+                                  <a:latin typeface="Cambria Math" panose="02040503050406030204" pitchFamily="18" charset="0"/>
+                                  <a:cs typeface="Times New Roman" panose="02020603050405020304" pitchFamily="18" charset="0"/>
+                                </a:rPr>
+                                <m:t>𝑛</m:t>
+                              </m:r>
+                            </m:e>
+                            <m:sub>
+                              <m:r>
+                                <a:rPr lang="en-US" altLang="zh-TW" sz="1500" b="0" i="1" smtClean="0">
+                                  <a:latin typeface="Cambria Math" panose="02040503050406030204" pitchFamily="18" charset="0"/>
+                                  <a:cs typeface="Times New Roman" panose="02020603050405020304" pitchFamily="18" charset="0"/>
+                                </a:rPr>
+                                <m:t>𝑘</m:t>
+                              </m:r>
+                            </m:sub>
+                          </m:sSub>
+                          <m:r>
+                            <a:rPr lang="en-US" altLang="zh-TW" sz="1500" b="0" i="1" smtClean="0">
+                              <a:latin typeface="Cambria Math" panose="02040503050406030204" pitchFamily="18" charset="0"/>
+                              <a:cs typeface="Times New Roman" panose="02020603050405020304" pitchFamily="18" charset="0"/>
+                            </a:rPr>
+                            <m:t>∗</m:t>
+                          </m:r>
+                          <m:sSub>
+                            <m:sSubPr>
+                              <m:ctrlPr>
+                                <a:rPr lang="en-US" altLang="zh-TW" sz="1500" b="0" i="1" smtClean="0">
+                                  <a:latin typeface="Cambria Math" panose="02040503050406030204" pitchFamily="18" charset="0"/>
+                                  <a:cs typeface="Times New Roman" panose="02020603050405020304" pitchFamily="18" charset="0"/>
+                                </a:rPr>
+                              </m:ctrlPr>
+                            </m:sSubPr>
+                            <m:e>
+                              <m:r>
+                                <a:rPr lang="en-US" altLang="zh-TW" sz="1500" b="0" i="1" smtClean="0">
+                                  <a:latin typeface="Cambria Math" panose="02040503050406030204" pitchFamily="18" charset="0"/>
+                                  <a:cs typeface="Times New Roman" panose="02020603050405020304" pitchFamily="18" charset="0"/>
+                                </a:rPr>
+                                <m:t>𝑔</m:t>
+                              </m:r>
+                            </m:e>
+                            <m:sub>
+                              <m:r>
+                                <a:rPr lang="en-US" altLang="zh-TW" sz="1500" b="0" i="1" smtClean="0">
+                                  <a:latin typeface="Cambria Math" panose="02040503050406030204" pitchFamily="18" charset="0"/>
+                                  <a:cs typeface="Times New Roman" panose="02020603050405020304" pitchFamily="18" charset="0"/>
+                                </a:rPr>
+                                <m:t>𝑅</m:t>
+                              </m:r>
+                              <m:r>
+                                <a:rPr lang="en-US" altLang="zh-TW" sz="1500" b="0" i="1" smtClean="0">
+                                  <a:latin typeface="Cambria Math" panose="02040503050406030204" pitchFamily="18" charset="0"/>
+                                  <a:cs typeface="Times New Roman" panose="02020603050405020304" pitchFamily="18" charset="0"/>
+                                </a:rPr>
+                                <m:t>,</m:t>
+                              </m:r>
+                              <m:r>
+                                <a:rPr lang="en-US" altLang="zh-TW" sz="1500" b="0" i="1" smtClean="0">
+                                  <a:latin typeface="Cambria Math" panose="02040503050406030204" pitchFamily="18" charset="0"/>
+                                  <a:cs typeface="Times New Roman" panose="02020603050405020304" pitchFamily="18" charset="0"/>
+                                </a:rPr>
+                                <m:t>𝑘</m:t>
+                              </m:r>
+                            </m:sub>
+                          </m:sSub>
+                          <m:r>
+                            <a:rPr lang="en-US" altLang="zh-TW" sz="1500" b="0" i="1" smtClean="0">
+                              <a:latin typeface="Cambria Math" panose="02040503050406030204" pitchFamily="18" charset="0"/>
+                              <a:cs typeface="Times New Roman" panose="02020603050405020304" pitchFamily="18" charset="0"/>
+                            </a:rPr>
+                            <m:t>=</m:t>
+                          </m:r>
+                          <m:nary>
+                            <m:naryPr>
+                              <m:chr m:val="∑"/>
+                              <m:supHide m:val="on"/>
+                              <m:ctrlPr>
+                                <a:rPr lang="en-US" altLang="zh-TW" sz="1500" b="0" i="1" smtClean="0">
+                                  <a:latin typeface="Cambria Math" panose="02040503050406030204" pitchFamily="18" charset="0"/>
+                                  <a:cs typeface="Times New Roman" panose="02020603050405020304" pitchFamily="18" charset="0"/>
+                                </a:rPr>
+                              </m:ctrlPr>
+                            </m:naryPr>
+                            <m:sub>
+                              <m:r>
+                                <m:rPr>
+                                  <m:brk m:alnAt="7"/>
+                                </m:rPr>
+                                <a:rPr lang="en-US" altLang="zh-TW" sz="1500" b="0" i="1" smtClean="0">
+                                  <a:latin typeface="Cambria Math" panose="02040503050406030204" pitchFamily="18" charset="0"/>
+                                  <a:cs typeface="Times New Roman" panose="02020603050405020304" pitchFamily="18" charset="0"/>
+                                </a:rPr>
+                                <m:t>𝑛</m:t>
+                              </m:r>
+                            </m:sub>
+                            <m:sup/>
+                            <m:e>
+                              <m:sSub>
+                                <m:sSubPr>
+                                  <m:ctrlPr>
+                                    <a:rPr lang="en-US" altLang="zh-TW" sz="1500" b="0" i="1" smtClean="0">
+                                      <a:latin typeface="Cambria Math" panose="02040503050406030204" pitchFamily="18" charset="0"/>
+                                      <a:cs typeface="Times New Roman" panose="02020603050405020304" pitchFamily="18" charset="0"/>
+                                    </a:rPr>
+                                  </m:ctrlPr>
+                                </m:sSubPr>
+                                <m:e>
+                                  <m:r>
+                                    <a:rPr lang="en-US" altLang="zh-TW" sz="1500" b="0" i="1" smtClean="0">
+                                      <a:latin typeface="Cambria Math" panose="02040503050406030204" pitchFamily="18" charset="0"/>
+                                      <a:cs typeface="Times New Roman" panose="02020603050405020304" pitchFamily="18" charset="0"/>
+                                    </a:rPr>
+                                    <m:t>𝐼</m:t>
+                                  </m:r>
+                                </m:e>
+                                <m:sub>
+                                  <m:r>
+                                    <a:rPr lang="en-US" altLang="zh-TW" sz="1500" b="0" i="1" smtClean="0">
+                                      <a:latin typeface="Cambria Math" panose="02040503050406030204" pitchFamily="18" charset="0"/>
+                                      <a:cs typeface="Times New Roman" panose="02020603050405020304" pitchFamily="18" charset="0"/>
+                                    </a:rPr>
+                                    <m:t>𝑛</m:t>
+                                  </m:r>
+                                </m:sub>
+                              </m:sSub>
+                              <m:sSub>
+                                <m:sSubPr>
+                                  <m:ctrlPr>
+                                    <a:rPr lang="en-US" altLang="zh-TW" sz="1500" b="0" i="1" smtClean="0">
+                                      <a:latin typeface="Cambria Math" panose="02040503050406030204" pitchFamily="18" charset="0"/>
+                                      <a:cs typeface="Times New Roman" panose="02020603050405020304" pitchFamily="18" charset="0"/>
+                                    </a:rPr>
+                                  </m:ctrlPr>
+                                </m:sSubPr>
+                                <m:e>
+                                  <m:r>
+                                    <a:rPr lang="en-US" altLang="zh-TW" sz="1500" b="0" i="1" smtClean="0">
+                                      <a:latin typeface="Cambria Math" panose="02040503050406030204" pitchFamily="18" charset="0"/>
+                                      <a:cs typeface="Times New Roman" panose="02020603050405020304" pitchFamily="18" charset="0"/>
+                                    </a:rPr>
+                                    <m:t>𝑥</m:t>
+                                  </m:r>
+                                </m:e>
+                                <m:sub>
+                                  <m:r>
+                                    <a:rPr lang="en-US" altLang="zh-TW" sz="1500" b="0" i="1" smtClean="0">
+                                      <a:latin typeface="Cambria Math" panose="02040503050406030204" pitchFamily="18" charset="0"/>
+                                      <a:cs typeface="Times New Roman" panose="02020603050405020304" pitchFamily="18" charset="0"/>
+                                    </a:rPr>
+                                    <m:t>𝑘</m:t>
+                                  </m:r>
+                                  <m:r>
+                                    <a:rPr lang="en-US" altLang="zh-TW" sz="1500" b="0" i="1" smtClean="0">
+                                      <a:latin typeface="Cambria Math" panose="02040503050406030204" pitchFamily="18" charset="0"/>
+                                      <a:cs typeface="Times New Roman" panose="02020603050405020304" pitchFamily="18" charset="0"/>
+                                    </a:rPr>
+                                    <m:t>−</m:t>
+                                  </m:r>
+                                  <m:r>
+                                    <a:rPr lang="en-US" altLang="zh-TW" sz="1500" b="0" i="1" smtClean="0">
+                                      <a:latin typeface="Cambria Math" panose="02040503050406030204" pitchFamily="18" charset="0"/>
+                                      <a:cs typeface="Times New Roman" panose="02020603050405020304" pitchFamily="18" charset="0"/>
+                                    </a:rPr>
+                                    <m:t>𝑛</m:t>
+                                  </m:r>
+                                </m:sub>
+                              </m:sSub>
+                              <m:r>
+                                <a:rPr lang="en-US" altLang="zh-TW" sz="1500" b="0" i="1" smtClean="0">
+                                  <a:latin typeface="Cambria Math" panose="02040503050406030204" pitchFamily="18" charset="0"/>
+                                  <a:cs typeface="Times New Roman" panose="02020603050405020304" pitchFamily="18" charset="0"/>
+                                </a:rPr>
+                                <m:t>+</m:t>
+                              </m:r>
+                              <m:nary>
+                                <m:naryPr>
+                                  <m:chr m:val="∑"/>
+                                  <m:supHide m:val="on"/>
+                                  <m:ctrlPr>
+                                    <a:rPr lang="en-US" altLang="zh-TW" sz="1500" b="0" i="1" smtClean="0">
+                                      <a:latin typeface="Cambria Math" panose="02040503050406030204" pitchFamily="18" charset="0"/>
+                                      <a:cs typeface="Times New Roman" panose="02020603050405020304" pitchFamily="18" charset="0"/>
+                                    </a:rPr>
+                                  </m:ctrlPr>
+                                </m:naryPr>
+                                <m:sub>
+                                  <m:r>
+                                    <m:rPr>
+                                      <m:brk m:alnAt="7"/>
+                                    </m:rPr>
+                                    <a:rPr lang="en-US" altLang="zh-TW" sz="1500" b="0" i="1" smtClean="0">
+                                      <a:latin typeface="Cambria Math" panose="02040503050406030204" pitchFamily="18" charset="0"/>
+                                      <a:cs typeface="Times New Roman" panose="02020603050405020304" pitchFamily="18" charset="0"/>
+                                    </a:rPr>
+                                    <m:t>𝑛</m:t>
+                                  </m:r>
+                                </m:sub>
+                                <m:sup/>
+                                <m:e>
+                                  <m:sSub>
+                                    <m:sSubPr>
+                                      <m:ctrlPr>
+                                        <a:rPr lang="en-US" altLang="zh-TW" sz="1500" b="0" i="1" smtClean="0">
+                                          <a:latin typeface="Cambria Math" panose="02040503050406030204" pitchFamily="18" charset="0"/>
+                                          <a:cs typeface="Times New Roman" panose="02020603050405020304" pitchFamily="18" charset="0"/>
+                                        </a:rPr>
+                                      </m:ctrlPr>
+                                    </m:sSubPr>
+                                    <m:e>
+                                      <m:r>
+                                        <a:rPr lang="en-US" altLang="zh-TW" sz="1500" b="0" i="1" smtClean="0">
+                                          <a:latin typeface="Cambria Math" panose="02040503050406030204" pitchFamily="18" charset="0"/>
+                                          <a:cs typeface="Times New Roman" panose="02020603050405020304" pitchFamily="18" charset="0"/>
+                                        </a:rPr>
+                                        <m:t>𝑛</m:t>
+                                      </m:r>
+                                    </m:e>
+                                    <m:sub>
+                                      <m:r>
+                                        <a:rPr lang="en-US" altLang="zh-TW" sz="1500" b="0" i="1" smtClean="0">
+                                          <a:latin typeface="Cambria Math" panose="02040503050406030204" pitchFamily="18" charset="0"/>
+                                          <a:cs typeface="Times New Roman" panose="02020603050405020304" pitchFamily="18" charset="0"/>
+                                        </a:rPr>
+                                        <m:t>𝑛</m:t>
+                                      </m:r>
+                                    </m:sub>
+                                  </m:sSub>
+                                  <m:sSub>
+                                    <m:sSubPr>
+                                      <m:ctrlPr>
+                                        <a:rPr lang="en-US" altLang="zh-TW" sz="1500" b="0" i="1" smtClean="0">
+                                          <a:latin typeface="Cambria Math" panose="02040503050406030204" pitchFamily="18" charset="0"/>
+                                          <a:cs typeface="Times New Roman" panose="02020603050405020304" pitchFamily="18" charset="0"/>
+                                        </a:rPr>
+                                      </m:ctrlPr>
+                                    </m:sSubPr>
+                                    <m:e>
+                                      <m:r>
+                                        <a:rPr lang="en-US" altLang="zh-TW" sz="1500" b="0" i="1" smtClean="0">
+                                          <a:latin typeface="Cambria Math" panose="02040503050406030204" pitchFamily="18" charset="0"/>
+                                          <a:cs typeface="Times New Roman" panose="02020603050405020304" pitchFamily="18" charset="0"/>
+                                        </a:rPr>
+                                        <m:t>𝑔</m:t>
+                                      </m:r>
+                                    </m:e>
+                                    <m:sub>
+                                      <m:r>
+                                        <a:rPr lang="en-US" altLang="zh-TW" sz="1500" b="0" i="1" smtClean="0">
+                                          <a:latin typeface="Cambria Math" panose="02040503050406030204" pitchFamily="18" charset="0"/>
+                                          <a:cs typeface="Times New Roman" panose="02020603050405020304" pitchFamily="18" charset="0"/>
+                                        </a:rPr>
+                                        <m:t>𝑅</m:t>
+                                      </m:r>
+                                      <m:r>
+                                        <a:rPr lang="en-US" altLang="zh-TW" sz="1500" b="0" i="1" smtClean="0">
+                                          <a:latin typeface="Cambria Math" panose="02040503050406030204" pitchFamily="18" charset="0"/>
+                                          <a:cs typeface="Times New Roman" panose="02020603050405020304" pitchFamily="18" charset="0"/>
+                                        </a:rPr>
+                                        <m:t>,</m:t>
+                                      </m:r>
+                                      <m:r>
+                                        <a:rPr lang="en-US" altLang="zh-TW" sz="1500" b="0" i="1" smtClean="0">
+                                          <a:latin typeface="Cambria Math" panose="02040503050406030204" pitchFamily="18" charset="0"/>
+                                          <a:cs typeface="Times New Roman" panose="02020603050405020304" pitchFamily="18" charset="0"/>
+                                        </a:rPr>
+                                        <m:t>𝑘</m:t>
+                                      </m:r>
+                                      <m:r>
+                                        <a:rPr lang="en-US" altLang="zh-TW" sz="1500" b="0" i="1" smtClean="0">
+                                          <a:latin typeface="Cambria Math" panose="02040503050406030204" pitchFamily="18" charset="0"/>
+                                          <a:cs typeface="Times New Roman" panose="02020603050405020304" pitchFamily="18" charset="0"/>
+                                        </a:rPr>
+                                        <m:t>−</m:t>
+                                      </m:r>
+                                      <m:r>
+                                        <a:rPr lang="en-US" altLang="zh-TW" sz="1500" b="0" i="1" smtClean="0">
+                                          <a:latin typeface="Cambria Math" panose="02040503050406030204" pitchFamily="18" charset="0"/>
+                                          <a:cs typeface="Times New Roman" panose="02020603050405020304" pitchFamily="18" charset="0"/>
+                                        </a:rPr>
+                                        <m:t>𝑛</m:t>
+                                      </m:r>
+                                    </m:sub>
+                                  </m:sSub>
+                                </m:e>
+                              </m:nary>
+                            </m:e>
+                          </m:nary>
+                        </m:e>
+                      </m:nary>
+                    </m:oMath>
+                  </m:oMathPara>
+                </a14:m>
+                <a:endParaRPr lang="en-US" altLang="zh-TW" sz="1500" dirty="0" smtClean="0">
+                  <a:latin typeface="Times New Roman" panose="02020603050405020304" pitchFamily="18" charset="0"/>
+                  <a:cs typeface="Times New Roman" panose="02020603050405020304" pitchFamily="18" charset="0"/>
+                </a:endParaRPr>
+              </a:p>
+            </p:txBody>
+          </p:sp>
+        </mc:Choice>
+        <mc:Fallback>
+          <p:sp>
+            <p:nvSpPr>
+              <p:cNvPr id="8" name="文字方塊 7"/>
+              <p:cNvSpPr txBox="1">
+                <a:spLocks noRot="1" noChangeAspect="1" noMove="1" noResize="1" noEditPoints="1" noAdjustHandles="1" noChangeArrowheads="1" noChangeShapeType="1" noTextEdit="1"/>
+              </p:cNvSpPr>
+              <p:nvPr/>
+            </p:nvSpPr>
+            <p:spPr>
+              <a:xfrm>
+                <a:off x="3820476" y="2327177"/>
+                <a:ext cx="7936095" cy="652423"/>
+              </a:xfrm>
+              <a:prstGeom prst="rect">
+                <a:avLst/>
+              </a:prstGeom>
+              <a:blipFill>
+                <a:blip r:embed="rId6"/>
+                <a:stretch>
+                  <a:fillRect/>
+                </a:stretch>
+              </a:blipFill>
+            </p:spPr>
+            <p:txBody>
+              <a:bodyPr/>
+              <a:lstStyle/>
+              <a:p>
+                <a:r>
+                  <a:rPr lang="zh-TW" altLang="en-US">
+                    <a:noFill/>
+                  </a:rPr>
+                  <a:t> </a:t>
+                </a:r>
+              </a:p>
+            </p:txBody>
+          </p:sp>
+        </mc:Fallback>
+      </mc:AlternateContent>
+      <mc:AlternateContent xmlns:mc="http://schemas.openxmlformats.org/markup-compatibility/2006">
+        <mc:Choice xmlns:a14="http://schemas.microsoft.com/office/drawing/2010/main" Requires="a14">
+          <p:sp>
+            <p:nvSpPr>
+              <p:cNvPr id="10" name="文字方塊 9"/>
+              <p:cNvSpPr txBox="1"/>
+              <p:nvPr/>
+            </p:nvSpPr>
+            <p:spPr>
+              <a:xfrm>
+                <a:off x="380425" y="2308549"/>
+                <a:ext cx="3303468" cy="652423"/>
+              </a:xfrm>
+              <a:prstGeom prst="rect">
+                <a:avLst/>
+              </a:prstGeom>
+              <a:noFill/>
+            </p:spPr>
+            <p:txBody>
+              <a:bodyPr wrap="none" rtlCol="0">
+                <a:spAutoFit/>
+              </a:bodyPr>
+              <a:lstStyle/>
+              <a:p>
+                <a14:m>
+                  <m:oMathPara xmlns:m="http://schemas.openxmlformats.org/officeDocument/2006/math">
+                    <m:oMathParaPr>
+                      <m:jc m:val="centerGroup"/>
+                    </m:oMathParaPr>
+                    <m:oMath xmlns:m="http://schemas.openxmlformats.org/officeDocument/2006/math">
+                      <m:r>
+                        <a:rPr lang="en-US" altLang="zh-TW" sz="1500" i="1">
+                          <a:latin typeface="Cambria Math" panose="02040503050406030204" pitchFamily="18" charset="0"/>
+                          <a:cs typeface="Times New Roman" panose="02020603050405020304" pitchFamily="18" charset="0"/>
+                        </a:rPr>
+                        <m:t>𝑦</m:t>
+                      </m:r>
+                      <m:d>
+                        <m:dPr>
+                          <m:ctrlPr>
+                            <a:rPr lang="en-US" altLang="zh-TW" sz="1500" i="1">
+                              <a:latin typeface="Cambria Math" panose="02040503050406030204" pitchFamily="18" charset="0"/>
+                              <a:cs typeface="Times New Roman" panose="02020603050405020304" pitchFamily="18" charset="0"/>
+                            </a:rPr>
+                          </m:ctrlPr>
+                        </m:dPr>
+                        <m:e>
+                          <m:r>
+                            <a:rPr lang="en-US" altLang="zh-TW" sz="1500" i="1">
+                              <a:latin typeface="Cambria Math" panose="02040503050406030204" pitchFamily="18" charset="0"/>
+                              <a:cs typeface="Times New Roman" panose="02020603050405020304" pitchFamily="18" charset="0"/>
+                            </a:rPr>
+                            <m:t>𝑡</m:t>
+                          </m:r>
+                        </m:e>
+                      </m:d>
+                      <m:r>
+                        <a:rPr lang="en-US" altLang="zh-TW" sz="1500" i="1">
+                          <a:latin typeface="Cambria Math" panose="02040503050406030204" pitchFamily="18" charset="0"/>
+                          <a:cs typeface="Times New Roman" panose="02020603050405020304" pitchFamily="18" charset="0"/>
+                        </a:rPr>
+                        <m:t>=</m:t>
+                      </m:r>
+                      <m:nary>
+                        <m:naryPr>
+                          <m:chr m:val="∑"/>
+                          <m:supHide m:val="on"/>
+                          <m:ctrlPr>
+                            <a:rPr lang="en-US" altLang="zh-TW" sz="1500" i="1">
+                              <a:latin typeface="Cambria Math" panose="02040503050406030204" pitchFamily="18" charset="0"/>
+                              <a:cs typeface="Times New Roman" panose="02020603050405020304" pitchFamily="18" charset="0"/>
+                            </a:rPr>
+                          </m:ctrlPr>
+                        </m:naryPr>
+                        <m:sub>
+                          <m:r>
+                            <m:rPr>
+                              <m:brk m:alnAt="7"/>
+                            </m:rPr>
+                            <a:rPr lang="en-US" altLang="zh-TW" sz="1500" i="1">
+                              <a:latin typeface="Cambria Math" panose="02040503050406030204" pitchFamily="18" charset="0"/>
+                              <a:cs typeface="Times New Roman" panose="02020603050405020304" pitchFamily="18" charset="0"/>
+                            </a:rPr>
+                            <m:t>𝑛</m:t>
+                          </m:r>
+                        </m:sub>
+                        <m:sup/>
+                        <m:e>
+                          <m:sSub>
+                            <m:sSubPr>
+                              <m:ctrlPr>
+                                <a:rPr lang="en-US" altLang="zh-TW" sz="1500" i="1">
+                                  <a:latin typeface="Cambria Math" panose="02040503050406030204" pitchFamily="18" charset="0"/>
+                                  <a:cs typeface="Times New Roman" panose="02020603050405020304" pitchFamily="18" charset="0"/>
+                                </a:rPr>
+                              </m:ctrlPr>
+                            </m:sSubPr>
+                            <m:e>
+                              <m:r>
+                                <a:rPr lang="en-US" altLang="zh-TW" sz="1500" i="1">
+                                  <a:latin typeface="Cambria Math" panose="02040503050406030204" pitchFamily="18" charset="0"/>
+                                  <a:cs typeface="Times New Roman" panose="02020603050405020304" pitchFamily="18" charset="0"/>
+                                </a:rPr>
+                                <m:t>𝐼</m:t>
+                              </m:r>
+                            </m:e>
+                            <m:sub>
+                              <m:r>
+                                <a:rPr lang="en-US" altLang="zh-TW" sz="1500" i="1">
+                                  <a:latin typeface="Cambria Math" panose="02040503050406030204" pitchFamily="18" charset="0"/>
+                                  <a:cs typeface="Times New Roman" panose="02020603050405020304" pitchFamily="18" charset="0"/>
+                                </a:rPr>
+                                <m:t>𝑛</m:t>
+                              </m:r>
+                            </m:sub>
+                          </m:sSub>
+                          <m:r>
+                            <a:rPr lang="en-US" altLang="zh-TW" sz="1500" i="1">
+                              <a:latin typeface="Cambria Math" panose="02040503050406030204" pitchFamily="18" charset="0"/>
+                              <a:cs typeface="Times New Roman" panose="02020603050405020304" pitchFamily="18" charset="0"/>
+                            </a:rPr>
+                            <m:t>𝑥</m:t>
+                          </m:r>
+                          <m:d>
+                            <m:dPr>
+                              <m:ctrlPr>
+                                <a:rPr lang="en-US" altLang="zh-TW" sz="1500" i="1">
+                                  <a:latin typeface="Cambria Math" panose="02040503050406030204" pitchFamily="18" charset="0"/>
+                                  <a:cs typeface="Times New Roman" panose="02020603050405020304" pitchFamily="18" charset="0"/>
+                                </a:rPr>
+                              </m:ctrlPr>
+                            </m:dPr>
+                            <m:e>
+                              <m:r>
+                                <a:rPr lang="en-US" altLang="zh-TW" sz="1500" i="1">
+                                  <a:latin typeface="Cambria Math" panose="02040503050406030204" pitchFamily="18" charset="0"/>
+                                  <a:cs typeface="Times New Roman" panose="02020603050405020304" pitchFamily="18" charset="0"/>
+                                </a:rPr>
+                                <m:t>𝑡</m:t>
+                              </m:r>
+                              <m:r>
+                                <a:rPr lang="en-US" altLang="zh-TW" sz="1500" i="1">
+                                  <a:latin typeface="Cambria Math" panose="02040503050406030204" pitchFamily="18" charset="0"/>
+                                  <a:cs typeface="Times New Roman" panose="02020603050405020304" pitchFamily="18" charset="0"/>
+                                </a:rPr>
+                                <m:t>−</m:t>
+                              </m:r>
+                              <m:r>
+                                <a:rPr lang="en-US" altLang="zh-TW" sz="1500" i="1">
+                                  <a:latin typeface="Cambria Math" panose="02040503050406030204" pitchFamily="18" charset="0"/>
+                                  <a:cs typeface="Times New Roman" panose="02020603050405020304" pitchFamily="18" charset="0"/>
+                                </a:rPr>
+                                <m:t>𝑛𝑇</m:t>
+                              </m:r>
+                            </m:e>
+                          </m:d>
+                          <m:r>
+                            <a:rPr lang="en-US" altLang="zh-TW" sz="1500" i="1">
+                              <a:latin typeface="Cambria Math" panose="02040503050406030204" pitchFamily="18" charset="0"/>
+                              <a:cs typeface="Times New Roman" panose="02020603050405020304" pitchFamily="18" charset="0"/>
+                            </a:rPr>
+                            <m:t>+</m:t>
+                          </m:r>
+                          <m:r>
+                            <a:rPr lang="en-US" altLang="zh-TW" sz="1500" i="1">
+                              <a:latin typeface="Cambria Math" panose="02040503050406030204" pitchFamily="18" charset="0"/>
+                              <a:cs typeface="Times New Roman" panose="02020603050405020304" pitchFamily="18" charset="0"/>
+                            </a:rPr>
+                            <m:t>𝑛</m:t>
+                          </m:r>
+                          <m:d>
+                            <m:dPr>
+                              <m:ctrlPr>
+                                <a:rPr lang="en-US" altLang="zh-TW" sz="1500" i="1">
+                                  <a:latin typeface="Cambria Math" panose="02040503050406030204" pitchFamily="18" charset="0"/>
+                                  <a:cs typeface="Times New Roman" panose="02020603050405020304" pitchFamily="18" charset="0"/>
+                                </a:rPr>
+                              </m:ctrlPr>
+                            </m:dPr>
+                            <m:e>
+                              <m:r>
+                                <a:rPr lang="en-US" altLang="zh-TW" sz="1500" i="1">
+                                  <a:latin typeface="Cambria Math" panose="02040503050406030204" pitchFamily="18" charset="0"/>
+                                  <a:cs typeface="Times New Roman" panose="02020603050405020304" pitchFamily="18" charset="0"/>
+                                </a:rPr>
+                                <m:t>𝑡</m:t>
+                              </m:r>
+                            </m:e>
+                          </m:d>
+                          <m:r>
+                            <a:rPr lang="en-US" altLang="zh-TW" sz="1500" i="1">
+                              <a:latin typeface="Cambria Math" panose="02040503050406030204" pitchFamily="18" charset="0"/>
+                              <a:cs typeface="Times New Roman" panose="02020603050405020304" pitchFamily="18" charset="0"/>
+                            </a:rPr>
+                            <m:t>∗</m:t>
+                          </m:r>
+                          <m:sSub>
+                            <m:sSubPr>
+                              <m:ctrlPr>
+                                <a:rPr lang="en-US" altLang="zh-TW" sz="1500" i="1">
+                                  <a:latin typeface="Cambria Math" panose="02040503050406030204" pitchFamily="18" charset="0"/>
+                                  <a:cs typeface="Times New Roman" panose="02020603050405020304" pitchFamily="18" charset="0"/>
+                                </a:rPr>
+                              </m:ctrlPr>
+                            </m:sSubPr>
+                            <m:e>
+                              <m:r>
+                                <a:rPr lang="en-US" altLang="zh-TW" sz="1500" i="1">
+                                  <a:latin typeface="Cambria Math" panose="02040503050406030204" pitchFamily="18" charset="0"/>
+                                  <a:cs typeface="Times New Roman" panose="02020603050405020304" pitchFamily="18" charset="0"/>
+                                </a:rPr>
+                                <m:t>𝑔</m:t>
+                              </m:r>
+                            </m:e>
+                            <m:sub>
+                              <m:r>
+                                <a:rPr lang="en-US" altLang="zh-TW" sz="1500" i="1">
+                                  <a:latin typeface="Cambria Math" panose="02040503050406030204" pitchFamily="18" charset="0"/>
+                                  <a:cs typeface="Times New Roman" panose="02020603050405020304" pitchFamily="18" charset="0"/>
+                                </a:rPr>
+                                <m:t>𝑅</m:t>
+                              </m:r>
+                            </m:sub>
+                          </m:sSub>
+                          <m:r>
+                            <a:rPr lang="en-US" altLang="zh-TW" sz="1500" i="1">
+                              <a:latin typeface="Cambria Math" panose="02040503050406030204" pitchFamily="18" charset="0"/>
+                              <a:cs typeface="Times New Roman" panose="02020603050405020304" pitchFamily="18" charset="0"/>
+                            </a:rPr>
+                            <m:t>(</m:t>
+                          </m:r>
+                          <m:r>
+                            <a:rPr lang="en-US" altLang="zh-TW" sz="1500" i="1">
+                              <a:latin typeface="Cambria Math" panose="02040503050406030204" pitchFamily="18" charset="0"/>
+                              <a:cs typeface="Times New Roman" panose="02020603050405020304" pitchFamily="18" charset="0"/>
+                            </a:rPr>
+                            <m:t>𝑡</m:t>
+                          </m:r>
+                          <m:r>
+                            <a:rPr lang="en-US" altLang="zh-TW" sz="1500" i="1">
+                              <a:latin typeface="Cambria Math" panose="02040503050406030204" pitchFamily="18" charset="0"/>
+                              <a:cs typeface="Times New Roman" panose="02020603050405020304" pitchFamily="18" charset="0"/>
+                            </a:rPr>
+                            <m:t>)</m:t>
+                          </m:r>
+                        </m:e>
+                      </m:nary>
+                    </m:oMath>
+                  </m:oMathPara>
+                </a14:m>
+                <a:endParaRPr lang="zh-TW" altLang="en-US" sz="1500" dirty="0"/>
+              </a:p>
+            </p:txBody>
+          </p:sp>
+        </mc:Choice>
+        <mc:Fallback>
+          <p:sp>
+            <p:nvSpPr>
+              <p:cNvPr id="10" name="文字方塊 9"/>
+              <p:cNvSpPr txBox="1">
+                <a:spLocks noRot="1" noChangeAspect="1" noMove="1" noResize="1" noEditPoints="1" noAdjustHandles="1" noChangeArrowheads="1" noChangeShapeType="1" noTextEdit="1"/>
+              </p:cNvSpPr>
+              <p:nvPr/>
+            </p:nvSpPr>
+            <p:spPr>
+              <a:xfrm>
+                <a:off x="380425" y="2308549"/>
+                <a:ext cx="3303468" cy="652423"/>
+              </a:xfrm>
+              <a:prstGeom prst="rect">
+                <a:avLst/>
+              </a:prstGeom>
+              <a:blipFill>
+                <a:blip r:embed="rId7"/>
+                <a:stretch>
+                  <a:fillRect/>
+                </a:stretch>
+              </a:blipFill>
+            </p:spPr>
+            <p:txBody>
+              <a:bodyPr/>
+              <a:lstStyle/>
+              <a:p>
+                <a:r>
+                  <a:rPr lang="zh-TW" altLang="en-US">
+                    <a:noFill/>
+                  </a:rPr>
+                  <a:t> </a:t>
+                </a:r>
+              </a:p>
+            </p:txBody>
+          </p:sp>
+        </mc:Fallback>
+      </mc:AlternateContent>
+      <p:sp>
+        <p:nvSpPr>
+          <p:cNvPr id="11" name="文字方塊 10"/>
+          <p:cNvSpPr txBox="1"/>
+          <p:nvPr/>
+        </p:nvSpPr>
+        <p:spPr>
+          <a:xfrm>
+            <a:off x="25671" y="2399900"/>
+            <a:ext cx="436338" cy="369332"/>
+          </a:xfrm>
+          <a:prstGeom prst="rect">
+            <a:avLst/>
+          </a:prstGeom>
+          <a:noFill/>
+        </p:spPr>
+        <p:txBody>
+          <a:bodyPr wrap="none" rtlCol="0">
+            <a:spAutoFit/>
+          </a:bodyPr>
+          <a:lstStyle/>
+          <a:p>
+            <a:r>
+              <a:rPr lang="en-US" altLang="zh-TW" dirty="0" smtClean="0">
+                <a:solidFill>
+                  <a:srgbClr val="FF0000"/>
+                </a:solidFill>
+              </a:rPr>
+              <a:t>(a)</a:t>
+            </a:r>
+            <a:endParaRPr lang="zh-TW" altLang="en-US" dirty="0">
+              <a:solidFill>
+                <a:srgbClr val="FF0000"/>
+              </a:solidFill>
+            </a:endParaRPr>
+          </a:p>
+        </p:txBody>
+      </p:sp>
+      <mc:AlternateContent xmlns:mc="http://schemas.openxmlformats.org/markup-compatibility/2006">
+        <mc:Choice xmlns:a14="http://schemas.microsoft.com/office/drawing/2010/main" Requires="a14">
+          <p:sp>
+            <p:nvSpPr>
+              <p:cNvPr id="12" name="文字方塊 11"/>
+              <p:cNvSpPr txBox="1"/>
+              <p:nvPr/>
+            </p:nvSpPr>
+            <p:spPr>
+              <a:xfrm>
+                <a:off x="380425" y="2866923"/>
+                <a:ext cx="6497676" cy="524503"/>
+              </a:xfrm>
+              <a:prstGeom prst="rect">
+                <a:avLst/>
+              </a:prstGeom>
+              <a:noFill/>
+            </p:spPr>
+            <p:txBody>
+              <a:bodyPr wrap="none" rtlCol="0">
+                <a:spAutoFit/>
+              </a:bodyPr>
+              <a:lstStyle/>
+              <a:p>
+                <a14:m>
+                  <m:oMathPara xmlns:m="http://schemas.openxmlformats.org/officeDocument/2006/math">
+                    <m:oMathParaPr>
+                      <m:jc m:val="centerGroup"/>
+                    </m:oMathParaPr>
+                    <m:oMath xmlns:m="http://schemas.openxmlformats.org/officeDocument/2006/math">
+                      <m:r>
+                        <a:rPr lang="en-US" altLang="zh-TW" sz="1500" b="0" i="1" smtClean="0">
+                          <a:latin typeface="Cambria Math" panose="02040503050406030204" pitchFamily="18" charset="0"/>
+                          <a:cs typeface="Times New Roman" panose="02020603050405020304" pitchFamily="18" charset="0"/>
+                        </a:rPr>
+                        <m:t>𝑐</m:t>
+                      </m:r>
+                      <m:d>
+                        <m:dPr>
+                          <m:ctrlPr>
+                            <a:rPr lang="en-US" altLang="zh-TW" sz="1500" b="0" i="1" smtClean="0">
+                              <a:latin typeface="Cambria Math" panose="02040503050406030204" pitchFamily="18" charset="0"/>
+                              <a:cs typeface="Times New Roman" panose="02020603050405020304" pitchFamily="18" charset="0"/>
+                            </a:rPr>
+                          </m:ctrlPr>
+                        </m:dPr>
+                        <m:e>
+                          <m:r>
+                            <a:rPr lang="en-US" altLang="zh-TW" sz="1500" b="0" i="1" smtClean="0">
+                              <a:latin typeface="Cambria Math" panose="02040503050406030204" pitchFamily="18" charset="0"/>
+                              <a:cs typeface="Times New Roman" panose="02020603050405020304" pitchFamily="18" charset="0"/>
+                            </a:rPr>
+                            <m:t>𝑡</m:t>
+                          </m:r>
+                        </m:e>
+                      </m:d>
+                      <m:r>
+                        <a:rPr lang="en-US" altLang="zh-TW" sz="1500" b="0" i="1" smtClean="0">
+                          <a:latin typeface="Cambria Math" panose="02040503050406030204" pitchFamily="18" charset="0"/>
+                          <a:cs typeface="Times New Roman" panose="02020603050405020304" pitchFamily="18" charset="0"/>
+                        </a:rPr>
+                        <m:t>=</m:t>
+                      </m:r>
+                      <m:r>
+                        <a:rPr lang="en-US" altLang="zh-TW" sz="1500" b="0" i="1" smtClean="0">
+                          <a:latin typeface="Cambria Math" panose="02040503050406030204" pitchFamily="18" charset="0"/>
+                          <a:cs typeface="Times New Roman" panose="02020603050405020304" pitchFamily="18" charset="0"/>
+                        </a:rPr>
+                        <m:t>𝛿</m:t>
+                      </m:r>
+                      <m:d>
+                        <m:dPr>
+                          <m:ctrlPr>
+                            <a:rPr lang="en-US" altLang="zh-TW" sz="1500" b="0" i="1" smtClean="0">
+                              <a:latin typeface="Cambria Math" panose="02040503050406030204" pitchFamily="18" charset="0"/>
+                              <a:cs typeface="Times New Roman" panose="02020603050405020304" pitchFamily="18" charset="0"/>
+                            </a:rPr>
+                          </m:ctrlPr>
+                        </m:dPr>
+                        <m:e>
+                          <m:r>
+                            <a:rPr lang="en-US" altLang="zh-TW" sz="1500" b="0" i="1" smtClean="0">
+                              <a:latin typeface="Cambria Math" panose="02040503050406030204" pitchFamily="18" charset="0"/>
+                              <a:cs typeface="Times New Roman" panose="02020603050405020304" pitchFamily="18" charset="0"/>
+                            </a:rPr>
+                            <m:t>𝑡</m:t>
+                          </m:r>
+                        </m:e>
+                      </m:d>
+                      <m:r>
+                        <a:rPr lang="en-US" altLang="zh-TW" sz="1500" b="0" i="1" smtClean="0">
+                          <a:latin typeface="Cambria Math" panose="02040503050406030204" pitchFamily="18" charset="0"/>
+                          <a:cs typeface="Times New Roman" panose="02020603050405020304" pitchFamily="18" charset="0"/>
+                        </a:rPr>
+                        <m:t>+</m:t>
+                      </m:r>
+                      <m:f>
+                        <m:fPr>
+                          <m:ctrlPr>
+                            <a:rPr lang="en-US" altLang="zh-TW" sz="1500" b="0" i="1" smtClean="0">
+                              <a:latin typeface="Cambria Math" panose="02040503050406030204" pitchFamily="18" charset="0"/>
+                              <a:cs typeface="Times New Roman" panose="02020603050405020304" pitchFamily="18" charset="0"/>
+                            </a:rPr>
+                          </m:ctrlPr>
+                        </m:fPr>
+                        <m:num>
+                          <m:r>
+                            <a:rPr lang="en-US" altLang="zh-TW" sz="1500" b="0" i="1" smtClean="0">
+                              <a:latin typeface="Cambria Math" panose="02040503050406030204" pitchFamily="18" charset="0"/>
+                              <a:cs typeface="Times New Roman" panose="02020603050405020304" pitchFamily="18" charset="0"/>
+                            </a:rPr>
+                            <m:t>1</m:t>
+                          </m:r>
+                        </m:num>
+                        <m:den>
+                          <m:r>
+                            <a:rPr lang="en-US" altLang="zh-TW" sz="1500" b="0" i="1" smtClean="0">
+                              <a:latin typeface="Cambria Math" panose="02040503050406030204" pitchFamily="18" charset="0"/>
+                              <a:cs typeface="Times New Roman" panose="02020603050405020304" pitchFamily="18" charset="0"/>
+                            </a:rPr>
+                            <m:t>2</m:t>
+                          </m:r>
+                        </m:den>
+                      </m:f>
+                      <m:d>
+                        <m:dPr>
+                          <m:begChr m:val="["/>
+                          <m:endChr m:val="]"/>
+                          <m:ctrlPr>
+                            <a:rPr lang="en-US" altLang="zh-TW" sz="1500" b="0" i="1" smtClean="0">
+                              <a:latin typeface="Cambria Math" panose="02040503050406030204" pitchFamily="18" charset="0"/>
+                              <a:cs typeface="Times New Roman" panose="02020603050405020304" pitchFamily="18" charset="0"/>
+                            </a:rPr>
+                          </m:ctrlPr>
+                        </m:dPr>
+                        <m:e>
+                          <m:r>
+                            <a:rPr lang="en-US" altLang="zh-TW" sz="1500" b="0" i="1" smtClean="0">
+                              <a:latin typeface="Cambria Math" panose="02040503050406030204" pitchFamily="18" charset="0"/>
+                              <a:cs typeface="Times New Roman" panose="02020603050405020304" pitchFamily="18" charset="0"/>
+                            </a:rPr>
+                            <m:t>𝛿</m:t>
+                          </m:r>
+                          <m:d>
+                            <m:dPr>
+                              <m:ctrlPr>
+                                <a:rPr lang="en-US" altLang="zh-TW" sz="1500" b="0" i="1" smtClean="0">
+                                  <a:latin typeface="Cambria Math" panose="02040503050406030204" pitchFamily="18" charset="0"/>
+                                  <a:cs typeface="Times New Roman" panose="02020603050405020304" pitchFamily="18" charset="0"/>
+                                </a:rPr>
+                              </m:ctrlPr>
+                            </m:dPr>
+                            <m:e>
+                              <m:r>
+                                <a:rPr lang="en-US" altLang="zh-TW" sz="1500" b="0" i="1" smtClean="0">
+                                  <a:latin typeface="Cambria Math" panose="02040503050406030204" pitchFamily="18" charset="0"/>
+                                  <a:cs typeface="Times New Roman" panose="02020603050405020304" pitchFamily="18" charset="0"/>
+                                </a:rPr>
+                                <m:t>𝑡</m:t>
+                              </m:r>
+                              <m:r>
+                                <a:rPr lang="en-US" altLang="zh-TW" sz="1500" b="0" i="1" smtClean="0">
+                                  <a:latin typeface="Cambria Math" panose="02040503050406030204" pitchFamily="18" charset="0"/>
+                                  <a:cs typeface="Times New Roman" panose="02020603050405020304" pitchFamily="18" charset="0"/>
+                                </a:rPr>
+                                <m:t>−</m:t>
+                              </m:r>
+                              <m:r>
+                                <a:rPr lang="en-US" altLang="zh-TW" sz="1500" b="0" i="1" smtClean="0">
+                                  <a:latin typeface="Cambria Math" panose="02040503050406030204" pitchFamily="18" charset="0"/>
+                                  <a:cs typeface="Times New Roman" panose="02020603050405020304" pitchFamily="18" charset="0"/>
+                                </a:rPr>
+                                <m:t>𝑇</m:t>
+                              </m:r>
+                            </m:e>
+                          </m:d>
+                          <m:r>
+                            <a:rPr lang="en-US" altLang="zh-TW" sz="1500" b="0" i="1" smtClean="0">
+                              <a:latin typeface="Cambria Math" panose="02040503050406030204" pitchFamily="18" charset="0"/>
+                              <a:cs typeface="Times New Roman" panose="02020603050405020304" pitchFamily="18" charset="0"/>
+                            </a:rPr>
+                            <m:t>+</m:t>
+                          </m:r>
+                          <m:r>
+                            <a:rPr lang="en-US" altLang="zh-TW" sz="1500" b="0" i="1" smtClean="0">
+                              <a:latin typeface="Cambria Math" panose="02040503050406030204" pitchFamily="18" charset="0"/>
+                              <a:cs typeface="Times New Roman" panose="02020603050405020304" pitchFamily="18" charset="0"/>
+                            </a:rPr>
+                            <m:t>𝛿</m:t>
+                          </m:r>
+                          <m:d>
+                            <m:dPr>
+                              <m:ctrlPr>
+                                <a:rPr lang="en-US" altLang="zh-TW" sz="1500" b="0" i="1" smtClean="0">
+                                  <a:latin typeface="Cambria Math" panose="02040503050406030204" pitchFamily="18" charset="0"/>
+                                  <a:cs typeface="Times New Roman" panose="02020603050405020304" pitchFamily="18" charset="0"/>
+                                </a:rPr>
+                              </m:ctrlPr>
+                            </m:dPr>
+                            <m:e>
+                              <m:r>
+                                <a:rPr lang="en-US" altLang="zh-TW" sz="1500" b="0" i="1" smtClean="0">
+                                  <a:latin typeface="Cambria Math" panose="02040503050406030204" pitchFamily="18" charset="0"/>
+                                  <a:cs typeface="Times New Roman" panose="02020603050405020304" pitchFamily="18" charset="0"/>
+                                </a:rPr>
+                                <m:t>𝑡</m:t>
+                              </m:r>
+                              <m:r>
+                                <a:rPr lang="en-US" altLang="zh-TW" sz="1500" b="0" i="1" smtClean="0">
+                                  <a:latin typeface="Cambria Math" panose="02040503050406030204" pitchFamily="18" charset="0"/>
+                                  <a:cs typeface="Times New Roman" panose="02020603050405020304" pitchFamily="18" charset="0"/>
+                                </a:rPr>
+                                <m:t>+</m:t>
+                              </m:r>
+                              <m:r>
+                                <a:rPr lang="en-US" altLang="zh-TW" sz="1500" b="0" i="1" smtClean="0">
+                                  <a:latin typeface="Cambria Math" panose="02040503050406030204" pitchFamily="18" charset="0"/>
+                                  <a:cs typeface="Times New Roman" panose="02020603050405020304" pitchFamily="18" charset="0"/>
+                                </a:rPr>
+                                <m:t>𝑇</m:t>
+                              </m:r>
+                            </m:e>
+                          </m:d>
+                        </m:e>
+                      </m:d>
+                      <m:r>
+                        <a:rPr lang="en-US" altLang="zh-TW" sz="1500" b="0" i="1" smtClean="0">
+                          <a:latin typeface="Cambria Math" panose="02040503050406030204" pitchFamily="18" charset="0"/>
+                          <a:cs typeface="Times New Roman" panose="02020603050405020304" pitchFamily="18" charset="0"/>
+                        </a:rPr>
+                        <m:t>→</m:t>
+                      </m:r>
+                      <m:sSub>
+                        <m:sSubPr>
+                          <m:ctrlPr>
+                            <a:rPr lang="en-US" altLang="zh-TW" sz="1500" b="0" i="1" smtClean="0">
+                              <a:latin typeface="Cambria Math" panose="02040503050406030204" pitchFamily="18" charset="0"/>
+                              <a:cs typeface="Times New Roman" panose="02020603050405020304" pitchFamily="18" charset="0"/>
+                            </a:rPr>
+                          </m:ctrlPr>
+                        </m:sSubPr>
+                        <m:e>
+                          <m:r>
+                            <a:rPr lang="en-US" altLang="zh-TW" sz="1500" b="0" i="1" smtClean="0">
+                              <a:latin typeface="Cambria Math" panose="02040503050406030204" pitchFamily="18" charset="0"/>
+                              <a:cs typeface="Times New Roman" panose="02020603050405020304" pitchFamily="18" charset="0"/>
+                            </a:rPr>
+                            <m:t>𝑐</m:t>
+                          </m:r>
+                        </m:e>
+                        <m:sub>
+                          <m:r>
+                            <a:rPr lang="en-US" altLang="zh-TW" sz="1500" b="0" i="1" smtClean="0">
+                              <a:latin typeface="Cambria Math" panose="02040503050406030204" pitchFamily="18" charset="0"/>
+                              <a:cs typeface="Times New Roman" panose="02020603050405020304" pitchFamily="18" charset="0"/>
+                            </a:rPr>
+                            <m:t>𝑘</m:t>
+                          </m:r>
+                        </m:sub>
+                      </m:sSub>
+                      <m:r>
+                        <a:rPr lang="en-US" altLang="zh-TW" sz="1500" b="0" i="1" smtClean="0">
+                          <a:latin typeface="Cambria Math" panose="02040503050406030204" pitchFamily="18" charset="0"/>
+                          <a:cs typeface="Times New Roman" panose="02020603050405020304" pitchFamily="18" charset="0"/>
+                        </a:rPr>
+                        <m:t>=</m:t>
+                      </m:r>
+                      <m:r>
+                        <a:rPr lang="en-US" altLang="zh-TW" sz="1500" b="0" i="1" smtClean="0">
+                          <a:latin typeface="Cambria Math" panose="02040503050406030204" pitchFamily="18" charset="0"/>
+                          <a:cs typeface="Times New Roman" panose="02020603050405020304" pitchFamily="18" charset="0"/>
+                        </a:rPr>
+                        <m:t>𝛿</m:t>
+                      </m:r>
+                      <m:d>
+                        <m:dPr>
+                          <m:begChr m:val="["/>
+                          <m:endChr m:val="]"/>
+                          <m:ctrlPr>
+                            <a:rPr lang="en-US" altLang="zh-TW" sz="1500" b="0" i="1" smtClean="0">
+                              <a:latin typeface="Cambria Math" panose="02040503050406030204" pitchFamily="18" charset="0"/>
+                              <a:cs typeface="Times New Roman" panose="02020603050405020304" pitchFamily="18" charset="0"/>
+                            </a:rPr>
+                          </m:ctrlPr>
+                        </m:dPr>
+                        <m:e>
+                          <m:r>
+                            <a:rPr lang="en-US" altLang="zh-TW" sz="1500" b="0" i="1" smtClean="0">
+                              <a:latin typeface="Cambria Math" panose="02040503050406030204" pitchFamily="18" charset="0"/>
+                              <a:cs typeface="Times New Roman" panose="02020603050405020304" pitchFamily="18" charset="0"/>
+                            </a:rPr>
+                            <m:t>𝑘</m:t>
+                          </m:r>
+                        </m:e>
+                      </m:d>
+                      <m:r>
+                        <a:rPr lang="en-US" altLang="zh-TW" sz="1500" b="0" i="1" smtClean="0">
+                          <a:latin typeface="Cambria Math" panose="02040503050406030204" pitchFamily="18" charset="0"/>
+                          <a:cs typeface="Times New Roman" panose="02020603050405020304" pitchFamily="18" charset="0"/>
+                        </a:rPr>
+                        <m:t>+</m:t>
+                      </m:r>
+                      <m:f>
+                        <m:fPr>
+                          <m:ctrlPr>
+                            <a:rPr lang="en-US" altLang="zh-TW" sz="1500" b="0" i="1" smtClean="0">
+                              <a:latin typeface="Cambria Math" panose="02040503050406030204" pitchFamily="18" charset="0"/>
+                              <a:cs typeface="Times New Roman" panose="02020603050405020304" pitchFamily="18" charset="0"/>
+                            </a:rPr>
+                          </m:ctrlPr>
+                        </m:fPr>
+                        <m:num>
+                          <m:r>
+                            <a:rPr lang="en-US" altLang="zh-TW" sz="1500" b="0" i="1" smtClean="0">
+                              <a:latin typeface="Cambria Math" panose="02040503050406030204" pitchFamily="18" charset="0"/>
+                              <a:cs typeface="Times New Roman" panose="02020603050405020304" pitchFamily="18" charset="0"/>
+                            </a:rPr>
+                            <m:t>1</m:t>
+                          </m:r>
+                        </m:num>
+                        <m:den>
+                          <m:r>
+                            <a:rPr lang="en-US" altLang="zh-TW" sz="1500" b="0" i="1" smtClean="0">
+                              <a:latin typeface="Cambria Math" panose="02040503050406030204" pitchFamily="18" charset="0"/>
+                              <a:cs typeface="Times New Roman" panose="02020603050405020304" pitchFamily="18" charset="0"/>
+                            </a:rPr>
+                            <m:t>2</m:t>
+                          </m:r>
+                        </m:den>
+                      </m:f>
+                      <m:r>
+                        <a:rPr lang="en-US" altLang="zh-TW" sz="1500" b="0" i="1" smtClean="0">
+                          <a:latin typeface="Cambria Math" panose="02040503050406030204" pitchFamily="18" charset="0"/>
+                          <a:cs typeface="Times New Roman" panose="02020603050405020304" pitchFamily="18" charset="0"/>
+                        </a:rPr>
+                        <m:t>(</m:t>
+                      </m:r>
+                      <m:r>
+                        <a:rPr lang="en-US" altLang="zh-TW" sz="1500" b="0" i="1" smtClean="0">
+                          <a:latin typeface="Cambria Math" panose="02040503050406030204" pitchFamily="18" charset="0"/>
+                          <a:cs typeface="Times New Roman" panose="02020603050405020304" pitchFamily="18" charset="0"/>
+                        </a:rPr>
+                        <m:t>𝛿</m:t>
+                      </m:r>
+                      <m:d>
+                        <m:dPr>
+                          <m:begChr m:val="["/>
+                          <m:endChr m:val="]"/>
+                          <m:ctrlPr>
+                            <a:rPr lang="en-US" altLang="zh-TW" sz="1500" b="0" i="1" smtClean="0">
+                              <a:latin typeface="Cambria Math" panose="02040503050406030204" pitchFamily="18" charset="0"/>
+                              <a:cs typeface="Times New Roman" panose="02020603050405020304" pitchFamily="18" charset="0"/>
+                            </a:rPr>
+                          </m:ctrlPr>
+                        </m:dPr>
+                        <m:e>
+                          <m:r>
+                            <a:rPr lang="en-US" altLang="zh-TW" sz="1500" b="0" i="1" smtClean="0">
+                              <a:latin typeface="Cambria Math" panose="02040503050406030204" pitchFamily="18" charset="0"/>
+                              <a:cs typeface="Times New Roman" panose="02020603050405020304" pitchFamily="18" charset="0"/>
+                            </a:rPr>
+                            <m:t>𝑘</m:t>
+                          </m:r>
+                          <m:r>
+                            <a:rPr lang="en-US" altLang="zh-TW" sz="1500" b="0" i="1" smtClean="0">
+                              <a:latin typeface="Cambria Math" panose="02040503050406030204" pitchFamily="18" charset="0"/>
+                              <a:cs typeface="Times New Roman" panose="02020603050405020304" pitchFamily="18" charset="0"/>
+                            </a:rPr>
+                            <m:t>−1</m:t>
+                          </m:r>
+                        </m:e>
+                      </m:d>
+                      <m:r>
+                        <a:rPr lang="en-US" altLang="zh-TW" sz="1500" b="0" i="1" smtClean="0">
+                          <a:latin typeface="Cambria Math" panose="02040503050406030204" pitchFamily="18" charset="0"/>
+                          <a:cs typeface="Times New Roman" panose="02020603050405020304" pitchFamily="18" charset="0"/>
+                        </a:rPr>
+                        <m:t>+</m:t>
+                      </m:r>
+                      <m:r>
+                        <a:rPr lang="en-US" altLang="zh-TW" sz="1500" b="0" i="1" smtClean="0">
+                          <a:latin typeface="Cambria Math" panose="02040503050406030204" pitchFamily="18" charset="0"/>
+                          <a:cs typeface="Times New Roman" panose="02020603050405020304" pitchFamily="18" charset="0"/>
+                        </a:rPr>
+                        <m:t>𝛿</m:t>
+                      </m:r>
+                      <m:r>
+                        <a:rPr lang="en-US" altLang="zh-TW" sz="1500" b="0" i="1" smtClean="0">
+                          <a:latin typeface="Cambria Math" panose="02040503050406030204" pitchFamily="18" charset="0"/>
+                          <a:cs typeface="Times New Roman" panose="02020603050405020304" pitchFamily="18" charset="0"/>
+                        </a:rPr>
+                        <m:t>[</m:t>
+                      </m:r>
+                      <m:r>
+                        <a:rPr lang="en-US" altLang="zh-TW" sz="1500" b="0" i="1" smtClean="0">
+                          <a:latin typeface="Cambria Math" panose="02040503050406030204" pitchFamily="18" charset="0"/>
+                          <a:cs typeface="Times New Roman" panose="02020603050405020304" pitchFamily="18" charset="0"/>
+                        </a:rPr>
+                        <m:t>𝑘</m:t>
+                      </m:r>
+                      <m:r>
+                        <a:rPr lang="en-US" altLang="zh-TW" sz="1500" b="0" i="1" smtClean="0">
+                          <a:latin typeface="Cambria Math" panose="02040503050406030204" pitchFamily="18" charset="0"/>
+                          <a:cs typeface="Times New Roman" panose="02020603050405020304" pitchFamily="18" charset="0"/>
+                        </a:rPr>
+                        <m:t>+1])</m:t>
+                      </m:r>
+                    </m:oMath>
+                  </m:oMathPara>
+                </a14:m>
+                <a:endParaRPr lang="zh-TW" altLang="en-US" sz="1500" dirty="0"/>
+              </a:p>
+            </p:txBody>
+          </p:sp>
+        </mc:Choice>
+        <mc:Fallback>
+          <p:sp>
+            <p:nvSpPr>
+              <p:cNvPr id="12" name="文字方塊 11"/>
+              <p:cNvSpPr txBox="1">
+                <a:spLocks noRot="1" noChangeAspect="1" noMove="1" noResize="1" noEditPoints="1" noAdjustHandles="1" noChangeArrowheads="1" noChangeShapeType="1" noTextEdit="1"/>
+              </p:cNvSpPr>
+              <p:nvPr/>
+            </p:nvSpPr>
+            <p:spPr>
+              <a:xfrm>
+                <a:off x="380425" y="2866923"/>
+                <a:ext cx="6497676" cy="524503"/>
+              </a:xfrm>
+              <a:prstGeom prst="rect">
+                <a:avLst/>
+              </a:prstGeom>
+              <a:blipFill>
+                <a:blip r:embed="rId8"/>
+                <a:stretch>
+                  <a:fillRect b="-3488"/>
+                </a:stretch>
+              </a:blipFill>
+            </p:spPr>
+            <p:txBody>
+              <a:bodyPr/>
+              <a:lstStyle/>
+              <a:p>
+                <a:r>
+                  <a:rPr lang="zh-TW" altLang="en-US">
+                    <a:noFill/>
+                  </a:rPr>
+                  <a:t> </a:t>
+                </a:r>
+              </a:p>
+            </p:txBody>
+          </p:sp>
+        </mc:Fallback>
+      </mc:AlternateContent>
+      <mc:AlternateContent xmlns:mc="http://schemas.openxmlformats.org/markup-compatibility/2006">
+        <mc:Choice xmlns:a14="http://schemas.microsoft.com/office/drawing/2010/main" Requires="a14">
+          <p:sp>
+            <p:nvSpPr>
+              <p:cNvPr id="13" name="文字方塊 12"/>
+              <p:cNvSpPr txBox="1"/>
+              <p:nvPr/>
+            </p:nvSpPr>
+            <p:spPr>
+              <a:xfrm>
+                <a:off x="380425" y="3301749"/>
+                <a:ext cx="6531275" cy="532582"/>
+              </a:xfrm>
+              <a:prstGeom prst="rect">
+                <a:avLst/>
+              </a:prstGeom>
+              <a:noFill/>
+            </p:spPr>
+            <p:txBody>
+              <a:bodyPr wrap="none" rtlCol="0">
+                <a:spAutoFit/>
+              </a:bodyPr>
+              <a:lstStyle/>
+              <a:p>
+                <a14:m>
+                  <m:oMathPara xmlns:m="http://schemas.openxmlformats.org/officeDocument/2006/math">
+                    <m:oMathParaPr>
+                      <m:jc m:val="centerGroup"/>
+                    </m:oMathParaPr>
+                    <m:oMath xmlns:m="http://schemas.openxmlformats.org/officeDocument/2006/math">
+                      <m:sSub>
+                        <m:sSubPr>
+                          <m:ctrlPr>
+                            <a:rPr lang="en-US" altLang="zh-TW" sz="1500" b="0" i="1" smtClean="0">
+                              <a:latin typeface="Cambria Math" panose="02040503050406030204" pitchFamily="18" charset="0"/>
+                            </a:rPr>
+                          </m:ctrlPr>
+                        </m:sSubPr>
+                        <m:e>
+                          <m:r>
+                            <a:rPr lang="en-US" altLang="zh-TW" sz="1500" b="0" i="1" smtClean="0">
+                              <a:latin typeface="Cambria Math" panose="02040503050406030204" pitchFamily="18" charset="0"/>
+                            </a:rPr>
+                            <m:t>𝑥</m:t>
+                          </m:r>
+                        </m:e>
+                        <m:sub>
+                          <m:r>
+                            <a:rPr lang="en-US" altLang="zh-TW" sz="1500" b="0" i="1" smtClean="0">
+                              <a:latin typeface="Cambria Math" panose="02040503050406030204" pitchFamily="18" charset="0"/>
+                            </a:rPr>
+                            <m:t>𝑘</m:t>
+                          </m:r>
+                        </m:sub>
+                      </m:sSub>
+                      <m:r>
+                        <a:rPr lang="en-US" altLang="zh-TW" sz="1500" b="0" i="1" smtClean="0">
+                          <a:latin typeface="Cambria Math" panose="02040503050406030204" pitchFamily="18" charset="0"/>
+                        </a:rPr>
+                        <m:t>=</m:t>
+                      </m:r>
+                      <m:sSub>
+                        <m:sSubPr>
+                          <m:ctrlPr>
+                            <a:rPr lang="en-US" altLang="zh-TW" sz="1500" b="0" i="1" smtClean="0">
+                              <a:latin typeface="Cambria Math" panose="02040503050406030204" pitchFamily="18" charset="0"/>
+                            </a:rPr>
+                          </m:ctrlPr>
+                        </m:sSubPr>
+                        <m:e>
+                          <m:r>
+                            <a:rPr lang="en-US" altLang="zh-TW" sz="1500" b="0" i="1" smtClean="0">
+                              <a:latin typeface="Cambria Math" panose="02040503050406030204" pitchFamily="18" charset="0"/>
+                            </a:rPr>
+                            <m:t>𝑔</m:t>
+                          </m:r>
+                        </m:e>
+                        <m:sub>
+                          <m:r>
+                            <a:rPr lang="en-US" altLang="zh-TW" sz="1500" b="0" i="1" smtClean="0">
+                              <a:latin typeface="Cambria Math" panose="02040503050406030204" pitchFamily="18" charset="0"/>
+                            </a:rPr>
+                            <m:t>𝑘</m:t>
+                          </m:r>
+                        </m:sub>
+                      </m:sSub>
+                      <m:r>
+                        <a:rPr lang="en-US" altLang="zh-TW" sz="1500" b="0" i="1" smtClean="0">
+                          <a:latin typeface="Cambria Math" panose="02040503050406030204" pitchFamily="18" charset="0"/>
+                        </a:rPr>
+                        <m:t>∗</m:t>
+                      </m:r>
+                      <m:sSub>
+                        <m:sSubPr>
+                          <m:ctrlPr>
+                            <a:rPr lang="en-US" altLang="zh-TW" sz="1500" b="0" i="1" smtClean="0">
+                              <a:latin typeface="Cambria Math" panose="02040503050406030204" pitchFamily="18" charset="0"/>
+                            </a:rPr>
+                          </m:ctrlPr>
+                        </m:sSubPr>
+                        <m:e>
+                          <m:r>
+                            <a:rPr lang="en-US" altLang="zh-TW" sz="1500" b="0" i="1" smtClean="0">
+                              <a:latin typeface="Cambria Math" panose="02040503050406030204" pitchFamily="18" charset="0"/>
+                            </a:rPr>
+                            <m:t>𝑐</m:t>
+                          </m:r>
+                        </m:e>
+                        <m:sub>
+                          <m:r>
+                            <a:rPr lang="en-US" altLang="zh-TW" sz="1500" b="0" i="1" smtClean="0">
+                              <a:latin typeface="Cambria Math" panose="02040503050406030204" pitchFamily="18" charset="0"/>
+                            </a:rPr>
+                            <m:t>𝑘</m:t>
+                          </m:r>
+                        </m:sub>
+                      </m:sSub>
+                      <m:r>
+                        <a:rPr lang="en-US" altLang="zh-TW" sz="1500" b="0" i="1" smtClean="0">
+                          <a:latin typeface="Cambria Math" panose="02040503050406030204" pitchFamily="18" charset="0"/>
+                        </a:rPr>
+                        <m:t>=</m:t>
+                      </m:r>
+                      <m:sSub>
+                        <m:sSubPr>
+                          <m:ctrlPr>
+                            <a:rPr lang="en-US" altLang="zh-TW" sz="1500" b="0" i="1" smtClean="0">
+                              <a:latin typeface="Cambria Math" panose="02040503050406030204" pitchFamily="18" charset="0"/>
+                            </a:rPr>
+                          </m:ctrlPr>
+                        </m:sSubPr>
+                        <m:e>
+                          <m:r>
+                            <a:rPr lang="en-US" altLang="zh-TW" sz="1500" b="0" i="1" smtClean="0">
+                              <a:latin typeface="Cambria Math" panose="02040503050406030204" pitchFamily="18" charset="0"/>
+                            </a:rPr>
+                            <m:t>𝑔</m:t>
+                          </m:r>
+                        </m:e>
+                        <m:sub>
+                          <m:r>
+                            <a:rPr lang="en-US" altLang="zh-TW" sz="1500" b="0" i="1" smtClean="0">
+                              <a:latin typeface="Cambria Math" panose="02040503050406030204" pitchFamily="18" charset="0"/>
+                            </a:rPr>
+                            <m:t>𝑘</m:t>
+                          </m:r>
+                        </m:sub>
+                      </m:sSub>
+                      <m:r>
+                        <a:rPr lang="en-US" altLang="zh-TW" sz="1500" b="0" i="1" smtClean="0">
+                          <a:latin typeface="Cambria Math" panose="02040503050406030204" pitchFamily="18" charset="0"/>
+                        </a:rPr>
+                        <m:t>∗</m:t>
+                      </m:r>
+                      <m:d>
+                        <m:dPr>
+                          <m:begChr m:val="{"/>
+                          <m:endChr m:val="}"/>
+                          <m:ctrlPr>
+                            <a:rPr lang="en-US" altLang="zh-TW" sz="1500" b="0" i="1" smtClean="0">
+                              <a:latin typeface="Cambria Math" panose="02040503050406030204" pitchFamily="18" charset="0"/>
+                            </a:rPr>
+                          </m:ctrlPr>
+                        </m:dPr>
+                        <m:e>
+                          <m:r>
+                            <a:rPr lang="en-US" altLang="zh-TW" sz="1500" b="0" i="1" smtClean="0">
+                              <a:latin typeface="Cambria Math" panose="02040503050406030204" pitchFamily="18" charset="0"/>
+                            </a:rPr>
+                            <m:t>𝛿</m:t>
+                          </m:r>
+                          <m:d>
+                            <m:dPr>
+                              <m:begChr m:val="["/>
+                              <m:endChr m:val="]"/>
+                              <m:ctrlPr>
+                                <a:rPr lang="en-US" altLang="zh-TW" sz="1500" b="0" i="1" smtClean="0">
+                                  <a:latin typeface="Cambria Math" panose="02040503050406030204" pitchFamily="18" charset="0"/>
+                                </a:rPr>
+                              </m:ctrlPr>
+                            </m:dPr>
+                            <m:e>
+                              <m:r>
+                                <a:rPr lang="en-US" altLang="zh-TW" sz="1500" b="0" i="1" smtClean="0">
+                                  <a:latin typeface="Cambria Math" panose="02040503050406030204" pitchFamily="18" charset="0"/>
+                                </a:rPr>
+                                <m:t>𝑘</m:t>
+                              </m:r>
+                            </m:e>
+                          </m:d>
+                          <m:r>
+                            <a:rPr lang="en-US" altLang="zh-TW" sz="1500" b="0" i="1" smtClean="0">
+                              <a:latin typeface="Cambria Math" panose="02040503050406030204" pitchFamily="18" charset="0"/>
+                            </a:rPr>
+                            <m:t>+</m:t>
+                          </m:r>
+                          <m:f>
+                            <m:fPr>
+                              <m:ctrlPr>
+                                <a:rPr lang="en-US" altLang="zh-TW" sz="1500" b="0" i="1" smtClean="0">
+                                  <a:latin typeface="Cambria Math" panose="02040503050406030204" pitchFamily="18" charset="0"/>
+                                </a:rPr>
+                              </m:ctrlPr>
+                            </m:fPr>
+                            <m:num>
+                              <m:r>
+                                <a:rPr lang="en-US" altLang="zh-TW" sz="1500" b="0" i="1" smtClean="0">
+                                  <a:latin typeface="Cambria Math" panose="02040503050406030204" pitchFamily="18" charset="0"/>
+                                </a:rPr>
+                                <m:t>1</m:t>
+                              </m:r>
+                            </m:num>
+                            <m:den>
+                              <m:r>
+                                <a:rPr lang="en-US" altLang="zh-TW" sz="1500" b="0" i="1" smtClean="0">
+                                  <a:latin typeface="Cambria Math" panose="02040503050406030204" pitchFamily="18" charset="0"/>
+                                </a:rPr>
+                                <m:t>2</m:t>
+                              </m:r>
+                            </m:den>
+                          </m:f>
+                          <m:d>
+                            <m:dPr>
+                              <m:ctrlPr>
+                                <a:rPr lang="en-US" altLang="zh-TW" sz="1500" b="0" i="1" smtClean="0">
+                                  <a:latin typeface="Cambria Math" panose="02040503050406030204" pitchFamily="18" charset="0"/>
+                                </a:rPr>
+                              </m:ctrlPr>
+                            </m:dPr>
+                            <m:e>
+                              <m:r>
+                                <a:rPr lang="en-US" altLang="zh-TW" sz="1500" b="0" i="1" smtClean="0">
+                                  <a:latin typeface="Cambria Math" panose="02040503050406030204" pitchFamily="18" charset="0"/>
+                                </a:rPr>
+                                <m:t>𝛿</m:t>
+                              </m:r>
+                              <m:d>
+                                <m:dPr>
+                                  <m:begChr m:val="["/>
+                                  <m:endChr m:val="]"/>
+                                  <m:ctrlPr>
+                                    <a:rPr lang="en-US" altLang="zh-TW" sz="1500" b="0" i="1" smtClean="0">
+                                      <a:latin typeface="Cambria Math" panose="02040503050406030204" pitchFamily="18" charset="0"/>
+                                    </a:rPr>
+                                  </m:ctrlPr>
+                                </m:dPr>
+                                <m:e>
+                                  <m:r>
+                                    <a:rPr lang="en-US" altLang="zh-TW" sz="1500" b="0" i="1" smtClean="0">
+                                      <a:latin typeface="Cambria Math" panose="02040503050406030204" pitchFamily="18" charset="0"/>
+                                    </a:rPr>
+                                    <m:t>𝑘</m:t>
+                                  </m:r>
+                                  <m:r>
+                                    <a:rPr lang="en-US" altLang="zh-TW" sz="1500" b="0" i="1" smtClean="0">
+                                      <a:latin typeface="Cambria Math" panose="02040503050406030204" pitchFamily="18" charset="0"/>
+                                    </a:rPr>
+                                    <m:t>−1</m:t>
+                                  </m:r>
+                                </m:e>
+                              </m:d>
+                              <m:r>
+                                <a:rPr lang="en-US" altLang="zh-TW" sz="1500" b="0" i="1" smtClean="0">
+                                  <a:latin typeface="Cambria Math" panose="02040503050406030204" pitchFamily="18" charset="0"/>
+                                </a:rPr>
+                                <m:t>+</m:t>
+                              </m:r>
+                              <m:r>
+                                <a:rPr lang="en-US" altLang="zh-TW" sz="1500" b="0" i="1" smtClean="0">
+                                  <a:latin typeface="Cambria Math" panose="02040503050406030204" pitchFamily="18" charset="0"/>
+                                </a:rPr>
+                                <m:t>𝛿</m:t>
+                              </m:r>
+                              <m:d>
+                                <m:dPr>
+                                  <m:begChr m:val="["/>
+                                  <m:endChr m:val="]"/>
+                                  <m:ctrlPr>
+                                    <a:rPr lang="en-US" altLang="zh-TW" sz="1500" b="0" i="1" smtClean="0">
+                                      <a:latin typeface="Cambria Math" panose="02040503050406030204" pitchFamily="18" charset="0"/>
+                                    </a:rPr>
+                                  </m:ctrlPr>
+                                </m:dPr>
+                                <m:e>
+                                  <m:r>
+                                    <a:rPr lang="en-US" altLang="zh-TW" sz="1500" b="0" i="1" smtClean="0">
+                                      <a:latin typeface="Cambria Math" panose="02040503050406030204" pitchFamily="18" charset="0"/>
+                                    </a:rPr>
+                                    <m:t>𝑘</m:t>
+                                  </m:r>
+                                  <m:r>
+                                    <a:rPr lang="en-US" altLang="zh-TW" sz="1500" b="0" i="1" smtClean="0">
+                                      <a:latin typeface="Cambria Math" panose="02040503050406030204" pitchFamily="18" charset="0"/>
+                                    </a:rPr>
+                                    <m:t>+1</m:t>
+                                  </m:r>
+                                </m:e>
+                              </m:d>
+                            </m:e>
+                          </m:d>
+                        </m:e>
+                      </m:d>
+                      <m:r>
+                        <a:rPr lang="en-US" altLang="zh-TW" sz="1500" b="0" i="1" smtClean="0">
+                          <a:latin typeface="Cambria Math" panose="02040503050406030204" pitchFamily="18" charset="0"/>
+                        </a:rPr>
+                        <m:t>=</m:t>
+                      </m:r>
+                      <m:sSub>
+                        <m:sSubPr>
+                          <m:ctrlPr>
+                            <a:rPr lang="en-US" altLang="zh-TW" sz="1500" b="0" i="1" smtClean="0">
+                              <a:latin typeface="Cambria Math" panose="02040503050406030204" pitchFamily="18" charset="0"/>
+                            </a:rPr>
+                          </m:ctrlPr>
+                        </m:sSubPr>
+                        <m:e>
+                          <m:r>
+                            <a:rPr lang="en-US" altLang="zh-TW" sz="1500" b="0" i="1" smtClean="0">
+                              <a:latin typeface="Cambria Math" panose="02040503050406030204" pitchFamily="18" charset="0"/>
+                            </a:rPr>
+                            <m:t>𝑔</m:t>
+                          </m:r>
+                        </m:e>
+                        <m:sub>
+                          <m:r>
+                            <a:rPr lang="en-US" altLang="zh-TW" sz="1500" b="0" i="1" smtClean="0">
+                              <a:latin typeface="Cambria Math" panose="02040503050406030204" pitchFamily="18" charset="0"/>
+                            </a:rPr>
+                            <m:t>𝑘</m:t>
+                          </m:r>
+                        </m:sub>
+                      </m:sSub>
+                      <m:r>
+                        <a:rPr lang="en-US" altLang="zh-TW" sz="1500" b="0" i="1" smtClean="0">
+                          <a:latin typeface="Cambria Math" panose="02040503050406030204" pitchFamily="18" charset="0"/>
+                        </a:rPr>
+                        <m:t>+</m:t>
+                      </m:r>
+                      <m:f>
+                        <m:fPr>
+                          <m:ctrlPr>
+                            <a:rPr lang="en-US" altLang="zh-TW" sz="1500" b="0" i="1" smtClean="0">
+                              <a:latin typeface="Cambria Math" panose="02040503050406030204" pitchFamily="18" charset="0"/>
+                            </a:rPr>
+                          </m:ctrlPr>
+                        </m:fPr>
+                        <m:num>
+                          <m:r>
+                            <a:rPr lang="en-US" altLang="zh-TW" sz="1500" b="0" i="1" smtClean="0">
+                              <a:latin typeface="Cambria Math" panose="02040503050406030204" pitchFamily="18" charset="0"/>
+                            </a:rPr>
+                            <m:t>1</m:t>
+                          </m:r>
+                        </m:num>
+                        <m:den>
+                          <m:r>
+                            <a:rPr lang="en-US" altLang="zh-TW" sz="1500" b="0" i="1" smtClean="0">
+                              <a:latin typeface="Cambria Math" panose="02040503050406030204" pitchFamily="18" charset="0"/>
+                            </a:rPr>
+                            <m:t>2</m:t>
+                          </m:r>
+                        </m:den>
+                      </m:f>
+                      <m:r>
+                        <a:rPr lang="en-US" altLang="zh-TW" sz="1500" b="0" i="1" smtClean="0">
+                          <a:latin typeface="Cambria Math" panose="02040503050406030204" pitchFamily="18" charset="0"/>
+                        </a:rPr>
+                        <m:t>(</m:t>
+                      </m:r>
+                      <m:sSub>
+                        <m:sSubPr>
+                          <m:ctrlPr>
+                            <a:rPr lang="en-US" altLang="zh-TW" sz="1500" b="0" i="1" smtClean="0">
+                              <a:latin typeface="Cambria Math" panose="02040503050406030204" pitchFamily="18" charset="0"/>
+                            </a:rPr>
+                          </m:ctrlPr>
+                        </m:sSubPr>
+                        <m:e>
+                          <m:r>
+                            <a:rPr lang="en-US" altLang="zh-TW" sz="1500" b="0" i="1" smtClean="0">
+                              <a:latin typeface="Cambria Math" panose="02040503050406030204" pitchFamily="18" charset="0"/>
+                            </a:rPr>
+                            <m:t>𝑔</m:t>
+                          </m:r>
+                        </m:e>
+                        <m:sub>
+                          <m:r>
+                            <a:rPr lang="en-US" altLang="zh-TW" sz="1500" b="0" i="1" smtClean="0">
+                              <a:latin typeface="Cambria Math" panose="02040503050406030204" pitchFamily="18" charset="0"/>
+                            </a:rPr>
+                            <m:t>𝑘</m:t>
+                          </m:r>
+                          <m:r>
+                            <a:rPr lang="en-US" altLang="zh-TW" sz="1500" b="0" i="1" smtClean="0">
+                              <a:latin typeface="Cambria Math" panose="02040503050406030204" pitchFamily="18" charset="0"/>
+                            </a:rPr>
+                            <m:t>−1</m:t>
+                          </m:r>
+                        </m:sub>
+                      </m:sSub>
+                      <m:r>
+                        <a:rPr lang="en-US" altLang="zh-TW" sz="1500" b="0" i="1" smtClean="0">
+                          <a:latin typeface="Cambria Math" panose="02040503050406030204" pitchFamily="18" charset="0"/>
+                        </a:rPr>
+                        <m:t>+</m:t>
+                      </m:r>
+                      <m:sSub>
+                        <m:sSubPr>
+                          <m:ctrlPr>
+                            <a:rPr lang="en-US" altLang="zh-TW" sz="1500" b="0" i="1" smtClean="0">
+                              <a:latin typeface="Cambria Math" panose="02040503050406030204" pitchFamily="18" charset="0"/>
+                            </a:rPr>
+                          </m:ctrlPr>
+                        </m:sSubPr>
+                        <m:e>
+                          <m:r>
+                            <a:rPr lang="en-US" altLang="zh-TW" sz="1500" b="0" i="1" smtClean="0">
+                              <a:latin typeface="Cambria Math" panose="02040503050406030204" pitchFamily="18" charset="0"/>
+                            </a:rPr>
+                            <m:t>𝑔</m:t>
+                          </m:r>
+                        </m:e>
+                        <m:sub>
+                          <m:r>
+                            <a:rPr lang="en-US" altLang="zh-TW" sz="1500" b="0" i="1" smtClean="0">
+                              <a:latin typeface="Cambria Math" panose="02040503050406030204" pitchFamily="18" charset="0"/>
+                            </a:rPr>
+                            <m:t>𝑘</m:t>
+                          </m:r>
+                          <m:r>
+                            <a:rPr lang="en-US" altLang="zh-TW" sz="1500" b="0" i="1" smtClean="0">
+                              <a:latin typeface="Cambria Math" panose="02040503050406030204" pitchFamily="18" charset="0"/>
+                            </a:rPr>
+                            <m:t>+1</m:t>
+                          </m:r>
+                        </m:sub>
+                      </m:sSub>
+                      <m:r>
+                        <a:rPr lang="en-US" altLang="zh-TW" sz="1500" b="0" i="1" smtClean="0">
+                          <a:latin typeface="Cambria Math" panose="02040503050406030204" pitchFamily="18" charset="0"/>
+                        </a:rPr>
+                        <m:t>)</m:t>
+                      </m:r>
+                    </m:oMath>
+                  </m:oMathPara>
+                </a14:m>
+                <a:endParaRPr lang="zh-TW" altLang="en-US" sz="1500" dirty="0"/>
+              </a:p>
+            </p:txBody>
+          </p:sp>
+        </mc:Choice>
+        <mc:Fallback>
+          <p:sp>
+            <p:nvSpPr>
+              <p:cNvPr id="13" name="文字方塊 12"/>
+              <p:cNvSpPr txBox="1">
+                <a:spLocks noRot="1" noChangeAspect="1" noMove="1" noResize="1" noEditPoints="1" noAdjustHandles="1" noChangeArrowheads="1" noChangeShapeType="1" noTextEdit="1"/>
+              </p:cNvSpPr>
+              <p:nvPr/>
+            </p:nvSpPr>
+            <p:spPr>
+              <a:xfrm>
+                <a:off x="380425" y="3301749"/>
+                <a:ext cx="6531275" cy="532582"/>
+              </a:xfrm>
+              <a:prstGeom prst="rect">
+                <a:avLst/>
+              </a:prstGeom>
+              <a:blipFill>
+                <a:blip r:embed="rId9"/>
+                <a:stretch>
+                  <a:fillRect b="-1149"/>
+                </a:stretch>
+              </a:blipFill>
+            </p:spPr>
+            <p:txBody>
+              <a:bodyPr/>
+              <a:lstStyle/>
+              <a:p>
+                <a:r>
+                  <a:rPr lang="zh-TW" altLang="en-US">
+                    <a:noFill/>
+                  </a:rPr>
+                  <a:t> </a:t>
+                </a:r>
+              </a:p>
+            </p:txBody>
+          </p:sp>
+        </mc:Fallback>
+      </mc:AlternateContent>
+      <p:sp>
+        <p:nvSpPr>
+          <p:cNvPr id="14" name="文字方塊 13"/>
+          <p:cNvSpPr txBox="1"/>
+          <p:nvPr/>
+        </p:nvSpPr>
+        <p:spPr>
+          <a:xfrm>
+            <a:off x="25671" y="2930478"/>
+            <a:ext cx="447558" cy="369332"/>
+          </a:xfrm>
+          <a:prstGeom prst="rect">
+            <a:avLst/>
+          </a:prstGeom>
+          <a:noFill/>
+        </p:spPr>
+        <p:txBody>
+          <a:bodyPr wrap="none" rtlCol="0">
+            <a:spAutoFit/>
+          </a:bodyPr>
+          <a:lstStyle/>
+          <a:p>
+            <a:r>
+              <a:rPr lang="en-US" altLang="zh-TW" dirty="0" smtClean="0">
+                <a:solidFill>
+                  <a:srgbClr val="FF0000"/>
+                </a:solidFill>
+              </a:rPr>
+              <a:t>(b)</a:t>
+            </a:r>
+            <a:endParaRPr lang="zh-TW" altLang="en-US" dirty="0">
+              <a:solidFill>
+                <a:srgbClr val="FF0000"/>
+              </a:solidFill>
+            </a:endParaRPr>
+          </a:p>
+        </p:txBody>
+      </p:sp>
+      <mc:AlternateContent xmlns:mc="http://schemas.openxmlformats.org/markup-compatibility/2006">
+        <mc:Choice xmlns:a14="http://schemas.microsoft.com/office/drawing/2010/main" Requires="a14">
+          <p:sp>
+            <p:nvSpPr>
+              <p:cNvPr id="15" name="文字方塊 14"/>
+              <p:cNvSpPr txBox="1"/>
+              <p:nvPr/>
+            </p:nvSpPr>
+            <p:spPr>
+              <a:xfrm>
+                <a:off x="7042482" y="3299810"/>
+                <a:ext cx="4361450" cy="652423"/>
+              </a:xfrm>
+              <a:prstGeom prst="rect">
+                <a:avLst/>
+              </a:prstGeom>
+              <a:noFill/>
+            </p:spPr>
+            <p:txBody>
+              <a:bodyPr wrap="none" rtlCol="0">
+                <a:spAutoFit/>
+              </a:bodyPr>
+              <a:lstStyle/>
+              <a:p>
+                <a14:m>
+                  <m:oMathPara xmlns:m="http://schemas.openxmlformats.org/officeDocument/2006/math">
+                    <m:oMathParaPr>
+                      <m:jc m:val="centerGroup"/>
+                    </m:oMathParaPr>
+                    <m:oMath xmlns:m="http://schemas.openxmlformats.org/officeDocument/2006/math">
+                      <m:r>
+                        <a:rPr lang="zh-TW" altLang="en-US" sz="1500" i="1" smtClean="0">
+                          <a:latin typeface="Cambria Math" panose="02040503050406030204" pitchFamily="18" charset="0"/>
+                        </a:rPr>
+                        <m:t>∴</m:t>
+                      </m:r>
+                      <m:r>
+                        <a:rPr lang="en-US" altLang="zh-TW" sz="1500" b="0" i="1" smtClean="0">
+                          <a:latin typeface="Cambria Math" panose="02040503050406030204" pitchFamily="18" charset="0"/>
+                        </a:rPr>
+                        <m:t>𝐼𝑆𝐼</m:t>
+                      </m:r>
+                      <m:r>
+                        <a:rPr lang="en-US" altLang="zh-TW" sz="1500" b="0" i="1" smtClean="0">
+                          <a:latin typeface="Cambria Math" panose="02040503050406030204" pitchFamily="18" charset="0"/>
+                        </a:rPr>
+                        <m:t> </m:t>
+                      </m:r>
+                      <m:r>
+                        <a:rPr lang="en-US" altLang="zh-TW" sz="1500" b="0" i="1" smtClean="0">
+                          <a:latin typeface="Cambria Math" panose="02040503050406030204" pitchFamily="18" charset="0"/>
+                        </a:rPr>
+                        <m:t>𝑡𝑒𝑟𝑚</m:t>
+                      </m:r>
+                      <m:r>
+                        <a:rPr lang="en-US" altLang="zh-TW" sz="1500" b="0" i="1" smtClean="0">
+                          <a:latin typeface="Cambria Math" panose="02040503050406030204" pitchFamily="18" charset="0"/>
+                        </a:rPr>
+                        <m:t> </m:t>
+                      </m:r>
+                      <m:r>
+                        <a:rPr lang="en-US" altLang="zh-TW" sz="1500" b="0" i="1" smtClean="0">
+                          <a:latin typeface="Cambria Math" panose="02040503050406030204" pitchFamily="18" charset="0"/>
+                        </a:rPr>
+                        <m:t>𝑖𝑠</m:t>
+                      </m:r>
+                      <m:r>
+                        <a:rPr lang="en-US" altLang="zh-TW" sz="1500" b="0" i="1" smtClean="0">
+                          <a:latin typeface="Cambria Math" panose="02040503050406030204" pitchFamily="18" charset="0"/>
+                        </a:rPr>
+                        <m:t> </m:t>
+                      </m:r>
+                      <m:nary>
+                        <m:naryPr>
+                          <m:chr m:val="∑"/>
+                          <m:supHide m:val="on"/>
+                          <m:ctrlPr>
+                            <a:rPr lang="en-US" altLang="zh-TW" sz="1500" b="0" i="1" smtClean="0">
+                              <a:latin typeface="Cambria Math" panose="02040503050406030204" pitchFamily="18" charset="0"/>
+                            </a:rPr>
+                          </m:ctrlPr>
+                        </m:naryPr>
+                        <m:sub>
+                          <m:r>
+                            <m:rPr>
+                              <m:brk m:alnAt="7"/>
+                            </m:rPr>
+                            <a:rPr lang="en-US" altLang="zh-TW" sz="1500" b="0" i="1" smtClean="0">
+                              <a:latin typeface="Cambria Math" panose="02040503050406030204" pitchFamily="18" charset="0"/>
+                            </a:rPr>
+                            <m:t>𝑛</m:t>
+                          </m:r>
+                          <m:r>
+                            <a:rPr lang="en-US" altLang="zh-TW" sz="1500" b="0" i="1" smtClean="0">
+                              <a:latin typeface="Cambria Math" panose="02040503050406030204" pitchFamily="18" charset="0"/>
+                            </a:rPr>
+                            <m:t>≠</m:t>
+                          </m:r>
+                          <m:r>
+                            <a:rPr lang="en-US" altLang="zh-TW" sz="1500" b="0" i="1" smtClean="0">
+                              <a:latin typeface="Cambria Math" panose="02040503050406030204" pitchFamily="18" charset="0"/>
+                            </a:rPr>
+                            <m:t>𝑘</m:t>
+                          </m:r>
+                        </m:sub>
+                        <m:sup/>
+                        <m:e>
+                          <m:sSub>
+                            <m:sSubPr>
+                              <m:ctrlPr>
+                                <a:rPr lang="en-US" altLang="zh-TW" sz="1500" b="0" i="1" smtClean="0">
+                                  <a:latin typeface="Cambria Math" panose="02040503050406030204" pitchFamily="18" charset="0"/>
+                                </a:rPr>
+                              </m:ctrlPr>
+                            </m:sSubPr>
+                            <m:e>
+                              <m:r>
+                                <a:rPr lang="en-US" altLang="zh-TW" sz="1500" b="0" i="1" smtClean="0">
+                                  <a:latin typeface="Cambria Math" panose="02040503050406030204" pitchFamily="18" charset="0"/>
+                                </a:rPr>
+                                <m:t>𝐼</m:t>
+                              </m:r>
+                            </m:e>
+                            <m:sub>
+                              <m:r>
+                                <a:rPr lang="en-US" altLang="zh-TW" sz="1500" b="0" i="1" smtClean="0">
+                                  <a:latin typeface="Cambria Math" panose="02040503050406030204" pitchFamily="18" charset="0"/>
+                                </a:rPr>
+                                <m:t>𝑛</m:t>
+                              </m:r>
+                            </m:sub>
+                          </m:sSub>
+                          <m:r>
+                            <a:rPr lang="en-US" altLang="zh-TW" sz="1500" b="0" i="1" smtClean="0">
+                              <a:latin typeface="Cambria Math" panose="02040503050406030204" pitchFamily="18" charset="0"/>
+                            </a:rPr>
+                            <m:t>(</m:t>
+                          </m:r>
+                          <m:sSub>
+                            <m:sSubPr>
+                              <m:ctrlPr>
+                                <a:rPr lang="en-US" altLang="zh-TW" sz="1500" b="0" i="1" smtClean="0">
+                                  <a:latin typeface="Cambria Math" panose="02040503050406030204" pitchFamily="18" charset="0"/>
+                                </a:rPr>
+                              </m:ctrlPr>
+                            </m:sSubPr>
+                            <m:e>
+                              <m:r>
+                                <a:rPr lang="en-US" altLang="zh-TW" sz="1500" b="0" i="1" smtClean="0">
+                                  <a:latin typeface="Cambria Math" panose="02040503050406030204" pitchFamily="18" charset="0"/>
+                                </a:rPr>
+                                <m:t>𝑔</m:t>
+                              </m:r>
+                            </m:e>
+                            <m:sub>
+                              <m:r>
+                                <a:rPr lang="en-US" altLang="zh-TW" sz="1500" b="0" i="1" smtClean="0">
+                                  <a:latin typeface="Cambria Math" panose="02040503050406030204" pitchFamily="18" charset="0"/>
+                                </a:rPr>
+                                <m:t>𝑘</m:t>
+                              </m:r>
+                              <m:r>
+                                <a:rPr lang="en-US" altLang="zh-TW" sz="1500" b="0" i="1" smtClean="0">
+                                  <a:latin typeface="Cambria Math" panose="02040503050406030204" pitchFamily="18" charset="0"/>
+                                </a:rPr>
+                                <m:t>−</m:t>
+                              </m:r>
+                              <m:r>
+                                <a:rPr lang="en-US" altLang="zh-TW" sz="1500" b="0" i="1" smtClean="0">
+                                  <a:latin typeface="Cambria Math" panose="02040503050406030204" pitchFamily="18" charset="0"/>
+                                </a:rPr>
+                                <m:t>𝑛</m:t>
+                              </m:r>
+                            </m:sub>
+                          </m:sSub>
+                          <m:r>
+                            <a:rPr lang="en-US" altLang="zh-TW" sz="1500" b="0" i="1" smtClean="0">
+                              <a:latin typeface="Cambria Math" panose="02040503050406030204" pitchFamily="18" charset="0"/>
+                            </a:rPr>
+                            <m:t>+</m:t>
+                          </m:r>
+                          <m:f>
+                            <m:fPr>
+                              <m:ctrlPr>
+                                <a:rPr lang="en-US" altLang="zh-TW" sz="1500" b="0" i="1" smtClean="0">
+                                  <a:latin typeface="Cambria Math" panose="02040503050406030204" pitchFamily="18" charset="0"/>
+                                </a:rPr>
+                              </m:ctrlPr>
+                            </m:fPr>
+                            <m:num>
+                              <m:r>
+                                <a:rPr lang="en-US" altLang="zh-TW" sz="1500" b="0" i="1" smtClean="0">
+                                  <a:latin typeface="Cambria Math" panose="02040503050406030204" pitchFamily="18" charset="0"/>
+                                </a:rPr>
+                                <m:t>1</m:t>
+                              </m:r>
+                            </m:num>
+                            <m:den>
+                              <m:r>
+                                <a:rPr lang="en-US" altLang="zh-TW" sz="1500" b="0" i="1" smtClean="0">
+                                  <a:latin typeface="Cambria Math" panose="02040503050406030204" pitchFamily="18" charset="0"/>
+                                </a:rPr>
+                                <m:t>2</m:t>
+                              </m:r>
+                            </m:den>
+                          </m:f>
+                          <m:r>
+                            <a:rPr lang="en-US" altLang="zh-TW" sz="1500" b="0" i="1" smtClean="0">
+                              <a:latin typeface="Cambria Math" panose="02040503050406030204" pitchFamily="18" charset="0"/>
+                            </a:rPr>
+                            <m:t>(</m:t>
+                          </m:r>
+                          <m:sSub>
+                            <m:sSubPr>
+                              <m:ctrlPr>
+                                <a:rPr lang="en-US" altLang="zh-TW" sz="1500" b="0" i="1" smtClean="0">
+                                  <a:latin typeface="Cambria Math" panose="02040503050406030204" pitchFamily="18" charset="0"/>
+                                </a:rPr>
+                              </m:ctrlPr>
+                            </m:sSubPr>
+                            <m:e>
+                              <m:r>
+                                <a:rPr lang="en-US" altLang="zh-TW" sz="1500" b="0" i="1" smtClean="0">
+                                  <a:latin typeface="Cambria Math" panose="02040503050406030204" pitchFamily="18" charset="0"/>
+                                </a:rPr>
+                                <m:t>𝑔</m:t>
+                              </m:r>
+                            </m:e>
+                            <m:sub>
+                              <m:r>
+                                <a:rPr lang="en-US" altLang="zh-TW" sz="1500" b="0" i="1" smtClean="0">
+                                  <a:latin typeface="Cambria Math" panose="02040503050406030204" pitchFamily="18" charset="0"/>
+                                </a:rPr>
+                                <m:t>𝑘</m:t>
+                              </m:r>
+                              <m:r>
+                                <a:rPr lang="en-US" altLang="zh-TW" sz="1500" b="0" i="1" smtClean="0">
+                                  <a:latin typeface="Cambria Math" panose="02040503050406030204" pitchFamily="18" charset="0"/>
+                                </a:rPr>
+                                <m:t>−</m:t>
+                              </m:r>
+                              <m:r>
+                                <a:rPr lang="en-US" altLang="zh-TW" sz="1500" b="0" i="1" smtClean="0">
+                                  <a:latin typeface="Cambria Math" panose="02040503050406030204" pitchFamily="18" charset="0"/>
+                                </a:rPr>
+                                <m:t>𝑛</m:t>
+                              </m:r>
+                              <m:r>
+                                <a:rPr lang="en-US" altLang="zh-TW" sz="1500" b="0" i="1" smtClean="0">
+                                  <a:latin typeface="Cambria Math" panose="02040503050406030204" pitchFamily="18" charset="0"/>
+                                </a:rPr>
+                                <m:t>−1</m:t>
+                              </m:r>
+                            </m:sub>
+                          </m:sSub>
+                          <m:r>
+                            <a:rPr lang="en-US" altLang="zh-TW" sz="1500" b="0" i="1" smtClean="0">
+                              <a:latin typeface="Cambria Math" panose="02040503050406030204" pitchFamily="18" charset="0"/>
+                            </a:rPr>
+                            <m:t>+</m:t>
+                          </m:r>
+                          <m:sSub>
+                            <m:sSubPr>
+                              <m:ctrlPr>
+                                <a:rPr lang="en-US" altLang="zh-TW" sz="1500" b="0" i="1" smtClean="0">
+                                  <a:latin typeface="Cambria Math" panose="02040503050406030204" pitchFamily="18" charset="0"/>
+                                </a:rPr>
+                              </m:ctrlPr>
+                            </m:sSubPr>
+                            <m:e>
+                              <m:r>
+                                <a:rPr lang="en-US" altLang="zh-TW" sz="1500" b="0" i="1" smtClean="0">
+                                  <a:latin typeface="Cambria Math" panose="02040503050406030204" pitchFamily="18" charset="0"/>
+                                </a:rPr>
+                                <m:t>𝑔</m:t>
+                              </m:r>
+                            </m:e>
+                            <m:sub>
+                              <m:r>
+                                <a:rPr lang="en-US" altLang="zh-TW" sz="1500" b="0" i="1" smtClean="0">
+                                  <a:latin typeface="Cambria Math" panose="02040503050406030204" pitchFamily="18" charset="0"/>
+                                </a:rPr>
+                                <m:t>𝑘</m:t>
+                              </m:r>
+                              <m:r>
+                                <a:rPr lang="en-US" altLang="zh-TW" sz="1500" b="0" i="1" smtClean="0">
+                                  <a:latin typeface="Cambria Math" panose="02040503050406030204" pitchFamily="18" charset="0"/>
+                                </a:rPr>
+                                <m:t>−</m:t>
+                              </m:r>
+                              <m:r>
+                                <a:rPr lang="en-US" altLang="zh-TW" sz="1500" b="0" i="1" smtClean="0">
+                                  <a:latin typeface="Cambria Math" panose="02040503050406030204" pitchFamily="18" charset="0"/>
+                                </a:rPr>
+                                <m:t>𝑛</m:t>
+                              </m:r>
+                              <m:r>
+                                <a:rPr lang="en-US" altLang="zh-TW" sz="1500" b="0" i="1" smtClean="0">
+                                  <a:latin typeface="Cambria Math" panose="02040503050406030204" pitchFamily="18" charset="0"/>
+                                </a:rPr>
+                                <m:t>+1</m:t>
+                              </m:r>
+                            </m:sub>
+                          </m:sSub>
+                          <m:r>
+                            <a:rPr lang="en-US" altLang="zh-TW" sz="1500" b="0" i="1" smtClean="0">
+                              <a:latin typeface="Cambria Math" panose="02040503050406030204" pitchFamily="18" charset="0"/>
+                            </a:rPr>
+                            <m:t>))</m:t>
+                          </m:r>
+                        </m:e>
+                      </m:nary>
+                    </m:oMath>
+                  </m:oMathPara>
+                </a14:m>
+                <a:endParaRPr lang="zh-TW" altLang="en-US" sz="1500" dirty="0"/>
+              </a:p>
+            </p:txBody>
+          </p:sp>
+        </mc:Choice>
+        <mc:Fallback>
+          <p:sp>
+            <p:nvSpPr>
+              <p:cNvPr id="15" name="文字方塊 14"/>
+              <p:cNvSpPr txBox="1">
+                <a:spLocks noRot="1" noChangeAspect="1" noMove="1" noResize="1" noEditPoints="1" noAdjustHandles="1" noChangeArrowheads="1" noChangeShapeType="1" noTextEdit="1"/>
+              </p:cNvSpPr>
+              <p:nvPr/>
+            </p:nvSpPr>
+            <p:spPr>
+              <a:xfrm>
+                <a:off x="7042482" y="3299810"/>
+                <a:ext cx="4361450" cy="652423"/>
+              </a:xfrm>
+              <a:prstGeom prst="rect">
+                <a:avLst/>
+              </a:prstGeom>
+              <a:blipFill>
+                <a:blip r:embed="rId10"/>
+                <a:stretch>
+                  <a:fillRect/>
+                </a:stretch>
+              </a:blipFill>
+            </p:spPr>
+            <p:txBody>
+              <a:bodyPr/>
+              <a:lstStyle/>
+              <a:p>
+                <a:r>
+                  <a:rPr lang="zh-TW" altLang="en-US">
+                    <a:noFill/>
+                  </a:rPr>
+                  <a:t> </a:t>
+                </a:r>
+              </a:p>
+            </p:txBody>
+          </p:sp>
+        </mc:Fallback>
+      </mc:AlternateContent>
+    </p:spTree>
+    <p:extLst>
+      <p:ext uri="{BB962C8B-B14F-4D97-AF65-F5344CB8AC3E}">
+        <p14:creationId xmlns:p14="http://schemas.microsoft.com/office/powerpoint/2010/main" val="3138078118"/>
+      </p:ext>
+    </p:extLst>
+  </p:cSld>
+  <p:clrMapOvr>
+    <a:masterClrMapping/>
+  </p:clrMapOvr>
+</p:sld>
+</file>
+
+<file path=ppt/slides/slide3.xml><?xml version="1.0" encoding="utf-8"?>
+<p:sld xmlns:a="http://schemas.openxmlformats.org/drawingml/2006/main" xmlns:r="http://schemas.openxmlformats.org/officeDocument/2006/relationships" xmlns:p="http://schemas.openxmlformats.org/presentationml/2006/main">
+  <p:cSld>
+    <p:spTree>
+      <p:nvGrpSpPr>
+        <p:cNvPr id="1" name=""/>
+        <p:cNvGrpSpPr/>
+        <p:nvPr/>
+      </p:nvGrpSpPr>
+      <p:grpSpPr>
+        <a:xfrm>
+          <a:off x="0" y="0"/>
+          <a:ext cx="0" cy="0"/>
+          <a:chOff x="0" y="0"/>
+          <a:chExt cx="0" cy="0"/>
+        </a:xfrm>
+      </p:grpSpPr>
+      <p:pic>
+        <p:nvPicPr>
+          <p:cNvPr id="11" name="圖片 10"/>
+          <p:cNvPicPr>
+            <a:picLocks noChangeAspect="1"/>
+          </p:cNvPicPr>
+          <p:nvPr/>
+        </p:nvPicPr>
+        <p:blipFill>
+          <a:blip r:embed="rId2"/>
+          <a:stretch>
+            <a:fillRect/>
+          </a:stretch>
+        </p:blipFill>
+        <p:spPr>
+          <a:xfrm>
+            <a:off x="8956633" y="1632958"/>
+            <a:ext cx="3099255" cy="1105921"/>
+          </a:xfrm>
+          <a:prstGeom prst="rect">
+            <a:avLst/>
+          </a:prstGeom>
+        </p:spPr>
+      </p:pic>
+      <mc:AlternateContent xmlns:mc="http://schemas.openxmlformats.org/markup-compatibility/2006">
+        <mc:Choice xmlns:a14="http://schemas.microsoft.com/office/drawing/2010/main" Requires="a14">
+          <p:sp>
+            <p:nvSpPr>
+              <p:cNvPr id="4" name="文字方塊 3"/>
+              <p:cNvSpPr txBox="1"/>
+              <p:nvPr/>
+            </p:nvSpPr>
+            <p:spPr>
+              <a:xfrm>
+                <a:off x="2" y="0"/>
+                <a:ext cx="12191998" cy="1574983"/>
+              </a:xfrm>
+              <a:prstGeom prst="rect">
+                <a:avLst/>
+              </a:prstGeom>
+              <a:noFill/>
+            </p:spPr>
+            <p:txBody>
+              <a:bodyPr wrap="square" rtlCol="0">
+                <a:spAutoFit/>
+              </a:bodyPr>
+              <a:lstStyle/>
+              <a:p>
+                <a:pPr marL="285750" indent="-285750" algn="just">
+                  <a:buFont typeface="Wingdings" panose="05000000000000000000" pitchFamily="2" charset="2"/>
+                  <a:buChar char="p"/>
+                </a:pPr>
+                <a:r>
+                  <a:rPr lang="en-US" altLang="zh-TW" sz="1500" dirty="0" smtClean="0">
+                    <a:latin typeface="Times New Roman" panose="02020603050405020304" pitchFamily="18" charset="0"/>
+                    <a:cs typeface="Times New Roman" panose="02020603050405020304" pitchFamily="18" charset="0"/>
+                  </a:rPr>
+                  <a:t>Consider  transmission with controlled ISI using a duo-binary signal defined as </a:t>
+                </a:r>
+                <a14:m>
+                  <m:oMath xmlns:m="http://schemas.openxmlformats.org/officeDocument/2006/math">
+                    <m:r>
+                      <a:rPr lang="en-US" altLang="zh-TW" sz="1500" b="0" i="1" smtClean="0">
+                        <a:latin typeface="Cambria Math" panose="02040503050406030204" pitchFamily="18" charset="0"/>
+                        <a:cs typeface="Times New Roman" panose="02020603050405020304" pitchFamily="18" charset="0"/>
+                      </a:rPr>
+                      <m:t>𝑥</m:t>
+                    </m:r>
+                    <m:d>
+                      <m:dPr>
+                        <m:ctrlPr>
+                          <a:rPr lang="en-US" altLang="zh-TW" sz="1500" b="0" i="1" smtClean="0">
+                            <a:latin typeface="Cambria Math" panose="02040503050406030204" pitchFamily="18" charset="0"/>
+                            <a:cs typeface="Times New Roman" panose="02020603050405020304" pitchFamily="18" charset="0"/>
+                          </a:rPr>
+                        </m:ctrlPr>
+                      </m:dPr>
+                      <m:e>
+                        <m:r>
+                          <a:rPr lang="en-US" altLang="zh-TW" sz="1500" b="0" i="1" smtClean="0">
+                            <a:latin typeface="Cambria Math" panose="02040503050406030204" pitchFamily="18" charset="0"/>
+                            <a:cs typeface="Times New Roman" panose="02020603050405020304" pitchFamily="18" charset="0"/>
+                          </a:rPr>
+                          <m:t>𝑛𝑇</m:t>
+                        </m:r>
+                      </m:e>
+                    </m:d>
+                    <m:r>
+                      <a:rPr lang="en-US" altLang="zh-TW" sz="1500" b="0" i="1" smtClean="0">
+                        <a:latin typeface="Cambria Math" panose="02040503050406030204" pitchFamily="18" charset="0"/>
+                        <a:cs typeface="Times New Roman" panose="02020603050405020304" pitchFamily="18" charset="0"/>
+                      </a:rPr>
+                      <m:t>=</m:t>
+                    </m:r>
+                    <m:d>
+                      <m:dPr>
+                        <m:begChr m:val="{"/>
+                        <m:endChr m:val=""/>
+                        <m:ctrlPr>
+                          <a:rPr lang="en-US" altLang="zh-TW" sz="1500" b="0" i="1" smtClean="0">
+                            <a:latin typeface="Cambria Math" panose="02040503050406030204" pitchFamily="18" charset="0"/>
+                            <a:cs typeface="Times New Roman" panose="02020603050405020304" pitchFamily="18" charset="0"/>
+                          </a:rPr>
+                        </m:ctrlPr>
+                      </m:dPr>
+                      <m:e>
+                        <m:eqArr>
+                          <m:eqArrPr>
+                            <m:ctrlPr>
+                              <a:rPr lang="en-US" altLang="zh-TW" sz="1500" b="0" i="1" smtClean="0">
+                                <a:latin typeface="Cambria Math" panose="02040503050406030204" pitchFamily="18" charset="0"/>
+                                <a:cs typeface="Times New Roman" panose="02020603050405020304" pitchFamily="18" charset="0"/>
+                              </a:rPr>
+                            </m:ctrlPr>
+                          </m:eqArrPr>
+                          <m:e>
+                            <m:r>
+                              <a:rPr lang="en-US" altLang="zh-TW" sz="1500" b="0" i="1" smtClean="0">
+                                <a:latin typeface="Cambria Math" panose="02040503050406030204" pitchFamily="18" charset="0"/>
+                                <a:cs typeface="Times New Roman" panose="02020603050405020304" pitchFamily="18" charset="0"/>
+                              </a:rPr>
+                              <m:t>1 , </m:t>
+                            </m:r>
+                            <m:r>
+                              <a:rPr lang="en-US" altLang="zh-TW" sz="1500" b="0" i="1" smtClean="0">
+                                <a:latin typeface="Cambria Math" panose="02040503050406030204" pitchFamily="18" charset="0"/>
+                                <a:cs typeface="Times New Roman" panose="02020603050405020304" pitchFamily="18" charset="0"/>
+                              </a:rPr>
+                              <m:t>𝑛</m:t>
+                            </m:r>
+                            <m:r>
+                              <a:rPr lang="en-US" altLang="zh-TW" sz="1500" b="0" i="1" smtClean="0">
+                                <a:latin typeface="Cambria Math" panose="02040503050406030204" pitchFamily="18" charset="0"/>
+                                <a:cs typeface="Times New Roman" panose="02020603050405020304" pitchFamily="18" charset="0"/>
+                              </a:rPr>
+                              <m:t>=0, 1</m:t>
+                            </m:r>
+                          </m:e>
+                          <m:e>
+                            <m:r>
+                              <a:rPr lang="en-US" altLang="zh-TW" sz="1500" b="0" i="1" smtClean="0">
+                                <a:latin typeface="Cambria Math" panose="02040503050406030204" pitchFamily="18" charset="0"/>
+                                <a:cs typeface="Times New Roman" panose="02020603050405020304" pitchFamily="18" charset="0"/>
+                              </a:rPr>
+                              <m:t>0 , </m:t>
+                            </m:r>
+                            <m:r>
+                              <a:rPr lang="en-US" altLang="zh-TW" sz="1500" b="0" i="1" smtClean="0">
+                                <a:latin typeface="Cambria Math" panose="02040503050406030204" pitchFamily="18" charset="0"/>
+                                <a:cs typeface="Times New Roman" panose="02020603050405020304" pitchFamily="18" charset="0"/>
+                              </a:rPr>
+                              <m:t>𝑜𝑡h𝑒𝑟𝑤𝑖𝑠𝑒</m:t>
+                            </m:r>
+                          </m:e>
+                        </m:eqArr>
+                      </m:e>
+                    </m:d>
+                  </m:oMath>
+                </a14:m>
+                <a:r>
+                  <a:rPr lang="zh-TW" altLang="en-US" sz="1500" dirty="0" smtClean="0">
+                    <a:latin typeface="Times New Roman" panose="02020603050405020304" pitchFamily="18" charset="0"/>
+                    <a:cs typeface="Times New Roman" panose="02020603050405020304" pitchFamily="18" charset="0"/>
+                  </a:rPr>
+                  <a:t> </a:t>
+                </a:r>
+                <a:r>
+                  <a:rPr lang="en-US" altLang="zh-TW" sz="1500" dirty="0" smtClean="0">
+                    <a:latin typeface="Times New Roman" panose="02020603050405020304" pitchFamily="18" charset="0"/>
+                    <a:cs typeface="Times New Roman" panose="02020603050405020304" pitchFamily="18" charset="0"/>
+                  </a:rPr>
+                  <a:t>where the sampling period </a:t>
+                </a:r>
+                <a14:m>
+                  <m:oMath xmlns:m="http://schemas.openxmlformats.org/officeDocument/2006/math">
+                    <m:r>
+                      <a:rPr lang="en-US" altLang="zh-TW" sz="1500" b="0" i="1" smtClean="0">
+                        <a:latin typeface="Cambria Math" panose="02040503050406030204" pitchFamily="18" charset="0"/>
+                        <a:cs typeface="Times New Roman" panose="02020603050405020304" pitchFamily="18" charset="0"/>
+                      </a:rPr>
+                      <m:t>𝑇</m:t>
+                    </m:r>
+                    <m:r>
+                      <a:rPr lang="en-US" altLang="zh-TW" sz="1500" b="0" i="1" smtClean="0">
+                        <a:latin typeface="Cambria Math" panose="02040503050406030204" pitchFamily="18" charset="0"/>
+                        <a:cs typeface="Times New Roman" panose="02020603050405020304" pitchFamily="18" charset="0"/>
+                      </a:rPr>
+                      <m:t>=</m:t>
+                    </m:r>
+                    <m:f>
+                      <m:fPr>
+                        <m:ctrlPr>
+                          <a:rPr lang="en-US" altLang="zh-TW" sz="1500" b="0" i="1" smtClean="0">
+                            <a:latin typeface="Cambria Math" panose="02040503050406030204" pitchFamily="18" charset="0"/>
+                            <a:cs typeface="Times New Roman" panose="02020603050405020304" pitchFamily="18" charset="0"/>
+                          </a:rPr>
+                        </m:ctrlPr>
+                      </m:fPr>
+                      <m:num>
+                        <m:r>
+                          <a:rPr lang="en-US" altLang="zh-TW" sz="1500" b="0" i="1" smtClean="0">
+                            <a:latin typeface="Cambria Math" panose="02040503050406030204" pitchFamily="18" charset="0"/>
+                            <a:cs typeface="Times New Roman" panose="02020603050405020304" pitchFamily="18" charset="0"/>
+                          </a:rPr>
+                          <m:t>1</m:t>
+                        </m:r>
+                      </m:num>
+                      <m:den>
+                        <m:r>
+                          <a:rPr lang="en-US" altLang="zh-TW" sz="1500" b="0" i="1" smtClean="0">
+                            <a:latin typeface="Cambria Math" panose="02040503050406030204" pitchFamily="18" charset="0"/>
+                            <a:cs typeface="Times New Roman" panose="02020603050405020304" pitchFamily="18" charset="0"/>
+                          </a:rPr>
+                          <m:t>2</m:t>
+                        </m:r>
+                        <m:r>
+                          <a:rPr lang="en-US" altLang="zh-TW" sz="1500" b="0" i="1" smtClean="0">
+                            <a:latin typeface="Cambria Math" panose="02040503050406030204" pitchFamily="18" charset="0"/>
+                            <a:cs typeface="Times New Roman" panose="02020603050405020304" pitchFamily="18" charset="0"/>
+                          </a:rPr>
+                          <m:t>𝑊</m:t>
+                        </m:r>
+                      </m:den>
+                    </m:f>
+                  </m:oMath>
+                </a14:m>
+                <a:r>
+                  <a:rPr lang="zh-TW" altLang="en-US" sz="1500" dirty="0" smtClean="0">
+                    <a:latin typeface="Times New Roman" panose="02020603050405020304" pitchFamily="18" charset="0"/>
+                    <a:cs typeface="Times New Roman" panose="02020603050405020304" pitchFamily="18" charset="0"/>
+                  </a:rPr>
+                  <a:t> </a:t>
+                </a:r>
+                <a:r>
+                  <a:rPr lang="en-US" altLang="zh-TW" sz="1500" dirty="0" smtClean="0">
+                    <a:latin typeface="Times New Roman" panose="02020603050405020304" pitchFamily="18" charset="0"/>
+                    <a:cs typeface="Times New Roman" panose="02020603050405020304" pitchFamily="18" charset="0"/>
+                  </a:rPr>
+                  <a:t>and W is the channel bandwidth. </a:t>
+                </a:r>
+                <a:r>
+                  <a:rPr lang="en-US" altLang="zh-TW" sz="1500" b="1" dirty="0" smtClean="0">
+                    <a:latin typeface="Times New Roman" panose="02020603050405020304" pitchFamily="18" charset="0"/>
+                    <a:cs typeface="Times New Roman" panose="02020603050405020304" pitchFamily="18" charset="0"/>
+                  </a:rPr>
+                  <a:t>(a) </a:t>
+                </a:r>
+                <a:r>
+                  <a:rPr lang="en-US" altLang="zh-TW" sz="1500" dirty="0" smtClean="0">
+                    <a:latin typeface="Times New Roman" panose="02020603050405020304" pitchFamily="18" charset="0"/>
+                    <a:cs typeface="Times New Roman" panose="02020603050405020304" pitchFamily="18" charset="0"/>
+                  </a:rPr>
+                  <a:t>Please find and plot frequency spectrum of transmission signal.</a:t>
+                </a:r>
+              </a:p>
+              <a:p>
+                <a:pPr algn="just"/>
+                <a:r>
+                  <a:rPr lang="en-US" altLang="zh-TW" sz="1500" dirty="0">
+                    <a:latin typeface="Times New Roman" panose="02020603050405020304" pitchFamily="18" charset="0"/>
+                    <a:cs typeface="Times New Roman" panose="02020603050405020304" pitchFamily="18" charset="0"/>
+                  </a:rPr>
+                  <a:t> </a:t>
+                </a:r>
+                <a:r>
+                  <a:rPr lang="en-US" altLang="zh-TW" sz="1500" dirty="0" smtClean="0">
+                    <a:latin typeface="Times New Roman" panose="02020603050405020304" pitchFamily="18" charset="0"/>
+                    <a:cs typeface="Times New Roman" panose="02020603050405020304" pitchFamily="18" charset="0"/>
+                  </a:rPr>
+                  <a:t>     </a:t>
+                </a:r>
+                <a:r>
+                  <a:rPr lang="en-US" altLang="zh-TW" sz="1500" b="1" dirty="0" smtClean="0">
+                    <a:latin typeface="Times New Roman" panose="02020603050405020304" pitchFamily="18" charset="0"/>
+                    <a:cs typeface="Times New Roman" panose="02020603050405020304" pitchFamily="18" charset="0"/>
+                  </a:rPr>
+                  <a:t>(b) </a:t>
+                </a:r>
+                <a:r>
+                  <a:rPr lang="en-US" altLang="zh-TW" sz="1500" dirty="0" smtClean="0">
+                    <a:latin typeface="Times New Roman" panose="02020603050405020304" pitchFamily="18" charset="0"/>
+                    <a:cs typeface="Times New Roman" panose="02020603050405020304" pitchFamily="18" charset="0"/>
+                  </a:rPr>
+                  <a:t>Repeat (a), but change to use modified duo-binary signal defined as </a:t>
+                </a:r>
+                <a14:m>
+                  <m:oMath xmlns:m="http://schemas.openxmlformats.org/officeDocument/2006/math">
+                    <m:r>
+                      <a:rPr lang="en-US" altLang="zh-TW" sz="1500" b="0" i="1" smtClean="0">
+                        <a:latin typeface="Cambria Math" panose="02040503050406030204" pitchFamily="18" charset="0"/>
+                        <a:cs typeface="Times New Roman" panose="02020603050405020304" pitchFamily="18" charset="0"/>
+                      </a:rPr>
+                      <m:t>𝑥</m:t>
+                    </m:r>
+                    <m:d>
+                      <m:dPr>
+                        <m:ctrlPr>
+                          <a:rPr lang="en-US" altLang="zh-TW" sz="1500" b="0" i="1" smtClean="0">
+                            <a:latin typeface="Cambria Math" panose="02040503050406030204" pitchFamily="18" charset="0"/>
+                            <a:cs typeface="Times New Roman" panose="02020603050405020304" pitchFamily="18" charset="0"/>
+                          </a:rPr>
+                        </m:ctrlPr>
+                      </m:dPr>
+                      <m:e>
+                        <m:r>
+                          <a:rPr lang="en-US" altLang="zh-TW" sz="1500" b="0" i="1" smtClean="0">
+                            <a:latin typeface="Cambria Math" panose="02040503050406030204" pitchFamily="18" charset="0"/>
+                            <a:cs typeface="Times New Roman" panose="02020603050405020304" pitchFamily="18" charset="0"/>
+                          </a:rPr>
+                          <m:t>𝑛𝑇</m:t>
+                        </m:r>
+                      </m:e>
+                    </m:d>
+                    <m:r>
+                      <a:rPr lang="en-US" altLang="zh-TW" sz="1500" b="0" i="1" smtClean="0">
+                        <a:latin typeface="Cambria Math" panose="02040503050406030204" pitchFamily="18" charset="0"/>
+                        <a:cs typeface="Times New Roman" panose="02020603050405020304" pitchFamily="18" charset="0"/>
+                      </a:rPr>
+                      <m:t>=</m:t>
+                    </m:r>
+                    <m:d>
+                      <m:dPr>
+                        <m:begChr m:val="{"/>
+                        <m:endChr m:val=""/>
+                        <m:ctrlPr>
+                          <a:rPr lang="en-US" altLang="zh-TW" sz="1500" b="0" i="1" smtClean="0">
+                            <a:latin typeface="Cambria Math" panose="02040503050406030204" pitchFamily="18" charset="0"/>
+                            <a:cs typeface="Times New Roman" panose="02020603050405020304" pitchFamily="18" charset="0"/>
+                          </a:rPr>
+                        </m:ctrlPr>
+                      </m:dPr>
+                      <m:e>
+                        <m:eqArr>
+                          <m:eqArrPr>
+                            <m:ctrlPr>
+                              <a:rPr lang="en-US" altLang="zh-TW" sz="1500" b="0" i="1" smtClean="0">
+                                <a:latin typeface="Cambria Math" panose="02040503050406030204" pitchFamily="18" charset="0"/>
+                                <a:cs typeface="Times New Roman" panose="02020603050405020304" pitchFamily="18" charset="0"/>
+                              </a:rPr>
+                            </m:ctrlPr>
+                          </m:eqArrPr>
+                          <m:e>
+                            <m:r>
+                              <a:rPr lang="en-US" altLang="zh-TW" sz="1500" b="0" i="1" smtClean="0">
+                                <a:latin typeface="Cambria Math" panose="02040503050406030204" pitchFamily="18" charset="0"/>
+                                <a:cs typeface="Times New Roman" panose="02020603050405020304" pitchFamily="18" charset="0"/>
+                              </a:rPr>
+                              <m:t>1 , </m:t>
+                            </m:r>
+                            <m:r>
+                              <a:rPr lang="en-US" altLang="zh-TW" sz="1500" b="0" i="1" smtClean="0">
+                                <a:latin typeface="Cambria Math" panose="02040503050406030204" pitchFamily="18" charset="0"/>
+                                <a:cs typeface="Times New Roman" panose="02020603050405020304" pitchFamily="18" charset="0"/>
+                              </a:rPr>
+                              <m:t>𝑛</m:t>
+                            </m:r>
+                            <m:r>
+                              <a:rPr lang="en-US" altLang="zh-TW" sz="1500" b="0" i="1" smtClean="0">
+                                <a:latin typeface="Cambria Math" panose="02040503050406030204" pitchFamily="18" charset="0"/>
+                                <a:cs typeface="Times New Roman" panose="02020603050405020304" pitchFamily="18" charset="0"/>
+                              </a:rPr>
+                              <m:t>=−1</m:t>
+                            </m:r>
+                          </m:e>
+                          <m:e>
+                            <m:r>
+                              <a:rPr lang="en-US" altLang="zh-TW" sz="1500" b="0" i="1" smtClean="0">
+                                <a:latin typeface="Cambria Math" panose="02040503050406030204" pitchFamily="18" charset="0"/>
+                                <a:cs typeface="Times New Roman" panose="02020603050405020304" pitchFamily="18" charset="0"/>
+                              </a:rPr>
+                              <m:t>−1, </m:t>
+                            </m:r>
+                            <m:r>
+                              <a:rPr lang="en-US" altLang="zh-TW" sz="1500" b="0" i="1" smtClean="0">
+                                <a:latin typeface="Cambria Math" panose="02040503050406030204" pitchFamily="18" charset="0"/>
+                                <a:cs typeface="Times New Roman" panose="02020603050405020304" pitchFamily="18" charset="0"/>
+                              </a:rPr>
+                              <m:t>𝑛</m:t>
+                            </m:r>
+                            <m:r>
+                              <a:rPr lang="en-US" altLang="zh-TW" sz="1500" b="0" i="1" smtClean="0">
+                                <a:latin typeface="Cambria Math" panose="02040503050406030204" pitchFamily="18" charset="0"/>
+                                <a:cs typeface="Times New Roman" panose="02020603050405020304" pitchFamily="18" charset="0"/>
+                              </a:rPr>
+                              <m:t>=1</m:t>
+                            </m:r>
+                          </m:e>
+                          <m:e>
+                            <m:r>
+                              <a:rPr lang="en-US" altLang="zh-TW" sz="1500" b="0" i="1" smtClean="0">
+                                <a:latin typeface="Cambria Math" panose="02040503050406030204" pitchFamily="18" charset="0"/>
+                                <a:cs typeface="Times New Roman" panose="02020603050405020304" pitchFamily="18" charset="0"/>
+                              </a:rPr>
+                              <m:t>0, </m:t>
+                            </m:r>
+                            <m:r>
+                              <a:rPr lang="en-US" altLang="zh-TW" sz="1500" b="0" i="1" smtClean="0">
+                                <a:latin typeface="Cambria Math" panose="02040503050406030204" pitchFamily="18" charset="0"/>
+                                <a:cs typeface="Times New Roman" panose="02020603050405020304" pitchFamily="18" charset="0"/>
+                              </a:rPr>
+                              <m:t>𝑜𝑡h𝑒𝑟𝑤𝑖𝑠𝑒</m:t>
+                            </m:r>
+                          </m:e>
+                        </m:eqArr>
+                      </m:e>
+                    </m:d>
+                  </m:oMath>
+                </a14:m>
+                <a:endParaRPr lang="zh-TW" altLang="en-US" sz="1500" dirty="0">
+                  <a:latin typeface="Times New Roman" panose="02020603050405020304" pitchFamily="18" charset="0"/>
+                  <a:cs typeface="Times New Roman" panose="02020603050405020304" pitchFamily="18" charset="0"/>
+                </a:endParaRPr>
+              </a:p>
+            </p:txBody>
+          </p:sp>
+        </mc:Choice>
+        <mc:Fallback>
+          <p:sp>
+            <p:nvSpPr>
+              <p:cNvPr id="4" name="文字方塊 3"/>
+              <p:cNvSpPr txBox="1">
+                <a:spLocks noRot="1" noChangeAspect="1" noMove="1" noResize="1" noEditPoints="1" noAdjustHandles="1" noChangeArrowheads="1" noChangeShapeType="1" noTextEdit="1"/>
+              </p:cNvSpPr>
+              <p:nvPr/>
+            </p:nvSpPr>
+            <p:spPr>
+              <a:xfrm>
+                <a:off x="2" y="0"/>
+                <a:ext cx="12191998" cy="1574983"/>
+              </a:xfrm>
+              <a:prstGeom prst="rect">
+                <a:avLst/>
+              </a:prstGeom>
+              <a:blipFill>
+                <a:blip r:embed="rId3"/>
+                <a:stretch>
+                  <a:fillRect l="-150" r="-200"/>
+                </a:stretch>
+              </a:blipFill>
+            </p:spPr>
+            <p:txBody>
+              <a:bodyPr/>
+              <a:lstStyle/>
+              <a:p>
+                <a:r>
+                  <a:rPr lang="zh-TW" altLang="en-US">
+                    <a:noFill/>
+                  </a:rPr>
+                  <a:t> </a:t>
+                </a:r>
+              </a:p>
+            </p:txBody>
+          </p:sp>
+        </mc:Fallback>
+      </mc:AlternateContent>
+      <p:sp>
+        <p:nvSpPr>
+          <p:cNvPr id="5" name="文字方塊 4"/>
+          <p:cNvSpPr txBox="1"/>
+          <p:nvPr/>
+        </p:nvSpPr>
+        <p:spPr>
+          <a:xfrm>
+            <a:off x="0" y="1574983"/>
+            <a:ext cx="436338" cy="369332"/>
+          </a:xfrm>
+          <a:prstGeom prst="rect">
+            <a:avLst/>
+          </a:prstGeom>
+          <a:noFill/>
+        </p:spPr>
+        <p:txBody>
+          <a:bodyPr wrap="none" rtlCol="0">
+            <a:spAutoFit/>
+          </a:bodyPr>
+          <a:lstStyle/>
+          <a:p>
+            <a:r>
+              <a:rPr lang="en-US" altLang="zh-TW" dirty="0" smtClean="0">
+                <a:solidFill>
+                  <a:srgbClr val="FF0000"/>
+                </a:solidFill>
+              </a:rPr>
+              <a:t>(a)</a:t>
+            </a:r>
+            <a:endParaRPr lang="zh-TW" altLang="en-US" dirty="0">
+              <a:solidFill>
+                <a:srgbClr val="FF0000"/>
+              </a:solidFill>
+            </a:endParaRPr>
+          </a:p>
+        </p:txBody>
+      </p:sp>
+      <mc:AlternateContent xmlns:mc="http://schemas.openxmlformats.org/markup-compatibility/2006">
+        <mc:Choice xmlns:a14="http://schemas.microsoft.com/office/drawing/2010/main" Requires="a14">
+          <p:sp>
+            <p:nvSpPr>
+              <p:cNvPr id="7" name="文字方塊 6"/>
+              <p:cNvSpPr txBox="1"/>
+              <p:nvPr/>
+            </p:nvSpPr>
+            <p:spPr>
+              <a:xfrm>
+                <a:off x="284631" y="1487286"/>
+                <a:ext cx="7857023" cy="610936"/>
+              </a:xfrm>
+              <a:prstGeom prst="rect">
+                <a:avLst/>
+              </a:prstGeom>
+              <a:noFill/>
+            </p:spPr>
+            <p:txBody>
+              <a:bodyPr wrap="none" rtlCol="0">
+                <a:spAutoFit/>
+              </a:bodyPr>
+              <a:lstStyle/>
+              <a:p>
+                <a14:m>
+                  <m:oMathPara xmlns:m="http://schemas.openxmlformats.org/officeDocument/2006/math">
+                    <m:oMathParaPr>
+                      <m:jc m:val="centerGroup"/>
+                    </m:oMathParaPr>
+                    <m:oMath xmlns:m="http://schemas.openxmlformats.org/officeDocument/2006/math">
+                      <m:r>
+                        <a:rPr lang="en-US" altLang="zh-TW" sz="1500" b="0" i="1" smtClean="0">
+                          <a:latin typeface="Cambria Math" panose="02040503050406030204" pitchFamily="18" charset="0"/>
+                        </a:rPr>
+                        <m:t>𝑋</m:t>
+                      </m:r>
+                      <m:d>
+                        <m:dPr>
+                          <m:ctrlPr>
+                            <a:rPr lang="en-US" altLang="zh-TW" sz="1500" b="0" i="1" smtClean="0">
+                              <a:latin typeface="Cambria Math" panose="02040503050406030204" pitchFamily="18" charset="0"/>
+                            </a:rPr>
+                          </m:ctrlPr>
+                        </m:dPr>
+                        <m:e>
+                          <m:r>
+                            <a:rPr lang="en-US" altLang="zh-TW" sz="1500" b="0" i="1" smtClean="0">
+                              <a:latin typeface="Cambria Math" panose="02040503050406030204" pitchFamily="18" charset="0"/>
+                            </a:rPr>
+                            <m:t>𝑓</m:t>
+                          </m:r>
+                        </m:e>
+                      </m:d>
+                      <m:r>
+                        <a:rPr lang="en-US" altLang="zh-TW" sz="1500" b="0" i="1" smtClean="0">
+                          <a:latin typeface="Cambria Math" panose="02040503050406030204" pitchFamily="18" charset="0"/>
+                        </a:rPr>
+                        <m:t>=</m:t>
+                      </m:r>
+                      <m:r>
+                        <a:rPr lang="en-US" altLang="zh-TW" sz="1500" b="0" i="1" smtClean="0">
+                          <a:latin typeface="Cambria Math" panose="02040503050406030204" pitchFamily="18" charset="0"/>
+                        </a:rPr>
+                        <m:t>𝑇</m:t>
+                      </m:r>
+                      <m:r>
+                        <a:rPr lang="en-US" altLang="zh-TW" sz="1500" b="0" i="1" smtClean="0">
+                          <a:latin typeface="Cambria Math" panose="02040503050406030204" pitchFamily="18" charset="0"/>
+                        </a:rPr>
+                        <m:t>+</m:t>
+                      </m:r>
+                      <m:r>
+                        <a:rPr lang="en-US" altLang="zh-TW" sz="1500" b="0" i="1" smtClean="0">
+                          <a:latin typeface="Cambria Math" panose="02040503050406030204" pitchFamily="18" charset="0"/>
+                        </a:rPr>
+                        <m:t>𝑇</m:t>
+                      </m:r>
+                      <m:sSup>
+                        <m:sSupPr>
+                          <m:ctrlPr>
+                            <a:rPr lang="en-US" altLang="zh-TW" sz="1500" b="0" i="1" smtClean="0">
+                              <a:latin typeface="Cambria Math" panose="02040503050406030204" pitchFamily="18" charset="0"/>
+                            </a:rPr>
+                          </m:ctrlPr>
+                        </m:sSupPr>
+                        <m:e>
+                          <m:r>
+                            <a:rPr lang="en-US" altLang="zh-TW" sz="1500" b="0" i="1" smtClean="0">
+                              <a:latin typeface="Cambria Math" panose="02040503050406030204" pitchFamily="18" charset="0"/>
+                            </a:rPr>
+                            <m:t>𝑒</m:t>
+                          </m:r>
+                        </m:e>
+                        <m:sup>
+                          <m:r>
+                            <a:rPr lang="en-US" altLang="zh-TW" sz="1500" b="0" i="1" smtClean="0">
+                              <a:latin typeface="Cambria Math" panose="02040503050406030204" pitchFamily="18" charset="0"/>
+                            </a:rPr>
+                            <m:t>−</m:t>
+                          </m:r>
+                          <m:r>
+                            <a:rPr lang="en-US" altLang="zh-TW" sz="1500" b="0" i="1" smtClean="0">
+                              <a:latin typeface="Cambria Math" panose="02040503050406030204" pitchFamily="18" charset="0"/>
+                            </a:rPr>
+                            <m:t>𝑗</m:t>
+                          </m:r>
+                          <m:r>
+                            <a:rPr lang="en-US" altLang="zh-TW" sz="1500" b="0" i="1" smtClean="0">
+                              <a:latin typeface="Cambria Math" panose="02040503050406030204" pitchFamily="18" charset="0"/>
+                            </a:rPr>
+                            <m:t>2</m:t>
+                          </m:r>
+                          <m:r>
+                            <a:rPr lang="en-US" altLang="zh-TW" sz="1500" b="0" i="1" smtClean="0">
+                              <a:latin typeface="Cambria Math" panose="02040503050406030204" pitchFamily="18" charset="0"/>
+                            </a:rPr>
+                            <m:t>𝜋</m:t>
+                          </m:r>
+                          <m:r>
+                            <a:rPr lang="en-US" altLang="zh-TW" sz="1500" b="0" i="1" smtClean="0">
+                              <a:latin typeface="Cambria Math" panose="02040503050406030204" pitchFamily="18" charset="0"/>
+                            </a:rPr>
+                            <m:t>𝑛𝑓𝑇</m:t>
+                          </m:r>
+                        </m:sup>
+                      </m:sSup>
+                      <m:r>
+                        <a:rPr lang="en-US" altLang="zh-TW" sz="1500" b="0" i="1" smtClean="0">
+                          <a:latin typeface="Cambria Math" panose="02040503050406030204" pitchFamily="18" charset="0"/>
+                        </a:rPr>
+                        <m:t>= </m:t>
+                      </m:r>
+                      <m:f>
+                        <m:fPr>
+                          <m:ctrlPr>
+                            <a:rPr lang="en-US" altLang="zh-TW" sz="1500" b="0" i="1" smtClean="0">
+                              <a:latin typeface="Cambria Math" panose="02040503050406030204" pitchFamily="18" charset="0"/>
+                            </a:rPr>
+                          </m:ctrlPr>
+                        </m:fPr>
+                        <m:num>
+                          <m:r>
+                            <a:rPr lang="en-US" altLang="zh-TW" sz="1500" b="0" i="1" smtClean="0">
+                              <a:latin typeface="Cambria Math" panose="02040503050406030204" pitchFamily="18" charset="0"/>
+                            </a:rPr>
+                            <m:t>1</m:t>
+                          </m:r>
+                        </m:num>
+                        <m:den>
+                          <m:r>
+                            <a:rPr lang="en-US" altLang="zh-TW" sz="1500" b="0" i="1" smtClean="0">
+                              <a:latin typeface="Cambria Math" panose="02040503050406030204" pitchFamily="18" charset="0"/>
+                            </a:rPr>
+                            <m:t>2</m:t>
+                          </m:r>
+                          <m:r>
+                            <a:rPr lang="en-US" altLang="zh-TW" sz="1500" b="0" i="1" smtClean="0">
+                              <a:latin typeface="Cambria Math" panose="02040503050406030204" pitchFamily="18" charset="0"/>
+                            </a:rPr>
+                            <m:t>𝑊</m:t>
+                          </m:r>
+                        </m:den>
+                      </m:f>
+                      <m:sSup>
+                        <m:sSupPr>
+                          <m:ctrlPr>
+                            <a:rPr lang="en-US" altLang="zh-TW" sz="1500" b="0" i="1" smtClean="0">
+                              <a:latin typeface="Cambria Math" panose="02040503050406030204" pitchFamily="18" charset="0"/>
+                            </a:rPr>
+                          </m:ctrlPr>
+                        </m:sSupPr>
+                        <m:e>
+                          <m:r>
+                            <a:rPr lang="en-US" altLang="zh-TW" sz="1500" b="0" i="1" smtClean="0">
+                              <a:latin typeface="Cambria Math" panose="02040503050406030204" pitchFamily="18" charset="0"/>
+                            </a:rPr>
+                            <m:t>𝑒</m:t>
+                          </m:r>
+                        </m:e>
+                        <m:sup>
+                          <m:r>
+                            <a:rPr lang="en-US" altLang="zh-TW" sz="1500" b="0" i="1" smtClean="0">
+                              <a:latin typeface="Cambria Math" panose="02040503050406030204" pitchFamily="18" charset="0"/>
+                            </a:rPr>
+                            <m:t>−</m:t>
+                          </m:r>
+                          <m:r>
+                            <a:rPr lang="en-US" altLang="zh-TW" sz="1500" b="0" i="1" smtClean="0">
+                              <a:latin typeface="Cambria Math" panose="02040503050406030204" pitchFamily="18" charset="0"/>
+                            </a:rPr>
+                            <m:t>𝑗</m:t>
+                          </m:r>
+                          <m:r>
+                            <a:rPr lang="en-US" altLang="zh-TW" sz="1500" b="0" i="1" smtClean="0">
+                              <a:latin typeface="Cambria Math" panose="02040503050406030204" pitchFamily="18" charset="0"/>
+                            </a:rPr>
+                            <m:t>𝜋</m:t>
+                          </m:r>
+                          <m:r>
+                            <a:rPr lang="en-US" altLang="zh-TW" sz="1500" b="0" i="1" smtClean="0">
+                              <a:latin typeface="Cambria Math" panose="02040503050406030204" pitchFamily="18" charset="0"/>
+                            </a:rPr>
+                            <m:t>𝑓</m:t>
+                          </m:r>
+                          <m:f>
+                            <m:fPr>
+                              <m:ctrlPr>
+                                <a:rPr lang="en-US" altLang="zh-TW" sz="1500" b="0" i="1" smtClean="0">
+                                  <a:latin typeface="Cambria Math" panose="02040503050406030204" pitchFamily="18" charset="0"/>
+                                </a:rPr>
+                              </m:ctrlPr>
+                            </m:fPr>
+                            <m:num>
+                              <m:r>
+                                <a:rPr lang="en-US" altLang="zh-TW" sz="1500" b="0" i="1" smtClean="0">
+                                  <a:latin typeface="Cambria Math" panose="02040503050406030204" pitchFamily="18" charset="0"/>
+                                </a:rPr>
+                                <m:t>1</m:t>
+                              </m:r>
+                            </m:num>
+                            <m:den>
+                              <m:r>
+                                <a:rPr lang="en-US" altLang="zh-TW" sz="1500" b="0" i="1" smtClean="0">
+                                  <a:latin typeface="Cambria Math" panose="02040503050406030204" pitchFamily="18" charset="0"/>
+                                </a:rPr>
+                                <m:t>2</m:t>
+                              </m:r>
+                              <m:r>
+                                <a:rPr lang="en-US" altLang="zh-TW" sz="1500" b="0" i="1" smtClean="0">
+                                  <a:latin typeface="Cambria Math" panose="02040503050406030204" pitchFamily="18" charset="0"/>
+                                </a:rPr>
+                                <m:t>𝑊</m:t>
+                              </m:r>
+                            </m:den>
+                          </m:f>
+                        </m:sup>
+                      </m:sSup>
+                      <m:d>
+                        <m:dPr>
+                          <m:ctrlPr>
+                            <a:rPr lang="en-US" altLang="zh-TW" sz="1500" b="0" i="1" smtClean="0">
+                              <a:latin typeface="Cambria Math" panose="02040503050406030204" pitchFamily="18" charset="0"/>
+                            </a:rPr>
+                          </m:ctrlPr>
+                        </m:dPr>
+                        <m:e>
+                          <m:sSup>
+                            <m:sSupPr>
+                              <m:ctrlPr>
+                                <a:rPr lang="en-US" altLang="zh-TW" sz="1500" i="1">
+                                  <a:latin typeface="Cambria Math" panose="02040503050406030204" pitchFamily="18" charset="0"/>
+                                </a:rPr>
+                              </m:ctrlPr>
+                            </m:sSupPr>
+                            <m:e>
+                              <m:r>
+                                <a:rPr lang="en-US" altLang="zh-TW" sz="1500" i="1">
+                                  <a:latin typeface="Cambria Math" panose="02040503050406030204" pitchFamily="18" charset="0"/>
+                                </a:rPr>
+                                <m:t>𝑒</m:t>
+                              </m:r>
+                            </m:e>
+                            <m:sup>
+                              <m:r>
+                                <a:rPr lang="en-US" altLang="zh-TW" sz="1500" i="1">
+                                  <a:latin typeface="Cambria Math" panose="02040503050406030204" pitchFamily="18" charset="0"/>
+                                </a:rPr>
+                                <m:t>𝑗</m:t>
+                              </m:r>
+                              <m:r>
+                                <a:rPr lang="en-US" altLang="zh-TW" sz="1500" i="1">
+                                  <a:latin typeface="Cambria Math" panose="02040503050406030204" pitchFamily="18" charset="0"/>
+                                </a:rPr>
+                                <m:t>𝜋</m:t>
+                              </m:r>
+                              <m:r>
+                                <a:rPr lang="en-US" altLang="zh-TW" sz="1500" i="1">
+                                  <a:latin typeface="Cambria Math" panose="02040503050406030204" pitchFamily="18" charset="0"/>
+                                </a:rPr>
+                                <m:t>𝑓</m:t>
+                              </m:r>
+                              <m:f>
+                                <m:fPr>
+                                  <m:ctrlPr>
+                                    <a:rPr lang="en-US" altLang="zh-TW" sz="1500" i="1">
+                                      <a:latin typeface="Cambria Math" panose="02040503050406030204" pitchFamily="18" charset="0"/>
+                                    </a:rPr>
+                                  </m:ctrlPr>
+                                </m:fPr>
+                                <m:num>
+                                  <m:r>
+                                    <a:rPr lang="en-US" altLang="zh-TW" sz="1500" i="1">
+                                      <a:latin typeface="Cambria Math" panose="02040503050406030204" pitchFamily="18" charset="0"/>
+                                    </a:rPr>
+                                    <m:t>1</m:t>
+                                  </m:r>
+                                </m:num>
+                                <m:den>
+                                  <m:r>
+                                    <a:rPr lang="en-US" altLang="zh-TW" sz="1500" i="1">
+                                      <a:latin typeface="Cambria Math" panose="02040503050406030204" pitchFamily="18" charset="0"/>
+                                    </a:rPr>
+                                    <m:t>2</m:t>
+                                  </m:r>
+                                  <m:r>
+                                    <a:rPr lang="en-US" altLang="zh-TW" sz="1500" i="1">
+                                      <a:latin typeface="Cambria Math" panose="02040503050406030204" pitchFamily="18" charset="0"/>
+                                    </a:rPr>
+                                    <m:t>𝑊</m:t>
+                                  </m:r>
+                                </m:den>
+                              </m:f>
+                            </m:sup>
+                          </m:sSup>
+                          <m:r>
+                            <a:rPr lang="en-US" altLang="zh-TW" sz="1500" b="0" i="1" smtClean="0">
+                              <a:latin typeface="Cambria Math" panose="02040503050406030204" pitchFamily="18" charset="0"/>
+                            </a:rPr>
+                            <m:t>+</m:t>
+                          </m:r>
+                          <m:sSup>
+                            <m:sSupPr>
+                              <m:ctrlPr>
+                                <a:rPr lang="en-US" altLang="zh-TW" sz="1500" i="1">
+                                  <a:latin typeface="Cambria Math" panose="02040503050406030204" pitchFamily="18" charset="0"/>
+                                </a:rPr>
+                              </m:ctrlPr>
+                            </m:sSupPr>
+                            <m:e>
+                              <m:r>
+                                <a:rPr lang="en-US" altLang="zh-TW" sz="1500" i="1">
+                                  <a:latin typeface="Cambria Math" panose="02040503050406030204" pitchFamily="18" charset="0"/>
+                                </a:rPr>
+                                <m:t>𝑒</m:t>
+                              </m:r>
+                            </m:e>
+                            <m:sup>
+                              <m:r>
+                                <a:rPr lang="en-US" altLang="zh-TW" sz="1500" i="1">
+                                  <a:latin typeface="Cambria Math" panose="02040503050406030204" pitchFamily="18" charset="0"/>
+                                </a:rPr>
+                                <m:t>−</m:t>
+                              </m:r>
+                              <m:r>
+                                <a:rPr lang="en-US" altLang="zh-TW" sz="1500" i="1">
+                                  <a:latin typeface="Cambria Math" panose="02040503050406030204" pitchFamily="18" charset="0"/>
+                                </a:rPr>
+                                <m:t>𝑗</m:t>
+                              </m:r>
+                              <m:r>
+                                <a:rPr lang="en-US" altLang="zh-TW" sz="1500" i="1">
+                                  <a:latin typeface="Cambria Math" panose="02040503050406030204" pitchFamily="18" charset="0"/>
+                                </a:rPr>
+                                <m:t>𝜋</m:t>
+                              </m:r>
+                              <m:r>
+                                <a:rPr lang="en-US" altLang="zh-TW" sz="1500" i="1">
+                                  <a:latin typeface="Cambria Math" panose="02040503050406030204" pitchFamily="18" charset="0"/>
+                                </a:rPr>
+                                <m:t>𝑓</m:t>
+                              </m:r>
+                              <m:f>
+                                <m:fPr>
+                                  <m:ctrlPr>
+                                    <a:rPr lang="en-US" altLang="zh-TW" sz="1500" i="1">
+                                      <a:latin typeface="Cambria Math" panose="02040503050406030204" pitchFamily="18" charset="0"/>
+                                    </a:rPr>
+                                  </m:ctrlPr>
+                                </m:fPr>
+                                <m:num>
+                                  <m:r>
+                                    <a:rPr lang="en-US" altLang="zh-TW" sz="1500" i="1">
+                                      <a:latin typeface="Cambria Math" panose="02040503050406030204" pitchFamily="18" charset="0"/>
+                                    </a:rPr>
+                                    <m:t>1</m:t>
+                                  </m:r>
+                                </m:num>
+                                <m:den>
+                                  <m:r>
+                                    <a:rPr lang="en-US" altLang="zh-TW" sz="1500" i="1">
+                                      <a:latin typeface="Cambria Math" panose="02040503050406030204" pitchFamily="18" charset="0"/>
+                                    </a:rPr>
+                                    <m:t>2</m:t>
+                                  </m:r>
+                                  <m:r>
+                                    <a:rPr lang="en-US" altLang="zh-TW" sz="1500" i="1">
+                                      <a:latin typeface="Cambria Math" panose="02040503050406030204" pitchFamily="18" charset="0"/>
+                                    </a:rPr>
+                                    <m:t>𝑊</m:t>
+                                  </m:r>
+                                </m:den>
+                              </m:f>
+                            </m:sup>
+                          </m:sSup>
+                        </m:e>
+                      </m:d>
+                      <m:r>
+                        <a:rPr lang="en-US" altLang="zh-TW" sz="1500" b="0" i="1" smtClean="0">
+                          <a:latin typeface="Cambria Math" panose="02040503050406030204" pitchFamily="18" charset="0"/>
+                        </a:rPr>
+                        <m:t>=</m:t>
+                      </m:r>
+                      <m:f>
+                        <m:fPr>
+                          <m:ctrlPr>
+                            <a:rPr lang="en-US" altLang="zh-TW" sz="1500" b="0" i="1" smtClean="0">
+                              <a:latin typeface="Cambria Math" panose="02040503050406030204" pitchFamily="18" charset="0"/>
+                            </a:rPr>
+                          </m:ctrlPr>
+                        </m:fPr>
+                        <m:num>
+                          <m:r>
+                            <a:rPr lang="en-US" altLang="zh-TW" sz="1500" b="0" i="1" smtClean="0">
+                              <a:latin typeface="Cambria Math" panose="02040503050406030204" pitchFamily="18" charset="0"/>
+                            </a:rPr>
+                            <m:t>1</m:t>
+                          </m:r>
+                        </m:num>
+                        <m:den>
+                          <m:r>
+                            <a:rPr lang="en-US" altLang="zh-TW" sz="1500" b="0" i="1" smtClean="0">
+                              <a:latin typeface="Cambria Math" panose="02040503050406030204" pitchFamily="18" charset="0"/>
+                            </a:rPr>
+                            <m:t>𝑊</m:t>
+                          </m:r>
+                        </m:den>
+                      </m:f>
+                      <m:sSup>
+                        <m:sSupPr>
+                          <m:ctrlPr>
+                            <a:rPr lang="en-US" altLang="zh-TW" sz="1500" i="1">
+                              <a:latin typeface="Cambria Math" panose="02040503050406030204" pitchFamily="18" charset="0"/>
+                            </a:rPr>
+                          </m:ctrlPr>
+                        </m:sSupPr>
+                        <m:e>
+                          <m:r>
+                            <a:rPr lang="en-US" altLang="zh-TW" sz="1500" i="1">
+                              <a:latin typeface="Cambria Math" panose="02040503050406030204" pitchFamily="18" charset="0"/>
+                            </a:rPr>
+                            <m:t>𝑒</m:t>
+                          </m:r>
+                        </m:e>
+                        <m:sup>
+                          <m:r>
+                            <a:rPr lang="en-US" altLang="zh-TW" sz="1500" i="1">
+                              <a:latin typeface="Cambria Math" panose="02040503050406030204" pitchFamily="18" charset="0"/>
+                            </a:rPr>
+                            <m:t>−</m:t>
+                          </m:r>
+                          <m:r>
+                            <a:rPr lang="en-US" altLang="zh-TW" sz="1500" i="1">
+                              <a:latin typeface="Cambria Math" panose="02040503050406030204" pitchFamily="18" charset="0"/>
+                            </a:rPr>
+                            <m:t>𝑗</m:t>
+                          </m:r>
+                          <m:r>
+                            <a:rPr lang="en-US" altLang="zh-TW" sz="1500" i="1">
+                              <a:latin typeface="Cambria Math" panose="02040503050406030204" pitchFamily="18" charset="0"/>
+                            </a:rPr>
+                            <m:t>𝜋</m:t>
+                          </m:r>
+                          <m:r>
+                            <a:rPr lang="en-US" altLang="zh-TW" sz="1500" i="1">
+                              <a:latin typeface="Cambria Math" panose="02040503050406030204" pitchFamily="18" charset="0"/>
+                            </a:rPr>
+                            <m:t>𝑓</m:t>
+                          </m:r>
+                          <m:f>
+                            <m:fPr>
+                              <m:ctrlPr>
+                                <a:rPr lang="en-US" altLang="zh-TW" sz="1500" i="1">
+                                  <a:latin typeface="Cambria Math" panose="02040503050406030204" pitchFamily="18" charset="0"/>
+                                </a:rPr>
+                              </m:ctrlPr>
+                            </m:fPr>
+                            <m:num>
+                              <m:r>
+                                <a:rPr lang="en-US" altLang="zh-TW" sz="1500" i="1">
+                                  <a:latin typeface="Cambria Math" panose="02040503050406030204" pitchFamily="18" charset="0"/>
+                                </a:rPr>
+                                <m:t>1</m:t>
+                              </m:r>
+                            </m:num>
+                            <m:den>
+                              <m:r>
+                                <a:rPr lang="en-US" altLang="zh-TW" sz="1500" i="1">
+                                  <a:latin typeface="Cambria Math" panose="02040503050406030204" pitchFamily="18" charset="0"/>
+                                </a:rPr>
+                                <m:t>2</m:t>
+                              </m:r>
+                              <m:r>
+                                <a:rPr lang="en-US" altLang="zh-TW" sz="1500" i="1">
+                                  <a:latin typeface="Cambria Math" panose="02040503050406030204" pitchFamily="18" charset="0"/>
+                                </a:rPr>
+                                <m:t>𝑊</m:t>
+                              </m:r>
+                            </m:den>
+                          </m:f>
+                        </m:sup>
+                      </m:sSup>
+                      <m:func>
+                        <m:funcPr>
+                          <m:ctrlPr>
+                            <a:rPr lang="en-US" altLang="zh-TW" sz="1500" b="0" i="1" smtClean="0">
+                              <a:latin typeface="Cambria Math" panose="02040503050406030204" pitchFamily="18" charset="0"/>
+                            </a:rPr>
+                          </m:ctrlPr>
+                        </m:funcPr>
+                        <m:fName>
+                          <m:r>
+                            <m:rPr>
+                              <m:sty m:val="p"/>
+                            </m:rPr>
+                            <a:rPr lang="en-US" altLang="zh-TW" sz="1500" b="0" i="0" smtClean="0">
+                              <a:latin typeface="Cambria Math" panose="02040503050406030204" pitchFamily="18" charset="0"/>
+                            </a:rPr>
+                            <m:t>cos</m:t>
+                          </m:r>
+                        </m:fName>
+                        <m:e>
+                          <m:d>
+                            <m:dPr>
+                              <m:ctrlPr>
+                                <a:rPr lang="en-US" altLang="zh-TW" sz="1500" b="0" i="1" smtClean="0">
+                                  <a:latin typeface="Cambria Math" panose="02040503050406030204" pitchFamily="18" charset="0"/>
+                                </a:rPr>
+                              </m:ctrlPr>
+                            </m:dPr>
+                            <m:e>
+                              <m:f>
+                                <m:fPr>
+                                  <m:ctrlPr>
+                                    <a:rPr lang="en-US" altLang="zh-TW" sz="1500" b="0" i="1" smtClean="0">
+                                      <a:latin typeface="Cambria Math" panose="02040503050406030204" pitchFamily="18" charset="0"/>
+                                    </a:rPr>
+                                  </m:ctrlPr>
+                                </m:fPr>
+                                <m:num>
+                                  <m:r>
+                                    <a:rPr lang="en-US" altLang="zh-TW" sz="1500" b="0" i="1" smtClean="0">
+                                      <a:latin typeface="Cambria Math" panose="02040503050406030204" pitchFamily="18" charset="0"/>
+                                    </a:rPr>
+                                    <m:t>𝜋</m:t>
+                                  </m:r>
+                                  <m:r>
+                                    <a:rPr lang="en-US" altLang="zh-TW" sz="1500" b="0" i="1" smtClean="0">
+                                      <a:latin typeface="Cambria Math" panose="02040503050406030204" pitchFamily="18" charset="0"/>
+                                    </a:rPr>
+                                    <m:t>𝑓</m:t>
+                                  </m:r>
+                                </m:num>
+                                <m:den>
+                                  <m:r>
+                                    <a:rPr lang="en-US" altLang="zh-TW" sz="1500" b="0" i="1" smtClean="0">
+                                      <a:latin typeface="Cambria Math" panose="02040503050406030204" pitchFamily="18" charset="0"/>
+                                    </a:rPr>
+                                    <m:t>2</m:t>
+                                  </m:r>
+                                  <m:r>
+                                    <a:rPr lang="en-US" altLang="zh-TW" sz="1500" b="0" i="1" smtClean="0">
+                                      <a:latin typeface="Cambria Math" panose="02040503050406030204" pitchFamily="18" charset="0"/>
+                                    </a:rPr>
+                                    <m:t>𝑊</m:t>
+                                  </m:r>
+                                </m:den>
+                              </m:f>
+                            </m:e>
+                          </m:d>
+                        </m:e>
+                      </m:func>
+                      <m:r>
+                        <a:rPr lang="en-US" altLang="zh-TW" sz="1500" b="0" i="1" smtClean="0">
+                          <a:latin typeface="Cambria Math" panose="02040503050406030204" pitchFamily="18" charset="0"/>
+                        </a:rPr>
+                        <m:t>;</m:t>
+                      </m:r>
+                      <m:d>
+                        <m:dPr>
+                          <m:begChr m:val="|"/>
+                          <m:endChr m:val="|"/>
+                          <m:ctrlPr>
+                            <a:rPr lang="en-US" altLang="zh-TW" sz="1500" b="0" i="1" smtClean="0">
+                              <a:latin typeface="Cambria Math" panose="02040503050406030204" pitchFamily="18" charset="0"/>
+                            </a:rPr>
+                          </m:ctrlPr>
+                        </m:dPr>
+                        <m:e>
+                          <m:r>
+                            <a:rPr lang="en-US" altLang="zh-TW" sz="1500" b="0" i="1" smtClean="0">
+                              <a:latin typeface="Cambria Math" panose="02040503050406030204" pitchFamily="18" charset="0"/>
+                            </a:rPr>
+                            <m:t>𝑓</m:t>
+                          </m:r>
+                        </m:e>
+                      </m:d>
+                      <m:r>
+                        <a:rPr lang="en-US" altLang="zh-TW" sz="1500" b="0" i="1" smtClean="0">
+                          <a:latin typeface="Cambria Math" panose="02040503050406030204" pitchFamily="18" charset="0"/>
+                        </a:rPr>
+                        <m:t>≤</m:t>
+                      </m:r>
+                      <m:r>
+                        <a:rPr lang="en-US" altLang="zh-TW" sz="1500" b="0" i="1" smtClean="0">
+                          <a:latin typeface="Cambria Math" panose="02040503050406030204" pitchFamily="18" charset="0"/>
+                        </a:rPr>
+                        <m:t>𝑊</m:t>
+                      </m:r>
+                    </m:oMath>
+                  </m:oMathPara>
+                </a14:m>
+                <a:endParaRPr lang="zh-TW" altLang="en-US" sz="1500" dirty="0"/>
+              </a:p>
+            </p:txBody>
+          </p:sp>
+        </mc:Choice>
+        <mc:Fallback>
+          <p:sp>
+            <p:nvSpPr>
+              <p:cNvPr id="7" name="文字方塊 6"/>
+              <p:cNvSpPr txBox="1">
+                <a:spLocks noRot="1" noChangeAspect="1" noMove="1" noResize="1" noEditPoints="1" noAdjustHandles="1" noChangeArrowheads="1" noChangeShapeType="1" noTextEdit="1"/>
+              </p:cNvSpPr>
+              <p:nvPr/>
+            </p:nvSpPr>
+            <p:spPr>
+              <a:xfrm>
+                <a:off x="284631" y="1487286"/>
+                <a:ext cx="7857023" cy="610936"/>
+              </a:xfrm>
+              <a:prstGeom prst="rect">
+                <a:avLst/>
+              </a:prstGeom>
+              <a:blipFill>
+                <a:blip r:embed="rId4"/>
+                <a:stretch>
+                  <a:fillRect/>
+                </a:stretch>
+              </a:blipFill>
+            </p:spPr>
+            <p:txBody>
+              <a:bodyPr/>
+              <a:lstStyle/>
+              <a:p>
+                <a:r>
+                  <a:rPr lang="zh-TW" altLang="en-US">
+                    <a:noFill/>
+                  </a:rPr>
+                  <a:t> </a:t>
+                </a:r>
+              </a:p>
+            </p:txBody>
+          </p:sp>
+        </mc:Fallback>
+      </mc:AlternateContent>
+      <p:pic>
+        <p:nvPicPr>
+          <p:cNvPr id="8" name="圖片 7"/>
+          <p:cNvPicPr>
+            <a:picLocks noChangeAspect="1"/>
+          </p:cNvPicPr>
+          <p:nvPr/>
+        </p:nvPicPr>
+        <p:blipFill>
+          <a:blip r:embed="rId5"/>
+          <a:stretch>
+            <a:fillRect/>
+          </a:stretch>
+        </p:blipFill>
+        <p:spPr>
+          <a:xfrm>
+            <a:off x="8141654" y="591632"/>
+            <a:ext cx="1629959" cy="1150362"/>
+          </a:xfrm>
+          <a:prstGeom prst="rect">
+            <a:avLst/>
+          </a:prstGeom>
+        </p:spPr>
+      </p:pic>
+      <p:sp>
+        <p:nvSpPr>
+          <p:cNvPr id="9" name="文字方塊 8"/>
+          <p:cNvSpPr txBox="1"/>
+          <p:nvPr/>
+        </p:nvSpPr>
+        <p:spPr>
+          <a:xfrm>
+            <a:off x="0" y="2185919"/>
+            <a:ext cx="447558" cy="369332"/>
+          </a:xfrm>
+          <a:prstGeom prst="rect">
+            <a:avLst/>
+          </a:prstGeom>
+          <a:noFill/>
+        </p:spPr>
+        <p:txBody>
+          <a:bodyPr wrap="none" rtlCol="0">
+            <a:spAutoFit/>
+          </a:bodyPr>
+          <a:lstStyle/>
+          <a:p>
+            <a:r>
+              <a:rPr lang="en-US" altLang="zh-TW" dirty="0" smtClean="0">
+                <a:solidFill>
+                  <a:srgbClr val="FF0000"/>
+                </a:solidFill>
+              </a:rPr>
+              <a:t>(b)</a:t>
+            </a:r>
+            <a:endParaRPr lang="zh-TW" altLang="en-US" dirty="0">
+              <a:solidFill>
+                <a:srgbClr val="FF0000"/>
+              </a:solidFill>
+            </a:endParaRPr>
+          </a:p>
+        </p:txBody>
+      </p:sp>
+      <mc:AlternateContent xmlns:mc="http://schemas.openxmlformats.org/markup-compatibility/2006">
+        <mc:Choice xmlns:a14="http://schemas.microsoft.com/office/drawing/2010/main" Requires="a14">
+          <p:sp>
+            <p:nvSpPr>
+              <p:cNvPr id="10" name="文字方塊 9"/>
+              <p:cNvSpPr txBox="1"/>
+              <p:nvPr/>
+            </p:nvSpPr>
+            <p:spPr>
+              <a:xfrm>
+                <a:off x="284631" y="2065117"/>
+                <a:ext cx="7408182" cy="610936"/>
+              </a:xfrm>
+              <a:prstGeom prst="rect">
+                <a:avLst/>
+              </a:prstGeom>
+              <a:noFill/>
+            </p:spPr>
+            <p:txBody>
+              <a:bodyPr wrap="none" rtlCol="0">
+                <a:spAutoFit/>
+              </a:bodyPr>
+              <a:lstStyle/>
+              <a:p>
+                <a14:m>
+                  <m:oMathPara xmlns:m="http://schemas.openxmlformats.org/officeDocument/2006/math">
+                    <m:oMathParaPr>
+                      <m:jc m:val="centerGroup"/>
+                    </m:oMathParaPr>
+                    <m:oMath xmlns:m="http://schemas.openxmlformats.org/officeDocument/2006/math">
+                      <m:r>
+                        <a:rPr lang="en-US" altLang="zh-TW" sz="1500" b="0" i="1" smtClean="0">
+                          <a:latin typeface="Cambria Math" panose="02040503050406030204" pitchFamily="18" charset="0"/>
+                        </a:rPr>
+                        <m:t>𝑋</m:t>
+                      </m:r>
+                      <m:d>
+                        <m:dPr>
+                          <m:ctrlPr>
+                            <a:rPr lang="en-US" altLang="zh-TW" sz="1500" b="0" i="1" smtClean="0">
+                              <a:latin typeface="Cambria Math" panose="02040503050406030204" pitchFamily="18" charset="0"/>
+                            </a:rPr>
+                          </m:ctrlPr>
+                        </m:dPr>
+                        <m:e>
+                          <m:r>
+                            <a:rPr lang="en-US" altLang="zh-TW" sz="1500" b="0" i="1" smtClean="0">
+                              <a:latin typeface="Cambria Math" panose="02040503050406030204" pitchFamily="18" charset="0"/>
+                            </a:rPr>
+                            <m:t>𝑓</m:t>
+                          </m:r>
+                        </m:e>
+                      </m:d>
+                      <m:r>
+                        <a:rPr lang="en-US" altLang="zh-TW" sz="1500" b="0" i="1" smtClean="0">
+                          <a:latin typeface="Cambria Math" panose="02040503050406030204" pitchFamily="18" charset="0"/>
+                        </a:rPr>
+                        <m:t>=</m:t>
+                      </m:r>
+                      <m:r>
+                        <a:rPr lang="en-US" altLang="zh-TW" sz="1500" b="0" i="1" smtClean="0">
+                          <a:latin typeface="Cambria Math" panose="02040503050406030204" pitchFamily="18" charset="0"/>
+                        </a:rPr>
+                        <m:t>𝑇</m:t>
+                      </m:r>
+                      <m:sSup>
+                        <m:sSupPr>
+                          <m:ctrlPr>
+                            <a:rPr lang="en-US" altLang="zh-TW" sz="1500" b="0" i="1" smtClean="0">
+                              <a:latin typeface="Cambria Math" panose="02040503050406030204" pitchFamily="18" charset="0"/>
+                            </a:rPr>
+                          </m:ctrlPr>
+                        </m:sSupPr>
+                        <m:e>
+                          <m:r>
+                            <a:rPr lang="en-US" altLang="zh-TW" sz="1500" b="0" i="1" smtClean="0">
+                              <a:latin typeface="Cambria Math" panose="02040503050406030204" pitchFamily="18" charset="0"/>
+                            </a:rPr>
+                            <m:t>𝑒</m:t>
+                          </m:r>
+                        </m:e>
+                        <m:sup>
+                          <m:r>
+                            <a:rPr lang="en-US" altLang="zh-TW" sz="1500" b="0" i="1" smtClean="0">
+                              <a:latin typeface="Cambria Math" panose="02040503050406030204" pitchFamily="18" charset="0"/>
+                            </a:rPr>
+                            <m:t>𝑗</m:t>
+                          </m:r>
+                          <m:r>
+                            <a:rPr lang="en-US" altLang="zh-TW" sz="1500" b="0" i="1" smtClean="0">
+                              <a:latin typeface="Cambria Math" panose="02040503050406030204" pitchFamily="18" charset="0"/>
+                            </a:rPr>
+                            <m:t>2</m:t>
+                          </m:r>
+                          <m:r>
+                            <a:rPr lang="en-US" altLang="zh-TW" sz="1500" b="0" i="1" smtClean="0">
+                              <a:latin typeface="Cambria Math" panose="02040503050406030204" pitchFamily="18" charset="0"/>
+                            </a:rPr>
+                            <m:t>𝜋</m:t>
+                          </m:r>
+                          <m:r>
+                            <a:rPr lang="en-US" altLang="zh-TW" sz="1500" b="0" i="1" smtClean="0">
+                              <a:latin typeface="Cambria Math" panose="02040503050406030204" pitchFamily="18" charset="0"/>
+                            </a:rPr>
+                            <m:t>𝑓𝑇</m:t>
+                          </m:r>
+                        </m:sup>
+                      </m:sSup>
+                      <m:r>
+                        <a:rPr lang="en-US" altLang="zh-TW" sz="1500" b="0" i="1" smtClean="0">
+                          <a:latin typeface="Cambria Math" panose="02040503050406030204" pitchFamily="18" charset="0"/>
+                        </a:rPr>
+                        <m:t>−</m:t>
+                      </m:r>
+                      <m:r>
+                        <a:rPr lang="en-US" altLang="zh-TW" sz="1500" b="0" i="1" smtClean="0">
+                          <a:latin typeface="Cambria Math" panose="02040503050406030204" pitchFamily="18" charset="0"/>
+                        </a:rPr>
+                        <m:t>𝑇</m:t>
+                      </m:r>
+                      <m:sSup>
+                        <m:sSupPr>
+                          <m:ctrlPr>
+                            <a:rPr lang="en-US" altLang="zh-TW" sz="1500" b="0" i="1" smtClean="0">
+                              <a:latin typeface="Cambria Math" panose="02040503050406030204" pitchFamily="18" charset="0"/>
+                            </a:rPr>
+                          </m:ctrlPr>
+                        </m:sSupPr>
+                        <m:e>
+                          <m:r>
+                            <a:rPr lang="en-US" altLang="zh-TW" sz="1500" b="0" i="1" smtClean="0">
+                              <a:latin typeface="Cambria Math" panose="02040503050406030204" pitchFamily="18" charset="0"/>
+                            </a:rPr>
+                            <m:t>𝑒</m:t>
+                          </m:r>
+                        </m:e>
+                        <m:sup>
+                          <m:r>
+                            <a:rPr lang="en-US" altLang="zh-TW" sz="1500" b="0" i="1" smtClean="0">
+                              <a:latin typeface="Cambria Math" panose="02040503050406030204" pitchFamily="18" charset="0"/>
+                            </a:rPr>
+                            <m:t>−</m:t>
+                          </m:r>
+                          <m:r>
+                            <a:rPr lang="en-US" altLang="zh-TW" sz="1500" b="0" i="1" smtClean="0">
+                              <a:latin typeface="Cambria Math" panose="02040503050406030204" pitchFamily="18" charset="0"/>
+                            </a:rPr>
+                            <m:t>𝑗</m:t>
+                          </m:r>
+                          <m:r>
+                            <a:rPr lang="en-US" altLang="zh-TW" sz="1500" b="0" i="1" smtClean="0">
+                              <a:latin typeface="Cambria Math" panose="02040503050406030204" pitchFamily="18" charset="0"/>
+                            </a:rPr>
+                            <m:t>2</m:t>
+                          </m:r>
+                          <m:r>
+                            <a:rPr lang="en-US" altLang="zh-TW" sz="1500" b="0" i="1" smtClean="0">
+                              <a:latin typeface="Cambria Math" panose="02040503050406030204" pitchFamily="18" charset="0"/>
+                            </a:rPr>
+                            <m:t>𝜋</m:t>
+                          </m:r>
+                          <m:r>
+                            <a:rPr lang="en-US" altLang="zh-TW" sz="1500" b="0" i="1" smtClean="0">
+                              <a:latin typeface="Cambria Math" panose="02040503050406030204" pitchFamily="18" charset="0"/>
+                            </a:rPr>
+                            <m:t>𝑓𝑇</m:t>
+                          </m:r>
+                        </m:sup>
+                      </m:sSup>
+                      <m:r>
+                        <a:rPr lang="en-US" altLang="zh-TW" sz="1500" b="0" i="1" smtClean="0">
+                          <a:latin typeface="Cambria Math" panose="02040503050406030204" pitchFamily="18" charset="0"/>
+                        </a:rPr>
+                        <m:t>=2</m:t>
+                      </m:r>
+                      <m:r>
+                        <a:rPr lang="en-US" altLang="zh-TW" sz="1500" b="0" i="1" smtClean="0">
+                          <a:latin typeface="Cambria Math" panose="02040503050406030204" pitchFamily="18" charset="0"/>
+                        </a:rPr>
+                        <m:t>𝑗𝑇𝑠𝑖𝑛</m:t>
+                      </m:r>
+                      <m:d>
+                        <m:dPr>
+                          <m:ctrlPr>
+                            <a:rPr lang="en-US" altLang="zh-TW" sz="1500" b="0" i="1" smtClean="0">
+                              <a:latin typeface="Cambria Math" panose="02040503050406030204" pitchFamily="18" charset="0"/>
+                            </a:rPr>
+                          </m:ctrlPr>
+                        </m:dPr>
+                        <m:e>
+                          <m:r>
+                            <a:rPr lang="en-US" altLang="zh-TW" sz="1500" b="0" i="1" smtClean="0">
+                              <a:latin typeface="Cambria Math" panose="02040503050406030204" pitchFamily="18" charset="0"/>
+                            </a:rPr>
+                            <m:t>2</m:t>
+                          </m:r>
+                          <m:r>
+                            <a:rPr lang="en-US" altLang="zh-TW" sz="1500" b="0" i="1" smtClean="0">
+                              <a:latin typeface="Cambria Math" panose="02040503050406030204" pitchFamily="18" charset="0"/>
+                            </a:rPr>
+                            <m:t>𝜋</m:t>
+                          </m:r>
+                          <m:r>
+                            <a:rPr lang="en-US" altLang="zh-TW" sz="1500" b="0" i="1" smtClean="0">
+                              <a:latin typeface="Cambria Math" panose="02040503050406030204" pitchFamily="18" charset="0"/>
+                            </a:rPr>
+                            <m:t>𝑓𝑇</m:t>
+                          </m:r>
+                        </m:e>
+                      </m:d>
+                      <m:r>
+                        <a:rPr lang="en-US" altLang="zh-TW" sz="1500" b="0" i="1" smtClean="0">
+                          <a:latin typeface="Cambria Math" panose="02040503050406030204" pitchFamily="18" charset="0"/>
+                        </a:rPr>
+                        <m:t>=2</m:t>
+                      </m:r>
+                      <m:r>
+                        <a:rPr lang="en-US" altLang="zh-TW" sz="1500" b="0" i="1" smtClean="0">
+                          <a:latin typeface="Cambria Math" panose="02040503050406030204" pitchFamily="18" charset="0"/>
+                        </a:rPr>
+                        <m:t>𝑗</m:t>
+                      </m:r>
+                      <m:f>
+                        <m:fPr>
+                          <m:ctrlPr>
+                            <a:rPr lang="en-US" altLang="zh-TW" sz="1500" b="0" i="1" smtClean="0">
+                              <a:latin typeface="Cambria Math" panose="02040503050406030204" pitchFamily="18" charset="0"/>
+                            </a:rPr>
+                          </m:ctrlPr>
+                        </m:fPr>
+                        <m:num>
+                          <m:r>
+                            <a:rPr lang="en-US" altLang="zh-TW" sz="1500" b="0" i="1" smtClean="0">
+                              <a:latin typeface="Cambria Math" panose="02040503050406030204" pitchFamily="18" charset="0"/>
+                            </a:rPr>
+                            <m:t>1</m:t>
+                          </m:r>
+                        </m:num>
+                        <m:den>
+                          <m:r>
+                            <a:rPr lang="en-US" altLang="zh-TW" sz="1500" b="0" i="1" smtClean="0">
+                              <a:latin typeface="Cambria Math" panose="02040503050406030204" pitchFamily="18" charset="0"/>
+                            </a:rPr>
+                            <m:t>2</m:t>
+                          </m:r>
+                          <m:r>
+                            <a:rPr lang="en-US" altLang="zh-TW" sz="1500" b="0" i="1" smtClean="0">
+                              <a:latin typeface="Cambria Math" panose="02040503050406030204" pitchFamily="18" charset="0"/>
+                            </a:rPr>
+                            <m:t>𝑊</m:t>
+                          </m:r>
+                        </m:den>
+                      </m:f>
+                      <m:func>
+                        <m:funcPr>
+                          <m:ctrlPr>
+                            <a:rPr lang="en-US" altLang="zh-TW" sz="1500" b="0" i="1" smtClean="0">
+                              <a:latin typeface="Cambria Math" panose="02040503050406030204" pitchFamily="18" charset="0"/>
+                            </a:rPr>
+                          </m:ctrlPr>
+                        </m:funcPr>
+                        <m:fName>
+                          <m:r>
+                            <m:rPr>
+                              <m:sty m:val="p"/>
+                            </m:rPr>
+                            <a:rPr lang="en-US" altLang="zh-TW" sz="1500" b="0" i="0" smtClean="0">
+                              <a:latin typeface="Cambria Math" panose="02040503050406030204" pitchFamily="18" charset="0"/>
+                            </a:rPr>
+                            <m:t>sin</m:t>
+                          </m:r>
+                        </m:fName>
+                        <m:e>
+                          <m:d>
+                            <m:dPr>
+                              <m:ctrlPr>
+                                <a:rPr lang="en-US" altLang="zh-TW" sz="1500" b="0" i="1" smtClean="0">
+                                  <a:latin typeface="Cambria Math" panose="02040503050406030204" pitchFamily="18" charset="0"/>
+                                </a:rPr>
+                              </m:ctrlPr>
+                            </m:dPr>
+                            <m:e>
+                              <m:f>
+                                <m:fPr>
+                                  <m:ctrlPr>
+                                    <a:rPr lang="en-US" altLang="zh-TW" sz="1500" b="0" i="1" smtClean="0">
+                                      <a:latin typeface="Cambria Math" panose="02040503050406030204" pitchFamily="18" charset="0"/>
+                                    </a:rPr>
+                                  </m:ctrlPr>
+                                </m:fPr>
+                                <m:num>
+                                  <m:r>
+                                    <a:rPr lang="en-US" altLang="zh-TW" sz="1500" b="0" i="1" smtClean="0">
+                                      <a:latin typeface="Cambria Math" panose="02040503050406030204" pitchFamily="18" charset="0"/>
+                                    </a:rPr>
+                                    <m:t>𝜋</m:t>
+                                  </m:r>
+                                  <m:r>
+                                    <a:rPr lang="en-US" altLang="zh-TW" sz="1500" b="0" i="1" smtClean="0">
+                                      <a:latin typeface="Cambria Math" panose="02040503050406030204" pitchFamily="18" charset="0"/>
+                                    </a:rPr>
+                                    <m:t>𝑓</m:t>
+                                  </m:r>
+                                </m:num>
+                                <m:den>
+                                  <m:r>
+                                    <a:rPr lang="en-US" altLang="zh-TW" sz="1500" b="0" i="1" smtClean="0">
+                                      <a:latin typeface="Cambria Math" panose="02040503050406030204" pitchFamily="18" charset="0"/>
+                                    </a:rPr>
+                                    <m:t>𝑊</m:t>
+                                  </m:r>
+                                </m:den>
+                              </m:f>
+                            </m:e>
+                          </m:d>
+                        </m:e>
+                      </m:func>
+                      <m:r>
+                        <a:rPr lang="en-US" altLang="zh-TW" sz="1500" b="0" i="1" smtClean="0">
+                          <a:latin typeface="Cambria Math" panose="02040503050406030204" pitchFamily="18" charset="0"/>
+                        </a:rPr>
+                        <m:t>=</m:t>
+                      </m:r>
+                      <m:f>
+                        <m:fPr>
+                          <m:ctrlPr>
+                            <a:rPr lang="en-US" altLang="zh-TW" sz="1500" b="0" i="1" smtClean="0">
+                              <a:latin typeface="Cambria Math" panose="02040503050406030204" pitchFamily="18" charset="0"/>
+                            </a:rPr>
+                          </m:ctrlPr>
+                        </m:fPr>
+                        <m:num>
+                          <m:r>
+                            <a:rPr lang="en-US" altLang="zh-TW" sz="1500" b="0" i="1" smtClean="0">
+                              <a:latin typeface="Cambria Math" panose="02040503050406030204" pitchFamily="18" charset="0"/>
+                            </a:rPr>
+                            <m:t>𝑗</m:t>
+                          </m:r>
+                        </m:num>
+                        <m:den>
+                          <m:r>
+                            <a:rPr lang="en-US" altLang="zh-TW" sz="1500" b="0" i="1" smtClean="0">
+                              <a:latin typeface="Cambria Math" panose="02040503050406030204" pitchFamily="18" charset="0"/>
+                            </a:rPr>
+                            <m:t>𝑊</m:t>
+                          </m:r>
+                        </m:den>
+                      </m:f>
+                      <m:func>
+                        <m:funcPr>
+                          <m:ctrlPr>
+                            <a:rPr lang="en-US" altLang="zh-TW" sz="1500" b="0" i="1" smtClean="0">
+                              <a:latin typeface="Cambria Math" panose="02040503050406030204" pitchFamily="18" charset="0"/>
+                            </a:rPr>
+                          </m:ctrlPr>
+                        </m:funcPr>
+                        <m:fName>
+                          <m:r>
+                            <m:rPr>
+                              <m:sty m:val="p"/>
+                            </m:rPr>
+                            <a:rPr lang="en-US" altLang="zh-TW" sz="1500" b="0" i="0" smtClean="0">
+                              <a:latin typeface="Cambria Math" panose="02040503050406030204" pitchFamily="18" charset="0"/>
+                            </a:rPr>
+                            <m:t>sin</m:t>
+                          </m:r>
+                        </m:fName>
+                        <m:e>
+                          <m:d>
+                            <m:dPr>
+                              <m:ctrlPr>
+                                <a:rPr lang="en-US" altLang="zh-TW" sz="1500" b="0" i="1" smtClean="0">
+                                  <a:latin typeface="Cambria Math" panose="02040503050406030204" pitchFamily="18" charset="0"/>
+                                </a:rPr>
+                              </m:ctrlPr>
+                            </m:dPr>
+                            <m:e>
+                              <m:f>
+                                <m:fPr>
+                                  <m:ctrlPr>
+                                    <a:rPr lang="en-US" altLang="zh-TW" sz="1500" i="1">
+                                      <a:latin typeface="Cambria Math" panose="02040503050406030204" pitchFamily="18" charset="0"/>
+                                    </a:rPr>
+                                  </m:ctrlPr>
+                                </m:fPr>
+                                <m:num>
+                                  <m:r>
+                                    <a:rPr lang="en-US" altLang="zh-TW" sz="1500" i="1">
+                                      <a:latin typeface="Cambria Math" panose="02040503050406030204" pitchFamily="18" charset="0"/>
+                                    </a:rPr>
+                                    <m:t>𝜋</m:t>
+                                  </m:r>
+                                  <m:r>
+                                    <a:rPr lang="en-US" altLang="zh-TW" sz="1500" i="1">
+                                      <a:latin typeface="Cambria Math" panose="02040503050406030204" pitchFamily="18" charset="0"/>
+                                    </a:rPr>
+                                    <m:t>𝑓</m:t>
+                                  </m:r>
+                                </m:num>
+                                <m:den>
+                                  <m:r>
+                                    <a:rPr lang="en-US" altLang="zh-TW" sz="1500" i="1">
+                                      <a:latin typeface="Cambria Math" panose="02040503050406030204" pitchFamily="18" charset="0"/>
+                                    </a:rPr>
+                                    <m:t>𝑊</m:t>
+                                  </m:r>
+                                </m:den>
+                              </m:f>
+                            </m:e>
+                          </m:d>
+                        </m:e>
+                      </m:func>
+                      <m:r>
+                        <a:rPr lang="en-US" altLang="zh-TW" sz="1500" b="0" i="1" smtClean="0">
+                          <a:latin typeface="Cambria Math" panose="02040503050406030204" pitchFamily="18" charset="0"/>
+                        </a:rPr>
+                        <m:t>;</m:t>
+                      </m:r>
+                      <m:d>
+                        <m:dPr>
+                          <m:begChr m:val="|"/>
+                          <m:endChr m:val="|"/>
+                          <m:ctrlPr>
+                            <a:rPr lang="en-US" altLang="zh-TW" sz="1500" b="0" i="1" smtClean="0">
+                              <a:latin typeface="Cambria Math" panose="02040503050406030204" pitchFamily="18" charset="0"/>
+                            </a:rPr>
+                          </m:ctrlPr>
+                        </m:dPr>
+                        <m:e>
+                          <m:r>
+                            <a:rPr lang="en-US" altLang="zh-TW" sz="1500" b="0" i="1" smtClean="0">
+                              <a:latin typeface="Cambria Math" panose="02040503050406030204" pitchFamily="18" charset="0"/>
+                            </a:rPr>
+                            <m:t>𝑓</m:t>
+                          </m:r>
+                        </m:e>
+                      </m:d>
+                      <m:r>
+                        <a:rPr lang="en-US" altLang="zh-TW" sz="1500" b="0" i="1" smtClean="0">
+                          <a:latin typeface="Cambria Math" panose="02040503050406030204" pitchFamily="18" charset="0"/>
+                        </a:rPr>
+                        <m:t>≤</m:t>
+                      </m:r>
+                      <m:r>
+                        <a:rPr lang="en-US" altLang="zh-TW" sz="1500" b="0" i="1" smtClean="0">
+                          <a:latin typeface="Cambria Math" panose="02040503050406030204" pitchFamily="18" charset="0"/>
+                        </a:rPr>
+                        <m:t>𝑊</m:t>
+                      </m:r>
+                    </m:oMath>
+                  </m:oMathPara>
+                </a14:m>
+                <a:endParaRPr lang="zh-TW" altLang="en-US" sz="1500" dirty="0"/>
+              </a:p>
+            </p:txBody>
+          </p:sp>
+        </mc:Choice>
+        <mc:Fallback>
+          <p:sp>
+            <p:nvSpPr>
+              <p:cNvPr id="10" name="文字方塊 9"/>
+              <p:cNvSpPr txBox="1">
+                <a:spLocks noRot="1" noChangeAspect="1" noMove="1" noResize="1" noEditPoints="1" noAdjustHandles="1" noChangeArrowheads="1" noChangeShapeType="1" noTextEdit="1"/>
+              </p:cNvSpPr>
+              <p:nvPr/>
+            </p:nvSpPr>
+            <p:spPr>
+              <a:xfrm>
+                <a:off x="284631" y="2065117"/>
+                <a:ext cx="7408182" cy="610936"/>
+              </a:xfrm>
+              <a:prstGeom prst="rect">
+                <a:avLst/>
+              </a:prstGeom>
+              <a:blipFill>
+                <a:blip r:embed="rId6"/>
+                <a:stretch>
+                  <a:fillRect/>
+                </a:stretch>
+              </a:blipFill>
+            </p:spPr>
+            <p:txBody>
+              <a:bodyPr/>
+              <a:lstStyle/>
+              <a:p>
+                <a:r>
+                  <a:rPr lang="zh-TW" altLang="en-US">
+                    <a:noFill/>
+                  </a:rPr>
+                  <a:t> </a:t>
+                </a:r>
+              </a:p>
+            </p:txBody>
+          </p:sp>
+        </mc:Fallback>
+      </mc:AlternateContent>
+    </p:spTree>
+    <p:extLst>
+      <p:ext uri="{BB962C8B-B14F-4D97-AF65-F5344CB8AC3E}">
+        <p14:creationId xmlns:p14="http://schemas.microsoft.com/office/powerpoint/2010/main" val="3504035744"/>
       </p:ext>
     </p:extLst>
   </p:cSld>

--- a/communication_theory/FINAL/FINAL大抄.pptx
+++ b/communication_theory/FINAL/FINAL大抄.pptx
@@ -8,6 +8,10 @@
     <p:sldId id="256" r:id="rId2"/>
     <p:sldId id="257" r:id="rId3"/>
     <p:sldId id="258" r:id="rId4"/>
+    <p:sldId id="259" r:id="rId5"/>
+    <p:sldId id="260" r:id="rId6"/>
+    <p:sldId id="261" r:id="rId7"/>
+    <p:sldId id="262" r:id="rId8"/>
   </p:sldIdLst>
   <p:sldSz cx="12192000" cy="6858000"/>
   <p:notesSz cx="6858000" cy="9144000"/>
@@ -245,7 +249,7 @@
           <a:p>
             <a:fld id="{5772E7A6-BE6F-406A-9567-A7FF10C2A136}" type="datetimeFigureOut">
               <a:rPr lang="zh-TW" altLang="en-US" smtClean="0"/>
-              <a:t>2020/1/2</a:t>
+              <a:t>2020/1/7</a:t>
             </a:fld>
             <a:endParaRPr lang="zh-TW" altLang="en-US"/>
           </a:p>
@@ -415,7 +419,7 @@
           <a:p>
             <a:fld id="{5772E7A6-BE6F-406A-9567-A7FF10C2A136}" type="datetimeFigureOut">
               <a:rPr lang="zh-TW" altLang="en-US" smtClean="0"/>
-              <a:t>2020/1/2</a:t>
+              <a:t>2020/1/7</a:t>
             </a:fld>
             <a:endParaRPr lang="zh-TW" altLang="en-US"/>
           </a:p>
@@ -595,7 +599,7 @@
           <a:p>
             <a:fld id="{5772E7A6-BE6F-406A-9567-A7FF10C2A136}" type="datetimeFigureOut">
               <a:rPr lang="zh-TW" altLang="en-US" smtClean="0"/>
-              <a:t>2020/1/2</a:t>
+              <a:t>2020/1/7</a:t>
             </a:fld>
             <a:endParaRPr lang="zh-TW" altLang="en-US"/>
           </a:p>
@@ -765,7 +769,7 @@
           <a:p>
             <a:fld id="{5772E7A6-BE6F-406A-9567-A7FF10C2A136}" type="datetimeFigureOut">
               <a:rPr lang="zh-TW" altLang="en-US" smtClean="0"/>
-              <a:t>2020/1/2</a:t>
+              <a:t>2020/1/7</a:t>
             </a:fld>
             <a:endParaRPr lang="zh-TW" altLang="en-US"/>
           </a:p>
@@ -1011,7 +1015,7 @@
           <a:p>
             <a:fld id="{5772E7A6-BE6F-406A-9567-A7FF10C2A136}" type="datetimeFigureOut">
               <a:rPr lang="zh-TW" altLang="en-US" smtClean="0"/>
-              <a:t>2020/1/2</a:t>
+              <a:t>2020/1/7</a:t>
             </a:fld>
             <a:endParaRPr lang="zh-TW" altLang="en-US"/>
           </a:p>
@@ -1243,7 +1247,7 @@
           <a:p>
             <a:fld id="{5772E7A6-BE6F-406A-9567-A7FF10C2A136}" type="datetimeFigureOut">
               <a:rPr lang="zh-TW" altLang="en-US" smtClean="0"/>
-              <a:t>2020/1/2</a:t>
+              <a:t>2020/1/7</a:t>
             </a:fld>
             <a:endParaRPr lang="zh-TW" altLang="en-US"/>
           </a:p>
@@ -1610,7 +1614,7 @@
           <a:p>
             <a:fld id="{5772E7A6-BE6F-406A-9567-A7FF10C2A136}" type="datetimeFigureOut">
               <a:rPr lang="zh-TW" altLang="en-US" smtClean="0"/>
-              <a:t>2020/1/2</a:t>
+              <a:t>2020/1/7</a:t>
             </a:fld>
             <a:endParaRPr lang="zh-TW" altLang="en-US"/>
           </a:p>
@@ -1728,7 +1732,7 @@
           <a:p>
             <a:fld id="{5772E7A6-BE6F-406A-9567-A7FF10C2A136}" type="datetimeFigureOut">
               <a:rPr lang="zh-TW" altLang="en-US" smtClean="0"/>
-              <a:t>2020/1/2</a:t>
+              <a:t>2020/1/7</a:t>
             </a:fld>
             <a:endParaRPr lang="zh-TW" altLang="en-US"/>
           </a:p>
@@ -1823,7 +1827,7 @@
           <a:p>
             <a:fld id="{5772E7A6-BE6F-406A-9567-A7FF10C2A136}" type="datetimeFigureOut">
               <a:rPr lang="zh-TW" altLang="en-US" smtClean="0"/>
-              <a:t>2020/1/2</a:t>
+              <a:t>2020/1/7</a:t>
             </a:fld>
             <a:endParaRPr lang="zh-TW" altLang="en-US"/>
           </a:p>
@@ -2100,7 +2104,7 @@
           <a:p>
             <a:fld id="{5772E7A6-BE6F-406A-9567-A7FF10C2A136}" type="datetimeFigureOut">
               <a:rPr lang="zh-TW" altLang="en-US" smtClean="0"/>
-              <a:t>2020/1/2</a:t>
+              <a:t>2020/1/7</a:t>
             </a:fld>
             <a:endParaRPr lang="zh-TW" altLang="en-US"/>
           </a:p>
@@ -2353,7 +2357,7 @@
           <a:p>
             <a:fld id="{5772E7A6-BE6F-406A-9567-A7FF10C2A136}" type="datetimeFigureOut">
               <a:rPr lang="zh-TW" altLang="en-US" smtClean="0"/>
-              <a:t>2020/1/2</a:t>
+              <a:t>2020/1/7</a:t>
             </a:fld>
             <a:endParaRPr lang="zh-TW" altLang="en-US"/>
           </a:p>
@@ -2566,7 +2570,7 @@
           <a:p>
             <a:fld id="{5772E7A6-BE6F-406A-9567-A7FF10C2A136}" type="datetimeFigureOut">
               <a:rPr lang="zh-TW" altLang="en-US" smtClean="0"/>
-              <a:t>2020/1/2</a:t>
+              <a:t>2020/1/7</a:t>
             </a:fld>
             <a:endParaRPr lang="zh-TW" altLang="en-US"/>
           </a:p>
@@ -2971,8 +2975,8 @@
           <a:chExt cx="0" cy="0"/>
         </a:xfrm>
       </p:grpSpPr>
-      <mc:AlternateContent xmlns:mc="http://schemas.openxmlformats.org/markup-compatibility/2006">
-        <mc:Choice xmlns:a14="http://schemas.microsoft.com/office/drawing/2010/main" Requires="a14">
+      <mc:AlternateContent xmlns:mc="http://schemas.openxmlformats.org/markup-compatibility/2006" xmlns:a14="http://schemas.microsoft.com/office/drawing/2010/main">
+        <mc:Choice Requires="a14">
           <p:sp>
             <p:nvSpPr>
               <p:cNvPr id="3" name="文字方塊 2"/>
@@ -3070,7 +3074,13 @@
                       <a:rPr lang="en-US" altLang="zh-TW" i="1">
                         <a:latin typeface="Cambria Math" panose="02040503050406030204" pitchFamily="18" charset="0"/>
                       </a:rPr>
-                      <m:t>=2</m:t>
+                      <m:t>=</m:t>
+                    </m:r>
+                    <m:r>
+                      <a:rPr lang="en-US" altLang="zh-TW" i="1">
+                        <a:latin typeface="Cambria Math" panose="02040503050406030204" pitchFamily="18" charset="0"/>
+                      </a:rPr>
+                      <m:t>2</m:t>
                     </m:r>
                     <m:d>
                       <m:dPr>
@@ -3085,7 +3095,13 @@
                           <a:rPr lang="en-US" altLang="zh-TW" i="1">
                             <a:latin typeface="Cambria Math" panose="02040503050406030204" pitchFamily="18" charset="0"/>
                           </a:rPr>
-                          <m:t>1−</m:t>
+                          <m:t>1</m:t>
+                        </m:r>
+                        <m:r>
+                          <a:rPr lang="en-US" altLang="zh-TW" i="1">
+                            <a:latin typeface="Cambria Math" panose="02040503050406030204" pitchFamily="18" charset="0"/>
+                          </a:rPr>
+                          <m:t>−</m:t>
                         </m:r>
                         <m:f>
                           <m:fPr>
@@ -3251,7 +3267,13 @@
                               <a:rPr lang="en-US" altLang="zh-TW" i="1">
                                 <a:latin typeface="Cambria Math" panose="02040503050406030204" pitchFamily="18" charset="0"/>
                               </a:rPr>
-                              <m:t>−1</m:t>
+                              <m:t>−</m:t>
+                            </m:r>
+                            <m:r>
+                              <a:rPr lang="en-US" altLang="zh-TW" i="1">
+                                <a:latin typeface="Cambria Math" panose="02040503050406030204" pitchFamily="18" charset="0"/>
+                              </a:rPr>
+                              <m:t>1</m:t>
                             </m:r>
                           </m:den>
                         </m:f>
@@ -3327,7 +3349,7 @@
             </p:txBody>
           </p:sp>
         </mc:Choice>
-        <mc:Fallback>
+        <mc:Fallback xmlns="">
           <p:sp>
             <p:nvSpPr>
               <p:cNvPr id="3" name="文字方塊 2"/>
@@ -3366,8 +3388,8 @@
           </p:sp>
         </mc:Fallback>
       </mc:AlternateContent>
-      <mc:AlternateContent xmlns:mc="http://schemas.openxmlformats.org/markup-compatibility/2006">
-        <mc:Choice xmlns:a14="http://schemas.microsoft.com/office/drawing/2010/main" Requires="a14">
+      <mc:AlternateContent xmlns:mc="http://schemas.openxmlformats.org/markup-compatibility/2006" xmlns:a14="http://schemas.microsoft.com/office/drawing/2010/main">
+        <mc:Choice Requires="a14">
           <p:sp>
             <p:nvSpPr>
               <p:cNvPr id="6" name="文字方塊 5"/>
@@ -3491,7 +3513,7 @@
             </p:txBody>
           </p:sp>
         </mc:Choice>
-        <mc:Fallback>
+        <mc:Fallback xmlns="">
           <p:sp>
             <p:nvSpPr>
               <p:cNvPr id="6" name="文字方塊 5"/>
@@ -3530,8 +3552,8 @@
           </p:sp>
         </mc:Fallback>
       </mc:AlternateContent>
-      <mc:AlternateContent xmlns:mc="http://schemas.openxmlformats.org/markup-compatibility/2006">
-        <mc:Choice xmlns:a14="http://schemas.microsoft.com/office/drawing/2010/main" Requires="a14">
+      <mc:AlternateContent xmlns:mc="http://schemas.openxmlformats.org/markup-compatibility/2006" xmlns:a14="http://schemas.microsoft.com/office/drawing/2010/main">
+        <mc:Choice Requires="a14">
           <p:sp>
             <p:nvSpPr>
               <p:cNvPr id="7" name="文字方塊 6"/>
@@ -3643,7 +3665,13 @@
                           <a:rPr lang="en-US" altLang="zh-TW" i="1">
                             <a:latin typeface="Cambria Math" panose="02040503050406030204" pitchFamily="18" charset="0"/>
                           </a:rPr>
-                          <m:t>1+</m:t>
+                          <m:t>1</m:t>
+                        </m:r>
+                        <m:r>
+                          <a:rPr lang="en-US" altLang="zh-TW" i="1">
+                            <a:latin typeface="Cambria Math" panose="02040503050406030204" pitchFamily="18" charset="0"/>
+                          </a:rPr>
+                          <m:t>+</m:t>
                         </m:r>
                         <m:r>
                           <a:rPr lang="en-US" altLang="zh-TW" i="1">
@@ -3660,7 +3688,7 @@
             </p:txBody>
           </p:sp>
         </mc:Choice>
-        <mc:Fallback>
+        <mc:Fallback xmlns="">
           <p:sp>
             <p:nvSpPr>
               <p:cNvPr id="7" name="文字方塊 6"/>
@@ -3699,8 +3727,8 @@
           </p:sp>
         </mc:Fallback>
       </mc:AlternateContent>
-      <mc:AlternateContent xmlns:mc="http://schemas.openxmlformats.org/markup-compatibility/2006">
-        <mc:Choice xmlns:a14="http://schemas.microsoft.com/office/drawing/2010/main" Requires="a14">
+      <mc:AlternateContent xmlns:mc="http://schemas.openxmlformats.org/markup-compatibility/2006" xmlns:a14="http://schemas.microsoft.com/office/drawing/2010/main">
+        <mc:Choice Requires="a14">
           <p:sp>
             <p:nvSpPr>
               <p:cNvPr id="8" name="文字方塊 7"/>
@@ -3865,7 +3893,15 @@
                             <a:ea typeface="微軟正黑體" panose="020B0604030504040204" pitchFamily="34" charset="-120"/>
                             <a:cs typeface="Times New Roman" panose="02020603050405020304" pitchFamily="18" charset="0"/>
                           </a:rPr>
-                          <m:t>=−∞</m:t>
+                          <m:t>=−</m:t>
+                        </m:r>
+                        <m:r>
+                          <a:rPr lang="en-US" altLang="zh-TW" i="1">
+                            <a:latin typeface="Cambria Math" panose="02040503050406030204" pitchFamily="18" charset="0"/>
+                            <a:ea typeface="微軟正黑體" panose="020B0604030504040204" pitchFamily="34" charset="-120"/>
+                            <a:cs typeface="Times New Roman" panose="02020603050405020304" pitchFamily="18" charset="0"/>
+                          </a:rPr>
+                          <m:t>∞</m:t>
                         </m:r>
                       </m:sub>
                       <m:sup>
@@ -4011,7 +4047,7 @@
             </p:txBody>
           </p:sp>
         </mc:Choice>
-        <mc:Fallback>
+        <mc:Fallback xmlns="">
           <p:sp>
             <p:nvSpPr>
               <p:cNvPr id="8" name="文字方塊 7"/>
@@ -4050,8 +4086,8 @@
           </p:sp>
         </mc:Fallback>
       </mc:AlternateContent>
-      <mc:AlternateContent xmlns:mc="http://schemas.openxmlformats.org/markup-compatibility/2006">
-        <mc:Choice xmlns:a14="http://schemas.microsoft.com/office/drawing/2010/main" Requires="a14">
+      <mc:AlternateContent xmlns:mc="http://schemas.openxmlformats.org/markup-compatibility/2006" xmlns:a14="http://schemas.microsoft.com/office/drawing/2010/main">
+        <mc:Choice Requires="a14">
           <p:sp>
             <p:nvSpPr>
               <p:cNvPr id="9" name="文字方塊 8"/>
@@ -4451,7 +4487,7 @@
             </p:txBody>
           </p:sp>
         </mc:Choice>
-        <mc:Fallback>
+        <mc:Fallback xmlns="">
           <p:sp>
             <p:nvSpPr>
               <p:cNvPr id="9" name="文字方塊 8"/>
@@ -4490,8 +4526,8 @@
           </p:sp>
         </mc:Fallback>
       </mc:AlternateContent>
-      <mc:AlternateContent xmlns:mc="http://schemas.openxmlformats.org/markup-compatibility/2006">
-        <mc:Choice xmlns:a14="http://schemas.microsoft.com/office/drawing/2010/main" Requires="a14">
+      <mc:AlternateContent xmlns:mc="http://schemas.openxmlformats.org/markup-compatibility/2006" xmlns:a14="http://schemas.microsoft.com/office/drawing/2010/main">
+        <mc:Choice Requires="a14">
           <p:sp>
             <p:nvSpPr>
               <p:cNvPr id="10" name="文字方塊 9"/>
@@ -4772,7 +4808,7 @@
             </p:txBody>
           </p:sp>
         </mc:Choice>
-        <mc:Fallback>
+        <mc:Fallback xmlns="">
           <p:sp>
             <p:nvSpPr>
               <p:cNvPr id="10" name="文字方塊 9"/>
@@ -4811,8 +4847,8 @@
           </p:sp>
         </mc:Fallback>
       </mc:AlternateContent>
-      <mc:AlternateContent xmlns:mc="http://schemas.openxmlformats.org/markup-compatibility/2006">
-        <mc:Choice xmlns:a14="http://schemas.microsoft.com/office/drawing/2010/main" Requires="a14">
+      <mc:AlternateContent xmlns:mc="http://schemas.openxmlformats.org/markup-compatibility/2006" xmlns:a14="http://schemas.microsoft.com/office/drawing/2010/main">
+        <mc:Choice Requires="a14">
           <p:sp>
             <p:nvSpPr>
               <p:cNvPr id="11" name="文字方塊 10"/>
@@ -5035,7 +5071,7 @@
             </p:txBody>
           </p:sp>
         </mc:Choice>
-        <mc:Fallback>
+        <mc:Fallback xmlns="">
           <p:sp>
             <p:nvSpPr>
               <p:cNvPr id="11" name="文字方塊 10"/>
@@ -5074,8 +5110,8 @@
           </p:sp>
         </mc:Fallback>
       </mc:AlternateContent>
-      <mc:AlternateContent xmlns:mc="http://schemas.openxmlformats.org/markup-compatibility/2006">
-        <mc:Choice xmlns:a14="http://schemas.microsoft.com/office/drawing/2010/main" Requires="a14">
+      <mc:AlternateContent xmlns:mc="http://schemas.openxmlformats.org/markup-compatibility/2006" xmlns:a14="http://schemas.microsoft.com/office/drawing/2010/main">
+        <mc:Choice Requires="a14">
           <p:sp>
             <p:nvSpPr>
               <p:cNvPr id="12" name="文字方塊 11"/>
@@ -5237,7 +5273,14 @@
                                 <a:latin typeface="Cambria Math" panose="02040503050406030204" pitchFamily="18" charset="0"/>
                                 <a:cs typeface="Times New Roman" panose="02020603050405020304" pitchFamily="18" charset="0"/>
                               </a:rPr>
-                              <m:t>−2</m:t>
+                              <m:t>−</m:t>
+                            </m:r>
+                            <m:r>
+                              <a:rPr lang="en-US" altLang="zh-TW" b="0" i="1" smtClean="0">
+                                <a:latin typeface="Cambria Math" panose="02040503050406030204" pitchFamily="18" charset="0"/>
+                                <a:cs typeface="Times New Roman" panose="02020603050405020304" pitchFamily="18" charset="0"/>
+                              </a:rPr>
+                              <m:t>2</m:t>
                             </m:r>
                           </m:sub>
                         </m:sSub>
@@ -5262,7 +5305,21 @@
                         <a:latin typeface="Cambria Math" panose="02040503050406030204" pitchFamily="18" charset="0"/>
                         <a:cs typeface="Times New Roman" panose="02020603050405020304" pitchFamily="18" charset="0"/>
                       </a:rPr>
-                      <m:t> 2 ; </m:t>
+                      <m:t> </m:t>
+                    </m:r>
+                    <m:r>
+                      <a:rPr lang="en-US" altLang="zh-TW" b="0" i="1" smtClean="0">
+                        <a:latin typeface="Cambria Math" panose="02040503050406030204" pitchFamily="18" charset="0"/>
+                        <a:cs typeface="Times New Roman" panose="02020603050405020304" pitchFamily="18" charset="0"/>
+                      </a:rPr>
+                      <m:t>2</m:t>
+                    </m:r>
+                    <m:r>
+                      <a:rPr lang="en-US" altLang="zh-TW" b="0" i="1" smtClean="0">
+                        <a:latin typeface="Cambria Math" panose="02040503050406030204" pitchFamily="18" charset="0"/>
+                        <a:cs typeface="Times New Roman" panose="02020603050405020304" pitchFamily="18" charset="0"/>
+                      </a:rPr>
+                      <m:t> ; </m:t>
                     </m:r>
                     <m:sSub>
                       <m:sSubPr>
@@ -5326,7 +5383,21 @@
                                 <a:latin typeface="Cambria Math" panose="02040503050406030204" pitchFamily="18" charset="0"/>
                                 <a:cs typeface="Times New Roman" panose="02020603050405020304" pitchFamily="18" charset="0"/>
                               </a:rPr>
-                              <m:t>   1 ;</m:t>
+                              <m:t>   </m:t>
+                            </m:r>
+                            <m:r>
+                              <a:rPr lang="en-US" altLang="zh-TW" b="0" i="1" smtClean="0">
+                                <a:latin typeface="Cambria Math" panose="02040503050406030204" pitchFamily="18" charset="0"/>
+                                <a:cs typeface="Times New Roman" panose="02020603050405020304" pitchFamily="18" charset="0"/>
+                              </a:rPr>
+                              <m:t>1</m:t>
+                            </m:r>
+                            <m:r>
+                              <a:rPr lang="en-US" altLang="zh-TW" b="0" i="1" smtClean="0">
+                                <a:latin typeface="Cambria Math" panose="02040503050406030204" pitchFamily="18" charset="0"/>
+                                <a:cs typeface="Times New Roman" panose="02020603050405020304" pitchFamily="18" charset="0"/>
+                              </a:rPr>
+                              <m:t> ;</m:t>
                             </m:r>
                             <m:sSub>
                               <m:sSubPr>
@@ -5361,7 +5432,14 @@
                                 <a:latin typeface="Cambria Math" panose="02040503050406030204" pitchFamily="18" charset="0"/>
                                 <a:cs typeface="Times New Roman" panose="02020603050405020304" pitchFamily="18" charset="0"/>
                               </a:rPr>
-                              <m:t>=1</m:t>
+                              <m:t>=</m:t>
+                            </m:r>
+                            <m:r>
+                              <a:rPr lang="en-US" altLang="zh-TW" b="0" i="1" smtClean="0">
+                                <a:latin typeface="Cambria Math" panose="02040503050406030204" pitchFamily="18" charset="0"/>
+                                <a:cs typeface="Times New Roman" panose="02020603050405020304" pitchFamily="18" charset="0"/>
+                              </a:rPr>
+                              <m:t>1</m:t>
                             </m:r>
                           </m:e>
                           <m:e>
@@ -5370,7 +5448,21 @@
                                 <a:latin typeface="Cambria Math" panose="02040503050406030204" pitchFamily="18" charset="0"/>
                                 <a:cs typeface="Times New Roman" panose="02020603050405020304" pitchFamily="18" charset="0"/>
                               </a:rPr>
-                              <m:t>−1 ;</m:t>
+                              <m:t>−</m:t>
+                            </m:r>
+                            <m:r>
+                              <a:rPr lang="en-US" altLang="zh-TW" b="0" i="1" smtClean="0">
+                                <a:latin typeface="Cambria Math" panose="02040503050406030204" pitchFamily="18" charset="0"/>
+                                <a:cs typeface="Times New Roman" panose="02020603050405020304" pitchFamily="18" charset="0"/>
+                              </a:rPr>
+                              <m:t>1</m:t>
+                            </m:r>
+                            <m:r>
+                              <a:rPr lang="en-US" altLang="zh-TW" b="0" i="1" smtClean="0">
+                                <a:latin typeface="Cambria Math" panose="02040503050406030204" pitchFamily="18" charset="0"/>
+                                <a:cs typeface="Times New Roman" panose="02020603050405020304" pitchFamily="18" charset="0"/>
+                              </a:rPr>
+                              <m:t> ;</m:t>
                             </m:r>
                             <m:sSub>
                               <m:sSubPr>
@@ -5405,7 +5497,14 @@
                                 <a:latin typeface="Cambria Math" panose="02040503050406030204" pitchFamily="18" charset="0"/>
                                 <a:cs typeface="Times New Roman" panose="02020603050405020304" pitchFamily="18" charset="0"/>
                               </a:rPr>
-                              <m:t>=0</m:t>
+                              <m:t>=</m:t>
+                            </m:r>
+                            <m:r>
+                              <a:rPr lang="en-US" altLang="zh-TW" b="0" i="1" smtClean="0">
+                                <a:latin typeface="Cambria Math" panose="02040503050406030204" pitchFamily="18" charset="0"/>
+                                <a:cs typeface="Times New Roman" panose="02020603050405020304" pitchFamily="18" charset="0"/>
+                              </a:rPr>
+                              <m:t>0</m:t>
                             </m:r>
                           </m:e>
                         </m:eqArr>
@@ -5517,7 +5616,14 @@
                                 <a:latin typeface="Cambria Math" panose="02040503050406030204" pitchFamily="18" charset="0"/>
                                 <a:cs typeface="Times New Roman" panose="02020603050405020304" pitchFamily="18" charset="0"/>
                               </a:rPr>
-                              <m:t>−2</m:t>
+                              <m:t>−</m:t>
+                            </m:r>
+                            <m:r>
+                              <a:rPr lang="en-US" altLang="zh-TW" b="0" i="1" smtClean="0">
+                                <a:latin typeface="Cambria Math" panose="02040503050406030204" pitchFamily="18" charset="0"/>
+                                <a:cs typeface="Times New Roman" panose="02020603050405020304" pitchFamily="18" charset="0"/>
+                              </a:rPr>
+                              <m:t>2</m:t>
                             </m:r>
                           </m:sub>
                         </m:sSub>
@@ -5610,7 +5716,14 @@
                                     <a:latin typeface="Cambria Math" panose="02040503050406030204" pitchFamily="18" charset="0"/>
                                     <a:cs typeface="Times New Roman" panose="02020603050405020304" pitchFamily="18" charset="0"/>
                                   </a:rPr>
-                                  <m:t>1 ;</m:t>
+                                  <m:t>1</m:t>
+                                </m:r>
+                                <m:r>
+                                  <a:rPr lang="en-US" altLang="zh-TW" b="0" i="1" smtClean="0">
+                                    <a:latin typeface="Cambria Math" panose="02040503050406030204" pitchFamily="18" charset="0"/>
+                                    <a:cs typeface="Times New Roman" panose="02020603050405020304" pitchFamily="18" charset="0"/>
+                                  </a:rPr>
+                                  <m:t> ;</m:t>
                                 </m:r>
                                 <m:d>
                                   <m:dPr>
@@ -5659,7 +5772,14 @@
                                     <a:latin typeface="Cambria Math" panose="02040503050406030204" pitchFamily="18" charset="0"/>
                                     <a:cs typeface="Times New Roman" panose="02020603050405020304" pitchFamily="18" charset="0"/>
                                   </a:rPr>
-                                  <m:t>&gt;1</m:t>
+                                  <m:t>&gt;</m:t>
+                                </m:r>
+                                <m:r>
+                                  <a:rPr lang="en-US" altLang="zh-TW" b="0" i="1" smtClean="0">
+                                    <a:latin typeface="Cambria Math" panose="02040503050406030204" pitchFamily="18" charset="0"/>
+                                    <a:cs typeface="Times New Roman" panose="02020603050405020304" pitchFamily="18" charset="0"/>
+                                  </a:rPr>
+                                  <m:t>1</m:t>
                                 </m:r>
                               </m:e>
                               <m:e>
@@ -5668,7 +5788,14 @@
                                     <a:latin typeface="Cambria Math" panose="02040503050406030204" pitchFamily="18" charset="0"/>
                                     <a:cs typeface="Times New Roman" panose="02020603050405020304" pitchFamily="18" charset="0"/>
                                   </a:rPr>
-                                  <m:t>0 ;|</m:t>
+                                  <m:t>0</m:t>
+                                </m:r>
+                                <m:r>
+                                  <a:rPr lang="en-US" altLang="zh-TW" b="0" i="1" smtClean="0">
+                                    <a:latin typeface="Cambria Math" panose="02040503050406030204" pitchFamily="18" charset="0"/>
+                                    <a:cs typeface="Times New Roman" panose="02020603050405020304" pitchFamily="18" charset="0"/>
+                                  </a:rPr>
+                                  <m:t> ;|</m:t>
                                 </m:r>
                                 <m:sSub>
                                   <m:sSubPr>
@@ -5703,7 +5830,14 @@
                                     <a:latin typeface="Cambria Math" panose="02040503050406030204" pitchFamily="18" charset="0"/>
                                     <a:cs typeface="Times New Roman" panose="02020603050405020304" pitchFamily="18" charset="0"/>
                                   </a:rPr>
-                                  <m:t>|&lt;1</m:t>
+                                  <m:t>|&lt;</m:t>
+                                </m:r>
+                                <m:r>
+                                  <a:rPr lang="en-US" altLang="zh-TW" b="0" i="1" smtClean="0">
+                                    <a:latin typeface="Cambria Math" panose="02040503050406030204" pitchFamily="18" charset="0"/>
+                                    <a:cs typeface="Times New Roman" panose="02020603050405020304" pitchFamily="18" charset="0"/>
+                                  </a:rPr>
+                                  <m:t>1</m:t>
                                 </m:r>
                               </m:e>
                             </m:eqArr>
@@ -5721,7 +5855,7 @@
             </p:txBody>
           </p:sp>
         </mc:Choice>
-        <mc:Fallback>
+        <mc:Fallback xmlns="">
           <p:sp>
             <p:nvSpPr>
               <p:cNvPr id="12" name="文字方塊 11"/>
@@ -5760,8 +5894,8 @@
           </p:sp>
         </mc:Fallback>
       </mc:AlternateContent>
-      <mc:AlternateContent xmlns:mc="http://schemas.openxmlformats.org/markup-compatibility/2006">
-        <mc:Choice xmlns:a14="http://schemas.microsoft.com/office/drawing/2010/main" Requires="a14">
+      <mc:AlternateContent xmlns:mc="http://schemas.openxmlformats.org/markup-compatibility/2006" xmlns:a14="http://schemas.microsoft.com/office/drawing/2010/main">
+        <mc:Choice Requires="a14">
           <p:sp>
             <p:nvSpPr>
               <p:cNvPr id="13" name="文字方塊 12"/>
@@ -5923,7 +6057,14 @@
                                 <a:latin typeface="Cambria Math" panose="02040503050406030204" pitchFamily="18" charset="0"/>
                                 <a:cs typeface="Times New Roman" panose="02020603050405020304" pitchFamily="18" charset="0"/>
                               </a:rPr>
-                              <m:t>−1</m:t>
+                              <m:t>−</m:t>
+                            </m:r>
+                            <m:r>
+                              <a:rPr lang="en-US" altLang="zh-TW" b="0" i="1" smtClean="0">
+                                <a:latin typeface="Cambria Math" panose="02040503050406030204" pitchFamily="18" charset="0"/>
+                                <a:cs typeface="Times New Roman" panose="02020603050405020304" pitchFamily="18" charset="0"/>
+                              </a:rPr>
+                              <m:t>1</m:t>
                             </m:r>
                           </m:sub>
                         </m:sSub>
@@ -6075,7 +6216,14 @@
                                 <a:latin typeface="Cambria Math" panose="02040503050406030204" pitchFamily="18" charset="0"/>
                                 <a:cs typeface="Times New Roman" panose="02020603050405020304" pitchFamily="18" charset="0"/>
                               </a:rPr>
-                              <m:t>−1</m:t>
+                              <m:t>−</m:t>
+                            </m:r>
+                            <m:r>
+                              <a:rPr lang="en-US" altLang="zh-TW" b="0" i="1" smtClean="0">
+                                <a:latin typeface="Cambria Math" panose="02040503050406030204" pitchFamily="18" charset="0"/>
+                                <a:cs typeface="Times New Roman" panose="02020603050405020304" pitchFamily="18" charset="0"/>
+                              </a:rPr>
+                              <m:t>1</m:t>
                             </m:r>
                           </m:e>
                         </m:d>
@@ -6196,7 +6344,14 @@
                             <a:latin typeface="Cambria Math" panose="02040503050406030204" pitchFamily="18" charset="0"/>
                             <a:cs typeface="Times New Roman" panose="02020603050405020304" pitchFamily="18" charset="0"/>
                           </a:rPr>
-                          <m:t>−1</m:t>
+                          <m:t>−</m:t>
+                        </m:r>
+                        <m:r>
+                          <a:rPr lang="en-US" altLang="zh-TW" b="0" i="1" smtClean="0">
+                            <a:latin typeface="Cambria Math" panose="02040503050406030204" pitchFamily="18" charset="0"/>
+                            <a:cs typeface="Times New Roman" panose="02020603050405020304" pitchFamily="18" charset="0"/>
+                          </a:rPr>
+                          <m:t>1</m:t>
                         </m:r>
                       </m:sub>
                     </m:sSub>
@@ -6348,7 +6503,21 @@
                         <a:latin typeface="Cambria Math" panose="02040503050406030204" pitchFamily="18" charset="0"/>
                         <a:cs typeface="Times New Roman" panose="02020603050405020304" pitchFamily="18" charset="0"/>
                       </a:rPr>
-                      <m:t>−1)</m:t>
+                      <m:t>−</m:t>
+                    </m:r>
+                    <m:r>
+                      <a:rPr lang="en-US" altLang="zh-TW" b="0" i="1" dirty="0" smtClean="0">
+                        <a:latin typeface="Cambria Math" panose="02040503050406030204" pitchFamily="18" charset="0"/>
+                        <a:cs typeface="Times New Roman" panose="02020603050405020304" pitchFamily="18" charset="0"/>
+                      </a:rPr>
+                      <m:t>1</m:t>
+                    </m:r>
+                    <m:r>
+                      <a:rPr lang="en-US" altLang="zh-TW" b="0" i="1" dirty="0" smtClean="0">
+                        <a:latin typeface="Cambria Math" panose="02040503050406030204" pitchFamily="18" charset="0"/>
+                        <a:cs typeface="Times New Roman" panose="02020603050405020304" pitchFamily="18" charset="0"/>
+                      </a:rPr>
+                      <m:t>)</m:t>
                     </m:r>
                   </m:oMath>
                 </a14:m>
@@ -6367,7 +6536,7 @@
             </p:txBody>
           </p:sp>
         </mc:Choice>
-        <mc:Fallback>
+        <mc:Fallback xmlns="">
           <p:sp>
             <p:nvSpPr>
               <p:cNvPr id="13" name="文字方塊 12"/>
@@ -6388,6 +6557,1334 @@
                 <a:blip r:embed="rId10"/>
                 <a:stretch>
                   <a:fillRect l="-314" b="-6250"/>
+                </a:stretch>
+              </a:blipFill>
+            </p:spPr>
+            <p:txBody>
+              <a:bodyPr/>
+              <a:lstStyle/>
+              <a:p>
+                <a:r>
+                  <a:rPr lang="zh-TW" altLang="en-US">
+                    <a:noFill/>
+                  </a:rPr>
+                  <a:t> </a:t>
+                </a:r>
+              </a:p>
+            </p:txBody>
+          </p:sp>
+        </mc:Fallback>
+      </mc:AlternateContent>
+      <mc:AlternateContent xmlns:mc="http://schemas.openxmlformats.org/markup-compatibility/2006">
+        <mc:Choice xmlns:a14="http://schemas.microsoft.com/office/drawing/2010/main" Requires="a14">
+          <p:sp>
+            <p:nvSpPr>
+              <p:cNvPr id="14" name="文字方塊 13"/>
+              <p:cNvSpPr txBox="1"/>
+              <p:nvPr/>
+            </p:nvSpPr>
+            <p:spPr>
+              <a:xfrm>
+                <a:off x="0" y="4521467"/>
+                <a:ext cx="6106543" cy="369332"/>
+              </a:xfrm>
+              <a:prstGeom prst="rect">
+                <a:avLst/>
+              </a:prstGeom>
+              <a:noFill/>
+            </p:spPr>
+            <p:txBody>
+              <a:bodyPr wrap="none" rtlCol="0">
+                <a:spAutoFit/>
+              </a:bodyPr>
+              <a:lstStyle/>
+              <a:p>
+                <a:pPr marL="285750" indent="-285750">
+                  <a:buFont typeface="Wingdings" panose="05000000000000000000" pitchFamily="2" charset="2"/>
+                  <a:buChar char="p"/>
+                </a:pPr>
+                <a:r>
+                  <a:rPr lang="zh-TW" altLang="en-US" dirty="0" smtClean="0">
+                    <a:latin typeface="Times New Roman" panose="02020603050405020304" pitchFamily="18" charset="0"/>
+                    <a:cs typeface="Times New Roman" panose="02020603050405020304" pitchFamily="18" charset="0"/>
+                  </a:rPr>
+                  <a:t>補償通道失真 </a:t>
+                </a:r>
+                <a:r>
+                  <a:rPr lang="en-US" altLang="zh-TW" dirty="0" smtClean="0">
+                    <a:latin typeface="Times New Roman" panose="02020603050405020304" pitchFamily="18" charset="0"/>
+                    <a:cs typeface="Times New Roman" panose="02020603050405020304" pitchFamily="18" charset="0"/>
+                  </a:rPr>
+                  <a:t>:</a:t>
+                </a:r>
+                <a:r>
+                  <a:rPr lang="zh-TW" altLang="en-US" dirty="0" smtClean="0">
+                    <a:latin typeface="Times New Roman" panose="02020603050405020304" pitchFamily="18" charset="0"/>
+                    <a:cs typeface="Times New Roman" panose="02020603050405020304" pitchFamily="18" charset="0"/>
+                  </a:rPr>
+                  <a:t> </a:t>
+                </a:r>
+                <a14:m>
+                  <m:oMath xmlns:m="http://schemas.openxmlformats.org/officeDocument/2006/math">
+                    <m:r>
+                      <a:rPr lang="en-US" altLang="zh-TW" b="0" i="1" smtClean="0">
+                        <a:latin typeface="Cambria Math" panose="02040503050406030204" pitchFamily="18" charset="0"/>
+                        <a:cs typeface="Times New Roman" panose="02020603050405020304" pitchFamily="18" charset="0"/>
+                      </a:rPr>
+                      <m:t>𝑋</m:t>
+                    </m:r>
+                    <m:d>
+                      <m:dPr>
+                        <m:ctrlPr>
+                          <a:rPr lang="en-US" altLang="zh-TW" b="0" i="1" smtClean="0">
+                            <a:latin typeface="Cambria Math" panose="02040503050406030204" pitchFamily="18" charset="0"/>
+                            <a:cs typeface="Times New Roman" panose="02020603050405020304" pitchFamily="18" charset="0"/>
+                          </a:rPr>
+                        </m:ctrlPr>
+                      </m:dPr>
+                      <m:e>
+                        <m:r>
+                          <a:rPr lang="en-US" altLang="zh-TW" b="0" i="1" smtClean="0">
+                            <a:latin typeface="Cambria Math" panose="02040503050406030204" pitchFamily="18" charset="0"/>
+                            <a:cs typeface="Times New Roman" panose="02020603050405020304" pitchFamily="18" charset="0"/>
+                          </a:rPr>
+                          <m:t>𝑓</m:t>
+                        </m:r>
+                      </m:e>
+                    </m:d>
+                    <m:r>
+                      <a:rPr lang="en-US" altLang="zh-TW" b="0" i="1" smtClean="0">
+                        <a:latin typeface="Cambria Math" panose="02040503050406030204" pitchFamily="18" charset="0"/>
+                        <a:cs typeface="Times New Roman" panose="02020603050405020304" pitchFamily="18" charset="0"/>
+                      </a:rPr>
+                      <m:t>=</m:t>
+                    </m:r>
+                    <m:sSub>
+                      <m:sSubPr>
+                        <m:ctrlPr>
+                          <a:rPr lang="en-US" altLang="zh-TW" b="0" i="1" smtClean="0">
+                            <a:latin typeface="Cambria Math" panose="02040503050406030204" pitchFamily="18" charset="0"/>
+                            <a:cs typeface="Times New Roman" panose="02020603050405020304" pitchFamily="18" charset="0"/>
+                          </a:rPr>
+                        </m:ctrlPr>
+                      </m:sSubPr>
+                      <m:e>
+                        <m:r>
+                          <a:rPr lang="en-US" altLang="zh-TW" b="0" i="1" smtClean="0">
+                            <a:latin typeface="Cambria Math" panose="02040503050406030204" pitchFamily="18" charset="0"/>
+                            <a:cs typeface="Times New Roman" panose="02020603050405020304" pitchFamily="18" charset="0"/>
+                          </a:rPr>
+                          <m:t>𝐺</m:t>
+                        </m:r>
+                      </m:e>
+                      <m:sub>
+                        <m:r>
+                          <a:rPr lang="en-US" altLang="zh-TW" b="0" i="1" smtClean="0">
+                            <a:latin typeface="Cambria Math" panose="02040503050406030204" pitchFamily="18" charset="0"/>
+                            <a:cs typeface="Times New Roman" panose="02020603050405020304" pitchFamily="18" charset="0"/>
+                          </a:rPr>
+                          <m:t>𝑇</m:t>
+                        </m:r>
+                      </m:sub>
+                    </m:sSub>
+                    <m:d>
+                      <m:dPr>
+                        <m:ctrlPr>
+                          <a:rPr lang="en-US" altLang="zh-TW" b="0" i="1" smtClean="0">
+                            <a:latin typeface="Cambria Math" panose="02040503050406030204" pitchFamily="18" charset="0"/>
+                            <a:cs typeface="Times New Roman" panose="02020603050405020304" pitchFamily="18" charset="0"/>
+                          </a:rPr>
+                        </m:ctrlPr>
+                      </m:dPr>
+                      <m:e>
+                        <m:r>
+                          <a:rPr lang="en-US" altLang="zh-TW" b="0" i="1" smtClean="0">
+                            <a:latin typeface="Cambria Math" panose="02040503050406030204" pitchFamily="18" charset="0"/>
+                            <a:cs typeface="Times New Roman" panose="02020603050405020304" pitchFamily="18" charset="0"/>
+                          </a:rPr>
+                          <m:t>𝑓</m:t>
+                        </m:r>
+                      </m:e>
+                    </m:d>
+                    <m:r>
+                      <a:rPr lang="en-US" altLang="zh-TW" b="0" i="1" smtClean="0">
+                        <a:latin typeface="Cambria Math" panose="02040503050406030204" pitchFamily="18" charset="0"/>
+                        <a:cs typeface="Times New Roman" panose="02020603050405020304" pitchFamily="18" charset="0"/>
+                      </a:rPr>
+                      <m:t>𝐻</m:t>
+                    </m:r>
+                    <m:d>
+                      <m:dPr>
+                        <m:ctrlPr>
+                          <a:rPr lang="en-US" altLang="zh-TW" b="0" i="1" smtClean="0">
+                            <a:latin typeface="Cambria Math" panose="02040503050406030204" pitchFamily="18" charset="0"/>
+                            <a:cs typeface="Times New Roman" panose="02020603050405020304" pitchFamily="18" charset="0"/>
+                          </a:rPr>
+                        </m:ctrlPr>
+                      </m:dPr>
+                      <m:e>
+                        <m:r>
+                          <a:rPr lang="en-US" altLang="zh-TW" b="0" i="1" smtClean="0">
+                            <a:latin typeface="Cambria Math" panose="02040503050406030204" pitchFamily="18" charset="0"/>
+                            <a:cs typeface="Times New Roman" panose="02020603050405020304" pitchFamily="18" charset="0"/>
+                          </a:rPr>
+                          <m:t>𝑓</m:t>
+                        </m:r>
+                      </m:e>
+                    </m:d>
+                    <m:sSub>
+                      <m:sSubPr>
+                        <m:ctrlPr>
+                          <a:rPr lang="en-US" altLang="zh-TW" b="0" i="1" smtClean="0">
+                            <a:latin typeface="Cambria Math" panose="02040503050406030204" pitchFamily="18" charset="0"/>
+                            <a:cs typeface="Times New Roman" panose="02020603050405020304" pitchFamily="18" charset="0"/>
+                          </a:rPr>
+                        </m:ctrlPr>
+                      </m:sSubPr>
+                      <m:e>
+                        <m:r>
+                          <a:rPr lang="en-US" altLang="zh-TW" b="0" i="1" smtClean="0">
+                            <a:latin typeface="Cambria Math" panose="02040503050406030204" pitchFamily="18" charset="0"/>
+                            <a:cs typeface="Times New Roman" panose="02020603050405020304" pitchFamily="18" charset="0"/>
+                          </a:rPr>
+                          <m:t>𝐺</m:t>
+                        </m:r>
+                      </m:e>
+                      <m:sub>
+                        <m:r>
+                          <a:rPr lang="en-US" altLang="zh-TW" b="0" i="1" smtClean="0">
+                            <a:latin typeface="Cambria Math" panose="02040503050406030204" pitchFamily="18" charset="0"/>
+                            <a:cs typeface="Times New Roman" panose="02020603050405020304" pitchFamily="18" charset="0"/>
+                          </a:rPr>
+                          <m:t>𝑅</m:t>
+                        </m:r>
+                      </m:sub>
+                    </m:sSub>
+                    <m:d>
+                      <m:dPr>
+                        <m:ctrlPr>
+                          <a:rPr lang="en-US" altLang="zh-TW" b="0" i="1" smtClean="0">
+                            <a:latin typeface="Cambria Math" panose="02040503050406030204" pitchFamily="18" charset="0"/>
+                            <a:cs typeface="Times New Roman" panose="02020603050405020304" pitchFamily="18" charset="0"/>
+                          </a:rPr>
+                        </m:ctrlPr>
+                      </m:dPr>
+                      <m:e>
+                        <m:r>
+                          <a:rPr lang="en-US" altLang="zh-TW" b="0" i="1" smtClean="0">
+                            <a:latin typeface="Cambria Math" panose="02040503050406030204" pitchFamily="18" charset="0"/>
+                            <a:cs typeface="Times New Roman" panose="02020603050405020304" pitchFamily="18" charset="0"/>
+                          </a:rPr>
+                          <m:t>𝑓</m:t>
+                        </m:r>
+                      </m:e>
+                    </m:d>
+                    <m:r>
+                      <a:rPr lang="en-US" altLang="zh-TW" b="0" i="1" smtClean="0">
+                        <a:latin typeface="Cambria Math" panose="02040503050406030204" pitchFamily="18" charset="0"/>
+                        <a:cs typeface="Times New Roman" panose="02020603050405020304" pitchFamily="18" charset="0"/>
+                      </a:rPr>
+                      <m:t>=</m:t>
+                    </m:r>
+                    <m:r>
+                      <a:rPr lang="en-US" altLang="zh-TW" b="0" i="1" smtClean="0">
+                        <a:latin typeface="Cambria Math" panose="02040503050406030204" pitchFamily="18" charset="0"/>
+                        <a:cs typeface="Times New Roman" panose="02020603050405020304" pitchFamily="18" charset="0"/>
+                      </a:rPr>
+                      <m:t>𝑇</m:t>
+                    </m:r>
+                    <m:r>
+                      <a:rPr lang="en-US" altLang="zh-TW" b="0" i="1" smtClean="0">
+                        <a:latin typeface="Cambria Math" panose="02040503050406030204" pitchFamily="18" charset="0"/>
+                        <a:cs typeface="Times New Roman" panose="02020603050405020304" pitchFamily="18" charset="0"/>
+                      </a:rPr>
+                      <m:t> (</m:t>
+                    </m:r>
+                    <m:r>
+                      <a:rPr lang="en-US" altLang="zh-TW" b="0" i="1" smtClean="0">
+                        <a:latin typeface="Cambria Math" panose="02040503050406030204" pitchFamily="18" charset="0"/>
+                        <a:cs typeface="Times New Roman" panose="02020603050405020304" pitchFamily="18" charset="0"/>
+                      </a:rPr>
+                      <m:t>𝑐𝑜𝑛𝑠𝑡𝑎𝑛𝑡</m:t>
+                    </m:r>
+                    <m:r>
+                      <a:rPr lang="en-US" altLang="zh-TW" b="0" i="1" smtClean="0">
+                        <a:latin typeface="Cambria Math" panose="02040503050406030204" pitchFamily="18" charset="0"/>
+                        <a:cs typeface="Times New Roman" panose="02020603050405020304" pitchFamily="18" charset="0"/>
+                      </a:rPr>
+                      <m:t>)</m:t>
+                    </m:r>
+                  </m:oMath>
+                </a14:m>
+                <a:endParaRPr lang="zh-TW" altLang="en-US" dirty="0">
+                  <a:latin typeface="Times New Roman" panose="02020603050405020304" pitchFamily="18" charset="0"/>
+                  <a:cs typeface="Times New Roman" panose="02020603050405020304" pitchFamily="18" charset="0"/>
+                </a:endParaRPr>
+              </a:p>
+            </p:txBody>
+          </p:sp>
+        </mc:Choice>
+        <mc:Fallback>
+          <p:sp>
+            <p:nvSpPr>
+              <p:cNvPr id="14" name="文字方塊 13"/>
+              <p:cNvSpPr txBox="1">
+                <a:spLocks noRot="1" noChangeAspect="1" noMove="1" noResize="1" noEditPoints="1" noAdjustHandles="1" noChangeArrowheads="1" noChangeShapeType="1" noTextEdit="1"/>
+              </p:cNvSpPr>
+              <p:nvPr/>
+            </p:nvSpPr>
+            <p:spPr>
+              <a:xfrm>
+                <a:off x="0" y="4521467"/>
+                <a:ext cx="6106543" cy="369332"/>
+              </a:xfrm>
+              <a:prstGeom prst="rect">
+                <a:avLst/>
+              </a:prstGeom>
+              <a:blipFill>
+                <a:blip r:embed="rId11"/>
+                <a:stretch>
+                  <a:fillRect l="-599" t="-10000" b="-28333"/>
+                </a:stretch>
+              </a:blipFill>
+            </p:spPr>
+            <p:txBody>
+              <a:bodyPr/>
+              <a:lstStyle/>
+              <a:p>
+                <a:r>
+                  <a:rPr lang="zh-TW" altLang="en-US">
+                    <a:noFill/>
+                  </a:rPr>
+                  <a:t> </a:t>
+                </a:r>
+              </a:p>
+            </p:txBody>
+          </p:sp>
+        </mc:Fallback>
+      </mc:AlternateContent>
+      <mc:AlternateContent xmlns:mc="http://schemas.openxmlformats.org/markup-compatibility/2006">
+        <mc:Choice xmlns:a14="http://schemas.microsoft.com/office/drawing/2010/main" Requires="a14">
+          <p:sp>
+            <p:nvSpPr>
+              <p:cNvPr id="15" name="文字方塊 14"/>
+              <p:cNvSpPr txBox="1"/>
+              <p:nvPr/>
+            </p:nvSpPr>
+            <p:spPr>
+              <a:xfrm>
+                <a:off x="0" y="4957734"/>
+                <a:ext cx="6210098" cy="374077"/>
+              </a:xfrm>
+              <a:prstGeom prst="rect">
+                <a:avLst/>
+              </a:prstGeom>
+              <a:noFill/>
+            </p:spPr>
+            <p:txBody>
+              <a:bodyPr wrap="none" rtlCol="0">
+                <a:spAutoFit/>
+              </a:bodyPr>
+              <a:lstStyle/>
+              <a:p>
+                <a:pPr marL="285750" indent="-285750">
+                  <a:buFont typeface="Wingdings" panose="05000000000000000000" pitchFamily="2" charset="2"/>
+                  <a:buChar char="p"/>
+                </a:pPr>
+                <a:r>
+                  <a:rPr lang="en-US" altLang="zh-TW" dirty="0" smtClean="0">
+                    <a:latin typeface="Times New Roman" panose="02020603050405020304" pitchFamily="18" charset="0"/>
+                    <a:cs typeface="Times New Roman" panose="02020603050405020304" pitchFamily="18" charset="0"/>
+                  </a:rPr>
+                  <a:t>OFDM </a:t>
+                </a:r>
+                <a:r>
+                  <a:rPr lang="zh-TW" altLang="en-US" dirty="0" smtClean="0">
+                    <a:latin typeface="Times New Roman" panose="02020603050405020304" pitchFamily="18" charset="0"/>
+                    <a:cs typeface="Times New Roman" panose="02020603050405020304" pitchFamily="18" charset="0"/>
+                  </a:rPr>
+                  <a:t>功率</a:t>
+                </a:r>
+                <a:r>
+                  <a:rPr lang="zh-TW" altLang="en-US" dirty="0">
+                    <a:latin typeface="Times New Roman" panose="02020603050405020304" pitchFamily="18" charset="0"/>
+                    <a:cs typeface="Times New Roman" panose="02020603050405020304" pitchFamily="18" charset="0"/>
+                  </a:rPr>
+                  <a:t>限制</a:t>
+                </a:r>
+                <a:r>
+                  <a:rPr lang="zh-TW" altLang="en-US" dirty="0" smtClean="0">
+                    <a:latin typeface="Times New Roman" panose="02020603050405020304" pitchFamily="18" charset="0"/>
+                    <a:cs typeface="Times New Roman" panose="02020603050405020304" pitchFamily="18" charset="0"/>
+                  </a:rPr>
+                  <a:t> </a:t>
+                </a:r>
+                <a:r>
+                  <a:rPr lang="en-US" altLang="zh-TW" dirty="0" smtClean="0">
+                    <a:latin typeface="Times New Roman" panose="02020603050405020304" pitchFamily="18" charset="0"/>
+                    <a:cs typeface="Times New Roman" panose="02020603050405020304" pitchFamily="18" charset="0"/>
+                  </a:rPr>
+                  <a:t>:</a:t>
+                </a:r>
+                <a:r>
+                  <a:rPr lang="zh-TW" altLang="en-US" dirty="0" smtClean="0">
+                    <a:latin typeface="Times New Roman" panose="02020603050405020304" pitchFamily="18" charset="0"/>
+                    <a:cs typeface="Times New Roman" panose="02020603050405020304" pitchFamily="18" charset="0"/>
+                  </a:rPr>
+                  <a:t> </a:t>
+                </a:r>
+                <a14:m>
+                  <m:oMath xmlns:m="http://schemas.openxmlformats.org/officeDocument/2006/math">
+                    <m:r>
+                      <a:rPr lang="en-US" altLang="zh-TW" b="0" i="1" smtClean="0">
+                        <a:latin typeface="Cambria Math" panose="02040503050406030204" pitchFamily="18" charset="0"/>
+                        <a:cs typeface="Times New Roman" panose="02020603050405020304" pitchFamily="18" charset="0"/>
+                      </a:rPr>
+                      <m:t>𝑃</m:t>
+                    </m:r>
+                    <m:r>
+                      <a:rPr lang="en-US" altLang="zh-TW" b="0" i="1" smtClean="0">
+                        <a:latin typeface="Cambria Math" panose="02040503050406030204" pitchFamily="18" charset="0"/>
+                        <a:cs typeface="Times New Roman" panose="02020603050405020304" pitchFamily="18" charset="0"/>
+                      </a:rPr>
+                      <m:t>=</m:t>
+                    </m:r>
+                    <m:nary>
+                      <m:naryPr>
+                        <m:chr m:val="∑"/>
+                        <m:ctrlPr>
+                          <a:rPr lang="en-US" altLang="zh-TW" b="0" i="1" smtClean="0">
+                            <a:latin typeface="Cambria Math" panose="02040503050406030204" pitchFamily="18" charset="0"/>
+                            <a:cs typeface="Times New Roman" panose="02020603050405020304" pitchFamily="18" charset="0"/>
+                          </a:rPr>
+                        </m:ctrlPr>
+                      </m:naryPr>
+                      <m:sub>
+                        <m:r>
+                          <m:rPr>
+                            <m:brk m:alnAt="23"/>
+                          </m:rPr>
+                          <a:rPr lang="en-US" altLang="zh-TW" b="0" i="1" smtClean="0">
+                            <a:latin typeface="Cambria Math" panose="02040503050406030204" pitchFamily="18" charset="0"/>
+                            <a:cs typeface="Times New Roman" panose="02020603050405020304" pitchFamily="18" charset="0"/>
+                          </a:rPr>
+                          <m:t>𝑛</m:t>
+                        </m:r>
+                        <m:r>
+                          <a:rPr lang="en-US" altLang="zh-TW" b="0" i="1" smtClean="0">
+                            <a:latin typeface="Cambria Math" panose="02040503050406030204" pitchFamily="18" charset="0"/>
+                            <a:cs typeface="Times New Roman" panose="02020603050405020304" pitchFamily="18" charset="0"/>
+                          </a:rPr>
+                          <m:t>=</m:t>
+                        </m:r>
+                        <m:r>
+                          <m:rPr>
+                            <m:brk m:alnAt="23"/>
+                          </m:rPr>
+                          <a:rPr lang="en-US" altLang="zh-TW" b="0" i="1" smtClean="0">
+                            <a:latin typeface="Cambria Math" panose="02040503050406030204" pitchFamily="18" charset="0"/>
+                            <a:cs typeface="Times New Roman" panose="02020603050405020304" pitchFamily="18" charset="0"/>
+                          </a:rPr>
+                          <m:t>1</m:t>
+                        </m:r>
+                      </m:sub>
+                      <m:sup>
+                        <m:r>
+                          <a:rPr lang="en-US" altLang="zh-TW" b="0" i="1" smtClean="0">
+                            <a:latin typeface="Cambria Math" panose="02040503050406030204" pitchFamily="18" charset="0"/>
+                            <a:cs typeface="Times New Roman" panose="02020603050405020304" pitchFamily="18" charset="0"/>
+                          </a:rPr>
+                          <m:t>𝑁</m:t>
+                        </m:r>
+                      </m:sup>
+                      <m:e>
+                        <m:r>
+                          <m:rPr>
+                            <m:sty m:val="p"/>
+                          </m:rPr>
+                          <a:rPr lang="en-US" altLang="zh-TW" b="0" i="0" smtClean="0">
+                            <a:latin typeface="Cambria Math" panose="02040503050406030204" pitchFamily="18" charset="0"/>
+                            <a:cs typeface="Times New Roman" panose="02020603050405020304" pitchFamily="18" charset="0"/>
+                          </a:rPr>
+                          <m:t>Δ</m:t>
+                        </m:r>
+                        <m:sSub>
+                          <m:sSubPr>
+                            <m:ctrlPr>
+                              <a:rPr lang="en-US" altLang="zh-TW" b="0" i="1" smtClean="0">
+                                <a:latin typeface="Cambria Math" panose="02040503050406030204" pitchFamily="18" charset="0"/>
+                                <a:cs typeface="Times New Roman" panose="02020603050405020304" pitchFamily="18" charset="0"/>
+                              </a:rPr>
+                            </m:ctrlPr>
+                          </m:sSubPr>
+                          <m:e>
+                            <m:r>
+                              <a:rPr lang="en-US" altLang="zh-TW" b="0" i="1" smtClean="0">
+                                <a:latin typeface="Cambria Math" panose="02040503050406030204" pitchFamily="18" charset="0"/>
+                                <a:cs typeface="Times New Roman" panose="02020603050405020304" pitchFamily="18" charset="0"/>
+                              </a:rPr>
+                              <m:t>𝑓</m:t>
+                            </m:r>
+                          </m:e>
+                          <m:sub>
+                            <m:r>
+                              <a:rPr lang="en-US" altLang="zh-TW" b="0" i="1" smtClean="0">
+                                <a:latin typeface="Cambria Math" panose="02040503050406030204" pitchFamily="18" charset="0"/>
+                                <a:cs typeface="Times New Roman" panose="02020603050405020304" pitchFamily="18" charset="0"/>
+                              </a:rPr>
+                              <m:t>𝑛</m:t>
+                            </m:r>
+                          </m:sub>
+                        </m:sSub>
+                        <m:r>
+                          <a:rPr lang="en-US" altLang="zh-TW" b="0" i="1" smtClean="0">
+                            <a:latin typeface="Cambria Math" panose="02040503050406030204" pitchFamily="18" charset="0"/>
+                            <a:cs typeface="Times New Roman" panose="02020603050405020304" pitchFamily="18" charset="0"/>
+                          </a:rPr>
+                          <m:t>𝑃</m:t>
+                        </m:r>
+                        <m:d>
+                          <m:dPr>
+                            <m:ctrlPr>
+                              <a:rPr lang="en-US" altLang="zh-TW" b="0" i="1" smtClean="0">
+                                <a:latin typeface="Cambria Math" panose="02040503050406030204" pitchFamily="18" charset="0"/>
+                                <a:cs typeface="Times New Roman" panose="02020603050405020304" pitchFamily="18" charset="0"/>
+                              </a:rPr>
+                            </m:ctrlPr>
+                          </m:dPr>
+                          <m:e>
+                            <m:sSub>
+                              <m:sSubPr>
+                                <m:ctrlPr>
+                                  <a:rPr lang="en-US" altLang="zh-TW" b="0" i="1" smtClean="0">
+                                    <a:latin typeface="Cambria Math" panose="02040503050406030204" pitchFamily="18" charset="0"/>
+                                    <a:cs typeface="Times New Roman" panose="02020603050405020304" pitchFamily="18" charset="0"/>
+                                  </a:rPr>
+                                </m:ctrlPr>
+                              </m:sSubPr>
+                              <m:e>
+                                <m:r>
+                                  <a:rPr lang="en-US" altLang="zh-TW" b="0" i="1" smtClean="0">
+                                    <a:latin typeface="Cambria Math" panose="02040503050406030204" pitchFamily="18" charset="0"/>
+                                    <a:cs typeface="Times New Roman" panose="02020603050405020304" pitchFamily="18" charset="0"/>
+                                  </a:rPr>
+                                  <m:t>𝑓</m:t>
+                                </m:r>
+                              </m:e>
+                              <m:sub>
+                                <m:r>
+                                  <a:rPr lang="en-US" altLang="zh-TW" b="0" i="1" smtClean="0">
+                                    <a:latin typeface="Cambria Math" panose="02040503050406030204" pitchFamily="18" charset="0"/>
+                                    <a:cs typeface="Times New Roman" panose="02020603050405020304" pitchFamily="18" charset="0"/>
+                                  </a:rPr>
+                                  <m:t>𝑛</m:t>
+                                </m:r>
+                              </m:sub>
+                            </m:sSub>
+                          </m:e>
+                        </m:d>
+                        <m:r>
+                          <a:rPr lang="en-US" altLang="zh-TW" b="0" i="1" smtClean="0">
+                            <a:latin typeface="Cambria Math" panose="02040503050406030204" pitchFamily="18" charset="0"/>
+                            <a:cs typeface="Times New Roman" panose="02020603050405020304" pitchFamily="18" charset="0"/>
+                          </a:rPr>
+                          <m:t> </m:t>
+                        </m:r>
+                        <m:r>
+                          <a:rPr lang="en-US" altLang="zh-TW" b="0" i="1" smtClean="0">
+                            <a:latin typeface="Cambria Math" panose="02040503050406030204" pitchFamily="18" charset="0"/>
+                            <a:cs typeface="Times New Roman" panose="02020603050405020304" pitchFamily="18" charset="0"/>
+                          </a:rPr>
+                          <m:t>; </m:t>
+                        </m:r>
+                        <m:r>
+                          <a:rPr lang="zh-TW" altLang="en-US" i="1">
+                            <a:latin typeface="Cambria Math" panose="02040503050406030204" pitchFamily="18" charset="0"/>
+                            <a:cs typeface="Times New Roman" panose="02020603050405020304" pitchFamily="18" charset="0"/>
+                          </a:rPr>
+                          <m:t>有</m:t>
+                        </m:r>
+                        <m:r>
+                          <a:rPr lang="en-US" altLang="zh-TW" b="0" i="1" smtClean="0">
+                            <a:latin typeface="Cambria Math" panose="02040503050406030204" pitchFamily="18" charset="0"/>
+                            <a:cs typeface="Times New Roman" panose="02020603050405020304" pitchFamily="18" charset="0"/>
+                          </a:rPr>
+                          <m:t> </m:t>
+                        </m:r>
+                        <m:r>
+                          <m:rPr>
+                            <m:sty m:val="p"/>
+                          </m:rPr>
+                          <a:rPr lang="en-US" altLang="zh-TW" i="1" smtClean="0">
+                            <a:latin typeface="Cambria Math" panose="02040503050406030204" pitchFamily="18" charset="0"/>
+                            <a:cs typeface="Times New Roman" panose="02020603050405020304" pitchFamily="18" charset="0"/>
+                          </a:rPr>
+                          <m:t>N</m:t>
+                        </m:r>
+                        <m:r>
+                          <a:rPr lang="en-US" altLang="zh-TW" b="0" i="1" smtClean="0">
+                            <a:latin typeface="Cambria Math" panose="02040503050406030204" pitchFamily="18" charset="0"/>
+                            <a:cs typeface="Times New Roman" panose="02020603050405020304" pitchFamily="18" charset="0"/>
+                          </a:rPr>
+                          <m:t> </m:t>
+                        </m:r>
+                        <m:r>
+                          <a:rPr lang="zh-TW" altLang="en-US" i="1">
+                            <a:latin typeface="Cambria Math" panose="02040503050406030204" pitchFamily="18" charset="0"/>
+                            <a:cs typeface="Times New Roman" panose="02020603050405020304" pitchFamily="18" charset="0"/>
+                          </a:rPr>
+                          <m:t>個</m:t>
+                        </m:r>
+                        <m:r>
+                          <a:rPr lang="en-US" altLang="zh-TW" b="0" i="1" smtClean="0">
+                            <a:latin typeface="Cambria Math" panose="02040503050406030204" pitchFamily="18" charset="0"/>
+                            <a:cs typeface="Times New Roman" panose="02020603050405020304" pitchFamily="18" charset="0"/>
+                          </a:rPr>
+                          <m:t> </m:t>
+                        </m:r>
+                        <m:r>
+                          <a:rPr lang="en-US" altLang="zh-TW" b="0" i="1" smtClean="0">
+                            <a:latin typeface="Cambria Math" panose="02040503050406030204" pitchFamily="18" charset="0"/>
+                            <a:cs typeface="Times New Roman" panose="02020603050405020304" pitchFamily="18" charset="0"/>
+                          </a:rPr>
+                          <m:t>𝑠𝑢𝑏𝑐𝑎𝑟𝑟𝑖𝑒𝑟</m:t>
+                        </m:r>
+                      </m:e>
+                    </m:nary>
+                  </m:oMath>
+                </a14:m>
+                <a:endParaRPr lang="zh-TW" altLang="en-US" dirty="0">
+                  <a:latin typeface="Times New Roman" panose="02020603050405020304" pitchFamily="18" charset="0"/>
+                  <a:cs typeface="Times New Roman" panose="02020603050405020304" pitchFamily="18" charset="0"/>
+                </a:endParaRPr>
+              </a:p>
+            </p:txBody>
+          </p:sp>
+        </mc:Choice>
+        <mc:Fallback>
+          <p:sp>
+            <p:nvSpPr>
+              <p:cNvPr id="15" name="文字方塊 14"/>
+              <p:cNvSpPr txBox="1">
+                <a:spLocks noRot="1" noChangeAspect="1" noMove="1" noResize="1" noEditPoints="1" noAdjustHandles="1" noChangeArrowheads="1" noChangeShapeType="1" noTextEdit="1"/>
+              </p:cNvSpPr>
+              <p:nvPr/>
+            </p:nvSpPr>
+            <p:spPr>
+              <a:xfrm>
+                <a:off x="0" y="4957734"/>
+                <a:ext cx="6210098" cy="374077"/>
+              </a:xfrm>
+              <a:prstGeom prst="rect">
+                <a:avLst/>
+              </a:prstGeom>
+              <a:blipFill>
+                <a:blip r:embed="rId12"/>
+                <a:stretch>
+                  <a:fillRect l="-589" t="-114516" b="-182258"/>
+                </a:stretch>
+              </a:blipFill>
+            </p:spPr>
+            <p:txBody>
+              <a:bodyPr/>
+              <a:lstStyle/>
+              <a:p>
+                <a:r>
+                  <a:rPr lang="zh-TW" altLang="en-US">
+                    <a:noFill/>
+                  </a:rPr>
+                  <a:t> </a:t>
+                </a:r>
+              </a:p>
+            </p:txBody>
+          </p:sp>
+        </mc:Fallback>
+      </mc:AlternateContent>
+      <mc:AlternateContent xmlns:mc="http://schemas.openxmlformats.org/markup-compatibility/2006">
+        <mc:Choice xmlns:a14="http://schemas.microsoft.com/office/drawing/2010/main" Requires="a14">
+          <p:sp>
+            <p:nvSpPr>
+              <p:cNvPr id="16" name="文字方塊 15"/>
+              <p:cNvSpPr txBox="1"/>
+              <p:nvPr/>
+            </p:nvSpPr>
+            <p:spPr>
+              <a:xfrm>
+                <a:off x="0" y="5394001"/>
+                <a:ext cx="7331494" cy="537006"/>
+              </a:xfrm>
+              <a:prstGeom prst="rect">
+                <a:avLst/>
+              </a:prstGeom>
+              <a:noFill/>
+            </p:spPr>
+            <p:txBody>
+              <a:bodyPr wrap="none" rtlCol="0">
+                <a:spAutoFit/>
+              </a:bodyPr>
+              <a:lstStyle/>
+              <a:p>
+                <a:pPr marL="285750" indent="-285750">
+                  <a:buFont typeface="Wingdings" panose="05000000000000000000" pitchFamily="2" charset="2"/>
+                  <a:buChar char="p"/>
+                </a:pPr>
+                <a:r>
+                  <a:rPr lang="en-US" altLang="zh-TW" dirty="0" smtClean="0">
+                    <a:latin typeface="Times New Roman" panose="02020603050405020304" pitchFamily="18" charset="0"/>
+                    <a:cs typeface="Times New Roman" panose="02020603050405020304" pitchFamily="18" charset="0"/>
+                  </a:rPr>
+                  <a:t>Max Peak-to-Average Power Ratio : </a:t>
+                </a:r>
+                <a14:m>
+                  <m:oMath xmlns:m="http://schemas.openxmlformats.org/officeDocument/2006/math">
+                    <m:r>
+                      <a:rPr lang="en-US" altLang="zh-TW" b="0" i="1" smtClean="0">
+                        <a:latin typeface="Cambria Math" panose="02040503050406030204" pitchFamily="18" charset="0"/>
+                        <a:cs typeface="Times New Roman" panose="02020603050405020304" pitchFamily="18" charset="0"/>
+                      </a:rPr>
+                      <m:t>𝑃𝐴𝑃𝑅</m:t>
+                    </m:r>
+                    <m:r>
+                      <a:rPr lang="en-US" altLang="zh-TW" b="0" i="1" smtClean="0">
+                        <a:latin typeface="Cambria Math" panose="02040503050406030204" pitchFamily="18" charset="0"/>
+                        <a:cs typeface="Times New Roman" panose="02020603050405020304" pitchFamily="18" charset="0"/>
+                      </a:rPr>
+                      <m:t>=</m:t>
+                    </m:r>
+                    <m:f>
+                      <m:fPr>
+                        <m:ctrlPr>
+                          <a:rPr lang="en-US" altLang="zh-TW" b="0" i="1" smtClean="0">
+                            <a:latin typeface="Cambria Math" panose="02040503050406030204" pitchFamily="18" charset="0"/>
+                            <a:cs typeface="Times New Roman" panose="02020603050405020304" pitchFamily="18" charset="0"/>
+                          </a:rPr>
+                        </m:ctrlPr>
+                      </m:fPr>
+                      <m:num>
+                        <m:sSub>
+                          <m:sSubPr>
+                            <m:ctrlPr>
+                              <a:rPr lang="en-US" altLang="zh-TW" b="0" i="1" smtClean="0">
+                                <a:latin typeface="Cambria Math" panose="02040503050406030204" pitchFamily="18" charset="0"/>
+                                <a:cs typeface="Times New Roman" panose="02020603050405020304" pitchFamily="18" charset="0"/>
+                              </a:rPr>
+                            </m:ctrlPr>
+                          </m:sSubPr>
+                          <m:e>
+                            <m:r>
+                              <a:rPr lang="en-US" altLang="zh-TW" b="0" i="1" smtClean="0">
+                                <a:latin typeface="Cambria Math" panose="02040503050406030204" pitchFamily="18" charset="0"/>
+                                <a:cs typeface="Times New Roman" panose="02020603050405020304" pitchFamily="18" charset="0"/>
+                              </a:rPr>
+                              <m:t>𝑃</m:t>
+                            </m:r>
+                          </m:e>
+                          <m:sub>
+                            <m:r>
+                              <a:rPr lang="en-US" altLang="zh-TW" b="0" i="1" smtClean="0">
+                                <a:latin typeface="Cambria Math" panose="02040503050406030204" pitchFamily="18" charset="0"/>
+                                <a:cs typeface="Times New Roman" panose="02020603050405020304" pitchFamily="18" charset="0"/>
+                              </a:rPr>
+                              <m:t>𝑝𝑒𝑎𝑘</m:t>
+                            </m:r>
+                          </m:sub>
+                        </m:sSub>
+                      </m:num>
+                      <m:den>
+                        <m:sSub>
+                          <m:sSubPr>
+                            <m:ctrlPr>
+                              <a:rPr lang="en-US" altLang="zh-TW" b="0" i="1" smtClean="0">
+                                <a:latin typeface="Cambria Math" panose="02040503050406030204" pitchFamily="18" charset="0"/>
+                                <a:cs typeface="Times New Roman" panose="02020603050405020304" pitchFamily="18" charset="0"/>
+                              </a:rPr>
+                            </m:ctrlPr>
+                          </m:sSubPr>
+                          <m:e>
+                            <m:r>
+                              <a:rPr lang="en-US" altLang="zh-TW" b="0" i="1" smtClean="0">
+                                <a:latin typeface="Cambria Math" panose="02040503050406030204" pitchFamily="18" charset="0"/>
+                                <a:cs typeface="Times New Roman" panose="02020603050405020304" pitchFamily="18" charset="0"/>
+                              </a:rPr>
+                              <m:t>𝑃</m:t>
+                            </m:r>
+                          </m:e>
+                          <m:sub>
+                            <m:r>
+                              <a:rPr lang="en-US" altLang="zh-TW" b="0" i="1" smtClean="0">
+                                <a:latin typeface="Cambria Math" panose="02040503050406030204" pitchFamily="18" charset="0"/>
+                                <a:cs typeface="Times New Roman" panose="02020603050405020304" pitchFamily="18" charset="0"/>
+                              </a:rPr>
+                              <m:t>𝑎𝑣</m:t>
+                            </m:r>
+                          </m:sub>
+                        </m:sSub>
+                      </m:den>
+                    </m:f>
+                    <m:r>
+                      <a:rPr lang="en-US" altLang="zh-TW" b="0" i="1" smtClean="0">
+                        <a:latin typeface="Cambria Math" panose="02040503050406030204" pitchFamily="18" charset="0"/>
+                        <a:cs typeface="Times New Roman" panose="02020603050405020304" pitchFamily="18" charset="0"/>
+                      </a:rPr>
+                      <m:t>=</m:t>
+                    </m:r>
+                    <m:r>
+                      <a:rPr lang="en-US" altLang="zh-TW" b="0" i="1" smtClean="0">
+                        <a:latin typeface="Cambria Math" panose="02040503050406030204" pitchFamily="18" charset="0"/>
+                        <a:cs typeface="Times New Roman" panose="02020603050405020304" pitchFamily="18" charset="0"/>
+                      </a:rPr>
+                      <m:t>𝑁</m:t>
+                    </m:r>
+                  </m:oMath>
+                </a14:m>
+                <a:r>
+                  <a:rPr lang="zh-TW" altLang="en-US" dirty="0" smtClean="0">
+                    <a:latin typeface="Times New Roman" panose="02020603050405020304" pitchFamily="18" charset="0"/>
+                    <a:cs typeface="Times New Roman" panose="02020603050405020304" pitchFamily="18" charset="0"/>
+                  </a:rPr>
+                  <a:t> </a:t>
+                </a:r>
+                <a:r>
+                  <a:rPr lang="en-US" altLang="zh-TW" dirty="0" smtClean="0">
+                    <a:latin typeface="Times New Roman" panose="02020603050405020304" pitchFamily="18" charset="0"/>
+                    <a:cs typeface="Times New Roman" panose="02020603050405020304" pitchFamily="18" charset="0"/>
+                  </a:rPr>
+                  <a:t>(subcarrier </a:t>
+                </a:r>
+                <a:r>
+                  <a:rPr lang="zh-TW" altLang="en-US" dirty="0" smtClean="0">
+                    <a:latin typeface="Times New Roman" panose="02020603050405020304" pitchFamily="18" charset="0"/>
+                    <a:cs typeface="Times New Roman" panose="02020603050405020304" pitchFamily="18" charset="0"/>
+                  </a:rPr>
+                  <a:t>個數</a:t>
+                </a:r>
+                <a:r>
+                  <a:rPr lang="en-US" altLang="zh-TW" dirty="0" smtClean="0">
+                    <a:latin typeface="Times New Roman" panose="02020603050405020304" pitchFamily="18" charset="0"/>
+                    <a:cs typeface="Times New Roman" panose="02020603050405020304" pitchFamily="18" charset="0"/>
+                  </a:rPr>
+                  <a:t>)</a:t>
+                </a:r>
+                <a:endParaRPr lang="zh-TW" altLang="en-US" dirty="0">
+                  <a:latin typeface="Times New Roman" panose="02020603050405020304" pitchFamily="18" charset="0"/>
+                  <a:cs typeface="Times New Roman" panose="02020603050405020304" pitchFamily="18" charset="0"/>
+                </a:endParaRPr>
+              </a:p>
+            </p:txBody>
+          </p:sp>
+        </mc:Choice>
+        <mc:Fallback>
+          <p:sp>
+            <p:nvSpPr>
+              <p:cNvPr id="16" name="文字方塊 15"/>
+              <p:cNvSpPr txBox="1">
+                <a:spLocks noRot="1" noChangeAspect="1" noMove="1" noResize="1" noEditPoints="1" noAdjustHandles="1" noChangeArrowheads="1" noChangeShapeType="1" noTextEdit="1"/>
+              </p:cNvSpPr>
+              <p:nvPr/>
+            </p:nvSpPr>
+            <p:spPr>
+              <a:xfrm>
+                <a:off x="0" y="5394001"/>
+                <a:ext cx="7331494" cy="537006"/>
+              </a:xfrm>
+              <a:prstGeom prst="rect">
+                <a:avLst/>
+              </a:prstGeom>
+              <a:blipFill>
+                <a:blip r:embed="rId13"/>
+                <a:stretch>
+                  <a:fillRect l="-499" r="-416" b="-1136"/>
+                </a:stretch>
+              </a:blipFill>
+            </p:spPr>
+            <p:txBody>
+              <a:bodyPr/>
+              <a:lstStyle/>
+              <a:p>
+                <a:r>
+                  <a:rPr lang="zh-TW" altLang="en-US">
+                    <a:noFill/>
+                  </a:rPr>
+                  <a:t> </a:t>
+                </a:r>
+              </a:p>
+            </p:txBody>
+          </p:sp>
+        </mc:Fallback>
+      </mc:AlternateContent>
+      <mc:AlternateContent xmlns:mc="http://schemas.openxmlformats.org/markup-compatibility/2006">
+        <mc:Choice xmlns:a14="http://schemas.microsoft.com/office/drawing/2010/main" Requires="a14">
+          <p:sp>
+            <p:nvSpPr>
+              <p:cNvPr id="17" name="文字方塊 16"/>
+              <p:cNvSpPr txBox="1"/>
+              <p:nvPr/>
+            </p:nvSpPr>
+            <p:spPr>
+              <a:xfrm>
+                <a:off x="0" y="5834004"/>
+                <a:ext cx="7618176" cy="578685"/>
+              </a:xfrm>
+              <a:prstGeom prst="rect">
+                <a:avLst/>
+              </a:prstGeom>
+              <a:noFill/>
+            </p:spPr>
+            <p:txBody>
+              <a:bodyPr wrap="none" rtlCol="0">
+                <a:spAutoFit/>
+              </a:bodyPr>
+              <a:lstStyle/>
+              <a:p>
+                <a:pPr marL="285750" indent="-285750">
+                  <a:buFont typeface="Wingdings" panose="05000000000000000000" pitchFamily="2" charset="2"/>
+                  <a:buChar char="p"/>
+                </a:pPr>
+                <a14:m>
+                  <m:oMath xmlns:m="http://schemas.openxmlformats.org/officeDocument/2006/math">
+                    <m:r>
+                      <a:rPr lang="en-US" altLang="zh-TW" b="0" i="1" smtClean="0">
+                        <a:latin typeface="Cambria Math" panose="02040503050406030204" pitchFamily="18" charset="0"/>
+                        <a:cs typeface="Times New Roman" panose="02020603050405020304" pitchFamily="18" charset="0"/>
+                      </a:rPr>
+                      <m:t>𝑀𝑢𝑙𝑡𝑖𝑐𝑎𝑟𝑟𝑖𝑒𝑟</m:t>
+                    </m:r>
+                    <m:r>
+                      <a:rPr lang="en-US" altLang="zh-TW" b="0" i="1" smtClean="0">
+                        <a:latin typeface="Cambria Math" panose="02040503050406030204" pitchFamily="18" charset="0"/>
+                        <a:cs typeface="Times New Roman" panose="02020603050405020304" pitchFamily="18" charset="0"/>
+                      </a:rPr>
+                      <m:t> </m:t>
+                    </m:r>
+                    <m:r>
+                      <a:rPr lang="en-US" altLang="zh-TW" b="0" i="1" smtClean="0">
+                        <a:latin typeface="Cambria Math" panose="02040503050406030204" pitchFamily="18" charset="0"/>
+                        <a:cs typeface="Times New Roman" panose="02020603050405020304" pitchFamily="18" charset="0"/>
+                      </a:rPr>
+                      <m:t>𝑠𝑦𝑠𝑡𝑒𝑚</m:t>
+                    </m:r>
+                    <m:r>
+                      <a:rPr lang="en-US" altLang="zh-TW" b="0" i="1" smtClean="0">
+                        <a:latin typeface="Cambria Math" panose="02040503050406030204" pitchFamily="18" charset="0"/>
+                        <a:cs typeface="Times New Roman" panose="02020603050405020304" pitchFamily="18" charset="0"/>
+                      </a:rPr>
+                      <m:t> </m:t>
+                    </m:r>
+                    <m:r>
+                      <a:rPr lang="en-US" altLang="zh-TW" b="0" i="1" smtClean="0">
+                        <a:latin typeface="Cambria Math" panose="02040503050406030204" pitchFamily="18" charset="0"/>
+                        <a:cs typeface="Times New Roman" panose="02020603050405020304" pitchFamily="18" charset="0"/>
+                      </a:rPr>
+                      <m:t>𝑡𝑜𝑡𝑎𝑙</m:t>
+                    </m:r>
+                    <m:r>
+                      <a:rPr lang="en-US" altLang="zh-TW" b="0" i="1" smtClean="0">
+                        <a:latin typeface="Cambria Math" panose="02040503050406030204" pitchFamily="18" charset="0"/>
+                        <a:cs typeface="Times New Roman" panose="02020603050405020304" pitchFamily="18" charset="0"/>
+                      </a:rPr>
+                      <m:t> </m:t>
+                    </m:r>
+                    <m:r>
+                      <a:rPr lang="en-US" altLang="zh-TW" b="0" i="1" smtClean="0">
+                        <a:latin typeface="Cambria Math" panose="02040503050406030204" pitchFamily="18" charset="0"/>
+                        <a:cs typeface="Times New Roman" panose="02020603050405020304" pitchFamily="18" charset="0"/>
+                      </a:rPr>
+                      <m:t>𝑐𝑎𝑝𝑎𝑐𝑖𝑡𝑦</m:t>
+                    </m:r>
+                    <m:r>
+                      <a:rPr lang="en-US" altLang="zh-TW" b="0" i="1" smtClean="0">
+                        <a:latin typeface="Cambria Math" panose="02040503050406030204" pitchFamily="18" charset="0"/>
+                        <a:cs typeface="Times New Roman" panose="02020603050405020304" pitchFamily="18" charset="0"/>
+                      </a:rPr>
+                      <m:t> :</m:t>
+                    </m:r>
+                    <m:r>
+                      <a:rPr lang="en-US" altLang="zh-TW" b="0" i="1" smtClean="0">
+                        <a:latin typeface="Cambria Math" panose="02040503050406030204" pitchFamily="18" charset="0"/>
+                        <a:cs typeface="Times New Roman" panose="02020603050405020304" pitchFamily="18" charset="0"/>
+                      </a:rPr>
+                      <m:t>𝐶</m:t>
+                    </m:r>
+                    <m:r>
+                      <a:rPr lang="en-US" altLang="zh-TW" b="0" i="1" smtClean="0">
+                        <a:latin typeface="Cambria Math" panose="02040503050406030204" pitchFamily="18" charset="0"/>
+                        <a:cs typeface="Times New Roman" panose="02020603050405020304" pitchFamily="18" charset="0"/>
+                      </a:rPr>
+                      <m:t>=</m:t>
+                    </m:r>
+                    <m:nary>
+                      <m:naryPr>
+                        <m:chr m:val="∑"/>
+                        <m:ctrlPr>
+                          <a:rPr lang="en-US" altLang="zh-TW" b="0" i="1" smtClean="0">
+                            <a:latin typeface="Cambria Math" panose="02040503050406030204" pitchFamily="18" charset="0"/>
+                            <a:cs typeface="Times New Roman" panose="02020603050405020304" pitchFamily="18" charset="0"/>
+                          </a:rPr>
+                        </m:ctrlPr>
+                      </m:naryPr>
+                      <m:sub>
+                        <m:r>
+                          <m:rPr>
+                            <m:brk m:alnAt="23"/>
+                          </m:rPr>
+                          <a:rPr lang="en-US" altLang="zh-TW" b="0" i="1" smtClean="0">
+                            <a:latin typeface="Cambria Math" panose="02040503050406030204" pitchFamily="18" charset="0"/>
+                            <a:cs typeface="Times New Roman" panose="02020603050405020304" pitchFamily="18" charset="0"/>
+                          </a:rPr>
+                          <m:t>𝑖</m:t>
+                        </m:r>
+                        <m:r>
+                          <a:rPr lang="en-US" altLang="zh-TW" b="0" i="1" smtClean="0">
+                            <a:latin typeface="Cambria Math" panose="02040503050406030204" pitchFamily="18" charset="0"/>
+                            <a:cs typeface="Times New Roman" panose="02020603050405020304" pitchFamily="18" charset="0"/>
+                          </a:rPr>
+                          <m:t>=</m:t>
+                        </m:r>
+                        <m:r>
+                          <m:rPr>
+                            <m:brk m:alnAt="23"/>
+                          </m:rPr>
+                          <a:rPr lang="en-US" altLang="zh-TW" b="0" i="1" smtClean="0">
+                            <a:latin typeface="Cambria Math" panose="02040503050406030204" pitchFamily="18" charset="0"/>
+                            <a:cs typeface="Times New Roman" panose="02020603050405020304" pitchFamily="18" charset="0"/>
+                          </a:rPr>
+                          <m:t>1</m:t>
+                        </m:r>
+                      </m:sub>
+                      <m:sup>
+                        <m:r>
+                          <a:rPr lang="en-US" altLang="zh-TW" b="0" i="1" smtClean="0">
+                            <a:latin typeface="Cambria Math" panose="02040503050406030204" pitchFamily="18" charset="0"/>
+                            <a:cs typeface="Times New Roman" panose="02020603050405020304" pitchFamily="18" charset="0"/>
+                          </a:rPr>
+                          <m:t>𝑁</m:t>
+                        </m:r>
+                      </m:sup>
+                      <m:e>
+                        <m:r>
+                          <m:rPr>
+                            <m:sty m:val="p"/>
+                          </m:rPr>
+                          <a:rPr lang="en-US" altLang="zh-TW" b="0" i="0" smtClean="0">
+                            <a:latin typeface="Cambria Math" panose="02040503050406030204" pitchFamily="18" charset="0"/>
+                            <a:cs typeface="Times New Roman" panose="02020603050405020304" pitchFamily="18" charset="0"/>
+                          </a:rPr>
+                          <m:t>Δ</m:t>
+                        </m:r>
+                        <m:sSub>
+                          <m:sSubPr>
+                            <m:ctrlPr>
+                              <a:rPr lang="en-US" altLang="zh-TW" b="0" i="1" smtClean="0">
+                                <a:latin typeface="Cambria Math" panose="02040503050406030204" pitchFamily="18" charset="0"/>
+                                <a:cs typeface="Times New Roman" panose="02020603050405020304" pitchFamily="18" charset="0"/>
+                              </a:rPr>
+                            </m:ctrlPr>
+                          </m:sSubPr>
+                          <m:e>
+                            <m:r>
+                              <a:rPr lang="en-US" altLang="zh-TW" b="0" i="1" smtClean="0">
+                                <a:latin typeface="Cambria Math" panose="02040503050406030204" pitchFamily="18" charset="0"/>
+                                <a:cs typeface="Times New Roman" panose="02020603050405020304" pitchFamily="18" charset="0"/>
+                              </a:rPr>
+                              <m:t>𝑓</m:t>
+                            </m:r>
+                          </m:e>
+                          <m:sub>
+                            <m:r>
+                              <a:rPr lang="en-US" altLang="zh-TW" b="0" i="1" smtClean="0">
+                                <a:latin typeface="Cambria Math" panose="02040503050406030204" pitchFamily="18" charset="0"/>
+                                <a:cs typeface="Times New Roman" panose="02020603050405020304" pitchFamily="18" charset="0"/>
+                              </a:rPr>
+                              <m:t>𝑖</m:t>
+                            </m:r>
+                          </m:sub>
+                        </m:sSub>
+                        <m:func>
+                          <m:funcPr>
+                            <m:ctrlPr>
+                              <a:rPr lang="en-US" altLang="zh-TW" b="0" i="1" smtClean="0">
+                                <a:latin typeface="Cambria Math" panose="02040503050406030204" pitchFamily="18" charset="0"/>
+                                <a:cs typeface="Times New Roman" panose="02020603050405020304" pitchFamily="18" charset="0"/>
+                              </a:rPr>
+                            </m:ctrlPr>
+                          </m:funcPr>
+                          <m:fName>
+                            <m:sSub>
+                              <m:sSubPr>
+                                <m:ctrlPr>
+                                  <a:rPr lang="en-US" altLang="zh-TW" b="0" i="1" smtClean="0">
+                                    <a:latin typeface="Cambria Math" panose="02040503050406030204" pitchFamily="18" charset="0"/>
+                                    <a:cs typeface="Times New Roman" panose="02020603050405020304" pitchFamily="18" charset="0"/>
+                                  </a:rPr>
+                                </m:ctrlPr>
+                              </m:sSubPr>
+                              <m:e>
+                                <m:r>
+                                  <m:rPr>
+                                    <m:sty m:val="p"/>
+                                  </m:rPr>
+                                  <a:rPr lang="en-US" altLang="zh-TW" b="0" i="0" smtClean="0">
+                                    <a:latin typeface="Cambria Math" panose="02040503050406030204" pitchFamily="18" charset="0"/>
+                                    <a:cs typeface="Times New Roman" panose="02020603050405020304" pitchFamily="18" charset="0"/>
+                                  </a:rPr>
+                                  <m:t>log</m:t>
+                                </m:r>
+                              </m:e>
+                              <m:sub>
+                                <m:r>
+                                  <a:rPr lang="en-US" altLang="zh-TW" b="0" i="1" smtClean="0">
+                                    <a:latin typeface="Cambria Math" panose="02040503050406030204" pitchFamily="18" charset="0"/>
+                                    <a:cs typeface="Times New Roman" panose="02020603050405020304" pitchFamily="18" charset="0"/>
+                                  </a:rPr>
+                                  <m:t>2</m:t>
+                                </m:r>
+                              </m:sub>
+                            </m:sSub>
+                          </m:fName>
+                          <m:e>
+                            <m:r>
+                              <a:rPr lang="en-US" altLang="zh-TW" b="0" i="1" smtClean="0">
+                                <a:latin typeface="Cambria Math" panose="02040503050406030204" pitchFamily="18" charset="0"/>
+                                <a:cs typeface="Times New Roman" panose="02020603050405020304" pitchFamily="18" charset="0"/>
+                              </a:rPr>
+                              <m:t>[</m:t>
+                            </m:r>
+                            <m:r>
+                              <a:rPr lang="en-US" altLang="zh-TW" b="0" i="1" smtClean="0">
+                                <a:latin typeface="Cambria Math" panose="02040503050406030204" pitchFamily="18" charset="0"/>
+                                <a:cs typeface="Times New Roman" panose="02020603050405020304" pitchFamily="18" charset="0"/>
+                              </a:rPr>
+                              <m:t>1</m:t>
+                            </m:r>
+                            <m:r>
+                              <a:rPr lang="en-US" altLang="zh-TW" b="0" i="1" smtClean="0">
+                                <a:latin typeface="Cambria Math" panose="02040503050406030204" pitchFamily="18" charset="0"/>
+                                <a:cs typeface="Times New Roman" panose="02020603050405020304" pitchFamily="18" charset="0"/>
+                              </a:rPr>
+                              <m:t>+</m:t>
+                            </m:r>
+                            <m:f>
+                              <m:fPr>
+                                <m:ctrlPr>
+                                  <a:rPr lang="en-US" altLang="zh-TW" b="0" i="1" smtClean="0">
+                                    <a:latin typeface="Cambria Math" panose="02040503050406030204" pitchFamily="18" charset="0"/>
+                                    <a:cs typeface="Times New Roman" panose="02020603050405020304" pitchFamily="18" charset="0"/>
+                                  </a:rPr>
+                                </m:ctrlPr>
+                              </m:fPr>
+                              <m:num>
+                                <m:r>
+                                  <a:rPr lang="en-US" altLang="zh-TW" b="0" i="1" smtClean="0">
+                                    <a:latin typeface="Cambria Math" panose="02040503050406030204" pitchFamily="18" charset="0"/>
+                                    <a:cs typeface="Times New Roman" panose="02020603050405020304" pitchFamily="18" charset="0"/>
+                                  </a:rPr>
+                                  <m:t>𝑃</m:t>
+                                </m:r>
+                                <m:d>
+                                  <m:dPr>
+                                    <m:ctrlPr>
+                                      <a:rPr lang="en-US" altLang="zh-TW" b="0" i="1" smtClean="0">
+                                        <a:latin typeface="Cambria Math" panose="02040503050406030204" pitchFamily="18" charset="0"/>
+                                        <a:cs typeface="Times New Roman" panose="02020603050405020304" pitchFamily="18" charset="0"/>
+                                      </a:rPr>
+                                    </m:ctrlPr>
+                                  </m:dPr>
+                                  <m:e>
+                                    <m:sSub>
+                                      <m:sSubPr>
+                                        <m:ctrlPr>
+                                          <a:rPr lang="en-US" altLang="zh-TW" b="0" i="1" smtClean="0">
+                                            <a:latin typeface="Cambria Math" panose="02040503050406030204" pitchFamily="18" charset="0"/>
+                                            <a:cs typeface="Times New Roman" panose="02020603050405020304" pitchFamily="18" charset="0"/>
+                                          </a:rPr>
+                                        </m:ctrlPr>
+                                      </m:sSubPr>
+                                      <m:e>
+                                        <m:r>
+                                          <a:rPr lang="en-US" altLang="zh-TW" b="0" i="1" smtClean="0">
+                                            <a:latin typeface="Cambria Math" panose="02040503050406030204" pitchFamily="18" charset="0"/>
+                                            <a:cs typeface="Times New Roman" panose="02020603050405020304" pitchFamily="18" charset="0"/>
+                                          </a:rPr>
+                                          <m:t>𝑓</m:t>
+                                        </m:r>
+                                      </m:e>
+                                      <m:sub>
+                                        <m:r>
+                                          <a:rPr lang="en-US" altLang="zh-TW" b="0" i="1" smtClean="0">
+                                            <a:latin typeface="Cambria Math" panose="02040503050406030204" pitchFamily="18" charset="0"/>
+                                            <a:cs typeface="Times New Roman" panose="02020603050405020304" pitchFamily="18" charset="0"/>
+                                          </a:rPr>
+                                          <m:t>𝑖</m:t>
+                                        </m:r>
+                                      </m:sub>
+                                    </m:sSub>
+                                  </m:e>
+                                </m:d>
+                                <m:sSup>
+                                  <m:sSupPr>
+                                    <m:ctrlPr>
+                                      <a:rPr lang="en-US" altLang="zh-TW" b="0" i="1" smtClean="0">
+                                        <a:latin typeface="Cambria Math" panose="02040503050406030204" pitchFamily="18" charset="0"/>
+                                        <a:cs typeface="Times New Roman" panose="02020603050405020304" pitchFamily="18" charset="0"/>
+                                      </a:rPr>
+                                    </m:ctrlPr>
+                                  </m:sSupPr>
+                                  <m:e>
+                                    <m:d>
+                                      <m:dPr>
+                                        <m:begChr m:val="|"/>
+                                        <m:endChr m:val="|"/>
+                                        <m:ctrlPr>
+                                          <a:rPr lang="en-US" altLang="zh-TW" b="0" i="1" smtClean="0">
+                                            <a:latin typeface="Cambria Math" panose="02040503050406030204" pitchFamily="18" charset="0"/>
+                                            <a:cs typeface="Times New Roman" panose="02020603050405020304" pitchFamily="18" charset="0"/>
+                                          </a:rPr>
+                                        </m:ctrlPr>
+                                      </m:dPr>
+                                      <m:e>
+                                        <m:r>
+                                          <a:rPr lang="en-US" altLang="zh-TW" b="0" i="1" smtClean="0">
+                                            <a:latin typeface="Cambria Math" panose="02040503050406030204" pitchFamily="18" charset="0"/>
+                                            <a:cs typeface="Times New Roman" panose="02020603050405020304" pitchFamily="18" charset="0"/>
+                                          </a:rPr>
+                                          <m:t>𝐻</m:t>
+                                        </m:r>
+                                        <m:d>
+                                          <m:dPr>
+                                            <m:ctrlPr>
+                                              <a:rPr lang="en-US" altLang="zh-TW" b="0" i="1" smtClean="0">
+                                                <a:latin typeface="Cambria Math" panose="02040503050406030204" pitchFamily="18" charset="0"/>
+                                                <a:cs typeface="Times New Roman" panose="02020603050405020304" pitchFamily="18" charset="0"/>
+                                              </a:rPr>
+                                            </m:ctrlPr>
+                                          </m:dPr>
+                                          <m:e>
+                                            <m:sSub>
+                                              <m:sSubPr>
+                                                <m:ctrlPr>
+                                                  <a:rPr lang="en-US" altLang="zh-TW" b="0" i="1" smtClean="0">
+                                                    <a:latin typeface="Cambria Math" panose="02040503050406030204" pitchFamily="18" charset="0"/>
+                                                    <a:cs typeface="Times New Roman" panose="02020603050405020304" pitchFamily="18" charset="0"/>
+                                                  </a:rPr>
+                                                </m:ctrlPr>
+                                              </m:sSubPr>
+                                              <m:e>
+                                                <m:r>
+                                                  <a:rPr lang="en-US" altLang="zh-TW" b="0" i="1" smtClean="0">
+                                                    <a:latin typeface="Cambria Math" panose="02040503050406030204" pitchFamily="18" charset="0"/>
+                                                    <a:cs typeface="Times New Roman" panose="02020603050405020304" pitchFamily="18" charset="0"/>
+                                                  </a:rPr>
+                                                  <m:t>𝑓</m:t>
+                                                </m:r>
+                                              </m:e>
+                                              <m:sub>
+                                                <m:r>
+                                                  <a:rPr lang="en-US" altLang="zh-TW" b="0" i="1" smtClean="0">
+                                                    <a:latin typeface="Cambria Math" panose="02040503050406030204" pitchFamily="18" charset="0"/>
+                                                    <a:cs typeface="Times New Roman" panose="02020603050405020304" pitchFamily="18" charset="0"/>
+                                                  </a:rPr>
+                                                  <m:t>𝑖</m:t>
+                                                </m:r>
+                                              </m:sub>
+                                            </m:sSub>
+                                          </m:e>
+                                        </m:d>
+                                      </m:e>
+                                    </m:d>
+                                  </m:e>
+                                  <m:sup>
+                                    <m:r>
+                                      <a:rPr lang="en-US" altLang="zh-TW" b="0" i="1" smtClean="0">
+                                        <a:latin typeface="Cambria Math" panose="02040503050406030204" pitchFamily="18" charset="0"/>
+                                        <a:cs typeface="Times New Roman" panose="02020603050405020304" pitchFamily="18" charset="0"/>
+                                      </a:rPr>
+                                      <m:t>2</m:t>
+                                    </m:r>
+                                  </m:sup>
+                                </m:sSup>
+                              </m:num>
+                              <m:den>
+                                <m:sSubSup>
+                                  <m:sSubSupPr>
+                                    <m:ctrlPr>
+                                      <a:rPr lang="en-US" altLang="zh-TW" b="0" i="1" smtClean="0">
+                                        <a:latin typeface="Cambria Math" panose="02040503050406030204" pitchFamily="18" charset="0"/>
+                                        <a:cs typeface="Times New Roman" panose="02020603050405020304" pitchFamily="18" charset="0"/>
+                                      </a:rPr>
+                                    </m:ctrlPr>
+                                  </m:sSubSupPr>
+                                  <m:e>
+                                    <m:r>
+                                      <a:rPr lang="en-US" altLang="zh-TW" b="0" i="1" smtClean="0">
+                                        <a:latin typeface="Cambria Math" panose="02040503050406030204" pitchFamily="18" charset="0"/>
+                                        <a:cs typeface="Times New Roman" panose="02020603050405020304" pitchFamily="18" charset="0"/>
+                                      </a:rPr>
+                                      <m:t>𝜎</m:t>
+                                    </m:r>
+                                  </m:e>
+                                  <m:sub>
+                                    <m:r>
+                                      <a:rPr lang="en-US" altLang="zh-TW" b="0" i="1" smtClean="0">
+                                        <a:latin typeface="Cambria Math" panose="02040503050406030204" pitchFamily="18" charset="0"/>
+                                        <a:cs typeface="Times New Roman" panose="02020603050405020304" pitchFamily="18" charset="0"/>
+                                      </a:rPr>
+                                      <m:t>𝑖</m:t>
+                                    </m:r>
+                                  </m:sub>
+                                  <m:sup>
+                                    <m:r>
+                                      <a:rPr lang="en-US" altLang="zh-TW" b="0" i="1" smtClean="0">
+                                        <a:latin typeface="Cambria Math" panose="02040503050406030204" pitchFamily="18" charset="0"/>
+                                        <a:cs typeface="Times New Roman" panose="02020603050405020304" pitchFamily="18" charset="0"/>
+                                      </a:rPr>
+                                      <m:t>2</m:t>
+                                    </m:r>
+                                  </m:sup>
+                                </m:sSubSup>
+                              </m:den>
+                            </m:f>
+                            <m:r>
+                              <a:rPr lang="en-US" altLang="zh-TW" b="0" i="1" smtClean="0">
+                                <a:latin typeface="Cambria Math" panose="02040503050406030204" pitchFamily="18" charset="0"/>
+                                <a:cs typeface="Times New Roman" panose="02020603050405020304" pitchFamily="18" charset="0"/>
+                              </a:rPr>
+                              <m:t>]</m:t>
+                            </m:r>
+                          </m:e>
+                        </m:func>
+                      </m:e>
+                    </m:nary>
+                  </m:oMath>
+                </a14:m>
+                <a:endParaRPr lang="zh-TW" altLang="en-US" dirty="0">
+                  <a:latin typeface="Times New Roman" panose="02020603050405020304" pitchFamily="18" charset="0"/>
+                  <a:cs typeface="Times New Roman" panose="02020603050405020304" pitchFamily="18" charset="0"/>
+                </a:endParaRPr>
+              </a:p>
+            </p:txBody>
+          </p:sp>
+        </mc:Choice>
+        <mc:Fallback>
+          <p:sp>
+            <p:nvSpPr>
+              <p:cNvPr id="17" name="文字方塊 16"/>
+              <p:cNvSpPr txBox="1">
+                <a:spLocks noRot="1" noChangeAspect="1" noMove="1" noResize="1" noEditPoints="1" noAdjustHandles="1" noChangeArrowheads="1" noChangeShapeType="1" noTextEdit="1"/>
+              </p:cNvSpPr>
+              <p:nvPr/>
+            </p:nvSpPr>
+            <p:spPr>
+              <a:xfrm>
+                <a:off x="0" y="5834004"/>
+                <a:ext cx="7618176" cy="578685"/>
+              </a:xfrm>
+              <a:prstGeom prst="rect">
+                <a:avLst/>
+              </a:prstGeom>
+              <a:blipFill>
+                <a:blip r:embed="rId14"/>
+                <a:stretch>
+                  <a:fillRect/>
                 </a:stretch>
               </a:blipFill>
             </p:spPr>
@@ -6436,8 +7933,8 @@
           <a:chExt cx="0" cy="0"/>
         </a:xfrm>
       </p:grpSpPr>
-      <mc:AlternateContent xmlns:mc="http://schemas.openxmlformats.org/markup-compatibility/2006">
-        <mc:Choice xmlns:a14="http://schemas.microsoft.com/office/drawing/2010/main" Requires="a14">
+      <mc:AlternateContent xmlns:mc="http://schemas.openxmlformats.org/markup-compatibility/2006" xmlns:a14="http://schemas.microsoft.com/office/drawing/2010/main">
+        <mc:Choice Requires="a14">
           <p:sp>
             <p:nvSpPr>
               <p:cNvPr id="4" name="文字方塊 3"/>
@@ -6533,7 +8030,14 @@
                                 <a:latin typeface="Cambria Math" panose="02040503050406030204" pitchFamily="18" charset="0"/>
                                 <a:cs typeface="Times New Roman" panose="02020603050405020304" pitchFamily="18" charset="0"/>
                               </a:rPr>
-                              <m:t>1+</m:t>
+                              <m:t>1</m:t>
+                            </m:r>
+                            <m:r>
+                              <a:rPr lang="en-US" altLang="zh-TW" sz="1500" b="0" i="1" smtClean="0">
+                                <a:latin typeface="Cambria Math" panose="02040503050406030204" pitchFamily="18" charset="0"/>
+                                <a:cs typeface="Times New Roman" panose="02020603050405020304" pitchFamily="18" charset="0"/>
+                              </a:rPr>
+                              <m:t>+</m:t>
                             </m:r>
                             <m:func>
                               <m:funcPr>
@@ -6669,14 +8173,35 @@
                                 <a:latin typeface="Cambria Math" panose="02040503050406030204" pitchFamily="18" charset="0"/>
                                 <a:cs typeface="Times New Roman" panose="02020603050405020304" pitchFamily="18" charset="0"/>
                               </a:rPr>
-                              <m:t>0   , </m:t>
+                              <m:t>0</m:t>
                             </m:r>
                             <m:r>
                               <a:rPr lang="en-US" altLang="zh-TW" sz="1500" b="0" i="1" smtClean="0">
                                 <a:latin typeface="Cambria Math" panose="02040503050406030204" pitchFamily="18" charset="0"/>
                                 <a:cs typeface="Times New Roman" panose="02020603050405020304" pitchFamily="18" charset="0"/>
                               </a:rPr>
-                              <m:t>𝑜𝑡h𝑒𝑟𝑤𝑖𝑠𝑒</m:t>
+                              <m:t>   , </m:t>
+                            </m:r>
+                            <m:r>
+                              <a:rPr lang="en-US" altLang="zh-TW" sz="1500" b="0" i="1" smtClean="0">
+                                <a:latin typeface="Cambria Math" panose="02040503050406030204" pitchFamily="18" charset="0"/>
+                                <a:cs typeface="Times New Roman" panose="02020603050405020304" pitchFamily="18" charset="0"/>
+                              </a:rPr>
+                              <m:t>𝑜𝑡</m:t>
+                            </m:r>
+                            <m:r>
+                              <a:rPr lang="en-US" altLang="zh-TW" sz="1500" b="0" i="1" smtClean="0">
+                                <a:latin typeface="Cambria Math" panose="02040503050406030204" pitchFamily="18" charset="0"/>
+                                <a:cs typeface="Times New Roman" panose="02020603050405020304" pitchFamily="18" charset="0"/>
+                              </a:rPr>
+                              <m:t>h</m:t>
+                            </m:r>
+                            <m:r>
+                              <a:rPr lang="en-US" altLang="zh-TW" sz="1500" b="0" i="1" smtClean="0">
+                                <a:latin typeface="Cambria Math" panose="02040503050406030204" pitchFamily="18" charset="0"/>
+                                <a:cs typeface="Times New Roman" panose="02020603050405020304" pitchFamily="18" charset="0"/>
+                              </a:rPr>
+                              <m:t>𝑒𝑟𝑤𝑖𝑠𝑒</m:t>
                             </m:r>
                           </m:e>
                         </m:eqArr>
@@ -6953,7 +8478,7 @@
             </p:txBody>
           </p:sp>
         </mc:Choice>
-        <mc:Fallback>
+        <mc:Fallback xmlns="">
           <p:sp>
             <p:nvSpPr>
               <p:cNvPr id="4" name="文字方塊 3"/>
@@ -7016,8 +8541,8 @@
           </a:prstGeom>
         </p:spPr>
       </p:pic>
-      <mc:AlternateContent xmlns:mc="http://schemas.openxmlformats.org/markup-compatibility/2006">
-        <mc:Choice xmlns:a14="http://schemas.microsoft.com/office/drawing/2010/main" Requires="a14">
+      <mc:AlternateContent xmlns:mc="http://schemas.openxmlformats.org/markup-compatibility/2006" xmlns:a14="http://schemas.microsoft.com/office/drawing/2010/main">
+        <mc:Choice Requires="a14">
           <p:sp>
             <p:nvSpPr>
               <p:cNvPr id="6" name="文字方塊 5"/>
@@ -7569,7 +9094,7 @@
             </p:txBody>
           </p:sp>
         </mc:Choice>
-        <mc:Fallback>
+        <mc:Fallback xmlns="">
           <p:sp>
             <p:nvSpPr>
               <p:cNvPr id="6" name="文字方塊 5"/>
@@ -7608,8 +9133,8 @@
           </p:sp>
         </mc:Fallback>
       </mc:AlternateContent>
-      <mc:AlternateContent xmlns:mc="http://schemas.openxmlformats.org/markup-compatibility/2006">
-        <mc:Choice xmlns:a14="http://schemas.microsoft.com/office/drawing/2010/main" Requires="a14">
+      <mc:AlternateContent xmlns:mc="http://schemas.openxmlformats.org/markup-compatibility/2006" xmlns:a14="http://schemas.microsoft.com/office/drawing/2010/main">
+        <mc:Choice Requires="a14">
           <p:sp>
             <p:nvSpPr>
               <p:cNvPr id="7" name="文字方塊 6"/>
@@ -7941,7 +9466,7 @@
             </p:txBody>
           </p:sp>
         </mc:Choice>
-        <mc:Fallback>
+        <mc:Fallback xmlns="">
           <p:sp>
             <p:nvSpPr>
               <p:cNvPr id="7" name="文字方塊 6"/>
@@ -7980,8 +9505,8 @@
           </p:sp>
         </mc:Fallback>
       </mc:AlternateContent>
-      <mc:AlternateContent xmlns:mc="http://schemas.openxmlformats.org/markup-compatibility/2006">
-        <mc:Choice xmlns:a14="http://schemas.microsoft.com/office/drawing/2010/main" Requires="a14">
+      <mc:AlternateContent xmlns:mc="http://schemas.openxmlformats.org/markup-compatibility/2006" xmlns:a14="http://schemas.microsoft.com/office/drawing/2010/main">
+        <mc:Choice Requires="a14">
           <p:sp>
             <p:nvSpPr>
               <p:cNvPr id="8" name="文字方塊 7"/>
@@ -8004,6 +9529,7 @@
               </a:bodyPr>
               <a:lstStyle/>
               <a:p>
+                <a:pPr/>
                 <a14:m>
                   <m:oMathPara xmlns:m="http://schemas.openxmlformats.org/officeDocument/2006/math">
                     <m:oMathParaPr>
@@ -8650,7 +10176,7 @@
             </p:txBody>
           </p:sp>
         </mc:Choice>
-        <mc:Fallback>
+        <mc:Fallback xmlns="">
           <p:sp>
             <p:nvSpPr>
               <p:cNvPr id="8" name="文字方塊 7"/>
@@ -8689,8 +10215,8 @@
           </p:sp>
         </mc:Fallback>
       </mc:AlternateContent>
-      <mc:AlternateContent xmlns:mc="http://schemas.openxmlformats.org/markup-compatibility/2006">
-        <mc:Choice xmlns:a14="http://schemas.microsoft.com/office/drawing/2010/main" Requires="a14">
+      <mc:AlternateContent xmlns:mc="http://schemas.openxmlformats.org/markup-compatibility/2006" xmlns:a14="http://schemas.microsoft.com/office/drawing/2010/main">
+        <mc:Choice Requires="a14">
           <p:sp>
             <p:nvSpPr>
               <p:cNvPr id="10" name="文字方塊 9"/>
@@ -8713,6 +10239,7 @@
               </a:bodyPr>
               <a:lstStyle/>
               <a:p>
+                <a:pPr/>
                 <a14:m>
                   <m:oMathPara xmlns:m="http://schemas.openxmlformats.org/officeDocument/2006/math">
                     <m:oMathParaPr>
@@ -8944,7 +10471,7 @@
             </p:txBody>
           </p:sp>
         </mc:Choice>
-        <mc:Fallback>
+        <mc:Fallback xmlns="">
           <p:sp>
             <p:nvSpPr>
               <p:cNvPr id="10" name="文字方塊 9"/>
@@ -9021,8 +10548,8 @@
           </a:p>
         </p:txBody>
       </p:sp>
-      <mc:AlternateContent xmlns:mc="http://schemas.openxmlformats.org/markup-compatibility/2006">
-        <mc:Choice xmlns:a14="http://schemas.microsoft.com/office/drawing/2010/main" Requires="a14">
+      <mc:AlternateContent xmlns:mc="http://schemas.openxmlformats.org/markup-compatibility/2006" xmlns:a14="http://schemas.microsoft.com/office/drawing/2010/main">
+        <mc:Choice Requires="a14">
           <p:sp>
             <p:nvSpPr>
               <p:cNvPr id="12" name="文字方塊 11"/>
@@ -9045,6 +10572,7 @@
               </a:bodyPr>
               <a:lstStyle/>
               <a:p>
+                <a:pPr/>
                 <a14:m>
                   <m:oMathPara xmlns:m="http://schemas.openxmlformats.org/officeDocument/2006/math">
                     <m:oMathParaPr>
@@ -9389,7 +10917,14 @@
                               <a:latin typeface="Cambria Math" panose="02040503050406030204" pitchFamily="18" charset="0"/>
                               <a:cs typeface="Times New Roman" panose="02020603050405020304" pitchFamily="18" charset="0"/>
                             </a:rPr>
-                            <m:t>−1</m:t>
+                            <m:t>−</m:t>
+                          </m:r>
+                          <m:r>
+                            <a:rPr lang="en-US" altLang="zh-TW" sz="1500" b="0" i="1" smtClean="0">
+                              <a:latin typeface="Cambria Math" panose="02040503050406030204" pitchFamily="18" charset="0"/>
+                              <a:cs typeface="Times New Roman" panose="02020603050405020304" pitchFamily="18" charset="0"/>
+                            </a:rPr>
+                            <m:t>1</m:t>
                           </m:r>
                         </m:e>
                       </m:d>
@@ -9426,7 +10961,21 @@
                           <a:latin typeface="Cambria Math" panose="02040503050406030204" pitchFamily="18" charset="0"/>
                           <a:cs typeface="Times New Roman" panose="02020603050405020304" pitchFamily="18" charset="0"/>
                         </a:rPr>
-                        <m:t>+1])</m:t>
+                        <m:t>+</m:t>
+                      </m:r>
+                      <m:r>
+                        <a:rPr lang="en-US" altLang="zh-TW" sz="1500" b="0" i="1" smtClean="0">
+                          <a:latin typeface="Cambria Math" panose="02040503050406030204" pitchFamily="18" charset="0"/>
+                          <a:cs typeface="Times New Roman" panose="02020603050405020304" pitchFamily="18" charset="0"/>
+                        </a:rPr>
+                        <m:t>1</m:t>
+                      </m:r>
+                      <m:r>
+                        <a:rPr lang="en-US" altLang="zh-TW" sz="1500" b="0" i="1" smtClean="0">
+                          <a:latin typeface="Cambria Math" panose="02040503050406030204" pitchFamily="18" charset="0"/>
+                          <a:cs typeface="Times New Roman" panose="02020603050405020304" pitchFamily="18" charset="0"/>
+                        </a:rPr>
+                        <m:t>])</m:t>
                       </m:r>
                     </m:oMath>
                   </m:oMathPara>
@@ -9436,7 +10985,7 @@
             </p:txBody>
           </p:sp>
         </mc:Choice>
-        <mc:Fallback>
+        <mc:Fallback xmlns="">
           <p:sp>
             <p:nvSpPr>
               <p:cNvPr id="12" name="文字方塊 11"/>
@@ -9475,8 +11024,8 @@
           </p:sp>
         </mc:Fallback>
       </mc:AlternateContent>
-      <mc:AlternateContent xmlns:mc="http://schemas.openxmlformats.org/markup-compatibility/2006">
-        <mc:Choice xmlns:a14="http://schemas.microsoft.com/office/drawing/2010/main" Requires="a14">
+      <mc:AlternateContent xmlns:mc="http://schemas.openxmlformats.org/markup-compatibility/2006" xmlns:a14="http://schemas.microsoft.com/office/drawing/2010/main">
+        <mc:Choice Requires="a14">
           <p:sp>
             <p:nvSpPr>
               <p:cNvPr id="13" name="文字方塊 12"/>
@@ -9499,6 +11048,7 @@
               </a:bodyPr>
               <a:lstStyle/>
               <a:p>
+                <a:pPr/>
                 <a14:m>
                   <m:oMathPara xmlns:m="http://schemas.openxmlformats.org/officeDocument/2006/math">
                     <m:oMathParaPr>
@@ -9732,7 +11282,13 @@
                                     <a:rPr lang="en-US" altLang="zh-TW" sz="1500" b="0" i="1" smtClean="0">
                                       <a:latin typeface="Cambria Math" panose="02040503050406030204" pitchFamily="18" charset="0"/>
                                     </a:rPr>
-                                    <m:t>−1</m:t>
+                                    <m:t>−</m:t>
+                                  </m:r>
+                                  <m:r>
+                                    <a:rPr lang="en-US" altLang="zh-TW" sz="1500" b="0" i="1" smtClean="0">
+                                      <a:latin typeface="Cambria Math" panose="02040503050406030204" pitchFamily="18" charset="0"/>
+                                    </a:rPr>
+                                    <m:t>1</m:t>
                                   </m:r>
                                 </m:e>
                               </m:d>
@@ -9769,7 +11325,13 @@
                                     <a:rPr lang="en-US" altLang="zh-TW" sz="1500" b="0" i="1" smtClean="0">
                                       <a:latin typeface="Cambria Math" panose="02040503050406030204" pitchFamily="18" charset="0"/>
                                     </a:rPr>
-                                    <m:t>+1</m:t>
+                                    <m:t>+</m:t>
+                                  </m:r>
+                                  <m:r>
+                                    <a:rPr lang="en-US" altLang="zh-TW" sz="1500" b="0" i="1" smtClean="0">
+                                      <a:latin typeface="Cambria Math" panose="02040503050406030204" pitchFamily="18" charset="0"/>
+                                    </a:rPr>
+                                    <m:t>1</m:t>
                                   </m:r>
                                 </m:e>
                               </m:d>
@@ -9872,7 +11434,13 @@
                             <a:rPr lang="en-US" altLang="zh-TW" sz="1500" b="0" i="1" smtClean="0">
                               <a:latin typeface="Cambria Math" panose="02040503050406030204" pitchFamily="18" charset="0"/>
                             </a:rPr>
-                            <m:t>−1</m:t>
+                            <m:t>−</m:t>
+                          </m:r>
+                          <m:r>
+                            <a:rPr lang="en-US" altLang="zh-TW" sz="1500" b="0" i="1" smtClean="0">
+                              <a:latin typeface="Cambria Math" panose="02040503050406030204" pitchFamily="18" charset="0"/>
+                            </a:rPr>
+                            <m:t>1</m:t>
                           </m:r>
                         </m:sub>
                       </m:sSub>
@@ -9909,7 +11477,13 @@
                             <a:rPr lang="en-US" altLang="zh-TW" sz="1500" b="0" i="1" smtClean="0">
                               <a:latin typeface="Cambria Math" panose="02040503050406030204" pitchFamily="18" charset="0"/>
                             </a:rPr>
-                            <m:t>+1</m:t>
+                            <m:t>+</m:t>
+                          </m:r>
+                          <m:r>
+                            <a:rPr lang="en-US" altLang="zh-TW" sz="1500" b="0" i="1" smtClean="0">
+                              <a:latin typeface="Cambria Math" panose="02040503050406030204" pitchFamily="18" charset="0"/>
+                            </a:rPr>
+                            <m:t>1</m:t>
                           </m:r>
                         </m:sub>
                       </m:sSub>
@@ -9927,7 +11501,7 @@
             </p:txBody>
           </p:sp>
         </mc:Choice>
-        <mc:Fallback>
+        <mc:Fallback xmlns="">
           <p:sp>
             <p:nvSpPr>
               <p:cNvPr id="13" name="文字方塊 12"/>
@@ -10004,8 +11578,8 @@
           </a:p>
         </p:txBody>
       </p:sp>
-      <mc:AlternateContent xmlns:mc="http://schemas.openxmlformats.org/markup-compatibility/2006">
-        <mc:Choice xmlns:a14="http://schemas.microsoft.com/office/drawing/2010/main" Requires="a14">
+      <mc:AlternateContent xmlns:mc="http://schemas.openxmlformats.org/markup-compatibility/2006" xmlns:a14="http://schemas.microsoft.com/office/drawing/2010/main">
+        <mc:Choice Requires="a14">
           <p:sp>
             <p:nvSpPr>
               <p:cNvPr id="15" name="文字方塊 14"/>
@@ -10028,6 +11602,7 @@
               </a:bodyPr>
               <a:lstStyle/>
               <a:p>
+                <a:pPr/>
                 <a14:m>
                   <m:oMathPara xmlns:m="http://schemas.openxmlformats.org/officeDocument/2006/math">
                     <m:oMathParaPr>
@@ -10255,7 +11830,13 @@
                                 <a:rPr lang="en-US" altLang="zh-TW" sz="1500" b="0" i="1" smtClean="0">
                                   <a:latin typeface="Cambria Math" panose="02040503050406030204" pitchFamily="18" charset="0"/>
                                 </a:rPr>
-                                <m:t>−1</m:t>
+                                <m:t>−</m:t>
+                              </m:r>
+                              <m:r>
+                                <a:rPr lang="en-US" altLang="zh-TW" sz="1500" b="0" i="1" smtClean="0">
+                                  <a:latin typeface="Cambria Math" panose="02040503050406030204" pitchFamily="18" charset="0"/>
+                                </a:rPr>
+                                <m:t>1</m:t>
                               </m:r>
                             </m:sub>
                           </m:sSub>
@@ -10304,7 +11885,13 @@
                                 <a:rPr lang="en-US" altLang="zh-TW" sz="1500" b="0" i="1" smtClean="0">
                                   <a:latin typeface="Cambria Math" panose="02040503050406030204" pitchFamily="18" charset="0"/>
                                 </a:rPr>
-                                <m:t>+1</m:t>
+                                <m:t>+</m:t>
+                              </m:r>
+                              <m:r>
+                                <a:rPr lang="en-US" altLang="zh-TW" sz="1500" b="0" i="1" smtClean="0">
+                                  <a:latin typeface="Cambria Math" panose="02040503050406030204" pitchFamily="18" charset="0"/>
+                                </a:rPr>
+                                <m:t>1</m:t>
                               </m:r>
                             </m:sub>
                           </m:sSub>
@@ -10324,7 +11911,7 @@
             </p:txBody>
           </p:sp>
         </mc:Choice>
-        <mc:Fallback>
+        <mc:Fallback xmlns="">
           <p:sp>
             <p:nvSpPr>
               <p:cNvPr id="15" name="文字方塊 14"/>
@@ -10363,6 +11950,493 @@
           </p:sp>
         </mc:Fallback>
       </mc:AlternateContent>
+      <p:cxnSp>
+        <p:nvCxnSpPr>
+          <p:cNvPr id="3" name="直線接點 2"/>
+          <p:cNvCxnSpPr/>
+          <p:nvPr/>
+        </p:nvCxnSpPr>
+        <p:spPr>
+          <a:xfrm>
+            <a:off x="0" y="3952233"/>
+            <a:ext cx="12192000" cy="0"/>
+          </a:xfrm>
+          <a:prstGeom prst="line">
+            <a:avLst/>
+          </a:prstGeom>
+        </p:spPr>
+        <p:style>
+          <a:lnRef idx="1">
+            <a:schemeClr val="accent1"/>
+          </a:lnRef>
+          <a:fillRef idx="0">
+            <a:schemeClr val="accent1"/>
+          </a:fillRef>
+          <a:effectRef idx="0">
+            <a:schemeClr val="accent1"/>
+          </a:effectRef>
+          <a:fontRef idx="minor">
+            <a:schemeClr val="tx1"/>
+          </a:fontRef>
+        </p:style>
+      </p:cxnSp>
+      <p:sp>
+        <p:nvSpPr>
+          <p:cNvPr id="17" name="文字方塊 16"/>
+          <p:cNvSpPr txBox="1"/>
+          <p:nvPr/>
+        </p:nvSpPr>
+        <p:spPr>
+          <a:xfrm>
+            <a:off x="25671" y="4013525"/>
+            <a:ext cx="4206073" cy="323165"/>
+          </a:xfrm>
+          <a:prstGeom prst="rect">
+            <a:avLst/>
+          </a:prstGeom>
+          <a:noFill/>
+        </p:spPr>
+        <p:txBody>
+          <a:bodyPr wrap="square" rtlCol="0">
+            <a:spAutoFit/>
+          </a:bodyPr>
+          <a:lstStyle/>
+          <a:p>
+            <a:pPr marL="285750" indent="-285750" algn="just">
+              <a:buFont typeface="Wingdings" panose="05000000000000000000" pitchFamily="2" charset="2"/>
+              <a:buChar char="p"/>
+            </a:pPr>
+            <a:r>
+              <a:rPr lang="en-US" altLang="zh-TW" sz="1500" dirty="0" smtClean="0">
+                <a:latin typeface="Times New Roman" panose="02020603050405020304" pitchFamily="18" charset="0"/>
+                <a:cs typeface="Times New Roman" panose="02020603050405020304" pitchFamily="18" charset="0"/>
+              </a:rPr>
+              <a:t>Please explain why we use multicarrier system ?</a:t>
+            </a:r>
+            <a:endParaRPr lang="zh-TW" altLang="en-US" sz="1500" dirty="0">
+              <a:latin typeface="Times New Roman" panose="02020603050405020304" pitchFamily="18" charset="0"/>
+              <a:cs typeface="Times New Roman" panose="02020603050405020304" pitchFamily="18" charset="0"/>
+            </a:endParaRPr>
+          </a:p>
+        </p:txBody>
+      </p:sp>
+      <p:sp>
+        <p:nvSpPr>
+          <p:cNvPr id="18" name="文字方塊 17"/>
+          <p:cNvSpPr txBox="1"/>
+          <p:nvPr/>
+        </p:nvSpPr>
+        <p:spPr>
+          <a:xfrm>
+            <a:off x="-55913" y="4250006"/>
+            <a:ext cx="569387" cy="307777"/>
+          </a:xfrm>
+          <a:prstGeom prst="rect">
+            <a:avLst/>
+          </a:prstGeom>
+          <a:noFill/>
+        </p:spPr>
+        <p:txBody>
+          <a:bodyPr wrap="none" rtlCol="0">
+            <a:spAutoFit/>
+          </a:bodyPr>
+          <a:lstStyle/>
+          <a:p>
+            <a:r>
+              <a:rPr lang="en-US" altLang="zh-TW" sz="1400" dirty="0" smtClean="0">
+                <a:solidFill>
+                  <a:srgbClr val="FF0000"/>
+                </a:solidFill>
+              </a:rPr>
+              <a:t>(SOL)</a:t>
+            </a:r>
+            <a:endParaRPr lang="zh-TW" altLang="en-US" sz="1400" dirty="0">
+              <a:solidFill>
+                <a:srgbClr val="FF0000"/>
+              </a:solidFill>
+            </a:endParaRPr>
+          </a:p>
+        </p:txBody>
+      </p:sp>
+      <p:sp>
+        <p:nvSpPr>
+          <p:cNvPr id="19" name="文字方塊 18"/>
+          <p:cNvSpPr txBox="1"/>
+          <p:nvPr/>
+        </p:nvSpPr>
+        <p:spPr>
+          <a:xfrm>
+            <a:off x="179228" y="4482811"/>
+            <a:ext cx="4386763" cy="1246495"/>
+          </a:xfrm>
+          <a:prstGeom prst="rect">
+            <a:avLst/>
+          </a:prstGeom>
+          <a:noFill/>
+        </p:spPr>
+        <p:txBody>
+          <a:bodyPr wrap="square" rtlCol="0">
+            <a:spAutoFit/>
+          </a:bodyPr>
+          <a:lstStyle/>
+          <a:p>
+            <a:pPr algn="just"/>
+            <a:r>
+              <a:rPr lang="en-US" altLang="zh-TW" sz="1500" u="sng" dirty="0" smtClean="0"/>
+              <a:t>Advantage : </a:t>
+            </a:r>
+          </a:p>
+          <a:p>
+            <a:pPr marL="342900" indent="-342900" algn="just">
+              <a:buAutoNum type="arabicPeriod"/>
+            </a:pPr>
+            <a:r>
+              <a:rPr lang="zh-TW" altLang="en-US" sz="1500" dirty="0" smtClean="0"/>
+              <a:t>可減輕 </a:t>
+            </a:r>
+            <a:r>
+              <a:rPr lang="en-US" altLang="zh-TW" sz="1500" dirty="0" smtClean="0"/>
+              <a:t>multipath fading</a:t>
+            </a:r>
+          </a:p>
+          <a:p>
+            <a:pPr marL="342900" indent="-342900" algn="just">
+              <a:buAutoNum type="arabicPeriod"/>
+            </a:pPr>
+            <a:r>
+              <a:rPr lang="zh-TW" altLang="en-US" sz="1500" dirty="0" smtClean="0"/>
+              <a:t>強化對 </a:t>
+            </a:r>
+            <a:r>
+              <a:rPr lang="en-US" altLang="zh-TW" sz="1500" dirty="0" smtClean="0"/>
+              <a:t>ISI</a:t>
+            </a:r>
+            <a:r>
+              <a:rPr lang="zh-TW" altLang="en-US" sz="1500" dirty="0" smtClean="0"/>
+              <a:t> 的抵抗性</a:t>
+            </a:r>
+            <a:endParaRPr lang="en-US" altLang="zh-TW" sz="1500" dirty="0"/>
+          </a:p>
+          <a:p>
+            <a:pPr marL="342900" indent="-342900" algn="just">
+              <a:buAutoNum type="arabicPeriod"/>
+            </a:pPr>
+            <a:r>
+              <a:rPr lang="zh-TW" altLang="en-US" sz="1500" dirty="0" smtClean="0"/>
+              <a:t>可讓每個 </a:t>
+            </a:r>
+            <a:r>
+              <a:rPr lang="en-US" altLang="zh-TW" sz="1500" dirty="0" smtClean="0"/>
+              <a:t>subcarrier </a:t>
+            </a:r>
+            <a:r>
+              <a:rPr lang="zh-TW" altLang="en-US" sz="1500" dirty="0" smtClean="0"/>
+              <a:t>的 </a:t>
+            </a:r>
+            <a:r>
+              <a:rPr lang="en-US" altLang="zh-TW" sz="1500" dirty="0" smtClean="0"/>
+              <a:t>equalizer </a:t>
+            </a:r>
+            <a:r>
+              <a:rPr lang="zh-TW" altLang="en-US" sz="1500" dirty="0" smtClean="0"/>
+              <a:t>簡化</a:t>
+            </a:r>
+            <a:endParaRPr lang="en-US" altLang="zh-TW" sz="1500" dirty="0"/>
+          </a:p>
+          <a:p>
+            <a:pPr marL="342900" indent="-342900" algn="just">
+              <a:buAutoNum type="arabicPeriod"/>
+            </a:pPr>
+            <a:r>
+              <a:rPr lang="zh-TW" altLang="en-US" sz="1500" dirty="0" smtClean="0"/>
+              <a:t>對由 </a:t>
+            </a:r>
+            <a:r>
+              <a:rPr lang="en-US" altLang="zh-TW" sz="1500" dirty="0" smtClean="0"/>
+              <a:t>impulse noise </a:t>
+            </a:r>
+            <a:r>
+              <a:rPr lang="zh-TW" altLang="en-US" sz="1500" dirty="0" smtClean="0"/>
+              <a:t>引起的干擾的敏感度較低。</a:t>
+            </a:r>
+            <a:endParaRPr lang="zh-TW" altLang="en-US" sz="1500" dirty="0"/>
+          </a:p>
+        </p:txBody>
+      </p:sp>
+      <p:sp>
+        <p:nvSpPr>
+          <p:cNvPr id="20" name="文字方塊 19"/>
+          <p:cNvSpPr txBox="1"/>
+          <p:nvPr/>
+        </p:nvSpPr>
+        <p:spPr>
+          <a:xfrm>
+            <a:off x="4624740" y="4013525"/>
+            <a:ext cx="7506300" cy="553998"/>
+          </a:xfrm>
+          <a:prstGeom prst="rect">
+            <a:avLst/>
+          </a:prstGeom>
+          <a:noFill/>
+        </p:spPr>
+        <p:txBody>
+          <a:bodyPr wrap="square" rtlCol="0">
+            <a:spAutoFit/>
+          </a:bodyPr>
+          <a:lstStyle/>
+          <a:p>
+            <a:pPr marL="285750" indent="-285750" algn="just">
+              <a:buFont typeface="Wingdings" panose="05000000000000000000" pitchFamily="2" charset="2"/>
+              <a:buChar char="p"/>
+            </a:pPr>
+            <a:r>
+              <a:rPr lang="en-US" altLang="zh-TW" sz="1500" dirty="0" smtClean="0">
+                <a:latin typeface="Times New Roman" panose="02020603050405020304" pitchFamily="18" charset="0"/>
+                <a:cs typeface="Times New Roman" panose="02020603050405020304" pitchFamily="18" charset="0"/>
+              </a:rPr>
+              <a:t>Explain what water-filling algorithm is and why we use this algorithm. Try to draw a picture and explain it.</a:t>
+            </a:r>
+            <a:endParaRPr lang="zh-TW" altLang="en-US" sz="1500" dirty="0">
+              <a:latin typeface="Times New Roman" panose="02020603050405020304" pitchFamily="18" charset="0"/>
+              <a:cs typeface="Times New Roman" panose="02020603050405020304" pitchFamily="18" charset="0"/>
+            </a:endParaRPr>
+          </a:p>
+        </p:txBody>
+      </p:sp>
+      <p:cxnSp>
+        <p:nvCxnSpPr>
+          <p:cNvPr id="21" name="直線接點 20"/>
+          <p:cNvCxnSpPr/>
+          <p:nvPr/>
+        </p:nvCxnSpPr>
+        <p:spPr>
+          <a:xfrm>
+            <a:off x="4450080" y="3952233"/>
+            <a:ext cx="34834" cy="2905767"/>
+          </a:xfrm>
+          <a:prstGeom prst="line">
+            <a:avLst/>
+          </a:prstGeom>
+        </p:spPr>
+        <p:style>
+          <a:lnRef idx="1">
+            <a:schemeClr val="accent1"/>
+          </a:lnRef>
+          <a:fillRef idx="0">
+            <a:schemeClr val="accent1"/>
+          </a:fillRef>
+          <a:effectRef idx="0">
+            <a:schemeClr val="accent1"/>
+          </a:effectRef>
+          <a:fontRef idx="minor">
+            <a:schemeClr val="tx1"/>
+          </a:fontRef>
+        </p:style>
+      </p:cxnSp>
+      <p:sp>
+        <p:nvSpPr>
+          <p:cNvPr id="22" name="文字方塊 21"/>
+          <p:cNvSpPr txBox="1"/>
+          <p:nvPr/>
+        </p:nvSpPr>
+        <p:spPr>
+          <a:xfrm>
+            <a:off x="4859714" y="4729789"/>
+            <a:ext cx="3561806" cy="1477328"/>
+          </a:xfrm>
+          <a:prstGeom prst="rect">
+            <a:avLst/>
+          </a:prstGeom>
+          <a:noFill/>
+        </p:spPr>
+        <p:txBody>
+          <a:bodyPr wrap="square" rtlCol="0">
+            <a:spAutoFit/>
+          </a:bodyPr>
+          <a:lstStyle/>
+          <a:p>
+            <a:pPr algn="just"/>
+            <a:r>
+              <a:rPr lang="zh-TW" altLang="en-US" sz="1500" dirty="0" smtClean="0">
+                <a:latin typeface="Times New Roman" panose="02020603050405020304" pitchFamily="18" charset="0"/>
+                <a:cs typeface="Times New Roman" panose="02020603050405020304" pitchFamily="18" charset="0"/>
+              </a:rPr>
+              <a:t>紅色區域是要分配給每個 </a:t>
+            </a:r>
+            <a:r>
+              <a:rPr lang="en-US" altLang="zh-TW" sz="1500" dirty="0" err="1" smtClean="0">
+                <a:latin typeface="Times New Roman" panose="02020603050405020304" pitchFamily="18" charset="0"/>
+                <a:cs typeface="Times New Roman" panose="02020603050405020304" pitchFamily="18" charset="0"/>
+              </a:rPr>
+              <a:t>subchannel</a:t>
+            </a:r>
+            <a:r>
+              <a:rPr lang="en-US" altLang="zh-TW" sz="1500" dirty="0" smtClean="0">
+                <a:latin typeface="Times New Roman" panose="02020603050405020304" pitchFamily="18" charset="0"/>
+                <a:cs typeface="Times New Roman" panose="02020603050405020304" pitchFamily="18" charset="0"/>
+              </a:rPr>
+              <a:t> </a:t>
+            </a:r>
+            <a:r>
+              <a:rPr lang="zh-TW" altLang="en-US" sz="1500" dirty="0" smtClean="0">
+                <a:latin typeface="Times New Roman" panose="02020603050405020304" pitchFamily="18" charset="0"/>
+                <a:cs typeface="Times New Roman" panose="02020603050405020304" pitchFamily="18" charset="0"/>
+              </a:rPr>
+              <a:t>的功率，</a:t>
+            </a:r>
+            <a:r>
+              <a:rPr lang="en-US" altLang="zh-TW" sz="1500" dirty="0" smtClean="0">
+                <a:latin typeface="Times New Roman" panose="02020603050405020304" pitchFamily="18" charset="0"/>
+                <a:cs typeface="Times New Roman" panose="02020603050405020304" pitchFamily="18" charset="0"/>
+              </a:rPr>
+              <a:t>y</a:t>
+            </a:r>
+            <a:r>
+              <a:rPr lang="zh-TW" altLang="en-US" sz="1500" dirty="0" smtClean="0">
+                <a:latin typeface="Times New Roman" panose="02020603050405020304" pitchFamily="18" charset="0"/>
+                <a:cs typeface="Times New Roman" panose="02020603050405020304" pitchFamily="18" charset="0"/>
+              </a:rPr>
+              <a:t> 軸為 </a:t>
+            </a:r>
+            <a:r>
+              <a:rPr lang="en-US" altLang="zh-TW" sz="1500" dirty="0" smtClean="0">
+                <a:latin typeface="Times New Roman" panose="02020603050405020304" pitchFamily="18" charset="0"/>
+                <a:cs typeface="Times New Roman" panose="02020603050405020304" pitchFamily="18" charset="0"/>
+              </a:rPr>
+              <a:t>channel quality </a:t>
+            </a:r>
+            <a:r>
+              <a:rPr lang="zh-TW" altLang="en-US" sz="1500" dirty="0" smtClean="0">
+                <a:latin typeface="Times New Roman" panose="02020603050405020304" pitchFamily="18" charset="0"/>
+                <a:cs typeface="Times New Roman" panose="02020603050405020304" pitchFamily="18" charset="0"/>
+              </a:rPr>
+              <a:t>的倒數。因此 </a:t>
+            </a:r>
+            <a:r>
+              <a:rPr lang="en-US" altLang="zh-TW" sz="1500" dirty="0" smtClean="0">
+                <a:latin typeface="Times New Roman" panose="02020603050405020304" pitchFamily="18" charset="0"/>
+                <a:cs typeface="Times New Roman" panose="02020603050405020304" pitchFamily="18" charset="0"/>
+              </a:rPr>
+              <a:t>water-filling </a:t>
+            </a:r>
+            <a:r>
+              <a:rPr lang="zh-TW" altLang="en-US" sz="1500" dirty="0" smtClean="0">
+                <a:latin typeface="Times New Roman" panose="02020603050405020304" pitchFamily="18" charset="0"/>
+                <a:cs typeface="Times New Roman" panose="02020603050405020304" pitchFamily="18" charset="0"/>
+              </a:rPr>
+              <a:t>的概念為給越好的 </a:t>
+            </a:r>
+            <a:r>
+              <a:rPr lang="en-US" altLang="zh-TW" sz="1500" dirty="0" smtClean="0">
+                <a:latin typeface="Times New Roman" panose="02020603050405020304" pitchFamily="18" charset="0"/>
+                <a:cs typeface="Times New Roman" panose="02020603050405020304" pitchFamily="18" charset="0"/>
+              </a:rPr>
+              <a:t>channel </a:t>
+            </a:r>
+            <a:r>
+              <a:rPr lang="zh-TW" altLang="en-US" sz="1500" dirty="0" smtClean="0">
+                <a:latin typeface="Times New Roman" panose="02020603050405020304" pitchFamily="18" charset="0"/>
+                <a:cs typeface="Times New Roman" panose="02020603050405020304" pitchFamily="18" charset="0"/>
+              </a:rPr>
+              <a:t>分配越多的功率，給越差的 </a:t>
+            </a:r>
+            <a:r>
+              <a:rPr lang="en-US" altLang="zh-TW" sz="1500" dirty="0" smtClean="0">
+                <a:latin typeface="Times New Roman" panose="02020603050405020304" pitchFamily="18" charset="0"/>
+                <a:cs typeface="Times New Roman" panose="02020603050405020304" pitchFamily="18" charset="0"/>
+              </a:rPr>
+              <a:t>channel</a:t>
+            </a:r>
+            <a:r>
+              <a:rPr lang="zh-TW" altLang="en-US" sz="1500" dirty="0" smtClean="0">
+                <a:latin typeface="Times New Roman" panose="02020603050405020304" pitchFamily="18" charset="0"/>
+                <a:cs typeface="Times New Roman" panose="02020603050405020304" pitchFamily="18" charset="0"/>
+              </a:rPr>
+              <a:t> 分配越少的功率，以獲得最大的 </a:t>
+            </a:r>
+            <a:r>
+              <a:rPr lang="en-US" altLang="zh-TW" sz="1500" dirty="0" smtClean="0">
+                <a:latin typeface="Times New Roman" panose="02020603050405020304" pitchFamily="18" charset="0"/>
+                <a:cs typeface="Times New Roman" panose="02020603050405020304" pitchFamily="18" charset="0"/>
+              </a:rPr>
+              <a:t>total capacity</a:t>
+            </a:r>
+            <a:r>
+              <a:rPr lang="zh-TW" altLang="en-US" sz="1500" dirty="0" smtClean="0">
+                <a:latin typeface="Times New Roman" panose="02020603050405020304" pitchFamily="18" charset="0"/>
+                <a:cs typeface="Times New Roman" panose="02020603050405020304" pitchFamily="18" charset="0"/>
+              </a:rPr>
+              <a:t>。</a:t>
+            </a:r>
+            <a:endParaRPr lang="zh-TW" altLang="en-US" sz="1500" dirty="0">
+              <a:latin typeface="Times New Roman" panose="02020603050405020304" pitchFamily="18" charset="0"/>
+              <a:cs typeface="Times New Roman" panose="02020603050405020304" pitchFamily="18" charset="0"/>
+            </a:endParaRPr>
+          </a:p>
+        </p:txBody>
+      </p:sp>
+      <p:pic>
+        <p:nvPicPr>
+          <p:cNvPr id="23" name="圖片 22"/>
+          <p:cNvPicPr>
+            <a:picLocks noChangeAspect="1"/>
+          </p:cNvPicPr>
+          <p:nvPr/>
+        </p:nvPicPr>
+        <p:blipFill>
+          <a:blip r:embed="rId11"/>
+          <a:stretch>
+            <a:fillRect/>
+          </a:stretch>
+        </p:blipFill>
+        <p:spPr>
+          <a:xfrm>
+            <a:off x="8480269" y="4530808"/>
+            <a:ext cx="3630708" cy="2148665"/>
+          </a:xfrm>
+          <a:prstGeom prst="rect">
+            <a:avLst/>
+          </a:prstGeom>
+        </p:spPr>
+      </p:pic>
+      <p:sp>
+        <p:nvSpPr>
+          <p:cNvPr id="24" name="文字方塊 23"/>
+          <p:cNvSpPr txBox="1"/>
+          <p:nvPr/>
+        </p:nvSpPr>
+        <p:spPr>
+          <a:xfrm>
+            <a:off x="4467497" y="4530808"/>
+            <a:ext cx="569387" cy="307777"/>
+          </a:xfrm>
+          <a:prstGeom prst="rect">
+            <a:avLst/>
+          </a:prstGeom>
+          <a:noFill/>
+        </p:spPr>
+        <p:txBody>
+          <a:bodyPr wrap="none" rtlCol="0">
+            <a:spAutoFit/>
+          </a:bodyPr>
+          <a:lstStyle/>
+          <a:p>
+            <a:r>
+              <a:rPr lang="en-US" altLang="zh-TW" sz="1400" dirty="0" smtClean="0">
+                <a:solidFill>
+                  <a:srgbClr val="FF0000"/>
+                </a:solidFill>
+              </a:rPr>
+              <a:t>(SOL)</a:t>
+            </a:r>
+            <a:endParaRPr lang="zh-TW" altLang="en-US" sz="1400" dirty="0">
+              <a:solidFill>
+                <a:srgbClr val="FF0000"/>
+              </a:solidFill>
+            </a:endParaRPr>
+          </a:p>
+        </p:txBody>
+      </p:sp>
     </p:spTree>
     <p:extLst>
       <p:ext uri="{BB962C8B-B14F-4D97-AF65-F5344CB8AC3E}">
@@ -10417,8 +12491,8 @@
           </a:prstGeom>
         </p:spPr>
       </p:pic>
-      <mc:AlternateContent xmlns:mc="http://schemas.openxmlformats.org/markup-compatibility/2006">
-        <mc:Choice xmlns:a14="http://schemas.microsoft.com/office/drawing/2010/main" Requires="a14">
+      <mc:AlternateContent xmlns:mc="http://schemas.openxmlformats.org/markup-compatibility/2006" xmlns:a14="http://schemas.microsoft.com/office/drawing/2010/main">
+        <mc:Choice Requires="a14">
           <p:sp>
             <p:nvSpPr>
               <p:cNvPr id="4" name="文字方塊 3"/>
@@ -10809,7 +12883,7 @@
             </p:txBody>
           </p:sp>
         </mc:Choice>
-        <mc:Fallback>
+        <mc:Fallback xmlns="">
           <p:sp>
             <p:nvSpPr>
               <p:cNvPr id="4" name="文字方塊 3"/>
@@ -10886,8 +12960,8 @@
           </a:p>
         </p:txBody>
       </p:sp>
-      <mc:AlternateContent xmlns:mc="http://schemas.openxmlformats.org/markup-compatibility/2006">
-        <mc:Choice xmlns:a14="http://schemas.microsoft.com/office/drawing/2010/main" Requires="a14">
+      <mc:AlternateContent xmlns:mc="http://schemas.openxmlformats.org/markup-compatibility/2006" xmlns:a14="http://schemas.microsoft.com/office/drawing/2010/main">
+        <mc:Choice Requires="a14">
           <p:sp>
             <p:nvSpPr>
               <p:cNvPr id="7" name="文字方塊 6"/>
@@ -10910,6 +12984,7 @@
               </a:bodyPr>
               <a:lstStyle/>
               <a:p>
+                <a:pPr/>
                 <a14:m>
                   <m:oMathPara xmlns:m="http://schemas.openxmlformats.org/officeDocument/2006/math">
                     <m:oMathParaPr>
@@ -11502,7 +13577,7 @@
             </p:txBody>
           </p:sp>
         </mc:Choice>
-        <mc:Fallback>
+        <mc:Fallback xmlns="">
           <p:sp>
             <p:nvSpPr>
               <p:cNvPr id="7" name="文字方塊 6"/>
@@ -11603,8 +13678,8 @@
           </a:p>
         </p:txBody>
       </p:sp>
-      <mc:AlternateContent xmlns:mc="http://schemas.openxmlformats.org/markup-compatibility/2006">
-        <mc:Choice xmlns:a14="http://schemas.microsoft.com/office/drawing/2010/main" Requires="a14">
+      <mc:AlternateContent xmlns:mc="http://schemas.openxmlformats.org/markup-compatibility/2006" xmlns:a14="http://schemas.microsoft.com/office/drawing/2010/main">
+        <mc:Choice Requires="a14">
           <p:sp>
             <p:nvSpPr>
               <p:cNvPr id="10" name="文字方塊 9"/>
@@ -11627,6 +13702,7 @@
               </a:bodyPr>
               <a:lstStyle/>
               <a:p>
+                <a:pPr/>
                 <a14:m>
                   <m:oMathPara xmlns:m="http://schemas.openxmlformats.org/officeDocument/2006/math">
                     <m:oMathParaPr>
@@ -12060,7 +14136,7 @@
             </p:txBody>
           </p:sp>
         </mc:Choice>
-        <mc:Fallback>
+        <mc:Fallback xmlns="">
           <p:sp>
             <p:nvSpPr>
               <p:cNvPr id="10" name="文字方塊 9"/>
@@ -12099,10 +14175,4164 @@
           </p:sp>
         </mc:Fallback>
       </mc:AlternateContent>
+      <p:grpSp>
+        <p:nvGrpSpPr>
+          <p:cNvPr id="6" name="群組 5"/>
+          <p:cNvGrpSpPr/>
+          <p:nvPr/>
+        </p:nvGrpSpPr>
+        <p:grpSpPr>
+          <a:xfrm>
+            <a:off x="78377" y="2887430"/>
+            <a:ext cx="8351521" cy="2453957"/>
+            <a:chOff x="78377" y="2917657"/>
+            <a:chExt cx="8351521" cy="2453957"/>
+          </a:xfrm>
+        </p:grpSpPr>
+        <p:grpSp>
+          <p:nvGrpSpPr>
+            <p:cNvPr id="12" name="群組 11"/>
+            <p:cNvGrpSpPr/>
+            <p:nvPr/>
+          </p:nvGrpSpPr>
+          <p:grpSpPr>
+            <a:xfrm>
+              <a:off x="78378" y="2917657"/>
+              <a:ext cx="8351520" cy="1602377"/>
+              <a:chOff x="390525" y="2547937"/>
+              <a:chExt cx="11410950" cy="2232787"/>
+            </a:xfrm>
+          </p:grpSpPr>
+          <p:pic>
+            <p:nvPicPr>
+              <p:cNvPr id="13" name="圖片 12"/>
+              <p:cNvPicPr>
+                <a:picLocks noChangeAspect="1"/>
+              </p:cNvPicPr>
+              <p:nvPr/>
+            </p:nvPicPr>
+            <p:blipFill>
+              <a:blip r:embed="rId7"/>
+              <a:stretch>
+                <a:fillRect/>
+              </a:stretch>
+            </p:blipFill>
+            <p:spPr>
+              <a:xfrm>
+                <a:off x="390525" y="2547937"/>
+                <a:ext cx="11410950" cy="1762125"/>
+              </a:xfrm>
+              <a:prstGeom prst="rect">
+                <a:avLst/>
+              </a:prstGeom>
+            </p:spPr>
+          </p:pic>
+          <p:pic>
+            <p:nvPicPr>
+              <p:cNvPr id="14" name="圖片 13"/>
+              <p:cNvPicPr>
+                <a:picLocks noChangeAspect="1"/>
+              </p:cNvPicPr>
+              <p:nvPr/>
+            </p:nvPicPr>
+            <p:blipFill>
+              <a:blip r:embed="rId8"/>
+              <a:stretch>
+                <a:fillRect/>
+              </a:stretch>
+            </p:blipFill>
+            <p:spPr>
+              <a:xfrm>
+                <a:off x="390525" y="4310062"/>
+                <a:ext cx="9450160" cy="470662"/>
+              </a:xfrm>
+              <a:prstGeom prst="rect">
+                <a:avLst/>
+              </a:prstGeom>
+            </p:spPr>
+          </p:pic>
+        </p:grpSp>
+        <p:pic>
+          <p:nvPicPr>
+            <p:cNvPr id="15" name="圖片 14"/>
+            <p:cNvPicPr>
+              <a:picLocks noChangeAspect="1"/>
+            </p:cNvPicPr>
+            <p:nvPr/>
+          </p:nvPicPr>
+          <p:blipFill>
+            <a:blip r:embed="rId9"/>
+            <a:stretch>
+              <a:fillRect/>
+            </a:stretch>
+          </p:blipFill>
+          <p:spPr>
+            <a:xfrm>
+              <a:off x="78377" y="4520034"/>
+              <a:ext cx="7299589" cy="513806"/>
+            </a:xfrm>
+            <a:prstGeom prst="rect">
+              <a:avLst/>
+            </a:prstGeom>
+          </p:spPr>
+        </p:pic>
+        <p:pic>
+          <p:nvPicPr>
+            <p:cNvPr id="16" name="圖片 15"/>
+            <p:cNvPicPr>
+              <a:picLocks noChangeAspect="1"/>
+            </p:cNvPicPr>
+            <p:nvPr/>
+          </p:nvPicPr>
+          <p:blipFill>
+            <a:blip r:embed="rId10"/>
+            <a:stretch>
+              <a:fillRect/>
+            </a:stretch>
+          </p:blipFill>
+          <p:spPr>
+            <a:xfrm>
+              <a:off x="78377" y="5098864"/>
+              <a:ext cx="7059794" cy="272750"/>
+            </a:xfrm>
+            <a:prstGeom prst="rect">
+              <a:avLst/>
+            </a:prstGeom>
+          </p:spPr>
+        </p:pic>
+      </p:grpSp>
+      <p:cxnSp>
+        <p:nvCxnSpPr>
+          <p:cNvPr id="3" name="直線接點 2"/>
+          <p:cNvCxnSpPr/>
+          <p:nvPr/>
+        </p:nvCxnSpPr>
+        <p:spPr>
+          <a:xfrm>
+            <a:off x="0" y="2813154"/>
+            <a:ext cx="12192000" cy="0"/>
+          </a:xfrm>
+          <a:prstGeom prst="line">
+            <a:avLst/>
+          </a:prstGeom>
+        </p:spPr>
+        <p:style>
+          <a:lnRef idx="1">
+            <a:schemeClr val="accent1"/>
+          </a:lnRef>
+          <a:fillRef idx="0">
+            <a:schemeClr val="accent1"/>
+          </a:fillRef>
+          <a:effectRef idx="0">
+            <a:schemeClr val="accent1"/>
+          </a:effectRef>
+          <a:fontRef idx="minor">
+            <a:schemeClr val="tx1"/>
+          </a:fontRef>
+        </p:style>
+      </p:cxnSp>
+      <p:pic>
+        <p:nvPicPr>
+          <p:cNvPr id="17" name="圖片 16"/>
+          <p:cNvPicPr>
+            <a:picLocks noChangeAspect="1"/>
+          </p:cNvPicPr>
+          <p:nvPr/>
+        </p:nvPicPr>
+        <p:blipFill>
+          <a:blip r:embed="rId11"/>
+          <a:stretch>
+            <a:fillRect/>
+          </a:stretch>
+        </p:blipFill>
+        <p:spPr>
+          <a:xfrm>
+            <a:off x="436338" y="5559877"/>
+            <a:ext cx="4147593" cy="391899"/>
+          </a:xfrm>
+          <a:prstGeom prst="rect">
+            <a:avLst/>
+          </a:prstGeom>
+        </p:spPr>
+      </p:pic>
+      <p:pic>
+        <p:nvPicPr>
+          <p:cNvPr id="18" name="圖片 17"/>
+          <p:cNvPicPr>
+            <a:picLocks noChangeAspect="1"/>
+          </p:cNvPicPr>
+          <p:nvPr/>
+        </p:nvPicPr>
+        <p:blipFill>
+          <a:blip r:embed="rId12"/>
+          <a:stretch>
+            <a:fillRect/>
+          </a:stretch>
+        </p:blipFill>
+        <p:spPr>
+          <a:xfrm>
+            <a:off x="4993679" y="5406411"/>
+            <a:ext cx="1740835" cy="698830"/>
+          </a:xfrm>
+          <a:prstGeom prst="rect">
+            <a:avLst/>
+          </a:prstGeom>
+        </p:spPr>
+      </p:pic>
+      <mc:AlternateContent xmlns:mc="http://schemas.openxmlformats.org/markup-compatibility/2006">
+        <mc:Choice xmlns:a14="http://schemas.microsoft.com/office/drawing/2010/main" Requires="a14">
+          <p:sp>
+            <p:nvSpPr>
+              <p:cNvPr id="19" name="文字方塊 18"/>
+              <p:cNvSpPr txBox="1"/>
+              <p:nvPr/>
+            </p:nvSpPr>
+            <p:spPr>
+              <a:xfrm>
+                <a:off x="4525839" y="5615381"/>
+                <a:ext cx="431528" cy="369332"/>
+              </a:xfrm>
+              <a:prstGeom prst="rect">
+                <a:avLst/>
+              </a:prstGeom>
+              <a:noFill/>
+            </p:spPr>
+            <p:txBody>
+              <a:bodyPr wrap="none" rtlCol="0">
+                <a:spAutoFit/>
+              </a:bodyPr>
+              <a:lstStyle/>
+              <a:p>
+                <a14:m>
+                  <m:oMathPara xmlns:m="http://schemas.openxmlformats.org/officeDocument/2006/math">
+                    <m:oMathParaPr>
+                      <m:jc m:val="centerGroup"/>
+                    </m:oMathParaPr>
+                    <m:oMath xmlns:m="http://schemas.openxmlformats.org/officeDocument/2006/math">
+                      <m:r>
+                        <a:rPr lang="en-US" altLang="zh-TW" b="0" i="1" smtClean="0">
+                          <a:latin typeface="Cambria Math" panose="02040503050406030204" pitchFamily="18" charset="0"/>
+                        </a:rPr>
+                        <m:t>→</m:t>
+                      </m:r>
+                    </m:oMath>
+                  </m:oMathPara>
+                </a14:m>
+                <a:endParaRPr lang="zh-TW" altLang="en-US" dirty="0"/>
+              </a:p>
+            </p:txBody>
+          </p:sp>
+        </mc:Choice>
+        <mc:Fallback>
+          <p:sp>
+            <p:nvSpPr>
+              <p:cNvPr id="19" name="文字方塊 18"/>
+              <p:cNvSpPr txBox="1">
+                <a:spLocks noRot="1" noChangeAspect="1" noMove="1" noResize="1" noEditPoints="1" noAdjustHandles="1" noChangeArrowheads="1" noChangeShapeType="1" noTextEdit="1"/>
+              </p:cNvSpPr>
+              <p:nvPr/>
+            </p:nvSpPr>
+            <p:spPr>
+              <a:xfrm>
+                <a:off x="4525839" y="5615381"/>
+                <a:ext cx="431528" cy="369332"/>
+              </a:xfrm>
+              <a:prstGeom prst="rect">
+                <a:avLst/>
+              </a:prstGeom>
+              <a:blipFill>
+                <a:blip r:embed="rId13"/>
+                <a:stretch>
+                  <a:fillRect/>
+                </a:stretch>
+              </a:blipFill>
+            </p:spPr>
+            <p:txBody>
+              <a:bodyPr/>
+              <a:lstStyle/>
+              <a:p>
+                <a:r>
+                  <a:rPr lang="zh-TW" altLang="en-US">
+                    <a:noFill/>
+                  </a:rPr>
+                  <a:t> </a:t>
+                </a:r>
+              </a:p>
+            </p:txBody>
+          </p:sp>
+        </mc:Fallback>
+      </mc:AlternateContent>
+      <p:sp>
+        <p:nvSpPr>
+          <p:cNvPr id="20" name="文字方塊 19"/>
+          <p:cNvSpPr txBox="1"/>
+          <p:nvPr/>
+        </p:nvSpPr>
+        <p:spPr>
+          <a:xfrm>
+            <a:off x="62902" y="5538544"/>
+            <a:ext cx="436338" cy="369332"/>
+          </a:xfrm>
+          <a:prstGeom prst="rect">
+            <a:avLst/>
+          </a:prstGeom>
+          <a:noFill/>
+        </p:spPr>
+        <p:txBody>
+          <a:bodyPr wrap="none" rtlCol="0">
+            <a:spAutoFit/>
+          </a:bodyPr>
+          <a:lstStyle/>
+          <a:p>
+            <a:r>
+              <a:rPr lang="en-US" altLang="zh-TW" dirty="0" smtClean="0">
+                <a:solidFill>
+                  <a:srgbClr val="FF0000"/>
+                </a:solidFill>
+              </a:rPr>
+              <a:t>(a)</a:t>
+            </a:r>
+            <a:endParaRPr lang="zh-TW" altLang="en-US" dirty="0">
+              <a:solidFill>
+                <a:srgbClr val="FF0000"/>
+              </a:solidFill>
+            </a:endParaRPr>
+          </a:p>
+        </p:txBody>
+      </p:sp>
+      <p:pic>
+        <p:nvPicPr>
+          <p:cNvPr id="21" name="圖片 20"/>
+          <p:cNvPicPr>
+            <a:picLocks noChangeAspect="1"/>
+          </p:cNvPicPr>
+          <p:nvPr/>
+        </p:nvPicPr>
+        <p:blipFill>
+          <a:blip r:embed="rId14"/>
+          <a:stretch>
+            <a:fillRect/>
+          </a:stretch>
+        </p:blipFill>
+        <p:spPr>
+          <a:xfrm>
+            <a:off x="436338" y="6069520"/>
+            <a:ext cx="6464900" cy="585092"/>
+          </a:xfrm>
+          <a:prstGeom prst="rect">
+            <a:avLst/>
+          </a:prstGeom>
+        </p:spPr>
+      </p:pic>
+      <p:sp>
+        <p:nvSpPr>
+          <p:cNvPr id="22" name="文字方塊 21"/>
+          <p:cNvSpPr txBox="1"/>
+          <p:nvPr/>
+        </p:nvSpPr>
+        <p:spPr>
+          <a:xfrm>
+            <a:off x="6994822" y="4719558"/>
+            <a:ext cx="541142" cy="369332"/>
+          </a:xfrm>
+          <a:prstGeom prst="rect">
+            <a:avLst/>
+          </a:prstGeom>
+          <a:noFill/>
+        </p:spPr>
+        <p:txBody>
+          <a:bodyPr wrap="square" rtlCol="0">
+            <a:spAutoFit/>
+          </a:bodyPr>
+          <a:lstStyle/>
+          <a:p>
+            <a:r>
+              <a:rPr lang="en-US" altLang="zh-TW" dirty="0" smtClean="0">
+                <a:solidFill>
+                  <a:srgbClr val="FF0000"/>
+                </a:solidFill>
+              </a:rPr>
+              <a:t>(b)</a:t>
+            </a:r>
+            <a:endParaRPr lang="zh-TW" altLang="en-US" dirty="0">
+              <a:solidFill>
+                <a:srgbClr val="FF0000"/>
+              </a:solidFill>
+            </a:endParaRPr>
+          </a:p>
+        </p:txBody>
+      </p:sp>
+      <p:pic>
+        <p:nvPicPr>
+          <p:cNvPr id="23" name="圖片 22"/>
+          <p:cNvPicPr>
+            <a:picLocks noChangeAspect="1"/>
+          </p:cNvPicPr>
+          <p:nvPr/>
+        </p:nvPicPr>
+        <p:blipFill>
+          <a:blip r:embed="rId15"/>
+          <a:stretch>
+            <a:fillRect/>
+          </a:stretch>
+        </p:blipFill>
+        <p:spPr>
+          <a:xfrm>
+            <a:off x="7429087" y="4909267"/>
+            <a:ext cx="4685052" cy="1781560"/>
+          </a:xfrm>
+          <a:prstGeom prst="rect">
+            <a:avLst/>
+          </a:prstGeom>
+        </p:spPr>
+      </p:pic>
     </p:spTree>
     <p:extLst>
       <p:ext uri="{BB962C8B-B14F-4D97-AF65-F5344CB8AC3E}">
         <p14:creationId xmlns:p14="http://schemas.microsoft.com/office/powerpoint/2010/main" val="3504035744"/>
+      </p:ext>
+    </p:extLst>
+  </p:cSld>
+  <p:clrMapOvr>
+    <a:masterClrMapping/>
+  </p:clrMapOvr>
+</p:sld>
+</file>
+
+<file path=ppt/slides/slide4.xml><?xml version="1.0" encoding="utf-8"?>
+<p:sld xmlns:a="http://schemas.openxmlformats.org/drawingml/2006/main" xmlns:r="http://schemas.openxmlformats.org/officeDocument/2006/relationships" xmlns:p="http://schemas.openxmlformats.org/presentationml/2006/main">
+  <p:cSld>
+    <p:spTree>
+      <p:nvGrpSpPr>
+        <p:cNvPr id="1" name=""/>
+        <p:cNvGrpSpPr/>
+        <p:nvPr/>
+      </p:nvGrpSpPr>
+      <p:grpSpPr>
+        <a:xfrm>
+          <a:off x="0" y="0"/>
+          <a:ext cx="0" cy="0"/>
+          <a:chOff x="0" y="0"/>
+          <a:chExt cx="0" cy="0"/>
+        </a:xfrm>
+      </p:grpSpPr>
+      <p:pic>
+        <p:nvPicPr>
+          <p:cNvPr id="4" name="圖片 3"/>
+          <p:cNvPicPr>
+            <a:picLocks noChangeAspect="1"/>
+          </p:cNvPicPr>
+          <p:nvPr/>
+        </p:nvPicPr>
+        <p:blipFill>
+          <a:blip r:embed="rId2"/>
+          <a:stretch>
+            <a:fillRect/>
+          </a:stretch>
+        </p:blipFill>
+        <p:spPr>
+          <a:xfrm>
+            <a:off x="0" y="0"/>
+            <a:ext cx="7762331" cy="2331282"/>
+          </a:xfrm>
+          <a:prstGeom prst="rect">
+            <a:avLst/>
+          </a:prstGeom>
+        </p:spPr>
+      </p:pic>
+      <p:pic>
+        <p:nvPicPr>
+          <p:cNvPr id="5" name="圖片 4"/>
+          <p:cNvPicPr>
+            <a:picLocks noChangeAspect="1"/>
+          </p:cNvPicPr>
+          <p:nvPr/>
+        </p:nvPicPr>
+        <p:blipFill>
+          <a:blip r:embed="rId3"/>
+          <a:stretch>
+            <a:fillRect/>
+          </a:stretch>
+        </p:blipFill>
+        <p:spPr>
+          <a:xfrm>
+            <a:off x="0" y="2331282"/>
+            <a:ext cx="5548993" cy="1459251"/>
+          </a:xfrm>
+          <a:prstGeom prst="rect">
+            <a:avLst/>
+          </a:prstGeom>
+        </p:spPr>
+      </p:pic>
+      <p:pic>
+        <p:nvPicPr>
+          <p:cNvPr id="6" name="圖片 5"/>
+          <p:cNvPicPr>
+            <a:picLocks noChangeAspect="1"/>
+          </p:cNvPicPr>
+          <p:nvPr/>
+        </p:nvPicPr>
+        <p:blipFill>
+          <a:blip r:embed="rId4"/>
+          <a:stretch>
+            <a:fillRect/>
+          </a:stretch>
+        </p:blipFill>
+        <p:spPr>
+          <a:xfrm>
+            <a:off x="0" y="3790533"/>
+            <a:ext cx="7107827" cy="1370541"/>
+          </a:xfrm>
+          <a:prstGeom prst="rect">
+            <a:avLst/>
+          </a:prstGeom>
+        </p:spPr>
+      </p:pic>
+      <mc:AlternateContent xmlns:mc="http://schemas.openxmlformats.org/markup-compatibility/2006">
+        <mc:Choice xmlns:a14="http://schemas.microsoft.com/office/drawing/2010/main" Requires="a14">
+          <p:sp>
+            <p:nvSpPr>
+              <p:cNvPr id="8" name="文字方塊 7"/>
+              <p:cNvSpPr txBox="1"/>
+              <p:nvPr/>
+            </p:nvSpPr>
+            <p:spPr>
+              <a:xfrm>
+                <a:off x="565391" y="5255384"/>
+                <a:ext cx="5718938" cy="691984"/>
+              </a:xfrm>
+              <a:prstGeom prst="rect">
+                <a:avLst/>
+              </a:prstGeom>
+              <a:noFill/>
+            </p:spPr>
+            <p:txBody>
+              <a:bodyPr wrap="none" rtlCol="0">
+                <a:spAutoFit/>
+              </a:bodyPr>
+              <a:lstStyle/>
+              <a:p>
+                <a:pPr/>
+                <a14:m>
+                  <m:oMathPara xmlns:m="http://schemas.openxmlformats.org/officeDocument/2006/math">
+                    <m:oMathParaPr>
+                      <m:jc m:val="left"/>
+                    </m:oMathParaPr>
+                    <m:oMath xmlns:m="http://schemas.openxmlformats.org/officeDocument/2006/math">
+                      <m:r>
+                        <a:rPr lang="en-US" altLang="zh-TW" sz="1500" b="0" i="1" smtClean="0">
+                          <a:latin typeface="Cambria Math" panose="02040503050406030204" pitchFamily="18" charset="0"/>
+                        </a:rPr>
+                        <m:t>𝑂𝑢𝑡𝑝𝑢𝑡</m:t>
+                      </m:r>
+                      <m:r>
+                        <a:rPr lang="en-US" altLang="zh-TW" sz="1500" b="0" i="1" smtClean="0">
+                          <a:latin typeface="Cambria Math" panose="02040503050406030204" pitchFamily="18" charset="0"/>
+                        </a:rPr>
+                        <m:t> </m:t>
+                      </m:r>
+                      <m:r>
+                        <a:rPr lang="en-US" altLang="zh-TW" sz="1500" b="0" i="1" smtClean="0">
+                          <a:latin typeface="Cambria Math" panose="02040503050406030204" pitchFamily="18" charset="0"/>
+                        </a:rPr>
+                        <m:t>𝑜𝑓</m:t>
+                      </m:r>
+                      <m:r>
+                        <a:rPr lang="en-US" altLang="zh-TW" sz="1500" b="0" i="1" smtClean="0">
+                          <a:latin typeface="Cambria Math" panose="02040503050406030204" pitchFamily="18" charset="0"/>
+                        </a:rPr>
+                        <m:t> </m:t>
+                      </m:r>
+                      <m:r>
+                        <a:rPr lang="en-US" altLang="zh-TW" sz="1500" b="0" i="1" smtClean="0">
+                          <a:latin typeface="Cambria Math" panose="02040503050406030204" pitchFamily="18" charset="0"/>
+                        </a:rPr>
+                        <m:t>𝑡h𝑒</m:t>
+                      </m:r>
+                      <m:r>
+                        <a:rPr lang="en-US" altLang="zh-TW" sz="1500" b="0" i="1" smtClean="0">
+                          <a:latin typeface="Cambria Math" panose="02040503050406030204" pitchFamily="18" charset="0"/>
+                        </a:rPr>
+                        <m:t> </m:t>
+                      </m:r>
+                      <m:r>
+                        <a:rPr lang="en-US" altLang="zh-TW" sz="1500" b="0" i="1" smtClean="0">
+                          <a:latin typeface="Cambria Math" panose="02040503050406030204" pitchFamily="18" charset="0"/>
+                        </a:rPr>
+                        <m:t>𝑡𝑟𝑎𝑛𝑠𝑚𝑖𝑡𝑡𝑒𝑟</m:t>
+                      </m:r>
+                      <m:r>
+                        <a:rPr lang="en-US" altLang="zh-TW" sz="1500" b="0" i="1" smtClean="0">
+                          <a:latin typeface="Cambria Math" panose="02040503050406030204" pitchFamily="18" charset="0"/>
+                        </a:rPr>
+                        <m:t> </m:t>
+                      </m:r>
+                      <m:r>
+                        <a:rPr lang="en-US" altLang="zh-TW" sz="1500" b="0" i="1" smtClean="0">
+                          <a:latin typeface="Cambria Math" panose="02040503050406030204" pitchFamily="18" charset="0"/>
+                        </a:rPr>
+                        <m:t>𝑖𝑚𝑝𝑢𝑙𝑠𝑒</m:t>
+                      </m:r>
+                      <m:r>
+                        <a:rPr lang="en-US" altLang="zh-TW" sz="1500" b="0" i="1" smtClean="0">
+                          <a:latin typeface="Cambria Math" panose="02040503050406030204" pitchFamily="18" charset="0"/>
+                        </a:rPr>
+                        <m:t> </m:t>
+                      </m:r>
+                      <m:r>
+                        <a:rPr lang="en-US" altLang="zh-TW" sz="1500" b="0" i="1" smtClean="0">
+                          <a:latin typeface="Cambria Math" panose="02040503050406030204" pitchFamily="18" charset="0"/>
+                        </a:rPr>
+                        <m:t>𝑟𝑒𝑠𝑝𝑜𝑛𝑠𝑒</m:t>
+                      </m:r>
+                    </m:oMath>
+                  </m:oMathPara>
+                </a14:m>
+                <a:endParaRPr lang="en-US" altLang="zh-TW" sz="1500" dirty="0" smtClean="0"/>
+              </a:p>
+              <a:p>
+                <a:pPr/>
+                <a14:m>
+                  <m:oMath xmlns:m="http://schemas.openxmlformats.org/officeDocument/2006/math">
+                    <m:r>
+                      <a:rPr lang="en-US" altLang="zh-TW" sz="1500" b="0" i="1" smtClean="0">
+                        <a:latin typeface="Cambria Math" panose="02040503050406030204" pitchFamily="18" charset="0"/>
+                      </a:rPr>
+                      <m:t>𝑋</m:t>
+                    </m:r>
+                    <m:d>
+                      <m:dPr>
+                        <m:ctrlPr>
+                          <a:rPr lang="en-US" altLang="zh-TW" sz="1500" b="0" i="1" smtClean="0">
+                            <a:latin typeface="Cambria Math" panose="02040503050406030204" pitchFamily="18" charset="0"/>
+                          </a:rPr>
+                        </m:ctrlPr>
+                      </m:dPr>
+                      <m:e>
+                        <m:r>
+                          <a:rPr lang="en-US" altLang="zh-TW" sz="1500" b="0" i="1" smtClean="0">
+                            <a:latin typeface="Cambria Math" panose="02040503050406030204" pitchFamily="18" charset="0"/>
+                          </a:rPr>
+                          <m:t>𝑓</m:t>
+                        </m:r>
+                      </m:e>
+                    </m:d>
+                    <m:r>
+                      <a:rPr lang="en-US" altLang="zh-TW" sz="1500" b="0" i="1" smtClean="0">
+                        <a:latin typeface="Cambria Math" panose="02040503050406030204" pitchFamily="18" charset="0"/>
+                      </a:rPr>
+                      <m:t>=</m:t>
+                    </m:r>
+                    <m:r>
+                      <a:rPr lang="en-US" altLang="zh-TW" sz="1500" b="0" i="1" smtClean="0">
+                        <a:latin typeface="Cambria Math" panose="02040503050406030204" pitchFamily="18" charset="0"/>
+                      </a:rPr>
+                      <m:t>𝑠𝑖𝑛𝑐</m:t>
+                    </m:r>
+                    <m:d>
+                      <m:dPr>
+                        <m:ctrlPr>
+                          <a:rPr lang="en-US" altLang="zh-TW" sz="1500" b="0" i="1" smtClean="0">
+                            <a:latin typeface="Cambria Math" panose="02040503050406030204" pitchFamily="18" charset="0"/>
+                          </a:rPr>
+                        </m:ctrlPr>
+                      </m:dPr>
+                      <m:e>
+                        <m:r>
+                          <a:rPr lang="en-US" altLang="zh-TW" sz="1500" b="0" i="1" smtClean="0">
+                            <a:latin typeface="Cambria Math" panose="02040503050406030204" pitchFamily="18" charset="0"/>
+                          </a:rPr>
+                          <m:t>2</m:t>
+                        </m:r>
+                        <m:r>
+                          <a:rPr lang="en-US" altLang="zh-TW" sz="1500" b="0" i="1" smtClean="0">
+                            <a:latin typeface="Cambria Math" panose="02040503050406030204" pitchFamily="18" charset="0"/>
+                          </a:rPr>
+                          <m:t>𝑊𝑡</m:t>
+                        </m:r>
+                      </m:e>
+                    </m:d>
+                    <m:r>
+                      <a:rPr lang="en-US" altLang="zh-TW" sz="1500" b="0" i="1" smtClean="0">
+                        <a:latin typeface="Cambria Math" panose="02040503050406030204" pitchFamily="18" charset="0"/>
+                      </a:rPr>
+                      <m:t>−</m:t>
+                    </m:r>
+                    <m:r>
+                      <a:rPr lang="en-US" altLang="zh-TW" sz="1500" b="0" i="1" smtClean="0">
+                        <a:latin typeface="Cambria Math" panose="02040503050406030204" pitchFamily="18" charset="0"/>
+                      </a:rPr>
+                      <m:t>𝑠𝑖𝑛𝑐</m:t>
+                    </m:r>
+                    <m:d>
+                      <m:dPr>
+                        <m:begChr m:val="["/>
+                        <m:endChr m:val="]"/>
+                        <m:ctrlPr>
+                          <a:rPr lang="en-US" altLang="zh-TW" sz="1500" b="0" i="1" smtClean="0">
+                            <a:latin typeface="Cambria Math" panose="02040503050406030204" pitchFamily="18" charset="0"/>
+                          </a:rPr>
+                        </m:ctrlPr>
+                      </m:dPr>
+                      <m:e>
+                        <m:r>
+                          <a:rPr lang="en-US" altLang="zh-TW" sz="1500" b="0" i="1" smtClean="0">
+                            <a:latin typeface="Cambria Math" panose="02040503050406030204" pitchFamily="18" charset="0"/>
+                          </a:rPr>
+                          <m:t>22</m:t>
+                        </m:r>
+                        <m:d>
+                          <m:dPr>
+                            <m:ctrlPr>
+                              <a:rPr lang="en-US" altLang="zh-TW" sz="1500" b="0" i="1" smtClean="0">
+                                <a:latin typeface="Cambria Math" panose="02040503050406030204" pitchFamily="18" charset="0"/>
+                              </a:rPr>
+                            </m:ctrlPr>
+                          </m:dPr>
+                          <m:e>
+                            <m:r>
+                              <a:rPr lang="en-US" altLang="zh-TW" sz="1500" b="0" i="1" smtClean="0">
+                                <a:latin typeface="Cambria Math" panose="02040503050406030204" pitchFamily="18" charset="0"/>
+                              </a:rPr>
+                              <m:t>𝑡</m:t>
+                            </m:r>
+                            <m:r>
+                              <a:rPr lang="en-US" altLang="zh-TW" sz="1500" b="0" i="1" smtClean="0">
+                                <a:latin typeface="Cambria Math" panose="02040503050406030204" pitchFamily="18" charset="0"/>
+                              </a:rPr>
+                              <m:t>−</m:t>
+                            </m:r>
+                            <m:f>
+                              <m:fPr>
+                                <m:ctrlPr>
+                                  <a:rPr lang="en-US" altLang="zh-TW" sz="1500" b="0" i="1" smtClean="0">
+                                    <a:latin typeface="Cambria Math" panose="02040503050406030204" pitchFamily="18" charset="0"/>
+                                  </a:rPr>
+                                </m:ctrlPr>
+                              </m:fPr>
+                              <m:num>
+                                <m:r>
+                                  <a:rPr lang="en-US" altLang="zh-TW" sz="1500" b="0" i="1" smtClean="0">
+                                    <a:latin typeface="Cambria Math" panose="02040503050406030204" pitchFamily="18" charset="0"/>
+                                  </a:rPr>
+                                  <m:t>1</m:t>
+                                </m:r>
+                              </m:num>
+                              <m:den>
+                                <m:r>
+                                  <a:rPr lang="en-US" altLang="zh-TW" sz="1500" b="0" i="1" smtClean="0">
+                                    <a:latin typeface="Cambria Math" panose="02040503050406030204" pitchFamily="18" charset="0"/>
+                                  </a:rPr>
+                                  <m:t>2</m:t>
+                                </m:r>
+                                <m:r>
+                                  <a:rPr lang="en-US" altLang="zh-TW" sz="1500" b="0" i="1" smtClean="0">
+                                    <a:latin typeface="Cambria Math" panose="02040503050406030204" pitchFamily="18" charset="0"/>
+                                  </a:rPr>
+                                  <m:t>𝑊</m:t>
+                                </m:r>
+                              </m:den>
+                            </m:f>
+                          </m:e>
+                        </m:d>
+                      </m:e>
+                    </m:d>
+                    <m:r>
+                      <a:rPr lang="en-US" altLang="zh-TW" sz="1500" b="0" i="1" smtClean="0">
+                        <a:latin typeface="Cambria Math" panose="02040503050406030204" pitchFamily="18" charset="0"/>
+                      </a:rPr>
+                      <m:t>=</m:t>
+                    </m:r>
+                    <m:r>
+                      <a:rPr lang="en-US" altLang="zh-TW" sz="1500" b="0" i="1" smtClean="0">
+                        <a:latin typeface="Cambria Math" panose="02040503050406030204" pitchFamily="18" charset="0"/>
+                      </a:rPr>
+                      <m:t>𝑠𝑖𝑛𝑐</m:t>
+                    </m:r>
+                    <m:d>
+                      <m:dPr>
+                        <m:ctrlPr>
+                          <a:rPr lang="en-US" altLang="zh-TW" sz="1500" b="0" i="1" smtClean="0">
+                            <a:latin typeface="Cambria Math" panose="02040503050406030204" pitchFamily="18" charset="0"/>
+                          </a:rPr>
+                        </m:ctrlPr>
+                      </m:dPr>
+                      <m:e>
+                        <m:f>
+                          <m:fPr>
+                            <m:ctrlPr>
+                              <a:rPr lang="en-US" altLang="zh-TW" sz="1500" b="0" i="1" smtClean="0">
+                                <a:latin typeface="Cambria Math" panose="02040503050406030204" pitchFamily="18" charset="0"/>
+                              </a:rPr>
+                            </m:ctrlPr>
+                          </m:fPr>
+                          <m:num>
+                            <m:r>
+                              <a:rPr lang="en-US" altLang="zh-TW" sz="1500" b="0" i="1" smtClean="0">
+                                <a:latin typeface="Cambria Math" panose="02040503050406030204" pitchFamily="18" charset="0"/>
+                              </a:rPr>
+                              <m:t>𝑡</m:t>
+                            </m:r>
+                          </m:num>
+                          <m:den>
+                            <m:sSub>
+                              <m:sSubPr>
+                                <m:ctrlPr>
+                                  <a:rPr lang="en-US" altLang="zh-TW" sz="1500" b="0" i="1" smtClean="0">
+                                    <a:latin typeface="Cambria Math" panose="02040503050406030204" pitchFamily="18" charset="0"/>
+                                  </a:rPr>
+                                </m:ctrlPr>
+                              </m:sSubPr>
+                              <m:e>
+                                <m:r>
+                                  <a:rPr lang="en-US" altLang="zh-TW" sz="1500" b="0" i="1" smtClean="0">
+                                    <a:latin typeface="Cambria Math" panose="02040503050406030204" pitchFamily="18" charset="0"/>
+                                  </a:rPr>
+                                  <m:t>𝑇</m:t>
+                                </m:r>
+                              </m:e>
+                              <m:sub>
+                                <m:r>
+                                  <a:rPr lang="en-US" altLang="zh-TW" sz="1500" b="0" i="1" smtClean="0">
+                                    <a:latin typeface="Cambria Math" panose="02040503050406030204" pitchFamily="18" charset="0"/>
+                                  </a:rPr>
+                                  <m:t>𝑏</m:t>
+                                </m:r>
+                              </m:sub>
+                            </m:sSub>
+                          </m:den>
+                        </m:f>
+                      </m:e>
+                    </m:d>
+                    <m:r>
+                      <a:rPr lang="en-US" altLang="zh-TW" sz="1500" b="0" i="1" smtClean="0">
+                        <a:latin typeface="Cambria Math" panose="02040503050406030204" pitchFamily="18" charset="0"/>
+                      </a:rPr>
+                      <m:t>−</m:t>
+                    </m:r>
+                    <m:r>
+                      <a:rPr lang="en-US" altLang="zh-TW" sz="1500" b="0" i="1" smtClean="0">
+                        <a:latin typeface="Cambria Math" panose="02040503050406030204" pitchFamily="18" charset="0"/>
+                      </a:rPr>
+                      <m:t>𝑠𝑖𝑛𝑐</m:t>
+                    </m:r>
+                    <m:r>
+                      <a:rPr lang="en-US" altLang="zh-TW" sz="1500" b="0" i="1" smtClean="0">
+                        <a:latin typeface="Cambria Math" panose="02040503050406030204" pitchFamily="18" charset="0"/>
+                      </a:rPr>
+                      <m:t>(</m:t>
+                    </m:r>
+                    <m:f>
+                      <m:fPr>
+                        <m:ctrlPr>
+                          <a:rPr lang="en-US" altLang="zh-TW" sz="1500" b="0" i="1" smtClean="0">
+                            <a:latin typeface="Cambria Math" panose="02040503050406030204" pitchFamily="18" charset="0"/>
+                          </a:rPr>
+                        </m:ctrlPr>
+                      </m:fPr>
+                      <m:num>
+                        <m:r>
+                          <a:rPr lang="en-US" altLang="zh-TW" sz="1500" b="0" i="1" smtClean="0">
+                            <a:latin typeface="Cambria Math" panose="02040503050406030204" pitchFamily="18" charset="0"/>
+                          </a:rPr>
+                          <m:t>𝑡</m:t>
+                        </m:r>
+                      </m:num>
+                      <m:den>
+                        <m:sSub>
+                          <m:sSubPr>
+                            <m:ctrlPr>
+                              <a:rPr lang="en-US" altLang="zh-TW" sz="1500" b="0" i="1" smtClean="0">
+                                <a:latin typeface="Cambria Math" panose="02040503050406030204" pitchFamily="18" charset="0"/>
+                              </a:rPr>
+                            </m:ctrlPr>
+                          </m:sSubPr>
+                          <m:e>
+                            <m:r>
+                              <a:rPr lang="en-US" altLang="zh-TW" sz="1500" b="0" i="1" smtClean="0">
+                                <a:latin typeface="Cambria Math" panose="02040503050406030204" pitchFamily="18" charset="0"/>
+                              </a:rPr>
+                              <m:t>𝑇</m:t>
+                            </m:r>
+                          </m:e>
+                          <m:sub>
+                            <m:r>
+                              <a:rPr lang="en-US" altLang="zh-TW" sz="1500" b="0" i="1" smtClean="0">
+                                <a:latin typeface="Cambria Math" panose="02040503050406030204" pitchFamily="18" charset="0"/>
+                              </a:rPr>
+                              <m:t>𝑏</m:t>
+                            </m:r>
+                          </m:sub>
+                        </m:sSub>
+                      </m:den>
+                    </m:f>
+                    <m:r>
+                      <a:rPr lang="en-US" altLang="zh-TW" sz="1500" b="0" i="1" smtClean="0">
+                        <a:latin typeface="Cambria Math" panose="02040503050406030204" pitchFamily="18" charset="0"/>
+                      </a:rPr>
+                      <m:t>−1)</m:t>
+                    </m:r>
+                  </m:oMath>
+                </a14:m>
+                <a:r>
+                  <a:rPr lang="en-US" altLang="zh-TW" sz="1500" dirty="0" smtClean="0"/>
+                  <a:t> </a:t>
+                </a:r>
+                <a:endParaRPr lang="zh-TW" altLang="en-US" sz="1500" dirty="0"/>
+              </a:p>
+            </p:txBody>
+          </p:sp>
+        </mc:Choice>
+        <mc:Fallback>
+          <p:sp>
+            <p:nvSpPr>
+              <p:cNvPr id="8" name="文字方塊 7"/>
+              <p:cNvSpPr txBox="1">
+                <a:spLocks noRot="1" noChangeAspect="1" noMove="1" noResize="1" noEditPoints="1" noAdjustHandles="1" noChangeArrowheads="1" noChangeShapeType="1" noTextEdit="1"/>
+              </p:cNvSpPr>
+              <p:nvPr/>
+            </p:nvSpPr>
+            <p:spPr>
+              <a:xfrm>
+                <a:off x="565391" y="5255384"/>
+                <a:ext cx="5718938" cy="691984"/>
+              </a:xfrm>
+              <a:prstGeom prst="rect">
+                <a:avLst/>
+              </a:prstGeom>
+              <a:blipFill>
+                <a:blip r:embed="rId5"/>
+                <a:stretch>
+                  <a:fillRect/>
+                </a:stretch>
+              </a:blipFill>
+            </p:spPr>
+            <p:txBody>
+              <a:bodyPr/>
+              <a:lstStyle/>
+              <a:p>
+                <a:r>
+                  <a:rPr lang="zh-TW" altLang="en-US">
+                    <a:noFill/>
+                  </a:rPr>
+                  <a:t> </a:t>
+                </a:r>
+              </a:p>
+            </p:txBody>
+          </p:sp>
+        </mc:Fallback>
+      </mc:AlternateContent>
+      <mc:AlternateContent xmlns:mc="http://schemas.openxmlformats.org/markup-compatibility/2006">
+        <mc:Choice xmlns:a14="http://schemas.microsoft.com/office/drawing/2010/main" Requires="a14">
+          <p:sp>
+            <p:nvSpPr>
+              <p:cNvPr id="9" name="文字方塊 8"/>
+              <p:cNvSpPr txBox="1"/>
+              <p:nvPr/>
+            </p:nvSpPr>
+            <p:spPr>
+              <a:xfrm>
+                <a:off x="565391" y="5956975"/>
+                <a:ext cx="3308278" cy="795795"/>
+              </a:xfrm>
+              <a:prstGeom prst="rect">
+                <a:avLst/>
+              </a:prstGeom>
+              <a:noFill/>
+            </p:spPr>
+            <p:txBody>
+              <a:bodyPr wrap="none" rtlCol="0">
+                <a:spAutoFit/>
+              </a:bodyPr>
+              <a:lstStyle/>
+              <a:p>
+                <a:pPr/>
+                <a14:m>
+                  <m:oMathPara xmlns:m="http://schemas.openxmlformats.org/officeDocument/2006/math">
+                    <m:oMathParaPr>
+                      <m:jc m:val="left"/>
+                    </m:oMathParaPr>
+                    <m:oMath xmlns:m="http://schemas.openxmlformats.org/officeDocument/2006/math">
+                      <m:r>
+                        <a:rPr lang="en-US" altLang="zh-TW" sz="1500" b="0" i="1" smtClean="0">
+                          <a:latin typeface="Cambria Math" panose="02040503050406030204" pitchFamily="18" charset="0"/>
+                        </a:rPr>
+                        <m:t>𝐵𝑎𝑠𝑒𝑏𝑎𝑛𝑑</m:t>
+                      </m:r>
+                      <m:r>
+                        <a:rPr lang="en-US" altLang="zh-TW" sz="1500" b="0" i="1" smtClean="0">
+                          <a:latin typeface="Cambria Math" panose="02040503050406030204" pitchFamily="18" charset="0"/>
+                        </a:rPr>
+                        <m:t> </m:t>
+                      </m:r>
+                      <m:r>
+                        <a:rPr lang="en-US" altLang="zh-TW" sz="1500" b="0" i="1" smtClean="0">
+                          <a:latin typeface="Cambria Math" panose="02040503050406030204" pitchFamily="18" charset="0"/>
+                        </a:rPr>
+                        <m:t>𝑓𝑟𝑒𝑞𝑢𝑒𝑛𝑐𝑦</m:t>
+                      </m:r>
+                      <m:r>
+                        <a:rPr lang="en-US" altLang="zh-TW" sz="1500" b="0" i="1" smtClean="0">
+                          <a:latin typeface="Cambria Math" panose="02040503050406030204" pitchFamily="18" charset="0"/>
+                        </a:rPr>
+                        <m:t> </m:t>
+                      </m:r>
+                      <m:r>
+                        <a:rPr lang="en-US" altLang="zh-TW" sz="1500" b="0" i="1" smtClean="0">
+                          <a:latin typeface="Cambria Math" panose="02040503050406030204" pitchFamily="18" charset="0"/>
+                        </a:rPr>
+                        <m:t>𝑟𝑒𝑠𝑝𝑜𝑛𝑠𝑒</m:t>
+                      </m:r>
+                    </m:oMath>
+                  </m:oMathPara>
+                </a14:m>
+                <a:endParaRPr lang="en-US" altLang="zh-TW" sz="1500" b="0" dirty="0" smtClean="0"/>
+              </a:p>
+              <a:p>
+                <a:pPr/>
+                <a14:m>
+                  <m:oMathPara xmlns:m="http://schemas.openxmlformats.org/officeDocument/2006/math">
+                    <m:oMathParaPr>
+                      <m:jc m:val="left"/>
+                    </m:oMathParaPr>
+                    <m:oMath xmlns:m="http://schemas.openxmlformats.org/officeDocument/2006/math">
+                      <m:r>
+                        <a:rPr lang="en-US" altLang="zh-TW" sz="1500" b="0" i="1" smtClean="0">
+                          <a:latin typeface="Cambria Math" panose="02040503050406030204" pitchFamily="18" charset="0"/>
+                        </a:rPr>
+                        <m:t>𝑋</m:t>
+                      </m:r>
+                      <m:d>
+                        <m:dPr>
+                          <m:ctrlPr>
+                            <a:rPr lang="en-US" altLang="zh-TW" sz="1500" b="0" i="1" smtClean="0">
+                              <a:latin typeface="Cambria Math" panose="02040503050406030204" pitchFamily="18" charset="0"/>
+                            </a:rPr>
+                          </m:ctrlPr>
+                        </m:dPr>
+                        <m:e>
+                          <m:r>
+                            <a:rPr lang="en-US" altLang="zh-TW" sz="1500" b="0" i="1" smtClean="0">
+                              <a:latin typeface="Cambria Math" panose="02040503050406030204" pitchFamily="18" charset="0"/>
+                            </a:rPr>
+                            <m:t>𝑓</m:t>
+                          </m:r>
+                        </m:e>
+                      </m:d>
+                      <m:r>
+                        <a:rPr lang="en-US" altLang="zh-TW" sz="1500" b="0" i="1" smtClean="0">
+                          <a:latin typeface="Cambria Math" panose="02040503050406030204" pitchFamily="18" charset="0"/>
+                        </a:rPr>
+                        <m:t>=</m:t>
+                      </m:r>
+                      <m:sSub>
+                        <m:sSubPr>
+                          <m:ctrlPr>
+                            <a:rPr lang="en-US" altLang="zh-TW" sz="1500" b="0" i="1" smtClean="0">
+                              <a:latin typeface="Cambria Math" panose="02040503050406030204" pitchFamily="18" charset="0"/>
+                            </a:rPr>
+                          </m:ctrlPr>
+                        </m:sSubPr>
+                        <m:e>
+                          <m:r>
+                            <a:rPr lang="en-US" altLang="zh-TW" sz="1500" b="0" i="1" smtClean="0">
+                              <a:latin typeface="Cambria Math" panose="02040503050406030204" pitchFamily="18" charset="0"/>
+                            </a:rPr>
+                            <m:t>𝑇</m:t>
+                          </m:r>
+                        </m:e>
+                        <m:sub>
+                          <m:r>
+                            <a:rPr lang="en-US" altLang="zh-TW" sz="1500" b="0" i="1" smtClean="0">
+                              <a:latin typeface="Cambria Math" panose="02040503050406030204" pitchFamily="18" charset="0"/>
+                            </a:rPr>
+                            <m:t>𝑏</m:t>
+                          </m:r>
+                        </m:sub>
+                      </m:sSub>
+                      <m:d>
+                        <m:dPr>
+                          <m:ctrlPr>
+                            <a:rPr lang="en-US" altLang="zh-TW" sz="1500" b="0" i="1" smtClean="0">
+                              <a:latin typeface="Cambria Math" panose="02040503050406030204" pitchFamily="18" charset="0"/>
+                            </a:rPr>
+                          </m:ctrlPr>
+                        </m:dPr>
+                        <m:e>
+                          <m:r>
+                            <a:rPr lang="en-US" altLang="zh-TW" sz="1500" b="0" i="1" smtClean="0">
+                              <a:latin typeface="Cambria Math" panose="02040503050406030204" pitchFamily="18" charset="0"/>
+                            </a:rPr>
+                            <m:t>1−</m:t>
+                          </m:r>
+                          <m:sSubSup>
+                            <m:sSubSupPr>
+                              <m:ctrlPr>
+                                <a:rPr lang="en-US" altLang="zh-TW" sz="1500" b="0" i="1" smtClean="0">
+                                  <a:latin typeface="Cambria Math" panose="02040503050406030204" pitchFamily="18" charset="0"/>
+                                </a:rPr>
+                              </m:ctrlPr>
+                            </m:sSubSupPr>
+                            <m:e>
+                              <m:r>
+                                <a:rPr lang="en-US" altLang="zh-TW" sz="1500" b="0" i="1" smtClean="0">
+                                  <a:latin typeface="Cambria Math" panose="02040503050406030204" pitchFamily="18" charset="0"/>
+                                </a:rPr>
+                                <m:t>𝑒</m:t>
+                              </m:r>
+                            </m:e>
+                            <m:sub/>
+                            <m:sup>
+                              <m:r>
+                                <a:rPr lang="en-US" altLang="zh-TW" sz="1500" b="0" i="1" smtClean="0">
+                                  <a:latin typeface="Cambria Math" panose="02040503050406030204" pitchFamily="18" charset="0"/>
+                                </a:rPr>
+                                <m:t>−</m:t>
+                              </m:r>
+                              <m:r>
+                                <a:rPr lang="en-US" altLang="zh-TW" sz="1500" b="0" i="1" smtClean="0">
+                                  <a:latin typeface="Cambria Math" panose="02040503050406030204" pitchFamily="18" charset="0"/>
+                                </a:rPr>
+                                <m:t>𝑗</m:t>
+                              </m:r>
+                              <m:r>
+                                <a:rPr lang="en-US" altLang="zh-TW" sz="1500" b="0" i="1" smtClean="0">
+                                  <a:latin typeface="Cambria Math" panose="02040503050406030204" pitchFamily="18" charset="0"/>
+                                </a:rPr>
+                                <m:t>2</m:t>
+                              </m:r>
+                              <m:r>
+                                <a:rPr lang="en-US" altLang="zh-TW" sz="1500" b="0" i="1" smtClean="0">
+                                  <a:latin typeface="Cambria Math" panose="02040503050406030204" pitchFamily="18" charset="0"/>
+                                </a:rPr>
+                                <m:t>𝜋</m:t>
+                              </m:r>
+                              <m:r>
+                                <a:rPr lang="en-US" altLang="zh-TW" sz="1500" b="0" i="1" smtClean="0">
+                                  <a:latin typeface="Cambria Math" panose="02040503050406030204" pitchFamily="18" charset="0"/>
+                                </a:rPr>
+                                <m:t>𝑓</m:t>
+                              </m:r>
+                              <m:sSub>
+                                <m:sSubPr>
+                                  <m:ctrlPr>
+                                    <a:rPr lang="en-US" altLang="zh-TW" sz="1500" b="0" i="1" smtClean="0">
+                                      <a:latin typeface="Cambria Math" panose="02040503050406030204" pitchFamily="18" charset="0"/>
+                                    </a:rPr>
+                                  </m:ctrlPr>
+                                </m:sSubPr>
+                                <m:e>
+                                  <m:r>
+                                    <a:rPr lang="en-US" altLang="zh-TW" sz="1500" b="0" i="1" smtClean="0">
+                                      <a:latin typeface="Cambria Math" panose="02040503050406030204" pitchFamily="18" charset="0"/>
+                                    </a:rPr>
+                                    <m:t>𝑇</m:t>
+                                  </m:r>
+                                </m:e>
+                                <m:sub>
+                                  <m:r>
+                                    <a:rPr lang="en-US" altLang="zh-TW" sz="1500" b="0" i="1" smtClean="0">
+                                      <a:latin typeface="Cambria Math" panose="02040503050406030204" pitchFamily="18" charset="0"/>
+                                    </a:rPr>
+                                    <m:t>𝑏</m:t>
+                                  </m:r>
+                                </m:sub>
+                              </m:sSub>
+                            </m:sup>
+                          </m:sSubSup>
+                        </m:e>
+                      </m:d>
+                      <m:r>
+                        <a:rPr lang="en-US" altLang="zh-TW" sz="1500" b="0" i="1" smtClean="0">
+                          <a:latin typeface="Cambria Math" panose="02040503050406030204" pitchFamily="18" charset="0"/>
+                        </a:rPr>
+                        <m:t> ;</m:t>
+                      </m:r>
+                      <m:d>
+                        <m:dPr>
+                          <m:begChr m:val="|"/>
+                          <m:endChr m:val="|"/>
+                          <m:ctrlPr>
+                            <a:rPr lang="en-US" altLang="zh-TW" sz="1500" b="0" i="1" smtClean="0">
+                              <a:latin typeface="Cambria Math" panose="02040503050406030204" pitchFamily="18" charset="0"/>
+                            </a:rPr>
+                          </m:ctrlPr>
+                        </m:dPr>
+                        <m:e>
+                          <m:r>
+                            <a:rPr lang="en-US" altLang="zh-TW" sz="1500" b="0" i="1" smtClean="0">
+                              <a:latin typeface="Cambria Math" panose="02040503050406030204" pitchFamily="18" charset="0"/>
+                            </a:rPr>
+                            <m:t>𝑓</m:t>
+                          </m:r>
+                        </m:e>
+                      </m:d>
+                      <m:r>
+                        <a:rPr lang="en-US" altLang="zh-TW" sz="1500" b="0" i="1" smtClean="0">
+                          <a:latin typeface="Cambria Math" panose="02040503050406030204" pitchFamily="18" charset="0"/>
+                        </a:rPr>
+                        <m:t>≤</m:t>
+                      </m:r>
+                      <m:f>
+                        <m:fPr>
+                          <m:ctrlPr>
+                            <a:rPr lang="en-US" altLang="zh-TW" sz="1500" b="0" i="1" smtClean="0">
+                              <a:latin typeface="Cambria Math" panose="02040503050406030204" pitchFamily="18" charset="0"/>
+                            </a:rPr>
+                          </m:ctrlPr>
+                        </m:fPr>
+                        <m:num>
+                          <m:r>
+                            <a:rPr lang="en-US" altLang="zh-TW" sz="1500" b="0" i="1" smtClean="0">
+                              <a:latin typeface="Cambria Math" panose="02040503050406030204" pitchFamily="18" charset="0"/>
+                            </a:rPr>
+                            <m:t>1</m:t>
+                          </m:r>
+                        </m:num>
+                        <m:den>
+                          <m:r>
+                            <a:rPr lang="en-US" altLang="zh-TW" sz="1500" b="0" i="1" smtClean="0">
+                              <a:latin typeface="Cambria Math" panose="02040503050406030204" pitchFamily="18" charset="0"/>
+                            </a:rPr>
+                            <m:t>2</m:t>
+                          </m:r>
+                          <m:sSub>
+                            <m:sSubPr>
+                              <m:ctrlPr>
+                                <a:rPr lang="en-US" altLang="zh-TW" sz="1500" b="0" i="1" smtClean="0">
+                                  <a:latin typeface="Cambria Math" panose="02040503050406030204" pitchFamily="18" charset="0"/>
+                                </a:rPr>
+                              </m:ctrlPr>
+                            </m:sSubPr>
+                            <m:e>
+                              <m:r>
+                                <a:rPr lang="en-US" altLang="zh-TW" sz="1500" b="0" i="1" smtClean="0">
+                                  <a:latin typeface="Cambria Math" panose="02040503050406030204" pitchFamily="18" charset="0"/>
+                                </a:rPr>
+                                <m:t>𝑇</m:t>
+                              </m:r>
+                            </m:e>
+                            <m:sub>
+                              <m:r>
+                                <a:rPr lang="en-US" altLang="zh-TW" sz="1500" b="0" i="1" smtClean="0">
+                                  <a:latin typeface="Cambria Math" panose="02040503050406030204" pitchFamily="18" charset="0"/>
+                                </a:rPr>
+                                <m:t>𝑏</m:t>
+                              </m:r>
+                            </m:sub>
+                          </m:sSub>
+                        </m:den>
+                      </m:f>
+                    </m:oMath>
+                  </m:oMathPara>
+                </a14:m>
+                <a:endParaRPr lang="zh-TW" altLang="en-US" sz="1500" dirty="0"/>
+              </a:p>
+            </p:txBody>
+          </p:sp>
+        </mc:Choice>
+        <mc:Fallback>
+          <p:sp>
+            <p:nvSpPr>
+              <p:cNvPr id="9" name="文字方塊 8"/>
+              <p:cNvSpPr txBox="1">
+                <a:spLocks noRot="1" noChangeAspect="1" noMove="1" noResize="1" noEditPoints="1" noAdjustHandles="1" noChangeArrowheads="1" noChangeShapeType="1" noTextEdit="1"/>
+              </p:cNvSpPr>
+              <p:nvPr/>
+            </p:nvSpPr>
+            <p:spPr>
+              <a:xfrm>
+                <a:off x="565391" y="5956975"/>
+                <a:ext cx="3308278" cy="795795"/>
+              </a:xfrm>
+              <a:prstGeom prst="rect">
+                <a:avLst/>
+              </a:prstGeom>
+              <a:blipFill>
+                <a:blip r:embed="rId6"/>
+                <a:stretch>
+                  <a:fillRect/>
+                </a:stretch>
+              </a:blipFill>
+            </p:spPr>
+            <p:txBody>
+              <a:bodyPr/>
+              <a:lstStyle/>
+              <a:p>
+                <a:r>
+                  <a:rPr lang="zh-TW" altLang="en-US">
+                    <a:noFill/>
+                  </a:rPr>
+                  <a:t> </a:t>
+                </a:r>
+              </a:p>
+            </p:txBody>
+          </p:sp>
+        </mc:Fallback>
+      </mc:AlternateContent>
+      <p:sp>
+        <p:nvSpPr>
+          <p:cNvPr id="10" name="文字方塊 9"/>
+          <p:cNvSpPr txBox="1"/>
+          <p:nvPr/>
+        </p:nvSpPr>
+        <p:spPr>
+          <a:xfrm>
+            <a:off x="129053" y="5249784"/>
+            <a:ext cx="436338" cy="369332"/>
+          </a:xfrm>
+          <a:prstGeom prst="rect">
+            <a:avLst/>
+          </a:prstGeom>
+          <a:noFill/>
+        </p:spPr>
+        <p:txBody>
+          <a:bodyPr wrap="none" rtlCol="0">
+            <a:spAutoFit/>
+          </a:bodyPr>
+          <a:lstStyle/>
+          <a:p>
+            <a:r>
+              <a:rPr lang="en-US" altLang="zh-TW" dirty="0" smtClean="0">
+                <a:solidFill>
+                  <a:srgbClr val="FF0000"/>
+                </a:solidFill>
+              </a:rPr>
+              <a:t>(a)</a:t>
+            </a:r>
+            <a:endParaRPr lang="zh-TW" altLang="en-US" dirty="0">
+              <a:solidFill>
+                <a:srgbClr val="FF0000"/>
+              </a:solidFill>
+            </a:endParaRPr>
+          </a:p>
+        </p:txBody>
+      </p:sp>
+      <p:sp>
+        <p:nvSpPr>
+          <p:cNvPr id="11" name="文字方塊 10"/>
+          <p:cNvSpPr txBox="1"/>
+          <p:nvPr/>
+        </p:nvSpPr>
+        <p:spPr>
+          <a:xfrm>
+            <a:off x="7661249" y="1685793"/>
+            <a:ext cx="447558" cy="369332"/>
+          </a:xfrm>
+          <a:prstGeom prst="rect">
+            <a:avLst/>
+          </a:prstGeom>
+          <a:noFill/>
+        </p:spPr>
+        <p:txBody>
+          <a:bodyPr wrap="none" rtlCol="0">
+            <a:spAutoFit/>
+          </a:bodyPr>
+          <a:lstStyle/>
+          <a:p>
+            <a:r>
+              <a:rPr lang="en-US" altLang="zh-TW" dirty="0" smtClean="0">
+                <a:solidFill>
+                  <a:srgbClr val="FF0000"/>
+                </a:solidFill>
+              </a:rPr>
+              <a:t>(b)</a:t>
+            </a:r>
+            <a:endParaRPr lang="zh-TW" altLang="en-US" dirty="0">
+              <a:solidFill>
+                <a:srgbClr val="FF0000"/>
+              </a:solidFill>
+            </a:endParaRPr>
+          </a:p>
+        </p:txBody>
+      </p:sp>
+      <p:pic>
+        <p:nvPicPr>
+          <p:cNvPr id="12" name="圖片 11"/>
+          <p:cNvPicPr>
+            <a:picLocks noChangeAspect="1"/>
+          </p:cNvPicPr>
+          <p:nvPr/>
+        </p:nvPicPr>
+        <p:blipFill>
+          <a:blip r:embed="rId7"/>
+          <a:stretch>
+            <a:fillRect/>
+          </a:stretch>
+        </p:blipFill>
+        <p:spPr>
+          <a:xfrm>
+            <a:off x="8108807" y="1780023"/>
+            <a:ext cx="2299852" cy="275102"/>
+          </a:xfrm>
+          <a:prstGeom prst="rect">
+            <a:avLst/>
+          </a:prstGeom>
+        </p:spPr>
+      </p:pic>
+      <p:pic>
+        <p:nvPicPr>
+          <p:cNvPr id="13" name="圖片 12"/>
+          <p:cNvPicPr>
+            <a:picLocks noChangeAspect="1"/>
+          </p:cNvPicPr>
+          <p:nvPr/>
+        </p:nvPicPr>
+        <p:blipFill>
+          <a:blip r:embed="rId8"/>
+          <a:stretch>
+            <a:fillRect/>
+          </a:stretch>
+        </p:blipFill>
+        <p:spPr>
+          <a:xfrm>
+            <a:off x="8872159" y="2055125"/>
+            <a:ext cx="3072999" cy="280308"/>
+          </a:xfrm>
+          <a:prstGeom prst="rect">
+            <a:avLst/>
+          </a:prstGeom>
+        </p:spPr>
+      </p:pic>
+      <p:pic>
+        <p:nvPicPr>
+          <p:cNvPr id="14" name="圖片 13"/>
+          <p:cNvPicPr>
+            <a:picLocks noChangeAspect="1"/>
+          </p:cNvPicPr>
+          <p:nvPr/>
+        </p:nvPicPr>
+        <p:blipFill>
+          <a:blip r:embed="rId9"/>
+          <a:stretch>
+            <a:fillRect/>
+          </a:stretch>
+        </p:blipFill>
+        <p:spPr>
+          <a:xfrm>
+            <a:off x="8108807" y="2330227"/>
+            <a:ext cx="3761476" cy="324911"/>
+          </a:xfrm>
+          <a:prstGeom prst="rect">
+            <a:avLst/>
+          </a:prstGeom>
+        </p:spPr>
+      </p:pic>
+      <p:pic>
+        <p:nvPicPr>
+          <p:cNvPr id="15" name="圖片 14"/>
+          <p:cNvPicPr>
+            <a:picLocks noChangeAspect="1"/>
+          </p:cNvPicPr>
+          <p:nvPr/>
+        </p:nvPicPr>
+        <p:blipFill>
+          <a:blip r:embed="rId10"/>
+          <a:stretch>
+            <a:fillRect/>
+          </a:stretch>
+        </p:blipFill>
+        <p:spPr>
+          <a:xfrm>
+            <a:off x="7661249" y="2843109"/>
+            <a:ext cx="2446370" cy="368216"/>
+          </a:xfrm>
+          <a:prstGeom prst="rect">
+            <a:avLst/>
+          </a:prstGeom>
+        </p:spPr>
+      </p:pic>
+      <p:pic>
+        <p:nvPicPr>
+          <p:cNvPr id="16" name="圖片 15"/>
+          <p:cNvPicPr>
+            <a:picLocks noChangeAspect="1"/>
+          </p:cNvPicPr>
+          <p:nvPr/>
+        </p:nvPicPr>
+        <p:blipFill>
+          <a:blip r:embed="rId11"/>
+          <a:stretch>
+            <a:fillRect/>
+          </a:stretch>
+        </p:blipFill>
+        <p:spPr>
+          <a:xfrm>
+            <a:off x="7578222" y="3213237"/>
+            <a:ext cx="4512696" cy="484121"/>
+          </a:xfrm>
+          <a:prstGeom prst="rect">
+            <a:avLst/>
+          </a:prstGeom>
+        </p:spPr>
+      </p:pic>
+      <p:pic>
+        <p:nvPicPr>
+          <p:cNvPr id="17" name="圖片 16"/>
+          <p:cNvPicPr>
+            <a:picLocks noChangeAspect="1"/>
+          </p:cNvPicPr>
+          <p:nvPr/>
+        </p:nvPicPr>
+        <p:blipFill>
+          <a:blip r:embed="rId12"/>
+          <a:stretch>
+            <a:fillRect/>
+          </a:stretch>
+        </p:blipFill>
+        <p:spPr>
+          <a:xfrm>
+            <a:off x="8613267" y="3790533"/>
+            <a:ext cx="3502641" cy="3047659"/>
+          </a:xfrm>
+          <a:prstGeom prst="rect">
+            <a:avLst/>
+          </a:prstGeom>
+        </p:spPr>
+      </p:pic>
+      <p:sp>
+        <p:nvSpPr>
+          <p:cNvPr id="18" name="文字方塊 17"/>
+          <p:cNvSpPr txBox="1"/>
+          <p:nvPr/>
+        </p:nvSpPr>
+        <p:spPr>
+          <a:xfrm>
+            <a:off x="8108807" y="3790533"/>
+            <a:ext cx="423514" cy="369332"/>
+          </a:xfrm>
+          <a:prstGeom prst="rect">
+            <a:avLst/>
+          </a:prstGeom>
+          <a:noFill/>
+        </p:spPr>
+        <p:txBody>
+          <a:bodyPr wrap="none" rtlCol="0">
+            <a:spAutoFit/>
+          </a:bodyPr>
+          <a:lstStyle/>
+          <a:p>
+            <a:r>
+              <a:rPr lang="en-US" altLang="zh-TW" dirty="0" smtClean="0">
+                <a:solidFill>
+                  <a:srgbClr val="FF0000"/>
+                </a:solidFill>
+              </a:rPr>
+              <a:t>(c)</a:t>
+            </a:r>
+            <a:endParaRPr lang="zh-TW" altLang="en-US" dirty="0">
+              <a:solidFill>
+                <a:srgbClr val="FF0000"/>
+              </a:solidFill>
+            </a:endParaRPr>
+          </a:p>
+        </p:txBody>
+      </p:sp>
+    </p:spTree>
+    <p:extLst>
+      <p:ext uri="{BB962C8B-B14F-4D97-AF65-F5344CB8AC3E}">
+        <p14:creationId xmlns:p14="http://schemas.microsoft.com/office/powerpoint/2010/main" val="4277872171"/>
+      </p:ext>
+    </p:extLst>
+  </p:cSld>
+  <p:clrMapOvr>
+    <a:masterClrMapping/>
+  </p:clrMapOvr>
+</p:sld>
+</file>
+
+<file path=ppt/slides/slide5.xml><?xml version="1.0" encoding="utf-8"?>
+<p:sld xmlns:a="http://schemas.openxmlformats.org/drawingml/2006/main" xmlns:r="http://schemas.openxmlformats.org/officeDocument/2006/relationships" xmlns:p="http://schemas.openxmlformats.org/presentationml/2006/main">
+  <p:cSld>
+    <p:spTree>
+      <p:nvGrpSpPr>
+        <p:cNvPr id="1" name=""/>
+        <p:cNvGrpSpPr/>
+        <p:nvPr/>
+      </p:nvGrpSpPr>
+      <p:grpSpPr>
+        <a:xfrm>
+          <a:off x="0" y="0"/>
+          <a:ext cx="0" cy="0"/>
+          <a:chOff x="0" y="0"/>
+          <a:chExt cx="0" cy="0"/>
+        </a:xfrm>
+      </p:grpSpPr>
+      <p:sp>
+        <p:nvSpPr>
+          <p:cNvPr id="16" name="文字方塊 15"/>
+          <p:cNvSpPr txBox="1"/>
+          <p:nvPr/>
+        </p:nvSpPr>
+        <p:spPr>
+          <a:xfrm>
+            <a:off x="2" y="0"/>
+            <a:ext cx="12191998" cy="584775"/>
+          </a:xfrm>
+          <a:prstGeom prst="rect">
+            <a:avLst/>
+          </a:prstGeom>
+          <a:noFill/>
+        </p:spPr>
+        <p:txBody>
+          <a:bodyPr wrap="square" rtlCol="0">
+            <a:spAutoFit/>
+          </a:bodyPr>
+          <a:lstStyle/>
+          <a:p>
+            <a:pPr marL="285750" indent="-285750" algn="just">
+              <a:buFont typeface="Wingdings" panose="05000000000000000000" pitchFamily="2" charset="2"/>
+              <a:buChar char="p"/>
+            </a:pPr>
+            <a:r>
+              <a:rPr lang="en-US" altLang="zh-TW" sz="1600" dirty="0">
+                <a:latin typeface="Times New Roman" panose="02020603050405020304" pitchFamily="18" charset="0"/>
+                <a:cs typeface="Times New Roman" panose="02020603050405020304" pitchFamily="18" charset="0"/>
+              </a:rPr>
+              <a:t>The transmission of a signal pulse with a raised cosine spectrum through a channel results in the following </a:t>
+            </a:r>
+            <a:r>
+              <a:rPr lang="en-US" altLang="zh-TW" sz="1600" dirty="0" smtClean="0">
+                <a:latin typeface="Times New Roman" panose="02020603050405020304" pitchFamily="18" charset="0"/>
+                <a:cs typeface="Times New Roman" panose="02020603050405020304" pitchFamily="18" charset="0"/>
+              </a:rPr>
+              <a:t>(noise-free) </a:t>
+            </a:r>
+            <a:r>
+              <a:rPr lang="en-US" altLang="zh-TW" sz="1600" dirty="0">
+                <a:latin typeface="Times New Roman" panose="02020603050405020304" pitchFamily="18" charset="0"/>
+                <a:cs typeface="Times New Roman" panose="02020603050405020304" pitchFamily="18" charset="0"/>
+              </a:rPr>
+              <a:t>sampled output from the demodulator: </a:t>
+            </a:r>
+            <a:endParaRPr lang="en-US" altLang="zh-TW" sz="1600" dirty="0" smtClean="0">
+              <a:latin typeface="Times New Roman" panose="02020603050405020304" pitchFamily="18" charset="0"/>
+              <a:cs typeface="Times New Roman" panose="02020603050405020304" pitchFamily="18" charset="0"/>
+            </a:endParaRPr>
+          </a:p>
+        </p:txBody>
+      </p:sp>
+      <p:sp>
+        <p:nvSpPr>
+          <p:cNvPr id="17" name="文字方塊 16"/>
+          <p:cNvSpPr txBox="1"/>
+          <p:nvPr/>
+        </p:nvSpPr>
+        <p:spPr>
+          <a:xfrm>
+            <a:off x="2" y="543955"/>
+            <a:ext cx="9165019" cy="830997"/>
+          </a:xfrm>
+          <a:prstGeom prst="rect">
+            <a:avLst/>
+          </a:prstGeom>
+          <a:noFill/>
+        </p:spPr>
+        <p:txBody>
+          <a:bodyPr wrap="square" rtlCol="0">
+            <a:spAutoFit/>
+          </a:bodyPr>
+          <a:lstStyle/>
+          <a:p>
+            <a:pPr lvl="0" algn="just"/>
+            <a:r>
+              <a:rPr lang="en-US" altLang="zh-TW" sz="1600" dirty="0">
+                <a:solidFill>
+                  <a:prstClr val="black"/>
+                </a:solidFill>
+                <a:latin typeface="Times New Roman" panose="02020603050405020304" pitchFamily="18" charset="0"/>
+                <a:cs typeface="Times New Roman" panose="02020603050405020304" pitchFamily="18" charset="0"/>
+              </a:rPr>
+              <a:t>(a) </a:t>
+            </a:r>
+            <a:r>
+              <a:rPr lang="en-US" altLang="zh-TW" sz="1600" dirty="0">
+                <a:solidFill>
+                  <a:prstClr val="black"/>
+                </a:solidFill>
+              </a:rPr>
+              <a:t>Determine the tap coefficients of a three-tap linear equalizer based on the zero-forcing criterion. </a:t>
+            </a:r>
+          </a:p>
+          <a:p>
+            <a:pPr lvl="0" algn="just"/>
+            <a:r>
+              <a:rPr lang="en-US" altLang="zh-TW" sz="1600" dirty="0" smtClean="0">
+                <a:solidFill>
+                  <a:prstClr val="black"/>
+                </a:solidFill>
+                <a:latin typeface="Times New Roman" panose="02020603050405020304" pitchFamily="18" charset="0"/>
+                <a:cs typeface="Times New Roman" panose="02020603050405020304" pitchFamily="18" charset="0"/>
+              </a:rPr>
+              <a:t>(</a:t>
+            </a:r>
+            <a:r>
+              <a:rPr lang="en-US" altLang="zh-TW" sz="1600" dirty="0">
+                <a:solidFill>
+                  <a:prstClr val="black"/>
+                </a:solidFill>
+                <a:latin typeface="Times New Roman" panose="02020603050405020304" pitchFamily="18" charset="0"/>
+                <a:cs typeface="Times New Roman" panose="02020603050405020304" pitchFamily="18" charset="0"/>
+              </a:rPr>
+              <a:t>b) </a:t>
+            </a:r>
+            <a:r>
+              <a:rPr lang="en-US" altLang="zh-TW" sz="1600" dirty="0">
+                <a:solidFill>
+                  <a:prstClr val="black"/>
+                </a:solidFill>
+              </a:rPr>
+              <a:t>For the coefficients determined in (a), determine the output of the equalizer for the case of the isolated </a:t>
+            </a:r>
+            <a:r>
+              <a:rPr lang="en-US" altLang="zh-TW" sz="1600" dirty="0" smtClean="0">
+                <a:solidFill>
+                  <a:prstClr val="black"/>
+                </a:solidFill>
+              </a:rPr>
+              <a:t>pulse</a:t>
+            </a:r>
+            <a:r>
+              <a:rPr lang="en-US" altLang="zh-TW" sz="1600" dirty="0">
+                <a:solidFill>
+                  <a:prstClr val="black"/>
+                </a:solidFill>
+              </a:rPr>
+              <a:t>. Thus, determine the residual ISI and its span in the time. </a:t>
+            </a:r>
+            <a:endParaRPr lang="zh-TW" altLang="en-US" sz="1500" dirty="0">
+              <a:solidFill>
+                <a:prstClr val="black"/>
+              </a:solidFill>
+              <a:latin typeface="Times New Roman" panose="02020603050405020304" pitchFamily="18" charset="0"/>
+              <a:cs typeface="Times New Roman" panose="02020603050405020304" pitchFamily="18" charset="0"/>
+            </a:endParaRPr>
+          </a:p>
+        </p:txBody>
+      </p:sp>
+      <p:pic>
+        <p:nvPicPr>
+          <p:cNvPr id="18" name="圖片 17"/>
+          <p:cNvPicPr>
+            <a:picLocks noChangeAspect="1"/>
+          </p:cNvPicPr>
+          <p:nvPr/>
+        </p:nvPicPr>
+        <p:blipFill>
+          <a:blip r:embed="rId2"/>
+          <a:stretch>
+            <a:fillRect/>
+          </a:stretch>
+        </p:blipFill>
+        <p:spPr>
+          <a:xfrm>
+            <a:off x="9165021" y="485266"/>
+            <a:ext cx="2978794" cy="1679865"/>
+          </a:xfrm>
+          <a:prstGeom prst="rect">
+            <a:avLst/>
+          </a:prstGeom>
+        </p:spPr>
+      </p:pic>
+      <p:pic>
+        <p:nvPicPr>
+          <p:cNvPr id="20" name="圖片 19"/>
+          <p:cNvPicPr>
+            <a:picLocks noChangeAspect="1"/>
+          </p:cNvPicPr>
+          <p:nvPr/>
+        </p:nvPicPr>
+        <p:blipFill>
+          <a:blip r:embed="rId3"/>
+          <a:stretch>
+            <a:fillRect/>
+          </a:stretch>
+        </p:blipFill>
+        <p:spPr>
+          <a:xfrm>
+            <a:off x="571825" y="1400709"/>
+            <a:ext cx="3628367" cy="966705"/>
+          </a:xfrm>
+          <a:prstGeom prst="rect">
+            <a:avLst/>
+          </a:prstGeom>
+        </p:spPr>
+      </p:pic>
+      <mc:AlternateContent xmlns:mc="http://schemas.openxmlformats.org/markup-compatibility/2006">
+        <mc:Choice xmlns:a14="http://schemas.microsoft.com/office/drawing/2010/main" Requires="a14">
+          <p:sp>
+            <p:nvSpPr>
+              <p:cNvPr id="21" name="文字方塊 20"/>
+              <p:cNvSpPr txBox="1"/>
+              <p:nvPr/>
+            </p:nvSpPr>
+            <p:spPr>
+              <a:xfrm>
+                <a:off x="4200192" y="1699395"/>
+                <a:ext cx="431528" cy="369332"/>
+              </a:xfrm>
+              <a:prstGeom prst="rect">
+                <a:avLst/>
+              </a:prstGeom>
+              <a:noFill/>
+            </p:spPr>
+            <p:txBody>
+              <a:bodyPr wrap="none" rtlCol="0">
+                <a:spAutoFit/>
+              </a:bodyPr>
+              <a:lstStyle/>
+              <a:p>
+                <a14:m>
+                  <m:oMathPara xmlns:m="http://schemas.openxmlformats.org/officeDocument/2006/math">
+                    <m:oMathParaPr>
+                      <m:jc m:val="centerGroup"/>
+                    </m:oMathParaPr>
+                    <m:oMath xmlns:m="http://schemas.openxmlformats.org/officeDocument/2006/math">
+                      <m:r>
+                        <a:rPr lang="en-US" altLang="zh-TW" b="0" i="1" smtClean="0">
+                          <a:latin typeface="Cambria Math" panose="02040503050406030204" pitchFamily="18" charset="0"/>
+                        </a:rPr>
+                        <m:t>→</m:t>
+                      </m:r>
+                    </m:oMath>
+                  </m:oMathPara>
+                </a14:m>
+                <a:endParaRPr lang="zh-TW" altLang="en-US" dirty="0"/>
+              </a:p>
+            </p:txBody>
+          </p:sp>
+        </mc:Choice>
+        <mc:Fallback>
+          <p:sp>
+            <p:nvSpPr>
+              <p:cNvPr id="21" name="文字方塊 20"/>
+              <p:cNvSpPr txBox="1">
+                <a:spLocks noRot="1" noChangeAspect="1" noMove="1" noResize="1" noEditPoints="1" noAdjustHandles="1" noChangeArrowheads="1" noChangeShapeType="1" noTextEdit="1"/>
+              </p:cNvSpPr>
+              <p:nvPr/>
+            </p:nvSpPr>
+            <p:spPr>
+              <a:xfrm>
+                <a:off x="4200192" y="1699395"/>
+                <a:ext cx="431528" cy="369332"/>
+              </a:xfrm>
+              <a:prstGeom prst="rect">
+                <a:avLst/>
+              </a:prstGeom>
+              <a:blipFill>
+                <a:blip r:embed="rId4"/>
+                <a:stretch>
+                  <a:fillRect/>
+                </a:stretch>
+              </a:blipFill>
+            </p:spPr>
+            <p:txBody>
+              <a:bodyPr/>
+              <a:lstStyle/>
+              <a:p>
+                <a:r>
+                  <a:rPr lang="zh-TW" altLang="en-US">
+                    <a:noFill/>
+                  </a:rPr>
+                  <a:t> </a:t>
+                </a:r>
+              </a:p>
+            </p:txBody>
+          </p:sp>
+        </mc:Fallback>
+      </mc:AlternateContent>
+      <p:pic>
+        <p:nvPicPr>
+          <p:cNvPr id="22" name="圖片 21"/>
+          <p:cNvPicPr>
+            <a:picLocks noChangeAspect="1"/>
+          </p:cNvPicPr>
+          <p:nvPr/>
+        </p:nvPicPr>
+        <p:blipFill>
+          <a:blip r:embed="rId5"/>
+          <a:stretch>
+            <a:fillRect/>
+          </a:stretch>
+        </p:blipFill>
+        <p:spPr>
+          <a:xfrm>
+            <a:off x="4682517" y="1420377"/>
+            <a:ext cx="1977095" cy="927367"/>
+          </a:xfrm>
+          <a:prstGeom prst="rect">
+            <a:avLst/>
+          </a:prstGeom>
+        </p:spPr>
+      </p:pic>
+      <p:sp>
+        <p:nvSpPr>
+          <p:cNvPr id="23" name="文字方塊 22"/>
+          <p:cNvSpPr txBox="1"/>
+          <p:nvPr/>
+        </p:nvSpPr>
+        <p:spPr>
+          <a:xfrm>
+            <a:off x="135487" y="1400709"/>
+            <a:ext cx="436338" cy="369332"/>
+          </a:xfrm>
+          <a:prstGeom prst="rect">
+            <a:avLst/>
+          </a:prstGeom>
+          <a:noFill/>
+        </p:spPr>
+        <p:txBody>
+          <a:bodyPr wrap="none" rtlCol="0">
+            <a:spAutoFit/>
+          </a:bodyPr>
+          <a:lstStyle/>
+          <a:p>
+            <a:r>
+              <a:rPr lang="en-US" altLang="zh-TW" dirty="0" smtClean="0">
+                <a:solidFill>
+                  <a:srgbClr val="FF0000"/>
+                </a:solidFill>
+              </a:rPr>
+              <a:t>(a)</a:t>
+            </a:r>
+            <a:endParaRPr lang="zh-TW" altLang="en-US" dirty="0">
+              <a:solidFill>
+                <a:srgbClr val="FF0000"/>
+              </a:solidFill>
+            </a:endParaRPr>
+          </a:p>
+        </p:txBody>
+      </p:sp>
+      <p:sp>
+        <p:nvSpPr>
+          <p:cNvPr id="24" name="文字方塊 23"/>
+          <p:cNvSpPr txBox="1"/>
+          <p:nvPr/>
+        </p:nvSpPr>
+        <p:spPr>
+          <a:xfrm>
+            <a:off x="353656" y="2335928"/>
+            <a:ext cx="3074688" cy="338554"/>
+          </a:xfrm>
+          <a:prstGeom prst="rect">
+            <a:avLst/>
+          </a:prstGeom>
+          <a:noFill/>
+        </p:spPr>
+        <p:txBody>
+          <a:bodyPr wrap="square" rtlCol="0">
+            <a:spAutoFit/>
+          </a:bodyPr>
+          <a:lstStyle/>
+          <a:p>
+            <a:pPr lvl="0" algn="just"/>
+            <a:r>
+              <a:rPr lang="en-US" altLang="zh-TW" sz="1600" dirty="0" smtClean="0">
+                <a:solidFill>
+                  <a:prstClr val="black"/>
+                </a:solidFill>
+                <a:latin typeface="Times New Roman" panose="02020603050405020304" pitchFamily="18" charset="0"/>
+                <a:cs typeface="Times New Roman" panose="02020603050405020304" pitchFamily="18" charset="0"/>
+              </a:rPr>
+              <a:t>The output of the equalizer is :</a:t>
+            </a:r>
+            <a:endParaRPr lang="zh-TW" altLang="en-US" sz="1500" dirty="0">
+              <a:solidFill>
+                <a:prstClr val="black"/>
+              </a:solidFill>
+              <a:latin typeface="Times New Roman" panose="02020603050405020304" pitchFamily="18" charset="0"/>
+              <a:cs typeface="Times New Roman" panose="02020603050405020304" pitchFamily="18" charset="0"/>
+            </a:endParaRPr>
+          </a:p>
+        </p:txBody>
+      </p:sp>
+      <p:sp>
+        <p:nvSpPr>
+          <p:cNvPr id="25" name="文字方塊 24"/>
+          <p:cNvSpPr txBox="1"/>
+          <p:nvPr/>
+        </p:nvSpPr>
+        <p:spPr>
+          <a:xfrm>
+            <a:off x="2" y="2244531"/>
+            <a:ext cx="447558" cy="369332"/>
+          </a:xfrm>
+          <a:prstGeom prst="rect">
+            <a:avLst/>
+          </a:prstGeom>
+          <a:noFill/>
+        </p:spPr>
+        <p:txBody>
+          <a:bodyPr wrap="none" rtlCol="0">
+            <a:spAutoFit/>
+          </a:bodyPr>
+          <a:lstStyle/>
+          <a:p>
+            <a:r>
+              <a:rPr lang="en-US" altLang="zh-TW" dirty="0" smtClean="0">
+                <a:solidFill>
+                  <a:srgbClr val="FF0000"/>
+                </a:solidFill>
+              </a:rPr>
+              <a:t>(b)</a:t>
+            </a:r>
+            <a:endParaRPr lang="zh-TW" altLang="en-US" dirty="0">
+              <a:solidFill>
+                <a:srgbClr val="FF0000"/>
+              </a:solidFill>
+            </a:endParaRPr>
+          </a:p>
+        </p:txBody>
+      </p:sp>
+      <p:pic>
+        <p:nvPicPr>
+          <p:cNvPr id="26" name="圖片 25"/>
+          <p:cNvPicPr>
+            <a:picLocks noChangeAspect="1"/>
+          </p:cNvPicPr>
+          <p:nvPr/>
+        </p:nvPicPr>
+        <p:blipFill>
+          <a:blip r:embed="rId6"/>
+          <a:stretch>
+            <a:fillRect/>
+          </a:stretch>
+        </p:blipFill>
+        <p:spPr>
+          <a:xfrm>
+            <a:off x="2" y="2666100"/>
+            <a:ext cx="4858129" cy="3893333"/>
+          </a:xfrm>
+          <a:prstGeom prst="rect">
+            <a:avLst/>
+          </a:prstGeom>
+        </p:spPr>
+      </p:pic>
+      <p:pic>
+        <p:nvPicPr>
+          <p:cNvPr id="27" name="圖片 26"/>
+          <p:cNvPicPr>
+            <a:picLocks noChangeAspect="1"/>
+          </p:cNvPicPr>
+          <p:nvPr/>
+        </p:nvPicPr>
+        <p:blipFill>
+          <a:blip r:embed="rId7"/>
+          <a:stretch>
+            <a:fillRect/>
+          </a:stretch>
+        </p:blipFill>
+        <p:spPr>
+          <a:xfrm>
+            <a:off x="5211785" y="2505205"/>
+            <a:ext cx="6700187" cy="1012112"/>
+          </a:xfrm>
+          <a:prstGeom prst="rect">
+            <a:avLst/>
+          </a:prstGeom>
+        </p:spPr>
+      </p:pic>
+      <p:cxnSp>
+        <p:nvCxnSpPr>
+          <p:cNvPr id="29" name="直線接點 28"/>
+          <p:cNvCxnSpPr/>
+          <p:nvPr/>
+        </p:nvCxnSpPr>
+        <p:spPr>
+          <a:xfrm>
+            <a:off x="4992414" y="3626069"/>
+            <a:ext cx="7199586" cy="21021"/>
+          </a:xfrm>
+          <a:prstGeom prst="line">
+            <a:avLst/>
+          </a:prstGeom>
+        </p:spPr>
+        <p:style>
+          <a:lnRef idx="1">
+            <a:schemeClr val="accent1"/>
+          </a:lnRef>
+          <a:fillRef idx="0">
+            <a:schemeClr val="accent1"/>
+          </a:fillRef>
+          <a:effectRef idx="0">
+            <a:schemeClr val="accent1"/>
+          </a:effectRef>
+          <a:fontRef idx="minor">
+            <a:schemeClr val="tx1"/>
+          </a:fontRef>
+        </p:style>
+      </p:cxnSp>
+      <p:cxnSp>
+        <p:nvCxnSpPr>
+          <p:cNvPr id="31" name="直線接點 30"/>
+          <p:cNvCxnSpPr/>
+          <p:nvPr/>
+        </p:nvCxnSpPr>
+        <p:spPr>
+          <a:xfrm flipH="1">
+            <a:off x="5002924" y="3674778"/>
+            <a:ext cx="10510" cy="3183222"/>
+          </a:xfrm>
+          <a:prstGeom prst="line">
+            <a:avLst/>
+          </a:prstGeom>
+        </p:spPr>
+        <p:style>
+          <a:lnRef idx="1">
+            <a:schemeClr val="accent1"/>
+          </a:lnRef>
+          <a:fillRef idx="0">
+            <a:schemeClr val="accent1"/>
+          </a:fillRef>
+          <a:effectRef idx="0">
+            <a:schemeClr val="accent1"/>
+          </a:effectRef>
+          <a:fontRef idx="minor">
+            <a:schemeClr val="tx1"/>
+          </a:fontRef>
+        </p:style>
+      </p:cxnSp>
+    </p:spTree>
+    <p:extLst>
+      <p:ext uri="{BB962C8B-B14F-4D97-AF65-F5344CB8AC3E}">
+        <p14:creationId xmlns:p14="http://schemas.microsoft.com/office/powerpoint/2010/main" val="3493204987"/>
+      </p:ext>
+    </p:extLst>
+  </p:cSld>
+  <p:clrMapOvr>
+    <a:masterClrMapping/>
+  </p:clrMapOvr>
+</p:sld>
+</file>
+
+<file path=ppt/slides/slide6.xml><?xml version="1.0" encoding="utf-8"?>
+<p:sld xmlns:a="http://schemas.openxmlformats.org/drawingml/2006/main" xmlns:r="http://schemas.openxmlformats.org/officeDocument/2006/relationships" xmlns:p="http://schemas.openxmlformats.org/presentationml/2006/main">
+  <p:cSld>
+    <p:spTree>
+      <p:nvGrpSpPr>
+        <p:cNvPr id="1" name=""/>
+        <p:cNvGrpSpPr/>
+        <p:nvPr/>
+      </p:nvGrpSpPr>
+      <p:grpSpPr>
+        <a:xfrm>
+          <a:off x="0" y="0"/>
+          <a:ext cx="0" cy="0"/>
+          <a:chOff x="0" y="0"/>
+          <a:chExt cx="0" cy="0"/>
+        </a:xfrm>
+      </p:grpSpPr>
+      <mc:AlternateContent xmlns:mc="http://schemas.openxmlformats.org/markup-compatibility/2006">
+        <mc:Choice xmlns:a14="http://schemas.microsoft.com/office/drawing/2010/main" Requires="a14">
+          <p:sp>
+            <p:nvSpPr>
+              <p:cNvPr id="4" name="文字方塊 3"/>
+              <p:cNvSpPr txBox="1"/>
+              <p:nvPr/>
+            </p:nvSpPr>
+            <p:spPr>
+              <a:xfrm>
+                <a:off x="2" y="0"/>
+                <a:ext cx="12191998" cy="834331"/>
+              </a:xfrm>
+              <a:prstGeom prst="rect">
+                <a:avLst/>
+              </a:prstGeom>
+              <a:noFill/>
+            </p:spPr>
+            <p:txBody>
+              <a:bodyPr wrap="square" rtlCol="0">
+                <a:spAutoFit/>
+              </a:bodyPr>
+              <a:lstStyle/>
+              <a:p>
+                <a:pPr marL="285750" indent="-285750" algn="just">
+                  <a:buFont typeface="Wingdings" panose="05000000000000000000" pitchFamily="2" charset="2"/>
+                  <a:buChar char="p"/>
+                </a:pPr>
+                <a:r>
+                  <a:rPr lang="en-US" altLang="zh-TW" sz="1600" dirty="0" smtClean="0"/>
+                  <a:t>A binary communication system transmits the same information on two diversity channels. The two received signals are </a:t>
+                </a:r>
+                <a14:m>
+                  <m:oMath xmlns:m="http://schemas.openxmlformats.org/officeDocument/2006/math">
+                    <m:sSub>
+                      <m:sSubPr>
+                        <m:ctrlPr>
+                          <a:rPr lang="en-US" altLang="zh-TW" sz="1600" b="0" i="1" smtClean="0">
+                            <a:latin typeface="Cambria Math" panose="02040503050406030204" pitchFamily="18" charset="0"/>
+                          </a:rPr>
+                        </m:ctrlPr>
+                      </m:sSubPr>
+                      <m:e>
+                        <m:r>
+                          <a:rPr lang="en-US" altLang="zh-TW" sz="1600" b="0" i="1" smtClean="0">
+                            <a:latin typeface="Cambria Math" panose="02040503050406030204" pitchFamily="18" charset="0"/>
+                          </a:rPr>
+                          <m:t>𝑟</m:t>
+                        </m:r>
+                      </m:e>
+                      <m:sub>
+                        <m:r>
+                          <a:rPr lang="en-US" altLang="zh-TW" sz="1600" b="0" i="1" smtClean="0">
+                            <a:latin typeface="Cambria Math" panose="02040503050406030204" pitchFamily="18" charset="0"/>
+                          </a:rPr>
+                          <m:t>1</m:t>
+                        </m:r>
+                      </m:sub>
+                    </m:sSub>
+                    <m:r>
+                      <a:rPr lang="en-US" altLang="zh-TW" sz="1600" b="0" i="1" smtClean="0">
+                        <a:latin typeface="Cambria Math" panose="02040503050406030204" pitchFamily="18" charset="0"/>
+                      </a:rPr>
+                      <m:t> </m:t>
+                    </m:r>
+                    <m:r>
+                      <a:rPr lang="en-US" altLang="zh-TW" sz="1600" b="0" i="1" smtClean="0">
+                        <a:latin typeface="Cambria Math" panose="02040503050406030204" pitchFamily="18" charset="0"/>
+                      </a:rPr>
+                      <m:t>𝑎𝑛𝑑</m:t>
+                    </m:r>
+                    <m:r>
+                      <a:rPr lang="en-US" altLang="zh-TW" sz="1600" b="0" i="1" smtClean="0">
+                        <a:latin typeface="Cambria Math" panose="02040503050406030204" pitchFamily="18" charset="0"/>
+                      </a:rPr>
+                      <m:t> </m:t>
+                    </m:r>
+                    <m:sSub>
+                      <m:sSubPr>
+                        <m:ctrlPr>
+                          <a:rPr lang="en-US" altLang="zh-TW" sz="1600" b="0" i="1" smtClean="0">
+                            <a:latin typeface="Cambria Math" panose="02040503050406030204" pitchFamily="18" charset="0"/>
+                          </a:rPr>
+                        </m:ctrlPr>
+                      </m:sSubPr>
+                      <m:e>
+                        <m:r>
+                          <a:rPr lang="en-US" altLang="zh-TW" sz="1600" b="0" i="1" smtClean="0">
+                            <a:latin typeface="Cambria Math" panose="02040503050406030204" pitchFamily="18" charset="0"/>
+                          </a:rPr>
+                          <m:t>𝑟</m:t>
+                        </m:r>
+                      </m:e>
+                      <m:sub>
+                        <m:r>
+                          <a:rPr lang="en-US" altLang="zh-TW" sz="1600" b="0" i="1" smtClean="0">
+                            <a:latin typeface="Cambria Math" panose="02040503050406030204" pitchFamily="18" charset="0"/>
+                          </a:rPr>
+                          <m:t>2</m:t>
+                        </m:r>
+                      </m:sub>
+                    </m:sSub>
+                    <m:r>
+                      <a:rPr lang="en-US" altLang="zh-TW" sz="1600" b="0" i="1" smtClean="0">
+                        <a:latin typeface="Cambria Math" panose="02040503050406030204" pitchFamily="18" charset="0"/>
+                      </a:rPr>
+                      <m:t>,</m:t>
+                    </m:r>
+                  </m:oMath>
+                </a14:m>
+                <a:r>
+                  <a:rPr lang="en-US" altLang="zh-TW" sz="1600" dirty="0" smtClean="0">
+                    <a:latin typeface="Times New Roman" panose="02020603050405020304" pitchFamily="18" charset="0"/>
+                    <a:cs typeface="Times New Roman" panose="02020603050405020304" pitchFamily="18" charset="0"/>
+                  </a:rPr>
+                  <a:t> where </a:t>
+                </a:r>
+                <a14:m>
+                  <m:oMath xmlns:m="http://schemas.openxmlformats.org/officeDocument/2006/math">
+                    <m:r>
+                      <a:rPr lang="en-US" altLang="zh-TW" sz="1600" b="0" i="1" smtClean="0">
+                        <a:latin typeface="Cambria Math" panose="02040503050406030204" pitchFamily="18" charset="0"/>
+                        <a:cs typeface="Times New Roman" panose="02020603050405020304" pitchFamily="18" charset="0"/>
+                      </a:rPr>
+                      <m:t>𝐸</m:t>
+                    </m:r>
+                    <m:d>
+                      <m:dPr>
+                        <m:ctrlPr>
+                          <a:rPr lang="en-US" altLang="zh-TW" sz="1600" b="0" i="1" smtClean="0">
+                            <a:latin typeface="Cambria Math" panose="02040503050406030204" pitchFamily="18" charset="0"/>
+                            <a:cs typeface="Times New Roman" panose="02020603050405020304" pitchFamily="18" charset="0"/>
+                          </a:rPr>
+                        </m:ctrlPr>
+                      </m:dPr>
+                      <m:e>
+                        <m:sSub>
+                          <m:sSubPr>
+                            <m:ctrlPr>
+                              <a:rPr lang="en-US" altLang="zh-TW" sz="1600" b="0" i="1" smtClean="0">
+                                <a:latin typeface="Cambria Math" panose="02040503050406030204" pitchFamily="18" charset="0"/>
+                                <a:cs typeface="Times New Roman" panose="02020603050405020304" pitchFamily="18" charset="0"/>
+                              </a:rPr>
+                            </m:ctrlPr>
+                          </m:sSubPr>
+                          <m:e>
+                            <m:r>
+                              <a:rPr lang="en-US" altLang="zh-TW" sz="1600" b="0" i="1" smtClean="0">
+                                <a:latin typeface="Cambria Math" panose="02040503050406030204" pitchFamily="18" charset="0"/>
+                                <a:cs typeface="Times New Roman" panose="02020603050405020304" pitchFamily="18" charset="0"/>
+                              </a:rPr>
+                              <m:t>𝑛</m:t>
+                            </m:r>
+                          </m:e>
+                          <m:sub>
+                            <m:r>
+                              <a:rPr lang="en-US" altLang="zh-TW" sz="1600" b="0" i="1" smtClean="0">
+                                <a:latin typeface="Cambria Math" panose="02040503050406030204" pitchFamily="18" charset="0"/>
+                                <a:cs typeface="Times New Roman" panose="02020603050405020304" pitchFamily="18" charset="0"/>
+                              </a:rPr>
+                              <m:t>1</m:t>
+                            </m:r>
+                          </m:sub>
+                        </m:sSub>
+                      </m:e>
+                    </m:d>
+                    <m:r>
+                      <a:rPr lang="en-US" altLang="zh-TW" sz="1600" b="0" i="1" smtClean="0">
+                        <a:latin typeface="Cambria Math" panose="02040503050406030204" pitchFamily="18" charset="0"/>
+                        <a:cs typeface="Times New Roman" panose="02020603050405020304" pitchFamily="18" charset="0"/>
+                      </a:rPr>
+                      <m:t>=</m:t>
+                    </m:r>
+                    <m:r>
+                      <a:rPr lang="en-US" altLang="zh-TW" sz="1600" b="0" i="1" smtClean="0">
+                        <a:latin typeface="Cambria Math" panose="02040503050406030204" pitchFamily="18" charset="0"/>
+                        <a:cs typeface="Times New Roman" panose="02020603050405020304" pitchFamily="18" charset="0"/>
+                      </a:rPr>
+                      <m:t>𝐸</m:t>
+                    </m:r>
+                    <m:d>
+                      <m:dPr>
+                        <m:ctrlPr>
+                          <a:rPr lang="en-US" altLang="zh-TW" sz="1600" b="0" i="1" smtClean="0">
+                            <a:latin typeface="Cambria Math" panose="02040503050406030204" pitchFamily="18" charset="0"/>
+                            <a:cs typeface="Times New Roman" panose="02020603050405020304" pitchFamily="18" charset="0"/>
+                          </a:rPr>
+                        </m:ctrlPr>
+                      </m:dPr>
+                      <m:e>
+                        <m:sSub>
+                          <m:sSubPr>
+                            <m:ctrlPr>
+                              <a:rPr lang="en-US" altLang="zh-TW" sz="1600" b="0" i="1" smtClean="0">
+                                <a:latin typeface="Cambria Math" panose="02040503050406030204" pitchFamily="18" charset="0"/>
+                                <a:cs typeface="Times New Roman" panose="02020603050405020304" pitchFamily="18" charset="0"/>
+                              </a:rPr>
+                            </m:ctrlPr>
+                          </m:sSubPr>
+                          <m:e>
+                            <m:r>
+                              <a:rPr lang="en-US" altLang="zh-TW" sz="1600" b="0" i="1" smtClean="0">
+                                <a:latin typeface="Cambria Math" panose="02040503050406030204" pitchFamily="18" charset="0"/>
+                                <a:cs typeface="Times New Roman" panose="02020603050405020304" pitchFamily="18" charset="0"/>
+                              </a:rPr>
+                              <m:t>𝑛</m:t>
+                            </m:r>
+                          </m:e>
+                          <m:sub>
+                            <m:r>
+                              <a:rPr lang="en-US" altLang="zh-TW" sz="1600" b="0" i="1" smtClean="0">
+                                <a:latin typeface="Cambria Math" panose="02040503050406030204" pitchFamily="18" charset="0"/>
+                                <a:cs typeface="Times New Roman" panose="02020603050405020304" pitchFamily="18" charset="0"/>
+                              </a:rPr>
+                              <m:t>2</m:t>
+                            </m:r>
+                          </m:sub>
+                        </m:sSub>
+                      </m:e>
+                    </m:d>
+                    <m:r>
+                      <a:rPr lang="en-US" altLang="zh-TW" sz="1600" b="0" i="1" smtClean="0">
+                        <a:latin typeface="Cambria Math" panose="02040503050406030204" pitchFamily="18" charset="0"/>
+                        <a:cs typeface="Times New Roman" panose="02020603050405020304" pitchFamily="18" charset="0"/>
+                      </a:rPr>
+                      <m:t>=0, </m:t>
+                    </m:r>
+                    <m:r>
+                      <a:rPr lang="en-US" altLang="zh-TW" sz="1600" b="0" i="1" smtClean="0">
+                        <a:latin typeface="Cambria Math" panose="02040503050406030204" pitchFamily="18" charset="0"/>
+                        <a:cs typeface="Times New Roman" panose="02020603050405020304" pitchFamily="18" charset="0"/>
+                      </a:rPr>
+                      <m:t>𝐸</m:t>
+                    </m:r>
+                    <m:d>
+                      <m:dPr>
+                        <m:ctrlPr>
+                          <a:rPr lang="en-US" altLang="zh-TW" sz="1600" b="0" i="1" smtClean="0">
+                            <a:latin typeface="Cambria Math" panose="02040503050406030204" pitchFamily="18" charset="0"/>
+                            <a:cs typeface="Times New Roman" panose="02020603050405020304" pitchFamily="18" charset="0"/>
+                          </a:rPr>
+                        </m:ctrlPr>
+                      </m:dPr>
+                      <m:e>
+                        <m:sSubSup>
+                          <m:sSubSupPr>
+                            <m:ctrlPr>
+                              <a:rPr lang="en-US" altLang="zh-TW" sz="1600" b="0" i="1" smtClean="0">
+                                <a:latin typeface="Cambria Math" panose="02040503050406030204" pitchFamily="18" charset="0"/>
+                                <a:cs typeface="Times New Roman" panose="02020603050405020304" pitchFamily="18" charset="0"/>
+                              </a:rPr>
+                            </m:ctrlPr>
+                          </m:sSubSupPr>
+                          <m:e>
+                            <m:r>
+                              <a:rPr lang="en-US" altLang="zh-TW" sz="1600" b="0" i="1" smtClean="0">
+                                <a:latin typeface="Cambria Math" panose="02040503050406030204" pitchFamily="18" charset="0"/>
+                                <a:cs typeface="Times New Roman" panose="02020603050405020304" pitchFamily="18" charset="0"/>
+                              </a:rPr>
+                              <m:t>𝑛</m:t>
+                            </m:r>
+                          </m:e>
+                          <m:sub>
+                            <m:r>
+                              <a:rPr lang="en-US" altLang="zh-TW" sz="1600" b="0" i="1" smtClean="0">
+                                <a:latin typeface="Cambria Math" panose="02040503050406030204" pitchFamily="18" charset="0"/>
+                                <a:cs typeface="Times New Roman" panose="02020603050405020304" pitchFamily="18" charset="0"/>
+                              </a:rPr>
+                              <m:t>1</m:t>
+                            </m:r>
+                          </m:sub>
+                          <m:sup>
+                            <m:r>
+                              <a:rPr lang="en-US" altLang="zh-TW" sz="1600" b="0" i="1" smtClean="0">
+                                <a:latin typeface="Cambria Math" panose="02040503050406030204" pitchFamily="18" charset="0"/>
+                                <a:cs typeface="Times New Roman" panose="02020603050405020304" pitchFamily="18" charset="0"/>
+                              </a:rPr>
+                              <m:t>2</m:t>
+                            </m:r>
+                          </m:sup>
+                        </m:sSubSup>
+                      </m:e>
+                    </m:d>
+                    <m:r>
+                      <a:rPr lang="en-US" altLang="zh-TW" sz="1600" b="0" i="1" smtClean="0">
+                        <a:latin typeface="Cambria Math" panose="02040503050406030204" pitchFamily="18" charset="0"/>
+                        <a:cs typeface="Times New Roman" panose="02020603050405020304" pitchFamily="18" charset="0"/>
+                      </a:rPr>
+                      <m:t>=</m:t>
+                    </m:r>
+                    <m:sSubSup>
+                      <m:sSubSupPr>
+                        <m:ctrlPr>
+                          <a:rPr lang="en-US" altLang="zh-TW" sz="1600" b="0" i="1" smtClean="0">
+                            <a:latin typeface="Cambria Math" panose="02040503050406030204" pitchFamily="18" charset="0"/>
+                            <a:cs typeface="Times New Roman" panose="02020603050405020304" pitchFamily="18" charset="0"/>
+                          </a:rPr>
+                        </m:ctrlPr>
+                      </m:sSubSupPr>
+                      <m:e>
+                        <m:r>
+                          <a:rPr lang="en-US" altLang="zh-TW" sz="1600" b="0" i="1" smtClean="0">
+                            <a:latin typeface="Cambria Math" panose="02040503050406030204" pitchFamily="18" charset="0"/>
+                            <a:cs typeface="Times New Roman" panose="02020603050405020304" pitchFamily="18" charset="0"/>
+                          </a:rPr>
+                          <m:t>𝜎</m:t>
+                        </m:r>
+                      </m:e>
+                      <m:sub>
+                        <m:r>
+                          <a:rPr lang="en-US" altLang="zh-TW" sz="1600" b="0" i="1" smtClean="0">
+                            <a:latin typeface="Cambria Math" panose="02040503050406030204" pitchFamily="18" charset="0"/>
+                            <a:cs typeface="Times New Roman" panose="02020603050405020304" pitchFamily="18" charset="0"/>
+                          </a:rPr>
+                          <m:t>1</m:t>
+                        </m:r>
+                      </m:sub>
+                      <m:sup>
+                        <m:r>
+                          <a:rPr lang="en-US" altLang="zh-TW" sz="1600" b="0" i="1" smtClean="0">
+                            <a:latin typeface="Cambria Math" panose="02040503050406030204" pitchFamily="18" charset="0"/>
+                            <a:cs typeface="Times New Roman" panose="02020603050405020304" pitchFamily="18" charset="0"/>
+                          </a:rPr>
+                          <m:t>2</m:t>
+                        </m:r>
+                      </m:sup>
+                    </m:sSubSup>
+                    <m:r>
+                      <a:rPr lang="en-US" altLang="zh-TW" sz="1600" b="0" i="1" smtClean="0">
+                        <a:latin typeface="Cambria Math" panose="02040503050406030204" pitchFamily="18" charset="0"/>
+                        <a:cs typeface="Times New Roman" panose="02020603050405020304" pitchFamily="18" charset="0"/>
+                      </a:rPr>
+                      <m:t> </m:t>
+                    </m:r>
+                    <m:r>
+                      <a:rPr lang="en-US" altLang="zh-TW" sz="1600" b="0" i="1" smtClean="0">
+                        <a:latin typeface="Cambria Math" panose="02040503050406030204" pitchFamily="18" charset="0"/>
+                        <a:cs typeface="Times New Roman" panose="02020603050405020304" pitchFamily="18" charset="0"/>
+                      </a:rPr>
+                      <m:t>𝑎𝑛𝑑</m:t>
+                    </m:r>
+                    <m:r>
+                      <a:rPr lang="en-US" altLang="zh-TW" sz="1600" b="0" i="1" smtClean="0">
+                        <a:latin typeface="Cambria Math" panose="02040503050406030204" pitchFamily="18" charset="0"/>
+                        <a:cs typeface="Times New Roman" panose="02020603050405020304" pitchFamily="18" charset="0"/>
+                      </a:rPr>
+                      <m:t> </m:t>
+                    </m:r>
+                    <m:r>
+                      <a:rPr lang="en-US" altLang="zh-TW" sz="1600" b="0" i="1" smtClean="0">
+                        <a:latin typeface="Cambria Math" panose="02040503050406030204" pitchFamily="18" charset="0"/>
+                        <a:cs typeface="Times New Roman" panose="02020603050405020304" pitchFamily="18" charset="0"/>
+                      </a:rPr>
+                      <m:t>𝐸</m:t>
+                    </m:r>
+                    <m:d>
+                      <m:dPr>
+                        <m:ctrlPr>
+                          <a:rPr lang="en-US" altLang="zh-TW" sz="1600" b="0" i="1" smtClean="0">
+                            <a:latin typeface="Cambria Math" panose="02040503050406030204" pitchFamily="18" charset="0"/>
+                            <a:cs typeface="Times New Roman" panose="02020603050405020304" pitchFamily="18" charset="0"/>
+                          </a:rPr>
+                        </m:ctrlPr>
+                      </m:dPr>
+                      <m:e>
+                        <m:sSubSup>
+                          <m:sSubSupPr>
+                            <m:ctrlPr>
+                              <a:rPr lang="en-US" altLang="zh-TW" sz="1600" b="0" i="1" smtClean="0">
+                                <a:latin typeface="Cambria Math" panose="02040503050406030204" pitchFamily="18" charset="0"/>
+                                <a:cs typeface="Times New Roman" panose="02020603050405020304" pitchFamily="18" charset="0"/>
+                              </a:rPr>
+                            </m:ctrlPr>
+                          </m:sSubSupPr>
+                          <m:e>
+                            <m:r>
+                              <a:rPr lang="en-US" altLang="zh-TW" sz="1600" b="0" i="1" smtClean="0">
+                                <a:latin typeface="Cambria Math" panose="02040503050406030204" pitchFamily="18" charset="0"/>
+                                <a:cs typeface="Times New Roman" panose="02020603050405020304" pitchFamily="18" charset="0"/>
+                              </a:rPr>
+                              <m:t>𝑛</m:t>
+                            </m:r>
+                          </m:e>
+                          <m:sub>
+                            <m:r>
+                              <a:rPr lang="en-US" altLang="zh-TW" sz="1600" b="0" i="1" smtClean="0">
+                                <a:latin typeface="Cambria Math" panose="02040503050406030204" pitchFamily="18" charset="0"/>
+                                <a:cs typeface="Times New Roman" panose="02020603050405020304" pitchFamily="18" charset="0"/>
+                              </a:rPr>
+                              <m:t>2</m:t>
+                            </m:r>
+                          </m:sub>
+                          <m:sup>
+                            <m:r>
+                              <a:rPr lang="en-US" altLang="zh-TW" sz="1600" b="0" i="1" smtClean="0">
+                                <a:latin typeface="Cambria Math" panose="02040503050406030204" pitchFamily="18" charset="0"/>
+                                <a:cs typeface="Times New Roman" panose="02020603050405020304" pitchFamily="18" charset="0"/>
+                              </a:rPr>
+                              <m:t>2</m:t>
+                            </m:r>
+                          </m:sup>
+                        </m:sSubSup>
+                      </m:e>
+                    </m:d>
+                    <m:r>
+                      <a:rPr lang="en-US" altLang="zh-TW" sz="1600" b="0" i="1" smtClean="0">
+                        <a:latin typeface="Cambria Math" panose="02040503050406030204" pitchFamily="18" charset="0"/>
+                        <a:cs typeface="Times New Roman" panose="02020603050405020304" pitchFamily="18" charset="0"/>
+                      </a:rPr>
+                      <m:t>=</m:t>
+                    </m:r>
+                    <m:sSubSup>
+                      <m:sSubSupPr>
+                        <m:ctrlPr>
+                          <a:rPr lang="en-US" altLang="zh-TW" sz="1600" b="0" i="1" smtClean="0">
+                            <a:latin typeface="Cambria Math" panose="02040503050406030204" pitchFamily="18" charset="0"/>
+                            <a:cs typeface="Times New Roman" panose="02020603050405020304" pitchFamily="18" charset="0"/>
+                          </a:rPr>
+                        </m:ctrlPr>
+                      </m:sSubSupPr>
+                      <m:e>
+                        <m:r>
+                          <a:rPr lang="en-US" altLang="zh-TW" sz="1600" b="0" i="1" smtClean="0">
+                            <a:latin typeface="Cambria Math" panose="02040503050406030204" pitchFamily="18" charset="0"/>
+                            <a:cs typeface="Times New Roman" panose="02020603050405020304" pitchFamily="18" charset="0"/>
+                          </a:rPr>
+                          <m:t>𝜎</m:t>
+                        </m:r>
+                      </m:e>
+                      <m:sub>
+                        <m:r>
+                          <a:rPr lang="en-US" altLang="zh-TW" sz="1600" b="0" i="1" smtClean="0">
+                            <a:latin typeface="Cambria Math" panose="02040503050406030204" pitchFamily="18" charset="0"/>
+                            <a:cs typeface="Times New Roman" panose="02020603050405020304" pitchFamily="18" charset="0"/>
+                          </a:rPr>
+                          <m:t>2</m:t>
+                        </m:r>
+                      </m:sub>
+                      <m:sup>
+                        <m:r>
+                          <a:rPr lang="en-US" altLang="zh-TW" sz="1600" b="0" i="1" smtClean="0">
+                            <a:latin typeface="Cambria Math" panose="02040503050406030204" pitchFamily="18" charset="0"/>
+                            <a:cs typeface="Times New Roman" panose="02020603050405020304" pitchFamily="18" charset="0"/>
+                          </a:rPr>
+                          <m:t>2</m:t>
+                        </m:r>
+                      </m:sup>
+                    </m:sSubSup>
+                    <m:r>
+                      <a:rPr lang="en-US" altLang="zh-TW" sz="1600" b="0" i="1" smtClean="0">
+                        <a:latin typeface="Cambria Math" panose="02040503050406030204" pitchFamily="18" charset="0"/>
+                        <a:cs typeface="Times New Roman" panose="02020603050405020304" pitchFamily="18" charset="0"/>
+                      </a:rPr>
+                      <m:t>, </m:t>
+                    </m:r>
+                    <m:r>
+                      <a:rPr lang="en-US" altLang="zh-TW" sz="1600" b="0" i="1" smtClean="0">
+                        <a:latin typeface="Cambria Math" panose="02040503050406030204" pitchFamily="18" charset="0"/>
+                        <a:cs typeface="Times New Roman" panose="02020603050405020304" pitchFamily="18" charset="0"/>
+                      </a:rPr>
+                      <m:t>𝑎𝑛𝑑</m:t>
+                    </m:r>
+                    <m:r>
+                      <a:rPr lang="en-US" altLang="zh-TW" sz="1600" b="0" i="1" smtClean="0">
+                        <a:latin typeface="Cambria Math" panose="02040503050406030204" pitchFamily="18" charset="0"/>
+                        <a:cs typeface="Times New Roman" panose="02020603050405020304" pitchFamily="18" charset="0"/>
+                      </a:rPr>
+                      <m:t> </m:t>
+                    </m:r>
+                    <m:sSub>
+                      <m:sSubPr>
+                        <m:ctrlPr>
+                          <a:rPr lang="en-US" altLang="zh-TW" sz="1600" b="0" i="1" smtClean="0">
+                            <a:latin typeface="Cambria Math" panose="02040503050406030204" pitchFamily="18" charset="0"/>
+                            <a:cs typeface="Times New Roman" panose="02020603050405020304" pitchFamily="18" charset="0"/>
+                          </a:rPr>
+                        </m:ctrlPr>
+                      </m:sSubPr>
+                      <m:e>
+                        <m:r>
+                          <a:rPr lang="en-US" altLang="zh-TW" sz="1600" b="0" i="1" smtClean="0">
+                            <a:latin typeface="Cambria Math" panose="02040503050406030204" pitchFamily="18" charset="0"/>
+                            <a:cs typeface="Times New Roman" panose="02020603050405020304" pitchFamily="18" charset="0"/>
+                          </a:rPr>
+                          <m:t>𝑛</m:t>
+                        </m:r>
+                      </m:e>
+                      <m:sub>
+                        <m:r>
+                          <a:rPr lang="en-US" altLang="zh-TW" sz="1600" b="0" i="1" smtClean="0">
+                            <a:latin typeface="Cambria Math" panose="02040503050406030204" pitchFamily="18" charset="0"/>
+                            <a:cs typeface="Times New Roman" panose="02020603050405020304" pitchFamily="18" charset="0"/>
+                          </a:rPr>
+                          <m:t>1</m:t>
+                        </m:r>
+                      </m:sub>
+                    </m:sSub>
+                    <m:r>
+                      <a:rPr lang="en-US" altLang="zh-TW" sz="1600" b="0" i="1" smtClean="0">
+                        <a:latin typeface="Cambria Math" panose="02040503050406030204" pitchFamily="18" charset="0"/>
+                        <a:cs typeface="Times New Roman" panose="02020603050405020304" pitchFamily="18" charset="0"/>
+                      </a:rPr>
+                      <m:t> </m:t>
+                    </m:r>
+                    <m:r>
+                      <a:rPr lang="en-US" altLang="zh-TW" sz="1600" b="0" i="1" smtClean="0">
+                        <a:latin typeface="Cambria Math" panose="02040503050406030204" pitchFamily="18" charset="0"/>
+                        <a:cs typeface="Times New Roman" panose="02020603050405020304" pitchFamily="18" charset="0"/>
+                      </a:rPr>
+                      <m:t>𝑎𝑛𝑑</m:t>
+                    </m:r>
+                    <m:r>
+                      <a:rPr lang="en-US" altLang="zh-TW" sz="1600" b="0" i="1" smtClean="0">
+                        <a:latin typeface="Cambria Math" panose="02040503050406030204" pitchFamily="18" charset="0"/>
+                        <a:cs typeface="Times New Roman" panose="02020603050405020304" pitchFamily="18" charset="0"/>
+                      </a:rPr>
+                      <m:t> </m:t>
+                    </m:r>
+                    <m:sSub>
+                      <m:sSubPr>
+                        <m:ctrlPr>
+                          <a:rPr lang="en-US" altLang="zh-TW" sz="1600" b="0" i="1" smtClean="0">
+                            <a:latin typeface="Cambria Math" panose="02040503050406030204" pitchFamily="18" charset="0"/>
+                            <a:cs typeface="Times New Roman" panose="02020603050405020304" pitchFamily="18" charset="0"/>
+                          </a:rPr>
+                        </m:ctrlPr>
+                      </m:sSubPr>
+                      <m:e>
+                        <m:r>
+                          <a:rPr lang="en-US" altLang="zh-TW" sz="1600" b="0" i="1" smtClean="0">
+                            <a:latin typeface="Cambria Math" panose="02040503050406030204" pitchFamily="18" charset="0"/>
+                            <a:cs typeface="Times New Roman" panose="02020603050405020304" pitchFamily="18" charset="0"/>
+                          </a:rPr>
+                          <m:t>𝑛</m:t>
+                        </m:r>
+                      </m:e>
+                      <m:sub>
+                        <m:r>
+                          <a:rPr lang="en-US" altLang="zh-TW" sz="1600" b="0" i="1" smtClean="0">
+                            <a:latin typeface="Cambria Math" panose="02040503050406030204" pitchFamily="18" charset="0"/>
+                            <a:cs typeface="Times New Roman" panose="02020603050405020304" pitchFamily="18" charset="0"/>
+                          </a:rPr>
+                          <m:t>2</m:t>
+                        </m:r>
+                      </m:sub>
+                    </m:sSub>
+                  </m:oMath>
+                </a14:m>
+                <a:r>
+                  <a:rPr lang="en-US" altLang="zh-TW" sz="1600" dirty="0">
+                    <a:latin typeface="Times New Roman" panose="02020603050405020304" pitchFamily="18" charset="0"/>
+                    <a:cs typeface="Times New Roman" panose="02020603050405020304" pitchFamily="18" charset="0"/>
+                  </a:rPr>
+                  <a:t> </a:t>
+                </a:r>
+                <a:r>
+                  <a:rPr lang="en-US" altLang="zh-TW" sz="1600" dirty="0" smtClean="0">
+                    <a:latin typeface="Times New Roman" panose="02020603050405020304" pitchFamily="18" charset="0"/>
+                    <a:cs typeface="Times New Roman" panose="02020603050405020304" pitchFamily="18" charset="0"/>
+                  </a:rPr>
+                  <a:t>are uncorrelated </a:t>
+                </a:r>
+                <a:r>
+                  <a:rPr lang="en-US" altLang="zh-TW" sz="1600" dirty="0">
+                    <a:latin typeface="Times New Roman" panose="02020603050405020304" pitchFamily="18" charset="0"/>
+                    <a:cs typeface="Times New Roman" panose="02020603050405020304" pitchFamily="18" charset="0"/>
+                  </a:rPr>
+                  <a:t>Gaussian variables</a:t>
+                </a:r>
+                <a:r>
+                  <a:rPr lang="en-US" altLang="zh-TW" sz="1600" dirty="0" smtClean="0">
+                    <a:latin typeface="Times New Roman" panose="02020603050405020304" pitchFamily="18" charset="0"/>
+                    <a:cs typeface="Times New Roman" panose="02020603050405020304" pitchFamily="18" charset="0"/>
+                  </a:rPr>
+                  <a:t>. </a:t>
+                </a:r>
+                <a:r>
+                  <a:rPr lang="en-US" altLang="zh-TW" sz="1600" dirty="0"/>
+                  <a:t>The detector bases its decision on the linear combination </a:t>
+                </a:r>
+                <a:r>
+                  <a:rPr lang="en-US" altLang="zh-TW" sz="1600" dirty="0" smtClean="0"/>
+                  <a:t>of </a:t>
+                </a:r>
+                <a14:m>
+                  <m:oMath xmlns:m="http://schemas.openxmlformats.org/officeDocument/2006/math">
+                    <m:sSub>
+                      <m:sSubPr>
+                        <m:ctrlPr>
+                          <a:rPr lang="en-US" altLang="zh-TW" sz="1600" b="0" i="1" smtClean="0">
+                            <a:latin typeface="Cambria Math" panose="02040503050406030204" pitchFamily="18" charset="0"/>
+                          </a:rPr>
+                        </m:ctrlPr>
+                      </m:sSubPr>
+                      <m:e>
+                        <m:r>
+                          <a:rPr lang="en-US" altLang="zh-TW" sz="1600" b="0" i="1" smtClean="0">
+                            <a:latin typeface="Cambria Math" panose="02040503050406030204" pitchFamily="18" charset="0"/>
+                          </a:rPr>
+                          <m:t>𝑟</m:t>
+                        </m:r>
+                      </m:e>
+                      <m:sub>
+                        <m:r>
+                          <a:rPr lang="en-US" altLang="zh-TW" sz="1600" b="0" i="1" smtClean="0">
+                            <a:latin typeface="Cambria Math" panose="02040503050406030204" pitchFamily="18" charset="0"/>
+                          </a:rPr>
+                          <m:t>1</m:t>
+                        </m:r>
+                      </m:sub>
+                    </m:sSub>
+                    <m:r>
+                      <a:rPr lang="en-US" altLang="zh-TW" sz="1600" b="0" i="1" smtClean="0">
+                        <a:latin typeface="Cambria Math" panose="02040503050406030204" pitchFamily="18" charset="0"/>
+                      </a:rPr>
+                      <m:t> </m:t>
+                    </m:r>
+                    <m:r>
+                      <a:rPr lang="en-US" altLang="zh-TW" sz="1600" b="0" i="1" smtClean="0">
+                        <a:latin typeface="Cambria Math" panose="02040503050406030204" pitchFamily="18" charset="0"/>
+                      </a:rPr>
+                      <m:t>𝑎𝑛𝑑</m:t>
+                    </m:r>
+                    <m:r>
+                      <a:rPr lang="en-US" altLang="zh-TW" sz="1600" b="0" i="1" smtClean="0">
+                        <a:latin typeface="Cambria Math" panose="02040503050406030204" pitchFamily="18" charset="0"/>
+                      </a:rPr>
+                      <m:t> </m:t>
+                    </m:r>
+                    <m:sSub>
+                      <m:sSubPr>
+                        <m:ctrlPr>
+                          <a:rPr lang="en-US" altLang="zh-TW" sz="1600" b="0" i="1" smtClean="0">
+                            <a:latin typeface="Cambria Math" panose="02040503050406030204" pitchFamily="18" charset="0"/>
+                          </a:rPr>
+                        </m:ctrlPr>
+                      </m:sSubPr>
+                      <m:e>
+                        <m:r>
+                          <a:rPr lang="en-US" altLang="zh-TW" sz="1600" b="0" i="1" smtClean="0">
+                            <a:latin typeface="Cambria Math" panose="02040503050406030204" pitchFamily="18" charset="0"/>
+                          </a:rPr>
+                          <m:t>𝑟</m:t>
+                        </m:r>
+                      </m:e>
+                      <m:sub>
+                        <m:r>
+                          <a:rPr lang="en-US" altLang="zh-TW" sz="1600" b="0" i="1" smtClean="0">
+                            <a:latin typeface="Cambria Math" panose="02040503050406030204" pitchFamily="18" charset="0"/>
+                          </a:rPr>
+                          <m:t>2</m:t>
+                        </m:r>
+                      </m:sub>
+                    </m:sSub>
+                  </m:oMath>
+                </a14:m>
+                <a:r>
+                  <a:rPr lang="en-US" altLang="zh-TW" sz="1600" dirty="0" smtClean="0">
+                    <a:latin typeface="Times New Roman" panose="02020603050405020304" pitchFamily="18" charset="0"/>
+                    <a:cs typeface="Times New Roman" panose="02020603050405020304" pitchFamily="18" charset="0"/>
+                  </a:rPr>
+                  <a:t>, i.e., </a:t>
+                </a:r>
+                <a14:m>
+                  <m:oMath xmlns:m="http://schemas.openxmlformats.org/officeDocument/2006/math">
+                    <m:r>
+                      <a:rPr lang="en-US" altLang="zh-TW" sz="1600" b="0" i="1" smtClean="0">
+                        <a:latin typeface="Cambria Math" panose="02040503050406030204" pitchFamily="18" charset="0"/>
+                        <a:cs typeface="Times New Roman" panose="02020603050405020304" pitchFamily="18" charset="0"/>
+                      </a:rPr>
+                      <m:t>𝑟</m:t>
+                    </m:r>
+                    <m:r>
+                      <a:rPr lang="en-US" altLang="zh-TW" sz="1600" b="0" i="1" smtClean="0">
+                        <a:latin typeface="Cambria Math" panose="02040503050406030204" pitchFamily="18" charset="0"/>
+                        <a:cs typeface="Times New Roman" panose="02020603050405020304" pitchFamily="18" charset="0"/>
+                      </a:rPr>
+                      <m:t>=</m:t>
+                    </m:r>
+                    <m:sSub>
+                      <m:sSubPr>
+                        <m:ctrlPr>
+                          <a:rPr lang="en-US" altLang="zh-TW" sz="1600" b="0" i="1" smtClean="0">
+                            <a:latin typeface="Cambria Math" panose="02040503050406030204" pitchFamily="18" charset="0"/>
+                            <a:cs typeface="Times New Roman" panose="02020603050405020304" pitchFamily="18" charset="0"/>
+                          </a:rPr>
+                        </m:ctrlPr>
+                      </m:sSubPr>
+                      <m:e>
+                        <m:r>
+                          <a:rPr lang="en-US" altLang="zh-TW" sz="1600" b="0" i="1" smtClean="0">
+                            <a:latin typeface="Cambria Math" panose="02040503050406030204" pitchFamily="18" charset="0"/>
+                            <a:cs typeface="Times New Roman" panose="02020603050405020304" pitchFamily="18" charset="0"/>
+                          </a:rPr>
+                          <m:t>𝑟</m:t>
+                        </m:r>
+                      </m:e>
+                      <m:sub>
+                        <m:r>
+                          <a:rPr lang="en-US" altLang="zh-TW" sz="1600" b="0" i="1" smtClean="0">
+                            <a:latin typeface="Cambria Math" panose="02040503050406030204" pitchFamily="18" charset="0"/>
+                            <a:cs typeface="Times New Roman" panose="02020603050405020304" pitchFamily="18" charset="0"/>
+                          </a:rPr>
+                          <m:t>1</m:t>
+                        </m:r>
+                      </m:sub>
+                    </m:sSub>
+                    <m:r>
+                      <a:rPr lang="en-US" altLang="zh-TW" sz="1600" b="0" i="1" smtClean="0">
+                        <a:latin typeface="Cambria Math" panose="02040503050406030204" pitchFamily="18" charset="0"/>
+                        <a:cs typeface="Times New Roman" panose="02020603050405020304" pitchFamily="18" charset="0"/>
+                      </a:rPr>
+                      <m:t>+</m:t>
+                    </m:r>
+                    <m:r>
+                      <a:rPr lang="en-US" altLang="zh-TW" sz="1600" b="0" i="1" smtClean="0">
+                        <a:latin typeface="Cambria Math" panose="02040503050406030204" pitchFamily="18" charset="0"/>
+                        <a:cs typeface="Times New Roman" panose="02020603050405020304" pitchFamily="18" charset="0"/>
+                      </a:rPr>
+                      <m:t>𝑘</m:t>
+                    </m:r>
+                    <m:sSub>
+                      <m:sSubPr>
+                        <m:ctrlPr>
+                          <a:rPr lang="en-US" altLang="zh-TW" sz="1600" b="0" i="1" smtClean="0">
+                            <a:latin typeface="Cambria Math" panose="02040503050406030204" pitchFamily="18" charset="0"/>
+                            <a:cs typeface="Times New Roman" panose="02020603050405020304" pitchFamily="18" charset="0"/>
+                          </a:rPr>
+                        </m:ctrlPr>
+                      </m:sSubPr>
+                      <m:e>
+                        <m:r>
+                          <a:rPr lang="en-US" altLang="zh-TW" sz="1600" b="0" i="1" smtClean="0">
+                            <a:latin typeface="Cambria Math" panose="02040503050406030204" pitchFamily="18" charset="0"/>
+                            <a:cs typeface="Times New Roman" panose="02020603050405020304" pitchFamily="18" charset="0"/>
+                          </a:rPr>
+                          <m:t>𝑟</m:t>
+                        </m:r>
+                      </m:e>
+                      <m:sub>
+                        <m:r>
+                          <a:rPr lang="en-US" altLang="zh-TW" sz="1600" b="0" i="1" smtClean="0">
+                            <a:latin typeface="Cambria Math" panose="02040503050406030204" pitchFamily="18" charset="0"/>
+                            <a:cs typeface="Times New Roman" panose="02020603050405020304" pitchFamily="18" charset="0"/>
+                          </a:rPr>
+                          <m:t>2</m:t>
+                        </m:r>
+                      </m:sub>
+                    </m:sSub>
+                  </m:oMath>
+                </a14:m>
+                <a:endParaRPr lang="en-US" altLang="zh-TW" sz="1600" dirty="0">
+                  <a:latin typeface="Times New Roman" panose="02020603050405020304" pitchFamily="18" charset="0"/>
+                  <a:cs typeface="Times New Roman" panose="02020603050405020304" pitchFamily="18" charset="0"/>
+                </a:endParaRPr>
+              </a:p>
+            </p:txBody>
+          </p:sp>
+        </mc:Choice>
+        <mc:Fallback>
+          <p:sp>
+            <p:nvSpPr>
+              <p:cNvPr id="4" name="文字方塊 3"/>
+              <p:cNvSpPr txBox="1">
+                <a:spLocks noRot="1" noChangeAspect="1" noMove="1" noResize="1" noEditPoints="1" noAdjustHandles="1" noChangeArrowheads="1" noChangeShapeType="1" noTextEdit="1"/>
+              </p:cNvSpPr>
+              <p:nvPr/>
+            </p:nvSpPr>
+            <p:spPr>
+              <a:xfrm>
+                <a:off x="2" y="0"/>
+                <a:ext cx="12191998" cy="834331"/>
+              </a:xfrm>
+              <a:prstGeom prst="rect">
+                <a:avLst/>
+              </a:prstGeom>
+              <a:blipFill>
+                <a:blip r:embed="rId2"/>
+                <a:stretch>
+                  <a:fillRect l="-200" t="-2920" r="-250" b="-8759"/>
+                </a:stretch>
+              </a:blipFill>
+            </p:spPr>
+            <p:txBody>
+              <a:bodyPr/>
+              <a:lstStyle/>
+              <a:p>
+                <a:r>
+                  <a:rPr lang="zh-TW" altLang="en-US">
+                    <a:noFill/>
+                  </a:rPr>
+                  <a:t> </a:t>
+                </a:r>
+              </a:p>
+            </p:txBody>
+          </p:sp>
+        </mc:Fallback>
+      </mc:AlternateContent>
+      <p:pic>
+        <p:nvPicPr>
+          <p:cNvPr id="5" name="圖片 4"/>
+          <p:cNvPicPr>
+            <a:picLocks noChangeAspect="1"/>
+          </p:cNvPicPr>
+          <p:nvPr/>
+        </p:nvPicPr>
+        <p:blipFill>
+          <a:blip r:embed="rId3"/>
+          <a:stretch>
+            <a:fillRect/>
+          </a:stretch>
+        </p:blipFill>
+        <p:spPr>
+          <a:xfrm>
+            <a:off x="10331768" y="669925"/>
+            <a:ext cx="1740760" cy="711835"/>
+          </a:xfrm>
+          <a:prstGeom prst="rect">
+            <a:avLst/>
+          </a:prstGeom>
+        </p:spPr>
+      </p:pic>
+      <p:pic>
+        <p:nvPicPr>
+          <p:cNvPr id="6" name="圖片 5"/>
+          <p:cNvPicPr>
+            <a:picLocks noChangeAspect="1"/>
+          </p:cNvPicPr>
+          <p:nvPr/>
+        </p:nvPicPr>
+        <p:blipFill>
+          <a:blip r:embed="rId4"/>
+          <a:stretch>
+            <a:fillRect/>
+          </a:stretch>
+        </p:blipFill>
+        <p:spPr>
+          <a:xfrm>
+            <a:off x="333693" y="834331"/>
+            <a:ext cx="8708707" cy="1009053"/>
+          </a:xfrm>
+          <a:prstGeom prst="rect">
+            <a:avLst/>
+          </a:prstGeom>
+        </p:spPr>
+      </p:pic>
+      <mc:AlternateContent xmlns:mc="http://schemas.openxmlformats.org/markup-compatibility/2006">
+        <mc:Choice xmlns:a14="http://schemas.microsoft.com/office/drawing/2010/main" Requires="a14">
+          <p:sp>
+            <p:nvSpPr>
+              <p:cNvPr id="7" name="文字方塊 6"/>
+              <p:cNvSpPr txBox="1"/>
+              <p:nvPr/>
+            </p:nvSpPr>
+            <p:spPr>
+              <a:xfrm>
+                <a:off x="463122" y="2021840"/>
+                <a:ext cx="5318828" cy="348237"/>
+              </a:xfrm>
+              <a:prstGeom prst="rect">
+                <a:avLst/>
+              </a:prstGeom>
+              <a:noFill/>
+            </p:spPr>
+            <p:txBody>
+              <a:bodyPr wrap="none" rtlCol="0">
+                <a:spAutoFit/>
+              </a:bodyPr>
+              <a:lstStyle/>
+              <a:p>
+                <a14:m>
+                  <m:oMathPara xmlns:m="http://schemas.openxmlformats.org/officeDocument/2006/math">
+                    <m:oMathParaPr>
+                      <m:jc m:val="centerGroup"/>
+                    </m:oMathParaPr>
+                    <m:oMath xmlns:m="http://schemas.openxmlformats.org/officeDocument/2006/math">
+                      <m:r>
+                        <a:rPr lang="en-US" altLang="zh-TW" sz="1600" b="0" i="1" smtClean="0">
+                          <a:latin typeface="Cambria Math" panose="02040503050406030204" pitchFamily="18" charset="0"/>
+                        </a:rPr>
+                        <m:t>𝑅</m:t>
+                      </m:r>
+                      <m:r>
+                        <a:rPr lang="en-US" altLang="zh-TW" sz="1600" b="0" i="1" smtClean="0">
+                          <a:latin typeface="Cambria Math" panose="02040503050406030204" pitchFamily="18" charset="0"/>
+                        </a:rPr>
+                        <m:t>.</m:t>
+                      </m:r>
+                      <m:r>
+                        <a:rPr lang="en-US" altLang="zh-TW" sz="1600" b="0" i="1" smtClean="0">
+                          <a:latin typeface="Cambria Math" panose="02040503050406030204" pitchFamily="18" charset="0"/>
+                        </a:rPr>
+                        <m:t>𝑉</m:t>
+                      </m:r>
+                      <m:r>
+                        <a:rPr lang="en-US" altLang="zh-TW" sz="1600" b="0" i="1" smtClean="0">
+                          <a:latin typeface="Cambria Math" panose="02040503050406030204" pitchFamily="18" charset="0"/>
+                        </a:rPr>
+                        <m:t>. </m:t>
+                      </m:r>
+                      <m:r>
+                        <a:rPr lang="en-US" altLang="zh-TW" sz="1600" b="0" i="1" smtClean="0">
+                          <a:latin typeface="Cambria Math" panose="02040503050406030204" pitchFamily="18" charset="0"/>
+                        </a:rPr>
+                        <m:t>𝑟</m:t>
+                      </m:r>
+                      <m:r>
+                        <a:rPr lang="en-US" altLang="zh-TW" sz="1600" b="0" i="1" smtClean="0">
+                          <a:latin typeface="Cambria Math" panose="02040503050406030204" pitchFamily="18" charset="0"/>
+                        </a:rPr>
+                        <m:t>~</m:t>
+                      </m:r>
+                      <m:r>
+                        <a:rPr lang="en-US" altLang="zh-TW" sz="1600" b="0" i="1" smtClean="0">
+                          <a:latin typeface="Cambria Math" panose="02040503050406030204" pitchFamily="18" charset="0"/>
+                        </a:rPr>
+                        <m:t>𝐺𝑎𝑢𝑠𝑠</m:t>
+                      </m:r>
+                      <m:d>
+                        <m:dPr>
+                          <m:ctrlPr>
+                            <a:rPr lang="en-US" altLang="zh-TW" sz="1600" b="0" i="1" smtClean="0">
+                              <a:latin typeface="Cambria Math" panose="02040503050406030204" pitchFamily="18" charset="0"/>
+                            </a:rPr>
+                          </m:ctrlPr>
+                        </m:dPr>
+                        <m:e>
+                          <m:sSub>
+                            <m:sSubPr>
+                              <m:ctrlPr>
+                                <a:rPr lang="en-US" altLang="zh-TW" sz="1600" b="0" i="1" smtClean="0">
+                                  <a:latin typeface="Cambria Math" panose="02040503050406030204" pitchFamily="18" charset="0"/>
+                                </a:rPr>
+                              </m:ctrlPr>
+                            </m:sSubPr>
+                            <m:e>
+                              <m:r>
+                                <a:rPr lang="en-US" altLang="zh-TW" sz="1600" b="0" i="1" smtClean="0">
+                                  <a:latin typeface="Cambria Math" panose="02040503050406030204" pitchFamily="18" charset="0"/>
+                                </a:rPr>
+                                <m:t>𝑚</m:t>
+                              </m:r>
+                            </m:e>
+                            <m:sub>
+                              <m:r>
+                                <a:rPr lang="en-US" altLang="zh-TW" sz="1600" b="0" i="1" smtClean="0">
+                                  <a:latin typeface="Cambria Math" panose="02040503050406030204" pitchFamily="18" charset="0"/>
+                                </a:rPr>
+                                <m:t>𝑟</m:t>
+                              </m:r>
+                            </m:sub>
+                          </m:sSub>
+                          <m:r>
+                            <a:rPr lang="en-US" altLang="zh-TW" sz="1600" b="0" i="1" smtClean="0">
+                              <a:latin typeface="Cambria Math" panose="02040503050406030204" pitchFamily="18" charset="0"/>
+                            </a:rPr>
+                            <m:t>, </m:t>
+                          </m:r>
+                          <m:sSubSup>
+                            <m:sSubSupPr>
+                              <m:ctrlPr>
+                                <a:rPr lang="en-US" altLang="zh-TW" sz="1600" b="0" i="1" smtClean="0">
+                                  <a:latin typeface="Cambria Math" panose="02040503050406030204" pitchFamily="18" charset="0"/>
+                                </a:rPr>
+                              </m:ctrlPr>
+                            </m:sSubSupPr>
+                            <m:e>
+                              <m:r>
+                                <a:rPr lang="en-US" altLang="zh-TW" sz="1600" b="0" i="1" smtClean="0">
+                                  <a:latin typeface="Cambria Math" panose="02040503050406030204" pitchFamily="18" charset="0"/>
+                                </a:rPr>
+                                <m:t>𝜎</m:t>
+                              </m:r>
+                            </m:e>
+                            <m:sub>
+                              <m:r>
+                                <a:rPr lang="en-US" altLang="zh-TW" sz="1600" b="0" i="1" smtClean="0">
+                                  <a:latin typeface="Cambria Math" panose="02040503050406030204" pitchFamily="18" charset="0"/>
+                                </a:rPr>
+                                <m:t>𝑟</m:t>
+                              </m:r>
+                            </m:sub>
+                            <m:sup>
+                              <m:r>
+                                <a:rPr lang="en-US" altLang="zh-TW" sz="1600" b="0" i="1" smtClean="0">
+                                  <a:latin typeface="Cambria Math" panose="02040503050406030204" pitchFamily="18" charset="0"/>
+                                </a:rPr>
+                                <m:t>2</m:t>
+                              </m:r>
+                            </m:sup>
+                          </m:sSubSup>
+                        </m:e>
+                      </m:d>
+                      <m:r>
+                        <a:rPr lang="en-US" altLang="zh-TW" sz="1600" b="0" i="1" smtClean="0">
+                          <a:latin typeface="Cambria Math" panose="02040503050406030204" pitchFamily="18" charset="0"/>
+                        </a:rPr>
+                        <m:t> ;</m:t>
+                      </m:r>
+                      <m:sSub>
+                        <m:sSubPr>
+                          <m:ctrlPr>
+                            <a:rPr lang="en-US" altLang="zh-TW" sz="1600" b="0" i="1" smtClean="0">
+                              <a:latin typeface="Cambria Math" panose="02040503050406030204" pitchFamily="18" charset="0"/>
+                            </a:rPr>
+                          </m:ctrlPr>
+                        </m:sSubPr>
+                        <m:e>
+                          <m:r>
+                            <a:rPr lang="en-US" altLang="zh-TW" sz="1600" b="0" i="1" smtClean="0">
+                              <a:latin typeface="Cambria Math" panose="02040503050406030204" pitchFamily="18" charset="0"/>
+                            </a:rPr>
+                            <m:t>𝑚</m:t>
+                          </m:r>
+                        </m:e>
+                        <m:sub>
+                          <m:r>
+                            <a:rPr lang="en-US" altLang="zh-TW" sz="1600" b="0" i="1" smtClean="0">
+                              <a:latin typeface="Cambria Math" panose="02040503050406030204" pitchFamily="18" charset="0"/>
+                            </a:rPr>
+                            <m:t>𝑟</m:t>
+                          </m:r>
+                        </m:sub>
+                      </m:sSub>
+                      <m:r>
+                        <a:rPr lang="en-US" altLang="zh-TW" sz="1600" b="0" i="1" smtClean="0">
+                          <a:latin typeface="Cambria Math" panose="02040503050406030204" pitchFamily="18" charset="0"/>
+                        </a:rPr>
+                        <m:t>=</m:t>
+                      </m:r>
+                      <m:d>
+                        <m:dPr>
+                          <m:ctrlPr>
+                            <a:rPr lang="en-US" altLang="zh-TW" sz="1600" i="1">
+                              <a:latin typeface="Cambria Math" panose="02040503050406030204" pitchFamily="18" charset="0"/>
+                            </a:rPr>
+                          </m:ctrlPr>
+                        </m:dPr>
+                        <m:e>
+                          <m:r>
+                            <a:rPr lang="en-US" altLang="zh-TW" sz="1600" i="1">
+                              <a:latin typeface="Cambria Math" panose="02040503050406030204" pitchFamily="18" charset="0"/>
+                            </a:rPr>
+                            <m:t>1+</m:t>
+                          </m:r>
+                          <m:r>
+                            <a:rPr lang="en-US" altLang="zh-TW" sz="1600" i="1">
+                              <a:latin typeface="Cambria Math" panose="02040503050406030204" pitchFamily="18" charset="0"/>
+                            </a:rPr>
+                            <m:t>𝑘</m:t>
+                          </m:r>
+                        </m:e>
+                      </m:d>
+                      <m:rad>
+                        <m:radPr>
+                          <m:degHide m:val="on"/>
+                          <m:ctrlPr>
+                            <a:rPr lang="en-US" altLang="zh-TW" sz="1600" i="1">
+                              <a:latin typeface="Cambria Math" panose="02040503050406030204" pitchFamily="18" charset="0"/>
+                            </a:rPr>
+                          </m:ctrlPr>
+                        </m:radPr>
+                        <m:deg/>
+                        <m:e>
+                          <m:sSub>
+                            <m:sSubPr>
+                              <m:ctrlPr>
+                                <a:rPr lang="en-US" altLang="zh-TW" sz="1600" i="1">
+                                  <a:latin typeface="Cambria Math" panose="02040503050406030204" pitchFamily="18" charset="0"/>
+                                </a:rPr>
+                              </m:ctrlPr>
+                            </m:sSubPr>
+                            <m:e>
+                              <m:r>
+                                <a:rPr lang="en-US" altLang="zh-TW" sz="1600" i="1">
+                                  <a:latin typeface="Cambria Math" panose="02040503050406030204" pitchFamily="18" charset="0"/>
+                                </a:rPr>
+                                <m:t>𝜖</m:t>
+                              </m:r>
+                            </m:e>
+                            <m:sub>
+                              <m:r>
+                                <a:rPr lang="en-US" altLang="zh-TW" sz="1600" i="1">
+                                  <a:latin typeface="Cambria Math" panose="02040503050406030204" pitchFamily="18" charset="0"/>
+                                </a:rPr>
+                                <m:t>𝑏</m:t>
+                              </m:r>
+                            </m:sub>
+                          </m:sSub>
+                        </m:e>
+                      </m:rad>
+                      <m:r>
+                        <a:rPr lang="en-US" altLang="zh-TW" sz="1600" b="0" i="1" smtClean="0">
+                          <a:latin typeface="Cambria Math" panose="02040503050406030204" pitchFamily="18" charset="0"/>
+                        </a:rPr>
+                        <m:t>, </m:t>
+                      </m:r>
+                      <m:sSubSup>
+                        <m:sSubSupPr>
+                          <m:ctrlPr>
+                            <a:rPr lang="en-US" altLang="zh-TW" sz="1600" b="0" i="1" smtClean="0">
+                              <a:latin typeface="Cambria Math" panose="02040503050406030204" pitchFamily="18" charset="0"/>
+                            </a:rPr>
+                          </m:ctrlPr>
+                        </m:sSubSupPr>
+                        <m:e>
+                          <m:r>
+                            <a:rPr lang="en-US" altLang="zh-TW" sz="1600" b="0" i="1" smtClean="0">
+                              <a:latin typeface="Cambria Math" panose="02040503050406030204" pitchFamily="18" charset="0"/>
+                            </a:rPr>
+                            <m:t> </m:t>
+                          </m:r>
+                          <m:r>
+                            <a:rPr lang="en-US" altLang="zh-TW" sz="1600" b="0" i="1" smtClean="0">
+                              <a:latin typeface="Cambria Math" panose="02040503050406030204" pitchFamily="18" charset="0"/>
+                            </a:rPr>
+                            <m:t>𝜎</m:t>
+                          </m:r>
+                        </m:e>
+                        <m:sub>
+                          <m:r>
+                            <a:rPr lang="en-US" altLang="zh-TW" sz="1600" b="0" i="1" smtClean="0">
+                              <a:latin typeface="Cambria Math" panose="02040503050406030204" pitchFamily="18" charset="0"/>
+                            </a:rPr>
+                            <m:t>𝑟</m:t>
+                          </m:r>
+                        </m:sub>
+                        <m:sup>
+                          <m:r>
+                            <a:rPr lang="en-US" altLang="zh-TW" sz="1600" b="0" i="1" smtClean="0">
+                              <a:latin typeface="Cambria Math" panose="02040503050406030204" pitchFamily="18" charset="0"/>
+                            </a:rPr>
+                            <m:t>2</m:t>
+                          </m:r>
+                        </m:sup>
+                      </m:sSubSup>
+                      <m:r>
+                        <a:rPr lang="en-US" altLang="zh-TW" sz="1600" b="0" i="1" smtClean="0">
+                          <a:latin typeface="Cambria Math" panose="02040503050406030204" pitchFamily="18" charset="0"/>
+                        </a:rPr>
+                        <m:t>=</m:t>
+                      </m:r>
+                      <m:sSubSup>
+                        <m:sSubSupPr>
+                          <m:ctrlPr>
+                            <a:rPr lang="en-US" altLang="zh-TW" sz="1600" i="1">
+                              <a:latin typeface="Cambria Math" panose="02040503050406030204" pitchFamily="18" charset="0"/>
+                            </a:rPr>
+                          </m:ctrlPr>
+                        </m:sSubSupPr>
+                        <m:e>
+                          <m:r>
+                            <a:rPr lang="en-US" altLang="zh-TW" sz="1600" i="1">
+                              <a:latin typeface="Cambria Math" panose="02040503050406030204" pitchFamily="18" charset="0"/>
+                            </a:rPr>
+                            <m:t>𝜎</m:t>
+                          </m:r>
+                        </m:e>
+                        <m:sub>
+                          <m:r>
+                            <a:rPr lang="en-US" altLang="zh-TW" sz="1600" i="1">
+                              <a:latin typeface="Cambria Math" panose="02040503050406030204" pitchFamily="18" charset="0"/>
+                            </a:rPr>
+                            <m:t>1</m:t>
+                          </m:r>
+                        </m:sub>
+                        <m:sup>
+                          <m:r>
+                            <a:rPr lang="en-US" altLang="zh-TW" sz="1600" i="1">
+                              <a:latin typeface="Cambria Math" panose="02040503050406030204" pitchFamily="18" charset="0"/>
+                            </a:rPr>
+                            <m:t>2</m:t>
+                          </m:r>
+                        </m:sup>
+                      </m:sSubSup>
+                      <m:r>
+                        <a:rPr lang="en-US" altLang="zh-TW" sz="1600" i="1">
+                          <a:latin typeface="Cambria Math" panose="02040503050406030204" pitchFamily="18" charset="0"/>
+                        </a:rPr>
+                        <m:t>+</m:t>
+                      </m:r>
+                      <m:sSup>
+                        <m:sSupPr>
+                          <m:ctrlPr>
+                            <a:rPr lang="en-US" altLang="zh-TW" sz="1600" i="1">
+                              <a:latin typeface="Cambria Math" panose="02040503050406030204" pitchFamily="18" charset="0"/>
+                            </a:rPr>
+                          </m:ctrlPr>
+                        </m:sSupPr>
+                        <m:e>
+                          <m:r>
+                            <a:rPr lang="en-US" altLang="zh-TW" sz="1600" i="1">
+                              <a:latin typeface="Cambria Math" panose="02040503050406030204" pitchFamily="18" charset="0"/>
+                            </a:rPr>
+                            <m:t>𝑘</m:t>
+                          </m:r>
+                        </m:e>
+                        <m:sup>
+                          <m:r>
+                            <a:rPr lang="en-US" altLang="zh-TW" sz="1600" i="1">
+                              <a:latin typeface="Cambria Math" panose="02040503050406030204" pitchFamily="18" charset="0"/>
+                            </a:rPr>
+                            <m:t>2</m:t>
+                          </m:r>
+                        </m:sup>
+                      </m:sSup>
+                      <m:sSubSup>
+                        <m:sSubSupPr>
+                          <m:ctrlPr>
+                            <a:rPr lang="en-US" altLang="zh-TW" sz="1600" i="1">
+                              <a:latin typeface="Cambria Math" panose="02040503050406030204" pitchFamily="18" charset="0"/>
+                            </a:rPr>
+                          </m:ctrlPr>
+                        </m:sSubSupPr>
+                        <m:e>
+                          <m:r>
+                            <a:rPr lang="en-US" altLang="zh-TW" sz="1600" i="1">
+                              <a:latin typeface="Cambria Math" panose="02040503050406030204" pitchFamily="18" charset="0"/>
+                            </a:rPr>
+                            <m:t>𝜎</m:t>
+                          </m:r>
+                        </m:e>
+                        <m:sub>
+                          <m:r>
+                            <a:rPr lang="en-US" altLang="zh-TW" sz="1600" i="1">
+                              <a:latin typeface="Cambria Math" panose="02040503050406030204" pitchFamily="18" charset="0"/>
+                            </a:rPr>
+                            <m:t>2</m:t>
+                          </m:r>
+                        </m:sub>
+                        <m:sup>
+                          <m:r>
+                            <a:rPr lang="en-US" altLang="zh-TW" sz="1600" i="1">
+                              <a:latin typeface="Cambria Math" panose="02040503050406030204" pitchFamily="18" charset="0"/>
+                            </a:rPr>
+                            <m:t>2</m:t>
+                          </m:r>
+                        </m:sup>
+                      </m:sSubSup>
+                    </m:oMath>
+                  </m:oMathPara>
+                </a14:m>
+                <a:endParaRPr lang="zh-TW" altLang="en-US" sz="1600" dirty="0"/>
+              </a:p>
+            </p:txBody>
+          </p:sp>
+        </mc:Choice>
+        <mc:Fallback>
+          <p:sp>
+            <p:nvSpPr>
+              <p:cNvPr id="7" name="文字方塊 6"/>
+              <p:cNvSpPr txBox="1">
+                <a:spLocks noRot="1" noChangeAspect="1" noMove="1" noResize="1" noEditPoints="1" noAdjustHandles="1" noChangeArrowheads="1" noChangeShapeType="1" noTextEdit="1"/>
+              </p:cNvSpPr>
+              <p:nvPr/>
+            </p:nvSpPr>
+            <p:spPr>
+              <a:xfrm>
+                <a:off x="463122" y="2021840"/>
+                <a:ext cx="5318828" cy="348237"/>
+              </a:xfrm>
+              <a:prstGeom prst="rect">
+                <a:avLst/>
+              </a:prstGeom>
+              <a:blipFill>
+                <a:blip r:embed="rId5"/>
+                <a:stretch>
+                  <a:fillRect/>
+                </a:stretch>
+              </a:blipFill>
+            </p:spPr>
+            <p:txBody>
+              <a:bodyPr/>
+              <a:lstStyle/>
+              <a:p>
+                <a:r>
+                  <a:rPr lang="zh-TW" altLang="en-US">
+                    <a:noFill/>
+                  </a:rPr>
+                  <a:t> </a:t>
+                </a:r>
+              </a:p>
+            </p:txBody>
+          </p:sp>
+        </mc:Fallback>
+      </mc:AlternateContent>
+      <mc:AlternateContent xmlns:mc="http://schemas.openxmlformats.org/markup-compatibility/2006">
+        <mc:Choice xmlns:a14="http://schemas.microsoft.com/office/drawing/2010/main" Requires="a14">
+          <p:sp>
+            <p:nvSpPr>
+              <p:cNvPr id="8" name="文字方塊 7"/>
+              <p:cNvSpPr txBox="1"/>
+              <p:nvPr/>
+            </p:nvSpPr>
+            <p:spPr>
+              <a:xfrm>
+                <a:off x="463122" y="2429410"/>
+                <a:ext cx="2668487" cy="819840"/>
+              </a:xfrm>
+              <a:prstGeom prst="rect">
+                <a:avLst/>
+              </a:prstGeom>
+              <a:noFill/>
+            </p:spPr>
+            <p:txBody>
+              <a:bodyPr wrap="none" rtlCol="0">
+                <a:spAutoFit/>
+              </a:bodyPr>
+              <a:lstStyle/>
+              <a:p>
+                <a14:m>
+                  <m:oMathPara xmlns:m="http://schemas.openxmlformats.org/officeDocument/2006/math">
+                    <m:oMathParaPr>
+                      <m:jc m:val="centerGroup"/>
+                    </m:oMathParaPr>
+                    <m:oMath xmlns:m="http://schemas.openxmlformats.org/officeDocument/2006/math">
+                      <m:sSub>
+                        <m:sSubPr>
+                          <m:ctrlPr>
+                            <a:rPr lang="en-US" altLang="zh-TW" sz="1600" b="0" i="1" smtClean="0">
+                              <a:latin typeface="Cambria Math" panose="02040503050406030204" pitchFamily="18" charset="0"/>
+                            </a:rPr>
+                          </m:ctrlPr>
+                        </m:sSubPr>
+                        <m:e>
+                          <m:r>
+                            <a:rPr lang="en-US" altLang="zh-TW" sz="1600" b="0" i="1" smtClean="0">
+                              <a:latin typeface="Cambria Math" panose="02040503050406030204" pitchFamily="18" charset="0"/>
+                            </a:rPr>
+                            <m:t>𝑃</m:t>
+                          </m:r>
+                        </m:e>
+                        <m:sub>
+                          <m:r>
+                            <m:rPr>
+                              <m:sty m:val="p"/>
+                            </m:rPr>
+                            <a:rPr lang="en-US" altLang="zh-TW" sz="1600" b="0" i="0" smtClean="0">
+                              <a:latin typeface="Cambria Math" panose="02040503050406030204" pitchFamily="18" charset="0"/>
+                            </a:rPr>
+                            <m:t>e</m:t>
+                          </m:r>
+                        </m:sub>
+                      </m:sSub>
+                      <m:r>
+                        <a:rPr lang="en-US" altLang="zh-TW" sz="1600" b="0" i="1" smtClean="0">
+                          <a:latin typeface="Cambria Math" panose="02040503050406030204" pitchFamily="18" charset="0"/>
+                        </a:rPr>
+                        <m:t>=</m:t>
+                      </m:r>
+                      <m:nary>
+                        <m:naryPr>
+                          <m:ctrlPr>
+                            <a:rPr lang="en-US" altLang="zh-TW" sz="1600" b="0" i="1" smtClean="0">
+                              <a:latin typeface="Cambria Math" panose="02040503050406030204" pitchFamily="18" charset="0"/>
+                            </a:rPr>
+                          </m:ctrlPr>
+                        </m:naryPr>
+                        <m:sub>
+                          <m:r>
+                            <m:rPr>
+                              <m:brk m:alnAt="23"/>
+                            </m:rPr>
+                            <a:rPr lang="en-US" altLang="zh-TW" sz="1600" b="0" i="1" smtClean="0">
+                              <a:latin typeface="Cambria Math" panose="02040503050406030204" pitchFamily="18" charset="0"/>
+                            </a:rPr>
+                            <m:t>−</m:t>
+                          </m:r>
+                          <m:r>
+                            <a:rPr lang="en-US" altLang="zh-TW" sz="1600" b="0" i="1" smtClean="0">
+                              <a:latin typeface="Cambria Math" panose="02040503050406030204" pitchFamily="18" charset="0"/>
+                            </a:rPr>
+                            <m:t>∞</m:t>
+                          </m:r>
+                        </m:sub>
+                        <m:sup>
+                          <m:r>
+                            <a:rPr lang="en-US" altLang="zh-TW" sz="1600" b="0" i="1" smtClean="0">
+                              <a:latin typeface="Cambria Math" panose="02040503050406030204" pitchFamily="18" charset="0"/>
+                            </a:rPr>
+                            <m:t>0</m:t>
+                          </m:r>
+                        </m:sup>
+                        <m:e>
+                          <m:r>
+                            <a:rPr lang="en-US" altLang="zh-TW" sz="1600" b="0" i="1" smtClean="0">
+                              <a:latin typeface="Cambria Math" panose="02040503050406030204" pitchFamily="18" charset="0"/>
+                            </a:rPr>
+                            <m:t>𝑝</m:t>
+                          </m:r>
+                          <m:d>
+                            <m:dPr>
+                              <m:ctrlPr>
+                                <a:rPr lang="en-US" altLang="zh-TW" sz="1600" b="0" i="1" smtClean="0">
+                                  <a:latin typeface="Cambria Math" panose="02040503050406030204" pitchFamily="18" charset="0"/>
+                                </a:rPr>
+                              </m:ctrlPr>
+                            </m:dPr>
+                            <m:e>
+                              <m:r>
+                                <a:rPr lang="en-US" altLang="zh-TW" sz="1600" b="0" i="1" smtClean="0">
+                                  <a:latin typeface="Cambria Math" panose="02040503050406030204" pitchFamily="18" charset="0"/>
+                                </a:rPr>
+                                <m:t>𝑟</m:t>
+                              </m:r>
+                            </m:e>
+                          </m:d>
+                          <m:r>
+                            <a:rPr lang="en-US" altLang="zh-TW" sz="1600" b="0" i="1" smtClean="0">
+                              <a:latin typeface="Cambria Math" panose="02040503050406030204" pitchFamily="18" charset="0"/>
+                            </a:rPr>
+                            <m:t>𝑑𝑟</m:t>
+                          </m:r>
+                          <m:r>
+                            <a:rPr lang="en-US" altLang="zh-TW" sz="1600" b="0" i="1" smtClean="0">
+                              <a:latin typeface="Cambria Math" panose="02040503050406030204" pitchFamily="18" charset="0"/>
+                            </a:rPr>
+                            <m:t>=</m:t>
+                          </m:r>
+                          <m:r>
+                            <a:rPr lang="en-US" altLang="zh-TW" sz="1600" b="0" i="1" smtClean="0">
+                              <a:latin typeface="Cambria Math" panose="02040503050406030204" pitchFamily="18" charset="0"/>
+                            </a:rPr>
+                            <m:t>𝑄</m:t>
+                          </m:r>
+                          <m:r>
+                            <a:rPr lang="en-US" altLang="zh-TW" sz="1600" b="0" i="1" smtClean="0">
+                              <a:latin typeface="Cambria Math" panose="02040503050406030204" pitchFamily="18" charset="0"/>
+                            </a:rPr>
+                            <m:t>(</m:t>
+                          </m:r>
+                          <m:rad>
+                            <m:radPr>
+                              <m:degHide m:val="on"/>
+                              <m:ctrlPr>
+                                <a:rPr lang="en-US" altLang="zh-TW" sz="1600" b="0" i="1" smtClean="0">
+                                  <a:latin typeface="Cambria Math" panose="02040503050406030204" pitchFamily="18" charset="0"/>
+                                </a:rPr>
+                              </m:ctrlPr>
+                            </m:radPr>
+                            <m:deg/>
+                            <m:e>
+                              <m:f>
+                                <m:fPr>
+                                  <m:ctrlPr>
+                                    <a:rPr lang="en-US" altLang="zh-TW" sz="1600" b="0" i="1" smtClean="0">
+                                      <a:latin typeface="Cambria Math" panose="02040503050406030204" pitchFamily="18" charset="0"/>
+                                    </a:rPr>
+                                  </m:ctrlPr>
+                                </m:fPr>
+                                <m:num>
+                                  <m:sSubSup>
+                                    <m:sSubSupPr>
+                                      <m:ctrlPr>
+                                        <a:rPr lang="en-US" altLang="zh-TW" sz="1600" b="0" i="1" smtClean="0">
+                                          <a:latin typeface="Cambria Math" panose="02040503050406030204" pitchFamily="18" charset="0"/>
+                                        </a:rPr>
+                                      </m:ctrlPr>
+                                    </m:sSubSupPr>
+                                    <m:e>
+                                      <m:r>
+                                        <a:rPr lang="en-US" altLang="zh-TW" sz="1600" b="0" i="1" smtClean="0">
+                                          <a:latin typeface="Cambria Math" panose="02040503050406030204" pitchFamily="18" charset="0"/>
+                                        </a:rPr>
+                                        <m:t>𝑚</m:t>
+                                      </m:r>
+                                    </m:e>
+                                    <m:sub>
+                                      <m:r>
+                                        <a:rPr lang="en-US" altLang="zh-TW" sz="1600" b="0" i="1" smtClean="0">
+                                          <a:latin typeface="Cambria Math" panose="02040503050406030204" pitchFamily="18" charset="0"/>
+                                        </a:rPr>
+                                        <m:t>𝑟</m:t>
+                                      </m:r>
+                                    </m:sub>
+                                    <m:sup>
+                                      <m:r>
+                                        <a:rPr lang="en-US" altLang="zh-TW" sz="1600" b="0" i="1" smtClean="0">
+                                          <a:latin typeface="Cambria Math" panose="02040503050406030204" pitchFamily="18" charset="0"/>
+                                        </a:rPr>
+                                        <m:t>2</m:t>
+                                      </m:r>
+                                    </m:sup>
+                                  </m:sSubSup>
+                                </m:num>
+                                <m:den>
+                                  <m:sSubSup>
+                                    <m:sSubSupPr>
+                                      <m:ctrlPr>
+                                        <a:rPr lang="en-US" altLang="zh-TW" sz="1600" b="0" i="1" smtClean="0">
+                                          <a:latin typeface="Cambria Math" panose="02040503050406030204" pitchFamily="18" charset="0"/>
+                                        </a:rPr>
+                                      </m:ctrlPr>
+                                    </m:sSubSupPr>
+                                    <m:e>
+                                      <m:r>
+                                        <a:rPr lang="en-US" altLang="zh-TW" sz="1600" b="0" i="1" smtClean="0">
+                                          <a:latin typeface="Cambria Math" panose="02040503050406030204" pitchFamily="18" charset="0"/>
+                                        </a:rPr>
+                                        <m:t>𝜎</m:t>
+                                      </m:r>
+                                    </m:e>
+                                    <m:sub>
+                                      <m:r>
+                                        <a:rPr lang="en-US" altLang="zh-TW" sz="1600" b="0" i="1" smtClean="0">
+                                          <a:latin typeface="Cambria Math" panose="02040503050406030204" pitchFamily="18" charset="0"/>
+                                        </a:rPr>
+                                        <m:t>𝑟</m:t>
+                                      </m:r>
+                                    </m:sub>
+                                    <m:sup>
+                                      <m:r>
+                                        <a:rPr lang="en-US" altLang="zh-TW" sz="1600" b="0" i="1" smtClean="0">
+                                          <a:latin typeface="Cambria Math" panose="02040503050406030204" pitchFamily="18" charset="0"/>
+                                        </a:rPr>
+                                        <m:t>2</m:t>
+                                      </m:r>
+                                    </m:sup>
+                                  </m:sSubSup>
+                                </m:den>
+                              </m:f>
+                            </m:e>
+                          </m:rad>
+                          <m:r>
+                            <a:rPr lang="en-US" altLang="zh-TW" sz="1600" b="0" i="1" smtClean="0">
+                              <a:latin typeface="Cambria Math" panose="02040503050406030204" pitchFamily="18" charset="0"/>
+                            </a:rPr>
+                            <m:t>)</m:t>
+                          </m:r>
+                        </m:e>
+                      </m:nary>
+                    </m:oMath>
+                  </m:oMathPara>
+                </a14:m>
+                <a:endParaRPr lang="zh-TW" altLang="en-US" sz="1600" dirty="0"/>
+              </a:p>
+            </p:txBody>
+          </p:sp>
+        </mc:Choice>
+        <mc:Fallback>
+          <p:sp>
+            <p:nvSpPr>
+              <p:cNvPr id="8" name="文字方塊 7"/>
+              <p:cNvSpPr txBox="1">
+                <a:spLocks noRot="1" noChangeAspect="1" noMove="1" noResize="1" noEditPoints="1" noAdjustHandles="1" noChangeArrowheads="1" noChangeShapeType="1" noTextEdit="1"/>
+              </p:cNvSpPr>
+              <p:nvPr/>
+            </p:nvSpPr>
+            <p:spPr>
+              <a:xfrm>
+                <a:off x="463122" y="2429410"/>
+                <a:ext cx="2668487" cy="819840"/>
+              </a:xfrm>
+              <a:prstGeom prst="rect">
+                <a:avLst/>
+              </a:prstGeom>
+              <a:blipFill>
+                <a:blip r:embed="rId6"/>
+                <a:stretch>
+                  <a:fillRect/>
+                </a:stretch>
+              </a:blipFill>
+            </p:spPr>
+            <p:txBody>
+              <a:bodyPr/>
+              <a:lstStyle/>
+              <a:p>
+                <a:r>
+                  <a:rPr lang="zh-TW" altLang="en-US">
+                    <a:noFill/>
+                  </a:rPr>
+                  <a:t> </a:t>
+                </a:r>
+              </a:p>
+            </p:txBody>
+          </p:sp>
+        </mc:Fallback>
+      </mc:AlternateContent>
+      <p:pic>
+        <p:nvPicPr>
+          <p:cNvPr id="9" name="圖片 8"/>
+          <p:cNvPicPr>
+            <a:picLocks noChangeAspect="1"/>
+          </p:cNvPicPr>
+          <p:nvPr/>
+        </p:nvPicPr>
+        <p:blipFill>
+          <a:blip r:embed="rId7"/>
+          <a:stretch>
+            <a:fillRect/>
+          </a:stretch>
+        </p:blipFill>
+        <p:spPr>
+          <a:xfrm>
+            <a:off x="3432175" y="2548533"/>
+            <a:ext cx="1771650" cy="666750"/>
+          </a:xfrm>
+          <a:prstGeom prst="rect">
+            <a:avLst/>
+          </a:prstGeom>
+        </p:spPr>
+      </p:pic>
+      <mc:AlternateContent xmlns:mc="http://schemas.openxmlformats.org/markup-compatibility/2006">
+        <mc:Choice xmlns:a14="http://schemas.microsoft.com/office/drawing/2010/main" Requires="a14">
+          <p:sp>
+            <p:nvSpPr>
+              <p:cNvPr id="10" name="文字方塊 9"/>
+              <p:cNvSpPr txBox="1"/>
+              <p:nvPr/>
+            </p:nvSpPr>
+            <p:spPr>
+              <a:xfrm>
+                <a:off x="5203825" y="2697242"/>
+                <a:ext cx="431528" cy="369332"/>
+              </a:xfrm>
+              <a:prstGeom prst="rect">
+                <a:avLst/>
+              </a:prstGeom>
+              <a:noFill/>
+            </p:spPr>
+            <p:txBody>
+              <a:bodyPr wrap="none" rtlCol="0">
+                <a:spAutoFit/>
+              </a:bodyPr>
+              <a:lstStyle/>
+              <a:p>
+                <a14:m>
+                  <m:oMathPara xmlns:m="http://schemas.openxmlformats.org/officeDocument/2006/math">
+                    <m:oMathParaPr>
+                      <m:jc m:val="centerGroup"/>
+                    </m:oMathParaPr>
+                    <m:oMath xmlns:m="http://schemas.openxmlformats.org/officeDocument/2006/math">
+                      <m:r>
+                        <a:rPr lang="en-US" altLang="zh-TW" b="0" i="1" smtClean="0">
+                          <a:latin typeface="Cambria Math" panose="02040503050406030204" pitchFamily="18" charset="0"/>
+                        </a:rPr>
+                        <m:t>→</m:t>
+                      </m:r>
+                    </m:oMath>
+                  </m:oMathPara>
+                </a14:m>
+                <a:endParaRPr lang="zh-TW" altLang="en-US" dirty="0"/>
+              </a:p>
+            </p:txBody>
+          </p:sp>
+        </mc:Choice>
+        <mc:Fallback>
+          <p:sp>
+            <p:nvSpPr>
+              <p:cNvPr id="10" name="文字方塊 9"/>
+              <p:cNvSpPr txBox="1">
+                <a:spLocks noRot="1" noChangeAspect="1" noMove="1" noResize="1" noEditPoints="1" noAdjustHandles="1" noChangeArrowheads="1" noChangeShapeType="1" noTextEdit="1"/>
+              </p:cNvSpPr>
+              <p:nvPr/>
+            </p:nvSpPr>
+            <p:spPr>
+              <a:xfrm>
+                <a:off x="5203825" y="2697242"/>
+                <a:ext cx="431528" cy="369332"/>
+              </a:xfrm>
+              <a:prstGeom prst="rect">
+                <a:avLst/>
+              </a:prstGeom>
+              <a:blipFill>
+                <a:blip r:embed="rId8"/>
+                <a:stretch>
+                  <a:fillRect/>
+                </a:stretch>
+              </a:blipFill>
+            </p:spPr>
+            <p:txBody>
+              <a:bodyPr/>
+              <a:lstStyle/>
+              <a:p>
+                <a:r>
+                  <a:rPr lang="zh-TW" altLang="en-US">
+                    <a:noFill/>
+                  </a:rPr>
+                  <a:t> </a:t>
+                </a:r>
+              </a:p>
+            </p:txBody>
+          </p:sp>
+        </mc:Fallback>
+      </mc:AlternateContent>
+      <p:pic>
+        <p:nvPicPr>
+          <p:cNvPr id="11" name="圖片 10"/>
+          <p:cNvPicPr>
+            <a:picLocks noChangeAspect="1"/>
+          </p:cNvPicPr>
+          <p:nvPr/>
+        </p:nvPicPr>
+        <p:blipFill>
+          <a:blip r:embed="rId9"/>
+          <a:stretch>
+            <a:fillRect/>
+          </a:stretch>
+        </p:blipFill>
+        <p:spPr>
+          <a:xfrm>
+            <a:off x="5635353" y="2534245"/>
+            <a:ext cx="800100" cy="695325"/>
+          </a:xfrm>
+          <a:prstGeom prst="rect">
+            <a:avLst/>
+          </a:prstGeom>
+        </p:spPr>
+      </p:pic>
+      <p:sp>
+        <p:nvSpPr>
+          <p:cNvPr id="12" name="文字方塊 11"/>
+          <p:cNvSpPr txBox="1"/>
+          <p:nvPr/>
+        </p:nvSpPr>
+        <p:spPr>
+          <a:xfrm>
+            <a:off x="115524" y="1819482"/>
+            <a:ext cx="436338" cy="369332"/>
+          </a:xfrm>
+          <a:prstGeom prst="rect">
+            <a:avLst/>
+          </a:prstGeom>
+          <a:noFill/>
+        </p:spPr>
+        <p:txBody>
+          <a:bodyPr wrap="none" rtlCol="0">
+            <a:spAutoFit/>
+          </a:bodyPr>
+          <a:lstStyle/>
+          <a:p>
+            <a:r>
+              <a:rPr lang="en-US" altLang="zh-TW" dirty="0" smtClean="0">
+                <a:solidFill>
+                  <a:srgbClr val="FF0000"/>
+                </a:solidFill>
+              </a:rPr>
+              <a:t>(a)</a:t>
+            </a:r>
+            <a:endParaRPr lang="zh-TW" altLang="en-US" dirty="0">
+              <a:solidFill>
+                <a:srgbClr val="FF0000"/>
+              </a:solidFill>
+            </a:endParaRPr>
+          </a:p>
+        </p:txBody>
+      </p:sp>
+      <p:pic>
+        <p:nvPicPr>
+          <p:cNvPr id="13" name="圖片 12"/>
+          <p:cNvPicPr>
+            <a:picLocks noChangeAspect="1"/>
+          </p:cNvPicPr>
+          <p:nvPr/>
+        </p:nvPicPr>
+        <p:blipFill>
+          <a:blip r:embed="rId10"/>
+          <a:stretch>
+            <a:fillRect/>
+          </a:stretch>
+        </p:blipFill>
+        <p:spPr>
+          <a:xfrm>
+            <a:off x="115524" y="3796987"/>
+            <a:ext cx="3256569" cy="417248"/>
+          </a:xfrm>
+          <a:prstGeom prst="rect">
+            <a:avLst/>
+          </a:prstGeom>
+        </p:spPr>
+      </p:pic>
+      <p:pic>
+        <p:nvPicPr>
+          <p:cNvPr id="14" name="圖片 13"/>
+          <p:cNvPicPr>
+            <a:picLocks noChangeAspect="1"/>
+          </p:cNvPicPr>
+          <p:nvPr/>
+        </p:nvPicPr>
+        <p:blipFill>
+          <a:blip r:embed="rId11"/>
+          <a:stretch>
+            <a:fillRect/>
+          </a:stretch>
+        </p:blipFill>
+        <p:spPr>
+          <a:xfrm>
+            <a:off x="3432175" y="3672926"/>
+            <a:ext cx="2801663" cy="616202"/>
+          </a:xfrm>
+          <a:prstGeom prst="rect">
+            <a:avLst/>
+          </a:prstGeom>
+        </p:spPr>
+      </p:pic>
+      <p:pic>
+        <p:nvPicPr>
+          <p:cNvPr id="15" name="圖片 14"/>
+          <p:cNvPicPr>
+            <a:picLocks noChangeAspect="1"/>
+          </p:cNvPicPr>
+          <p:nvPr/>
+        </p:nvPicPr>
+        <p:blipFill>
+          <a:blip r:embed="rId12"/>
+          <a:stretch>
+            <a:fillRect/>
+          </a:stretch>
+        </p:blipFill>
+        <p:spPr>
+          <a:xfrm>
+            <a:off x="115524" y="4437837"/>
+            <a:ext cx="4944156" cy="330835"/>
+          </a:xfrm>
+          <a:prstGeom prst="rect">
+            <a:avLst/>
+          </a:prstGeom>
+        </p:spPr>
+      </p:pic>
+      <p:pic>
+        <p:nvPicPr>
+          <p:cNvPr id="16" name="圖片 15"/>
+          <p:cNvPicPr>
+            <a:picLocks noChangeAspect="1"/>
+          </p:cNvPicPr>
+          <p:nvPr/>
+        </p:nvPicPr>
+        <p:blipFill>
+          <a:blip r:embed="rId13"/>
+          <a:stretch>
+            <a:fillRect/>
+          </a:stretch>
+        </p:blipFill>
+        <p:spPr>
+          <a:xfrm>
+            <a:off x="5203825" y="4306611"/>
+            <a:ext cx="2327656" cy="704788"/>
+          </a:xfrm>
+          <a:prstGeom prst="rect">
+            <a:avLst/>
+          </a:prstGeom>
+        </p:spPr>
+      </p:pic>
+      <p:pic>
+        <p:nvPicPr>
+          <p:cNvPr id="17" name="圖片 16"/>
+          <p:cNvPicPr>
+            <a:picLocks noChangeAspect="1"/>
+          </p:cNvPicPr>
+          <p:nvPr/>
+        </p:nvPicPr>
+        <p:blipFill>
+          <a:blip r:embed="rId14"/>
+          <a:stretch>
+            <a:fillRect/>
+          </a:stretch>
+        </p:blipFill>
+        <p:spPr>
+          <a:xfrm>
+            <a:off x="115524" y="5041356"/>
+            <a:ext cx="5464381" cy="325052"/>
+          </a:xfrm>
+          <a:prstGeom prst="rect">
+            <a:avLst/>
+          </a:prstGeom>
+        </p:spPr>
+      </p:pic>
+      <p:pic>
+        <p:nvPicPr>
+          <p:cNvPr id="18" name="圖片 17"/>
+          <p:cNvPicPr>
+            <a:picLocks noChangeAspect="1"/>
+          </p:cNvPicPr>
+          <p:nvPr/>
+        </p:nvPicPr>
+        <p:blipFill>
+          <a:blip r:embed="rId15"/>
+          <a:stretch>
+            <a:fillRect/>
+          </a:stretch>
+        </p:blipFill>
+        <p:spPr>
+          <a:xfrm>
+            <a:off x="5579905" y="4956315"/>
+            <a:ext cx="1833227" cy="556050"/>
+          </a:xfrm>
+          <a:prstGeom prst="rect">
+            <a:avLst/>
+          </a:prstGeom>
+        </p:spPr>
+      </p:pic>
+      <p:pic>
+        <p:nvPicPr>
+          <p:cNvPr id="19" name="圖片 18"/>
+          <p:cNvPicPr>
+            <a:picLocks noChangeAspect="1"/>
+          </p:cNvPicPr>
+          <p:nvPr/>
+        </p:nvPicPr>
+        <p:blipFill>
+          <a:blip r:embed="rId16"/>
+          <a:stretch>
+            <a:fillRect/>
+          </a:stretch>
+        </p:blipFill>
+        <p:spPr>
+          <a:xfrm>
+            <a:off x="115524" y="5675867"/>
+            <a:ext cx="6432153" cy="464488"/>
+          </a:xfrm>
+          <a:prstGeom prst="rect">
+            <a:avLst/>
+          </a:prstGeom>
+        </p:spPr>
+      </p:pic>
+      <p:sp>
+        <p:nvSpPr>
+          <p:cNvPr id="20" name="文字方塊 19"/>
+          <p:cNvSpPr txBox="1"/>
+          <p:nvPr/>
+        </p:nvSpPr>
+        <p:spPr>
+          <a:xfrm>
+            <a:off x="67946" y="3282421"/>
+            <a:ext cx="447558" cy="369332"/>
+          </a:xfrm>
+          <a:prstGeom prst="rect">
+            <a:avLst/>
+          </a:prstGeom>
+          <a:noFill/>
+        </p:spPr>
+        <p:txBody>
+          <a:bodyPr wrap="none" rtlCol="0">
+            <a:spAutoFit/>
+          </a:bodyPr>
+          <a:lstStyle/>
+          <a:p>
+            <a:r>
+              <a:rPr lang="en-US" altLang="zh-TW" dirty="0" smtClean="0">
+                <a:solidFill>
+                  <a:srgbClr val="FF0000"/>
+                </a:solidFill>
+              </a:rPr>
+              <a:t>(b)</a:t>
+            </a:r>
+            <a:endParaRPr lang="zh-TW" altLang="en-US" dirty="0">
+              <a:solidFill>
+                <a:srgbClr val="FF0000"/>
+              </a:solidFill>
+            </a:endParaRPr>
+          </a:p>
+        </p:txBody>
+      </p:sp>
+      <p:pic>
+        <p:nvPicPr>
+          <p:cNvPr id="21" name="圖片 20"/>
+          <p:cNvPicPr>
+            <a:picLocks noChangeAspect="1"/>
+          </p:cNvPicPr>
+          <p:nvPr/>
+        </p:nvPicPr>
+        <p:blipFill>
+          <a:blip r:embed="rId17"/>
+          <a:stretch>
+            <a:fillRect/>
+          </a:stretch>
+        </p:blipFill>
+        <p:spPr>
+          <a:xfrm>
+            <a:off x="7571410" y="3611562"/>
+            <a:ext cx="4620590" cy="3184639"/>
+          </a:xfrm>
+          <a:prstGeom prst="rect">
+            <a:avLst/>
+          </a:prstGeom>
+        </p:spPr>
+      </p:pic>
+    </p:spTree>
+    <p:extLst>
+      <p:ext uri="{BB962C8B-B14F-4D97-AF65-F5344CB8AC3E}">
+        <p14:creationId xmlns:p14="http://schemas.microsoft.com/office/powerpoint/2010/main" val="1440393777"/>
+      </p:ext>
+    </p:extLst>
+  </p:cSld>
+  <p:clrMapOvr>
+    <a:masterClrMapping/>
+  </p:clrMapOvr>
+</p:sld>
+</file>
+
+<file path=ppt/slides/slide7.xml><?xml version="1.0" encoding="utf-8"?>
+<p:sld xmlns:a="http://schemas.openxmlformats.org/drawingml/2006/main" xmlns:r="http://schemas.openxmlformats.org/officeDocument/2006/relationships" xmlns:p="http://schemas.openxmlformats.org/presentationml/2006/main">
+  <p:cSld>
+    <p:spTree>
+      <p:nvGrpSpPr>
+        <p:cNvPr id="1" name=""/>
+        <p:cNvGrpSpPr/>
+        <p:nvPr/>
+      </p:nvGrpSpPr>
+      <p:grpSpPr>
+        <a:xfrm>
+          <a:off x="0" y="0"/>
+          <a:ext cx="0" cy="0"/>
+          <a:chOff x="0" y="0"/>
+          <a:chExt cx="0" cy="0"/>
+        </a:xfrm>
+      </p:grpSpPr>
+    </p:spTree>
+    <p:extLst>
+      <p:ext uri="{BB962C8B-B14F-4D97-AF65-F5344CB8AC3E}">
+        <p14:creationId xmlns:p14="http://schemas.microsoft.com/office/powerpoint/2010/main" val="1102998474"/>
       </p:ext>
     </p:extLst>
   </p:cSld>

--- a/communication_theory/FINAL/FINAL大抄.pptx
+++ b/communication_theory/FINAL/FINAL大抄.pptx
@@ -12,6 +12,7 @@
     <p:sldId id="260" r:id="rId6"/>
     <p:sldId id="261" r:id="rId7"/>
     <p:sldId id="262" r:id="rId8"/>
+    <p:sldId id="263" r:id="rId9"/>
   </p:sldIdLst>
   <p:sldSz cx="12192000" cy="6858000"/>
   <p:notesSz cx="6858000" cy="9144000"/>
@@ -3074,13 +3075,7 @@
                       <a:rPr lang="en-US" altLang="zh-TW" i="1">
                         <a:latin typeface="Cambria Math" panose="02040503050406030204" pitchFamily="18" charset="0"/>
                       </a:rPr>
-                      <m:t>=</m:t>
-                    </m:r>
-                    <m:r>
-                      <a:rPr lang="en-US" altLang="zh-TW" i="1">
-                        <a:latin typeface="Cambria Math" panose="02040503050406030204" pitchFamily="18" charset="0"/>
-                      </a:rPr>
-                      <m:t>2</m:t>
+                      <m:t>=2</m:t>
                     </m:r>
                     <m:d>
                       <m:dPr>
@@ -3095,13 +3090,7 @@
                           <a:rPr lang="en-US" altLang="zh-TW" i="1">
                             <a:latin typeface="Cambria Math" panose="02040503050406030204" pitchFamily="18" charset="0"/>
                           </a:rPr>
-                          <m:t>1</m:t>
-                        </m:r>
-                        <m:r>
-                          <a:rPr lang="en-US" altLang="zh-TW" i="1">
-                            <a:latin typeface="Cambria Math" panose="02040503050406030204" pitchFamily="18" charset="0"/>
-                          </a:rPr>
-                          <m:t>−</m:t>
+                          <m:t>1−</m:t>
                         </m:r>
                         <m:f>
                           <m:fPr>
@@ -3267,13 +3256,7 @@
                               <a:rPr lang="en-US" altLang="zh-TW" i="1">
                                 <a:latin typeface="Cambria Math" panose="02040503050406030204" pitchFamily="18" charset="0"/>
                               </a:rPr>
-                              <m:t>−</m:t>
-                            </m:r>
-                            <m:r>
-                              <a:rPr lang="en-US" altLang="zh-TW" i="1">
-                                <a:latin typeface="Cambria Math" panose="02040503050406030204" pitchFamily="18" charset="0"/>
-                              </a:rPr>
-                              <m:t>1</m:t>
+                              <m:t>−1</m:t>
                             </m:r>
                           </m:den>
                         </m:f>
@@ -3665,13 +3648,7 @@
                           <a:rPr lang="en-US" altLang="zh-TW" i="1">
                             <a:latin typeface="Cambria Math" panose="02040503050406030204" pitchFamily="18" charset="0"/>
                           </a:rPr>
-                          <m:t>1</m:t>
-                        </m:r>
-                        <m:r>
-                          <a:rPr lang="en-US" altLang="zh-TW" i="1">
-                            <a:latin typeface="Cambria Math" panose="02040503050406030204" pitchFamily="18" charset="0"/>
-                          </a:rPr>
-                          <m:t>+</m:t>
+                          <m:t>1+</m:t>
                         </m:r>
                         <m:r>
                           <a:rPr lang="en-US" altLang="zh-TW" i="1">
@@ -3893,15 +3870,7 @@
                             <a:ea typeface="微軟正黑體" panose="020B0604030504040204" pitchFamily="34" charset="-120"/>
                             <a:cs typeface="Times New Roman" panose="02020603050405020304" pitchFamily="18" charset="0"/>
                           </a:rPr>
-                          <m:t>=−</m:t>
-                        </m:r>
-                        <m:r>
-                          <a:rPr lang="en-US" altLang="zh-TW" i="1">
-                            <a:latin typeface="Cambria Math" panose="02040503050406030204" pitchFamily="18" charset="0"/>
-                            <a:ea typeface="微軟正黑體" panose="020B0604030504040204" pitchFamily="34" charset="-120"/>
-                            <a:cs typeface="Times New Roman" panose="02020603050405020304" pitchFamily="18" charset="0"/>
-                          </a:rPr>
-                          <m:t>∞</m:t>
+                          <m:t>=−∞</m:t>
                         </m:r>
                       </m:sub>
                       <m:sup>
@@ -5273,14 +5242,7 @@
                                 <a:latin typeface="Cambria Math" panose="02040503050406030204" pitchFamily="18" charset="0"/>
                                 <a:cs typeface="Times New Roman" panose="02020603050405020304" pitchFamily="18" charset="0"/>
                               </a:rPr>
-                              <m:t>−</m:t>
-                            </m:r>
-                            <m:r>
-                              <a:rPr lang="en-US" altLang="zh-TW" b="0" i="1" smtClean="0">
-                                <a:latin typeface="Cambria Math" panose="02040503050406030204" pitchFamily="18" charset="0"/>
-                                <a:cs typeface="Times New Roman" panose="02020603050405020304" pitchFamily="18" charset="0"/>
-                              </a:rPr>
-                              <m:t>2</m:t>
+                              <m:t>−2</m:t>
                             </m:r>
                           </m:sub>
                         </m:sSub>
@@ -5305,21 +5267,7 @@
                         <a:latin typeface="Cambria Math" panose="02040503050406030204" pitchFamily="18" charset="0"/>
                         <a:cs typeface="Times New Roman" panose="02020603050405020304" pitchFamily="18" charset="0"/>
                       </a:rPr>
-                      <m:t> </m:t>
-                    </m:r>
-                    <m:r>
-                      <a:rPr lang="en-US" altLang="zh-TW" b="0" i="1" smtClean="0">
-                        <a:latin typeface="Cambria Math" panose="02040503050406030204" pitchFamily="18" charset="0"/>
-                        <a:cs typeface="Times New Roman" panose="02020603050405020304" pitchFamily="18" charset="0"/>
-                      </a:rPr>
-                      <m:t>2</m:t>
-                    </m:r>
-                    <m:r>
-                      <a:rPr lang="en-US" altLang="zh-TW" b="0" i="1" smtClean="0">
-                        <a:latin typeface="Cambria Math" panose="02040503050406030204" pitchFamily="18" charset="0"/>
-                        <a:cs typeface="Times New Roman" panose="02020603050405020304" pitchFamily="18" charset="0"/>
-                      </a:rPr>
-                      <m:t> ; </m:t>
+                      <m:t> 2 ; </m:t>
                     </m:r>
                     <m:sSub>
                       <m:sSubPr>
@@ -5383,21 +5331,7 @@
                                 <a:latin typeface="Cambria Math" panose="02040503050406030204" pitchFamily="18" charset="0"/>
                                 <a:cs typeface="Times New Roman" panose="02020603050405020304" pitchFamily="18" charset="0"/>
                               </a:rPr>
-                              <m:t>   </m:t>
-                            </m:r>
-                            <m:r>
-                              <a:rPr lang="en-US" altLang="zh-TW" b="0" i="1" smtClean="0">
-                                <a:latin typeface="Cambria Math" panose="02040503050406030204" pitchFamily="18" charset="0"/>
-                                <a:cs typeface="Times New Roman" panose="02020603050405020304" pitchFamily="18" charset="0"/>
-                              </a:rPr>
-                              <m:t>1</m:t>
-                            </m:r>
-                            <m:r>
-                              <a:rPr lang="en-US" altLang="zh-TW" b="0" i="1" smtClean="0">
-                                <a:latin typeface="Cambria Math" panose="02040503050406030204" pitchFamily="18" charset="0"/>
-                                <a:cs typeface="Times New Roman" panose="02020603050405020304" pitchFamily="18" charset="0"/>
-                              </a:rPr>
-                              <m:t> ;</m:t>
+                              <m:t>   1 ;</m:t>
                             </m:r>
                             <m:sSub>
                               <m:sSubPr>
@@ -5432,14 +5366,7 @@
                                 <a:latin typeface="Cambria Math" panose="02040503050406030204" pitchFamily="18" charset="0"/>
                                 <a:cs typeface="Times New Roman" panose="02020603050405020304" pitchFamily="18" charset="0"/>
                               </a:rPr>
-                              <m:t>=</m:t>
-                            </m:r>
-                            <m:r>
-                              <a:rPr lang="en-US" altLang="zh-TW" b="0" i="1" smtClean="0">
-                                <a:latin typeface="Cambria Math" panose="02040503050406030204" pitchFamily="18" charset="0"/>
-                                <a:cs typeface="Times New Roman" panose="02020603050405020304" pitchFamily="18" charset="0"/>
-                              </a:rPr>
-                              <m:t>1</m:t>
+                              <m:t>=1</m:t>
                             </m:r>
                           </m:e>
                           <m:e>
@@ -5448,21 +5375,7 @@
                                 <a:latin typeface="Cambria Math" panose="02040503050406030204" pitchFamily="18" charset="0"/>
                                 <a:cs typeface="Times New Roman" panose="02020603050405020304" pitchFamily="18" charset="0"/>
                               </a:rPr>
-                              <m:t>−</m:t>
-                            </m:r>
-                            <m:r>
-                              <a:rPr lang="en-US" altLang="zh-TW" b="0" i="1" smtClean="0">
-                                <a:latin typeface="Cambria Math" panose="02040503050406030204" pitchFamily="18" charset="0"/>
-                                <a:cs typeface="Times New Roman" panose="02020603050405020304" pitchFamily="18" charset="0"/>
-                              </a:rPr>
-                              <m:t>1</m:t>
-                            </m:r>
-                            <m:r>
-                              <a:rPr lang="en-US" altLang="zh-TW" b="0" i="1" smtClean="0">
-                                <a:latin typeface="Cambria Math" panose="02040503050406030204" pitchFamily="18" charset="0"/>
-                                <a:cs typeface="Times New Roman" panose="02020603050405020304" pitchFamily="18" charset="0"/>
-                              </a:rPr>
-                              <m:t> ;</m:t>
+                              <m:t>−1 ;</m:t>
                             </m:r>
                             <m:sSub>
                               <m:sSubPr>
@@ -5497,14 +5410,7 @@
                                 <a:latin typeface="Cambria Math" panose="02040503050406030204" pitchFamily="18" charset="0"/>
                                 <a:cs typeface="Times New Roman" panose="02020603050405020304" pitchFamily="18" charset="0"/>
                               </a:rPr>
-                              <m:t>=</m:t>
-                            </m:r>
-                            <m:r>
-                              <a:rPr lang="en-US" altLang="zh-TW" b="0" i="1" smtClean="0">
-                                <a:latin typeface="Cambria Math" panose="02040503050406030204" pitchFamily="18" charset="0"/>
-                                <a:cs typeface="Times New Roman" panose="02020603050405020304" pitchFamily="18" charset="0"/>
-                              </a:rPr>
-                              <m:t>0</m:t>
+                              <m:t>=0</m:t>
                             </m:r>
                           </m:e>
                         </m:eqArr>
@@ -5616,14 +5522,7 @@
                                 <a:latin typeface="Cambria Math" panose="02040503050406030204" pitchFamily="18" charset="0"/>
                                 <a:cs typeface="Times New Roman" panose="02020603050405020304" pitchFamily="18" charset="0"/>
                               </a:rPr>
-                              <m:t>−</m:t>
-                            </m:r>
-                            <m:r>
-                              <a:rPr lang="en-US" altLang="zh-TW" b="0" i="1" smtClean="0">
-                                <a:latin typeface="Cambria Math" panose="02040503050406030204" pitchFamily="18" charset="0"/>
-                                <a:cs typeface="Times New Roman" panose="02020603050405020304" pitchFamily="18" charset="0"/>
-                              </a:rPr>
-                              <m:t>2</m:t>
+                              <m:t>−2</m:t>
                             </m:r>
                           </m:sub>
                         </m:sSub>
@@ -5716,14 +5615,7 @@
                                     <a:latin typeface="Cambria Math" panose="02040503050406030204" pitchFamily="18" charset="0"/>
                                     <a:cs typeface="Times New Roman" panose="02020603050405020304" pitchFamily="18" charset="0"/>
                                   </a:rPr>
-                                  <m:t>1</m:t>
-                                </m:r>
-                                <m:r>
-                                  <a:rPr lang="en-US" altLang="zh-TW" b="0" i="1" smtClean="0">
-                                    <a:latin typeface="Cambria Math" panose="02040503050406030204" pitchFamily="18" charset="0"/>
-                                    <a:cs typeface="Times New Roman" panose="02020603050405020304" pitchFamily="18" charset="0"/>
-                                  </a:rPr>
-                                  <m:t> ;</m:t>
+                                  <m:t>1 ;</m:t>
                                 </m:r>
                                 <m:d>
                                   <m:dPr>
@@ -5772,14 +5664,7 @@
                                     <a:latin typeface="Cambria Math" panose="02040503050406030204" pitchFamily="18" charset="0"/>
                                     <a:cs typeface="Times New Roman" panose="02020603050405020304" pitchFamily="18" charset="0"/>
                                   </a:rPr>
-                                  <m:t>&gt;</m:t>
-                                </m:r>
-                                <m:r>
-                                  <a:rPr lang="en-US" altLang="zh-TW" b="0" i="1" smtClean="0">
-                                    <a:latin typeface="Cambria Math" panose="02040503050406030204" pitchFamily="18" charset="0"/>
-                                    <a:cs typeface="Times New Roman" panose="02020603050405020304" pitchFamily="18" charset="0"/>
-                                  </a:rPr>
-                                  <m:t>1</m:t>
+                                  <m:t>&gt;1</m:t>
                                 </m:r>
                               </m:e>
                               <m:e>
@@ -5788,14 +5673,7 @@
                                     <a:latin typeface="Cambria Math" panose="02040503050406030204" pitchFamily="18" charset="0"/>
                                     <a:cs typeface="Times New Roman" panose="02020603050405020304" pitchFamily="18" charset="0"/>
                                   </a:rPr>
-                                  <m:t>0</m:t>
-                                </m:r>
-                                <m:r>
-                                  <a:rPr lang="en-US" altLang="zh-TW" b="0" i="1" smtClean="0">
-                                    <a:latin typeface="Cambria Math" panose="02040503050406030204" pitchFamily="18" charset="0"/>
-                                    <a:cs typeface="Times New Roman" panose="02020603050405020304" pitchFamily="18" charset="0"/>
-                                  </a:rPr>
-                                  <m:t> ;|</m:t>
+                                  <m:t>0 ;|</m:t>
                                 </m:r>
                                 <m:sSub>
                                   <m:sSubPr>
@@ -5830,14 +5708,7 @@
                                     <a:latin typeface="Cambria Math" panose="02040503050406030204" pitchFamily="18" charset="0"/>
                                     <a:cs typeface="Times New Roman" panose="02020603050405020304" pitchFamily="18" charset="0"/>
                                   </a:rPr>
-                                  <m:t>|&lt;</m:t>
-                                </m:r>
-                                <m:r>
-                                  <a:rPr lang="en-US" altLang="zh-TW" b="0" i="1" smtClean="0">
-                                    <a:latin typeface="Cambria Math" panose="02040503050406030204" pitchFamily="18" charset="0"/>
-                                    <a:cs typeface="Times New Roman" panose="02020603050405020304" pitchFamily="18" charset="0"/>
-                                  </a:rPr>
-                                  <m:t>1</m:t>
+                                  <m:t>|&lt;1</m:t>
                                 </m:r>
                               </m:e>
                             </m:eqArr>
@@ -6057,14 +5928,7 @@
                                 <a:latin typeface="Cambria Math" panose="02040503050406030204" pitchFamily="18" charset="0"/>
                                 <a:cs typeface="Times New Roman" panose="02020603050405020304" pitchFamily="18" charset="0"/>
                               </a:rPr>
-                              <m:t>−</m:t>
-                            </m:r>
-                            <m:r>
-                              <a:rPr lang="en-US" altLang="zh-TW" b="0" i="1" smtClean="0">
-                                <a:latin typeface="Cambria Math" panose="02040503050406030204" pitchFamily="18" charset="0"/>
-                                <a:cs typeface="Times New Roman" panose="02020603050405020304" pitchFamily="18" charset="0"/>
-                              </a:rPr>
-                              <m:t>1</m:t>
+                              <m:t>−1</m:t>
                             </m:r>
                           </m:sub>
                         </m:sSub>
@@ -6216,14 +6080,7 @@
                                 <a:latin typeface="Cambria Math" panose="02040503050406030204" pitchFamily="18" charset="0"/>
                                 <a:cs typeface="Times New Roman" panose="02020603050405020304" pitchFamily="18" charset="0"/>
                               </a:rPr>
-                              <m:t>−</m:t>
-                            </m:r>
-                            <m:r>
-                              <a:rPr lang="en-US" altLang="zh-TW" b="0" i="1" smtClean="0">
-                                <a:latin typeface="Cambria Math" panose="02040503050406030204" pitchFamily="18" charset="0"/>
-                                <a:cs typeface="Times New Roman" panose="02020603050405020304" pitchFamily="18" charset="0"/>
-                              </a:rPr>
-                              <m:t>1</m:t>
+                              <m:t>−1</m:t>
                             </m:r>
                           </m:e>
                         </m:d>
@@ -6344,14 +6201,7 @@
                             <a:latin typeface="Cambria Math" panose="02040503050406030204" pitchFamily="18" charset="0"/>
                             <a:cs typeface="Times New Roman" panose="02020603050405020304" pitchFamily="18" charset="0"/>
                           </a:rPr>
-                          <m:t>−</m:t>
-                        </m:r>
-                        <m:r>
-                          <a:rPr lang="en-US" altLang="zh-TW" b="0" i="1" smtClean="0">
-                            <a:latin typeface="Cambria Math" panose="02040503050406030204" pitchFamily="18" charset="0"/>
-                            <a:cs typeface="Times New Roman" panose="02020603050405020304" pitchFamily="18" charset="0"/>
-                          </a:rPr>
-                          <m:t>1</m:t>
+                          <m:t>−1</m:t>
                         </m:r>
                       </m:sub>
                     </m:sSub>
@@ -6503,21 +6353,7 @@
                         <a:latin typeface="Cambria Math" panose="02040503050406030204" pitchFamily="18" charset="0"/>
                         <a:cs typeface="Times New Roman" panose="02020603050405020304" pitchFamily="18" charset="0"/>
                       </a:rPr>
-                      <m:t>−</m:t>
-                    </m:r>
-                    <m:r>
-                      <a:rPr lang="en-US" altLang="zh-TW" b="0" i="1" dirty="0" smtClean="0">
-                        <a:latin typeface="Cambria Math" panose="02040503050406030204" pitchFamily="18" charset="0"/>
-                        <a:cs typeface="Times New Roman" panose="02020603050405020304" pitchFamily="18" charset="0"/>
-                      </a:rPr>
-                      <m:t>1</m:t>
-                    </m:r>
-                    <m:r>
-                      <a:rPr lang="en-US" altLang="zh-TW" b="0" i="1" dirty="0" smtClean="0">
-                        <a:latin typeface="Cambria Math" panose="02040503050406030204" pitchFamily="18" charset="0"/>
-                        <a:cs typeface="Times New Roman" panose="02020603050405020304" pitchFamily="18" charset="0"/>
-                      </a:rPr>
-                      <m:t>)</m:t>
+                      <m:t>−1)</m:t>
                     </m:r>
                   </m:oMath>
                 </a14:m>
@@ -6575,8 +6411,8 @@
           </p:sp>
         </mc:Fallback>
       </mc:AlternateContent>
-      <mc:AlternateContent xmlns:mc="http://schemas.openxmlformats.org/markup-compatibility/2006">
-        <mc:Choice xmlns:a14="http://schemas.microsoft.com/office/drawing/2010/main" Requires="a14">
+      <mc:AlternateContent xmlns:mc="http://schemas.openxmlformats.org/markup-compatibility/2006" xmlns:a14="http://schemas.microsoft.com/office/drawing/2010/main">
+        <mc:Choice Requires="a14">
           <p:sp>
             <p:nvSpPr>
               <p:cNvPr id="14" name="文字方塊 13"/>
@@ -6824,7 +6660,7 @@
             </p:txBody>
           </p:sp>
         </mc:Choice>
-        <mc:Fallback>
+        <mc:Fallback xmlns="">
           <p:sp>
             <p:nvSpPr>
               <p:cNvPr id="14" name="文字方塊 13"/>
@@ -6863,8 +6699,8 @@
           </p:sp>
         </mc:Fallback>
       </mc:AlternateContent>
-      <mc:AlternateContent xmlns:mc="http://schemas.openxmlformats.org/markup-compatibility/2006">
-        <mc:Choice xmlns:a14="http://schemas.microsoft.com/office/drawing/2010/main" Requires="a14">
+      <mc:AlternateContent xmlns:mc="http://schemas.openxmlformats.org/markup-compatibility/2006" xmlns:a14="http://schemas.microsoft.com/office/drawing/2010/main">
+        <mc:Choice Requires="a14">
           <p:sp>
             <p:nvSpPr>
               <p:cNvPr id="15" name="文字方塊 14"/>
@@ -7088,14 +6924,7 @@
                             <a:latin typeface="Cambria Math" panose="02040503050406030204" pitchFamily="18" charset="0"/>
                             <a:cs typeface="Times New Roman" panose="02020603050405020304" pitchFamily="18" charset="0"/>
                           </a:rPr>
-                          <m:t> </m:t>
-                        </m:r>
-                        <m:r>
-                          <a:rPr lang="en-US" altLang="zh-TW" b="0" i="1" smtClean="0">
-                            <a:latin typeface="Cambria Math" panose="02040503050406030204" pitchFamily="18" charset="0"/>
-                            <a:cs typeface="Times New Roman" panose="02020603050405020304" pitchFamily="18" charset="0"/>
-                          </a:rPr>
-                          <m:t>; </m:t>
+                          <m:t> ; </m:t>
                         </m:r>
                         <m:r>
                           <a:rPr lang="zh-TW" altLang="en-US" i="1">
@@ -7161,7 +6990,7 @@
             </p:txBody>
           </p:sp>
         </mc:Choice>
-        <mc:Fallback>
+        <mc:Fallback xmlns="">
           <p:sp>
             <p:nvSpPr>
               <p:cNvPr id="15" name="文字方塊 14"/>
@@ -7200,8 +7029,8 @@
           </p:sp>
         </mc:Fallback>
       </mc:AlternateContent>
-      <mc:AlternateContent xmlns:mc="http://schemas.openxmlformats.org/markup-compatibility/2006">
-        <mc:Choice xmlns:a14="http://schemas.microsoft.com/office/drawing/2010/main" Requires="a14">
+      <mc:AlternateContent xmlns:mc="http://schemas.openxmlformats.org/markup-compatibility/2006" xmlns:a14="http://schemas.microsoft.com/office/drawing/2010/main">
+        <mc:Choice Requires="a14">
           <p:sp>
             <p:nvSpPr>
               <p:cNvPr id="16" name="文字方塊 15"/>
@@ -7373,7 +7202,7 @@
             </p:txBody>
           </p:sp>
         </mc:Choice>
-        <mc:Fallback>
+        <mc:Fallback xmlns="">
           <p:sp>
             <p:nvSpPr>
               <p:cNvPr id="16" name="文字方塊 15"/>
@@ -7412,8 +7241,8 @@
           </p:sp>
         </mc:Fallback>
       </mc:AlternateContent>
-      <mc:AlternateContent xmlns:mc="http://schemas.openxmlformats.org/markup-compatibility/2006">
-        <mc:Choice xmlns:a14="http://schemas.microsoft.com/office/drawing/2010/main" Requires="a14">
+      <mc:AlternateContent xmlns:mc="http://schemas.openxmlformats.org/markup-compatibility/2006" xmlns:a14="http://schemas.microsoft.com/office/drawing/2010/main">
+        <mc:Choice Requires="a14">
           <p:sp>
             <p:nvSpPr>
               <p:cNvPr id="17" name="文字方塊 16"/>
@@ -7647,21 +7476,7 @@
                                 <a:latin typeface="Cambria Math" panose="02040503050406030204" pitchFamily="18" charset="0"/>
                                 <a:cs typeface="Times New Roman" panose="02020603050405020304" pitchFamily="18" charset="0"/>
                               </a:rPr>
-                              <m:t>[</m:t>
-                            </m:r>
-                            <m:r>
-                              <a:rPr lang="en-US" altLang="zh-TW" b="0" i="1" smtClean="0">
-                                <a:latin typeface="Cambria Math" panose="02040503050406030204" pitchFamily="18" charset="0"/>
-                                <a:cs typeface="Times New Roman" panose="02020603050405020304" pitchFamily="18" charset="0"/>
-                              </a:rPr>
-                              <m:t>1</m:t>
-                            </m:r>
-                            <m:r>
-                              <a:rPr lang="en-US" altLang="zh-TW" b="0" i="1" smtClean="0">
-                                <a:latin typeface="Cambria Math" panose="02040503050406030204" pitchFamily="18" charset="0"/>
-                                <a:cs typeface="Times New Roman" panose="02020603050405020304" pitchFamily="18" charset="0"/>
-                              </a:rPr>
-                              <m:t>+</m:t>
+                              <m:t>[1+</m:t>
                             </m:r>
                             <m:f>
                               <m:fPr>
@@ -7864,7 +7679,7 @@
             </p:txBody>
           </p:sp>
         </mc:Choice>
-        <mc:Fallback>
+        <mc:Fallback xmlns="">
           <p:sp>
             <p:nvSpPr>
               <p:cNvPr id="17" name="文字方塊 16"/>
@@ -8030,14 +7845,7 @@
                                 <a:latin typeface="Cambria Math" panose="02040503050406030204" pitchFamily="18" charset="0"/>
                                 <a:cs typeface="Times New Roman" panose="02020603050405020304" pitchFamily="18" charset="0"/>
                               </a:rPr>
-                              <m:t>1</m:t>
-                            </m:r>
-                            <m:r>
-                              <a:rPr lang="en-US" altLang="zh-TW" sz="1500" b="0" i="1" smtClean="0">
-                                <a:latin typeface="Cambria Math" panose="02040503050406030204" pitchFamily="18" charset="0"/>
-                                <a:cs typeface="Times New Roman" panose="02020603050405020304" pitchFamily="18" charset="0"/>
-                              </a:rPr>
-                              <m:t>+</m:t>
+                              <m:t>1+</m:t>
                             </m:r>
                             <m:func>
                               <m:funcPr>
@@ -8173,35 +7981,14 @@
                                 <a:latin typeface="Cambria Math" panose="02040503050406030204" pitchFamily="18" charset="0"/>
                                 <a:cs typeface="Times New Roman" panose="02020603050405020304" pitchFamily="18" charset="0"/>
                               </a:rPr>
-                              <m:t>0</m:t>
+                              <m:t>0   , </m:t>
                             </m:r>
                             <m:r>
                               <a:rPr lang="en-US" altLang="zh-TW" sz="1500" b="0" i="1" smtClean="0">
                                 <a:latin typeface="Cambria Math" panose="02040503050406030204" pitchFamily="18" charset="0"/>
                                 <a:cs typeface="Times New Roman" panose="02020603050405020304" pitchFamily="18" charset="0"/>
                               </a:rPr>
-                              <m:t>   , </m:t>
-                            </m:r>
-                            <m:r>
-                              <a:rPr lang="en-US" altLang="zh-TW" sz="1500" b="0" i="1" smtClean="0">
-                                <a:latin typeface="Cambria Math" panose="02040503050406030204" pitchFamily="18" charset="0"/>
-                                <a:cs typeface="Times New Roman" panose="02020603050405020304" pitchFamily="18" charset="0"/>
-                              </a:rPr>
-                              <m:t>𝑜𝑡</m:t>
-                            </m:r>
-                            <m:r>
-                              <a:rPr lang="en-US" altLang="zh-TW" sz="1500" b="0" i="1" smtClean="0">
-                                <a:latin typeface="Cambria Math" panose="02040503050406030204" pitchFamily="18" charset="0"/>
-                                <a:cs typeface="Times New Roman" panose="02020603050405020304" pitchFamily="18" charset="0"/>
-                              </a:rPr>
-                              <m:t>h</m:t>
-                            </m:r>
-                            <m:r>
-                              <a:rPr lang="en-US" altLang="zh-TW" sz="1500" b="0" i="1" smtClean="0">
-                                <a:latin typeface="Cambria Math" panose="02040503050406030204" pitchFamily="18" charset="0"/>
-                                <a:cs typeface="Times New Roman" panose="02020603050405020304" pitchFamily="18" charset="0"/>
-                              </a:rPr>
-                              <m:t>𝑒𝑟𝑤𝑖𝑠𝑒</m:t>
+                              <m:t>𝑜𝑡h𝑒𝑟𝑤𝑖𝑠𝑒</m:t>
                             </m:r>
                           </m:e>
                         </m:eqArr>
@@ -10917,14 +10704,7 @@
                               <a:latin typeface="Cambria Math" panose="02040503050406030204" pitchFamily="18" charset="0"/>
                               <a:cs typeface="Times New Roman" panose="02020603050405020304" pitchFamily="18" charset="0"/>
                             </a:rPr>
-                            <m:t>−</m:t>
-                          </m:r>
-                          <m:r>
-                            <a:rPr lang="en-US" altLang="zh-TW" sz="1500" b="0" i="1" smtClean="0">
-                              <a:latin typeface="Cambria Math" panose="02040503050406030204" pitchFamily="18" charset="0"/>
-                              <a:cs typeface="Times New Roman" panose="02020603050405020304" pitchFamily="18" charset="0"/>
-                            </a:rPr>
-                            <m:t>1</m:t>
+                            <m:t>−1</m:t>
                           </m:r>
                         </m:e>
                       </m:d>
@@ -10961,21 +10741,7 @@
                           <a:latin typeface="Cambria Math" panose="02040503050406030204" pitchFamily="18" charset="0"/>
                           <a:cs typeface="Times New Roman" panose="02020603050405020304" pitchFamily="18" charset="0"/>
                         </a:rPr>
-                        <m:t>+</m:t>
-                      </m:r>
-                      <m:r>
-                        <a:rPr lang="en-US" altLang="zh-TW" sz="1500" b="0" i="1" smtClean="0">
-                          <a:latin typeface="Cambria Math" panose="02040503050406030204" pitchFamily="18" charset="0"/>
-                          <a:cs typeface="Times New Roman" panose="02020603050405020304" pitchFamily="18" charset="0"/>
-                        </a:rPr>
-                        <m:t>1</m:t>
-                      </m:r>
-                      <m:r>
-                        <a:rPr lang="en-US" altLang="zh-TW" sz="1500" b="0" i="1" smtClean="0">
-                          <a:latin typeface="Cambria Math" panose="02040503050406030204" pitchFamily="18" charset="0"/>
-                          <a:cs typeface="Times New Roman" panose="02020603050405020304" pitchFamily="18" charset="0"/>
-                        </a:rPr>
-                        <m:t>])</m:t>
+                        <m:t>+1])</m:t>
                       </m:r>
                     </m:oMath>
                   </m:oMathPara>
@@ -11282,13 +11048,7 @@
                                     <a:rPr lang="en-US" altLang="zh-TW" sz="1500" b="0" i="1" smtClean="0">
                                       <a:latin typeface="Cambria Math" panose="02040503050406030204" pitchFamily="18" charset="0"/>
                                     </a:rPr>
-                                    <m:t>−</m:t>
-                                  </m:r>
-                                  <m:r>
-                                    <a:rPr lang="en-US" altLang="zh-TW" sz="1500" b="0" i="1" smtClean="0">
-                                      <a:latin typeface="Cambria Math" panose="02040503050406030204" pitchFamily="18" charset="0"/>
-                                    </a:rPr>
-                                    <m:t>1</m:t>
+                                    <m:t>−1</m:t>
                                   </m:r>
                                 </m:e>
                               </m:d>
@@ -11325,13 +11085,7 @@
                                     <a:rPr lang="en-US" altLang="zh-TW" sz="1500" b="0" i="1" smtClean="0">
                                       <a:latin typeface="Cambria Math" panose="02040503050406030204" pitchFamily="18" charset="0"/>
                                     </a:rPr>
-                                    <m:t>+</m:t>
-                                  </m:r>
-                                  <m:r>
-                                    <a:rPr lang="en-US" altLang="zh-TW" sz="1500" b="0" i="1" smtClean="0">
-                                      <a:latin typeface="Cambria Math" panose="02040503050406030204" pitchFamily="18" charset="0"/>
-                                    </a:rPr>
-                                    <m:t>1</m:t>
+                                    <m:t>+1</m:t>
                                   </m:r>
                                 </m:e>
                               </m:d>
@@ -11434,13 +11188,7 @@
                             <a:rPr lang="en-US" altLang="zh-TW" sz="1500" b="0" i="1" smtClean="0">
                               <a:latin typeface="Cambria Math" panose="02040503050406030204" pitchFamily="18" charset="0"/>
                             </a:rPr>
-                            <m:t>−</m:t>
-                          </m:r>
-                          <m:r>
-                            <a:rPr lang="en-US" altLang="zh-TW" sz="1500" b="0" i="1" smtClean="0">
-                              <a:latin typeface="Cambria Math" panose="02040503050406030204" pitchFamily="18" charset="0"/>
-                            </a:rPr>
-                            <m:t>1</m:t>
+                            <m:t>−1</m:t>
                           </m:r>
                         </m:sub>
                       </m:sSub>
@@ -11477,13 +11225,7 @@
                             <a:rPr lang="en-US" altLang="zh-TW" sz="1500" b="0" i="1" smtClean="0">
                               <a:latin typeface="Cambria Math" panose="02040503050406030204" pitchFamily="18" charset="0"/>
                             </a:rPr>
-                            <m:t>+</m:t>
-                          </m:r>
-                          <m:r>
-                            <a:rPr lang="en-US" altLang="zh-TW" sz="1500" b="0" i="1" smtClean="0">
-                              <a:latin typeface="Cambria Math" panose="02040503050406030204" pitchFamily="18" charset="0"/>
-                            </a:rPr>
-                            <m:t>1</m:t>
+                            <m:t>+1</m:t>
                           </m:r>
                         </m:sub>
                       </m:sSub>
@@ -11830,13 +11572,7 @@
                                 <a:rPr lang="en-US" altLang="zh-TW" sz="1500" b="0" i="1" smtClean="0">
                                   <a:latin typeface="Cambria Math" panose="02040503050406030204" pitchFamily="18" charset="0"/>
                                 </a:rPr>
-                                <m:t>−</m:t>
-                              </m:r>
-                              <m:r>
-                                <a:rPr lang="en-US" altLang="zh-TW" sz="1500" b="0" i="1" smtClean="0">
-                                  <a:latin typeface="Cambria Math" panose="02040503050406030204" pitchFamily="18" charset="0"/>
-                                </a:rPr>
-                                <m:t>1</m:t>
+                                <m:t>−1</m:t>
                               </m:r>
                             </m:sub>
                           </m:sSub>
@@ -11885,13 +11621,7 @@
                                 <a:rPr lang="en-US" altLang="zh-TW" sz="1500" b="0" i="1" smtClean="0">
                                   <a:latin typeface="Cambria Math" panose="02040503050406030204" pitchFamily="18" charset="0"/>
                                 </a:rPr>
-                                <m:t>+</m:t>
-                              </m:r>
-                              <m:r>
-                                <a:rPr lang="en-US" altLang="zh-TW" sz="1500" b="0" i="1" smtClean="0">
-                                  <a:latin typeface="Cambria Math" panose="02040503050406030204" pitchFamily="18" charset="0"/>
-                                </a:rPr>
-                                <m:t>1</m:t>
+                                <m:t>+1</m:t>
                               </m:r>
                             </m:sub>
                           </m:sSub>
@@ -14379,8 +14109,8 @@
           </a:prstGeom>
         </p:spPr>
       </p:pic>
-      <mc:AlternateContent xmlns:mc="http://schemas.openxmlformats.org/markup-compatibility/2006">
-        <mc:Choice xmlns:a14="http://schemas.microsoft.com/office/drawing/2010/main" Requires="a14">
+      <mc:AlternateContent xmlns:mc="http://schemas.openxmlformats.org/markup-compatibility/2006" xmlns:a14="http://schemas.microsoft.com/office/drawing/2010/main">
+        <mc:Choice Requires="a14">
           <p:sp>
             <p:nvSpPr>
               <p:cNvPr id="19" name="文字方塊 18"/>
@@ -14403,6 +14133,7 @@
               </a:bodyPr>
               <a:lstStyle/>
               <a:p>
+                <a:pPr/>
                 <a14:m>
                   <m:oMathPara xmlns:m="http://schemas.openxmlformats.org/officeDocument/2006/math">
                     <m:oMathParaPr>
@@ -14423,7 +14154,7 @@
             </p:txBody>
           </p:sp>
         </mc:Choice>
-        <mc:Fallback>
+        <mc:Fallback xmlns="">
           <p:sp>
             <p:nvSpPr>
               <p:cNvPr id="19" name="文字方塊 18"/>
@@ -14688,8 +14419,8 @@
           </a:prstGeom>
         </p:spPr>
       </p:pic>
-      <mc:AlternateContent xmlns:mc="http://schemas.openxmlformats.org/markup-compatibility/2006">
-        <mc:Choice xmlns:a14="http://schemas.microsoft.com/office/drawing/2010/main" Requires="a14">
+      <mc:AlternateContent xmlns:mc="http://schemas.openxmlformats.org/markup-compatibility/2006" xmlns:a14="http://schemas.microsoft.com/office/drawing/2010/main">
+        <mc:Choice Requires="a14">
           <p:sp>
             <p:nvSpPr>
               <p:cNvPr id="8" name="文字方塊 7"/>
@@ -14747,7 +14478,19 @@
                         <a:rPr lang="en-US" altLang="zh-TW" sz="1500" b="0" i="1" smtClean="0">
                           <a:latin typeface="Cambria Math" panose="02040503050406030204" pitchFamily="18" charset="0"/>
                         </a:rPr>
-                        <m:t>𝑡h𝑒</m:t>
+                        <m:t>𝑡</m:t>
+                      </m:r>
+                      <m:r>
+                        <a:rPr lang="en-US" altLang="zh-TW" sz="1500" b="0" i="1" smtClean="0">
+                          <a:latin typeface="Cambria Math" panose="02040503050406030204" pitchFamily="18" charset="0"/>
+                        </a:rPr>
+                        <m:t>h</m:t>
+                      </m:r>
+                      <m:r>
+                        <a:rPr lang="en-US" altLang="zh-TW" sz="1500" b="0" i="1" smtClean="0">
+                          <a:latin typeface="Cambria Math" panose="02040503050406030204" pitchFamily="18" charset="0"/>
+                        </a:rPr>
+                        <m:t>𝑒</m:t>
                       </m:r>
                       <m:r>
                         <a:rPr lang="en-US" altLang="zh-TW" sz="1500" b="0" i="1" smtClean="0">
@@ -14791,7 +14534,6 @@
                 <a:endParaRPr lang="en-US" altLang="zh-TW" sz="1500" dirty="0" smtClean="0"/>
               </a:p>
               <a:p>
-                <a:pPr/>
                 <a14:m>
                   <m:oMath xmlns:m="http://schemas.openxmlformats.org/officeDocument/2006/math">
                     <m:r>
@@ -15070,7 +14812,19 @@
                       <a:rPr lang="en-US" altLang="zh-TW" sz="1500" b="0" i="1" smtClean="0">
                         <a:latin typeface="Cambria Math" panose="02040503050406030204" pitchFamily="18" charset="0"/>
                       </a:rPr>
-                      <m:t>−1)</m:t>
+                      <m:t>−</m:t>
+                    </m:r>
+                    <m:r>
+                      <a:rPr lang="en-US" altLang="zh-TW" sz="1500" b="0" i="1" smtClean="0">
+                        <a:latin typeface="Cambria Math" panose="02040503050406030204" pitchFamily="18" charset="0"/>
+                      </a:rPr>
+                      <m:t>1</m:t>
+                    </m:r>
+                    <m:r>
+                      <a:rPr lang="en-US" altLang="zh-TW" sz="1500" b="0" i="1" smtClean="0">
+                        <a:latin typeface="Cambria Math" panose="02040503050406030204" pitchFamily="18" charset="0"/>
+                      </a:rPr>
+                      <m:t>)</m:t>
                     </m:r>
                   </m:oMath>
                 </a14:m>
@@ -15083,7 +14837,7 @@
             </p:txBody>
           </p:sp>
         </mc:Choice>
-        <mc:Fallback>
+        <mc:Fallback xmlns="">
           <p:sp>
             <p:nvSpPr>
               <p:cNvPr id="8" name="文字方塊 7"/>
@@ -15122,8 +14876,8 @@
           </p:sp>
         </mc:Fallback>
       </mc:AlternateContent>
-      <mc:AlternateContent xmlns:mc="http://schemas.openxmlformats.org/markup-compatibility/2006">
-        <mc:Choice xmlns:a14="http://schemas.microsoft.com/office/drawing/2010/main" Requires="a14">
+      <mc:AlternateContent xmlns:mc="http://schemas.openxmlformats.org/markup-compatibility/2006" xmlns:a14="http://schemas.microsoft.com/office/drawing/2010/main">
+        <mc:Choice Requires="a14">
           <p:sp>
             <p:nvSpPr>
               <p:cNvPr id="9" name="文字方塊 8"/>
@@ -15263,7 +15017,13 @@
                             <a:rPr lang="en-US" altLang="zh-TW" sz="1500" b="0" i="1" smtClean="0">
                               <a:latin typeface="Cambria Math" panose="02040503050406030204" pitchFamily="18" charset="0"/>
                             </a:rPr>
-                            <m:t>1−</m:t>
+                            <m:t>1</m:t>
+                          </m:r>
+                          <m:r>
+                            <a:rPr lang="en-US" altLang="zh-TW" sz="1500" b="0" i="1" smtClean="0">
+                              <a:latin typeface="Cambria Math" panose="02040503050406030204" pitchFamily="18" charset="0"/>
+                            </a:rPr>
+                            <m:t>−</m:t>
                           </m:r>
                           <m:sSubSup>
                             <m:sSubSupPr>
@@ -15431,7 +15191,7 @@
             </p:txBody>
           </p:sp>
         </mc:Choice>
-        <mc:Fallback>
+        <mc:Fallback xmlns="">
           <p:sp>
             <p:nvSpPr>
               <p:cNvPr id="9" name="文字方塊 8"/>
@@ -15958,8 +15718,8 @@
           </a:prstGeom>
         </p:spPr>
       </p:pic>
-      <mc:AlternateContent xmlns:mc="http://schemas.openxmlformats.org/markup-compatibility/2006">
-        <mc:Choice xmlns:a14="http://schemas.microsoft.com/office/drawing/2010/main" Requires="a14">
+      <mc:AlternateContent xmlns:mc="http://schemas.openxmlformats.org/markup-compatibility/2006" xmlns:a14="http://schemas.microsoft.com/office/drawing/2010/main">
+        <mc:Choice Requires="a14">
           <p:sp>
             <p:nvSpPr>
               <p:cNvPr id="21" name="文字方塊 20"/>
@@ -15982,6 +15742,7 @@
               </a:bodyPr>
               <a:lstStyle/>
               <a:p>
+                <a:pPr/>
                 <a14:m>
                   <m:oMathPara xmlns:m="http://schemas.openxmlformats.org/officeDocument/2006/math">
                     <m:oMathParaPr>
@@ -16002,7 +15763,7 @@
             </p:txBody>
           </p:sp>
         </mc:Choice>
-        <mc:Fallback>
+        <mc:Fallback xmlns="">
           <p:sp>
             <p:nvSpPr>
               <p:cNvPr id="21" name="文字方塊 20"/>
@@ -16322,8 +16083,8 @@
           <a:chExt cx="0" cy="0"/>
         </a:xfrm>
       </p:grpSpPr>
-      <mc:AlternateContent xmlns:mc="http://schemas.openxmlformats.org/markup-compatibility/2006">
-        <mc:Choice xmlns:a14="http://schemas.microsoft.com/office/drawing/2010/main" Requires="a14">
+      <mc:AlternateContent xmlns:mc="http://schemas.openxmlformats.org/markup-compatibility/2006" xmlns:a14="http://schemas.microsoft.com/office/drawing/2010/main">
+        <mc:Choice Requires="a14">
           <p:sp>
             <p:nvSpPr>
               <p:cNvPr id="4" name="文字方塊 3"/>
@@ -17081,7 +16842,7 @@
             </p:txBody>
           </p:sp>
         </mc:Choice>
-        <mc:Fallback>
+        <mc:Fallback xmlns="">
           <p:sp>
             <p:nvSpPr>
               <p:cNvPr id="4" name="文字方塊 3"/>
@@ -17168,8 +16929,8 @@
           </a:prstGeom>
         </p:spPr>
       </p:pic>
-      <mc:AlternateContent xmlns:mc="http://schemas.openxmlformats.org/markup-compatibility/2006">
-        <mc:Choice xmlns:a14="http://schemas.microsoft.com/office/drawing/2010/main" Requires="a14">
+      <mc:AlternateContent xmlns:mc="http://schemas.openxmlformats.org/markup-compatibility/2006" xmlns:a14="http://schemas.microsoft.com/office/drawing/2010/main">
+        <mc:Choice Requires="a14">
           <p:sp>
             <p:nvSpPr>
               <p:cNvPr id="7" name="文字方塊 6"/>
@@ -17192,6 +16953,7 @@
               </a:bodyPr>
               <a:lstStyle/>
               <a:p>
+                <a:pPr/>
                 <a14:m>
                   <m:oMathPara xmlns:m="http://schemas.openxmlformats.org/officeDocument/2006/math">
                     <m:oMathParaPr>
@@ -17569,7 +17331,7 @@
             </p:txBody>
           </p:sp>
         </mc:Choice>
-        <mc:Fallback>
+        <mc:Fallback xmlns="">
           <p:sp>
             <p:nvSpPr>
               <p:cNvPr id="7" name="文字方塊 6"/>
@@ -17608,8 +17370,8 @@
           </p:sp>
         </mc:Fallback>
       </mc:AlternateContent>
-      <mc:AlternateContent xmlns:mc="http://schemas.openxmlformats.org/markup-compatibility/2006">
-        <mc:Choice xmlns:a14="http://schemas.microsoft.com/office/drawing/2010/main" Requires="a14">
+      <mc:AlternateContent xmlns:mc="http://schemas.openxmlformats.org/markup-compatibility/2006" xmlns:a14="http://schemas.microsoft.com/office/drawing/2010/main">
+        <mc:Choice Requires="a14">
           <p:sp>
             <p:nvSpPr>
               <p:cNvPr id="8" name="文字方塊 7"/>
@@ -17632,6 +17394,7 @@
               </a:bodyPr>
               <a:lstStyle/>
               <a:p>
+                <a:pPr/>
                 <a14:m>
                   <m:oMathPara xmlns:m="http://schemas.openxmlformats.org/officeDocument/2006/math">
                     <m:oMathParaPr>
@@ -17861,7 +17624,7 @@
             </p:txBody>
           </p:sp>
         </mc:Choice>
-        <mc:Fallback>
+        <mc:Fallback xmlns="">
           <p:sp>
             <p:nvSpPr>
               <p:cNvPr id="8" name="文字方塊 7"/>
@@ -17924,8 +17687,8 @@
           </a:prstGeom>
         </p:spPr>
       </p:pic>
-      <mc:AlternateContent xmlns:mc="http://schemas.openxmlformats.org/markup-compatibility/2006">
-        <mc:Choice xmlns:a14="http://schemas.microsoft.com/office/drawing/2010/main" Requires="a14">
+      <mc:AlternateContent xmlns:mc="http://schemas.openxmlformats.org/markup-compatibility/2006" xmlns:a14="http://schemas.microsoft.com/office/drawing/2010/main">
+        <mc:Choice Requires="a14">
           <p:sp>
             <p:nvSpPr>
               <p:cNvPr id="10" name="文字方塊 9"/>
@@ -17948,6 +17711,7 @@
               </a:bodyPr>
               <a:lstStyle/>
               <a:p>
+                <a:pPr/>
                 <a14:m>
                   <m:oMathPara xmlns:m="http://schemas.openxmlformats.org/officeDocument/2006/math">
                     <m:oMathParaPr>
@@ -17968,7 +17732,7 @@
             </p:txBody>
           </p:sp>
         </mc:Choice>
-        <mc:Fallback>
+        <mc:Fallback xmlns="">
           <p:sp>
             <p:nvSpPr>
               <p:cNvPr id="10" name="文字方塊 9"/>
@@ -18329,10 +18093,1609 @@
           <a:chExt cx="0" cy="0"/>
         </a:xfrm>
       </p:grpSpPr>
+      <mc:AlternateContent xmlns:mc="http://schemas.openxmlformats.org/markup-compatibility/2006">
+        <mc:Choice xmlns:a14="http://schemas.microsoft.com/office/drawing/2010/main" Requires="a14">
+          <p:sp>
+            <p:nvSpPr>
+              <p:cNvPr id="2" name="文字方塊 1"/>
+              <p:cNvSpPr txBox="1"/>
+              <p:nvPr/>
+            </p:nvSpPr>
+            <p:spPr>
+              <a:xfrm>
+                <a:off x="2" y="0"/>
+                <a:ext cx="12191998" cy="1036694"/>
+              </a:xfrm>
+              <a:prstGeom prst="rect">
+                <a:avLst/>
+              </a:prstGeom>
+              <a:noFill/>
+            </p:spPr>
+            <p:txBody>
+              <a:bodyPr wrap="square" rtlCol="0">
+                <a:spAutoFit/>
+              </a:bodyPr>
+              <a:lstStyle/>
+              <a:p>
+                <a:pPr marL="285750" indent="-285750" algn="just">
+                  <a:buFont typeface="Wingdings" panose="05000000000000000000" pitchFamily="2" charset="2"/>
+                  <a:buChar char="p"/>
+                </a:pPr>
+                <a:r>
+                  <a:rPr lang="en-US" altLang="zh-TW" sz="1600" dirty="0" smtClean="0">
+                    <a:latin typeface="Times New Roman" panose="02020603050405020304" pitchFamily="18" charset="0"/>
+                    <a:cs typeface="Times New Roman" panose="02020603050405020304" pitchFamily="18" charset="0"/>
+                  </a:rPr>
+                  <a:t>Consider a linear channel with bandwidth W . The channel is equally divided into three sub-channels which has squared magnitude response </a:t>
+                </a:r>
+                <a14:m>
+                  <m:oMath xmlns:m="http://schemas.openxmlformats.org/officeDocument/2006/math">
+                    <m:sSup>
+                      <m:sSupPr>
+                        <m:ctrlPr>
+                          <a:rPr lang="en-US" altLang="zh-TW" sz="1600" b="0" i="1" smtClean="0">
+                            <a:latin typeface="Cambria Math" panose="02040503050406030204" pitchFamily="18" charset="0"/>
+                          </a:rPr>
+                        </m:ctrlPr>
+                      </m:sSupPr>
+                      <m:e>
+                        <m:d>
+                          <m:dPr>
+                            <m:begChr m:val="|"/>
+                            <m:endChr m:val="|"/>
+                            <m:ctrlPr>
+                              <a:rPr lang="en-US" altLang="zh-TW" sz="1600" b="0" i="1" smtClean="0">
+                                <a:latin typeface="Cambria Math" panose="02040503050406030204" pitchFamily="18" charset="0"/>
+                              </a:rPr>
+                            </m:ctrlPr>
+                          </m:dPr>
+                          <m:e>
+                            <m:r>
+                              <a:rPr lang="en-US" altLang="zh-TW" sz="1600" b="0" i="1" smtClean="0">
+                                <a:latin typeface="Cambria Math" panose="02040503050406030204" pitchFamily="18" charset="0"/>
+                              </a:rPr>
+                              <m:t>𝐻</m:t>
+                            </m:r>
+                            <m:d>
+                              <m:dPr>
+                                <m:ctrlPr>
+                                  <a:rPr lang="en-US" altLang="zh-TW" sz="1600" b="0" i="1" smtClean="0">
+                                    <a:latin typeface="Cambria Math" panose="02040503050406030204" pitchFamily="18" charset="0"/>
+                                  </a:rPr>
+                                </m:ctrlPr>
+                              </m:dPr>
+                              <m:e>
+                                <m:r>
+                                  <a:rPr lang="en-US" altLang="zh-TW" sz="1600" b="0" i="1" smtClean="0">
+                                    <a:latin typeface="Cambria Math" panose="02040503050406030204" pitchFamily="18" charset="0"/>
+                                  </a:rPr>
+                                  <m:t>𝑓</m:t>
+                                </m:r>
+                              </m:e>
+                            </m:d>
+                          </m:e>
+                        </m:d>
+                      </m:e>
+                      <m:sup>
+                        <m:r>
+                          <a:rPr lang="en-US" altLang="zh-TW" sz="1600" b="0" i="1" smtClean="0">
+                            <a:latin typeface="Cambria Math" panose="02040503050406030204" pitchFamily="18" charset="0"/>
+                          </a:rPr>
+                          <m:t>2</m:t>
+                        </m:r>
+                      </m:sup>
+                    </m:sSup>
+                  </m:oMath>
+                </a14:m>
+                <a:r>
+                  <a:rPr lang="zh-TW" altLang="en-US" sz="1600" dirty="0" smtClean="0">
+                    <a:latin typeface="Times New Roman" panose="02020603050405020304" pitchFamily="18" charset="0"/>
+                    <a:cs typeface="Times New Roman" panose="02020603050405020304" pitchFamily="18" charset="0"/>
+                  </a:rPr>
+                  <a:t> </a:t>
+                </a:r>
+                <a:r>
+                  <a:rPr lang="en-US" altLang="zh-TW" sz="1600" dirty="0" smtClean="0">
+                    <a:latin typeface="Times New Roman" panose="02020603050405020304" pitchFamily="18" charset="0"/>
+                    <a:cs typeface="Times New Roman" panose="02020603050405020304" pitchFamily="18" charset="0"/>
+                  </a:rPr>
+                  <a:t>in </a:t>
+                </a:r>
+                <a:r>
+                  <a:rPr lang="en-US" altLang="zh-TW" sz="1600" dirty="0">
+                    <a:latin typeface="Times New Roman" panose="02020603050405020304" pitchFamily="18" charset="0"/>
+                    <a:cs typeface="Times New Roman" panose="02020603050405020304" pitchFamily="18" charset="0"/>
+                  </a:rPr>
+                  <a:t>the piecewise-linear form with </a:t>
+                </a:r>
+                <a14:m>
+                  <m:oMath xmlns:m="http://schemas.openxmlformats.org/officeDocument/2006/math">
+                    <m:sSup>
+                      <m:sSupPr>
+                        <m:ctrlPr>
+                          <a:rPr lang="en-US" altLang="zh-TW" sz="1600" b="0" i="1" smtClean="0">
+                            <a:latin typeface="Cambria Math" panose="02040503050406030204" pitchFamily="18" charset="0"/>
+                          </a:rPr>
+                        </m:ctrlPr>
+                      </m:sSupPr>
+                      <m:e>
+                        <m:d>
+                          <m:dPr>
+                            <m:begChr m:val="|"/>
+                            <m:endChr m:val="|"/>
+                            <m:ctrlPr>
+                              <a:rPr lang="en-US" altLang="zh-TW" sz="1600" b="0" i="1" smtClean="0">
+                                <a:latin typeface="Cambria Math" panose="02040503050406030204" pitchFamily="18" charset="0"/>
+                              </a:rPr>
+                            </m:ctrlPr>
+                          </m:dPr>
+                          <m:e>
+                            <m:r>
+                              <a:rPr lang="en-US" altLang="zh-TW" sz="1600" b="0" i="1" smtClean="0">
+                                <a:latin typeface="Cambria Math" panose="02040503050406030204" pitchFamily="18" charset="0"/>
+                              </a:rPr>
+                              <m:t>𝐻</m:t>
+                            </m:r>
+                            <m:d>
+                              <m:dPr>
+                                <m:ctrlPr>
+                                  <a:rPr lang="en-US" altLang="zh-TW" sz="1600" b="0" i="1" smtClean="0">
+                                    <a:latin typeface="Cambria Math" panose="02040503050406030204" pitchFamily="18" charset="0"/>
+                                  </a:rPr>
+                                </m:ctrlPr>
+                              </m:dPr>
+                              <m:e>
+                                <m:sSub>
+                                  <m:sSubPr>
+                                    <m:ctrlPr>
+                                      <a:rPr lang="en-US" altLang="zh-TW" sz="1600" b="0" i="1" smtClean="0">
+                                        <a:latin typeface="Cambria Math" panose="02040503050406030204" pitchFamily="18" charset="0"/>
+                                      </a:rPr>
+                                    </m:ctrlPr>
+                                  </m:sSubPr>
+                                  <m:e>
+                                    <m:r>
+                                      <a:rPr lang="en-US" altLang="zh-TW" sz="1600" b="0" i="1" smtClean="0">
+                                        <a:latin typeface="Cambria Math" panose="02040503050406030204" pitchFamily="18" charset="0"/>
+                                      </a:rPr>
+                                      <m:t>𝑓</m:t>
+                                    </m:r>
+                                  </m:e>
+                                  <m:sub>
+                                    <m:r>
+                                      <a:rPr lang="en-US" altLang="zh-TW" sz="1600" b="0" i="1" smtClean="0">
+                                        <a:latin typeface="Cambria Math" panose="02040503050406030204" pitchFamily="18" charset="0"/>
+                                      </a:rPr>
+                                      <m:t>𝑖</m:t>
+                                    </m:r>
+                                  </m:sub>
+                                </m:sSub>
+                              </m:e>
+                            </m:d>
+                          </m:e>
+                        </m:d>
+                      </m:e>
+                      <m:sup>
+                        <m:r>
+                          <a:rPr lang="en-US" altLang="zh-TW" sz="1600" b="0" i="1" smtClean="0">
+                            <a:latin typeface="Cambria Math" panose="02040503050406030204" pitchFamily="18" charset="0"/>
+                          </a:rPr>
+                          <m:t>2</m:t>
+                        </m:r>
+                      </m:sup>
+                    </m:sSup>
+                    <m:r>
+                      <a:rPr lang="en-US" altLang="zh-TW" sz="1600" b="0" i="1" smtClean="0">
+                        <a:latin typeface="Cambria Math" panose="02040503050406030204" pitchFamily="18" charset="0"/>
+                      </a:rPr>
+                      <m:t>=</m:t>
+                    </m:r>
+                    <m:r>
+                      <a:rPr lang="en-US" altLang="zh-TW" sz="1600" b="0" i="1" smtClean="0">
+                        <a:latin typeface="Cambria Math" panose="02040503050406030204" pitchFamily="18" charset="0"/>
+                      </a:rPr>
+                      <m:t>1</m:t>
+                    </m:r>
+                    <m:r>
+                      <a:rPr lang="en-US" altLang="zh-TW" sz="1600" b="0" i="1" smtClean="0">
+                        <a:latin typeface="Cambria Math" panose="02040503050406030204" pitchFamily="18" charset="0"/>
+                      </a:rPr>
+                      <m:t>, </m:t>
+                    </m:r>
+                    <m:f>
+                      <m:fPr>
+                        <m:ctrlPr>
+                          <a:rPr lang="en-US" altLang="zh-TW" sz="1600" b="0" i="1" smtClean="0">
+                            <a:latin typeface="Cambria Math" panose="02040503050406030204" pitchFamily="18" charset="0"/>
+                          </a:rPr>
+                        </m:ctrlPr>
+                      </m:fPr>
+                      <m:num>
+                        <m:r>
+                          <a:rPr lang="en-US" altLang="zh-TW" sz="1600" b="0" i="1" smtClean="0">
+                            <a:latin typeface="Cambria Math" panose="02040503050406030204" pitchFamily="18" charset="0"/>
+                          </a:rPr>
+                          <m:t>1</m:t>
+                        </m:r>
+                      </m:num>
+                      <m:den>
+                        <m:r>
+                          <a:rPr lang="en-US" altLang="zh-TW" sz="1600" b="0" i="1" smtClean="0">
+                            <a:latin typeface="Cambria Math" panose="02040503050406030204" pitchFamily="18" charset="0"/>
+                          </a:rPr>
+                          <m:t>3</m:t>
+                        </m:r>
+                      </m:den>
+                    </m:f>
+                    <m:r>
+                      <a:rPr lang="en-US" altLang="zh-TW" sz="1600" b="0" i="1" smtClean="0">
+                        <a:latin typeface="Cambria Math" panose="02040503050406030204" pitchFamily="18" charset="0"/>
+                      </a:rPr>
+                      <m:t>, </m:t>
+                    </m:r>
+                    <m:f>
+                      <m:fPr>
+                        <m:ctrlPr>
+                          <a:rPr lang="en-US" altLang="zh-TW" sz="1600" b="0" i="1" smtClean="0">
+                            <a:latin typeface="Cambria Math" panose="02040503050406030204" pitchFamily="18" charset="0"/>
+                          </a:rPr>
+                        </m:ctrlPr>
+                      </m:fPr>
+                      <m:num>
+                        <m:r>
+                          <a:rPr lang="en-US" altLang="zh-TW" sz="1600" b="0" i="1" smtClean="0">
+                            <a:latin typeface="Cambria Math" panose="02040503050406030204" pitchFamily="18" charset="0"/>
+                          </a:rPr>
+                          <m:t>1</m:t>
+                        </m:r>
+                      </m:num>
+                      <m:den>
+                        <m:r>
+                          <a:rPr lang="en-US" altLang="zh-TW" sz="1600" b="0" i="1" smtClean="0">
+                            <a:latin typeface="Cambria Math" panose="02040503050406030204" pitchFamily="18" charset="0"/>
+                          </a:rPr>
+                          <m:t>5</m:t>
+                        </m:r>
+                      </m:den>
+                    </m:f>
+                  </m:oMath>
+                </a14:m>
+                <a:r>
+                  <a:rPr lang="en-US" altLang="zh-TW" sz="1600" dirty="0" smtClean="0">
+                    <a:latin typeface="Times New Roman" panose="02020603050405020304" pitchFamily="18" charset="0"/>
+                    <a:cs typeface="Times New Roman" panose="02020603050405020304" pitchFamily="18" charset="0"/>
+                  </a:rPr>
+                  <a:t> for </a:t>
+                </a:r>
+                <a:r>
+                  <a:rPr lang="en-US" altLang="zh-TW" sz="1600" dirty="0">
+                    <a:latin typeface="Times New Roman" panose="02020603050405020304" pitchFamily="18" charset="0"/>
+                    <a:cs typeface="Times New Roman" panose="02020603050405020304" pitchFamily="18" charset="0"/>
+                  </a:rPr>
+                  <a:t>sub-channels </a:t>
+                </a:r>
+                <a14:m>
+                  <m:oMath xmlns:m="http://schemas.openxmlformats.org/officeDocument/2006/math">
+                    <m:r>
+                      <a:rPr lang="en-US" altLang="zh-TW" sz="1600" b="0" i="1" smtClean="0">
+                        <a:latin typeface="Cambria Math" panose="02040503050406030204" pitchFamily="18" charset="0"/>
+                      </a:rPr>
+                      <m:t>𝑖</m:t>
+                    </m:r>
+                    <m:r>
+                      <a:rPr lang="en-US" altLang="zh-TW" sz="1600" b="0" i="1" smtClean="0">
+                        <a:latin typeface="Cambria Math" panose="02040503050406030204" pitchFamily="18" charset="0"/>
+                      </a:rPr>
+                      <m:t>=</m:t>
+                    </m:r>
+                  </m:oMath>
+                </a14:m>
+                <a:r>
+                  <a:rPr lang="ml-IN" altLang="zh-TW" sz="1600" dirty="0" smtClean="0">
+                    <a:latin typeface="Times New Roman" panose="02020603050405020304" pitchFamily="18" charset="0"/>
+                  </a:rPr>
+                  <a:t>1,2 </a:t>
+                </a:r>
+                <a:r>
+                  <a:rPr lang="en-US" altLang="zh-TW" sz="1600" dirty="0">
+                    <a:latin typeface="Times New Roman" panose="02020603050405020304" pitchFamily="18" charset="0"/>
+                    <a:cs typeface="Times New Roman" panose="02020603050405020304" pitchFamily="18" charset="0"/>
+                  </a:rPr>
+                  <a:t>and 3 respectively. Assume the system transmits data at the rate equal to the Shannon’s channel capacity and the noise variance </a:t>
+                </a:r>
+                <a14:m>
+                  <m:oMath xmlns:m="http://schemas.openxmlformats.org/officeDocument/2006/math">
+                    <m:sSubSup>
+                      <m:sSubSupPr>
+                        <m:ctrlPr>
+                          <a:rPr lang="en-US" altLang="zh-TW" sz="1600" b="0" i="1" smtClean="0">
+                            <a:latin typeface="Cambria Math" panose="02040503050406030204" pitchFamily="18" charset="0"/>
+                          </a:rPr>
+                        </m:ctrlPr>
+                      </m:sSubSupPr>
+                      <m:e>
+                        <m:r>
+                          <a:rPr lang="en-US" altLang="zh-TW" sz="1600" b="0" i="1" smtClean="0">
+                            <a:latin typeface="Cambria Math" panose="02040503050406030204" pitchFamily="18" charset="0"/>
+                          </a:rPr>
+                          <m:t>𝜎</m:t>
+                        </m:r>
+                      </m:e>
+                      <m:sub>
+                        <m:r>
+                          <a:rPr lang="en-US" altLang="zh-TW" sz="1600" b="0" i="1" smtClean="0">
+                            <a:latin typeface="Cambria Math" panose="02040503050406030204" pitchFamily="18" charset="0"/>
+                          </a:rPr>
+                          <m:t>𝑖</m:t>
+                        </m:r>
+                      </m:sub>
+                      <m:sup>
+                        <m:r>
+                          <a:rPr lang="en-US" altLang="zh-TW" sz="1600" b="0" i="1" smtClean="0">
+                            <a:latin typeface="Cambria Math" panose="02040503050406030204" pitchFamily="18" charset="0"/>
+                          </a:rPr>
+                          <m:t>2</m:t>
+                        </m:r>
+                      </m:sup>
+                    </m:sSubSup>
+                    <m:r>
+                      <a:rPr lang="en-US" altLang="zh-TW" sz="1600" b="0" i="1" smtClean="0">
+                        <a:latin typeface="Cambria Math" panose="02040503050406030204" pitchFamily="18" charset="0"/>
+                      </a:rPr>
+                      <m:t>=</m:t>
+                    </m:r>
+                    <m:r>
+                      <a:rPr lang="en-US" altLang="zh-TW" sz="1600" b="0" i="1" smtClean="0">
+                        <a:latin typeface="Cambria Math" panose="02040503050406030204" pitchFamily="18" charset="0"/>
+                      </a:rPr>
+                      <m:t>1</m:t>
+                    </m:r>
+                    <m:r>
+                      <a:rPr lang="en-US" altLang="zh-TW" sz="1600" b="0" i="1" smtClean="0">
+                        <a:latin typeface="Cambria Math" panose="02040503050406030204" pitchFamily="18" charset="0"/>
+                      </a:rPr>
+                      <m:t>, </m:t>
+                    </m:r>
+                    <m:f>
+                      <m:fPr>
+                        <m:ctrlPr>
+                          <a:rPr lang="en-US" altLang="zh-TW" sz="1600" b="0" i="1" smtClean="0">
+                            <a:latin typeface="Cambria Math" panose="02040503050406030204" pitchFamily="18" charset="0"/>
+                          </a:rPr>
+                        </m:ctrlPr>
+                      </m:fPr>
+                      <m:num>
+                        <m:r>
+                          <a:rPr lang="en-US" altLang="zh-TW" sz="1600" b="0" i="1" smtClean="0">
+                            <a:latin typeface="Cambria Math" panose="02040503050406030204" pitchFamily="18" charset="0"/>
+                          </a:rPr>
+                          <m:t>1</m:t>
+                        </m:r>
+                      </m:num>
+                      <m:den>
+                        <m:r>
+                          <a:rPr lang="en-US" altLang="zh-TW" sz="1600" b="0" i="1" smtClean="0">
+                            <a:latin typeface="Cambria Math" panose="02040503050406030204" pitchFamily="18" charset="0"/>
+                          </a:rPr>
+                          <m:t>2</m:t>
+                        </m:r>
+                      </m:den>
+                    </m:f>
+                    <m:r>
+                      <a:rPr lang="en-US" altLang="zh-TW" sz="1600" b="0" i="1" smtClean="0">
+                        <a:latin typeface="Cambria Math" panose="02040503050406030204" pitchFamily="18" charset="0"/>
+                      </a:rPr>
+                      <m:t>, </m:t>
+                    </m:r>
+                    <m:f>
+                      <m:fPr>
+                        <m:ctrlPr>
+                          <a:rPr lang="en-US" altLang="zh-TW" sz="1600" b="0" i="1" smtClean="0">
+                            <a:latin typeface="Cambria Math" panose="02040503050406030204" pitchFamily="18" charset="0"/>
+                          </a:rPr>
+                        </m:ctrlPr>
+                      </m:fPr>
+                      <m:num>
+                        <m:r>
+                          <a:rPr lang="en-US" altLang="zh-TW" sz="1600" b="0" i="1" smtClean="0">
+                            <a:latin typeface="Cambria Math" panose="02040503050406030204" pitchFamily="18" charset="0"/>
+                          </a:rPr>
+                          <m:t>1</m:t>
+                        </m:r>
+                      </m:num>
+                      <m:den>
+                        <m:r>
+                          <a:rPr lang="en-US" altLang="zh-TW" sz="1600" b="0" i="1" smtClean="0">
+                            <a:latin typeface="Cambria Math" panose="02040503050406030204" pitchFamily="18" charset="0"/>
+                          </a:rPr>
+                          <m:t>3</m:t>
+                        </m:r>
+                      </m:den>
+                    </m:f>
+                  </m:oMath>
+                </a14:m>
+                <a:r>
+                  <a:rPr lang="en-US" altLang="zh-TW" sz="1600" dirty="0" smtClean="0">
+                    <a:latin typeface="Times New Roman" panose="02020603050405020304" pitchFamily="18" charset="0"/>
+                    <a:cs typeface="Times New Roman" panose="02020603050405020304" pitchFamily="18" charset="0"/>
+                  </a:rPr>
+                  <a:t> for </a:t>
+                </a:r>
+                <a:r>
+                  <a:rPr lang="en-US" altLang="zh-TW" sz="1600" dirty="0" err="1">
+                    <a:latin typeface="Times New Roman" panose="02020603050405020304" pitchFamily="18" charset="0"/>
+                    <a:cs typeface="Times New Roman" panose="02020603050405020304" pitchFamily="18" charset="0"/>
+                  </a:rPr>
+                  <a:t>subchannels</a:t>
+                </a:r>
+                <a:r>
+                  <a:rPr lang="en-US" altLang="zh-TW" sz="1600" dirty="0">
+                    <a:latin typeface="Times New Roman" panose="02020603050405020304" pitchFamily="18" charset="0"/>
+                    <a:cs typeface="Times New Roman" panose="02020603050405020304" pitchFamily="18" charset="0"/>
+                  </a:rPr>
+                  <a:t> </a:t>
+                </a:r>
+                <a14:m>
+                  <m:oMath xmlns:m="http://schemas.openxmlformats.org/officeDocument/2006/math">
+                    <m:r>
+                      <a:rPr lang="en-US" altLang="zh-TW" sz="1600" b="0" i="1" smtClean="0">
+                        <a:latin typeface="Cambria Math" panose="02040503050406030204" pitchFamily="18" charset="0"/>
+                      </a:rPr>
+                      <m:t>𝑖</m:t>
+                    </m:r>
+                    <m:r>
+                      <a:rPr lang="en-US" altLang="zh-TW" sz="1600" b="0" i="1" smtClean="0">
+                        <a:latin typeface="Cambria Math" panose="02040503050406030204" pitchFamily="18" charset="0"/>
+                      </a:rPr>
+                      <m:t>=</m:t>
+                    </m:r>
+                  </m:oMath>
+                </a14:m>
+                <a:r>
+                  <a:rPr lang="ml-IN" altLang="zh-TW" sz="1600" dirty="0" smtClean="0">
+                    <a:latin typeface="Times New Roman" panose="02020603050405020304" pitchFamily="18" charset="0"/>
+                  </a:rPr>
+                  <a:t>1,2 </a:t>
+                </a:r>
+                <a:r>
+                  <a:rPr lang="en-US" altLang="zh-TW" sz="1600" dirty="0">
+                    <a:latin typeface="Times New Roman" panose="02020603050405020304" pitchFamily="18" charset="0"/>
+                    <a:cs typeface="Times New Roman" panose="02020603050405020304" pitchFamily="18" charset="0"/>
+                  </a:rPr>
+                  <a:t>and 3 respectively. </a:t>
+                </a:r>
+                <a:endParaRPr lang="en-US" altLang="zh-TW" sz="1600" dirty="0">
+                  <a:latin typeface="Times New Roman" panose="02020603050405020304" pitchFamily="18" charset="0"/>
+                  <a:cs typeface="Times New Roman" panose="02020603050405020304" pitchFamily="18" charset="0"/>
+                </a:endParaRPr>
+              </a:p>
+            </p:txBody>
+          </p:sp>
+        </mc:Choice>
+        <mc:Fallback>
+          <p:sp>
+            <p:nvSpPr>
+              <p:cNvPr id="2" name="文字方塊 1"/>
+              <p:cNvSpPr txBox="1">
+                <a:spLocks noRot="1" noChangeAspect="1" noMove="1" noResize="1" noEditPoints="1" noAdjustHandles="1" noChangeArrowheads="1" noChangeShapeType="1" noTextEdit="1"/>
+              </p:cNvSpPr>
+              <p:nvPr/>
+            </p:nvSpPr>
+            <p:spPr>
+              <a:xfrm>
+                <a:off x="2" y="0"/>
+                <a:ext cx="12191998" cy="1036694"/>
+              </a:xfrm>
+              <a:prstGeom prst="rect">
+                <a:avLst/>
+              </a:prstGeom>
+              <a:blipFill>
+                <a:blip r:embed="rId2"/>
+                <a:stretch>
+                  <a:fillRect l="-200" t="-1765" r="-250" b="-1176"/>
+                </a:stretch>
+              </a:blipFill>
+            </p:spPr>
+            <p:txBody>
+              <a:bodyPr/>
+              <a:lstStyle/>
+              <a:p>
+                <a:r>
+                  <a:rPr lang="zh-TW" altLang="en-US">
+                    <a:noFill/>
+                  </a:rPr>
+                  <a:t> </a:t>
+                </a:r>
+              </a:p>
+            </p:txBody>
+          </p:sp>
+        </mc:Fallback>
+      </mc:AlternateContent>
+      <mc:AlternateContent xmlns:mc="http://schemas.openxmlformats.org/markup-compatibility/2006">
+        <mc:Choice xmlns:a14="http://schemas.microsoft.com/office/drawing/2010/main" Requires="a14">
+          <p:sp>
+            <p:nvSpPr>
+              <p:cNvPr id="3" name="文字方塊 2"/>
+              <p:cNvSpPr txBox="1"/>
+              <p:nvPr/>
+            </p:nvSpPr>
+            <p:spPr>
+              <a:xfrm>
+                <a:off x="245532" y="939800"/>
+                <a:ext cx="11946467" cy="830997"/>
+              </a:xfrm>
+              <a:prstGeom prst="rect">
+                <a:avLst/>
+              </a:prstGeom>
+              <a:noFill/>
+            </p:spPr>
+            <p:txBody>
+              <a:bodyPr wrap="square" rtlCol="0">
+                <a:spAutoFit/>
+              </a:bodyPr>
+              <a:lstStyle/>
+              <a:p>
+                <a:pPr algn="just"/>
+                <a:r>
+                  <a:rPr lang="en-US" altLang="zh-TW" sz="1600" dirty="0" smtClean="0">
+                    <a:latin typeface="Times New Roman" panose="02020603050405020304" pitchFamily="18" charset="0"/>
+                    <a:cs typeface="Times New Roman" panose="02020603050405020304" pitchFamily="18" charset="0"/>
+                  </a:rPr>
+                  <a:t>(a) Let the total transmit power be constrained such that </a:t>
+                </a:r>
+                <a14:m>
+                  <m:oMath xmlns:m="http://schemas.openxmlformats.org/officeDocument/2006/math">
+                    <m:sSub>
+                      <m:sSubPr>
+                        <m:ctrlPr>
+                          <a:rPr lang="en-US" altLang="zh-TW" sz="1600" b="0" i="1" smtClean="0">
+                            <a:latin typeface="Cambria Math" panose="02040503050406030204" pitchFamily="18" charset="0"/>
+                          </a:rPr>
+                        </m:ctrlPr>
+                      </m:sSubPr>
+                      <m:e>
+                        <m:r>
+                          <a:rPr lang="en-US" altLang="zh-TW" sz="1600" b="0" i="1" smtClean="0">
+                            <a:latin typeface="Cambria Math" panose="02040503050406030204" pitchFamily="18" charset="0"/>
+                          </a:rPr>
+                          <m:t>𝑃</m:t>
+                        </m:r>
+                      </m:e>
+                      <m:sub>
+                        <m:r>
+                          <a:rPr lang="en-US" altLang="zh-TW" sz="1600" b="0" i="1" smtClean="0">
+                            <a:latin typeface="Cambria Math" panose="02040503050406030204" pitchFamily="18" charset="0"/>
+                          </a:rPr>
+                          <m:t>1</m:t>
+                        </m:r>
+                      </m:sub>
+                    </m:sSub>
+                    <m:r>
+                      <a:rPr lang="en-US" altLang="zh-TW" sz="1600" b="0" i="1" smtClean="0">
+                        <a:latin typeface="Cambria Math" panose="02040503050406030204" pitchFamily="18" charset="0"/>
+                      </a:rPr>
+                      <m:t>+</m:t>
+                    </m:r>
+                    <m:sSub>
+                      <m:sSubPr>
+                        <m:ctrlPr>
+                          <a:rPr lang="en-US" altLang="zh-TW" sz="1600" b="0" i="1" smtClean="0">
+                            <a:latin typeface="Cambria Math" panose="02040503050406030204" pitchFamily="18" charset="0"/>
+                          </a:rPr>
+                        </m:ctrlPr>
+                      </m:sSubPr>
+                      <m:e>
+                        <m:r>
+                          <a:rPr lang="en-US" altLang="zh-TW" sz="1600" b="0" i="1" smtClean="0">
+                            <a:latin typeface="Cambria Math" panose="02040503050406030204" pitchFamily="18" charset="0"/>
+                          </a:rPr>
+                          <m:t>𝑃</m:t>
+                        </m:r>
+                      </m:e>
+                      <m:sub>
+                        <m:r>
+                          <a:rPr lang="en-US" altLang="zh-TW" sz="1600" b="0" i="1" smtClean="0">
+                            <a:latin typeface="Cambria Math" panose="02040503050406030204" pitchFamily="18" charset="0"/>
+                          </a:rPr>
+                          <m:t>2</m:t>
+                        </m:r>
+                      </m:sub>
+                    </m:sSub>
+                    <m:r>
+                      <a:rPr lang="en-US" altLang="zh-TW" sz="1600" b="0" i="1" smtClean="0">
+                        <a:latin typeface="Cambria Math" panose="02040503050406030204" pitchFamily="18" charset="0"/>
+                      </a:rPr>
+                      <m:t>+</m:t>
+                    </m:r>
+                    <m:sSub>
+                      <m:sSubPr>
+                        <m:ctrlPr>
+                          <a:rPr lang="en-US" altLang="zh-TW" sz="1600" b="0" i="1" smtClean="0">
+                            <a:latin typeface="Cambria Math" panose="02040503050406030204" pitchFamily="18" charset="0"/>
+                          </a:rPr>
+                        </m:ctrlPr>
+                      </m:sSubPr>
+                      <m:e>
+                        <m:r>
+                          <a:rPr lang="en-US" altLang="zh-TW" sz="1600" b="0" i="1" smtClean="0">
+                            <a:latin typeface="Cambria Math" panose="02040503050406030204" pitchFamily="18" charset="0"/>
+                          </a:rPr>
+                          <m:t>𝑃</m:t>
+                        </m:r>
+                      </m:e>
+                      <m:sub>
+                        <m:r>
+                          <a:rPr lang="en-US" altLang="zh-TW" sz="1600" b="0" i="1" smtClean="0">
+                            <a:latin typeface="Cambria Math" panose="02040503050406030204" pitchFamily="18" charset="0"/>
+                          </a:rPr>
+                          <m:t>3</m:t>
+                        </m:r>
+                      </m:sub>
+                    </m:sSub>
+                    <m:r>
+                      <a:rPr lang="en-US" altLang="zh-TW" sz="1600" b="0" i="1" smtClean="0">
+                        <a:latin typeface="Cambria Math" panose="02040503050406030204" pitchFamily="18" charset="0"/>
+                      </a:rPr>
+                      <m:t>=</m:t>
+                    </m:r>
+                    <m:r>
+                      <a:rPr lang="en-US" altLang="zh-TW" sz="1600" b="0" i="1" smtClean="0">
+                        <a:latin typeface="Cambria Math" panose="02040503050406030204" pitchFamily="18" charset="0"/>
+                      </a:rPr>
+                      <m:t>𝑃</m:t>
+                    </m:r>
+                  </m:oMath>
+                </a14:m>
+                <a:r>
+                  <a:rPr lang="en-US" altLang="zh-TW" sz="1600" dirty="0" smtClean="0">
+                    <a:latin typeface="Times New Roman" panose="02020603050405020304" pitchFamily="18" charset="0"/>
+                    <a:cs typeface="Times New Roman" panose="02020603050405020304" pitchFamily="18" charset="0"/>
+                  </a:rPr>
+                  <a:t> </a:t>
+                </a:r>
+                <a:r>
+                  <a:rPr lang="en-US" altLang="zh-TW" sz="1600" dirty="0">
+                    <a:latin typeface="Times New Roman" panose="02020603050405020304" pitchFamily="18" charset="0"/>
+                    <a:cs typeface="Times New Roman" panose="02020603050405020304" pitchFamily="18" charset="0"/>
+                  </a:rPr>
+                  <a:t>is constant. Please derive the formulas for the optimum powers </a:t>
+                </a:r>
+                <a14:m>
+                  <m:oMath xmlns:m="http://schemas.openxmlformats.org/officeDocument/2006/math">
+                    <m:sSub>
+                      <m:sSubPr>
+                        <m:ctrlPr>
+                          <a:rPr lang="en-US" altLang="zh-TW" sz="1600" b="0" i="1" smtClean="0">
+                            <a:latin typeface="Cambria Math" panose="02040503050406030204" pitchFamily="18" charset="0"/>
+                          </a:rPr>
+                        </m:ctrlPr>
+                      </m:sSubPr>
+                      <m:e>
+                        <m:r>
+                          <a:rPr lang="en-US" altLang="zh-TW" sz="1600" b="0" i="1" smtClean="0">
+                            <a:latin typeface="Cambria Math" panose="02040503050406030204" pitchFamily="18" charset="0"/>
+                          </a:rPr>
+                          <m:t>𝑃</m:t>
+                        </m:r>
+                      </m:e>
+                      <m:sub>
+                        <m:r>
+                          <a:rPr lang="en-US" altLang="zh-TW" sz="1600" b="0" i="1" smtClean="0">
+                            <a:latin typeface="Cambria Math" panose="02040503050406030204" pitchFamily="18" charset="0"/>
+                          </a:rPr>
+                          <m:t>1</m:t>
+                        </m:r>
+                      </m:sub>
+                    </m:sSub>
+                    <m:r>
+                      <a:rPr lang="en-US" altLang="zh-TW" sz="1600" b="0" i="1" smtClean="0">
+                        <a:latin typeface="Cambria Math" panose="02040503050406030204" pitchFamily="18" charset="0"/>
+                      </a:rPr>
+                      <m:t>, </m:t>
+                    </m:r>
+                    <m:sSub>
+                      <m:sSubPr>
+                        <m:ctrlPr>
+                          <a:rPr lang="en-US" altLang="zh-TW" sz="1600" b="0" i="1" smtClean="0">
+                            <a:latin typeface="Cambria Math" panose="02040503050406030204" pitchFamily="18" charset="0"/>
+                          </a:rPr>
+                        </m:ctrlPr>
+                      </m:sSubPr>
+                      <m:e>
+                        <m:r>
+                          <a:rPr lang="en-US" altLang="zh-TW" sz="1600" b="0" i="1" smtClean="0">
+                            <a:latin typeface="Cambria Math" panose="02040503050406030204" pitchFamily="18" charset="0"/>
+                          </a:rPr>
+                          <m:t>𝑃</m:t>
+                        </m:r>
+                      </m:e>
+                      <m:sub>
+                        <m:r>
+                          <a:rPr lang="en-US" altLang="zh-TW" sz="1600" b="0" i="1" smtClean="0">
+                            <a:latin typeface="Cambria Math" panose="02040503050406030204" pitchFamily="18" charset="0"/>
+                          </a:rPr>
+                          <m:t>2</m:t>
+                        </m:r>
+                      </m:sub>
+                    </m:sSub>
+                    <m:r>
+                      <a:rPr lang="en-US" altLang="zh-TW" sz="1600" b="0" i="1" smtClean="0">
+                        <a:latin typeface="Cambria Math" panose="02040503050406030204" pitchFamily="18" charset="0"/>
+                      </a:rPr>
+                      <m:t> </m:t>
+                    </m:r>
+                    <m:r>
+                      <a:rPr lang="en-US" altLang="zh-TW" sz="1600" b="0" i="1" smtClean="0">
+                        <a:latin typeface="Cambria Math" panose="02040503050406030204" pitchFamily="18" charset="0"/>
+                      </a:rPr>
+                      <m:t>𝑎𝑛𝑑</m:t>
+                    </m:r>
+                    <m:r>
+                      <a:rPr lang="en-US" altLang="zh-TW" sz="1600" b="0" i="1" smtClean="0">
+                        <a:latin typeface="Cambria Math" panose="02040503050406030204" pitchFamily="18" charset="0"/>
+                      </a:rPr>
+                      <m:t> </m:t>
+                    </m:r>
+                    <m:sSub>
+                      <m:sSubPr>
+                        <m:ctrlPr>
+                          <a:rPr lang="en-US" altLang="zh-TW" sz="1600" b="0" i="1" smtClean="0">
+                            <a:latin typeface="Cambria Math" panose="02040503050406030204" pitchFamily="18" charset="0"/>
+                          </a:rPr>
+                        </m:ctrlPr>
+                      </m:sSubPr>
+                      <m:e>
+                        <m:r>
+                          <a:rPr lang="en-US" altLang="zh-TW" sz="1600" b="0" i="1" smtClean="0">
+                            <a:latin typeface="Cambria Math" panose="02040503050406030204" pitchFamily="18" charset="0"/>
+                          </a:rPr>
+                          <m:t>𝑃</m:t>
+                        </m:r>
+                      </m:e>
+                      <m:sub>
+                        <m:r>
+                          <a:rPr lang="en-US" altLang="zh-TW" sz="1600" b="0" i="1" smtClean="0">
+                            <a:latin typeface="Cambria Math" panose="02040503050406030204" pitchFamily="18" charset="0"/>
+                          </a:rPr>
+                          <m:t>3</m:t>
+                        </m:r>
+                      </m:sub>
+                    </m:sSub>
+                  </m:oMath>
+                </a14:m>
+                <a:r>
+                  <a:rPr lang="zh-TW" altLang="en-US" sz="1600" dirty="0" smtClean="0">
+                    <a:latin typeface="Times New Roman" panose="02020603050405020304" pitchFamily="18" charset="0"/>
+                    <a:cs typeface="Times New Roman" panose="02020603050405020304" pitchFamily="18" charset="0"/>
+                  </a:rPr>
+                  <a:t> </a:t>
+                </a:r>
+                <a:r>
+                  <a:rPr lang="en-US" altLang="zh-TW" sz="1600" dirty="0">
+                    <a:latin typeface="Times New Roman" panose="02020603050405020304" pitchFamily="18" charset="0"/>
+                    <a:cs typeface="Times New Roman" panose="02020603050405020304" pitchFamily="18" charset="0"/>
+                  </a:rPr>
+                  <a:t>allocated to the three sub-channels of frequency bands such that the overall channel capacity of the entire system can be </a:t>
+                </a:r>
+                <a:r>
+                  <a:rPr lang="en-US" altLang="zh-TW" sz="1600" dirty="0" smtClean="0">
+                    <a:latin typeface="Times New Roman" panose="02020603050405020304" pitchFamily="18" charset="0"/>
+                    <a:cs typeface="Times New Roman" panose="02020603050405020304" pitchFamily="18" charset="0"/>
+                  </a:rPr>
+                  <a:t>maximized.</a:t>
+                </a:r>
+                <a:endParaRPr lang="zh-TW" altLang="en-US" sz="1600" dirty="0">
+                  <a:latin typeface="Times New Roman" panose="02020603050405020304" pitchFamily="18" charset="0"/>
+                  <a:cs typeface="Times New Roman" panose="02020603050405020304" pitchFamily="18" charset="0"/>
+                </a:endParaRPr>
+              </a:p>
+            </p:txBody>
+          </p:sp>
+        </mc:Choice>
+        <mc:Fallback>
+          <p:sp>
+            <p:nvSpPr>
+              <p:cNvPr id="3" name="文字方塊 2"/>
+              <p:cNvSpPr txBox="1">
+                <a:spLocks noRot="1" noChangeAspect="1" noMove="1" noResize="1" noEditPoints="1" noAdjustHandles="1" noChangeArrowheads="1" noChangeShapeType="1" noTextEdit="1"/>
+              </p:cNvSpPr>
+              <p:nvPr/>
+            </p:nvSpPr>
+            <p:spPr>
+              <a:xfrm>
+                <a:off x="245532" y="939800"/>
+                <a:ext cx="11946467" cy="830997"/>
+              </a:xfrm>
+              <a:prstGeom prst="rect">
+                <a:avLst/>
+              </a:prstGeom>
+              <a:blipFill>
+                <a:blip r:embed="rId3"/>
+                <a:stretch>
+                  <a:fillRect l="-255" t="-2206" r="-306" b="-8824"/>
+                </a:stretch>
+              </a:blipFill>
+            </p:spPr>
+            <p:txBody>
+              <a:bodyPr/>
+              <a:lstStyle/>
+              <a:p>
+                <a:r>
+                  <a:rPr lang="zh-TW" altLang="en-US">
+                    <a:noFill/>
+                  </a:rPr>
+                  <a:t> </a:t>
+                </a:r>
+              </a:p>
+            </p:txBody>
+          </p:sp>
+        </mc:Fallback>
+      </mc:AlternateContent>
+      <mc:AlternateContent xmlns:mc="http://schemas.openxmlformats.org/markup-compatibility/2006">
+        <mc:Choice xmlns:a14="http://schemas.microsoft.com/office/drawing/2010/main" Requires="a14">
+          <p:sp>
+            <p:nvSpPr>
+              <p:cNvPr id="4" name="文字方塊 3"/>
+              <p:cNvSpPr txBox="1"/>
+              <p:nvPr/>
+            </p:nvSpPr>
+            <p:spPr>
+              <a:xfrm>
+                <a:off x="245531" y="1710267"/>
+                <a:ext cx="11506200" cy="338554"/>
+              </a:xfrm>
+              <a:prstGeom prst="rect">
+                <a:avLst/>
+              </a:prstGeom>
+              <a:noFill/>
+            </p:spPr>
+            <p:txBody>
+              <a:bodyPr wrap="square" rtlCol="0">
+                <a:spAutoFit/>
+              </a:bodyPr>
+              <a:lstStyle/>
+              <a:p>
+                <a:pPr algn="just"/>
+                <a:r>
+                  <a:rPr lang="en-US" altLang="zh-TW" sz="1600" dirty="0" smtClean="0">
+                    <a:latin typeface="Times New Roman" panose="02020603050405020304" pitchFamily="18" charset="0"/>
+                    <a:cs typeface="Times New Roman" panose="02020603050405020304" pitchFamily="18" charset="0"/>
+                  </a:rPr>
+                  <a:t>(b) </a:t>
+                </a:r>
+                <a:r>
+                  <a:rPr lang="en-US" altLang="zh-TW" sz="1600" dirty="0">
+                    <a:latin typeface="Times New Roman" panose="02020603050405020304" pitchFamily="18" charset="0"/>
+                    <a:cs typeface="Times New Roman" panose="02020603050405020304" pitchFamily="18" charset="0"/>
+                  </a:rPr>
+                  <a:t>Given the total transmit </a:t>
+                </a:r>
+                <a:r>
+                  <a:rPr lang="en-US" altLang="zh-TW" sz="1600" dirty="0" smtClean="0">
+                    <a:latin typeface="Times New Roman" panose="02020603050405020304" pitchFamily="18" charset="0"/>
+                    <a:cs typeface="Times New Roman" panose="02020603050405020304" pitchFamily="18" charset="0"/>
+                  </a:rPr>
+                  <a:t>power </a:t>
+                </a:r>
+                <a14:m>
+                  <m:oMath xmlns:m="http://schemas.openxmlformats.org/officeDocument/2006/math">
+                    <m:r>
+                      <a:rPr lang="en-US" altLang="zh-TW" sz="1600" b="0" i="1" smtClean="0">
+                        <a:latin typeface="Cambria Math" panose="02040503050406030204" pitchFamily="18" charset="0"/>
+                      </a:rPr>
+                      <m:t>𝑃</m:t>
+                    </m:r>
+                    <m:r>
+                      <a:rPr lang="en-US" altLang="zh-TW" sz="1600" b="0" i="1" smtClean="0">
+                        <a:latin typeface="Cambria Math" panose="02040503050406030204" pitchFamily="18" charset="0"/>
+                      </a:rPr>
+                      <m:t>=</m:t>
+                    </m:r>
+                    <m:r>
+                      <a:rPr lang="en-US" altLang="zh-TW" sz="1600" b="0" i="1" smtClean="0">
+                        <a:latin typeface="Cambria Math" panose="02040503050406030204" pitchFamily="18" charset="0"/>
+                      </a:rPr>
+                      <m:t>2</m:t>
+                    </m:r>
+                  </m:oMath>
+                </a14:m>
+                <a:r>
+                  <a:rPr lang="en-US" altLang="zh-TW" sz="1600" dirty="0" smtClean="0">
+                    <a:latin typeface="Times New Roman" panose="02020603050405020304" pitchFamily="18" charset="0"/>
+                    <a:cs typeface="Times New Roman" panose="02020603050405020304" pitchFamily="18" charset="0"/>
+                  </a:rPr>
+                  <a:t>, </a:t>
+                </a:r>
+                <a:r>
+                  <a:rPr lang="en-US" altLang="zh-TW" sz="1600" dirty="0">
+                    <a:latin typeface="Times New Roman" panose="02020603050405020304" pitchFamily="18" charset="0"/>
+                    <a:cs typeface="Times New Roman" panose="02020603050405020304" pitchFamily="18" charset="0"/>
+                  </a:rPr>
+                  <a:t>and </a:t>
+                </a:r>
+                <a:r>
+                  <a:rPr lang="en-US" altLang="zh-TW" sz="1600" dirty="0" err="1">
+                    <a:latin typeface="Times New Roman" panose="02020603050405020304" pitchFamily="18" charset="0"/>
+                    <a:cs typeface="Times New Roman" panose="02020603050405020304" pitchFamily="18" charset="0"/>
+                  </a:rPr>
+                  <a:t>subchannel</a:t>
+                </a:r>
+                <a:r>
+                  <a:rPr lang="en-US" altLang="zh-TW" sz="1600" dirty="0">
+                    <a:latin typeface="Times New Roman" panose="02020603050405020304" pitchFamily="18" charset="0"/>
+                    <a:cs typeface="Times New Roman" panose="02020603050405020304" pitchFamily="18" charset="0"/>
+                  </a:rPr>
+                  <a:t> </a:t>
+                </a:r>
+                <a:r>
+                  <a:rPr lang="en-US" altLang="zh-TW" sz="1600" dirty="0" smtClean="0">
+                    <a:latin typeface="Times New Roman" panose="02020603050405020304" pitchFamily="18" charset="0"/>
+                    <a:cs typeface="Times New Roman" panose="02020603050405020304" pitchFamily="18" charset="0"/>
+                  </a:rPr>
+                  <a:t>bandwidth </a:t>
+                </a:r>
+                <a14:m>
+                  <m:oMath xmlns:m="http://schemas.openxmlformats.org/officeDocument/2006/math">
+                    <m:r>
+                      <m:rPr>
+                        <m:sty m:val="p"/>
+                      </m:rPr>
+                      <a:rPr lang="en-US" altLang="zh-TW" sz="1600" b="0" i="0" smtClean="0">
+                        <a:latin typeface="Cambria Math" panose="02040503050406030204" pitchFamily="18" charset="0"/>
+                      </a:rPr>
+                      <m:t>Δ</m:t>
+                    </m:r>
+                    <m:r>
+                      <a:rPr lang="en-US" altLang="zh-TW" sz="1600" b="0" i="1" smtClean="0">
+                        <a:latin typeface="Cambria Math" panose="02040503050406030204" pitchFamily="18" charset="0"/>
+                      </a:rPr>
+                      <m:t>𝑓</m:t>
+                    </m:r>
+                    <m:r>
+                      <a:rPr lang="en-US" altLang="zh-TW" sz="1600" b="0" i="1" smtClean="0">
+                        <a:latin typeface="Cambria Math" panose="02040503050406030204" pitchFamily="18" charset="0"/>
+                      </a:rPr>
+                      <m:t>=</m:t>
+                    </m:r>
+                    <m:r>
+                      <a:rPr lang="en-US" altLang="zh-TW" sz="1600" b="0" i="1" smtClean="0">
+                        <a:latin typeface="Cambria Math" panose="02040503050406030204" pitchFamily="18" charset="0"/>
+                      </a:rPr>
+                      <m:t>2</m:t>
+                    </m:r>
+                  </m:oMath>
+                </a14:m>
+                <a:r>
+                  <a:rPr lang="en-US" altLang="zh-TW" sz="1600" dirty="0" smtClean="0">
+                    <a:latin typeface="Times New Roman" panose="02020603050405020304" pitchFamily="18" charset="0"/>
+                    <a:cs typeface="Times New Roman" panose="02020603050405020304" pitchFamily="18" charset="0"/>
+                  </a:rPr>
+                  <a:t>, </a:t>
+                </a:r>
+                <a:r>
+                  <a:rPr lang="en-US" altLang="zh-TW" sz="1600" dirty="0">
+                    <a:latin typeface="Times New Roman" panose="02020603050405020304" pitchFamily="18" charset="0"/>
+                    <a:cs typeface="Times New Roman" panose="02020603050405020304" pitchFamily="18" charset="0"/>
+                  </a:rPr>
+                  <a:t>please calculate the corresponding values of </a:t>
+                </a:r>
+                <a14:m>
+                  <m:oMath xmlns:m="http://schemas.openxmlformats.org/officeDocument/2006/math">
+                    <m:sSub>
+                      <m:sSubPr>
+                        <m:ctrlPr>
+                          <a:rPr lang="en-US" altLang="zh-TW" sz="1600" b="0" i="1" smtClean="0">
+                            <a:latin typeface="Cambria Math" panose="02040503050406030204" pitchFamily="18" charset="0"/>
+                          </a:rPr>
+                        </m:ctrlPr>
+                      </m:sSubPr>
+                      <m:e>
+                        <m:r>
+                          <a:rPr lang="en-US" altLang="zh-TW" sz="1600" b="0" i="1" smtClean="0">
+                            <a:latin typeface="Cambria Math" panose="02040503050406030204" pitchFamily="18" charset="0"/>
+                          </a:rPr>
+                          <m:t>𝑃</m:t>
+                        </m:r>
+                      </m:e>
+                      <m:sub>
+                        <m:r>
+                          <a:rPr lang="en-US" altLang="zh-TW" sz="1600" b="0" i="1" smtClean="0">
+                            <a:latin typeface="Cambria Math" panose="02040503050406030204" pitchFamily="18" charset="0"/>
+                          </a:rPr>
+                          <m:t>1</m:t>
+                        </m:r>
+                      </m:sub>
+                    </m:sSub>
+                    <m:r>
+                      <a:rPr lang="en-US" altLang="zh-TW" sz="1600" b="0" i="1" smtClean="0">
+                        <a:latin typeface="Cambria Math" panose="02040503050406030204" pitchFamily="18" charset="0"/>
+                      </a:rPr>
+                      <m:t>, </m:t>
+                    </m:r>
+                    <m:sSub>
+                      <m:sSubPr>
+                        <m:ctrlPr>
+                          <a:rPr lang="en-US" altLang="zh-TW" sz="1600" b="0" i="1" smtClean="0">
+                            <a:latin typeface="Cambria Math" panose="02040503050406030204" pitchFamily="18" charset="0"/>
+                          </a:rPr>
+                        </m:ctrlPr>
+                      </m:sSubPr>
+                      <m:e>
+                        <m:r>
+                          <a:rPr lang="en-US" altLang="zh-TW" sz="1600" b="0" i="1" smtClean="0">
+                            <a:latin typeface="Cambria Math" panose="02040503050406030204" pitchFamily="18" charset="0"/>
+                          </a:rPr>
+                          <m:t>𝑃</m:t>
+                        </m:r>
+                      </m:e>
+                      <m:sub>
+                        <m:r>
+                          <a:rPr lang="en-US" altLang="zh-TW" sz="1600" b="0" i="1" smtClean="0">
+                            <a:latin typeface="Cambria Math" panose="02040503050406030204" pitchFamily="18" charset="0"/>
+                          </a:rPr>
+                          <m:t>2</m:t>
+                        </m:r>
+                      </m:sub>
+                    </m:sSub>
+                    <m:r>
+                      <a:rPr lang="en-US" altLang="zh-TW" sz="1600" b="0" i="1" smtClean="0">
+                        <a:latin typeface="Cambria Math" panose="02040503050406030204" pitchFamily="18" charset="0"/>
+                      </a:rPr>
+                      <m:t> </m:t>
+                    </m:r>
+                    <m:r>
+                      <a:rPr lang="en-US" altLang="zh-TW" sz="1600" b="0" i="1" smtClean="0">
+                        <a:latin typeface="Cambria Math" panose="02040503050406030204" pitchFamily="18" charset="0"/>
+                      </a:rPr>
+                      <m:t>𝑎𝑛𝑑</m:t>
+                    </m:r>
+                    <m:r>
+                      <a:rPr lang="en-US" altLang="zh-TW" sz="1600" b="0" i="1" smtClean="0">
+                        <a:latin typeface="Cambria Math" panose="02040503050406030204" pitchFamily="18" charset="0"/>
+                      </a:rPr>
+                      <m:t> </m:t>
+                    </m:r>
+                    <m:sSub>
+                      <m:sSubPr>
+                        <m:ctrlPr>
+                          <a:rPr lang="en-US" altLang="zh-TW" sz="1600" b="0" i="1" smtClean="0">
+                            <a:latin typeface="Cambria Math" panose="02040503050406030204" pitchFamily="18" charset="0"/>
+                          </a:rPr>
+                        </m:ctrlPr>
+                      </m:sSubPr>
+                      <m:e>
+                        <m:r>
+                          <a:rPr lang="en-US" altLang="zh-TW" sz="1600" b="0" i="1" smtClean="0">
+                            <a:latin typeface="Cambria Math" panose="02040503050406030204" pitchFamily="18" charset="0"/>
+                          </a:rPr>
+                          <m:t>𝑃</m:t>
+                        </m:r>
+                      </m:e>
+                      <m:sub>
+                        <m:r>
+                          <a:rPr lang="en-US" altLang="zh-TW" sz="1600" b="0" i="1" smtClean="0">
+                            <a:latin typeface="Cambria Math" panose="02040503050406030204" pitchFamily="18" charset="0"/>
+                          </a:rPr>
+                          <m:t>3</m:t>
+                        </m:r>
+                      </m:sub>
+                    </m:sSub>
+                    <m:r>
+                      <a:rPr lang="en-US" altLang="zh-TW" sz="1600" b="0" i="1" smtClean="0">
+                        <a:latin typeface="Cambria Math" panose="02040503050406030204" pitchFamily="18" charset="0"/>
+                      </a:rPr>
+                      <m:t>.</m:t>
+                    </m:r>
+                  </m:oMath>
+                </a14:m>
+                <a:endParaRPr lang="zh-TW" altLang="en-US" sz="1600" dirty="0">
+                  <a:latin typeface="Times New Roman" panose="02020603050405020304" pitchFamily="18" charset="0"/>
+                  <a:cs typeface="Times New Roman" panose="02020603050405020304" pitchFamily="18" charset="0"/>
+                </a:endParaRPr>
+              </a:p>
+            </p:txBody>
+          </p:sp>
+        </mc:Choice>
+        <mc:Fallback>
+          <p:sp>
+            <p:nvSpPr>
+              <p:cNvPr id="4" name="文字方塊 3"/>
+              <p:cNvSpPr txBox="1">
+                <a:spLocks noRot="1" noChangeAspect="1" noMove="1" noResize="1" noEditPoints="1" noAdjustHandles="1" noChangeArrowheads="1" noChangeShapeType="1" noTextEdit="1"/>
+              </p:cNvSpPr>
+              <p:nvPr/>
+            </p:nvSpPr>
+            <p:spPr>
+              <a:xfrm>
+                <a:off x="245531" y="1710267"/>
+                <a:ext cx="11506200" cy="338554"/>
+              </a:xfrm>
+              <a:prstGeom prst="rect">
+                <a:avLst/>
+              </a:prstGeom>
+              <a:blipFill>
+                <a:blip r:embed="rId4"/>
+                <a:stretch>
+                  <a:fillRect l="-265" t="-5455" b="-23636"/>
+                </a:stretch>
+              </a:blipFill>
+            </p:spPr>
+            <p:txBody>
+              <a:bodyPr/>
+              <a:lstStyle/>
+              <a:p>
+                <a:r>
+                  <a:rPr lang="zh-TW" altLang="en-US">
+                    <a:noFill/>
+                  </a:rPr>
+                  <a:t> </a:t>
+                </a:r>
+              </a:p>
+            </p:txBody>
+          </p:sp>
+        </mc:Fallback>
+      </mc:AlternateContent>
+      <p:pic>
+        <p:nvPicPr>
+          <p:cNvPr id="5" name="圖片 4"/>
+          <p:cNvPicPr>
+            <a:picLocks noChangeAspect="1"/>
+          </p:cNvPicPr>
+          <p:nvPr/>
+        </p:nvPicPr>
+        <p:blipFill>
+          <a:blip r:embed="rId5"/>
+          <a:stretch>
+            <a:fillRect/>
+          </a:stretch>
+        </p:blipFill>
+        <p:spPr>
+          <a:xfrm>
+            <a:off x="245530" y="2046324"/>
+            <a:ext cx="4086224" cy="524124"/>
+          </a:xfrm>
+          <a:prstGeom prst="rect">
+            <a:avLst/>
+          </a:prstGeom>
+        </p:spPr>
+      </p:pic>
+      <p:pic>
+        <p:nvPicPr>
+          <p:cNvPr id="6" name="圖片 5"/>
+          <p:cNvPicPr>
+            <a:picLocks noChangeAspect="1"/>
+          </p:cNvPicPr>
+          <p:nvPr/>
+        </p:nvPicPr>
+        <p:blipFill>
+          <a:blip r:embed="rId6"/>
+          <a:stretch>
+            <a:fillRect/>
+          </a:stretch>
+        </p:blipFill>
+        <p:spPr>
+          <a:xfrm>
+            <a:off x="227008" y="2577547"/>
+            <a:ext cx="4104746" cy="266100"/>
+          </a:xfrm>
+          <a:prstGeom prst="rect">
+            <a:avLst/>
+          </a:prstGeom>
+        </p:spPr>
+      </p:pic>
+      <p:pic>
+        <p:nvPicPr>
+          <p:cNvPr id="7" name="圖片 6"/>
+          <p:cNvPicPr>
+            <a:picLocks noChangeAspect="1"/>
+          </p:cNvPicPr>
+          <p:nvPr/>
+        </p:nvPicPr>
+        <p:blipFill>
+          <a:blip r:embed="rId7"/>
+          <a:stretch>
+            <a:fillRect/>
+          </a:stretch>
+        </p:blipFill>
+        <p:spPr>
+          <a:xfrm>
+            <a:off x="4513310" y="2403151"/>
+            <a:ext cx="1705455" cy="614892"/>
+          </a:xfrm>
+          <a:prstGeom prst="rect">
+            <a:avLst/>
+          </a:prstGeom>
+        </p:spPr>
+      </p:pic>
+      <p:pic>
+        <p:nvPicPr>
+          <p:cNvPr id="8" name="圖片 7"/>
+          <p:cNvPicPr>
+            <a:picLocks noChangeAspect="1"/>
+          </p:cNvPicPr>
+          <p:nvPr/>
+        </p:nvPicPr>
+        <p:blipFill>
+          <a:blip r:embed="rId8"/>
+          <a:stretch>
+            <a:fillRect/>
+          </a:stretch>
+        </p:blipFill>
+        <p:spPr>
+          <a:xfrm>
+            <a:off x="6218765" y="2418762"/>
+            <a:ext cx="4057121" cy="558319"/>
+          </a:xfrm>
+          <a:prstGeom prst="rect">
+            <a:avLst/>
+          </a:prstGeom>
+        </p:spPr>
+      </p:pic>
+      <p:pic>
+        <p:nvPicPr>
+          <p:cNvPr id="9" name="圖片 8"/>
+          <p:cNvPicPr>
+            <a:picLocks noChangeAspect="1"/>
+          </p:cNvPicPr>
+          <p:nvPr/>
+        </p:nvPicPr>
+        <p:blipFill>
+          <a:blip r:embed="rId9"/>
+          <a:stretch>
+            <a:fillRect/>
+          </a:stretch>
+        </p:blipFill>
+        <p:spPr>
+          <a:xfrm>
+            <a:off x="245530" y="2850746"/>
+            <a:ext cx="4273549" cy="579374"/>
+          </a:xfrm>
+          <a:prstGeom prst="rect">
+            <a:avLst/>
+          </a:prstGeom>
+        </p:spPr>
+      </p:pic>
+      <p:pic>
+        <p:nvPicPr>
+          <p:cNvPr id="10" name="圖片 9"/>
+          <p:cNvPicPr>
+            <a:picLocks noChangeAspect="1"/>
+          </p:cNvPicPr>
+          <p:nvPr/>
+        </p:nvPicPr>
+        <p:blipFill>
+          <a:blip r:embed="rId10"/>
+          <a:stretch>
+            <a:fillRect/>
+          </a:stretch>
+        </p:blipFill>
+        <p:spPr>
+          <a:xfrm>
+            <a:off x="128533" y="3446568"/>
+            <a:ext cx="3179320" cy="1059773"/>
+          </a:xfrm>
+          <a:prstGeom prst="rect">
+            <a:avLst/>
+          </a:prstGeom>
+        </p:spPr>
+      </p:pic>
+      <p:pic>
+        <p:nvPicPr>
+          <p:cNvPr id="11" name="圖片 10"/>
+          <p:cNvPicPr>
+            <a:picLocks noChangeAspect="1"/>
+          </p:cNvPicPr>
+          <p:nvPr/>
+        </p:nvPicPr>
+        <p:blipFill>
+          <a:blip r:embed="rId11"/>
+          <a:stretch>
+            <a:fillRect/>
+          </a:stretch>
+        </p:blipFill>
+        <p:spPr>
+          <a:xfrm>
+            <a:off x="3346039" y="3430120"/>
+            <a:ext cx="2607236" cy="1118424"/>
+          </a:xfrm>
+          <a:prstGeom prst="rect">
+            <a:avLst/>
+          </a:prstGeom>
+        </p:spPr>
+      </p:pic>
+      <p:pic>
+        <p:nvPicPr>
+          <p:cNvPr id="12" name="圖片 11"/>
+          <p:cNvPicPr>
+            <a:picLocks noChangeAspect="1"/>
+          </p:cNvPicPr>
+          <p:nvPr/>
+        </p:nvPicPr>
+        <p:blipFill>
+          <a:blip r:embed="rId12"/>
+          <a:stretch>
+            <a:fillRect/>
+          </a:stretch>
+        </p:blipFill>
+        <p:spPr>
+          <a:xfrm>
+            <a:off x="5991461" y="3057201"/>
+            <a:ext cx="5221703" cy="1593273"/>
+          </a:xfrm>
+          <a:prstGeom prst="rect">
+            <a:avLst/>
+          </a:prstGeom>
+        </p:spPr>
+      </p:pic>
+      <p:sp>
+        <p:nvSpPr>
+          <p:cNvPr id="13" name="文字方塊 12"/>
+          <p:cNvSpPr txBox="1"/>
+          <p:nvPr/>
+        </p:nvSpPr>
+        <p:spPr>
+          <a:xfrm>
+            <a:off x="-30369" y="1906755"/>
+            <a:ext cx="436338" cy="369332"/>
+          </a:xfrm>
+          <a:prstGeom prst="rect">
+            <a:avLst/>
+          </a:prstGeom>
+          <a:noFill/>
+        </p:spPr>
+        <p:txBody>
+          <a:bodyPr wrap="none" rtlCol="0">
+            <a:spAutoFit/>
+          </a:bodyPr>
+          <a:lstStyle/>
+          <a:p>
+            <a:r>
+              <a:rPr lang="en-US" altLang="zh-TW" dirty="0" smtClean="0">
+                <a:solidFill>
+                  <a:srgbClr val="FF0000"/>
+                </a:solidFill>
+              </a:rPr>
+              <a:t>(a)</a:t>
+            </a:r>
+            <a:endParaRPr lang="zh-TW" altLang="en-US" dirty="0">
+              <a:solidFill>
+                <a:srgbClr val="FF0000"/>
+              </a:solidFill>
+            </a:endParaRPr>
+          </a:p>
+        </p:txBody>
+      </p:sp>
+      <p:sp>
+        <p:nvSpPr>
+          <p:cNvPr id="14" name="文字方塊 13"/>
+          <p:cNvSpPr txBox="1"/>
+          <p:nvPr/>
+        </p:nvSpPr>
+        <p:spPr>
+          <a:xfrm>
+            <a:off x="-41589" y="5011631"/>
+            <a:ext cx="447558" cy="369332"/>
+          </a:xfrm>
+          <a:prstGeom prst="rect">
+            <a:avLst/>
+          </a:prstGeom>
+          <a:noFill/>
+        </p:spPr>
+        <p:txBody>
+          <a:bodyPr wrap="none" rtlCol="0">
+            <a:spAutoFit/>
+          </a:bodyPr>
+          <a:lstStyle/>
+          <a:p>
+            <a:r>
+              <a:rPr lang="en-US" altLang="zh-TW" dirty="0" smtClean="0">
+                <a:solidFill>
+                  <a:srgbClr val="FF0000"/>
+                </a:solidFill>
+              </a:rPr>
+              <a:t>(b)</a:t>
+            </a:r>
+            <a:endParaRPr lang="zh-TW" altLang="en-US" dirty="0">
+              <a:solidFill>
+                <a:srgbClr val="FF0000"/>
+              </a:solidFill>
+            </a:endParaRPr>
+          </a:p>
+        </p:txBody>
+      </p:sp>
+      <p:pic>
+        <p:nvPicPr>
+          <p:cNvPr id="15" name="圖片 14"/>
+          <p:cNvPicPr>
+            <a:picLocks noChangeAspect="1"/>
+          </p:cNvPicPr>
+          <p:nvPr/>
+        </p:nvPicPr>
+        <p:blipFill>
+          <a:blip r:embed="rId13"/>
+          <a:stretch>
+            <a:fillRect/>
+          </a:stretch>
+        </p:blipFill>
+        <p:spPr>
+          <a:xfrm>
+            <a:off x="366593" y="4960621"/>
+            <a:ext cx="4031422" cy="441905"/>
+          </a:xfrm>
+          <a:prstGeom prst="rect">
+            <a:avLst/>
+          </a:prstGeom>
+        </p:spPr>
+      </p:pic>
+      <p:pic>
+        <p:nvPicPr>
+          <p:cNvPr id="16" name="圖片 15"/>
+          <p:cNvPicPr>
+            <a:picLocks noChangeAspect="1"/>
+          </p:cNvPicPr>
+          <p:nvPr/>
+        </p:nvPicPr>
+        <p:blipFill>
+          <a:blip r:embed="rId14"/>
+          <a:stretch>
+            <a:fillRect/>
+          </a:stretch>
+        </p:blipFill>
+        <p:spPr>
+          <a:xfrm>
+            <a:off x="62149" y="5499533"/>
+            <a:ext cx="4640310" cy="508108"/>
+          </a:xfrm>
+          <a:prstGeom prst="rect">
+            <a:avLst/>
+          </a:prstGeom>
+        </p:spPr>
+      </p:pic>
+      <p:pic>
+        <p:nvPicPr>
+          <p:cNvPr id="17" name="圖片 16"/>
+          <p:cNvPicPr>
+            <a:picLocks noChangeAspect="1"/>
+          </p:cNvPicPr>
+          <p:nvPr/>
+        </p:nvPicPr>
+        <p:blipFill>
+          <a:blip r:embed="rId15"/>
+          <a:stretch>
+            <a:fillRect/>
+          </a:stretch>
+        </p:blipFill>
+        <p:spPr>
+          <a:xfrm>
+            <a:off x="4792021" y="5455392"/>
+            <a:ext cx="1888179" cy="569452"/>
+          </a:xfrm>
+          <a:prstGeom prst="rect">
+            <a:avLst/>
+          </a:prstGeom>
+        </p:spPr>
+      </p:pic>
+      <p:grpSp>
+        <p:nvGrpSpPr>
+          <p:cNvPr id="21" name="群組 20"/>
+          <p:cNvGrpSpPr/>
+          <p:nvPr/>
+        </p:nvGrpSpPr>
+        <p:grpSpPr>
+          <a:xfrm>
+            <a:off x="7601502" y="4730594"/>
+            <a:ext cx="4383620" cy="1353113"/>
+            <a:chOff x="7787769" y="4735549"/>
+            <a:chExt cx="4383620" cy="1353113"/>
+          </a:xfrm>
+        </p:grpSpPr>
+        <p:pic>
+          <p:nvPicPr>
+            <p:cNvPr id="18" name="圖片 17"/>
+            <p:cNvPicPr>
+              <a:picLocks noChangeAspect="1"/>
+            </p:cNvPicPr>
+            <p:nvPr/>
+          </p:nvPicPr>
+          <p:blipFill>
+            <a:blip r:embed="rId16"/>
+            <a:stretch>
+              <a:fillRect/>
+            </a:stretch>
+          </p:blipFill>
+          <p:spPr>
+            <a:xfrm>
+              <a:off x="7787769" y="4735549"/>
+              <a:ext cx="4383620" cy="469195"/>
+            </a:xfrm>
+            <a:prstGeom prst="rect">
+              <a:avLst/>
+            </a:prstGeom>
+          </p:spPr>
+        </p:pic>
+        <p:pic>
+          <p:nvPicPr>
+            <p:cNvPr id="19" name="圖片 18"/>
+            <p:cNvPicPr>
+              <a:picLocks noChangeAspect="1"/>
+            </p:cNvPicPr>
+            <p:nvPr/>
+          </p:nvPicPr>
+          <p:blipFill>
+            <a:blip r:embed="rId17"/>
+            <a:stretch>
+              <a:fillRect/>
+            </a:stretch>
+          </p:blipFill>
+          <p:spPr>
+            <a:xfrm>
+              <a:off x="7787769" y="5166224"/>
+              <a:ext cx="4371977" cy="479597"/>
+            </a:xfrm>
+            <a:prstGeom prst="rect">
+              <a:avLst/>
+            </a:prstGeom>
+          </p:spPr>
+        </p:pic>
+        <p:pic>
+          <p:nvPicPr>
+            <p:cNvPr id="20" name="圖片 19"/>
+            <p:cNvPicPr>
+              <a:picLocks noChangeAspect="1"/>
+            </p:cNvPicPr>
+            <p:nvPr/>
+          </p:nvPicPr>
+          <p:blipFill>
+            <a:blip r:embed="rId18"/>
+            <a:stretch>
+              <a:fillRect/>
+            </a:stretch>
+          </p:blipFill>
+          <p:spPr>
+            <a:xfrm>
+              <a:off x="7815816" y="5645821"/>
+              <a:ext cx="4096279" cy="442841"/>
+            </a:xfrm>
+            <a:prstGeom prst="rect">
+              <a:avLst/>
+            </a:prstGeom>
+          </p:spPr>
+        </p:pic>
+      </p:grpSp>
     </p:spTree>
     <p:extLst>
       <p:ext uri="{BB962C8B-B14F-4D97-AF65-F5344CB8AC3E}">
         <p14:creationId xmlns:p14="http://schemas.microsoft.com/office/powerpoint/2010/main" val="1102998474"/>
+      </p:ext>
+    </p:extLst>
+  </p:cSld>
+  <p:clrMapOvr>
+    <a:masterClrMapping/>
+  </p:clrMapOvr>
+</p:sld>
+</file>
+
+<file path=ppt/slides/slide8.xml><?xml version="1.0" encoding="utf-8"?>
+<p:sld xmlns:a="http://schemas.openxmlformats.org/drawingml/2006/main" xmlns:r="http://schemas.openxmlformats.org/officeDocument/2006/relationships" xmlns:p="http://schemas.openxmlformats.org/presentationml/2006/main">
+  <p:cSld>
+    <p:spTree>
+      <p:nvGrpSpPr>
+        <p:cNvPr id="1" name=""/>
+        <p:cNvGrpSpPr/>
+        <p:nvPr/>
+      </p:nvGrpSpPr>
+      <p:grpSpPr>
+        <a:xfrm>
+          <a:off x="0" y="0"/>
+          <a:ext cx="0" cy="0"/>
+          <a:chOff x="0" y="0"/>
+          <a:chExt cx="0" cy="0"/>
+        </a:xfrm>
+      </p:grpSpPr>
+    </p:spTree>
+    <p:extLst>
+      <p:ext uri="{BB962C8B-B14F-4D97-AF65-F5344CB8AC3E}">
+        <p14:creationId xmlns:p14="http://schemas.microsoft.com/office/powerpoint/2010/main" val="2697794760"/>
       </p:ext>
     </p:extLst>
   </p:cSld>
